--- a/docs/Angular Training.pptx
+++ b/docs/Angular Training.pptx
@@ -117,14 +117,14 @@
   <p:notesSz cx="6858000" cy="9144000"/>
   <p:embeddedFontLst>
     <p:embeddedFont>
-      <p:font typeface="Roboto" panose="020B0604020202020204" charset="0"/>
+      <p:font typeface="Calibri" panose="020F0502020204030204" pitchFamily="34" charset="0"/>
       <p:regular r:id="rId107"/>
       <p:bold r:id="rId108"/>
       <p:italic r:id="rId109"/>
       <p:boldItalic r:id="rId110"/>
     </p:embeddedFont>
     <p:embeddedFont>
-      <p:font typeface="Calibri" panose="020F0502020204030204" pitchFamily="34" charset="0"/>
+      <p:font typeface="Roboto" panose="020B0604020202020204" charset="0"/>
       <p:regular r:id="rId111"/>
       <p:bold r:id="rId112"/>
       <p:italic r:id="rId113"/>
@@ -16576,13 +16576,6 @@
   <p:clrMapOvr>
     <a:masterClrMapping/>
   </p:clrMapOvr>
-  <p:timing>
-    <p:tnLst>
-      <p:par>
-        <p:cTn id="1" dur="indefinite" restart="never" nodeType="tmRoot"/>
-      </p:par>
-    </p:tnLst>
-  </p:timing>
 </p:sld>
 </file>
 
@@ -16641,30 +16634,112 @@
               <a:rPr lang="en-US" dirty="0">
                 <a:hlinkClick r:id="rId2"/>
               </a:rPr>
-              <a:t>https://code.visualstudio.com</a:t>
-            </a:r>
-            <a:r>
-              <a:rPr lang="en-US" dirty="0" smtClean="0">
-                <a:hlinkClick r:id="rId2"/>
-              </a:rPr>
-              <a:t>/</a:t>
-            </a:r>
-            <a:endParaRPr lang="vi-VN" dirty="0" smtClean="0"/>
+              <a:t>https://code.visualstudio.com/</a:t>
+            </a:r>
+            <a:endParaRPr lang="vi-VN" dirty="0"/>
           </a:p>
           <a:p>
             <a:r>
               <a:rPr lang="en-US" dirty="0">
                 <a:hlinkClick r:id="rId3"/>
               </a:rPr>
-              <a:t>https://</a:t>
-            </a:r>
-            <a:r>
-              <a:rPr lang="en-US" dirty="0" smtClean="0">
-                <a:hlinkClick r:id="rId3"/>
-              </a:rPr>
-              <a:t>code.visualstudio.com/docs/nodejs/angular-tutorial</a:t>
-            </a:r>
-            <a:endParaRPr lang="vi-VN" dirty="0" smtClean="0"/>
+              <a:t>https://code.visualstudio.com/docs/nodejs/angular-tutorial</a:t>
+            </a:r>
+            <a:endParaRPr lang="vi-VN" dirty="0"/>
+          </a:p>
+          <a:p>
+            <a:pPr lvl="1"/>
+            <a:r>
+              <a:rPr lang="en-US" b="0" i="0" dirty="0">
+                <a:solidFill>
+                  <a:srgbClr val="24292E"/>
+                </a:solidFill>
+                <a:effectLst/>
+                <a:latin typeface="-apple-system"/>
+              </a:rPr>
+              <a:t>Angular Language Service, </a:t>
+            </a:r>
+            <a:r>
+              <a:rPr lang="en-US" b="0" i="0" dirty="0" err="1">
+                <a:solidFill>
+                  <a:srgbClr val="24292E"/>
+                </a:solidFill>
+                <a:effectLst/>
+                <a:latin typeface="-apple-system"/>
+              </a:rPr>
+              <a:t>EditorConfig</a:t>
+            </a:r>
+            <a:r>
+              <a:rPr lang="en-US" b="0" i="0" dirty="0">
+                <a:solidFill>
+                  <a:srgbClr val="24292E"/>
+                </a:solidFill>
+                <a:effectLst/>
+                <a:latin typeface="-apple-system"/>
+              </a:rPr>
+              <a:t> for VS Code, </a:t>
+            </a:r>
+            <a:r>
+              <a:rPr lang="en-US" b="0" i="0" dirty="0" err="1">
+                <a:solidFill>
+                  <a:srgbClr val="24292E"/>
+                </a:solidFill>
+                <a:effectLst/>
+                <a:latin typeface="-apple-system"/>
+              </a:rPr>
+              <a:t>ESLint</a:t>
+            </a:r>
+            <a:r>
+              <a:rPr lang="en-US" b="0" i="0" dirty="0">
+                <a:solidFill>
+                  <a:srgbClr val="24292E"/>
+                </a:solidFill>
+                <a:effectLst/>
+                <a:latin typeface="-apple-system"/>
+              </a:rPr>
+              <a:t>/</a:t>
+            </a:r>
+            <a:r>
+              <a:rPr lang="en-US" b="0" i="0" dirty="0" err="1">
+                <a:solidFill>
+                  <a:srgbClr val="24292E"/>
+                </a:solidFill>
+                <a:effectLst/>
+                <a:latin typeface="-apple-system"/>
+              </a:rPr>
+              <a:t>TSLint</a:t>
+            </a:r>
+            <a:r>
+              <a:rPr lang="en-US" b="0" i="0" dirty="0">
+                <a:solidFill>
+                  <a:srgbClr val="24292E"/>
+                </a:solidFill>
+                <a:effectLst/>
+                <a:latin typeface="-apple-system"/>
+              </a:rPr>
+              <a:t>, </a:t>
+            </a:r>
+            <a:r>
+              <a:rPr lang="en-US" b="0" i="0" dirty="0" err="1">
+                <a:solidFill>
+                  <a:srgbClr val="24292E"/>
+                </a:solidFill>
+                <a:effectLst/>
+                <a:latin typeface="-apple-system"/>
+              </a:rPr>
+              <a:t>Nx</a:t>
+            </a:r>
+            <a:r>
+              <a:rPr lang="en-US" b="0" i="0" dirty="0">
+                <a:solidFill>
+                  <a:srgbClr val="24292E"/>
+                </a:solidFill>
+                <a:effectLst/>
+                <a:latin typeface="-apple-system"/>
+              </a:rPr>
+              <a:t> Console (optional)</a:t>
+            </a:r>
+            <a:endParaRPr lang="vi-VN" dirty="0"/>
           </a:p>
           <a:p>
             <a:endParaRPr lang="en-US" dirty="0"/>
@@ -16681,13 +16756,6 @@
   <p:clrMapOvr>
     <a:masterClrMapping/>
   </p:clrMapOvr>
-  <p:timing>
-    <p:tnLst>
-      <p:par>
-        <p:cTn id="1" dur="indefinite" restart="never" nodeType="tmRoot"/>
-      </p:par>
-    </p:tnLst>
-  </p:timing>
 </p:sld>
 </file>
 
@@ -17208,10 +17276,6 @@
                 <a:latin typeface="Droid Sans Mono"/>
               </a:rPr>
               <a:t>&lt;/a&gt;</a:t>
-            </a:r>
-            <a:r>
-              <a:rPr lang="en-US" dirty="0"/>
-              <a:t/>
             </a:r>
             <a:br>
               <a:rPr lang="en-US" dirty="0"/>
@@ -17988,13 +18052,6 @@
   <p:clrMapOvr>
     <a:masterClrMapping/>
   </p:clrMapOvr>
-  <p:timing>
-    <p:tnLst>
-      <p:par>
-        <p:cTn id="1" dur="indefinite" restart="never" nodeType="tmRoot"/>
-      </p:par>
-    </p:tnLst>
-  </p:timing>
 </p:sld>
 </file>
 
@@ -18086,10 +18143,10 @@
               <a:buNone/>
             </a:pPr>
             <a:r>
-              <a:rPr lang="en-US" dirty="0" smtClean="0"/>
+              <a:rPr lang="en-US" dirty="0"/>
               <a:t>2. Intro to Yarn</a:t>
             </a:r>
-            <a:endParaRPr lang="en-US" dirty="0" smtClean="0">
+            <a:endParaRPr lang="en-US" dirty="0">
               <a:hlinkClick r:id="rId3"/>
             </a:endParaRPr>
           </a:p>
@@ -18117,13 +18174,6 @@
   <p:clrMapOvr>
     <a:masterClrMapping/>
   </p:clrMapOvr>
-  <p:timing>
-    <p:tnLst>
-      <p:par>
-        <p:cTn id="1" dur="indefinite" restart="never" nodeType="tmRoot"/>
-      </p:par>
-    </p:tnLst>
-  </p:timing>
 </p:sld>
 </file>
 
@@ -18257,8 +18307,87 @@
                   <a:srgbClr val="FF0000"/>
                 </a:solidFill>
               </a:rPr>
-              <a:t>ng serve --open</a:t>
-            </a:r>
+              <a:t>ng serve –open</a:t>
+            </a:r>
+            <a:endParaRPr lang="vi-VN" dirty="0">
+              <a:solidFill>
+                <a:srgbClr val="FF0000"/>
+              </a:solidFill>
+            </a:endParaRPr>
+          </a:p>
+          <a:p>
+            <a:pPr marL="95250" indent="0">
+              <a:buNone/>
+            </a:pPr>
+            <a:r>
+              <a:rPr lang="fr-FR" dirty="0" err="1">
+                <a:solidFill>
+                  <a:srgbClr val="FF0000"/>
+                </a:solidFill>
+              </a:rPr>
+              <a:t>ng</a:t>
+            </a:r>
+            <a:r>
+              <a:rPr lang="fr-FR" dirty="0">
+                <a:solidFill>
+                  <a:srgbClr val="FF0000"/>
+                </a:solidFill>
+              </a:rPr>
+              <a:t> serve --port=</a:t>
+            </a:r>
+            <a:r>
+              <a:rPr lang="fr-FR" dirty="0" err="1">
+                <a:solidFill>
+                  <a:srgbClr val="FF0000"/>
+                </a:solidFill>
+              </a:rPr>
+              <a:t>other</a:t>
+            </a:r>
+            <a:r>
+              <a:rPr lang="fr-FR" dirty="0">
+                <a:solidFill>
+                  <a:srgbClr val="FF0000"/>
+                </a:solidFill>
+              </a:rPr>
+              <a:t>-port </a:t>
+            </a:r>
+            <a:r>
+              <a:rPr lang="vi-VN" dirty="0">
+                <a:solidFill>
+                  <a:srgbClr val="FF0000"/>
+                </a:solidFill>
+              </a:rPr>
+              <a:t>Ex</a:t>
+            </a:r>
+            <a:r>
+              <a:rPr lang="fr-FR" dirty="0">
+                <a:solidFill>
+                  <a:srgbClr val="FF0000"/>
+                </a:solidFill>
+              </a:rPr>
+              <a:t>: </a:t>
+            </a:r>
+            <a:r>
+              <a:rPr lang="fr-FR" dirty="0" err="1">
+                <a:solidFill>
+                  <a:srgbClr val="FF0000"/>
+                </a:solidFill>
+              </a:rPr>
+              <a:t>ng</a:t>
+            </a:r>
+            <a:r>
+              <a:rPr lang="fr-FR" dirty="0">
+                <a:solidFill>
+                  <a:srgbClr val="FF0000"/>
+                </a:solidFill>
+              </a:rPr>
+              <a:t> serve --port=9000</a:t>
+            </a:r>
+            <a:endParaRPr lang="en-US" dirty="0">
+              <a:solidFill>
+                <a:srgbClr val="FF0000"/>
+              </a:solidFill>
+            </a:endParaRPr>
           </a:p>
           <a:p>
             <a:pPr marL="95250" indent="0">
@@ -18639,24 +18768,14 @@
               <a:rPr lang="en-US" dirty="0">
                 <a:hlinkClick r:id="rId2"/>
               </a:rPr>
-              <a:t>https://</a:t>
-            </a:r>
-            <a:r>
-              <a:rPr lang="en-US" dirty="0" smtClean="0">
-                <a:hlinkClick r:id="rId2"/>
-              </a:rPr>
-              <a:t>www.typescriptlang.org/docs/handbook/typescript-in-5-minutes.html</a:t>
-            </a:r>
-            <a:endParaRPr lang="vi-VN" dirty="0" smtClean="0"/>
-          </a:p>
-          <a:p>
-            <a:r>
-              <a:rPr lang="en-US" dirty="0" smtClean="0"/>
-              <a:t>Basic </a:t>
-            </a:r>
-            <a:r>
-              <a:rPr lang="en-US" dirty="0"/>
-              <a:t>Types</a:t>
+              <a:t>https://www.typescriptlang.org/docs/handbook/typescript-in-5-minutes.html</a:t>
+            </a:r>
+            <a:endParaRPr lang="vi-VN" dirty="0"/>
+          </a:p>
+          <a:p>
+            <a:r>
+              <a:rPr lang="en-US" dirty="0"/>
+              <a:t>Basic Types</a:t>
             </a:r>
           </a:p>
           <a:p>
@@ -19573,13 +19692,6 @@
   <p:clrMapOvr>
     <a:masterClrMapping/>
   </p:clrMapOvr>
-  <p:timing>
-    <p:tnLst>
-      <p:par>
-        <p:cTn id="1" dur="indefinite" restart="never" nodeType="tmRoot"/>
-      </p:par>
-    </p:tnLst>
-  </p:timing>
 </p:sld>
 </file>
 
@@ -20574,10 +20686,6 @@
             </a:r>
           </a:p>
           <a:p>
-            <a:r>
-              <a:rPr lang="en-US" dirty="0"/>
-              <a:t/>
-            </a:r>
             <a:br>
               <a:rPr lang="en-US" dirty="0"/>
             </a:br>
@@ -21116,13 +21224,6 @@
   <p:clrMapOvr>
     <a:masterClrMapping/>
   </p:clrMapOvr>
-  <p:timing>
-    <p:tnLst>
-      <p:par>
-        <p:cTn id="1" dur="indefinite" restart="never" nodeType="tmRoot"/>
-      </p:par>
-    </p:tnLst>
-  </p:timing>
 </p:sld>
 </file>
 
@@ -22912,13 +23013,6 @@
   <p:clrMapOvr>
     <a:masterClrMapping/>
   </p:clrMapOvr>
-  <p:timing>
-    <p:tnLst>
-      <p:par>
-        <p:cTn id="1" dur="indefinite" restart="never" nodeType="tmRoot"/>
-      </p:par>
-    </p:tnLst>
-  </p:timing>
 </p:sld>
 </file>
 
@@ -23157,13 +23251,6 @@
   <p:clrMapOvr>
     <a:masterClrMapping/>
   </p:clrMapOvr>
-  <p:timing>
-    <p:tnLst>
-      <p:par>
-        <p:cTn id="1" dur="indefinite" restart="never" nodeType="tmRoot"/>
-      </p:par>
-    </p:tnLst>
-  </p:timing>
 </p:sld>
 </file>
 
@@ -23351,13 +23438,6 @@
   <p:clrMapOvr>
     <a:masterClrMapping/>
   </p:clrMapOvr>
-  <p:timing>
-    <p:tnLst>
-      <p:par>
-        <p:cTn id="1" dur="indefinite" restart="never" nodeType="tmRoot"/>
-      </p:par>
-    </p:tnLst>
-  </p:timing>
 </p:sld>
 </file>
 
@@ -23810,13 +23890,6 @@
   <p:clrMapOvr>
     <a:masterClrMapping/>
   </p:clrMapOvr>
-  <p:timing>
-    <p:tnLst>
-      <p:par>
-        <p:cTn id="1" dur="indefinite" restart="never" nodeType="tmRoot"/>
-      </p:par>
-    </p:tnLst>
-  </p:timing>
 </p:sld>
 </file>
 
@@ -23960,13 +24033,6 @@
   <p:clrMapOvr>
     <a:masterClrMapping/>
   </p:clrMapOvr>
-  <p:timing>
-    <p:tnLst>
-      <p:par>
-        <p:cTn id="1" dur="indefinite" restart="never" nodeType="tmRoot"/>
-      </p:par>
-    </p:tnLst>
-  </p:timing>
 </p:sld>
 </file>
 
@@ -24047,13 +24113,6 @@
   <p:clrMapOvr>
     <a:masterClrMapping/>
   </p:clrMapOvr>
-  <p:timing>
-    <p:tnLst>
-      <p:par>
-        <p:cTn id="1" dur="indefinite" restart="never" nodeType="tmRoot"/>
-      </p:par>
-    </p:tnLst>
-  </p:timing>
 </p:sld>
 </file>
 
@@ -24332,10 +24391,6 @@
             </a:r>
           </a:p>
           <a:p>
-            <a:r>
-              <a:rPr lang="en-US" dirty="0"/>
-              <a:t/>
-            </a:r>
             <a:br>
               <a:rPr lang="en-US" dirty="0"/>
             </a:br>
@@ -24353,13 +24408,6 @@
   <p:clrMapOvr>
     <a:masterClrMapping/>
   </p:clrMapOvr>
-  <p:timing>
-    <p:tnLst>
-      <p:par>
-        <p:cTn id="1" dur="indefinite" restart="never" nodeType="tmRoot"/>
-      </p:par>
-    </p:tnLst>
-  </p:timing>
 </p:sld>
 </file>
 
@@ -24498,13 +24546,6 @@
   <p:clrMapOvr>
     <a:masterClrMapping/>
   </p:clrMapOvr>
-  <p:timing>
-    <p:tnLst>
-      <p:par>
-        <p:cTn id="1" dur="indefinite" restart="never" nodeType="tmRoot"/>
-      </p:par>
-    </p:tnLst>
-  </p:timing>
 </p:sld>
 </file>
 
@@ -24622,13 +24663,6 @@
   <p:clrMapOvr>
     <a:masterClrMapping/>
   </p:clrMapOvr>
-  <p:timing>
-    <p:tnLst>
-      <p:par>
-        <p:cTn id="1" dur="indefinite" restart="never" nodeType="tmRoot"/>
-      </p:par>
-    </p:tnLst>
-  </p:timing>
 </p:sld>
 </file>
 
@@ -24698,17 +24732,12 @@
               <a:rPr lang="en-US" dirty="0"/>
               <a:t> as attributes of elements. </a:t>
             </a:r>
-            <a:endParaRPr lang="en-US" dirty="0" smtClean="0"/>
           </a:p>
           <a:p>
             <a:pPr lvl="1"/>
             <a:r>
-              <a:rPr lang="en-US" dirty="0" smtClean="0"/>
-              <a:t>For </a:t>
-            </a:r>
-            <a:r>
-              <a:rPr lang="en-US" dirty="0"/>
-              <a:t>example, can change several element styles at the same time.</a:t>
+              <a:rPr lang="en-US" dirty="0"/>
+              <a:t>For example, can change several element styles at the same time.</a:t>
             </a:r>
           </a:p>
           <a:p>
@@ -24722,11 +24751,7 @@
             </a:r>
             <a:r>
               <a:rPr lang="en-US" dirty="0"/>
-              <a:t>, which specifies the selector that identifies the attribute</a:t>
-            </a:r>
-            <a:r>
-              <a:rPr lang="en-US" dirty="0" smtClean="0"/>
-              <a:t>.</a:t>
+              <a:t>, which specifies the selector that identifies the attribute.</a:t>
             </a:r>
           </a:p>
           <a:p>
@@ -24749,14 +24774,13 @@
               <a:t> in the same manner as </a:t>
             </a:r>
             <a:r>
-              <a:rPr lang="en-US" i="1" dirty="0" smtClean="0"/>
+              <a:rPr lang="en-US" i="1" dirty="0"/>
               <a:t>components</a:t>
             </a:r>
             <a:r>
-              <a:rPr lang="en-US" dirty="0" smtClean="0"/>
+              <a:rPr lang="en-US" dirty="0"/>
               <a:t>.</a:t>
             </a:r>
-            <a:endParaRPr lang="en-US" dirty="0"/>
           </a:p>
         </p:txBody>
       </p:sp>
@@ -24770,13 +24794,6 @@
   <p:clrMapOvr>
     <a:masterClrMapping/>
   </p:clrMapOvr>
-  <p:timing>
-    <p:tnLst>
-      <p:par>
-        <p:cTn id="1" dur="indefinite" restart="never" nodeType="tmRoot"/>
-      </p:par>
-    </p:tnLst>
-  </p:timing>
 </p:sld>
 </file>
 
@@ -24905,13 +24922,6 @@
   <p:clrMapOvr>
     <a:masterClrMapping/>
   </p:clrMapOvr>
-  <p:timing>
-    <p:tnLst>
-      <p:par>
-        <p:cTn id="1" dur="indefinite" restart="never" nodeType="tmRoot"/>
-      </p:par>
-    </p:tnLst>
-  </p:timing>
 </p:sld>
 </file>
 
@@ -24937,7 +24947,7 @@
           <p:cNvPr id="2" name="Title 1">
             <a:extLst>
               <a:ext uri="{FF2B5EF4-FFF2-40B4-BE49-F238E27FC236}">
-                <a16:creationId xmlns:a16="http://schemas.microsoft.com/office/drawing/2014/main" xmlns="" id="{8E3390F4-2813-479A-B2CA-B1826DC5B2F7}"/>
+                <a16:creationId xmlns:a16="http://schemas.microsoft.com/office/drawing/2014/main" id="{8E3390F4-2813-479A-B2CA-B1826DC5B2F7}"/>
               </a:ext>
             </a:extLst>
           </p:cNvPr>
@@ -24965,7 +24975,7 @@
           <p:cNvPr id="3" name="Text Placeholder 2">
             <a:extLst>
               <a:ext uri="{FF2B5EF4-FFF2-40B4-BE49-F238E27FC236}">
-                <a16:creationId xmlns:a16="http://schemas.microsoft.com/office/drawing/2014/main" xmlns="" id="{81978763-2B04-4689-B469-56C75E8408E4}"/>
+                <a16:creationId xmlns:a16="http://schemas.microsoft.com/office/drawing/2014/main" id="{81978763-2B04-4689-B469-56C75E8408E4}"/>
               </a:ext>
             </a:extLst>
           </p:cNvPr>
@@ -25113,10 +25123,6 @@
               </a:rPr>
               <a:t>;</a:t>
             </a:r>
-            <a:r>
-              <a:rPr lang="en-US" dirty="0"/>
-              <a:t/>
-            </a:r>
             <a:br>
               <a:rPr lang="en-US" dirty="0"/>
             </a:br>
@@ -25134,13 +25140,6 @@
   <p:clrMapOvr>
     <a:masterClrMapping/>
   </p:clrMapOvr>
-  <p:timing>
-    <p:tnLst>
-      <p:par>
-        <p:cTn id="1" dur="indefinite" restart="never" nodeType="tmRoot"/>
-      </p:par>
-    </p:tnLst>
-  </p:timing>
 </p:sld>
 </file>
 
@@ -25166,7 +25165,7 @@
           <p:cNvPr id="2" name="Title 1">
             <a:extLst>
               <a:ext uri="{FF2B5EF4-FFF2-40B4-BE49-F238E27FC236}">
-                <a16:creationId xmlns:a16="http://schemas.microsoft.com/office/drawing/2014/main" xmlns="" id="{05693CBD-A7E2-424C-882C-891BB8936526}"/>
+                <a16:creationId xmlns:a16="http://schemas.microsoft.com/office/drawing/2014/main" id="{05693CBD-A7E2-424C-882C-891BB8936526}"/>
               </a:ext>
             </a:extLst>
           </p:cNvPr>
@@ -25194,7 +25193,7 @@
           <p:cNvPr id="3" name="Text Placeholder 2">
             <a:extLst>
               <a:ext uri="{FF2B5EF4-FFF2-40B4-BE49-F238E27FC236}">
-                <a16:creationId xmlns:a16="http://schemas.microsoft.com/office/drawing/2014/main" xmlns="" id="{B870AE03-A16C-4B3F-A116-B9CFEE07B705}"/>
+                <a16:creationId xmlns:a16="http://schemas.microsoft.com/office/drawing/2014/main" id="{B870AE03-A16C-4B3F-A116-B9CFEE07B705}"/>
               </a:ext>
             </a:extLst>
           </p:cNvPr>
@@ -25261,22 +25260,18 @@
               <a:t>, and </a:t>
             </a:r>
             <a:r>
-              <a:rPr lang="en-US" dirty="0" err="1" smtClean="0"/>
+              <a:rPr lang="en-US" dirty="0" err="1"/>
               <a:t>NgSwitch</a:t>
             </a:r>
             <a:r>
-              <a:rPr lang="en-US" dirty="0" smtClean="0"/>
+              <a:rPr lang="en-US" dirty="0"/>
               <a:t>.</a:t>
             </a:r>
           </a:p>
           <a:p>
             <a:r>
-              <a:rPr lang="en-US" dirty="0" smtClean="0"/>
-              <a:t>Note</a:t>
-            </a:r>
-            <a:r>
-              <a:rPr lang="en-US" dirty="0"/>
-              <a:t>: A directive could hide the unwanted paragraph instead by setting its display style to none.</a:t>
+              <a:rPr lang="en-US" dirty="0"/>
+              <a:t>Note: A directive could hide the unwanted paragraph instead by setting its display style to none.</a:t>
             </a:r>
             <a:endParaRPr lang="vi-VN" dirty="0"/>
           </a:p>
@@ -25292,13 +25287,6 @@
   <p:clrMapOvr>
     <a:masterClrMapping/>
   </p:clrMapOvr>
-  <p:timing>
-    <p:tnLst>
-      <p:par>
-        <p:cTn id="1" dur="indefinite" restart="never" nodeType="tmRoot"/>
-      </p:par>
-    </p:tnLst>
-  </p:timing>
 </p:sld>
 </file>
 
@@ -25324,7 +25312,7 @@
           <p:cNvPr id="2" name="Title 1">
             <a:extLst>
               <a:ext uri="{FF2B5EF4-FFF2-40B4-BE49-F238E27FC236}">
-                <a16:creationId xmlns:a16="http://schemas.microsoft.com/office/drawing/2014/main" xmlns="" id="{38FB9F05-8B13-4BBF-ABAF-97668C713DD6}"/>
+                <a16:creationId xmlns:a16="http://schemas.microsoft.com/office/drawing/2014/main" id="{38FB9F05-8B13-4BBF-ABAF-97668C713DD6}"/>
               </a:ext>
             </a:extLst>
           </p:cNvPr>
@@ -25352,7 +25340,7 @@
           <p:cNvPr id="3" name="Text Placeholder 2">
             <a:extLst>
               <a:ext uri="{FF2B5EF4-FFF2-40B4-BE49-F238E27FC236}">
-                <a16:creationId xmlns:a16="http://schemas.microsoft.com/office/drawing/2014/main" xmlns="" id="{C3265D89-6B63-4A0E-B3D3-C5879C6A0FFF}"/>
+                <a16:creationId xmlns:a16="http://schemas.microsoft.com/office/drawing/2014/main" id="{C3265D89-6B63-4A0E-B3D3-C5879C6A0FFF}"/>
               </a:ext>
             </a:extLst>
           </p:cNvPr>
@@ -25446,13 +25434,6 @@
   <p:clrMapOvr>
     <a:masterClrMapping/>
   </p:clrMapOvr>
-  <p:timing>
-    <p:tnLst>
-      <p:par>
-        <p:cTn id="1" dur="indefinite" restart="never" nodeType="tmRoot"/>
-      </p:par>
-    </p:tnLst>
-  </p:timing>
 </p:sld>
 </file>
 
@@ -25478,7 +25459,7 @@
           <p:cNvPr id="2" name="Title 1">
             <a:extLst>
               <a:ext uri="{FF2B5EF4-FFF2-40B4-BE49-F238E27FC236}">
-                <a16:creationId xmlns:a16="http://schemas.microsoft.com/office/drawing/2014/main" xmlns="" id="{BE113AB8-B8FB-44E4-8BF1-00806350BFAC}"/>
+                <a16:creationId xmlns:a16="http://schemas.microsoft.com/office/drawing/2014/main" id="{BE113AB8-B8FB-44E4-8BF1-00806350BFAC}"/>
               </a:ext>
             </a:extLst>
           </p:cNvPr>
@@ -25507,7 +25488,7 @@
           <p:cNvPr id="3" name="Text Placeholder 2">
             <a:extLst>
               <a:ext uri="{FF2B5EF4-FFF2-40B4-BE49-F238E27FC236}">
-                <a16:creationId xmlns:a16="http://schemas.microsoft.com/office/drawing/2014/main" xmlns="" id="{62D828A7-23C6-47B9-8FC4-9EAFFB8F8BF8}"/>
+                <a16:creationId xmlns:a16="http://schemas.microsoft.com/office/drawing/2014/main" id="{62D828A7-23C6-47B9-8FC4-9EAFFB8F8BF8}"/>
               </a:ext>
             </a:extLst>
           </p:cNvPr>
@@ -25542,7 +25523,7 @@
           <p:cNvPr id="9" name="Picture 8">
             <a:extLst>
               <a:ext uri="{FF2B5EF4-FFF2-40B4-BE49-F238E27FC236}">
-                <a16:creationId xmlns:a16="http://schemas.microsoft.com/office/drawing/2014/main" xmlns="" id="{AB2A4D1D-3FC5-46DB-AA99-726C3F479FA8}"/>
+                <a16:creationId xmlns:a16="http://schemas.microsoft.com/office/drawing/2014/main" id="{AB2A4D1D-3FC5-46DB-AA99-726C3F479FA8}"/>
               </a:ext>
             </a:extLst>
           </p:cNvPr>
@@ -25577,13 +25558,6 @@
   <p:clrMapOvr>
     <a:masterClrMapping/>
   </p:clrMapOvr>
-  <p:timing>
-    <p:tnLst>
-      <p:par>
-        <p:cTn id="1" dur="indefinite" restart="never" nodeType="tmRoot"/>
-      </p:par>
-    </p:tnLst>
-  </p:timing>
 </p:sld>
 </file>
 
@@ -25859,10 +25833,6 @@
             <a:endParaRPr lang="en-US" sz="1400" dirty="0"/>
           </a:p>
           <a:p>
-            <a:r>
-              <a:rPr lang="en-US" sz="1800" dirty="0"/>
-              <a:t/>
-            </a:r>
             <a:br>
               <a:rPr lang="en-US" sz="1800" dirty="0"/>
             </a:br>
@@ -25992,10 +25962,6 @@
               <a:rPr lang="en-US" sz="1800" i="1" dirty="0"/>
               <a:t>“A single-page application (SPA) is a web application or website that interacts with the web browser by dynamically rewriting the current web page with new data from the web server, instead of the default method of the browser loading entire new pages.”</a:t>
             </a:r>
-            <a:r>
-              <a:rPr lang="en-US" dirty="0"/>
-              <a:t/>
-            </a:r>
             <a:br>
               <a:rPr lang="en-US" dirty="0"/>
             </a:br>
@@ -26013,13 +25979,6 @@
   <p:clrMapOvr>
     <a:masterClrMapping/>
   </p:clrMapOvr>
-  <p:timing>
-    <p:tnLst>
-      <p:par>
-        <p:cTn id="1" dur="indefinite" restart="never" nodeType="tmRoot"/>
-      </p:par>
-    </p:tnLst>
-  </p:timing>
 </p:sld>
 </file>
 
@@ -26168,13 +26127,6 @@
   <p:clrMapOvr>
     <a:masterClrMapping/>
   </p:clrMapOvr>
-  <p:timing>
-    <p:tnLst>
-      <p:par>
-        <p:cTn id="1" dur="indefinite" restart="never" nodeType="tmRoot"/>
-      </p:par>
-    </p:tnLst>
-  </p:timing>
 </p:sld>
 </file>
 
@@ -26295,13 +26247,6 @@
   <p:clrMapOvr>
     <a:masterClrMapping/>
   </p:clrMapOvr>
-  <p:timing>
-    <p:tnLst>
-      <p:par>
-        <p:cTn id="1" dur="indefinite" restart="never" nodeType="tmRoot"/>
-      </p:par>
-    </p:tnLst>
-  </p:timing>
 </p:sld>
 </file>
 
@@ -26405,13 +26350,6 @@
   <p:clrMapOvr>
     <a:masterClrMapping/>
   </p:clrMapOvr>
-  <p:timing>
-    <p:tnLst>
-      <p:par>
-        <p:cTn id="1" dur="indefinite" restart="never" nodeType="tmRoot"/>
-      </p:par>
-    </p:tnLst>
-  </p:timing>
 </p:sld>
 </file>
 
@@ -26515,13 +26453,6 @@
   <p:clrMapOvr>
     <a:masterClrMapping/>
   </p:clrMapOvr>
-  <p:timing>
-    <p:tnLst>
-      <p:par>
-        <p:cTn id="1" dur="indefinite" restart="never" nodeType="tmRoot"/>
-      </p:par>
-    </p:tnLst>
-  </p:timing>
 </p:sld>
 </file>
 
@@ -26602,12 +26533,8 @@
           </a:p>
           <a:p>
             <a:r>
-              <a:rPr lang="en-US" dirty="0" smtClean="0"/>
-              <a:t>Intercept </a:t>
-            </a:r>
-            <a:r>
-              <a:rPr lang="en-US" dirty="0"/>
-              <a:t>input property changes with a setter</a:t>
+              <a:rPr lang="en-US" dirty="0"/>
+              <a:t>Intercept input property changes with a setter</a:t>
             </a:r>
           </a:p>
           <a:p>
@@ -27158,13 +27085,6 @@
   <p:clrMapOvr>
     <a:masterClrMapping/>
   </p:clrMapOvr>
-  <p:timing>
-    <p:tnLst>
-      <p:par>
-        <p:cTn id="1" dur="indefinite" restart="never" nodeType="tmRoot"/>
-      </p:par>
-    </p:tnLst>
-  </p:timing>
 </p:sld>
 </file>
 
@@ -27437,13 +27357,6 @@
   <p:clrMapOvr>
     <a:masterClrMapping/>
   </p:clrMapOvr>
-  <p:timing>
-    <p:tnLst>
-      <p:par>
-        <p:cTn id="1" dur="indefinite" restart="never" nodeType="tmRoot"/>
-      </p:par>
-    </p:tnLst>
-  </p:timing>
 </p:sld>
 </file>
 
@@ -27579,10 +27492,6 @@
             <a:pPr marL="571500" lvl="1" indent="0">
               <a:buNone/>
             </a:pPr>
-            <a:r>
-              <a:rPr lang="en-US" dirty="0"/>
-              <a:t/>
-            </a:r>
             <a:br>
               <a:rPr lang="en-US" dirty="0"/>
             </a:br>
@@ -27600,13 +27509,6 @@
   <p:clrMapOvr>
     <a:masterClrMapping/>
   </p:clrMapOvr>
-  <p:timing>
-    <p:tnLst>
-      <p:par>
-        <p:cTn id="1" dur="indefinite" restart="never" nodeType="tmRoot"/>
-      </p:par>
-    </p:tnLst>
-  </p:timing>
 </p:sld>
 </file>
 
@@ -27834,13 +27736,6 @@
   <p:clrMapOvr>
     <a:masterClrMapping/>
   </p:clrMapOvr>
-  <p:timing>
-    <p:tnLst>
-      <p:par>
-        <p:cTn id="1" dur="indefinite" restart="never" nodeType="tmRoot"/>
-      </p:par>
-    </p:tnLst>
-  </p:timing>
 </p:sld>
 </file>
 
@@ -28100,13 +27995,6 @@
   <p:clrMapOvr>
     <a:masterClrMapping/>
   </p:clrMapOvr>
-  <p:timing>
-    <p:tnLst>
-      <p:par>
-        <p:cTn id="1" dur="indefinite" restart="never" nodeType="tmRoot"/>
-      </p:par>
-    </p:tnLst>
-  </p:timing>
 </p:sld>
 </file>
 
@@ -28263,13 +28151,6 @@
   <p:clrMapOvr>
     <a:masterClrMapping/>
   </p:clrMapOvr>
-  <p:timing>
-    <p:tnLst>
-      <p:par>
-        <p:cTn id="1" dur="indefinite" restart="never" nodeType="tmRoot"/>
-      </p:par>
-    </p:tnLst>
-  </p:timing>
 </p:sld>
 </file>
 
@@ -28524,13 +28405,6 @@
   <p:clrMapOvr>
     <a:masterClrMapping/>
   </p:clrMapOvr>
-  <p:timing>
-    <p:tnLst>
-      <p:par>
-        <p:cTn id="1" dur="indefinite" restart="never" nodeType="tmRoot"/>
-      </p:par>
-    </p:tnLst>
-  </p:timing>
 </p:sld>
 </file>
 
@@ -28681,13 +28555,6 @@
   <p:clrMapOvr>
     <a:masterClrMapping/>
   </p:clrMapOvr>
-  <p:timing>
-    <p:tnLst>
-      <p:par>
-        <p:cTn id="1" dur="indefinite" restart="never" nodeType="tmRoot"/>
-      </p:par>
-    </p:tnLst>
-  </p:timing>
 </p:sld>
 </file>
 
@@ -28749,7 +28616,6 @@
               <a:rPr lang="en-US" dirty="0"/>
               <a:t>Template-driven forms use two-way data binding to update the data model in the component as changes are made in the template and vice versa.</a:t>
             </a:r>
-            <a:endParaRPr lang="en-US" dirty="0"/>
           </a:p>
         </p:txBody>
       </p:sp>
@@ -28804,13 +28670,6 @@
   <p:clrMapOvr>
     <a:masterClrMapping/>
   </p:clrMapOvr>
-  <p:timing>
-    <p:tnLst>
-      <p:par>
-        <p:cTn id="1" dur="indefinite" restart="never" nodeType="tmRoot"/>
-      </p:par>
-    </p:tnLst>
-  </p:timing>
 </p:sld>
 </file>
 
@@ -28923,13 +28782,6 @@
   <p:clrMapOvr>
     <a:masterClrMapping/>
   </p:clrMapOvr>
-  <p:timing>
-    <p:tnLst>
-      <p:par>
-        <p:cTn id="1" dur="indefinite" restart="never" nodeType="tmRoot"/>
-      </p:par>
-    </p:tnLst>
-  </p:timing>
 </p:sld>
 </file>
 
@@ -28989,13 +28841,8 @@
           <a:p>
             <a:r>
               <a:rPr lang="en-US" dirty="0"/>
-              <a:t>Build the basic form</a:t>
-            </a:r>
-            <a:r>
-              <a:rPr lang="en-US" dirty="0" smtClean="0"/>
-              <a:t>.</a:t>
-            </a:r>
-            <a:endParaRPr lang="en-US" dirty="0"/>
+              <a:t>Build the basic form.</a:t>
+            </a:r>
           </a:p>
           <a:p>
             <a:pPr lvl="1"/>
@@ -29030,13 +28877,8 @@
             </a:r>
             <a:r>
               <a:rPr lang="en-US" dirty="0"/>
-              <a:t> directive and two-way data-binding syntax</a:t>
-            </a:r>
-            <a:r>
-              <a:rPr lang="en-US" dirty="0" smtClean="0"/>
-              <a:t>.</a:t>
-            </a:r>
-            <a:endParaRPr lang="en-US" dirty="0"/>
+              <a:t> directive and two-way data-binding syntax.</a:t>
+            </a:r>
           </a:p>
           <a:p>
             <a:pPr lvl="1"/>
@@ -29078,10 +28920,9 @@
               <a:t>ngModel</a:t>
             </a:r>
             <a:r>
-              <a:rPr lang="en-US" dirty="0" smtClean="0"/>
+              <a:rPr lang="en-US" dirty="0"/>
               <a:t>.</a:t>
             </a:r>
-            <a:endParaRPr lang="en-US" dirty="0"/>
           </a:p>
           <a:p>
             <a:pPr lvl="1"/>
@@ -29115,13 +28956,6 @@
   <p:clrMapOvr>
     <a:masterClrMapping/>
   </p:clrMapOvr>
-  <p:timing>
-    <p:tnLst>
-      <p:par>
-        <p:cTn id="1" dur="indefinite" restart="never" nodeType="tmRoot"/>
-      </p:par>
-    </p:tnLst>
-  </p:timing>
 </p:sld>
 </file>
 
@@ -29211,13 +29045,8 @@
             </a:r>
             <a:r>
               <a:rPr lang="en-US" dirty="0"/>
-              <a:t>)] output property of the form</a:t>
-            </a:r>
-            <a:r>
-              <a:rPr lang="en-US" dirty="0" smtClean="0"/>
-              <a:t>.</a:t>
-            </a:r>
-            <a:endParaRPr lang="en-US" dirty="0"/>
+              <a:t>)] output property of the form.</a:t>
+            </a:r>
           </a:p>
           <a:p>
             <a:pPr lvl="1"/>
@@ -29232,7 +29061,6 @@
               <a:rPr lang="en-US" dirty="0"/>
               <a:t>After submit, swap out the finished form for different content on the page.</a:t>
             </a:r>
-            <a:endParaRPr lang="en-US" dirty="0"/>
           </a:p>
         </p:txBody>
       </p:sp>
@@ -29246,13 +29074,6 @@
   <p:clrMapOvr>
     <a:masterClrMapping/>
   </p:clrMapOvr>
-  <p:timing>
-    <p:tnLst>
-      <p:par>
-        <p:cTn id="1" dur="indefinite" restart="never" nodeType="tmRoot"/>
-      </p:par>
-    </p:tnLst>
-  </p:timing>
 </p:sld>
 </file>
 
@@ -29574,10 +29395,6 @@
             <a:endParaRPr lang="en-US" dirty="0"/>
           </a:p>
           <a:p>
-            <a:r>
-              <a:rPr lang="en-US" dirty="0"/>
-              <a:t/>
-            </a:r>
             <a:br>
               <a:rPr lang="en-US" dirty="0"/>
             </a:br>
@@ -29619,13 +29436,6 @@
   <p:clrMapOvr>
     <a:masterClrMapping/>
   </p:clrMapOvr>
-  <p:timing>
-    <p:tnLst>
-      <p:par>
-        <p:cTn id="1" dur="indefinite" restart="never" nodeType="tmRoot"/>
-      </p:par>
-    </p:tnLst>
-  </p:timing>
 </p:sld>
 </file>
 
@@ -29665,7 +29475,6 @@
               <a:rPr lang="en-US" dirty="0"/>
               <a:t>Template-driven forms</a:t>
             </a:r>
-            <a:endParaRPr lang="en-US" dirty="0"/>
           </a:p>
         </p:txBody>
       </p:sp>
@@ -30222,13 +30031,6 @@
   <p:clrMapOvr>
     <a:masterClrMapping/>
   </p:clrMapOvr>
-  <p:timing>
-    <p:tnLst>
-      <p:par>
-        <p:cTn id="1" dur="indefinite" restart="never" nodeType="tmRoot"/>
-      </p:par>
-    </p:tnLst>
-  </p:timing>
 </p:sld>
 </file>
 
@@ -30341,13 +30143,6 @@
   <p:clrMapOvr>
     <a:masterClrMapping/>
   </p:clrMapOvr>
-  <p:timing>
-    <p:tnLst>
-      <p:par>
-        <p:cTn id="1" dur="indefinite" restart="never" nodeType="tmRoot"/>
-      </p:par>
-    </p:tnLst>
-  </p:timing>
 </p:sld>
 </file>
 
@@ -30812,13 +30607,6 @@
   <p:clrMapOvr>
     <a:masterClrMapping/>
   </p:clrMapOvr>
-  <p:timing>
-    <p:tnLst>
-      <p:par>
-        <p:cTn id="1" dur="indefinite" restart="never" nodeType="tmRoot"/>
-      </p:par>
-    </p:tnLst>
-  </p:timing>
 </p:sld>
 </file>
 
@@ -32200,10 +31988,6 @@
               </a:rPr>
               <a:t>}]</a:t>
             </a:r>
-            <a:r>
-              <a:rPr lang="en-US" sz="1100" dirty="0"/>
-              <a:t/>
-            </a:r>
             <a:br>
               <a:rPr lang="en-US" sz="1100" dirty="0"/>
             </a:br>
@@ -32746,13 +32530,6 @@
   <p:clrMapOvr>
     <a:masterClrMapping/>
   </p:clrMapOvr>
-  <p:timing>
-    <p:tnLst>
-      <p:par>
-        <p:cTn id="1" dur="indefinite" restart="never" nodeType="tmRoot"/>
-      </p:par>
-    </p:tnLst>
-  </p:timing>
 </p:sld>
 </file>
 
@@ -32885,13 +32662,6 @@
   <p:clrMapOvr>
     <a:masterClrMapping/>
   </p:clrMapOvr>
-  <p:timing>
-    <p:tnLst>
-      <p:par>
-        <p:cTn id="1" dur="indefinite" restart="never" nodeType="tmRoot"/>
-      </p:par>
-    </p:tnLst>
-  </p:timing>
 </p:sld>
 </file>
 
@@ -33052,13 +32822,6 @@
   <p:clrMapOvr>
     <a:masterClrMapping/>
   </p:clrMapOvr>
-  <p:timing>
-    <p:tnLst>
-      <p:par>
-        <p:cTn id="1" dur="indefinite" restart="never" nodeType="tmRoot"/>
-      </p:par>
-    </p:tnLst>
-  </p:timing>
 </p:sld>
 </file>
 
@@ -33450,13 +33213,6 @@
   <p:clrMapOvr>
     <a:masterClrMapping/>
   </p:clrMapOvr>
-  <p:timing>
-    <p:tnLst>
-      <p:par>
-        <p:cTn id="1" dur="indefinite" restart="never" nodeType="tmRoot"/>
-      </p:par>
-    </p:tnLst>
-  </p:timing>
 </p:sld>
 </file>
 
@@ -33970,7 +33726,7 @@
           <p:cNvPr id="2" name="Title 1">
             <a:extLst>
               <a:ext uri="{FF2B5EF4-FFF2-40B4-BE49-F238E27FC236}">
-                <a16:creationId xmlns:a16="http://schemas.microsoft.com/office/drawing/2014/main" xmlns="" id="{14188570-52C0-499D-A1F9-CEB8C4D140AC}"/>
+                <a16:creationId xmlns:a16="http://schemas.microsoft.com/office/drawing/2014/main" id="{14188570-52C0-499D-A1F9-CEB8C4D140AC}"/>
               </a:ext>
             </a:extLst>
           </p:cNvPr>
@@ -33995,7 +33751,7 @@
           <p:cNvPr id="3" name="Text Placeholder 2">
             <a:extLst>
               <a:ext uri="{FF2B5EF4-FFF2-40B4-BE49-F238E27FC236}">
-                <a16:creationId xmlns:a16="http://schemas.microsoft.com/office/drawing/2014/main" xmlns="" id="{076AC046-A5A2-41A8-93D3-574CB73A9183}"/>
+                <a16:creationId xmlns:a16="http://schemas.microsoft.com/office/drawing/2014/main" id="{076AC046-A5A2-41A8-93D3-574CB73A9183}"/>
               </a:ext>
             </a:extLst>
           </p:cNvPr>
@@ -34030,7 +33786,7 @@
           <p:cNvPr id="6" name="Picture 5">
             <a:extLst>
               <a:ext uri="{FF2B5EF4-FFF2-40B4-BE49-F238E27FC236}">
-                <a16:creationId xmlns:a16="http://schemas.microsoft.com/office/drawing/2014/main" xmlns="" id="{7816312E-1292-4F93-99B3-B6E03BF4C65B}"/>
+                <a16:creationId xmlns:a16="http://schemas.microsoft.com/office/drawing/2014/main" id="{7816312E-1292-4F93-99B3-B6E03BF4C65B}"/>
               </a:ext>
             </a:extLst>
           </p:cNvPr>
@@ -34060,7 +33816,7 @@
           <p:cNvPr id="7" name="Picture 6">
             <a:extLst>
               <a:ext uri="{FF2B5EF4-FFF2-40B4-BE49-F238E27FC236}">
-                <a16:creationId xmlns:a16="http://schemas.microsoft.com/office/drawing/2014/main" xmlns="" id="{CC57AC0F-E0B8-4664-87EF-398F84A8C34C}"/>
+                <a16:creationId xmlns:a16="http://schemas.microsoft.com/office/drawing/2014/main" id="{CC57AC0F-E0B8-4664-87EF-398F84A8C34C}"/>
               </a:ext>
             </a:extLst>
           </p:cNvPr>
@@ -34120,7 +33876,7 @@
           <p:cNvPr id="2" name="Title 1">
             <a:extLst>
               <a:ext uri="{FF2B5EF4-FFF2-40B4-BE49-F238E27FC236}">
-                <a16:creationId xmlns:a16="http://schemas.microsoft.com/office/drawing/2014/main" xmlns="" id="{66FE7FBB-25AE-4F55-88FA-6C134DD61D68}"/>
+                <a16:creationId xmlns:a16="http://schemas.microsoft.com/office/drawing/2014/main" id="{66FE7FBB-25AE-4F55-88FA-6C134DD61D68}"/>
               </a:ext>
             </a:extLst>
           </p:cNvPr>
@@ -34145,7 +33901,7 @@
           <p:cNvPr id="3" name="Text Placeholder 2">
             <a:extLst>
               <a:ext uri="{FF2B5EF4-FFF2-40B4-BE49-F238E27FC236}">
-                <a16:creationId xmlns:a16="http://schemas.microsoft.com/office/drawing/2014/main" xmlns="" id="{44A61E20-B4B6-4440-96D4-DDF9F0C42C7A}"/>
+                <a16:creationId xmlns:a16="http://schemas.microsoft.com/office/drawing/2014/main" id="{44A61E20-B4B6-4440-96D4-DDF9F0C42C7A}"/>
               </a:ext>
             </a:extLst>
           </p:cNvPr>
@@ -34217,7 +33973,7 @@
           <p:cNvPr id="2" name="Title 1">
             <a:extLst>
               <a:ext uri="{FF2B5EF4-FFF2-40B4-BE49-F238E27FC236}">
-                <a16:creationId xmlns:a16="http://schemas.microsoft.com/office/drawing/2014/main" xmlns="" id="{87A9FF73-A801-4B1F-B6C6-242B2DBA852D}"/>
+                <a16:creationId xmlns:a16="http://schemas.microsoft.com/office/drawing/2014/main" id="{87A9FF73-A801-4B1F-B6C6-242B2DBA852D}"/>
               </a:ext>
             </a:extLst>
           </p:cNvPr>
@@ -34246,7 +34002,7 @@
           <p:cNvPr id="3" name="Text Placeholder 2">
             <a:extLst>
               <a:ext uri="{FF2B5EF4-FFF2-40B4-BE49-F238E27FC236}">
-                <a16:creationId xmlns:a16="http://schemas.microsoft.com/office/drawing/2014/main" xmlns="" id="{24B21FB8-8E8C-48DA-A9B4-D95CAAAF9C56}"/>
+                <a16:creationId xmlns:a16="http://schemas.microsoft.com/office/drawing/2014/main" id="{24B21FB8-8E8C-48DA-A9B4-D95CAAAF9C56}"/>
               </a:ext>
             </a:extLst>
           </p:cNvPr>
@@ -34382,7 +34138,7 @@
           <p:cNvPr id="2" name="Title 1">
             <a:extLst>
               <a:ext uri="{FF2B5EF4-FFF2-40B4-BE49-F238E27FC236}">
-                <a16:creationId xmlns:a16="http://schemas.microsoft.com/office/drawing/2014/main" xmlns="" id="{7DA28761-D2FA-43C5-9AD4-D72F303C532F}"/>
+                <a16:creationId xmlns:a16="http://schemas.microsoft.com/office/drawing/2014/main" id="{7DA28761-D2FA-43C5-9AD4-D72F303C532F}"/>
               </a:ext>
             </a:extLst>
           </p:cNvPr>
@@ -34407,7 +34163,7 @@
           <p:cNvPr id="3" name="Text Placeholder 2">
             <a:extLst>
               <a:ext uri="{FF2B5EF4-FFF2-40B4-BE49-F238E27FC236}">
-                <a16:creationId xmlns:a16="http://schemas.microsoft.com/office/drawing/2014/main" xmlns="" id="{0A2C4502-1A10-4641-B374-3E11BBA6F0DA}"/>
+                <a16:creationId xmlns:a16="http://schemas.microsoft.com/office/drawing/2014/main" id="{0A2C4502-1A10-4641-B374-3E11BBA6F0DA}"/>
               </a:ext>
             </a:extLst>
           </p:cNvPr>
@@ -34432,7 +34188,7 @@
           <p:cNvPr id="5" name="Picture 4">
             <a:extLst>
               <a:ext uri="{FF2B5EF4-FFF2-40B4-BE49-F238E27FC236}">
-                <a16:creationId xmlns:a16="http://schemas.microsoft.com/office/drawing/2014/main" xmlns="" id="{807634FA-008F-4E87-951F-3CA12314CCBB}"/>
+                <a16:creationId xmlns:a16="http://schemas.microsoft.com/office/drawing/2014/main" id="{807634FA-008F-4E87-951F-3CA12314CCBB}"/>
               </a:ext>
             </a:extLst>
           </p:cNvPr>
@@ -34559,13 +34315,6 @@
   <p:clrMapOvr>
     <a:masterClrMapping/>
   </p:clrMapOvr>
-  <p:timing>
-    <p:tnLst>
-      <p:par>
-        <p:cTn id="1" dur="indefinite" restart="never" nodeType="tmRoot"/>
-      </p:par>
-    </p:tnLst>
-  </p:timing>
 </p:sld>
 </file>
 
@@ -34591,7 +34340,7 @@
           <p:cNvPr id="2" name="Title 1">
             <a:extLst>
               <a:ext uri="{FF2B5EF4-FFF2-40B4-BE49-F238E27FC236}">
-                <a16:creationId xmlns:a16="http://schemas.microsoft.com/office/drawing/2014/main" xmlns="" id="{63C2B654-3331-4688-862F-DEF0F6D663BB}"/>
+                <a16:creationId xmlns:a16="http://schemas.microsoft.com/office/drawing/2014/main" id="{63C2B654-3331-4688-862F-DEF0F6D663BB}"/>
               </a:ext>
             </a:extLst>
           </p:cNvPr>
@@ -34616,7 +34365,7 @@
           <p:cNvPr id="3" name="Text Placeholder 2">
             <a:extLst>
               <a:ext uri="{FF2B5EF4-FFF2-40B4-BE49-F238E27FC236}">
-                <a16:creationId xmlns:a16="http://schemas.microsoft.com/office/drawing/2014/main" xmlns="" id="{6DA64C03-1AD9-4F07-BAFC-A0CD8158A822}"/>
+                <a16:creationId xmlns:a16="http://schemas.microsoft.com/office/drawing/2014/main" id="{6DA64C03-1AD9-4F07-BAFC-A0CD8158A822}"/>
               </a:ext>
             </a:extLst>
           </p:cNvPr>
@@ -34645,7 +34394,7 @@
           <p:cNvPr id="4098" name="Picture 2" descr="filter marble diagram">
             <a:extLst>
               <a:ext uri="{FF2B5EF4-FFF2-40B4-BE49-F238E27FC236}">
-                <a16:creationId xmlns:a16="http://schemas.microsoft.com/office/drawing/2014/main" xmlns="" id="{177DC7A3-F46C-4A58-B30B-712064D34494}"/>
+                <a16:creationId xmlns:a16="http://schemas.microsoft.com/office/drawing/2014/main" id="{177DC7A3-F46C-4A58-B30B-712064D34494}"/>
               </a:ext>
             </a:extLst>
           </p:cNvPr>
@@ -34722,7 +34471,7 @@
           <p:cNvPr id="2" name="Title 1">
             <a:extLst>
               <a:ext uri="{FF2B5EF4-FFF2-40B4-BE49-F238E27FC236}">
-                <a16:creationId xmlns:a16="http://schemas.microsoft.com/office/drawing/2014/main" xmlns="" id="{ED77B932-BCE9-4176-A7A0-3450503D6FCA}"/>
+                <a16:creationId xmlns:a16="http://schemas.microsoft.com/office/drawing/2014/main" id="{ED77B932-BCE9-4176-A7A0-3450503D6FCA}"/>
               </a:ext>
             </a:extLst>
           </p:cNvPr>
@@ -34747,7 +34496,7 @@
           <p:cNvPr id="3" name="Text Placeholder 2">
             <a:extLst>
               <a:ext uri="{FF2B5EF4-FFF2-40B4-BE49-F238E27FC236}">
-                <a16:creationId xmlns:a16="http://schemas.microsoft.com/office/drawing/2014/main" xmlns="" id="{29B32E58-A879-4BA5-9330-3DA726A4BB02}"/>
+                <a16:creationId xmlns:a16="http://schemas.microsoft.com/office/drawing/2014/main" id="{29B32E58-A879-4BA5-9330-3DA726A4BB02}"/>
               </a:ext>
             </a:extLst>
           </p:cNvPr>
@@ -34879,7 +34628,7 @@
           <p:cNvPr id="4" name="Picture 3">
             <a:extLst>
               <a:ext uri="{FF2B5EF4-FFF2-40B4-BE49-F238E27FC236}">
-                <a16:creationId xmlns:a16="http://schemas.microsoft.com/office/drawing/2014/main" xmlns="" id="{DF5D3B81-E8A5-4586-805C-71E302C70F14}"/>
+                <a16:creationId xmlns:a16="http://schemas.microsoft.com/office/drawing/2014/main" id="{DF5D3B81-E8A5-4586-805C-71E302C70F14}"/>
               </a:ext>
             </a:extLst>
           </p:cNvPr>

--- a/docs/Angular Training.pptx
+++ b/docs/Angular Training.pptx
@@ -16797,7 +16797,7 @@
           <p:cNvPr id="2" name="Title 1">
             <a:extLst>
               <a:ext uri="{FF2B5EF4-FFF2-40B4-BE49-F238E27FC236}">
-                <a16:creationId xmlns:a16="http://schemas.microsoft.com/office/drawing/2014/main" xmlns="" id="{14188570-52C0-499D-A1F9-CEB8C4D140AC}"/>
+                <a16:creationId xmlns="" xmlns:a16="http://schemas.microsoft.com/office/drawing/2014/main" id="{14188570-52C0-499D-A1F9-CEB8C4D140AC}"/>
               </a:ext>
             </a:extLst>
           </p:cNvPr>
@@ -16822,7 +16822,7 @@
           <p:cNvPr id="3" name="Text Placeholder 2">
             <a:extLst>
               <a:ext uri="{FF2B5EF4-FFF2-40B4-BE49-F238E27FC236}">
-                <a16:creationId xmlns:a16="http://schemas.microsoft.com/office/drawing/2014/main" xmlns="" id="{076AC046-A5A2-41A8-93D3-574CB73A9183}"/>
+                <a16:creationId xmlns="" xmlns:a16="http://schemas.microsoft.com/office/drawing/2014/main" id="{076AC046-A5A2-41A8-93D3-574CB73A9183}"/>
               </a:ext>
             </a:extLst>
           </p:cNvPr>
@@ -16857,7 +16857,7 @@
           <p:cNvPr id="6" name="Picture 5">
             <a:extLst>
               <a:ext uri="{FF2B5EF4-FFF2-40B4-BE49-F238E27FC236}">
-                <a16:creationId xmlns:a16="http://schemas.microsoft.com/office/drawing/2014/main" xmlns="" id="{7816312E-1292-4F93-99B3-B6E03BF4C65B}"/>
+                <a16:creationId xmlns="" xmlns:a16="http://schemas.microsoft.com/office/drawing/2014/main" id="{7816312E-1292-4F93-99B3-B6E03BF4C65B}"/>
               </a:ext>
             </a:extLst>
           </p:cNvPr>
@@ -16887,7 +16887,7 @@
           <p:cNvPr id="7" name="Picture 6">
             <a:extLst>
               <a:ext uri="{FF2B5EF4-FFF2-40B4-BE49-F238E27FC236}">
-                <a16:creationId xmlns:a16="http://schemas.microsoft.com/office/drawing/2014/main" xmlns="" id="{CC57AC0F-E0B8-4664-87EF-398F84A8C34C}"/>
+                <a16:creationId xmlns="" xmlns:a16="http://schemas.microsoft.com/office/drawing/2014/main" id="{CC57AC0F-E0B8-4664-87EF-398F84A8C34C}"/>
               </a:ext>
             </a:extLst>
           </p:cNvPr>
@@ -16954,7 +16954,7 @@
           <p:cNvPr id="2" name="Title 1">
             <a:extLst>
               <a:ext uri="{FF2B5EF4-FFF2-40B4-BE49-F238E27FC236}">
-                <a16:creationId xmlns:a16="http://schemas.microsoft.com/office/drawing/2014/main" xmlns="" id="{66FE7FBB-25AE-4F55-88FA-6C134DD61D68}"/>
+                <a16:creationId xmlns="" xmlns:a16="http://schemas.microsoft.com/office/drawing/2014/main" id="{66FE7FBB-25AE-4F55-88FA-6C134DD61D68}"/>
               </a:ext>
             </a:extLst>
           </p:cNvPr>
@@ -16979,7 +16979,7 @@
           <p:cNvPr id="3" name="Text Placeholder 2">
             <a:extLst>
               <a:ext uri="{FF2B5EF4-FFF2-40B4-BE49-F238E27FC236}">
-                <a16:creationId xmlns:a16="http://schemas.microsoft.com/office/drawing/2014/main" xmlns="" id="{44A61E20-B4B6-4440-96D4-DDF9F0C42C7A}"/>
+                <a16:creationId xmlns="" xmlns:a16="http://schemas.microsoft.com/office/drawing/2014/main" id="{44A61E20-B4B6-4440-96D4-DDF9F0C42C7A}"/>
               </a:ext>
             </a:extLst>
           </p:cNvPr>
@@ -17058,7 +17058,7 @@
           <p:cNvPr id="2" name="Title 1">
             <a:extLst>
               <a:ext uri="{FF2B5EF4-FFF2-40B4-BE49-F238E27FC236}">
-                <a16:creationId xmlns:a16="http://schemas.microsoft.com/office/drawing/2014/main" xmlns="" id="{87A9FF73-A801-4B1F-B6C6-242B2DBA852D}"/>
+                <a16:creationId xmlns="" xmlns:a16="http://schemas.microsoft.com/office/drawing/2014/main" id="{87A9FF73-A801-4B1F-B6C6-242B2DBA852D}"/>
               </a:ext>
             </a:extLst>
           </p:cNvPr>
@@ -17087,7 +17087,7 @@
           <p:cNvPr id="3" name="Text Placeholder 2">
             <a:extLst>
               <a:ext uri="{FF2B5EF4-FFF2-40B4-BE49-F238E27FC236}">
-                <a16:creationId xmlns:a16="http://schemas.microsoft.com/office/drawing/2014/main" xmlns="" id="{24B21FB8-8E8C-48DA-A9B4-D95CAAAF9C56}"/>
+                <a16:creationId xmlns="" xmlns:a16="http://schemas.microsoft.com/office/drawing/2014/main" id="{24B21FB8-8E8C-48DA-A9B4-D95CAAAF9C56}"/>
               </a:ext>
             </a:extLst>
           </p:cNvPr>
@@ -17230,7 +17230,7 @@
           <p:cNvPr id="2" name="Title 1">
             <a:extLst>
               <a:ext uri="{FF2B5EF4-FFF2-40B4-BE49-F238E27FC236}">
-                <a16:creationId xmlns:a16="http://schemas.microsoft.com/office/drawing/2014/main" xmlns="" id="{7DA28761-D2FA-43C5-9AD4-D72F303C532F}"/>
+                <a16:creationId xmlns="" xmlns:a16="http://schemas.microsoft.com/office/drawing/2014/main" id="{7DA28761-D2FA-43C5-9AD4-D72F303C532F}"/>
               </a:ext>
             </a:extLst>
           </p:cNvPr>
@@ -17255,7 +17255,7 @@
           <p:cNvPr id="3" name="Text Placeholder 2">
             <a:extLst>
               <a:ext uri="{FF2B5EF4-FFF2-40B4-BE49-F238E27FC236}">
-                <a16:creationId xmlns:a16="http://schemas.microsoft.com/office/drawing/2014/main" xmlns="" id="{0A2C4502-1A10-4641-B374-3E11BBA6F0DA}"/>
+                <a16:creationId xmlns="" xmlns:a16="http://schemas.microsoft.com/office/drawing/2014/main" id="{0A2C4502-1A10-4641-B374-3E11BBA6F0DA}"/>
               </a:ext>
             </a:extLst>
           </p:cNvPr>
@@ -17280,7 +17280,7 @@
           <p:cNvPr id="5" name="Picture 4">
             <a:extLst>
               <a:ext uri="{FF2B5EF4-FFF2-40B4-BE49-F238E27FC236}">
-                <a16:creationId xmlns:a16="http://schemas.microsoft.com/office/drawing/2014/main" xmlns="" id="{807634FA-008F-4E87-951F-3CA12314CCBB}"/>
+                <a16:creationId xmlns="" xmlns:a16="http://schemas.microsoft.com/office/drawing/2014/main" id="{807634FA-008F-4E87-951F-3CA12314CCBB}"/>
               </a:ext>
             </a:extLst>
           </p:cNvPr>
@@ -17347,7 +17347,7 @@
           <p:cNvPr id="2" name="Title 1">
             <a:extLst>
               <a:ext uri="{FF2B5EF4-FFF2-40B4-BE49-F238E27FC236}">
-                <a16:creationId xmlns:a16="http://schemas.microsoft.com/office/drawing/2014/main" xmlns="" id="{63C2B654-3331-4688-862F-DEF0F6D663BB}"/>
+                <a16:creationId xmlns="" xmlns:a16="http://schemas.microsoft.com/office/drawing/2014/main" id="{63C2B654-3331-4688-862F-DEF0F6D663BB}"/>
               </a:ext>
             </a:extLst>
           </p:cNvPr>
@@ -17372,7 +17372,7 @@
           <p:cNvPr id="3" name="Text Placeholder 2">
             <a:extLst>
               <a:ext uri="{FF2B5EF4-FFF2-40B4-BE49-F238E27FC236}">
-                <a16:creationId xmlns:a16="http://schemas.microsoft.com/office/drawing/2014/main" xmlns="" id="{6DA64C03-1AD9-4F07-BAFC-A0CD8158A822}"/>
+                <a16:creationId xmlns="" xmlns:a16="http://schemas.microsoft.com/office/drawing/2014/main" id="{6DA64C03-1AD9-4F07-BAFC-A0CD8158A822}"/>
               </a:ext>
             </a:extLst>
           </p:cNvPr>
@@ -17401,7 +17401,7 @@
           <p:cNvPr id="4098" name="Picture 2" descr="filter marble diagram">
             <a:extLst>
               <a:ext uri="{FF2B5EF4-FFF2-40B4-BE49-F238E27FC236}">
-                <a16:creationId xmlns:a16="http://schemas.microsoft.com/office/drawing/2014/main" xmlns="" id="{177DC7A3-F46C-4A58-B30B-712064D34494}"/>
+                <a16:creationId xmlns="" xmlns:a16="http://schemas.microsoft.com/office/drawing/2014/main" id="{177DC7A3-F46C-4A58-B30B-712064D34494}"/>
               </a:ext>
             </a:extLst>
           </p:cNvPr>
@@ -17644,7 +17644,7 @@
           <p:cNvPr id="2" name="Title 1">
             <a:extLst>
               <a:ext uri="{FF2B5EF4-FFF2-40B4-BE49-F238E27FC236}">
-                <a16:creationId xmlns:a16="http://schemas.microsoft.com/office/drawing/2014/main" xmlns="" id="{ED77B932-BCE9-4176-A7A0-3450503D6FCA}"/>
+                <a16:creationId xmlns="" xmlns:a16="http://schemas.microsoft.com/office/drawing/2014/main" id="{ED77B932-BCE9-4176-A7A0-3450503D6FCA}"/>
               </a:ext>
             </a:extLst>
           </p:cNvPr>
@@ -17669,7 +17669,7 @@
           <p:cNvPr id="3" name="Text Placeholder 2">
             <a:extLst>
               <a:ext uri="{FF2B5EF4-FFF2-40B4-BE49-F238E27FC236}">
-                <a16:creationId xmlns:a16="http://schemas.microsoft.com/office/drawing/2014/main" xmlns="" id="{29B32E58-A879-4BA5-9330-3DA726A4BB02}"/>
+                <a16:creationId xmlns="" xmlns:a16="http://schemas.microsoft.com/office/drawing/2014/main" id="{29B32E58-A879-4BA5-9330-3DA726A4BB02}"/>
               </a:ext>
             </a:extLst>
           </p:cNvPr>
@@ -17808,7 +17808,7 @@
           <p:cNvPr id="4" name="Picture 3">
             <a:extLst>
               <a:ext uri="{FF2B5EF4-FFF2-40B4-BE49-F238E27FC236}">
-                <a16:creationId xmlns:a16="http://schemas.microsoft.com/office/drawing/2014/main" xmlns="" id="{DF5D3B81-E8A5-4586-805C-71E302C70F14}"/>
+                <a16:creationId xmlns="" xmlns:a16="http://schemas.microsoft.com/office/drawing/2014/main" id="{DF5D3B81-E8A5-4586-805C-71E302C70F14}"/>
               </a:ext>
             </a:extLst>
           </p:cNvPr>
@@ -27847,21 +27847,34 @@
           </a:bodyPr>
           <a:lstStyle/>
           <a:p>
-            <a:pPr marL="457200" lvl="0" indent="-361950" algn="l" rtl="0">
-              <a:spcBef>
-                <a:spcPts val="0"/>
-              </a:spcBef>
-              <a:spcAft>
-                <a:spcPts val="0"/>
-              </a:spcAft>
+            <a:pPr lvl="0">
+              <a:spcBef>
+                <a:spcPts val="0"/>
+              </a:spcBef>
               <a:buClr>
                 <a:srgbClr val="000000"/>
               </a:buClr>
-              <a:buSzPts val="2100"/>
-              <a:buChar char="•"/>
             </a:pPr>
             <a:r>
-              <a:rPr lang="en" dirty="0" smtClean="0">
+              <a:rPr lang="en-US" dirty="0"/>
+              <a:t>Built-in structural </a:t>
+            </a:r>
+            <a:r>
+              <a:rPr lang="en-US" dirty="0" smtClean="0"/>
+              <a:t>directives</a:t>
+            </a:r>
+          </a:p>
+          <a:p>
+            <a:pPr lvl="1">
+              <a:spcBef>
+                <a:spcPts val="0"/>
+              </a:spcBef>
+              <a:buClr>
+                <a:srgbClr val="000000"/>
+              </a:buClr>
+            </a:pPr>
+            <a:r>
+              <a:rPr lang="en" sz="1700" dirty="0" smtClean="0">
                 <a:solidFill>
                   <a:srgbClr val="000000"/>
                 </a:solidFill>
@@ -27869,102 +27882,97 @@
               <a:t>NgIf</a:t>
             </a:r>
             <a:r>
-              <a:rPr lang="en" dirty="0">
+              <a:rPr lang="en" sz="1800" dirty="0">
                 <a:solidFill>
                   <a:srgbClr val="000000"/>
                 </a:solidFill>
               </a:rPr>
               <a:t>: </a:t>
             </a:r>
-            <a:r>
-              <a:rPr lang="en" sz="1400" dirty="0">
-                <a:solidFill>
-                  <a:srgbClr val="000088"/>
-                </a:solidFill>
-              </a:rPr>
-              <a:t>&lt;app-hero-detail</a:t>
-            </a:r>
-            <a:r>
-              <a:rPr lang="en" sz="1400" dirty="0"/>
-              <a:t> *</a:t>
-            </a:r>
-            <a:r>
-              <a:rPr lang="en" sz="1400" u="sng" dirty="0">
-                <a:solidFill>
-                  <a:srgbClr val="660066"/>
-                </a:solidFill>
-                <a:hlinkClick r:id="rId3"/>
-              </a:rPr>
-              <a:t>ngIf</a:t>
-            </a:r>
-            <a:r>
-              <a:rPr lang="en" sz="1400" dirty="0">
-                <a:solidFill>
-                  <a:srgbClr val="666600"/>
-                </a:solidFill>
-              </a:rPr>
-              <a:t>=</a:t>
-            </a:r>
-            <a:r>
-              <a:rPr lang="en" sz="1400" dirty="0">
-                <a:solidFill>
-                  <a:srgbClr val="880000"/>
-                </a:solidFill>
-              </a:rPr>
-              <a:t>"</a:t>
-            </a:r>
-            <a:r>
-              <a:rPr lang="en" sz="1400" u="sng" dirty="0">
-                <a:solidFill>
-                  <a:srgbClr val="880000"/>
-                </a:solidFill>
-                <a:hlinkClick r:id="rId4"/>
-              </a:rPr>
-              <a:t>isActive</a:t>
-            </a:r>
-            <a:r>
-              <a:rPr lang="en" sz="1400" dirty="0">
-                <a:solidFill>
-                  <a:srgbClr val="880000"/>
-                </a:solidFill>
-              </a:rPr>
-              <a:t>"</a:t>
-            </a:r>
-            <a:r>
-              <a:rPr lang="en" sz="1400" dirty="0">
-                <a:solidFill>
-                  <a:srgbClr val="000088"/>
-                </a:solidFill>
-              </a:rPr>
-              <a:t>&gt;&lt;/app-hero-detail&gt;</a:t>
-            </a:r>
-            <a:endParaRPr sz="1400" dirty="0">
+            <a:endParaRPr lang="en" dirty="0">
               <a:solidFill>
                 <a:srgbClr val="000000"/>
               </a:solidFill>
             </a:endParaRPr>
           </a:p>
           <a:p>
-            <a:pPr marL="457200" lvl="0" indent="-361950" algn="l" rtl="0">
-              <a:spcBef>
-                <a:spcPts val="0"/>
-              </a:spcBef>
-              <a:spcAft>
-                <a:spcPts val="0"/>
-              </a:spcAft>
+            <a:pPr lvl="2">
+              <a:spcBef>
+                <a:spcPts val="0"/>
+              </a:spcBef>
               <a:buClr>
                 <a:srgbClr val="000000"/>
               </a:buClr>
-              <a:buSzPts val="2100"/>
-              <a:buChar char="•"/>
             </a:pPr>
             <a:r>
+              <a:rPr lang="en" dirty="0" smtClean="0">
+                <a:solidFill>
+                  <a:srgbClr val="000088"/>
+                </a:solidFill>
+              </a:rPr>
+              <a:t>&lt;</a:t>
+            </a:r>
+            <a:r>
               <a:rPr lang="en" dirty="0">
                 <a:solidFill>
-                  <a:srgbClr val="000000"/>
-                </a:solidFill>
-              </a:rPr>
-              <a:t>NgSwitch</a:t>
+                  <a:srgbClr val="000088"/>
+                </a:solidFill>
+              </a:rPr>
+              <a:t>app-hero-detail</a:t>
+            </a:r>
+            <a:r>
+              <a:rPr lang="en" dirty="0"/>
+              <a:t> *</a:t>
+            </a:r>
+            <a:r>
+              <a:rPr lang="en" u="sng" dirty="0">
+                <a:solidFill>
+                  <a:srgbClr val="660066"/>
+                </a:solidFill>
+                <a:hlinkClick r:id="rId3"/>
+              </a:rPr>
+              <a:t>ngIf</a:t>
+            </a:r>
+            <a:r>
+              <a:rPr lang="en" dirty="0">
+                <a:solidFill>
+                  <a:srgbClr val="666600"/>
+                </a:solidFill>
+              </a:rPr>
+              <a:t>=</a:t>
+            </a:r>
+            <a:r>
+              <a:rPr lang="en" dirty="0">
+                <a:solidFill>
+                  <a:srgbClr val="880000"/>
+                </a:solidFill>
+              </a:rPr>
+              <a:t>"</a:t>
+            </a:r>
+            <a:r>
+              <a:rPr lang="en" u="sng" dirty="0">
+                <a:solidFill>
+                  <a:srgbClr val="880000"/>
+                </a:solidFill>
+                <a:hlinkClick r:id="rId4"/>
+              </a:rPr>
+              <a:t>isActive</a:t>
+            </a:r>
+            <a:r>
+              <a:rPr lang="en" dirty="0">
+                <a:solidFill>
+                  <a:srgbClr val="880000"/>
+                </a:solidFill>
+              </a:rPr>
+              <a:t>"</a:t>
+            </a:r>
+            <a:r>
+              <a:rPr lang="en" dirty="0">
+                <a:solidFill>
+                  <a:srgbClr val="000088"/>
+                </a:solidFill>
+              </a:rPr>
+              <a:t>&gt;&lt;/app-hero-detail&gt;</a:t>
             </a:r>
             <a:endParaRPr dirty="0">
               <a:solidFill>
@@ -27973,95 +27981,243 @@
             </a:endParaRPr>
           </a:p>
           <a:p>
-            <a:pPr marL="457200" lvl="0" indent="-361950" algn="l" rtl="0">
-              <a:spcBef>
-                <a:spcPts val="0"/>
-              </a:spcBef>
-              <a:spcAft>
-                <a:spcPts val="0"/>
-              </a:spcAft>
+            <a:pPr lvl="1" indent="-361950">
+              <a:spcBef>
+                <a:spcPts val="0"/>
+              </a:spcBef>
               <a:buClr>
                 <a:srgbClr val="000000"/>
               </a:buClr>
               <a:buSzPts val="2100"/>
-              <a:buChar char="•"/>
             </a:pPr>
             <a:r>
+              <a:rPr lang="en" sz="1700" dirty="0">
+                <a:solidFill>
+                  <a:srgbClr val="000000"/>
+                </a:solidFill>
+              </a:rPr>
+              <a:t>NgSwitch</a:t>
+            </a:r>
+            <a:endParaRPr sz="1700" dirty="0">
+              <a:solidFill>
+                <a:srgbClr val="000000"/>
+              </a:solidFill>
+            </a:endParaRPr>
+          </a:p>
+          <a:p>
+            <a:pPr lvl="1" indent="-361950">
+              <a:spcBef>
+                <a:spcPts val="0"/>
+              </a:spcBef>
+              <a:buClr>
+                <a:srgbClr val="000000"/>
+              </a:buClr>
+              <a:buSzPts val="2100"/>
+            </a:pPr>
+            <a:r>
+              <a:rPr lang="en" sz="1700" dirty="0">
+                <a:solidFill>
+                  <a:srgbClr val="000000"/>
+                </a:solidFill>
+              </a:rPr>
+              <a:t>NgForOf</a:t>
+            </a:r>
+            <a:r>
+              <a:rPr lang="en" sz="2100" dirty="0">
+                <a:solidFill>
+                  <a:srgbClr val="000000"/>
+                </a:solidFill>
+              </a:rPr>
+              <a:t>: </a:t>
+            </a:r>
+            <a:endParaRPr lang="en" sz="2100" dirty="0">
+              <a:solidFill>
+                <a:srgbClr val="000000"/>
+              </a:solidFill>
+            </a:endParaRPr>
+          </a:p>
+          <a:p>
+            <a:pPr lvl="2" indent="-361950">
+              <a:spcBef>
+                <a:spcPts val="0"/>
+              </a:spcBef>
+              <a:buClr>
+                <a:srgbClr val="000000"/>
+              </a:buClr>
+              <a:buSzPts val="2100"/>
+            </a:pPr>
+            <a:r>
+              <a:rPr lang="en" dirty="0" smtClean="0">
+                <a:solidFill>
+                  <a:srgbClr val="000088"/>
+                </a:solidFill>
+              </a:rPr>
+              <a:t>&lt;</a:t>
+            </a:r>
+            <a:r>
               <a:rPr lang="en" dirty="0">
                 <a:solidFill>
+                  <a:srgbClr val="000088"/>
+                </a:solidFill>
+              </a:rPr>
+              <a:t>div</a:t>
+            </a:r>
+            <a:r>
+              <a:rPr lang="en" dirty="0"/>
+              <a:t> *</a:t>
+            </a:r>
+            <a:r>
+              <a:rPr lang="en" u="sng" dirty="0">
+                <a:solidFill>
+                  <a:srgbClr val="660066"/>
+                </a:solidFill>
+                <a:hlinkClick r:id="rId5"/>
+              </a:rPr>
+              <a:t>ngFor</a:t>
+            </a:r>
+            <a:r>
+              <a:rPr lang="en" dirty="0">
+                <a:solidFill>
+                  <a:srgbClr val="666600"/>
+                </a:solidFill>
+              </a:rPr>
+              <a:t>=</a:t>
+            </a:r>
+            <a:r>
+              <a:rPr lang="en" dirty="0">
+                <a:solidFill>
+                  <a:srgbClr val="880000"/>
+                </a:solidFill>
+              </a:rPr>
+              <a:t>"let hero of heroes"</a:t>
+            </a:r>
+            <a:r>
+              <a:rPr lang="en" dirty="0">
+                <a:solidFill>
+                  <a:srgbClr val="000088"/>
+                </a:solidFill>
+              </a:rPr>
+              <a:t>&gt;</a:t>
+            </a:r>
+            <a:r>
+              <a:rPr lang="en" dirty="0"/>
+              <a:t>{{hero.name}}</a:t>
+            </a:r>
+            <a:r>
+              <a:rPr lang="en" dirty="0">
+                <a:solidFill>
+                  <a:srgbClr val="000088"/>
+                </a:solidFill>
+              </a:rPr>
+              <a:t>&lt;/div</a:t>
+            </a:r>
+            <a:r>
+              <a:rPr lang="en" dirty="0" smtClean="0">
+                <a:solidFill>
+                  <a:srgbClr val="000088"/>
+                </a:solidFill>
+              </a:rPr>
+              <a:t>&gt;</a:t>
+            </a:r>
+          </a:p>
+          <a:p>
+            <a:pPr>
+              <a:spcBef>
+                <a:spcPts val="0"/>
+              </a:spcBef>
+              <a:buClr>
+                <a:srgbClr val="000000"/>
+              </a:buClr>
+            </a:pPr>
+            <a:r>
+              <a:rPr lang="en-US" dirty="0"/>
+              <a:t>Built-in attribute </a:t>
+            </a:r>
+            <a:r>
+              <a:rPr lang="en-US" dirty="0"/>
+              <a:t>directives</a:t>
+            </a:r>
+          </a:p>
+          <a:p>
+            <a:pPr lvl="1">
+              <a:spcBef>
+                <a:spcPts val="0"/>
+              </a:spcBef>
+              <a:buClr>
+                <a:srgbClr val="000000"/>
+              </a:buClr>
+            </a:pPr>
+            <a:r>
+              <a:rPr lang="en-US" sz="1700" dirty="0" err="1">
+                <a:solidFill>
                   <a:srgbClr val="000000"/>
                 </a:solidFill>
               </a:rPr>
-              <a:t>NgForOf: </a:t>
-            </a:r>
-            <a:r>
-              <a:rPr lang="en" sz="1400" dirty="0">
-                <a:solidFill>
-                  <a:srgbClr val="000088"/>
-                </a:solidFill>
-              </a:rPr>
-              <a:t>&lt;div</a:t>
-            </a:r>
-            <a:r>
-              <a:rPr lang="en" sz="1400" dirty="0"/>
-              <a:t> *</a:t>
-            </a:r>
-            <a:r>
-              <a:rPr lang="en" sz="1400" u="sng" dirty="0">
-                <a:solidFill>
-                  <a:srgbClr val="660066"/>
-                </a:solidFill>
-                <a:hlinkClick r:id="rId5"/>
-              </a:rPr>
-              <a:t>ngFor</a:t>
-            </a:r>
-            <a:r>
-              <a:rPr lang="en" sz="1400" dirty="0">
-                <a:solidFill>
-                  <a:srgbClr val="666600"/>
-                </a:solidFill>
-              </a:rPr>
-              <a:t>=</a:t>
-            </a:r>
-            <a:r>
-              <a:rPr lang="en" sz="1400" dirty="0">
-                <a:solidFill>
-                  <a:srgbClr val="880000"/>
-                </a:solidFill>
-              </a:rPr>
-              <a:t>"let hero of heroes"</a:t>
-            </a:r>
-            <a:r>
-              <a:rPr lang="en" sz="1400" dirty="0">
-                <a:solidFill>
-                  <a:srgbClr val="000088"/>
-                </a:solidFill>
-              </a:rPr>
-              <a:t>&gt;</a:t>
-            </a:r>
-            <a:r>
-              <a:rPr lang="en" sz="1400" dirty="0"/>
-              <a:t>{{hero.name}}</a:t>
-            </a:r>
-            <a:r>
-              <a:rPr lang="en" sz="1400" dirty="0">
-                <a:solidFill>
-                  <a:srgbClr val="000088"/>
-                </a:solidFill>
-              </a:rPr>
-              <a:t>&lt;/div</a:t>
-            </a:r>
-            <a:r>
-              <a:rPr lang="en" sz="1400" dirty="0" smtClean="0">
-                <a:solidFill>
-                  <a:srgbClr val="000088"/>
-                </a:solidFill>
-              </a:rPr>
-              <a:t>&gt;</a:t>
-            </a:r>
-            <a:endParaRPr sz="1400" dirty="0">
+              <a:t>NgClass</a:t>
+            </a:r>
+            <a:r>
+              <a:rPr lang="en-US" sz="1700" dirty="0">
+                <a:solidFill>
+                  <a:srgbClr val="000000"/>
+                </a:solidFill>
+              </a:rPr>
+              <a:t>—adds and removes a set of CSS classes.</a:t>
+            </a:r>
+          </a:p>
+          <a:p>
+            <a:pPr lvl="1">
+              <a:spcBef>
+                <a:spcPts val="0"/>
+              </a:spcBef>
+              <a:buClr>
+                <a:srgbClr val="000000"/>
+              </a:buClr>
+            </a:pPr>
+            <a:r>
+              <a:rPr lang="en-US" sz="1700" dirty="0" err="1">
+                <a:solidFill>
+                  <a:srgbClr val="000000"/>
+                </a:solidFill>
+              </a:rPr>
+              <a:t>NgStyle</a:t>
+            </a:r>
+            <a:r>
+              <a:rPr lang="en-US" sz="1700" dirty="0">
+                <a:solidFill>
+                  <a:srgbClr val="000000"/>
+                </a:solidFill>
+              </a:rPr>
+              <a:t>—adds and removes a set of HTML styles.</a:t>
+            </a:r>
+          </a:p>
+          <a:p>
+            <a:pPr lvl="1">
+              <a:spcBef>
+                <a:spcPts val="0"/>
+              </a:spcBef>
+              <a:buClr>
+                <a:srgbClr val="000000"/>
+              </a:buClr>
+            </a:pPr>
+            <a:r>
+              <a:rPr lang="en-US" sz="1700" dirty="0" err="1">
+                <a:solidFill>
+                  <a:srgbClr val="000000"/>
+                </a:solidFill>
+              </a:rPr>
+              <a:t>NgModel</a:t>
+            </a:r>
+            <a:r>
+              <a:rPr lang="en-US" sz="1700" dirty="0">
+                <a:solidFill>
+                  <a:srgbClr val="000000"/>
+                </a:solidFill>
+              </a:rPr>
+              <a:t>—adds two-way data binding to an HTML form element.</a:t>
+            </a:r>
+            <a:endParaRPr sz="1700" dirty="0">
               <a:solidFill>
-                <a:srgbClr val="000088"/>
+                <a:srgbClr val="000000"/>
               </a:solidFill>
             </a:endParaRPr>
           </a:p>
@@ -28382,7 +28538,7 @@
           <p:cNvPr id="2" name="Title 1">
             <a:extLst>
               <a:ext uri="{FF2B5EF4-FFF2-40B4-BE49-F238E27FC236}">
-                <a16:creationId xmlns:a16="http://schemas.microsoft.com/office/drawing/2014/main" xmlns="" id="{8E3390F4-2813-479A-B2CA-B1826DC5B2F7}"/>
+                <a16:creationId xmlns="" xmlns:a16="http://schemas.microsoft.com/office/drawing/2014/main" id="{8E3390F4-2813-479A-B2CA-B1826DC5B2F7}"/>
               </a:ext>
             </a:extLst>
           </p:cNvPr>
@@ -28410,7 +28566,7 @@
           <p:cNvPr id="3" name="Text Placeholder 2">
             <a:extLst>
               <a:ext uri="{FF2B5EF4-FFF2-40B4-BE49-F238E27FC236}">
-                <a16:creationId xmlns:a16="http://schemas.microsoft.com/office/drawing/2014/main" xmlns="" id="{81978763-2B04-4689-B469-56C75E8408E4}"/>
+                <a16:creationId xmlns="" xmlns:a16="http://schemas.microsoft.com/office/drawing/2014/main" id="{81978763-2B04-4689-B469-56C75E8408E4}"/>
               </a:ext>
             </a:extLst>
           </p:cNvPr>
@@ -28713,7 +28869,7 @@
           <p:cNvPr id="2" name="Title 1">
             <a:extLst>
               <a:ext uri="{FF2B5EF4-FFF2-40B4-BE49-F238E27FC236}">
-                <a16:creationId xmlns:a16="http://schemas.microsoft.com/office/drawing/2014/main" xmlns="" id="{05693CBD-A7E2-424C-882C-891BB8936526}"/>
+                <a16:creationId xmlns="" xmlns:a16="http://schemas.microsoft.com/office/drawing/2014/main" id="{05693CBD-A7E2-424C-882C-891BB8936526}"/>
               </a:ext>
             </a:extLst>
           </p:cNvPr>
@@ -28741,7 +28897,7 @@
           <p:cNvPr id="3" name="Text Placeholder 2">
             <a:extLst>
               <a:ext uri="{FF2B5EF4-FFF2-40B4-BE49-F238E27FC236}">
-                <a16:creationId xmlns:a16="http://schemas.microsoft.com/office/drawing/2014/main" xmlns="" id="{B870AE03-A16C-4B3F-A116-B9CFEE07B705}"/>
+                <a16:creationId xmlns="" xmlns:a16="http://schemas.microsoft.com/office/drawing/2014/main" id="{B870AE03-A16C-4B3F-A116-B9CFEE07B705}"/>
               </a:ext>
             </a:extLst>
           </p:cNvPr>
@@ -28867,7 +29023,7 @@
           <p:cNvPr id="2" name="Title 1">
             <a:extLst>
               <a:ext uri="{FF2B5EF4-FFF2-40B4-BE49-F238E27FC236}">
-                <a16:creationId xmlns:a16="http://schemas.microsoft.com/office/drawing/2014/main" xmlns="" id="{38FB9F05-8B13-4BBF-ABAF-97668C713DD6}"/>
+                <a16:creationId xmlns="" xmlns:a16="http://schemas.microsoft.com/office/drawing/2014/main" id="{38FB9F05-8B13-4BBF-ABAF-97668C713DD6}"/>
               </a:ext>
             </a:extLst>
           </p:cNvPr>
@@ -28895,7 +29051,7 @@
           <p:cNvPr id="3" name="Text Placeholder 2">
             <a:extLst>
               <a:ext uri="{FF2B5EF4-FFF2-40B4-BE49-F238E27FC236}">
-                <a16:creationId xmlns:a16="http://schemas.microsoft.com/office/drawing/2014/main" xmlns="" id="{C3265D89-6B63-4A0E-B3D3-C5879C6A0FFF}"/>
+                <a16:creationId xmlns="" xmlns:a16="http://schemas.microsoft.com/office/drawing/2014/main" id="{C3265D89-6B63-4A0E-B3D3-C5879C6A0FFF}"/>
               </a:ext>
             </a:extLst>
           </p:cNvPr>
@@ -29021,7 +29177,7 @@
           <p:cNvPr id="2" name="Title 1">
             <a:extLst>
               <a:ext uri="{FF2B5EF4-FFF2-40B4-BE49-F238E27FC236}">
-                <a16:creationId xmlns:a16="http://schemas.microsoft.com/office/drawing/2014/main" xmlns="" id="{BE113AB8-B8FB-44E4-8BF1-00806350BFAC}"/>
+                <a16:creationId xmlns="" xmlns:a16="http://schemas.microsoft.com/office/drawing/2014/main" id="{BE113AB8-B8FB-44E4-8BF1-00806350BFAC}"/>
               </a:ext>
             </a:extLst>
           </p:cNvPr>
@@ -29050,7 +29206,7 @@
           <p:cNvPr id="3" name="Text Placeholder 2">
             <a:extLst>
               <a:ext uri="{FF2B5EF4-FFF2-40B4-BE49-F238E27FC236}">
-                <a16:creationId xmlns:a16="http://schemas.microsoft.com/office/drawing/2014/main" xmlns="" id="{62D828A7-23C6-47B9-8FC4-9EAFFB8F8BF8}"/>
+                <a16:creationId xmlns="" xmlns:a16="http://schemas.microsoft.com/office/drawing/2014/main" id="{62D828A7-23C6-47B9-8FC4-9EAFFB8F8BF8}"/>
               </a:ext>
             </a:extLst>
           </p:cNvPr>
@@ -29085,7 +29241,7 @@
           <p:cNvPr id="9" name="Picture 8">
             <a:extLst>
               <a:ext uri="{FF2B5EF4-FFF2-40B4-BE49-F238E27FC236}">
-                <a16:creationId xmlns:a16="http://schemas.microsoft.com/office/drawing/2014/main" xmlns="" id="{AB2A4D1D-3FC5-46DB-AA99-726C3F479FA8}"/>
+                <a16:creationId xmlns="" xmlns:a16="http://schemas.microsoft.com/office/drawing/2014/main" id="{AB2A4D1D-3FC5-46DB-AA99-726C3F479FA8}"/>
               </a:ext>
             </a:extLst>
           </p:cNvPr>

--- a/docs/Angular Training.pptx
+++ b/docs/Angular Training.pptx
@@ -29,8 +29,8 @@
     <p:sldId id="377" r:id="rId20"/>
     <p:sldId id="378" r:id="rId21"/>
     <p:sldId id="380" r:id="rId22"/>
-    <p:sldId id="389" r:id="rId23"/>
-    <p:sldId id="390" r:id="rId24"/>
+    <p:sldId id="390" r:id="rId23"/>
+    <p:sldId id="389" r:id="rId24"/>
     <p:sldId id="391" r:id="rId25"/>
     <p:sldId id="354" r:id="rId26"/>
     <p:sldId id="355" r:id="rId27"/>
@@ -16797,7 +16797,7 @@
           <p:cNvPr id="2" name="Title 1">
             <a:extLst>
               <a:ext uri="{FF2B5EF4-FFF2-40B4-BE49-F238E27FC236}">
-                <a16:creationId xmlns="" xmlns:a16="http://schemas.microsoft.com/office/drawing/2014/main" id="{14188570-52C0-499D-A1F9-CEB8C4D140AC}"/>
+                <a16:creationId xmlns:a16="http://schemas.microsoft.com/office/drawing/2014/main" xmlns="" id="{14188570-52C0-499D-A1F9-CEB8C4D140AC}"/>
               </a:ext>
             </a:extLst>
           </p:cNvPr>
@@ -16822,7 +16822,7 @@
           <p:cNvPr id="3" name="Text Placeholder 2">
             <a:extLst>
               <a:ext uri="{FF2B5EF4-FFF2-40B4-BE49-F238E27FC236}">
-                <a16:creationId xmlns="" xmlns:a16="http://schemas.microsoft.com/office/drawing/2014/main" id="{076AC046-A5A2-41A8-93D3-574CB73A9183}"/>
+                <a16:creationId xmlns:a16="http://schemas.microsoft.com/office/drawing/2014/main" xmlns="" id="{076AC046-A5A2-41A8-93D3-574CB73A9183}"/>
               </a:ext>
             </a:extLst>
           </p:cNvPr>
@@ -16857,7 +16857,7 @@
           <p:cNvPr id="6" name="Picture 5">
             <a:extLst>
               <a:ext uri="{FF2B5EF4-FFF2-40B4-BE49-F238E27FC236}">
-                <a16:creationId xmlns="" xmlns:a16="http://schemas.microsoft.com/office/drawing/2014/main" id="{7816312E-1292-4F93-99B3-B6E03BF4C65B}"/>
+                <a16:creationId xmlns:a16="http://schemas.microsoft.com/office/drawing/2014/main" xmlns="" id="{7816312E-1292-4F93-99B3-B6E03BF4C65B}"/>
               </a:ext>
             </a:extLst>
           </p:cNvPr>
@@ -16887,7 +16887,7 @@
           <p:cNvPr id="7" name="Picture 6">
             <a:extLst>
               <a:ext uri="{FF2B5EF4-FFF2-40B4-BE49-F238E27FC236}">
-                <a16:creationId xmlns="" xmlns:a16="http://schemas.microsoft.com/office/drawing/2014/main" id="{CC57AC0F-E0B8-4664-87EF-398F84A8C34C}"/>
+                <a16:creationId xmlns:a16="http://schemas.microsoft.com/office/drawing/2014/main" xmlns="" id="{CC57AC0F-E0B8-4664-87EF-398F84A8C34C}"/>
               </a:ext>
             </a:extLst>
           </p:cNvPr>
@@ -16954,7 +16954,7 @@
           <p:cNvPr id="2" name="Title 1">
             <a:extLst>
               <a:ext uri="{FF2B5EF4-FFF2-40B4-BE49-F238E27FC236}">
-                <a16:creationId xmlns="" xmlns:a16="http://schemas.microsoft.com/office/drawing/2014/main" id="{66FE7FBB-25AE-4F55-88FA-6C134DD61D68}"/>
+                <a16:creationId xmlns:a16="http://schemas.microsoft.com/office/drawing/2014/main" xmlns="" id="{66FE7FBB-25AE-4F55-88FA-6C134DD61D68}"/>
               </a:ext>
             </a:extLst>
           </p:cNvPr>
@@ -16979,7 +16979,7 @@
           <p:cNvPr id="3" name="Text Placeholder 2">
             <a:extLst>
               <a:ext uri="{FF2B5EF4-FFF2-40B4-BE49-F238E27FC236}">
-                <a16:creationId xmlns="" xmlns:a16="http://schemas.microsoft.com/office/drawing/2014/main" id="{44A61E20-B4B6-4440-96D4-DDF9F0C42C7A}"/>
+                <a16:creationId xmlns:a16="http://schemas.microsoft.com/office/drawing/2014/main" xmlns="" id="{44A61E20-B4B6-4440-96D4-DDF9F0C42C7A}"/>
               </a:ext>
             </a:extLst>
           </p:cNvPr>
@@ -17058,7 +17058,7 @@
           <p:cNvPr id="2" name="Title 1">
             <a:extLst>
               <a:ext uri="{FF2B5EF4-FFF2-40B4-BE49-F238E27FC236}">
-                <a16:creationId xmlns="" xmlns:a16="http://schemas.microsoft.com/office/drawing/2014/main" id="{87A9FF73-A801-4B1F-B6C6-242B2DBA852D}"/>
+                <a16:creationId xmlns:a16="http://schemas.microsoft.com/office/drawing/2014/main" xmlns="" id="{87A9FF73-A801-4B1F-B6C6-242B2DBA852D}"/>
               </a:ext>
             </a:extLst>
           </p:cNvPr>
@@ -17087,7 +17087,7 @@
           <p:cNvPr id="3" name="Text Placeholder 2">
             <a:extLst>
               <a:ext uri="{FF2B5EF4-FFF2-40B4-BE49-F238E27FC236}">
-                <a16:creationId xmlns="" xmlns:a16="http://schemas.microsoft.com/office/drawing/2014/main" id="{24B21FB8-8E8C-48DA-A9B4-D95CAAAF9C56}"/>
+                <a16:creationId xmlns:a16="http://schemas.microsoft.com/office/drawing/2014/main" xmlns="" id="{24B21FB8-8E8C-48DA-A9B4-D95CAAAF9C56}"/>
               </a:ext>
             </a:extLst>
           </p:cNvPr>
@@ -17230,7 +17230,7 @@
           <p:cNvPr id="2" name="Title 1">
             <a:extLst>
               <a:ext uri="{FF2B5EF4-FFF2-40B4-BE49-F238E27FC236}">
-                <a16:creationId xmlns="" xmlns:a16="http://schemas.microsoft.com/office/drawing/2014/main" id="{7DA28761-D2FA-43C5-9AD4-D72F303C532F}"/>
+                <a16:creationId xmlns:a16="http://schemas.microsoft.com/office/drawing/2014/main" xmlns="" id="{7DA28761-D2FA-43C5-9AD4-D72F303C532F}"/>
               </a:ext>
             </a:extLst>
           </p:cNvPr>
@@ -17255,7 +17255,7 @@
           <p:cNvPr id="3" name="Text Placeholder 2">
             <a:extLst>
               <a:ext uri="{FF2B5EF4-FFF2-40B4-BE49-F238E27FC236}">
-                <a16:creationId xmlns="" xmlns:a16="http://schemas.microsoft.com/office/drawing/2014/main" id="{0A2C4502-1A10-4641-B374-3E11BBA6F0DA}"/>
+                <a16:creationId xmlns:a16="http://schemas.microsoft.com/office/drawing/2014/main" xmlns="" id="{0A2C4502-1A10-4641-B374-3E11BBA6F0DA}"/>
               </a:ext>
             </a:extLst>
           </p:cNvPr>
@@ -17280,7 +17280,7 @@
           <p:cNvPr id="5" name="Picture 4">
             <a:extLst>
               <a:ext uri="{FF2B5EF4-FFF2-40B4-BE49-F238E27FC236}">
-                <a16:creationId xmlns="" xmlns:a16="http://schemas.microsoft.com/office/drawing/2014/main" id="{807634FA-008F-4E87-951F-3CA12314CCBB}"/>
+                <a16:creationId xmlns:a16="http://schemas.microsoft.com/office/drawing/2014/main" xmlns="" id="{807634FA-008F-4E87-951F-3CA12314CCBB}"/>
               </a:ext>
             </a:extLst>
           </p:cNvPr>
@@ -17347,7 +17347,7 @@
           <p:cNvPr id="2" name="Title 1">
             <a:extLst>
               <a:ext uri="{FF2B5EF4-FFF2-40B4-BE49-F238E27FC236}">
-                <a16:creationId xmlns="" xmlns:a16="http://schemas.microsoft.com/office/drawing/2014/main" id="{63C2B654-3331-4688-862F-DEF0F6D663BB}"/>
+                <a16:creationId xmlns:a16="http://schemas.microsoft.com/office/drawing/2014/main" xmlns="" id="{63C2B654-3331-4688-862F-DEF0F6D663BB}"/>
               </a:ext>
             </a:extLst>
           </p:cNvPr>
@@ -17372,7 +17372,7 @@
           <p:cNvPr id="3" name="Text Placeholder 2">
             <a:extLst>
               <a:ext uri="{FF2B5EF4-FFF2-40B4-BE49-F238E27FC236}">
-                <a16:creationId xmlns="" xmlns:a16="http://schemas.microsoft.com/office/drawing/2014/main" id="{6DA64C03-1AD9-4F07-BAFC-A0CD8158A822}"/>
+                <a16:creationId xmlns:a16="http://schemas.microsoft.com/office/drawing/2014/main" xmlns="" id="{6DA64C03-1AD9-4F07-BAFC-A0CD8158A822}"/>
               </a:ext>
             </a:extLst>
           </p:cNvPr>
@@ -17401,7 +17401,7 @@
           <p:cNvPr id="4098" name="Picture 2" descr="filter marble diagram">
             <a:extLst>
               <a:ext uri="{FF2B5EF4-FFF2-40B4-BE49-F238E27FC236}">
-                <a16:creationId xmlns="" xmlns:a16="http://schemas.microsoft.com/office/drawing/2014/main" id="{177DC7A3-F46C-4A58-B30B-712064D34494}"/>
+                <a16:creationId xmlns:a16="http://schemas.microsoft.com/office/drawing/2014/main" xmlns="" id="{177DC7A3-F46C-4A58-B30B-712064D34494}"/>
               </a:ext>
             </a:extLst>
           </p:cNvPr>
@@ -17644,7 +17644,7 @@
           <p:cNvPr id="2" name="Title 1">
             <a:extLst>
               <a:ext uri="{FF2B5EF4-FFF2-40B4-BE49-F238E27FC236}">
-                <a16:creationId xmlns="" xmlns:a16="http://schemas.microsoft.com/office/drawing/2014/main" id="{ED77B932-BCE9-4176-A7A0-3450503D6FCA}"/>
+                <a16:creationId xmlns:a16="http://schemas.microsoft.com/office/drawing/2014/main" xmlns="" id="{ED77B932-BCE9-4176-A7A0-3450503D6FCA}"/>
               </a:ext>
             </a:extLst>
           </p:cNvPr>
@@ -17669,7 +17669,7 @@
           <p:cNvPr id="3" name="Text Placeholder 2">
             <a:extLst>
               <a:ext uri="{FF2B5EF4-FFF2-40B4-BE49-F238E27FC236}">
-                <a16:creationId xmlns="" xmlns:a16="http://schemas.microsoft.com/office/drawing/2014/main" id="{29B32E58-A879-4BA5-9330-3DA726A4BB02}"/>
+                <a16:creationId xmlns:a16="http://schemas.microsoft.com/office/drawing/2014/main" xmlns="" id="{29B32E58-A879-4BA5-9330-3DA726A4BB02}"/>
               </a:ext>
             </a:extLst>
           </p:cNvPr>
@@ -17808,7 +17808,7 @@
           <p:cNvPr id="4" name="Picture 3">
             <a:extLst>
               <a:ext uri="{FF2B5EF4-FFF2-40B4-BE49-F238E27FC236}">
-                <a16:creationId xmlns="" xmlns:a16="http://schemas.microsoft.com/office/drawing/2014/main" id="{DF5D3B81-E8A5-4586-805C-71E302C70F14}"/>
+                <a16:creationId xmlns:a16="http://schemas.microsoft.com/office/drawing/2014/main" xmlns="" id="{DF5D3B81-E8A5-4586-805C-71E302C70F14}"/>
               </a:ext>
             </a:extLst>
           </p:cNvPr>
@@ -18460,8 +18460,88 @@
           <a:lstStyle/>
           <a:p>
             <a:r>
+              <a:rPr lang="vi-VN" dirty="0"/>
+              <a:t>P</a:t>
+            </a:r>
+            <a:r>
+              <a:rPr lang="en-US" dirty="0" err="1" smtClean="0"/>
+              <a:t>roject</a:t>
+            </a:r>
+            <a:r>
+              <a:rPr lang="en-US" dirty="0" smtClean="0"/>
+              <a:t> </a:t>
+            </a:r>
+            <a:r>
+              <a:rPr lang="en-US" dirty="0"/>
+              <a:t>file </a:t>
+            </a:r>
+            <a:r>
+              <a:rPr lang="en-US" dirty="0" smtClean="0"/>
+              <a:t>structure</a:t>
+            </a:r>
+            <a:endParaRPr lang="vi-VN" dirty="0" smtClean="0">
+              <a:hlinkClick r:id="rId2"/>
+            </a:endParaRPr>
+          </a:p>
+          <a:p>
+            <a:pPr lvl="1"/>
+            <a:r>
+              <a:rPr lang="vi-VN" dirty="0" smtClean="0">
+                <a:hlinkClick r:id="rId2"/>
+              </a:rPr>
+              <a:t>https</a:t>
+            </a:r>
+            <a:r>
+              <a:rPr lang="vi-VN" dirty="0">
+                <a:hlinkClick r:id="rId2"/>
+              </a:rPr>
+              <a:t>://</a:t>
+            </a:r>
+            <a:r>
+              <a:rPr lang="vi-VN" dirty="0" smtClean="0">
+                <a:hlinkClick r:id="rId2"/>
+              </a:rPr>
+              <a:t>angular.io/guide/file-structure</a:t>
+            </a:r>
+            <a:endParaRPr lang="vi-VN" dirty="0" smtClean="0"/>
+          </a:p>
+          <a:p>
+            <a:r>
+              <a:rPr lang="en-US" dirty="0"/>
+              <a:t>Behind the </a:t>
+            </a:r>
+            <a:r>
+              <a:rPr lang="en-US" dirty="0" err="1"/>
+              <a:t>scense</a:t>
+            </a:r>
+            <a:endParaRPr lang="en-US" dirty="0">
+              <a:hlinkClick r:id="rId3"/>
+            </a:endParaRPr>
+          </a:p>
+          <a:p>
+            <a:pPr lvl="1"/>
+            <a:r>
+              <a:rPr lang="vi-VN" dirty="0">
+                <a:hlinkClick r:id="rId3"/>
+              </a:rPr>
+              <a:t>https://</a:t>
+            </a:r>
+            <a:r>
+              <a:rPr lang="vi-VN" dirty="0" smtClean="0">
+                <a:hlinkClick r:id="rId3"/>
+              </a:rPr>
+              <a:t>medium.com/siam-vit/how-an-angular-app-work-behind-the-scenes-angular-flow-dcc4d1df27bd</a:t>
+            </a:r>
+            <a:endParaRPr lang="vi-VN" dirty="0"/>
+          </a:p>
+          <a:p>
+            <a:r>
               <a:rPr lang="vi-VN" dirty="0" smtClean="0"/>
-              <a:t>Angular CLI – generate </a:t>
+              <a:t>Angular </a:t>
+            </a:r>
+            <a:r>
+              <a:rPr lang="vi-VN" dirty="0" smtClean="0"/>
+              <a:t>CLI – generate </a:t>
             </a:r>
             <a:endParaRPr lang="en-US" dirty="0" smtClean="0"/>
           </a:p>
@@ -18469,13 +18549,13 @@
             <a:pPr lvl="1"/>
             <a:r>
               <a:rPr lang="en-US" dirty="0">
-                <a:hlinkClick r:id="rId2"/>
+                <a:hlinkClick r:id="rId4"/>
               </a:rPr>
               <a:t>https://</a:t>
             </a:r>
             <a:r>
               <a:rPr lang="en-US" dirty="0" smtClean="0">
-                <a:hlinkClick r:id="rId2"/>
+                <a:hlinkClick r:id="rId4"/>
               </a:rPr>
               <a:t>angular.io/cli/generate</a:t>
             </a:r>
@@ -18583,43 +18663,24 @@
           <a:lstStyle/>
           <a:p>
             <a:r>
-              <a:rPr lang="en-US" dirty="0"/>
-              <a:t>Behind the </a:t>
-            </a:r>
-            <a:r>
-              <a:rPr lang="en-US" dirty="0" err="1"/>
-              <a:t>scense</a:t>
-            </a:r>
-            <a:endParaRPr lang="en-US" dirty="0">
-              <a:hlinkClick r:id="rId2"/>
-            </a:endParaRPr>
-          </a:p>
-          <a:p>
-            <a:pPr lvl="1"/>
-            <a:r>
-              <a:rPr lang="vi-VN" dirty="0" smtClean="0">
-                <a:hlinkClick r:id="rId2"/>
-              </a:rPr>
-              <a:t>https</a:t>
-            </a:r>
-            <a:r>
-              <a:rPr lang="vi-VN" dirty="0">
-                <a:hlinkClick r:id="rId2"/>
-              </a:rPr>
-              <a:t>://</a:t>
-            </a:r>
-            <a:r>
-              <a:rPr lang="vi-VN" dirty="0" smtClean="0">
-                <a:hlinkClick r:id="rId2"/>
-              </a:rPr>
-              <a:t>medium.com/siam-vit/how-an-angular-app-work-behind-the-scenes-angular-flow-dcc4d1df27bd</a:t>
-            </a:r>
-            <a:endParaRPr lang="vi-VN" dirty="0"/>
-          </a:p>
-          <a:p>
-            <a:r>
               <a:rPr lang="en-US" dirty="0" err="1" smtClean="0"/>
               <a:t>NgModules</a:t>
+            </a:r>
+            <a:endParaRPr lang="vi-VN" dirty="0" smtClean="0"/>
+          </a:p>
+          <a:p>
+            <a:pPr lvl="1"/>
+            <a:r>
+              <a:rPr lang="en-US" dirty="0">
+                <a:hlinkClick r:id="rId2"/>
+              </a:rPr>
+              <a:t>https://</a:t>
+            </a:r>
+            <a:r>
+              <a:rPr lang="en-US" dirty="0" smtClean="0">
+                <a:hlinkClick r:id="rId2"/>
+              </a:rPr>
+              <a:t>angular.io/guide/architecture-modules</a:t>
             </a:r>
             <a:endParaRPr lang="en-US" dirty="0" smtClean="0"/>
           </a:p>
@@ -20163,6 +20224,213 @@
   <p:cSld>
     <p:spTree>
       <p:nvGrpSpPr>
+        <p:cNvPr id="1" name=""/>
+        <p:cNvGrpSpPr/>
+        <p:nvPr/>
+      </p:nvGrpSpPr>
+      <p:grpSpPr>
+        <a:xfrm>
+          <a:off x="0" y="0"/>
+          <a:ext cx="0" cy="0"/>
+          <a:chOff x="0" y="0"/>
+          <a:chExt cx="0" cy="0"/>
+        </a:xfrm>
+      </p:grpSpPr>
+      <p:sp>
+        <p:nvSpPr>
+          <p:cNvPr id="2" name="Title 1"/>
+          <p:cNvSpPr>
+            <a:spLocks noGrp="1"/>
+          </p:cNvSpPr>
+          <p:nvPr>
+            <p:ph type="title"/>
+          </p:nvPr>
+        </p:nvSpPr>
+        <p:spPr/>
+        <p:txBody>
+          <a:bodyPr/>
+          <a:lstStyle/>
+          <a:p>
+            <a:r>
+              <a:rPr lang="en-US" sz="3600" dirty="0"/>
+              <a:t>Explore Angular project</a:t>
+            </a:r>
+            <a:endParaRPr lang="en-US" dirty="0"/>
+          </a:p>
+        </p:txBody>
+      </p:sp>
+      <p:sp>
+        <p:nvSpPr>
+          <p:cNvPr id="3" name="Text Placeholder 2"/>
+          <p:cNvSpPr>
+            <a:spLocks noGrp="1"/>
+          </p:cNvSpPr>
+          <p:nvPr>
+            <p:ph type="body" idx="1"/>
+          </p:nvPr>
+        </p:nvSpPr>
+        <p:spPr/>
+        <p:txBody>
+          <a:bodyPr/>
+          <a:lstStyle/>
+          <a:p>
+            <a:r>
+              <a:rPr lang="en-US" dirty="0" smtClean="0"/>
+              <a:t>Components</a:t>
+            </a:r>
+            <a:endParaRPr lang="vi-VN" dirty="0" smtClean="0"/>
+          </a:p>
+          <a:p>
+            <a:pPr lvl="1"/>
+            <a:r>
+              <a:rPr lang="en-US" dirty="0">
+                <a:hlinkClick r:id="rId2"/>
+              </a:rPr>
+              <a:t>https://</a:t>
+            </a:r>
+            <a:r>
+              <a:rPr lang="en-US" dirty="0" smtClean="0">
+                <a:hlinkClick r:id="rId2"/>
+              </a:rPr>
+              <a:t>angular.io/guide/architecture-components</a:t>
+            </a:r>
+            <a:endParaRPr lang="vi-VN" dirty="0" smtClean="0"/>
+          </a:p>
+          <a:p>
+            <a:pPr lvl="1"/>
+            <a:r>
+              <a:rPr lang="en-US" sz="1700" dirty="0" smtClean="0"/>
+              <a:t>Angular </a:t>
+            </a:r>
+            <a:r>
+              <a:rPr lang="vi-VN" sz="1700" dirty="0" smtClean="0"/>
+              <a:t>CLI: </a:t>
+            </a:r>
+            <a:r>
+              <a:rPr lang="en-US" sz="1700" dirty="0" smtClean="0">
+                <a:solidFill>
+                  <a:srgbClr val="FF0000"/>
+                </a:solidFill>
+              </a:rPr>
+              <a:t>ng </a:t>
+            </a:r>
+            <a:r>
+              <a:rPr lang="en-US" sz="1700" dirty="0">
+                <a:solidFill>
+                  <a:srgbClr val="FF0000"/>
+                </a:solidFill>
+              </a:rPr>
+              <a:t>generate component </a:t>
+            </a:r>
+            <a:r>
+              <a:rPr lang="en-US" sz="1700" dirty="0" smtClean="0">
+                <a:solidFill>
+                  <a:srgbClr val="FF0000"/>
+                </a:solidFill>
+              </a:rPr>
+              <a:t>hero</a:t>
+            </a:r>
+          </a:p>
+          <a:p>
+            <a:pPr marL="838200" lvl="1" indent="-285750">
+              <a:buFont typeface="Arial" panose="020B0604020202020204" pitchFamily="34" charset="0"/>
+              <a:buChar char="•"/>
+            </a:pPr>
+            <a:r>
+              <a:rPr lang="en-US" sz="1700" dirty="0" smtClean="0"/>
+              <a:t>Angular</a:t>
+            </a:r>
+            <a:r>
+              <a:rPr lang="en-US" sz="1700" dirty="0"/>
+              <a:t> </a:t>
+            </a:r>
+            <a:r>
+              <a:rPr lang="en-US" sz="1700" dirty="0">
+                <a:hlinkClick r:id="rId3"/>
+              </a:rPr>
+              <a:t>components</a:t>
+            </a:r>
+            <a:r>
+              <a:rPr lang="en-US" sz="1700" dirty="0"/>
+              <a:t> form the data structure of your application. </a:t>
+            </a:r>
+            <a:endParaRPr lang="vi-VN" sz="1700" dirty="0"/>
+          </a:p>
+          <a:p>
+            <a:pPr marL="838200" lvl="1" indent="-285750">
+              <a:buFont typeface="Arial" panose="020B0604020202020204" pitchFamily="34" charset="0"/>
+              <a:buChar char="•"/>
+            </a:pPr>
+            <a:r>
+              <a:rPr lang="en-US" sz="1700" dirty="0" smtClean="0"/>
+              <a:t>The </a:t>
+            </a:r>
+            <a:r>
+              <a:rPr lang="en-US" sz="1700" dirty="0"/>
+              <a:t>HTML </a:t>
+            </a:r>
+            <a:r>
+              <a:rPr lang="en-US" sz="1700" dirty="0">
+                <a:hlinkClick r:id="rId4"/>
+              </a:rPr>
+              <a:t>template</a:t>
+            </a:r>
+            <a:r>
+              <a:rPr lang="en-US" sz="1700" dirty="0"/>
+              <a:t> associated with a component provides the means to display that data in the context of a web page. </a:t>
+            </a:r>
+          </a:p>
+        </p:txBody>
+      </p:sp>
+      <p:pic>
+        <p:nvPicPr>
+          <p:cNvPr id="4" name="Picture 3"/>
+          <p:cNvPicPr>
+            <a:picLocks noChangeAspect="1"/>
+          </p:cNvPicPr>
+          <p:nvPr/>
+        </p:nvPicPr>
+        <p:blipFill>
+          <a:blip r:embed="rId5"/>
+          <a:stretch>
+            <a:fillRect/>
+          </a:stretch>
+        </p:blipFill>
+        <p:spPr>
+          <a:xfrm>
+            <a:off x="3505200" y="3409950"/>
+            <a:ext cx="1905000" cy="962025"/>
+          </a:xfrm>
+          <a:prstGeom prst="rect">
+            <a:avLst/>
+          </a:prstGeom>
+        </p:spPr>
+      </p:pic>
+    </p:spTree>
+    <p:extLst>
+      <p:ext uri="{BB962C8B-B14F-4D97-AF65-F5344CB8AC3E}">
+        <p14:creationId xmlns:p14="http://schemas.microsoft.com/office/powerpoint/2010/main" val="3503688651"/>
+      </p:ext>
+    </p:extLst>
+  </p:cSld>
+  <p:clrMapOvr>
+    <a:masterClrMapping/>
+  </p:clrMapOvr>
+  <p:timing>
+    <p:tnLst>
+      <p:par>
+        <p:cTn id="1" dur="indefinite" restart="never" nodeType="tmRoot"/>
+      </p:par>
+    </p:tnLst>
+  </p:timing>
+</p:sld>
+</file>
+
+<file path=ppt/slides/slide23.xml><?xml version="1.0" encoding="utf-8"?>
+<p:sld xmlns:a="http://schemas.openxmlformats.org/drawingml/2006/main" xmlns:r="http://schemas.openxmlformats.org/officeDocument/2006/relationships" xmlns:p="http://schemas.openxmlformats.org/presentationml/2006/main">
+  <p:cSld>
+    <p:spTree>
+      <p:nvGrpSpPr>
         <p:cNvPr id="1" name="Shape 137"/>
         <p:cNvGrpSpPr/>
         <p:nvPr/>
@@ -20241,193 +20509,6 @@
     <p:extLst>
       <p:ext uri="{BB962C8B-B14F-4D97-AF65-F5344CB8AC3E}">
         <p14:creationId xmlns:p14="http://schemas.microsoft.com/office/powerpoint/2010/main" val="4058970581"/>
-      </p:ext>
-    </p:extLst>
-  </p:cSld>
-  <p:clrMapOvr>
-    <a:masterClrMapping/>
-  </p:clrMapOvr>
-  <p:timing>
-    <p:tnLst>
-      <p:par>
-        <p:cTn id="1" dur="indefinite" restart="never" nodeType="tmRoot"/>
-      </p:par>
-    </p:tnLst>
-  </p:timing>
-</p:sld>
-</file>
-
-<file path=ppt/slides/slide23.xml><?xml version="1.0" encoding="utf-8"?>
-<p:sld xmlns:a="http://schemas.openxmlformats.org/drawingml/2006/main" xmlns:r="http://schemas.openxmlformats.org/officeDocument/2006/relationships" xmlns:p="http://schemas.openxmlformats.org/presentationml/2006/main">
-  <p:cSld>
-    <p:spTree>
-      <p:nvGrpSpPr>
-        <p:cNvPr id="1" name=""/>
-        <p:cNvGrpSpPr/>
-        <p:nvPr/>
-      </p:nvGrpSpPr>
-      <p:grpSpPr>
-        <a:xfrm>
-          <a:off x="0" y="0"/>
-          <a:ext cx="0" cy="0"/>
-          <a:chOff x="0" y="0"/>
-          <a:chExt cx="0" cy="0"/>
-        </a:xfrm>
-      </p:grpSpPr>
-      <p:sp>
-        <p:nvSpPr>
-          <p:cNvPr id="2" name="Title 1"/>
-          <p:cNvSpPr>
-            <a:spLocks noGrp="1"/>
-          </p:cNvSpPr>
-          <p:nvPr>
-            <p:ph type="title"/>
-          </p:nvPr>
-        </p:nvSpPr>
-        <p:spPr/>
-        <p:txBody>
-          <a:bodyPr/>
-          <a:lstStyle/>
-          <a:p>
-            <a:r>
-              <a:rPr lang="en-US" sz="3600" dirty="0"/>
-              <a:t>Explore Angular project</a:t>
-            </a:r>
-            <a:endParaRPr lang="en-US" dirty="0"/>
-          </a:p>
-        </p:txBody>
-      </p:sp>
-      <p:sp>
-        <p:nvSpPr>
-          <p:cNvPr id="3" name="Text Placeholder 2"/>
-          <p:cNvSpPr>
-            <a:spLocks noGrp="1"/>
-          </p:cNvSpPr>
-          <p:nvPr>
-            <p:ph type="body" idx="1"/>
-          </p:nvPr>
-        </p:nvSpPr>
-        <p:spPr/>
-        <p:txBody>
-          <a:bodyPr/>
-          <a:lstStyle/>
-          <a:p>
-            <a:r>
-              <a:rPr lang="en-US" dirty="0" smtClean="0"/>
-              <a:t>Components</a:t>
-            </a:r>
-          </a:p>
-          <a:p>
-            <a:pPr lvl="1"/>
-            <a:r>
-              <a:rPr lang="en-US" sz="1700" dirty="0" smtClean="0"/>
-              <a:t>Angular </a:t>
-            </a:r>
-            <a:r>
-              <a:rPr lang="en-US" sz="1700" dirty="0"/>
-              <a:t>CLI</a:t>
-            </a:r>
-          </a:p>
-          <a:p>
-            <a:pPr marL="552450" lvl="1" indent="0">
-              <a:buNone/>
-            </a:pPr>
-            <a:r>
-              <a:rPr lang="en-US" sz="1700" dirty="0">
-                <a:solidFill>
-                  <a:srgbClr val="FF0000"/>
-                </a:solidFill>
-              </a:rPr>
-              <a:t>ng generate component </a:t>
-            </a:r>
-            <a:r>
-              <a:rPr lang="en-US" sz="1700" dirty="0" smtClean="0">
-                <a:solidFill>
-                  <a:srgbClr val="FF0000"/>
-                </a:solidFill>
-              </a:rPr>
-              <a:t>hero</a:t>
-            </a:r>
-          </a:p>
-          <a:p>
-            <a:pPr marL="838200" lvl="1" indent="-285750">
-              <a:buFont typeface="Arial" panose="020B0604020202020204" pitchFamily="34" charset="0"/>
-              <a:buChar char="•"/>
-            </a:pPr>
-            <a:r>
-              <a:rPr lang="en-US" sz="1700" dirty="0" smtClean="0"/>
-              <a:t>Angular</a:t>
-            </a:r>
-            <a:r>
-              <a:rPr lang="en-US" sz="1700" dirty="0"/>
-              <a:t> </a:t>
-            </a:r>
-            <a:r>
-              <a:rPr lang="en-US" sz="1700" dirty="0">
-                <a:hlinkClick r:id="rId2"/>
-              </a:rPr>
-              <a:t>components</a:t>
-            </a:r>
-            <a:r>
-              <a:rPr lang="en-US" sz="1700" dirty="0"/>
-              <a:t> form the data structure of your application. </a:t>
-            </a:r>
-            <a:endParaRPr lang="en-US" sz="1700" dirty="0" smtClean="0"/>
-          </a:p>
-          <a:p>
-            <a:pPr marL="838200" lvl="1" indent="-285750">
-              <a:buFont typeface="Arial" panose="020B0604020202020204" pitchFamily="34" charset="0"/>
-              <a:buChar char="•"/>
-            </a:pPr>
-            <a:r>
-              <a:rPr lang="en-US" sz="1700" dirty="0" smtClean="0"/>
-              <a:t>The </a:t>
-            </a:r>
-            <a:r>
-              <a:rPr lang="en-US" sz="1700" dirty="0"/>
-              <a:t>HTML </a:t>
-            </a:r>
-            <a:r>
-              <a:rPr lang="en-US" sz="1700" dirty="0">
-                <a:hlinkClick r:id="rId3"/>
-              </a:rPr>
-              <a:t>template</a:t>
-            </a:r>
-            <a:r>
-              <a:rPr lang="en-US" sz="1700" dirty="0"/>
-              <a:t> associated with a component provides the means to display that data in the context of a web page. </a:t>
-            </a:r>
-          </a:p>
-        </p:txBody>
-      </p:sp>
-      <p:pic>
-        <p:nvPicPr>
-          <p:cNvPr id="4" name="Picture 3"/>
-          <p:cNvPicPr>
-            <a:picLocks noChangeAspect="1"/>
-          </p:cNvPicPr>
-          <p:nvPr/>
-        </p:nvPicPr>
-        <p:blipFill>
-          <a:blip r:embed="rId4"/>
-          <a:stretch>
-            <a:fillRect/>
-          </a:stretch>
-        </p:blipFill>
-        <p:spPr>
-          <a:xfrm>
-            <a:off x="3436705" y="3409950"/>
-            <a:ext cx="1905000" cy="962025"/>
-          </a:xfrm>
-          <a:prstGeom prst="rect">
-            <a:avLst/>
-          </a:prstGeom>
-        </p:spPr>
-      </p:pic>
-    </p:spTree>
-    <p:extLst>
-      <p:ext uri="{BB962C8B-B14F-4D97-AF65-F5344CB8AC3E}">
-        <p14:creationId xmlns:p14="http://schemas.microsoft.com/office/powerpoint/2010/main" val="3503688651"/>
       </p:ext>
     </p:extLst>
   </p:cSld>
@@ -27706,13 +27787,16 @@
           <a:bodyPr/>
           <a:lstStyle/>
           <a:p>
+            <a:pPr marL="95250" indent="0">
+              <a:buNone/>
+            </a:pPr>
             <a:endParaRPr lang="en-US" dirty="0"/>
           </a:p>
         </p:txBody>
       </p:sp>
       <p:pic>
         <p:nvPicPr>
-          <p:cNvPr id="4098" name="Picture 2" descr="Custom Directives in Angular - Nishu Goel - Medium"/>
+          <p:cNvPr id="1026" name="Picture 2" descr="Directives In Angular - Part One (Attribute Directives)"/>
           <p:cNvPicPr>
             <a:picLocks noChangeAspect="1" noChangeArrowheads="1"/>
           </p:cNvPicPr>
@@ -27733,8 +27817,8 @@
         </p:blipFill>
         <p:spPr bwMode="auto">
           <a:xfrm>
-            <a:off x="990600" y="1428750"/>
-            <a:ext cx="5943600" cy="3333750"/>
+            <a:off x="1498723" y="1938881"/>
+            <a:ext cx="6153150" cy="2085976"/>
           </a:xfrm>
           <a:prstGeom prst="rect">
             <a:avLst/>
@@ -28030,11 +28114,6 @@
               </a:rPr>
               <a:t>: </a:t>
             </a:r>
-            <a:endParaRPr lang="en" sz="2100" dirty="0">
-              <a:solidFill>
-                <a:srgbClr val="000000"/>
-              </a:solidFill>
-            </a:endParaRPr>
           </a:p>
           <a:p>
             <a:pPr lvl="2" indent="-361950">
@@ -28131,11 +28210,7 @@
             </a:pPr>
             <a:r>
               <a:rPr lang="en-US" dirty="0"/>
-              <a:t>Built-in attribute </a:t>
-            </a:r>
-            <a:r>
-              <a:rPr lang="en-US" dirty="0"/>
-              <a:t>directives</a:t>
+              <a:t>Built-in attribute directives</a:t>
             </a:r>
           </a:p>
           <a:p>
@@ -28538,7 +28613,7 @@
           <p:cNvPr id="2" name="Title 1">
             <a:extLst>
               <a:ext uri="{FF2B5EF4-FFF2-40B4-BE49-F238E27FC236}">
-                <a16:creationId xmlns="" xmlns:a16="http://schemas.microsoft.com/office/drawing/2014/main" id="{8E3390F4-2813-479A-B2CA-B1826DC5B2F7}"/>
+                <a16:creationId xmlns:a16="http://schemas.microsoft.com/office/drawing/2014/main" xmlns="" id="{8E3390F4-2813-479A-B2CA-B1826DC5B2F7}"/>
               </a:ext>
             </a:extLst>
           </p:cNvPr>
@@ -28566,7 +28641,7 @@
           <p:cNvPr id="3" name="Text Placeholder 2">
             <a:extLst>
               <a:ext uri="{FF2B5EF4-FFF2-40B4-BE49-F238E27FC236}">
-                <a16:creationId xmlns="" xmlns:a16="http://schemas.microsoft.com/office/drawing/2014/main" id="{81978763-2B04-4689-B469-56C75E8408E4}"/>
+                <a16:creationId xmlns:a16="http://schemas.microsoft.com/office/drawing/2014/main" xmlns="" id="{81978763-2B04-4689-B469-56C75E8408E4}"/>
               </a:ext>
             </a:extLst>
           </p:cNvPr>
@@ -28869,7 +28944,7 @@
           <p:cNvPr id="2" name="Title 1">
             <a:extLst>
               <a:ext uri="{FF2B5EF4-FFF2-40B4-BE49-F238E27FC236}">
-                <a16:creationId xmlns="" xmlns:a16="http://schemas.microsoft.com/office/drawing/2014/main" id="{05693CBD-A7E2-424C-882C-891BB8936526}"/>
+                <a16:creationId xmlns:a16="http://schemas.microsoft.com/office/drawing/2014/main" xmlns="" id="{05693CBD-A7E2-424C-882C-891BB8936526}"/>
               </a:ext>
             </a:extLst>
           </p:cNvPr>
@@ -28897,7 +28972,7 @@
           <p:cNvPr id="3" name="Text Placeholder 2">
             <a:extLst>
               <a:ext uri="{FF2B5EF4-FFF2-40B4-BE49-F238E27FC236}">
-                <a16:creationId xmlns="" xmlns:a16="http://schemas.microsoft.com/office/drawing/2014/main" id="{B870AE03-A16C-4B3F-A116-B9CFEE07B705}"/>
+                <a16:creationId xmlns:a16="http://schemas.microsoft.com/office/drawing/2014/main" xmlns="" id="{B870AE03-A16C-4B3F-A116-B9CFEE07B705}"/>
               </a:ext>
             </a:extLst>
           </p:cNvPr>
@@ -29023,7 +29098,7 @@
           <p:cNvPr id="2" name="Title 1">
             <a:extLst>
               <a:ext uri="{FF2B5EF4-FFF2-40B4-BE49-F238E27FC236}">
-                <a16:creationId xmlns="" xmlns:a16="http://schemas.microsoft.com/office/drawing/2014/main" id="{38FB9F05-8B13-4BBF-ABAF-97668C713DD6}"/>
+                <a16:creationId xmlns:a16="http://schemas.microsoft.com/office/drawing/2014/main" xmlns="" id="{38FB9F05-8B13-4BBF-ABAF-97668C713DD6}"/>
               </a:ext>
             </a:extLst>
           </p:cNvPr>
@@ -29051,7 +29126,7 @@
           <p:cNvPr id="3" name="Text Placeholder 2">
             <a:extLst>
               <a:ext uri="{FF2B5EF4-FFF2-40B4-BE49-F238E27FC236}">
-                <a16:creationId xmlns="" xmlns:a16="http://schemas.microsoft.com/office/drawing/2014/main" id="{C3265D89-6B63-4A0E-B3D3-C5879C6A0FFF}"/>
+                <a16:creationId xmlns:a16="http://schemas.microsoft.com/office/drawing/2014/main" xmlns="" id="{C3265D89-6B63-4A0E-B3D3-C5879C6A0FFF}"/>
               </a:ext>
             </a:extLst>
           </p:cNvPr>
@@ -29177,7 +29252,7 @@
           <p:cNvPr id="2" name="Title 1">
             <a:extLst>
               <a:ext uri="{FF2B5EF4-FFF2-40B4-BE49-F238E27FC236}">
-                <a16:creationId xmlns="" xmlns:a16="http://schemas.microsoft.com/office/drawing/2014/main" id="{BE113AB8-B8FB-44E4-8BF1-00806350BFAC}"/>
+                <a16:creationId xmlns:a16="http://schemas.microsoft.com/office/drawing/2014/main" xmlns="" id="{BE113AB8-B8FB-44E4-8BF1-00806350BFAC}"/>
               </a:ext>
             </a:extLst>
           </p:cNvPr>
@@ -29206,7 +29281,7 @@
           <p:cNvPr id="3" name="Text Placeholder 2">
             <a:extLst>
               <a:ext uri="{FF2B5EF4-FFF2-40B4-BE49-F238E27FC236}">
-                <a16:creationId xmlns="" xmlns:a16="http://schemas.microsoft.com/office/drawing/2014/main" id="{62D828A7-23C6-47B9-8FC4-9EAFFB8F8BF8}"/>
+                <a16:creationId xmlns:a16="http://schemas.microsoft.com/office/drawing/2014/main" xmlns="" id="{62D828A7-23C6-47B9-8FC4-9EAFFB8F8BF8}"/>
               </a:ext>
             </a:extLst>
           </p:cNvPr>
@@ -29223,8 +29298,16 @@
           <a:lstStyle/>
           <a:p>
             <a:r>
-              <a:rPr lang="en-US" dirty="0"/>
-              <a:t>a way to write display-value transformations that you can declare in your HTML</a:t>
+              <a:rPr lang="vi-VN" dirty="0" smtClean="0"/>
+              <a:t>A</a:t>
+            </a:r>
+            <a:r>
+              <a:rPr lang="en-US" dirty="0" smtClean="0"/>
+              <a:t> </a:t>
+            </a:r>
+            <a:r>
+              <a:rPr lang="en-US" dirty="0"/>
+              <a:t>way to write display-value transformations that you can declare in your HTML</a:t>
             </a:r>
             <a:endParaRPr lang="vi-VN" dirty="0"/>
           </a:p>
@@ -29241,7 +29324,7 @@
           <p:cNvPr id="9" name="Picture 8">
             <a:extLst>
               <a:ext uri="{FF2B5EF4-FFF2-40B4-BE49-F238E27FC236}">
-                <a16:creationId xmlns="" xmlns:a16="http://schemas.microsoft.com/office/drawing/2014/main" id="{AB2A4D1D-3FC5-46DB-AA99-726C3F479FA8}"/>
+                <a16:creationId xmlns:a16="http://schemas.microsoft.com/office/drawing/2014/main" xmlns="" id="{AB2A4D1D-3FC5-46DB-AA99-726C3F479FA8}"/>
               </a:ext>
             </a:extLst>
           </p:cNvPr>
@@ -29562,6 +29645,9 @@
             <a:endParaRPr lang="en-US" sz="1400" dirty="0"/>
           </a:p>
           <a:p>
+            <a:pPr marL="95250" indent="0">
+              <a:buNone/>
+            </a:pPr>
             <a:r>
               <a:rPr lang="en-US" sz="1800" dirty="0"/>
               <a:t/>
@@ -29654,14 +29740,14 @@
             </a:r>
           </a:p>
           <a:p>
-            <a:pPr lvl="2"/>
+            <a:pPr lvl="1"/>
             <a:r>
               <a:rPr lang="en-US" dirty="0"/>
               <a:t>A pipe is a class decorated with pipe metadata.</a:t>
             </a:r>
           </a:p>
           <a:p>
-            <a:pPr lvl="2"/>
+            <a:pPr lvl="1"/>
             <a:r>
               <a:rPr lang="en-US" dirty="0"/>
               <a:t>The pipe class implements the </a:t>
@@ -29680,7 +29766,7 @@
             </a:r>
           </a:p>
           <a:p>
-            <a:pPr lvl="2"/>
+            <a:pPr lvl="1"/>
             <a:r>
               <a:rPr lang="en-US" dirty="0"/>
               <a:t>There will be one additional argument to the transform method for each parameter passed to the </a:t>
@@ -29691,35 +29777,17 @@
             </a:r>
           </a:p>
           <a:p>
-            <a:pPr lvl="2"/>
+            <a:pPr lvl="1"/>
             <a:r>
               <a:rPr lang="en-US" dirty="0"/>
               <a:t>To tell Angular that this is a pipe, you apply the @Pipe decorator</a:t>
             </a:r>
           </a:p>
           <a:p>
-            <a:pPr lvl="2"/>
+            <a:pPr lvl="1"/>
             <a:r>
               <a:rPr lang="en-US" dirty="0"/>
               <a:t>The @Pipe decorator allows you to define the pipe name that you'll use within template expressions. </a:t>
-            </a:r>
-            <a:endParaRPr lang="vi-VN" dirty="0"/>
-          </a:p>
-          <a:p>
-            <a:r>
-              <a:rPr lang="en-US" dirty="0" err="1"/>
-              <a:t>JsonPipe</a:t>
-            </a:r>
-            <a:endParaRPr lang="vi-VN" dirty="0"/>
-          </a:p>
-          <a:p>
-            <a:r>
-              <a:rPr lang="vi-VN" dirty="0">
-                <a:solidFill>
-                  <a:schemeClr val="accent4"/>
-                </a:solidFill>
-              </a:rPr>
-              <a:t>Demo</a:t>
             </a:r>
             <a:endParaRPr lang="en-US" dirty="0">
               <a:solidFill>
@@ -29926,8 +29994,12 @@
           <a:lstStyle/>
           <a:p>
             <a:r>
-              <a:rPr lang="en-US" dirty="0"/>
-              <a:t>model-driven approach to handling form inputs</a:t>
+              <a:rPr lang="en-US" dirty="0" smtClean="0"/>
+              <a:t>Model-driven </a:t>
+            </a:r>
+            <a:r>
+              <a:rPr lang="en-US" dirty="0"/>
+              <a:t>approach to handling form inputs</a:t>
             </a:r>
           </a:p>
         </p:txBody>

--- a/docs/Angular Training.pptx
+++ b/docs/Angular Training.pptx
@@ -85,7 +85,7 @@
     <p:sldId id="316" r:id="rId76"/>
     <p:sldId id="317" r:id="rId77"/>
     <p:sldId id="318" r:id="rId78"/>
-    <p:sldId id="319" r:id="rId79"/>
+    <p:sldId id="421" r:id="rId79"/>
     <p:sldId id="321" r:id="rId80"/>
     <p:sldId id="320" r:id="rId81"/>
     <p:sldId id="322" r:id="rId82"/>
@@ -125,16 +125,16 @@
   <p:notesSz cx="6858000" cy="9144000"/>
   <p:embeddedFontLst>
     <p:embeddedFont>
-      <p:font typeface="Tahoma" panose="020B0604030504040204" pitchFamily="34" charset="0"/>
+      <p:font typeface="Calibri" panose="020F0502020204030204" pitchFamily="34" charset="0"/>
       <p:regular r:id="rId115"/>
       <p:bold r:id="rId116"/>
+      <p:italic r:id="rId117"/>
+      <p:boldItalic r:id="rId118"/>
     </p:embeddedFont>
     <p:embeddedFont>
-      <p:font typeface="Calibri" panose="020F0502020204030204" pitchFamily="34" charset="0"/>
-      <p:regular r:id="rId117"/>
-      <p:bold r:id="rId118"/>
-      <p:italic r:id="rId119"/>
-      <p:boldItalic r:id="rId120"/>
+      <p:font typeface="Tahoma" panose="020B0604030504040204" pitchFamily="34" charset="0"/>
+      <p:regular r:id="rId119"/>
+      <p:bold r:id="rId120"/>
     </p:embeddedFont>
   </p:embeddedFontLst>
   <p:defaultTextStyle>
@@ -15822,13 +15822,6 @@
   <p:clrMapOvr>
     <a:masterClrMapping/>
   </p:clrMapOvr>
-  <p:timing>
-    <p:tnLst>
-      <p:par>
-        <p:cTn id="1" dur="indefinite" restart="never" nodeType="tmRoot"/>
-      </p:par>
-    </p:tnLst>
-  </p:timing>
 </p:sld>
 </file>
 
@@ -16101,15 +16094,9 @@
               <a:rPr lang="en" dirty="0">
                 <a:hlinkClick r:id="rId4"/>
               </a:rPr>
-              <a:t>https://</a:t>
-            </a:r>
-            <a:r>
-              <a:rPr lang="en" dirty="0" smtClean="0">
-                <a:hlinkClick r:id="rId4"/>
-              </a:rPr>
-              <a:t>angular.io/guide/quickstart</a:t>
-            </a:r>
-            <a:endParaRPr lang="vi-VN" dirty="0" smtClean="0"/>
+              <a:t>https://angular.io/guide/quickstart</a:t>
+            </a:r>
+            <a:endParaRPr lang="vi-VN" dirty="0"/>
           </a:p>
           <a:p>
             <a:pPr marL="571500" lvl="1" indent="0" algn="l" rtl="0">
@@ -16131,13 +16118,6 @@
   <p:clrMapOvr>
     <a:masterClrMapping/>
   </p:clrMapOvr>
-  <p:timing>
-    <p:tnLst>
-      <p:par>
-        <p:cTn id="1" dur="indefinite" restart="never" nodeType="tmRoot"/>
-      </p:par>
-    </p:tnLst>
-  </p:timing>
 </p:sld>
 </file>
 
@@ -16249,13 +16229,6 @@
   <p:clrMapOvr>
     <a:masterClrMapping/>
   </p:clrMapOvr>
-  <p:timing>
-    <p:tnLst>
-      <p:par>
-        <p:cTn id="1" dur="indefinite" restart="never" nodeType="tmRoot"/>
-      </p:par>
-    </p:tnLst>
-  </p:timing>
 </p:sld>
 </file>
 
@@ -16372,13 +16345,6 @@
   <p:clrMapOvr>
     <a:masterClrMapping/>
   </p:clrMapOvr>
-  <p:timing>
-    <p:tnLst>
-      <p:par>
-        <p:cTn id="1" dur="indefinite" restart="never" nodeType="tmRoot"/>
-      </p:par>
-    </p:tnLst>
-  </p:timing>
 </p:sld>
 </file>
 
@@ -16496,13 +16462,6 @@
   <p:clrMapOvr>
     <a:masterClrMapping/>
   </p:clrMapOvr>
-  <p:timing>
-    <p:tnLst>
-      <p:par>
-        <p:cTn id="1" dur="indefinite" restart="never" nodeType="tmRoot"/>
-      </p:par>
-    </p:tnLst>
-  </p:timing>
 </p:sld>
 </file>
 
@@ -16619,13 +16578,6 @@
   <p:clrMapOvr>
     <a:masterClrMapping/>
   </p:clrMapOvr>
-  <p:timing>
-    <p:tnLst>
-      <p:par>
-        <p:cTn id="1" dur="indefinite" restart="never" nodeType="tmRoot"/>
-      </p:par>
-    </p:tnLst>
-  </p:timing>
 </p:sld>
 </file>
 
@@ -16765,13 +16717,6 @@
   <p:clrMapOvr>
     <a:masterClrMapping/>
   </p:clrMapOvr>
-  <p:timing>
-    <p:tnLst>
-      <p:par>
-        <p:cTn id="1" dur="indefinite" restart="never" nodeType="tmRoot"/>
-      </p:par>
-    </p:tnLst>
-  </p:timing>
 </p:sld>
 </file>
 
@@ -16797,7 +16742,7 @@
           <p:cNvPr id="2" name="Title 1">
             <a:extLst>
               <a:ext uri="{FF2B5EF4-FFF2-40B4-BE49-F238E27FC236}">
-                <a16:creationId xmlns:a16="http://schemas.microsoft.com/office/drawing/2014/main" xmlns="" id="{14188570-52C0-499D-A1F9-CEB8C4D140AC}"/>
+                <a16:creationId xmlns:a16="http://schemas.microsoft.com/office/drawing/2014/main" id="{14188570-52C0-499D-A1F9-CEB8C4D140AC}"/>
               </a:ext>
             </a:extLst>
           </p:cNvPr>
@@ -16822,7 +16767,7 @@
           <p:cNvPr id="3" name="Text Placeholder 2">
             <a:extLst>
               <a:ext uri="{FF2B5EF4-FFF2-40B4-BE49-F238E27FC236}">
-                <a16:creationId xmlns:a16="http://schemas.microsoft.com/office/drawing/2014/main" xmlns="" id="{076AC046-A5A2-41A8-93D3-574CB73A9183}"/>
+                <a16:creationId xmlns:a16="http://schemas.microsoft.com/office/drawing/2014/main" id="{076AC046-A5A2-41A8-93D3-574CB73A9183}"/>
               </a:ext>
             </a:extLst>
           </p:cNvPr>
@@ -16857,7 +16802,7 @@
           <p:cNvPr id="6" name="Picture 5">
             <a:extLst>
               <a:ext uri="{FF2B5EF4-FFF2-40B4-BE49-F238E27FC236}">
-                <a16:creationId xmlns:a16="http://schemas.microsoft.com/office/drawing/2014/main" xmlns="" id="{7816312E-1292-4F93-99B3-B6E03BF4C65B}"/>
+                <a16:creationId xmlns:a16="http://schemas.microsoft.com/office/drawing/2014/main" id="{7816312E-1292-4F93-99B3-B6E03BF4C65B}"/>
               </a:ext>
             </a:extLst>
           </p:cNvPr>
@@ -16887,7 +16832,7 @@
           <p:cNvPr id="7" name="Picture 6">
             <a:extLst>
               <a:ext uri="{FF2B5EF4-FFF2-40B4-BE49-F238E27FC236}">
-                <a16:creationId xmlns:a16="http://schemas.microsoft.com/office/drawing/2014/main" xmlns="" id="{CC57AC0F-E0B8-4664-87EF-398F84A8C34C}"/>
+                <a16:creationId xmlns:a16="http://schemas.microsoft.com/office/drawing/2014/main" id="{CC57AC0F-E0B8-4664-87EF-398F84A8C34C}"/>
               </a:ext>
             </a:extLst>
           </p:cNvPr>
@@ -16922,13 +16867,6 @@
   <p:clrMapOvr>
     <a:masterClrMapping/>
   </p:clrMapOvr>
-  <p:timing>
-    <p:tnLst>
-      <p:par>
-        <p:cTn id="1" dur="indefinite" restart="never" nodeType="tmRoot"/>
-      </p:par>
-    </p:tnLst>
-  </p:timing>
 </p:sld>
 </file>
 
@@ -16954,7 +16892,7 @@
           <p:cNvPr id="2" name="Title 1">
             <a:extLst>
               <a:ext uri="{FF2B5EF4-FFF2-40B4-BE49-F238E27FC236}">
-                <a16:creationId xmlns:a16="http://schemas.microsoft.com/office/drawing/2014/main" xmlns="" id="{66FE7FBB-25AE-4F55-88FA-6C134DD61D68}"/>
+                <a16:creationId xmlns:a16="http://schemas.microsoft.com/office/drawing/2014/main" id="{66FE7FBB-25AE-4F55-88FA-6C134DD61D68}"/>
               </a:ext>
             </a:extLst>
           </p:cNvPr>
@@ -16979,7 +16917,7 @@
           <p:cNvPr id="3" name="Text Placeholder 2">
             <a:extLst>
               <a:ext uri="{FF2B5EF4-FFF2-40B4-BE49-F238E27FC236}">
-                <a16:creationId xmlns:a16="http://schemas.microsoft.com/office/drawing/2014/main" xmlns="" id="{44A61E20-B4B6-4440-96D4-DDF9F0C42C7A}"/>
+                <a16:creationId xmlns:a16="http://schemas.microsoft.com/office/drawing/2014/main" id="{44A61E20-B4B6-4440-96D4-DDF9F0C42C7A}"/>
               </a:ext>
             </a:extLst>
           </p:cNvPr>
@@ -17026,13 +16964,6 @@
   <p:clrMapOvr>
     <a:masterClrMapping/>
   </p:clrMapOvr>
-  <p:timing>
-    <p:tnLst>
-      <p:par>
-        <p:cTn id="1" dur="indefinite" restart="never" nodeType="tmRoot"/>
-      </p:par>
-    </p:tnLst>
-  </p:timing>
 </p:sld>
 </file>
 
@@ -17058,7 +16989,7 @@
           <p:cNvPr id="2" name="Title 1">
             <a:extLst>
               <a:ext uri="{FF2B5EF4-FFF2-40B4-BE49-F238E27FC236}">
-                <a16:creationId xmlns:a16="http://schemas.microsoft.com/office/drawing/2014/main" xmlns="" id="{87A9FF73-A801-4B1F-B6C6-242B2DBA852D}"/>
+                <a16:creationId xmlns:a16="http://schemas.microsoft.com/office/drawing/2014/main" id="{87A9FF73-A801-4B1F-B6C6-242B2DBA852D}"/>
               </a:ext>
             </a:extLst>
           </p:cNvPr>
@@ -17087,7 +17018,7 @@
           <p:cNvPr id="3" name="Text Placeholder 2">
             <a:extLst>
               <a:ext uri="{FF2B5EF4-FFF2-40B4-BE49-F238E27FC236}">
-                <a16:creationId xmlns:a16="http://schemas.microsoft.com/office/drawing/2014/main" xmlns="" id="{24B21FB8-8E8C-48DA-A9B4-D95CAAAF9C56}"/>
+                <a16:creationId xmlns:a16="http://schemas.microsoft.com/office/drawing/2014/main" id="{24B21FB8-8E8C-48DA-A9B4-D95CAAAF9C56}"/>
               </a:ext>
             </a:extLst>
           </p:cNvPr>
@@ -17198,13 +17129,6 @@
   <p:clrMapOvr>
     <a:masterClrMapping/>
   </p:clrMapOvr>
-  <p:timing>
-    <p:tnLst>
-      <p:par>
-        <p:cTn id="1" dur="indefinite" restart="never" nodeType="tmRoot"/>
-      </p:par>
-    </p:tnLst>
-  </p:timing>
 </p:sld>
 </file>
 
@@ -17230,7 +17154,7 @@
           <p:cNvPr id="2" name="Title 1">
             <a:extLst>
               <a:ext uri="{FF2B5EF4-FFF2-40B4-BE49-F238E27FC236}">
-                <a16:creationId xmlns:a16="http://schemas.microsoft.com/office/drawing/2014/main" xmlns="" id="{7DA28761-D2FA-43C5-9AD4-D72F303C532F}"/>
+                <a16:creationId xmlns:a16="http://schemas.microsoft.com/office/drawing/2014/main" id="{7DA28761-D2FA-43C5-9AD4-D72F303C532F}"/>
               </a:ext>
             </a:extLst>
           </p:cNvPr>
@@ -17255,7 +17179,7 @@
           <p:cNvPr id="3" name="Text Placeholder 2">
             <a:extLst>
               <a:ext uri="{FF2B5EF4-FFF2-40B4-BE49-F238E27FC236}">
-                <a16:creationId xmlns:a16="http://schemas.microsoft.com/office/drawing/2014/main" xmlns="" id="{0A2C4502-1A10-4641-B374-3E11BBA6F0DA}"/>
+                <a16:creationId xmlns:a16="http://schemas.microsoft.com/office/drawing/2014/main" id="{0A2C4502-1A10-4641-B374-3E11BBA6F0DA}"/>
               </a:ext>
             </a:extLst>
           </p:cNvPr>
@@ -17280,7 +17204,7 @@
           <p:cNvPr id="5" name="Picture 4">
             <a:extLst>
               <a:ext uri="{FF2B5EF4-FFF2-40B4-BE49-F238E27FC236}">
-                <a16:creationId xmlns:a16="http://schemas.microsoft.com/office/drawing/2014/main" xmlns="" id="{807634FA-008F-4E87-951F-3CA12314CCBB}"/>
+                <a16:creationId xmlns:a16="http://schemas.microsoft.com/office/drawing/2014/main" id="{807634FA-008F-4E87-951F-3CA12314CCBB}"/>
               </a:ext>
             </a:extLst>
           </p:cNvPr>
@@ -17315,13 +17239,6 @@
   <p:clrMapOvr>
     <a:masterClrMapping/>
   </p:clrMapOvr>
-  <p:timing>
-    <p:tnLst>
-      <p:par>
-        <p:cTn id="1" dur="indefinite" restart="never" nodeType="tmRoot"/>
-      </p:par>
-    </p:tnLst>
-  </p:timing>
 </p:sld>
 </file>
 
@@ -17347,7 +17264,7 @@
           <p:cNvPr id="2" name="Title 1">
             <a:extLst>
               <a:ext uri="{FF2B5EF4-FFF2-40B4-BE49-F238E27FC236}">
-                <a16:creationId xmlns:a16="http://schemas.microsoft.com/office/drawing/2014/main" xmlns="" id="{63C2B654-3331-4688-862F-DEF0F6D663BB}"/>
+                <a16:creationId xmlns:a16="http://schemas.microsoft.com/office/drawing/2014/main" id="{63C2B654-3331-4688-862F-DEF0F6D663BB}"/>
               </a:ext>
             </a:extLst>
           </p:cNvPr>
@@ -17372,7 +17289,7 @@
           <p:cNvPr id="3" name="Text Placeholder 2">
             <a:extLst>
               <a:ext uri="{FF2B5EF4-FFF2-40B4-BE49-F238E27FC236}">
-                <a16:creationId xmlns:a16="http://schemas.microsoft.com/office/drawing/2014/main" xmlns="" id="{6DA64C03-1AD9-4F07-BAFC-A0CD8158A822}"/>
+                <a16:creationId xmlns:a16="http://schemas.microsoft.com/office/drawing/2014/main" id="{6DA64C03-1AD9-4F07-BAFC-A0CD8158A822}"/>
               </a:ext>
             </a:extLst>
           </p:cNvPr>
@@ -17401,7 +17318,7 @@
           <p:cNvPr id="4098" name="Picture 2" descr="filter marble diagram">
             <a:extLst>
               <a:ext uri="{FF2B5EF4-FFF2-40B4-BE49-F238E27FC236}">
-                <a16:creationId xmlns:a16="http://schemas.microsoft.com/office/drawing/2014/main" xmlns="" id="{177DC7A3-F46C-4A58-B30B-712064D34494}"/>
+                <a16:creationId xmlns:a16="http://schemas.microsoft.com/office/drawing/2014/main" id="{177DC7A3-F46C-4A58-B30B-712064D34494}"/>
               </a:ext>
             </a:extLst>
           </p:cNvPr>
@@ -17453,13 +17370,6 @@
   <p:clrMapOvr>
     <a:masterClrMapping/>
   </p:clrMapOvr>
-  <p:timing>
-    <p:tnLst>
-      <p:par>
-        <p:cTn id="1" dur="indefinite" restart="never" nodeType="tmRoot"/>
-      </p:par>
-    </p:tnLst>
-  </p:timing>
 </p:sld>
 </file>
 
@@ -17566,15 +17476,9 @@
               <a:rPr lang="en-US" dirty="0">
                 <a:hlinkClick r:id="rId4"/>
               </a:rPr>
-              <a:t>https://yarnpkg.com</a:t>
-            </a:r>
-            <a:r>
-              <a:rPr lang="en-US" dirty="0" smtClean="0">
-                <a:hlinkClick r:id="rId4"/>
-              </a:rPr>
-              <a:t>/</a:t>
-            </a:r>
-            <a:endParaRPr lang="vi-VN" dirty="0" smtClean="0"/>
+              <a:t>https://yarnpkg.com/</a:t>
+            </a:r>
+            <a:endParaRPr lang="vi-VN" dirty="0"/>
           </a:p>
           <a:p>
             <a:pPr marL="95250" lvl="0" indent="0">
@@ -17584,15 +17488,9 @@
               <a:rPr lang="en-US" dirty="0">
                 <a:hlinkClick r:id="rId5"/>
               </a:rPr>
-              <a:t>https://</a:t>
-            </a:r>
-            <a:r>
-              <a:rPr lang="en-US" dirty="0" smtClean="0">
-                <a:hlinkClick r:id="rId5"/>
-              </a:rPr>
-              <a:t>viblo.asia/p/yarn-mot-cai-tien-dang-ke-so-voi-npm-yMnKMqRQK7P</a:t>
-            </a:r>
-            <a:endParaRPr lang="vi-VN" dirty="0" smtClean="0"/>
+              <a:t>https://viblo.asia/p/yarn-mot-cai-tien-dang-ke-so-voi-npm-yMnKMqRQK7P</a:t>
+            </a:r>
+            <a:endParaRPr lang="vi-VN" dirty="0"/>
           </a:p>
           <a:p>
             <a:pPr marL="95250" lvl="0" indent="0">
@@ -17612,13 +17510,6 @@
   <p:clrMapOvr>
     <a:masterClrMapping/>
   </p:clrMapOvr>
-  <p:timing>
-    <p:tnLst>
-      <p:par>
-        <p:cTn id="1" dur="indefinite" restart="never" nodeType="tmRoot"/>
-      </p:par>
-    </p:tnLst>
-  </p:timing>
 </p:sld>
 </file>
 
@@ -17644,7 +17535,7 @@
           <p:cNvPr id="2" name="Title 1">
             <a:extLst>
               <a:ext uri="{FF2B5EF4-FFF2-40B4-BE49-F238E27FC236}">
-                <a16:creationId xmlns:a16="http://schemas.microsoft.com/office/drawing/2014/main" xmlns="" id="{ED77B932-BCE9-4176-A7A0-3450503D6FCA}"/>
+                <a16:creationId xmlns:a16="http://schemas.microsoft.com/office/drawing/2014/main" id="{ED77B932-BCE9-4176-A7A0-3450503D6FCA}"/>
               </a:ext>
             </a:extLst>
           </p:cNvPr>
@@ -17669,7 +17560,7 @@
           <p:cNvPr id="3" name="Text Placeholder 2">
             <a:extLst>
               <a:ext uri="{FF2B5EF4-FFF2-40B4-BE49-F238E27FC236}">
-                <a16:creationId xmlns:a16="http://schemas.microsoft.com/office/drawing/2014/main" xmlns="" id="{29B32E58-A879-4BA5-9330-3DA726A4BB02}"/>
+                <a16:creationId xmlns:a16="http://schemas.microsoft.com/office/drawing/2014/main" id="{29B32E58-A879-4BA5-9330-3DA726A4BB02}"/>
               </a:ext>
             </a:extLst>
           </p:cNvPr>
@@ -17738,13 +17629,6 @@
   <p:clrMapOvr>
     <a:masterClrMapping/>
   </p:clrMapOvr>
-  <p:timing>
-    <p:tnLst>
-      <p:par>
-        <p:cTn id="1" dur="indefinite" restart="never" nodeType="tmRoot"/>
-      </p:par>
-    </p:tnLst>
-  </p:timing>
 </p:sld>
 </file>
 
@@ -17808,7 +17692,7 @@
           <p:cNvPr id="4" name="Picture 3">
             <a:extLst>
               <a:ext uri="{FF2B5EF4-FFF2-40B4-BE49-F238E27FC236}">
-                <a16:creationId xmlns:a16="http://schemas.microsoft.com/office/drawing/2014/main" xmlns="" id="{DF5D3B81-E8A5-4586-805C-71E302C70F14}"/>
+                <a16:creationId xmlns:a16="http://schemas.microsoft.com/office/drawing/2014/main" id="{DF5D3B81-E8A5-4586-805C-71E302C70F14}"/>
               </a:ext>
             </a:extLst>
           </p:cNvPr>
@@ -17843,13 +17727,6 @@
   <p:clrMapOvr>
     <a:masterClrMapping/>
   </p:clrMapOvr>
-  <p:timing>
-    <p:tnLst>
-      <p:par>
-        <p:cTn id="1" dur="indefinite" restart="never" nodeType="tmRoot"/>
-      </p:par>
-    </p:tnLst>
-  </p:timing>
 </p:sld>
 </file>
 
@@ -18087,13 +17964,6 @@
   <p:clrMapOvr>
     <a:masterClrMapping/>
   </p:clrMapOvr>
-  <p:timing>
-    <p:tnLst>
-      <p:par>
-        <p:cTn id="1" dur="indefinite" restart="never" nodeType="tmRoot"/>
-      </p:par>
-    </p:tnLst>
-  </p:timing>
 </p:sld>
 </file>
 
@@ -18161,15 +18031,11 @@
               <a:buNone/>
             </a:pPr>
             <a:r>
-              <a:rPr lang="en-US" b="1" dirty="0" smtClean="0"/>
-              <a:t>Create </a:t>
-            </a:r>
-            <a:r>
               <a:rPr lang="en-US" b="1" dirty="0"/>
-              <a:t>new </a:t>
-            </a:r>
-            <a:r>
-              <a:rPr lang="vi-VN" b="1" dirty="0" smtClean="0"/>
+              <a:t>Create new </a:t>
+            </a:r>
+            <a:r>
+              <a:rPr lang="vi-VN" b="1" dirty="0"/>
               <a:t>angular project</a:t>
             </a:r>
             <a:endParaRPr lang="en-US" b="1" dirty="0"/>
@@ -18183,7 +18049,7 @@
               <a:t>-Open </a:t>
             </a:r>
             <a:r>
-              <a:rPr lang="vi-VN" dirty="0" smtClean="0"/>
+              <a:rPr lang="vi-VN" dirty="0"/>
               <a:t>cmd and point to folder</a:t>
             </a:r>
           </a:p>
@@ -18192,7 +18058,7 @@
               <a:buNone/>
             </a:pPr>
             <a:r>
-              <a:rPr lang="vi-VN" sz="1700" dirty="0" smtClean="0">
+              <a:rPr lang="vi-VN" sz="1700" dirty="0">
                 <a:solidFill>
                   <a:srgbClr val="FF0000"/>
                 </a:solidFill>
@@ -18200,20 +18066,12 @@
               <a:t>         </a:t>
             </a:r>
             <a:r>
-              <a:rPr lang="en-US" sz="1700" dirty="0" smtClean="0">
+              <a:rPr lang="en-US" sz="1700" dirty="0">
                 <a:solidFill>
                   <a:srgbClr val="FF0000"/>
                 </a:solidFill>
               </a:rPr>
-              <a:t>ng </a:t>
-            </a:r>
-            <a:r>
-              <a:rPr lang="en-US" sz="1700" dirty="0">
-                <a:solidFill>
-                  <a:srgbClr val="FF0000"/>
-                </a:solidFill>
-              </a:rPr>
-              <a:t>new my-app</a:t>
+              <a:t>ng new my-app</a:t>
             </a:r>
           </a:p>
           <a:p>
@@ -18261,7 +18119,7 @@
               <a:buNone/>
             </a:pPr>
             <a:r>
-              <a:rPr lang="vi-VN" sz="1700" dirty="0" smtClean="0">
+              <a:rPr lang="vi-VN" sz="1700" dirty="0">
                 <a:solidFill>
                   <a:srgbClr val="FF0000"/>
                 </a:solidFill>
@@ -18269,7 +18127,7 @@
               <a:t>OR </a:t>
             </a:r>
             <a:r>
-              <a:rPr lang="fr-FR" sz="1700" dirty="0" err="1" smtClean="0">
+              <a:rPr lang="fr-FR" sz="1700" dirty="0" err="1">
                 <a:solidFill>
                   <a:srgbClr val="FF0000"/>
                 </a:solidFill>
@@ -18277,12 +18135,20 @@
               <a:t>ng</a:t>
             </a:r>
             <a:r>
-              <a:rPr lang="fr-FR" sz="1700" dirty="0" smtClean="0">
+              <a:rPr lang="fr-FR" sz="1700" dirty="0">
                 <a:solidFill>
                   <a:srgbClr val="FF0000"/>
                 </a:solidFill>
               </a:rPr>
-              <a:t> </a:t>
+              <a:t> serve --port=</a:t>
+            </a:r>
+            <a:r>
+              <a:rPr lang="fr-FR" sz="1700" dirty="0" err="1">
+                <a:solidFill>
+                  <a:srgbClr val="FF0000"/>
+                </a:solidFill>
+              </a:rPr>
+              <a:t>other</a:t>
             </a:r>
             <a:r>
               <a:rPr lang="fr-FR" sz="1700" dirty="0">
@@ -18290,34 +18156,10 @@
                   <a:srgbClr val="FF0000"/>
                 </a:solidFill>
               </a:rPr>
-              <a:t>serve --</a:t>
-            </a:r>
-            <a:r>
-              <a:rPr lang="fr-FR" sz="1700" dirty="0" smtClean="0">
-                <a:solidFill>
-                  <a:srgbClr val="FF0000"/>
-                </a:solidFill>
-              </a:rPr>
-              <a:t>port=</a:t>
-            </a:r>
-            <a:r>
-              <a:rPr lang="fr-FR" sz="1700" dirty="0" err="1" smtClean="0">
-                <a:solidFill>
-                  <a:srgbClr val="FF0000"/>
-                </a:solidFill>
-              </a:rPr>
-              <a:t>other</a:t>
-            </a:r>
-            <a:r>
-              <a:rPr lang="fr-FR" sz="1700" dirty="0" smtClean="0">
-                <a:solidFill>
-                  <a:srgbClr val="FF0000"/>
-                </a:solidFill>
-              </a:rPr>
               <a:t>-</a:t>
             </a:r>
             <a:r>
-              <a:rPr lang="vi-VN" sz="1700" dirty="0" smtClean="0">
+              <a:rPr lang="vi-VN" sz="1700" dirty="0">
                 <a:solidFill>
                   <a:srgbClr val="FF0000"/>
                 </a:solidFill>
@@ -18395,13 +18237,6 @@
   <p:clrMapOvr>
     <a:masterClrMapping/>
   </p:clrMapOvr>
-  <p:timing>
-    <p:tnLst>
-      <p:par>
-        <p:cTn id="1" dur="indefinite" restart="never" nodeType="tmRoot"/>
-      </p:par>
-    </p:tnLst>
-  </p:timing>
 </p:sld>
 </file>
 
@@ -18464,46 +18299,26 @@
               <a:t>P</a:t>
             </a:r>
             <a:r>
-              <a:rPr lang="en-US" dirty="0" err="1" smtClean="0"/>
+              <a:rPr lang="en-US" dirty="0" err="1"/>
               <a:t>roject</a:t>
             </a:r>
             <a:r>
-              <a:rPr lang="en-US" dirty="0" smtClean="0"/>
-              <a:t> </a:t>
-            </a:r>
-            <a:r>
-              <a:rPr lang="en-US" dirty="0"/>
-              <a:t>file </a:t>
-            </a:r>
-            <a:r>
-              <a:rPr lang="en-US" dirty="0" smtClean="0"/>
-              <a:t>structure</a:t>
-            </a:r>
-            <a:endParaRPr lang="vi-VN" dirty="0" smtClean="0">
+              <a:rPr lang="en-US" dirty="0"/>
+              <a:t> file structure</a:t>
+            </a:r>
+            <a:endParaRPr lang="vi-VN" dirty="0">
               <a:hlinkClick r:id="rId2"/>
             </a:endParaRPr>
           </a:p>
           <a:p>
             <a:pPr lvl="1"/>
             <a:r>
-              <a:rPr lang="vi-VN" dirty="0" smtClean="0">
-                <a:hlinkClick r:id="rId2"/>
-              </a:rPr>
-              <a:t>https</a:t>
-            </a:r>
-            <a:r>
               <a:rPr lang="vi-VN" dirty="0">
                 <a:hlinkClick r:id="rId2"/>
               </a:rPr>
-              <a:t>://</a:t>
-            </a:r>
-            <a:r>
-              <a:rPr lang="vi-VN" dirty="0" smtClean="0">
-                <a:hlinkClick r:id="rId2"/>
-              </a:rPr>
-              <a:t>angular.io/guide/file-structure</a:t>
-            </a:r>
-            <a:endParaRPr lang="vi-VN" dirty="0" smtClean="0"/>
+              <a:t>https://angular.io/guide/file-structure</a:t>
+            </a:r>
+            <a:endParaRPr lang="vi-VN" dirty="0"/>
           </a:p>
           <a:p>
             <a:r>
@@ -18524,26 +18339,16 @@
               <a:rPr lang="vi-VN" dirty="0">
                 <a:hlinkClick r:id="rId3"/>
               </a:rPr>
-              <a:t>https://</a:t>
-            </a:r>
-            <a:r>
-              <a:rPr lang="vi-VN" dirty="0" smtClean="0">
-                <a:hlinkClick r:id="rId3"/>
-              </a:rPr>
-              <a:t>medium.com/siam-vit/how-an-angular-app-work-behind-the-scenes-angular-flow-dcc4d1df27bd</a:t>
+              <a:t>https://medium.com/siam-vit/how-an-angular-app-work-behind-the-scenes-angular-flow-dcc4d1df27bd</a:t>
             </a:r>
             <a:endParaRPr lang="vi-VN" dirty="0"/>
           </a:p>
           <a:p>
             <a:r>
-              <a:rPr lang="vi-VN" dirty="0" smtClean="0"/>
-              <a:t>Angular </a:t>
-            </a:r>
-            <a:r>
-              <a:rPr lang="vi-VN" dirty="0" smtClean="0"/>
-              <a:t>CLI – generate </a:t>
-            </a:r>
-            <a:endParaRPr lang="en-US" dirty="0" smtClean="0"/>
+              <a:rPr lang="vi-VN" dirty="0"/>
+              <a:t>Angular CLI – generate </a:t>
+            </a:r>
+            <a:endParaRPr lang="en-US" dirty="0"/>
           </a:p>
           <a:p>
             <a:pPr lvl="1"/>
@@ -18551,35 +18356,24 @@
               <a:rPr lang="en-US" dirty="0">
                 <a:hlinkClick r:id="rId4"/>
               </a:rPr>
-              <a:t>https://</a:t>
-            </a:r>
-            <a:r>
-              <a:rPr lang="en-US" dirty="0" smtClean="0">
-                <a:hlinkClick r:id="rId4"/>
-              </a:rPr>
-              <a:t>angular.io/cli/generate</a:t>
-            </a:r>
-            <a:endParaRPr lang="en-US" dirty="0" smtClean="0"/>
+              <a:t>https://angular.io/cli/generate</a:t>
+            </a:r>
+            <a:endParaRPr lang="en-US" dirty="0"/>
           </a:p>
           <a:p>
             <a:pPr lvl="1"/>
             <a:r>
-              <a:rPr lang="en-US" dirty="0" smtClean="0"/>
+              <a:rPr lang="en-US" dirty="0"/>
               <a:t>Ex: </a:t>
             </a:r>
             <a:r>
-              <a:rPr lang="en-US" i="1" dirty="0" smtClean="0">
+              <a:rPr lang="en-US" i="1" dirty="0">
                 <a:solidFill>
                   <a:srgbClr val="FF0000"/>
                 </a:solidFill>
               </a:rPr>
               <a:t>ng generate module</a:t>
             </a:r>
-            <a:endParaRPr lang="en-US" i="1" dirty="0">
-              <a:solidFill>
-                <a:srgbClr val="FF0000"/>
-              </a:solidFill>
-            </a:endParaRPr>
           </a:p>
         </p:txBody>
       </p:sp>
@@ -18593,13 +18387,6 @@
   <p:clrMapOvr>
     <a:masterClrMapping/>
   </p:clrMapOvr>
-  <p:timing>
-    <p:tnLst>
-      <p:par>
-        <p:cTn id="1" dur="indefinite" restart="never" nodeType="tmRoot"/>
-      </p:par>
-    </p:tnLst>
-  </p:timing>
 </p:sld>
 </file>
 
@@ -18663,10 +18450,10 @@
           <a:lstStyle/>
           <a:p>
             <a:r>
-              <a:rPr lang="en-US" dirty="0" err="1" smtClean="0"/>
+              <a:rPr lang="en-US" dirty="0" err="1"/>
               <a:t>NgModules</a:t>
             </a:r>
-            <a:endParaRPr lang="vi-VN" dirty="0" smtClean="0"/>
+            <a:endParaRPr lang="vi-VN" dirty="0"/>
           </a:p>
           <a:p>
             <a:pPr lvl="1"/>
@@ -18674,29 +18461,19 @@
               <a:rPr lang="en-US" dirty="0">
                 <a:hlinkClick r:id="rId2"/>
               </a:rPr>
-              <a:t>https://</a:t>
-            </a:r>
-            <a:r>
-              <a:rPr lang="en-US" dirty="0" smtClean="0">
-                <a:hlinkClick r:id="rId2"/>
-              </a:rPr>
-              <a:t>angular.io/guide/architecture-modules</a:t>
-            </a:r>
-            <a:endParaRPr lang="en-US" dirty="0" smtClean="0"/>
+              <a:t>https://angular.io/guide/architecture-modules</a:t>
+            </a:r>
+            <a:endParaRPr lang="en-US" dirty="0"/>
           </a:p>
           <a:p>
             <a:pPr lvl="1"/>
             <a:r>
-              <a:rPr lang="en-US" dirty="0" err="1" smtClean="0"/>
+              <a:rPr lang="en-US" dirty="0" err="1"/>
               <a:t>NgModules</a:t>
             </a:r>
             <a:r>
-              <a:rPr lang="en-US" dirty="0" smtClean="0"/>
-              <a:t> </a:t>
-            </a:r>
-            <a:r>
-              <a:rPr lang="en-US" dirty="0"/>
-              <a:t>configure the injector and the compiler and help organize related things together. </a:t>
+              <a:rPr lang="en-US" dirty="0"/>
+              <a:t> configure the injector and the compiler and help organize related things together. </a:t>
             </a:r>
           </a:p>
           <a:p>
@@ -18737,13 +18514,6 @@
   <p:clrMapOvr>
     <a:masterClrMapping/>
   </p:clrMapOvr>
-  <p:timing>
-    <p:tnLst>
-      <p:par>
-        <p:cTn id="1" dur="indefinite" restart="never" nodeType="tmRoot"/>
-      </p:par>
-    </p:tnLst>
-  </p:timing>
 </p:sld>
 </file>
 
@@ -18878,13 +18648,6 @@
   <p:clrMapOvr>
     <a:masterClrMapping/>
   </p:clrMapOvr>
-  <p:timing>
-    <p:tnLst>
-      <p:par>
-        <p:cTn id="1" dur="indefinite" restart="never" nodeType="tmRoot"/>
-      </p:par>
-    </p:tnLst>
-  </p:timing>
 </p:sld>
 </file>
 
@@ -18989,15 +18752,7 @@
             </a:pPr>
             <a:r>
               <a:rPr lang="en-US" dirty="0"/>
-              <a:t>declarations—this application's </a:t>
-            </a:r>
-            <a:r>
-              <a:rPr lang="en-US" dirty="0" smtClean="0"/>
-              <a:t>component</a:t>
-            </a:r>
-            <a:r>
-              <a:rPr lang="en-US" dirty="0"/>
-              <a:t>.</a:t>
+              <a:t>declarations—this application's component.</a:t>
             </a:r>
           </a:p>
           <a:p>
@@ -19076,13 +18831,6 @@
   <p:clrMapOvr>
     <a:masterClrMapping/>
   </p:clrMapOvr>
-  <p:timing>
-    <p:tnLst>
-      <p:par>
-        <p:cTn id="1" dur="indefinite" restart="never" nodeType="tmRoot"/>
-      </p:par>
-    </p:tnLst>
-  </p:timing>
 </p:sld>
 </file>
 
@@ -19178,13 +18926,6 @@
   <p:clrMapOvr>
     <a:masterClrMapping/>
   </p:clrMapOvr>
-  <p:timing>
-    <p:tnLst>
-      <p:par>
-        <p:cTn id="1" dur="indefinite" restart="never" nodeType="tmRoot"/>
-      </p:par>
-    </p:tnLst>
-  </p:timing>
 </p:sld>
 </file>
 
@@ -19297,13 +19038,6 @@
   <p:clrMapOvr>
     <a:masterClrMapping/>
   </p:clrMapOvr>
-  <p:timing>
-    <p:tnLst>
-      <p:par>
-        <p:cTn id="1" dur="indefinite" restart="never" nodeType="tmRoot"/>
-      </p:par>
-    </p:tnLst>
-  </p:timing>
 </p:sld>
 </file>
 
@@ -19489,13 +19223,6 @@
   <p:clrMapOvr>
     <a:masterClrMapping/>
   </p:clrMapOvr>
-  <p:timing>
-    <p:tnLst>
-      <p:par>
-        <p:cTn id="1" dur="indefinite" restart="never" nodeType="tmRoot"/>
-      </p:par>
-    </p:tnLst>
-  </p:timing>
 </p:sld>
 </file>
 
@@ -19551,7 +19278,7 @@
               <a:buNone/>
             </a:pPr>
             <a:r>
-              <a:rPr lang="vi-VN" dirty="0" smtClean="0"/>
+              <a:rPr lang="vi-VN" dirty="0"/>
               <a:t>Agenda</a:t>
             </a:r>
             <a:endParaRPr dirty="0"/>
@@ -19598,7 +19325,7 @@
               <a:buAutoNum type="arabicPeriod"/>
             </a:pPr>
             <a:r>
-              <a:rPr lang="vi-VN" sz="2000" b="1" dirty="0" smtClean="0">
+              <a:rPr lang="vi-VN" sz="2000" b="1" dirty="0">
                 <a:latin typeface="Calibri" panose="020F0502020204030204" pitchFamily="34" charset="0"/>
                 <a:ea typeface="Arial"/>
                 <a:cs typeface="Calibri" panose="020F0502020204030204" pitchFamily="34" charset="0"/>
@@ -19607,7 +19334,7 @@
               <a:t> Ang</a:t>
             </a:r>
             <a:r>
-              <a:rPr lang="en" sz="2000" b="1" dirty="0" smtClean="0">
+              <a:rPr lang="en" sz="2000" b="1" dirty="0">
                 <a:latin typeface="Calibri" panose="020F0502020204030204" pitchFamily="34" charset="0"/>
                 <a:ea typeface="Arial"/>
                 <a:cs typeface="Calibri" panose="020F0502020204030204" pitchFamily="34" charset="0"/>
@@ -19615,7 +19342,7 @@
               </a:rPr>
               <a:t>ular Introduction</a:t>
             </a:r>
-            <a:endParaRPr lang="vi-VN" sz="2000" b="1" dirty="0" smtClean="0">
+            <a:endParaRPr lang="vi-VN" sz="2000" b="1" dirty="0">
               <a:latin typeface="Calibri" panose="020F0502020204030204" pitchFamily="34" charset="0"/>
               <a:ea typeface="Arial"/>
               <a:cs typeface="Calibri" panose="020F0502020204030204" pitchFamily="34" charset="0"/>
@@ -19663,31 +19390,13 @@
               <a:buAutoNum type="arabicPeriod"/>
             </a:pPr>
             <a:r>
-              <a:rPr lang="en" sz="1700" b="1" dirty="0" smtClean="0">
-                <a:latin typeface="Calibri" panose="020F0502020204030204" pitchFamily="34" charset="0"/>
-                <a:ea typeface="Arial"/>
-                <a:cs typeface="Calibri" panose="020F0502020204030204" pitchFamily="34" charset="0"/>
-                <a:sym typeface="Arial"/>
-              </a:rPr>
-              <a:t>Spring </a:t>
-            </a:r>
-            <a:r>
               <a:rPr lang="en" sz="1700" b="1" dirty="0">
                 <a:latin typeface="Calibri" panose="020F0502020204030204" pitchFamily="34" charset="0"/>
                 <a:ea typeface="Arial"/>
                 <a:cs typeface="Calibri" panose="020F0502020204030204" pitchFamily="34" charset="0"/>
                 <a:sym typeface="Arial"/>
               </a:rPr>
-              <a:t>Data Flow </a:t>
-            </a:r>
-            <a:r>
-              <a:rPr lang="en" sz="1700" b="1" dirty="0" smtClean="0">
-                <a:latin typeface="Calibri" panose="020F0502020204030204" pitchFamily="34" charset="0"/>
-                <a:ea typeface="Arial"/>
-                <a:cs typeface="Calibri" panose="020F0502020204030204" pitchFamily="34" charset="0"/>
-                <a:sym typeface="Arial"/>
-              </a:rPr>
-              <a:t>Chart</a:t>
+              <a:t>Spring Data Flow Chart</a:t>
             </a:r>
             <a:endParaRPr sz="1700" b="1" dirty="0">
               <a:latin typeface="Calibri" panose="020F0502020204030204" pitchFamily="34" charset="0"/>
@@ -19712,22 +19421,13 @@
               <a:buAutoNum type="arabicPeriod"/>
             </a:pPr>
             <a:r>
-              <a:rPr lang="vi-VN" sz="2000" b="1" dirty="0" smtClean="0">
+              <a:rPr lang="vi-VN" sz="2000" b="1" dirty="0">
                 <a:latin typeface="Calibri" panose="020F0502020204030204" pitchFamily="34" charset="0"/>
                 <a:ea typeface="Arial"/>
                 <a:cs typeface="Calibri" panose="020F0502020204030204" pitchFamily="34" charset="0"/>
                 <a:sym typeface="Arial"/>
               </a:rPr>
               <a:t> </a:t>
-            </a:r>
-            <a:r>
-              <a:rPr lang="en" sz="2000" b="1" dirty="0" smtClean="0">
-                <a:latin typeface="Calibri" panose="020F0502020204030204" pitchFamily="34" charset="0"/>
-                <a:ea typeface="Arial"/>
-                <a:cs typeface="Calibri" panose="020F0502020204030204" pitchFamily="34" charset="0"/>
-                <a:sym typeface="Arial"/>
-              </a:rPr>
-              <a:t>Set </a:t>
             </a:r>
             <a:r>
               <a:rPr lang="en" sz="2000" b="1" dirty="0">
@@ -19736,7 +19436,7 @@
                 <a:cs typeface="Calibri" panose="020F0502020204030204" pitchFamily="34" charset="0"/>
                 <a:sym typeface="Arial"/>
               </a:rPr>
-              <a:t>up Environment</a:t>
+              <a:t>Set up Environment</a:t>
             </a:r>
             <a:endParaRPr sz="2000" b="1" dirty="0">
               <a:latin typeface="Calibri" panose="020F0502020204030204" pitchFamily="34" charset="0"/>
@@ -19761,22 +19461,13 @@
               <a:buAutoNum type="arabicPeriod"/>
             </a:pPr>
             <a:r>
-              <a:rPr lang="vi-VN" sz="2000" b="1" dirty="0" smtClean="0">
+              <a:rPr lang="vi-VN" sz="2000" b="1" dirty="0">
                 <a:latin typeface="Calibri" panose="020F0502020204030204" pitchFamily="34" charset="0"/>
                 <a:ea typeface="Arial"/>
                 <a:cs typeface="Calibri" panose="020F0502020204030204" pitchFamily="34" charset="0"/>
                 <a:sym typeface="Arial"/>
               </a:rPr>
               <a:t> Explore</a:t>
-            </a:r>
-            <a:r>
-              <a:rPr lang="en" sz="2000" b="1" dirty="0" smtClean="0">
-                <a:latin typeface="Calibri" panose="020F0502020204030204" pitchFamily="34" charset="0"/>
-                <a:ea typeface="Arial"/>
-                <a:cs typeface="Calibri" panose="020F0502020204030204" pitchFamily="34" charset="0"/>
-                <a:sym typeface="Arial"/>
-              </a:rPr>
-              <a:t> </a:t>
             </a:r>
             <a:r>
               <a:rPr lang="en" sz="2000" b="1" dirty="0">
@@ -19785,18 +19476,9 @@
                 <a:cs typeface="Calibri" panose="020F0502020204030204" pitchFamily="34" charset="0"/>
                 <a:sym typeface="Arial"/>
               </a:rPr>
-              <a:t>Angular </a:t>
-            </a:r>
-            <a:r>
-              <a:rPr lang="en" sz="2000" b="1" dirty="0" smtClean="0">
-                <a:latin typeface="Calibri" panose="020F0502020204030204" pitchFamily="34" charset="0"/>
-                <a:ea typeface="Arial"/>
-                <a:cs typeface="Calibri" panose="020F0502020204030204" pitchFamily="34" charset="0"/>
-                <a:sym typeface="Arial"/>
-              </a:rPr>
-              <a:t>project</a:t>
-            </a:r>
-            <a:endParaRPr lang="vi-VN" sz="2000" b="1" dirty="0" smtClean="0">
+              <a:t> Angular project</a:t>
+            </a:r>
+            <a:endParaRPr lang="vi-VN" sz="2000" b="1" dirty="0">
               <a:latin typeface="Calibri" panose="020F0502020204030204" pitchFamily="34" charset="0"/>
               <a:ea typeface="Arial"/>
               <a:cs typeface="Calibri" panose="020F0502020204030204" pitchFamily="34" charset="0"/>
@@ -19816,7 +19498,7 @@
               <a:buAutoNum type="arabicPeriod"/>
             </a:pPr>
             <a:r>
-              <a:rPr lang="vi-VN" sz="1700" b="1" dirty="0" smtClean="0">
+              <a:rPr lang="vi-VN" sz="1700" b="1" dirty="0">
                 <a:latin typeface="Calibri" panose="020F0502020204030204" pitchFamily="34" charset="0"/>
                 <a:ea typeface="Arial"/>
                 <a:cs typeface="Calibri" panose="020F0502020204030204" pitchFamily="34" charset="0"/>
@@ -19838,7 +19520,7 @@
               <a:buAutoNum type="arabicPeriod"/>
             </a:pPr>
             <a:r>
-              <a:rPr lang="vi-VN" sz="1700" b="1" dirty="0" smtClean="0">
+              <a:rPr lang="vi-VN" sz="1700" b="1" dirty="0">
                 <a:latin typeface="Calibri" panose="020F0502020204030204" pitchFamily="34" charset="0"/>
                 <a:ea typeface="Arial"/>
                 <a:cs typeface="Calibri" panose="020F0502020204030204" pitchFamily="34" charset="0"/>
@@ -19878,7 +19560,7 @@
               <a:buAutoNum type="arabicPeriod"/>
             </a:pPr>
             <a:r>
-              <a:rPr lang="vi-VN" sz="2000" b="1" dirty="0" smtClean="0">
+              <a:rPr lang="vi-VN" sz="2000" b="1" dirty="0">
                 <a:latin typeface="Calibri" panose="020F0502020204030204" pitchFamily="34" charset="0"/>
                 <a:ea typeface="Arial"/>
                 <a:cs typeface="Calibri" panose="020F0502020204030204" pitchFamily="34" charset="0"/>
@@ -19887,7 +19569,7 @@
               <a:t> </a:t>
             </a:r>
             <a:r>
-              <a:rPr lang="en" sz="2000" b="1" dirty="0" smtClean="0">
+              <a:rPr lang="en" sz="2000" b="1" dirty="0">
                 <a:latin typeface="Calibri" panose="020F0502020204030204" pitchFamily="34" charset="0"/>
                 <a:ea typeface="Arial"/>
                 <a:cs typeface="Calibri" panose="020F0502020204030204" pitchFamily="34" charset="0"/>
@@ -19914,22 +19596,13 @@
               <a:buAutoNum type="arabicPeriod"/>
             </a:pPr>
             <a:r>
-              <a:rPr lang="vi-VN" sz="2000" b="1" dirty="0" smtClean="0">
+              <a:rPr lang="vi-VN" sz="2000" b="1" dirty="0">
                 <a:latin typeface="Calibri" panose="020F0502020204030204" pitchFamily="34" charset="0"/>
                 <a:ea typeface="Arial"/>
                 <a:cs typeface="Calibri" panose="020F0502020204030204" pitchFamily="34" charset="0"/>
                 <a:sym typeface="Arial"/>
               </a:rPr>
               <a:t> </a:t>
-            </a:r>
-            <a:r>
-              <a:rPr lang="en-US" sz="2000" b="1" dirty="0" smtClean="0">
-                <a:latin typeface="Calibri" panose="020F0502020204030204" pitchFamily="34" charset="0"/>
-                <a:ea typeface="Arial"/>
-                <a:cs typeface="Calibri" panose="020F0502020204030204" pitchFamily="34" charset="0"/>
-                <a:sym typeface="Arial"/>
-              </a:rPr>
-              <a:t>Angular </a:t>
             </a:r>
             <a:r>
               <a:rPr lang="en-US" sz="2000" b="1" dirty="0">
@@ -19938,7 +19611,7 @@
                 <a:cs typeface="Calibri" panose="020F0502020204030204" pitchFamily="34" charset="0"/>
                 <a:sym typeface="Arial"/>
               </a:rPr>
-              <a:t>Data Binding</a:t>
+              <a:t>Angular Data Binding</a:t>
             </a:r>
             <a:endParaRPr sz="2000" b="1" dirty="0">
               <a:latin typeface="Calibri" panose="020F0502020204030204" pitchFamily="34" charset="0"/>
@@ -19966,13 +19639,6 @@
   <p:clrMapOvr>
     <a:masterClrMapping/>
   </p:clrMapOvr>
-  <p:timing>
-    <p:tnLst>
-      <p:par>
-        <p:cTn id="1" dur="indefinite" restart="never" nodeType="tmRoot"/>
-      </p:par>
-    </p:tnLst>
-  </p:timing>
 </p:sld>
 </file>
 
@@ -20039,10 +19705,6 @@
             <a:pPr marL="95250" indent="0">
               <a:buNone/>
             </a:pPr>
-            <a:r>
-              <a:rPr lang="en-US" dirty="0"/>
-              <a:t/>
-            </a:r>
             <a:br>
               <a:rPr lang="en-US" dirty="0"/>
             </a:br>
@@ -20084,13 +19746,6 @@
   <p:clrMapOvr>
     <a:masterClrMapping/>
   </p:clrMapOvr>
-  <p:timing>
-    <p:tnLst>
-      <p:par>
-        <p:cTn id="1" dur="indefinite" restart="never" nodeType="tmRoot"/>
-      </p:par>
-    </p:tnLst>
-  </p:timing>
 </p:sld>
 </file>
 
@@ -20209,13 +19864,6 @@
   <p:clrMapOvr>
     <a:masterClrMapping/>
   </p:clrMapOvr>
-  <p:timing>
-    <p:tnLst>
-      <p:par>
-        <p:cTn id="1" dur="indefinite" restart="never" nodeType="tmRoot"/>
-      </p:par>
-    </p:tnLst>
-  </p:timing>
 </p:sld>
 </file>
 
@@ -20275,10 +19923,10 @@
           <a:lstStyle/>
           <a:p>
             <a:r>
-              <a:rPr lang="en-US" dirty="0" smtClean="0"/>
+              <a:rPr lang="en-US" dirty="0"/>
               <a:t>Components</a:t>
             </a:r>
-            <a:endParaRPr lang="vi-VN" dirty="0" smtClean="0"/>
+            <a:endParaRPr lang="vi-VN" dirty="0"/>
           </a:p>
           <a:p>
             <a:pPr lvl="1"/>
@@ -20286,49 +19934,27 @@
               <a:rPr lang="en-US" dirty="0">
                 <a:hlinkClick r:id="rId2"/>
               </a:rPr>
-              <a:t>https://</a:t>
-            </a:r>
-            <a:r>
-              <a:rPr lang="en-US" dirty="0" smtClean="0">
-                <a:hlinkClick r:id="rId2"/>
-              </a:rPr>
-              <a:t>angular.io/guide/architecture-components</a:t>
-            </a:r>
-            <a:endParaRPr lang="vi-VN" dirty="0" smtClean="0"/>
+              <a:t>https://angular.io/guide/architecture-components</a:t>
+            </a:r>
+            <a:endParaRPr lang="vi-VN" dirty="0"/>
           </a:p>
           <a:p>
             <a:pPr lvl="1"/>
             <a:r>
-              <a:rPr lang="en-US" sz="1700" dirty="0" smtClean="0"/>
+              <a:rPr lang="en-US" sz="1700" dirty="0"/>
               <a:t>Angular </a:t>
             </a:r>
             <a:r>
-              <a:rPr lang="vi-VN" sz="1700" dirty="0" smtClean="0"/>
+              <a:rPr lang="vi-VN" sz="1700" dirty="0"/>
               <a:t>CLI: </a:t>
             </a:r>
             <a:r>
-              <a:rPr lang="en-US" sz="1700" dirty="0" smtClean="0">
+              <a:rPr lang="en-US" sz="1700" dirty="0">
                 <a:solidFill>
                   <a:srgbClr val="FF0000"/>
                 </a:solidFill>
               </a:rPr>
-              <a:t>ng </a:t>
-            </a:r>
-            <a:r>
-              <a:rPr lang="en-US" sz="1700" dirty="0">
-                <a:solidFill>
-                  <a:srgbClr val="FF0000"/>
-                </a:solidFill>
-              </a:rPr>
-              <a:t>generate component </a:t>
-            </a:r>
-            <a:r>
-              <a:rPr lang="en-US" sz="1700" dirty="0" smtClean="0">
-                <a:solidFill>
-                  <a:srgbClr val="FF0000"/>
-                </a:solidFill>
-              </a:rPr>
-              <a:t>hero</a:t>
+              <a:t>ng generate component hero</a:t>
             </a:r>
           </a:p>
           <a:p>
@@ -20337,12 +19963,8 @@
               <a:buChar char="•"/>
             </a:pPr>
             <a:r>
-              <a:rPr lang="en-US" sz="1700" dirty="0" smtClean="0"/>
-              <a:t>Angular</a:t>
-            </a:r>
-            <a:r>
               <a:rPr lang="en-US" sz="1700" dirty="0"/>
-              <a:t> </a:t>
+              <a:t>Angular </a:t>
             </a:r>
             <a:r>
               <a:rPr lang="en-US" sz="1700" dirty="0">
@@ -20362,12 +19984,8 @@
               <a:buChar char="•"/>
             </a:pPr>
             <a:r>
-              <a:rPr lang="en-US" sz="1700" dirty="0" smtClean="0"/>
-              <a:t>The </a:t>
-            </a:r>
-            <a:r>
               <a:rPr lang="en-US" sz="1700" dirty="0"/>
-              <a:t>HTML </a:t>
+              <a:t>The HTML </a:t>
             </a:r>
             <a:r>
               <a:rPr lang="en-US" sz="1700" dirty="0">
@@ -20416,13 +20034,6 @@
   <p:clrMapOvr>
     <a:masterClrMapping/>
   </p:clrMapOvr>
-  <p:timing>
-    <p:tnLst>
-      <p:par>
-        <p:cTn id="1" dur="indefinite" restart="never" nodeType="tmRoot"/>
-      </p:par>
-    </p:tnLst>
-  </p:timing>
 </p:sld>
 </file>
 
@@ -20515,13 +20126,6 @@
   <p:clrMapOvr>
     <a:masterClrMapping/>
   </p:clrMapOvr>
-  <p:timing>
-    <p:tnLst>
-      <p:par>
-        <p:cTn id="1" dur="indefinite" restart="never" nodeType="tmRoot"/>
-      </p:par>
-    </p:tnLst>
-  </p:timing>
 </p:sld>
 </file>
 
@@ -21446,13 +21050,6 @@
   <p:clrMapOvr>
     <a:masterClrMapping/>
   </p:clrMapOvr>
-  <p:timing>
-    <p:tnLst>
-      <p:par>
-        <p:cTn id="1" dur="indefinite" restart="never" nodeType="tmRoot"/>
-      </p:par>
-    </p:tnLst>
-  </p:timing>
 </p:sld>
 </file>
 
@@ -21611,13 +21208,6 @@
   <p:clrMapOvr>
     <a:masterClrMapping/>
   </p:clrMapOvr>
-  <p:timing>
-    <p:tnLst>
-      <p:par>
-        <p:cTn id="1" dur="indefinite" restart="never" nodeType="tmRoot"/>
-      </p:par>
-    </p:tnLst>
-  </p:timing>
 </p:sld>
 </file>
 
@@ -21736,13 +21326,6 @@
   <p:clrMapOvr>
     <a:masterClrMapping/>
   </p:clrMapOvr>
-  <p:timing>
-    <p:tnLst>
-      <p:par>
-        <p:cTn id="1" dur="indefinite" restart="never" nodeType="tmRoot"/>
-      </p:par>
-    </p:tnLst>
-  </p:timing>
 </p:sld>
 </file>
 
@@ -21940,13 +21523,6 @@
   <p:clrMapOvr>
     <a:masterClrMapping/>
   </p:clrMapOvr>
-  <p:timing>
-    <p:tnLst>
-      <p:par>
-        <p:cTn id="1" dur="indefinite" restart="never" nodeType="tmRoot"/>
-      </p:par>
-    </p:tnLst>
-  </p:timing>
 </p:sld>
 </file>
 
@@ -22144,13 +21720,6 @@
   <p:clrMapOvr>
     <a:masterClrMapping/>
   </p:clrMapOvr>
-  <p:timing>
-    <p:tnLst>
-      <p:par>
-        <p:cTn id="1" dur="indefinite" restart="never" nodeType="tmRoot"/>
-      </p:par>
-    </p:tnLst>
-  </p:timing>
 </p:sld>
 </file>
 
@@ -22270,13 +21839,6 @@
   <p:clrMapOvr>
     <a:masterClrMapping/>
   </p:clrMapOvr>
-  <p:timing>
-    <p:tnLst>
-      <p:par>
-        <p:cTn id="1" dur="indefinite" restart="never" nodeType="tmRoot"/>
-      </p:par>
-    </p:tnLst>
-  </p:timing>
 </p:sld>
 </file>
 
@@ -22367,80 +21929,102 @@
               <a:buAutoNum type="arabicPeriod" startAt="8"/>
             </a:pPr>
             <a:r>
-              <a:rPr lang="vi-VN" sz="2000" b="1" dirty="0" smtClean="0">
-                <a:latin typeface="Calibri" panose="020F0502020204030204" pitchFamily="34" charset="0"/>
-                <a:ea typeface="Arial"/>
-                <a:cs typeface="Calibri" panose="020F0502020204030204" pitchFamily="34" charset="0"/>
-                <a:sym typeface="Arial"/>
-              </a:rPr>
-              <a:t>Directives</a:t>
-            </a:r>
-          </a:p>
-          <a:p>
-            <a:pPr marL="552450" indent="-457200">
-              <a:lnSpc>
-                <a:spcPct val="115000"/>
-              </a:lnSpc>
-              <a:spcBef>
-                <a:spcPts val="0"/>
-              </a:spcBef>
-              <a:buFont typeface="+mj-lt"/>
-              <a:buAutoNum type="arabicPeriod" startAt="8"/>
-            </a:pPr>
-            <a:r>
-              <a:rPr lang="vi-VN" sz="2000" b="1" dirty="0" smtClean="0">
-                <a:latin typeface="Calibri" panose="020F0502020204030204" pitchFamily="34" charset="0"/>
-                <a:ea typeface="Arial"/>
-                <a:cs typeface="Calibri" panose="020F0502020204030204" pitchFamily="34" charset="0"/>
-                <a:sym typeface="Arial"/>
-              </a:rPr>
-              <a:t>Pipes</a:t>
-            </a:r>
-          </a:p>
-          <a:p>
-            <a:pPr marL="552450" indent="-457200">
-              <a:lnSpc>
-                <a:spcPct val="115000"/>
-              </a:lnSpc>
-              <a:spcBef>
-                <a:spcPts val="0"/>
-              </a:spcBef>
-              <a:buSzPct val="100000"/>
-              <a:buFont typeface="+mj-lt"/>
-              <a:buAutoNum type="arabicPeriod" startAt="8"/>
-            </a:pPr>
-            <a:r>
-              <a:rPr lang="vi-VN" sz="2000" b="1" dirty="0" smtClean="0">
-                <a:latin typeface="Calibri" panose="020F0502020204030204" pitchFamily="34" charset="0"/>
-                <a:ea typeface="Arial"/>
-                <a:cs typeface="Calibri" panose="020F0502020204030204" pitchFamily="34" charset="0"/>
-                <a:sym typeface="Arial"/>
-              </a:rPr>
-              <a:t>Component Investigation: Lifecycle, Interaction</a:t>
-            </a:r>
-          </a:p>
-          <a:p>
-            <a:pPr marL="552450" indent="-457200">
-              <a:lnSpc>
-                <a:spcPct val="115000"/>
-              </a:lnSpc>
-              <a:spcBef>
-                <a:spcPts val="0"/>
-              </a:spcBef>
-              <a:buSzPct val="100000"/>
-              <a:buFont typeface="+mj-lt"/>
-              <a:buAutoNum type="arabicPeriod" startAt="8"/>
-            </a:pPr>
-            <a:r>
               <a:rPr lang="vi-VN" sz="2000" b="1" dirty="0">
                 <a:latin typeface="Calibri" panose="020F0502020204030204" pitchFamily="34" charset="0"/>
                 <a:ea typeface="Arial"/>
                 <a:cs typeface="Calibri" panose="020F0502020204030204" pitchFamily="34" charset="0"/>
                 <a:sym typeface="Arial"/>
               </a:rPr>
+              <a:t>Directives</a:t>
+            </a:r>
+          </a:p>
+          <a:p>
+            <a:pPr marL="552450" indent="-457200">
+              <a:lnSpc>
+                <a:spcPct val="115000"/>
+              </a:lnSpc>
+              <a:spcBef>
+                <a:spcPts val="0"/>
+              </a:spcBef>
+              <a:buFont typeface="+mj-lt"/>
+              <a:buAutoNum type="arabicPeriod" startAt="8"/>
+            </a:pPr>
+            <a:r>
+              <a:rPr lang="vi-VN" sz="2000" b="1" dirty="0">
+                <a:latin typeface="Calibri" panose="020F0502020204030204" pitchFamily="34" charset="0"/>
+                <a:ea typeface="Arial"/>
+                <a:cs typeface="Calibri" panose="020F0502020204030204" pitchFamily="34" charset="0"/>
+                <a:sym typeface="Arial"/>
+              </a:rPr>
+              <a:t>Pipes</a:t>
+            </a:r>
+          </a:p>
+          <a:p>
+            <a:pPr marL="552450" indent="-457200">
+              <a:lnSpc>
+                <a:spcPct val="115000"/>
+              </a:lnSpc>
+              <a:spcBef>
+                <a:spcPts val="0"/>
+              </a:spcBef>
+              <a:buSzPct val="100000"/>
+              <a:buFont typeface="+mj-lt"/>
+              <a:buAutoNum type="arabicPeriod" startAt="8"/>
+            </a:pPr>
+            <a:r>
+              <a:rPr lang="vi-VN" sz="2000" b="1" dirty="0">
+                <a:latin typeface="Calibri" panose="020F0502020204030204" pitchFamily="34" charset="0"/>
+                <a:ea typeface="Arial"/>
+                <a:cs typeface="Calibri" panose="020F0502020204030204" pitchFamily="34" charset="0"/>
+                <a:sym typeface="Arial"/>
+              </a:rPr>
+              <a:t>Component Investigation: Lifecycle, Interaction</a:t>
+            </a:r>
+          </a:p>
+          <a:p>
+            <a:pPr marL="552450" indent="-457200">
+              <a:lnSpc>
+                <a:spcPct val="115000"/>
+              </a:lnSpc>
+              <a:spcBef>
+                <a:spcPts val="0"/>
+              </a:spcBef>
+              <a:buSzPct val="100000"/>
+              <a:buFont typeface="+mj-lt"/>
+              <a:buAutoNum type="arabicPeriod" startAt="8"/>
+            </a:pPr>
+            <a:r>
+              <a:rPr lang="vi-VN" sz="2000" b="1" dirty="0">
+                <a:latin typeface="Calibri" panose="020F0502020204030204" pitchFamily="34" charset="0"/>
+                <a:ea typeface="Arial"/>
+                <a:cs typeface="Calibri" panose="020F0502020204030204" pitchFamily="34" charset="0"/>
+                <a:sym typeface="Arial"/>
+              </a:rPr>
               <a:t>Template reference variables</a:t>
             </a:r>
-            <a:endParaRPr lang="vi-VN" sz="2000" b="1" dirty="0" smtClean="0">
+          </a:p>
+          <a:p>
+            <a:pPr marL="552450" indent="-457200">
+              <a:lnSpc>
+                <a:spcPct val="115000"/>
+              </a:lnSpc>
+              <a:spcBef>
+                <a:spcPts val="0"/>
+              </a:spcBef>
+              <a:buSzPct val="100000"/>
+              <a:buFont typeface="+mj-lt"/>
+              <a:buAutoNum type="arabicPeriod" startAt="8"/>
+            </a:pPr>
+            <a:r>
+              <a:rPr lang="en-US" sz="2000" b="1" dirty="0">
+                <a:latin typeface="Calibri" panose="020F0502020204030204" pitchFamily="34" charset="0"/>
+                <a:ea typeface="Arial"/>
+                <a:cs typeface="Calibri" panose="020F0502020204030204" pitchFamily="34" charset="0"/>
+                <a:sym typeface="Arial"/>
+              </a:rPr>
+              <a:t>Forms</a:t>
+            </a:r>
+            <a:endParaRPr lang="vi-VN" sz="2000" b="1" dirty="0">
               <a:latin typeface="Calibri" panose="020F0502020204030204" pitchFamily="34" charset="0"/>
               <a:ea typeface="Arial"/>
               <a:cs typeface="Calibri" panose="020F0502020204030204" pitchFamily="34" charset="0"/>
@@ -22448,34 +22032,6 @@
             </a:endParaRPr>
           </a:p>
           <a:p>
-            <a:pPr marL="552450" indent="-457200">
-              <a:lnSpc>
-                <a:spcPct val="115000"/>
-              </a:lnSpc>
-              <a:spcBef>
-                <a:spcPts val="0"/>
-              </a:spcBef>
-              <a:buSzPct val="100000"/>
-              <a:buFont typeface="+mj-lt"/>
-              <a:buAutoNum type="arabicPeriod" startAt="8"/>
-            </a:pPr>
-            <a:r>
-              <a:rPr lang="en-US" sz="2000" b="1" dirty="0" smtClean="0">
-                <a:latin typeface="Calibri" panose="020F0502020204030204" pitchFamily="34" charset="0"/>
-                <a:ea typeface="Arial"/>
-                <a:cs typeface="Calibri" panose="020F0502020204030204" pitchFamily="34" charset="0"/>
-                <a:sym typeface="Arial"/>
-              </a:rPr>
-              <a:t>Forms</a:t>
-            </a:r>
-            <a:endParaRPr lang="vi-VN" sz="2000" b="1" dirty="0" smtClean="0">
-              <a:latin typeface="Calibri" panose="020F0502020204030204" pitchFamily="34" charset="0"/>
-              <a:ea typeface="Arial"/>
-              <a:cs typeface="Calibri" panose="020F0502020204030204" pitchFamily="34" charset="0"/>
-              <a:sym typeface="Arial"/>
-            </a:endParaRPr>
-          </a:p>
-          <a:p>
             <a:pPr marL="1009650" lvl="1" indent="-457200">
               <a:lnSpc>
                 <a:spcPct val="115000"/>
@@ -22514,20 +22070,12 @@
               <a:buAutoNum type="arabicPeriod"/>
             </a:pPr>
             <a:r>
-              <a:rPr lang="en-US" sz="1700" b="1" dirty="0" smtClean="0">
-                <a:latin typeface="Calibri" panose="020F0502020204030204" pitchFamily="34" charset="0"/>
-                <a:ea typeface="Arial"/>
-                <a:cs typeface="Calibri" panose="020F0502020204030204" pitchFamily="34" charset="0"/>
-              </a:rPr>
-              <a:t>Template-driven </a:t>
-            </a:r>
-            <a:r>
               <a:rPr lang="en-US" sz="1700" b="1" dirty="0">
                 <a:latin typeface="Calibri" panose="020F0502020204030204" pitchFamily="34" charset="0"/>
                 <a:ea typeface="Arial"/>
                 <a:cs typeface="Calibri" panose="020F0502020204030204" pitchFamily="34" charset="0"/>
               </a:rPr>
-              <a:t>forms</a:t>
+              <a:t>Template-driven forms</a:t>
             </a:r>
             <a:endParaRPr lang="vi-VN" sz="1700" b="1" dirty="0">
               <a:latin typeface="Calibri" panose="020F0502020204030204" pitchFamily="34" charset="0"/>
@@ -22577,75 +22125,54 @@
               <a:buAutoNum type="arabicPeriod" startAt="8"/>
             </a:pPr>
             <a:r>
-              <a:rPr lang="en-US" sz="2000" b="1" dirty="0" smtClean="0">
-                <a:latin typeface="Calibri" panose="020F0502020204030204" pitchFamily="34" charset="0"/>
-                <a:ea typeface="Arial"/>
-                <a:cs typeface="Calibri" panose="020F0502020204030204" pitchFamily="34" charset="0"/>
-                <a:sym typeface="Arial"/>
-              </a:rPr>
-              <a:t>Http</a:t>
-            </a:r>
-            <a:r>
-              <a:rPr lang="vi-VN" sz="2000" b="1" dirty="0" smtClean="0">
-                <a:latin typeface="Calibri" panose="020F0502020204030204" pitchFamily="34" charset="0"/>
-                <a:ea typeface="Arial"/>
-                <a:cs typeface="Calibri" panose="020F0502020204030204" pitchFamily="34" charset="0"/>
-                <a:sym typeface="Arial"/>
-              </a:rPr>
-              <a:t> </a:t>
-            </a:r>
-            <a:r>
-              <a:rPr lang="en-US" sz="2000" b="1" dirty="0" smtClean="0">
-                <a:latin typeface="Calibri" panose="020F0502020204030204" pitchFamily="34" charset="0"/>
-                <a:ea typeface="Arial"/>
-                <a:cs typeface="Calibri" panose="020F0502020204030204" pitchFamily="34" charset="0"/>
-                <a:sym typeface="Arial"/>
-              </a:rPr>
-              <a:t>Client</a:t>
-            </a:r>
-            <a:endParaRPr lang="en-US" sz="2000" b="1" dirty="0">
-              <a:latin typeface="Calibri" panose="020F0502020204030204" pitchFamily="34" charset="0"/>
-              <a:ea typeface="Arial"/>
-              <a:cs typeface="Calibri" panose="020F0502020204030204" pitchFamily="34" charset="0"/>
-              <a:sym typeface="Arial"/>
-            </a:endParaRPr>
-          </a:p>
-          <a:p>
-            <a:pPr marL="552450" lvl="0" indent="-457200">
-              <a:lnSpc>
-                <a:spcPct val="115000"/>
-              </a:lnSpc>
-              <a:spcBef>
-                <a:spcPts val="0"/>
-              </a:spcBef>
-              <a:buSzPct val="100000"/>
-              <a:buFont typeface="+mj-lt"/>
-              <a:buAutoNum type="arabicPeriod" startAt="8"/>
-            </a:pPr>
-            <a:r>
               <a:rPr lang="en-US" sz="2000" b="1" dirty="0">
                 <a:latin typeface="Calibri" panose="020F0502020204030204" pitchFamily="34" charset="0"/>
                 <a:ea typeface="Arial"/>
                 <a:cs typeface="Calibri" panose="020F0502020204030204" pitchFamily="34" charset="0"/>
                 <a:sym typeface="Arial"/>
               </a:rPr>
-              <a:t>Routing &amp; </a:t>
-            </a:r>
-            <a:r>
-              <a:rPr lang="en-US" sz="2000" b="1" dirty="0" smtClean="0">
+              <a:t>Http</a:t>
+            </a:r>
+            <a:r>
+              <a:rPr lang="vi-VN" sz="2000" b="1" dirty="0">
                 <a:latin typeface="Calibri" panose="020F0502020204030204" pitchFamily="34" charset="0"/>
                 <a:ea typeface="Arial"/>
                 <a:cs typeface="Calibri" panose="020F0502020204030204" pitchFamily="34" charset="0"/>
                 <a:sym typeface="Arial"/>
               </a:rPr>
-              <a:t>Navigation</a:t>
-            </a:r>
-            <a:endParaRPr lang="en-US" sz="2000" b="1" dirty="0">
-              <a:latin typeface="Calibri" panose="020F0502020204030204" pitchFamily="34" charset="0"/>
-              <a:ea typeface="Arial"/>
-              <a:cs typeface="Calibri" panose="020F0502020204030204" pitchFamily="34" charset="0"/>
-              <a:sym typeface="Arial"/>
-            </a:endParaRPr>
+              <a:t> </a:t>
+            </a:r>
+            <a:r>
+              <a:rPr lang="en-US" sz="2000" b="1" dirty="0">
+                <a:latin typeface="Calibri" panose="020F0502020204030204" pitchFamily="34" charset="0"/>
+                <a:ea typeface="Arial"/>
+                <a:cs typeface="Calibri" panose="020F0502020204030204" pitchFamily="34" charset="0"/>
+                <a:sym typeface="Arial"/>
+              </a:rPr>
+              <a:t>Client</a:t>
+            </a:r>
+          </a:p>
+          <a:p>
+            <a:pPr marL="552450" lvl="0" indent="-457200">
+              <a:lnSpc>
+                <a:spcPct val="115000"/>
+              </a:lnSpc>
+              <a:spcBef>
+                <a:spcPts val="0"/>
+              </a:spcBef>
+              <a:buSzPct val="100000"/>
+              <a:buFont typeface="+mj-lt"/>
+              <a:buAutoNum type="arabicPeriod" startAt="8"/>
+            </a:pPr>
+            <a:r>
+              <a:rPr lang="en-US" sz="2000" b="1" dirty="0">
+                <a:latin typeface="Calibri" panose="020F0502020204030204" pitchFamily="34" charset="0"/>
+                <a:ea typeface="Arial"/>
+                <a:cs typeface="Calibri" panose="020F0502020204030204" pitchFamily="34" charset="0"/>
+                <a:sym typeface="Arial"/>
+              </a:rPr>
+              <a:t>Routing &amp; Navigation</a:t>
+            </a:r>
           </a:p>
         </p:txBody>
       </p:sp>
@@ -22654,13 +22181,6 @@
   <p:clrMapOvr>
     <a:masterClrMapping/>
   </p:clrMapOvr>
-  <p:timing>
-    <p:tnLst>
-      <p:par>
-        <p:cTn id="1" dur="indefinite" restart="never" nodeType="tmRoot"/>
-      </p:par>
-    </p:tnLst>
-  </p:timing>
 </p:sld>
 </file>
 
@@ -22797,13 +22317,6 @@
   <p:clrMapOvr>
     <a:masterClrMapping/>
   </p:clrMapOvr>
-  <p:timing>
-    <p:tnLst>
-      <p:par>
-        <p:cTn id="1" dur="indefinite" restart="never" nodeType="tmRoot"/>
-      </p:par>
-    </p:tnLst>
-  </p:timing>
 </p:sld>
 </file>
 
@@ -22868,7 +22381,7 @@
           <a:lstStyle/>
           <a:p>
             <a:r>
-              <a:rPr lang="vi-VN" dirty="0" smtClean="0"/>
+              <a:rPr lang="vi-VN" dirty="0"/>
               <a:t>Ref</a:t>
             </a:r>
           </a:p>
@@ -22878,15 +22391,9 @@
               <a:rPr lang="en-US" dirty="0">
                 <a:hlinkClick r:id="rId2"/>
               </a:rPr>
-              <a:t>https://</a:t>
-            </a:r>
-            <a:r>
-              <a:rPr lang="en-US" dirty="0" smtClean="0">
-                <a:hlinkClick r:id="rId2"/>
-              </a:rPr>
-              <a:t>angular.io/guide/binding-syntax</a:t>
-            </a:r>
-            <a:endParaRPr lang="vi-VN" dirty="0" smtClean="0"/>
+              <a:t>https://angular.io/guide/binding-syntax</a:t>
+            </a:r>
+            <a:endParaRPr lang="vi-VN" dirty="0"/>
           </a:p>
           <a:p>
             <a:pPr lvl="1"/>
@@ -22894,15 +22401,9 @@
               <a:rPr lang="en-US" dirty="0">
                 <a:hlinkClick r:id="rId3"/>
               </a:rPr>
-              <a:t>https://</a:t>
-            </a:r>
-            <a:r>
-              <a:rPr lang="en-US" dirty="0" smtClean="0">
-                <a:hlinkClick r:id="rId3"/>
-              </a:rPr>
-              <a:t>angular.io/guide/property-binding</a:t>
-            </a:r>
-            <a:endParaRPr lang="vi-VN" dirty="0" smtClean="0"/>
+              <a:t>https://angular.io/guide/property-binding</a:t>
+            </a:r>
+            <a:endParaRPr lang="vi-VN" dirty="0"/>
           </a:p>
           <a:p>
             <a:pPr lvl="1"/>
@@ -22910,15 +22411,9 @@
               <a:rPr lang="en-US" dirty="0">
                 <a:hlinkClick r:id="rId4"/>
               </a:rPr>
-              <a:t>https://</a:t>
-            </a:r>
-            <a:r>
-              <a:rPr lang="en-US" dirty="0" smtClean="0">
-                <a:hlinkClick r:id="rId4"/>
-              </a:rPr>
-              <a:t>angular.io/guide/event-binding</a:t>
-            </a:r>
-            <a:endParaRPr lang="vi-VN" dirty="0" smtClean="0"/>
+              <a:t>https://angular.io/guide/event-binding</a:t>
+            </a:r>
+            <a:endParaRPr lang="vi-VN" dirty="0"/>
           </a:p>
           <a:p>
             <a:pPr lvl="1"/>
@@ -22926,15 +22421,9 @@
               <a:rPr lang="en-US" dirty="0">
                 <a:hlinkClick r:id="rId5"/>
               </a:rPr>
-              <a:t>https://</a:t>
-            </a:r>
-            <a:r>
-              <a:rPr lang="en-US" dirty="0" smtClean="0">
-                <a:hlinkClick r:id="rId5"/>
-              </a:rPr>
-              <a:t>angular.io/guide/two-way-binding</a:t>
-            </a:r>
-            <a:endParaRPr lang="vi-VN" dirty="0" smtClean="0"/>
+              <a:t>https://angular.io/guide/two-way-binding</a:t>
+            </a:r>
+            <a:endParaRPr lang="vi-VN" dirty="0"/>
           </a:p>
           <a:p>
             <a:pPr lvl="1"/>
@@ -22952,13 +22441,6 @@
   <p:clrMapOvr>
     <a:masterClrMapping/>
   </p:clrMapOvr>
-  <p:timing>
-    <p:tnLst>
-      <p:par>
-        <p:cTn id="1" dur="indefinite" restart="never" nodeType="tmRoot"/>
-      </p:par>
-    </p:tnLst>
-  </p:timing>
 </p:sld>
 </file>
 
@@ -23001,16 +22483,7 @@
                 <a:cs typeface="Calibri" panose="020F0502020204030204" pitchFamily="34" charset="0"/>
                 <a:sym typeface="Arial"/>
               </a:rPr>
-              <a:t>Angular Data </a:t>
-            </a:r>
-            <a:r>
-              <a:rPr lang="en-US" dirty="0" smtClean="0">
-                <a:latin typeface="Calibri" panose="020F0502020204030204" pitchFamily="34" charset="0"/>
-                <a:ea typeface="Arial"/>
-                <a:cs typeface="Calibri" panose="020F0502020204030204" pitchFamily="34" charset="0"/>
-                <a:sym typeface="Arial"/>
-              </a:rPr>
-              <a:t>Binding</a:t>
+              <a:t>Angular Data Binding</a:t>
             </a:r>
             <a:endParaRPr lang="en-US" dirty="0"/>
           </a:p>
@@ -23045,7 +22518,7 @@
               </a:rPr>
               <a:t>Data-binding is a mechanism for coordinating what users see, specifically with application data values. </a:t>
             </a:r>
-            <a:endParaRPr lang="vi-VN" dirty="0" smtClean="0">
+            <a:endParaRPr lang="vi-VN" dirty="0">
               <a:latin typeface="+mn-lt"/>
             </a:endParaRPr>
           </a:p>
@@ -23059,7 +22532,7 @@
               </a:buClr>
             </a:pPr>
             <a:r>
-              <a:rPr lang="en-US" dirty="0" smtClean="0">
+              <a:rPr lang="en-US" dirty="0">
                 <a:solidFill>
                   <a:srgbClr val="000000"/>
                 </a:solidFill>
@@ -23067,12 +22540,6 @@
               </a:rPr>
               <a:t>Source-to-view</a:t>
             </a:r>
-            <a:endParaRPr lang="en-US" dirty="0">
-              <a:solidFill>
-                <a:srgbClr val="000000"/>
-              </a:solidFill>
-              <a:latin typeface="+mn-lt"/>
-            </a:endParaRPr>
           </a:p>
           <a:p>
             <a:pPr lvl="1">
@@ -23124,29 +22591,14 @@
               <a:buChar char="•"/>
             </a:pPr>
             <a:r>
-              <a:rPr lang="en-US" dirty="0" smtClean="0">
+              <a:rPr lang="en-US" dirty="0">
                 <a:solidFill>
                   <a:srgbClr val="000000"/>
                 </a:solidFill>
                 <a:latin typeface="+mn-lt"/>
               </a:rPr>
-              <a:t>Interpolation </a:t>
-            </a:r>
-            <a:r>
-              <a:rPr lang="en-US" dirty="0">
-                <a:solidFill>
-                  <a:srgbClr val="000000"/>
-                </a:solidFill>
-                <a:latin typeface="+mn-lt"/>
-              </a:rPr>
-              <a:t>( {﻿{...}} ): </a:t>
-            </a:r>
-            <a:endParaRPr lang="en-US" dirty="0" smtClean="0">
-              <a:solidFill>
-                <a:srgbClr val="000000"/>
-              </a:solidFill>
-              <a:latin typeface="+mn-lt"/>
-            </a:endParaRPr>
+              <a:t>Interpolation ( {﻿{...}} ): </a:t>
+            </a:r>
           </a:p>
           <a:p>
             <a:pPr lvl="1">
@@ -23154,37 +22606,22 @@
               <a:buChar char="•"/>
             </a:pPr>
             <a:r>
-              <a:rPr lang="en-US" i="1" dirty="0" smtClean="0">
+              <a:rPr lang="en-US" i="1" dirty="0">
                 <a:solidFill>
                   <a:srgbClr val="000088"/>
                 </a:solidFill>
                 <a:latin typeface="+mn-lt"/>
               </a:rPr>
-              <a:t>&lt;</a:t>
-            </a:r>
-            <a:r>
-              <a:rPr lang="en-US" i="1" dirty="0">
-                <a:solidFill>
-                  <a:srgbClr val="000088"/>
-                </a:solidFill>
-                <a:latin typeface="+mn-lt"/>
-              </a:rPr>
-              <a:t>p&gt;</a:t>
+              <a:t>&lt;p&gt;</a:t>
             </a:r>
             <a:r>
               <a:rPr lang="en-US" i="1" dirty="0">
                 <a:latin typeface="+mn-lt"/>
               </a:rPr>
-              <a:t>My current hero </a:t>
-            </a:r>
-            <a:r>
-              <a:rPr lang="en-US" i="1" dirty="0" smtClean="0">
-                <a:latin typeface="+mn-lt"/>
-              </a:rPr>
-              <a:t>is {{currentHero.name}}</a:t>
-            </a:r>
-            <a:r>
-              <a:rPr lang="en-US" i="1" dirty="0" smtClean="0">
+              <a:t>My current hero is {{currentHero.name}}</a:t>
+            </a:r>
+            <a:r>
+              <a:rPr lang="en-US" i="1" dirty="0">
                 <a:solidFill>
                   <a:srgbClr val="000088"/>
                 </a:solidFill>
@@ -23216,13 +22653,6 @@
   <p:clrMapOvr>
     <a:masterClrMapping/>
   </p:clrMapOvr>
-  <p:timing>
-    <p:tnLst>
-      <p:par>
-        <p:cTn id="1" dur="indefinite" restart="never" nodeType="tmRoot"/>
-      </p:par>
-    </p:tnLst>
-  </p:timing>
 </p:sld>
 </file>
 
@@ -23362,13 +22792,6 @@
   <p:clrMapOvr>
     <a:masterClrMapping/>
   </p:clrMapOvr>
-  <p:timing>
-    <p:tnLst>
-      <p:par>
-        <p:cTn id="1" dur="indefinite" restart="never" nodeType="tmRoot"/>
-      </p:par>
-    </p:tnLst>
-  </p:timing>
 </p:sld>
 </file>
 
@@ -23470,13 +22893,6 @@
   <p:clrMapOvr>
     <a:masterClrMapping/>
   </p:clrMapOvr>
-  <p:timing>
-    <p:tnLst>
-      <p:par>
-        <p:cTn id="1" dur="indefinite" restart="never" nodeType="tmRoot"/>
-      </p:par>
-    </p:tnLst>
-  </p:timing>
 </p:sld>
 </file>
 
@@ -23618,16 +23034,7 @@
                 </a:solidFill>
                 <a:latin typeface="Droid Sans Mono"/>
               </a:rPr>
-              <a:t>&gt;&lt;/app-item-detail</a:t>
-            </a:r>
-            <a:r>
-              <a:rPr lang="en-US" sz="1100" dirty="0" smtClean="0">
-                <a:solidFill>
-                  <a:srgbClr val="000088"/>
-                </a:solidFill>
-                <a:latin typeface="Droid Sans Mono"/>
-              </a:rPr>
-              <a:t>&gt;</a:t>
+              <a:t>&gt;&lt;/app-item-detail&gt;</a:t>
             </a:r>
             <a:endParaRPr lang="vi-VN" sz="1100" dirty="0">
               <a:solidFill>
@@ -23648,13 +23055,6 @@
   <p:clrMapOvr>
     <a:masterClrMapping/>
   </p:clrMapOvr>
-  <p:timing>
-    <p:tnLst>
-      <p:par>
-        <p:cTn id="1" dur="indefinite" restart="never" nodeType="tmRoot"/>
-      </p:par>
-    </p:tnLst>
-  </p:timing>
 </p:sld>
 </file>
 
@@ -23719,7 +23119,7 @@
           <a:lstStyle/>
           <a:p>
             <a:r>
-              <a:rPr lang="vi-VN" dirty="0" smtClean="0"/>
+              <a:rPr lang="vi-VN" dirty="0"/>
               <a:t>Property Binding</a:t>
             </a:r>
           </a:p>
@@ -23750,10 +23150,10 @@
               <a:t>itemImageUrl</a:t>
             </a:r>
             <a:r>
-              <a:rPr lang="en-US" dirty="0" smtClean="0"/>
+              <a:rPr lang="en-US" dirty="0"/>
               <a:t>"&gt;</a:t>
             </a:r>
-            <a:endParaRPr lang="vi-VN" dirty="0" smtClean="0"/>
+            <a:endParaRPr lang="vi-VN" dirty="0"/>
           </a:p>
           <a:p>
             <a:pPr lvl="1"/>
@@ -23778,13 +23178,6 @@
   <p:clrMapOvr>
     <a:masterClrMapping/>
   </p:clrMapOvr>
-  <p:timing>
-    <p:tnLst>
-      <p:par>
-        <p:cTn id="1" dur="indefinite" restart="never" nodeType="tmRoot"/>
-      </p:par>
-    </p:tnLst>
-  </p:timing>
 </p:sld>
 </file>
 
@@ -23850,13 +23243,9 @@
           <a:p>
             <a:r>
               <a:rPr lang="en-US" dirty="0"/>
-              <a:t>Attribute, class, and style </a:t>
-            </a:r>
-            <a:r>
-              <a:rPr lang="en-US" dirty="0" smtClean="0"/>
-              <a:t>bindings</a:t>
-            </a:r>
-            <a:endParaRPr lang="vi-VN" dirty="0" smtClean="0"/>
+              <a:t>Attribute, class, and style bindings</a:t>
+            </a:r>
+            <a:endParaRPr lang="vi-VN" dirty="0"/>
           </a:p>
           <a:p>
             <a:pPr lvl="1"/>
@@ -23885,10 +23274,10 @@
               <a:t>tr</a:t>
             </a:r>
             <a:r>
-              <a:rPr lang="en-US" dirty="0" smtClean="0"/>
+              <a:rPr lang="en-US" dirty="0"/>
               <a:t>&gt;</a:t>
             </a:r>
-            <a:endParaRPr lang="vi-VN" dirty="0" smtClean="0"/>
+            <a:endParaRPr lang="vi-VN" dirty="0"/>
           </a:p>
           <a:p>
             <a:pPr lvl="1"/>
@@ -23910,13 +23299,9 @@
             </a:r>
             <a:r>
               <a:rPr lang="en-US" dirty="0"/>
-              <a:t>"&gt;Setting all classes with binding&lt;/div</a:t>
-            </a:r>
-            <a:r>
-              <a:rPr lang="en-US" dirty="0" smtClean="0"/>
-              <a:t>&gt;</a:t>
-            </a:r>
-            <a:endParaRPr lang="vi-VN" dirty="0" smtClean="0"/>
+              <a:t>"&gt;Setting all classes with binding&lt;/div&gt;</a:t>
+            </a:r>
+            <a:endParaRPr lang="vi-VN" dirty="0"/>
           </a:p>
           <a:p>
             <a:pPr lvl="1"/>
@@ -23938,13 +23323,9 @@
             </a:r>
             <a:r>
               <a:rPr lang="en-US" dirty="0"/>
-              <a:t>"&gt;This class binding is for true value&lt;/h1</a:t>
-            </a:r>
-            <a:r>
-              <a:rPr lang="en-US" dirty="0" smtClean="0"/>
-              <a:t>&gt;</a:t>
-            </a:r>
-            <a:endParaRPr lang="vi-VN" dirty="0" smtClean="0"/>
+              <a:t>"&gt;This class binding is for true value&lt;/h1&gt;</a:t>
+            </a:r>
+            <a:endParaRPr lang="vi-VN" dirty="0"/>
           </a:p>
           <a:p>
             <a:pPr lvl="1"/>
@@ -23973,13 +23354,6 @@
   <p:clrMapOvr>
     <a:masterClrMapping/>
   </p:clrMapOvr>
-  <p:timing>
-    <p:tnLst>
-      <p:par>
-        <p:cTn id="1" dur="indefinite" restart="never" nodeType="tmRoot"/>
-      </p:par>
-    </p:tnLst>
-  </p:timing>
 </p:sld>
 </file>
 
@@ -24045,52 +23419,32 @@
           <a:p>
             <a:r>
               <a:rPr lang="vi-VN" sz="2400" dirty="0"/>
-              <a:t>Event </a:t>
-            </a:r>
-            <a:r>
-              <a:rPr lang="vi-VN" sz="2400" dirty="0" smtClean="0"/>
-              <a:t>Binding</a:t>
+              <a:t>Event Binding</a:t>
             </a:r>
           </a:p>
           <a:p>
             <a:pPr lvl="1"/>
             <a:r>
-              <a:rPr lang="vi-VN" dirty="0" smtClean="0"/>
+              <a:rPr lang="vi-VN" dirty="0"/>
               <a:t>Ref to </a:t>
             </a:r>
             <a:r>
               <a:rPr lang="en-US" dirty="0"/>
-              <a:t> DOM event </a:t>
-            </a:r>
-            <a:r>
-              <a:rPr lang="en-US" dirty="0" smtClean="0"/>
-              <a:t>object</a:t>
-            </a:r>
-            <a:endParaRPr lang="vi-VN" dirty="0" smtClean="0">
+              <a:t> DOM event object</a:t>
+            </a:r>
+            <a:endParaRPr lang="vi-VN" dirty="0">
               <a:hlinkClick r:id="rId2"/>
             </a:endParaRPr>
           </a:p>
           <a:p>
             <a:pPr lvl="2"/>
             <a:r>
-              <a:rPr lang="en-US" dirty="0" smtClean="0">
-                <a:hlinkClick r:id="rId2"/>
-              </a:rPr>
-              <a:t>https</a:t>
-            </a:r>
-            <a:r>
               <a:rPr lang="en-US" dirty="0">
                 <a:hlinkClick r:id="rId2"/>
               </a:rPr>
-              <a:t>://</a:t>
-            </a:r>
-            <a:r>
-              <a:rPr lang="en-US" dirty="0" smtClean="0">
-                <a:hlinkClick r:id="rId2"/>
-              </a:rPr>
-              <a:t>developer.mozilla.org/en-US/docs/Web/Events</a:t>
-            </a:r>
-            <a:endParaRPr lang="vi-VN" dirty="0" smtClean="0"/>
+              <a:t>https://developer.mozilla.org/en-US/docs/Web/Events</a:t>
+            </a:r>
+            <a:endParaRPr lang="vi-VN" dirty="0"/>
           </a:p>
           <a:p>
             <a:pPr lvl="1"/>
@@ -24135,13 +23489,6 @@
   <p:clrMapOvr>
     <a:masterClrMapping/>
   </p:clrMapOvr>
-  <p:timing>
-    <p:tnLst>
-      <p:par>
-        <p:cTn id="1" dur="indefinite" restart="never" nodeType="tmRoot"/>
-      </p:par>
-    </p:tnLst>
-  </p:timing>
 </p:sld>
 </file>
 
@@ -24207,23 +23554,15 @@
           <a:p>
             <a:r>
               <a:rPr lang="vi-VN" sz="2000" dirty="0"/>
-              <a:t>Event </a:t>
-            </a:r>
-            <a:r>
-              <a:rPr lang="vi-VN" sz="2000" dirty="0" smtClean="0"/>
-              <a:t>Binding</a:t>
-            </a:r>
-            <a:endParaRPr lang="vi-VN" dirty="0" smtClean="0"/>
+              <a:t>Event Binding</a:t>
+            </a:r>
+            <a:endParaRPr lang="vi-VN" dirty="0"/>
           </a:p>
           <a:p>
             <a:pPr lvl="1"/>
             <a:r>
-              <a:rPr lang="en-US" dirty="0" smtClean="0"/>
-              <a:t>User </a:t>
-            </a:r>
-            <a:r>
-              <a:rPr lang="en-US" dirty="0"/>
-              <a:t>actions such as clicking a link, pushing a button, and entering text raise DOM events.</a:t>
+              <a:rPr lang="en-US" dirty="0"/>
+              <a:t>User actions such as clicking a link, pushing a button, and entering text raise DOM events.</a:t>
             </a:r>
           </a:p>
           <a:p>
@@ -24445,10 +23784,6 @@
             </a:r>
           </a:p>
           <a:p>
-            <a:r>
-              <a:rPr lang="en-US" dirty="0"/>
-              <a:t/>
-            </a:r>
             <a:br>
               <a:rPr lang="en-US" dirty="0"/>
             </a:br>
@@ -24466,13 +23801,6 @@
   <p:clrMapOvr>
     <a:masterClrMapping/>
   </p:clrMapOvr>
-  <p:timing>
-    <p:tnLst>
-      <p:par>
-        <p:cTn id="1" dur="indefinite" restart="never" nodeType="tmRoot"/>
-      </p:par>
-    </p:tnLst>
-  </p:timing>
 </p:sld>
 </file>
 
@@ -24534,45 +23862,27 @@
               <a:rPr lang="en-US" dirty="0">
                 <a:hlinkClick r:id="rId2"/>
               </a:rPr>
-              <a:t>https://</a:t>
-            </a:r>
-            <a:r>
-              <a:rPr lang="en-US" dirty="0" smtClean="0">
-                <a:hlinkClick r:id="rId2"/>
-              </a:rPr>
-              <a:t>angular.io/docs</a:t>
-            </a:r>
-            <a:endParaRPr lang="en-US" dirty="0" smtClean="0"/>
+              <a:t>https://angular.io/docs</a:t>
+            </a:r>
+            <a:endParaRPr lang="en-US" dirty="0"/>
           </a:p>
           <a:p>
             <a:r>
               <a:rPr lang="en-US" dirty="0">
                 <a:hlinkClick r:id="rId3"/>
               </a:rPr>
-              <a:t>https://</a:t>
-            </a:r>
-            <a:r>
-              <a:rPr lang="en-US" dirty="0" smtClean="0">
-                <a:hlinkClick r:id="rId3"/>
-              </a:rPr>
-              <a:t>viettuts.vn/angular7</a:t>
-            </a:r>
-            <a:endParaRPr lang="en-US" dirty="0" smtClean="0"/>
+              <a:t>https://viettuts.vn/angular7</a:t>
+            </a:r>
+            <a:endParaRPr lang="en-US" dirty="0"/>
           </a:p>
           <a:p>
             <a:r>
               <a:rPr lang="en-US" dirty="0">
                 <a:hlinkClick r:id="rId4"/>
               </a:rPr>
-              <a:t>https://</a:t>
-            </a:r>
-            <a:r>
-              <a:rPr lang="en-US" dirty="0" smtClean="0">
-                <a:hlinkClick r:id="rId4"/>
-              </a:rPr>
-              <a:t>xuanthulab.net/tao-va-su-dung-module-trong-angular.html</a:t>
-            </a:r>
-            <a:endParaRPr lang="en-US" dirty="0" smtClean="0"/>
+              <a:t>https://xuanthulab.net/tao-va-su-dung-module-trong-angular.html</a:t>
+            </a:r>
+            <a:endParaRPr lang="en-US" dirty="0"/>
           </a:p>
           <a:p>
             <a:endParaRPr lang="en-US" dirty="0"/>
@@ -24592,13 +23902,6 @@
   <p:clrMapOvr>
     <a:masterClrMapping/>
   </p:clrMapOvr>
-  <p:timing>
-    <p:tnLst>
-      <p:par>
-        <p:cTn id="1" dur="indefinite" restart="never" nodeType="tmRoot"/>
-      </p:par>
-    </p:tnLst>
-  </p:timing>
 </p:sld>
 </file>
 
@@ -24667,12 +23970,8 @@
               <a:t>T</a:t>
             </a:r>
             <a:r>
-              <a:rPr lang="en-US" dirty="0" smtClean="0"/>
-              <a:t>wo-way </a:t>
-            </a:r>
-            <a:r>
-              <a:rPr lang="en-US" dirty="0"/>
-              <a:t>binding</a:t>
+              <a:rPr lang="en-US" dirty="0"/>
+              <a:t>wo-way binding</a:t>
             </a:r>
           </a:p>
           <a:p>
@@ -24735,13 +24034,6 @@
   <p:clrMapOvr>
     <a:masterClrMapping/>
   </p:clrMapOvr>
-  <p:timing>
-    <p:tnLst>
-      <p:par>
-        <p:cTn id="1" dur="indefinite" restart="never" nodeType="tmRoot"/>
-      </p:par>
-    </p:tnLst>
-  </p:timing>
 </p:sld>
 </file>
 
@@ -24815,13 +24107,9 @@
             </a:r>
             <a:r>
               <a:rPr lang="en-US" dirty="0"/>
-              <a:t> directive allows you to display a data property and update that property when the user makes </a:t>
-            </a:r>
-            <a:r>
-              <a:rPr lang="en-US" dirty="0" smtClean="0"/>
-              <a:t>changes</a:t>
-            </a:r>
-            <a:endParaRPr lang="vi-VN" dirty="0" smtClean="0"/>
+              <a:t> directive allows you to display a data property and update that property when the user makes changes</a:t>
+            </a:r>
+            <a:endParaRPr lang="vi-VN" dirty="0"/>
           </a:p>
           <a:p>
             <a:pPr lvl="1"/>
@@ -24842,10 +24130,10 @@
               <a:t>myMsg</a:t>
             </a:r>
             <a:r>
-              <a:rPr lang="en-US" dirty="0" smtClean="0"/>
+              <a:rPr lang="en-US" dirty="0"/>
               <a:t>"/&gt;</a:t>
             </a:r>
-            <a:endParaRPr lang="vi-VN" dirty="0" smtClean="0"/>
+            <a:endParaRPr lang="vi-VN" dirty="0"/>
           </a:p>
           <a:p>
             <a:pPr lvl="1"/>
@@ -24890,13 +24178,6 @@
   <p:clrMapOvr>
     <a:masterClrMapping/>
   </p:clrMapOvr>
-  <p:timing>
-    <p:tnLst>
-      <p:par>
-        <p:cTn id="1" dur="indefinite" restart="never" nodeType="tmRoot"/>
-      </p:par>
-    </p:tnLst>
-  </p:timing>
 </p:sld>
 </file>
 
@@ -25006,13 +24287,6 @@
   <p:clrMapOvr>
     <a:masterClrMapping/>
   </p:clrMapOvr>
-  <p:timing>
-    <p:tnLst>
-      <p:par>
-        <p:cTn id="1" dur="indefinite" restart="never" nodeType="tmRoot"/>
-      </p:par>
-    </p:tnLst>
-  </p:timing>
 </p:sld>
 </file>
 
@@ -25060,16 +24334,7 @@
                 <a:cs typeface="Calibri" panose="020F0502020204030204" pitchFamily="34" charset="0"/>
                 <a:sym typeface="Arial"/>
               </a:rPr>
-              <a:t>Template reference </a:t>
-            </a:r>
-            <a:r>
-              <a:rPr lang="vi-VN" dirty="0" smtClean="0">
-                <a:latin typeface="Calibri" panose="020F0502020204030204" pitchFamily="34" charset="0"/>
-                <a:ea typeface="Arial"/>
-                <a:cs typeface="Calibri" panose="020F0502020204030204" pitchFamily="34" charset="0"/>
-                <a:sym typeface="Arial"/>
-              </a:rPr>
-              <a:t>variables</a:t>
+              <a:t>Template reference variables</a:t>
             </a:r>
             <a:endParaRPr lang="en-US" dirty="0"/>
           </a:p>
@@ -25094,15 +24359,9 @@
               <a:rPr lang="en-US" dirty="0">
                 <a:hlinkClick r:id="rId2"/>
               </a:rPr>
-              <a:t>https://</a:t>
-            </a:r>
-            <a:r>
-              <a:rPr lang="en-US" dirty="0" smtClean="0">
-                <a:hlinkClick r:id="rId2"/>
-              </a:rPr>
-              <a:t>angular.io/guide/template-reference-variables</a:t>
-            </a:r>
-            <a:endParaRPr lang="vi-VN" dirty="0" smtClean="0"/>
+              <a:t>https://angular.io/guide/template-reference-variables</a:t>
+            </a:r>
+            <a:endParaRPr lang="vi-VN" dirty="0"/>
           </a:p>
           <a:p>
             <a:r>
@@ -25161,7 +24420,7 @@
             <a:endParaRPr lang="en-US" dirty="0"/>
           </a:p>
           <a:p>
-            <a:endParaRPr lang="vi-VN" dirty="0" smtClean="0"/>
+            <a:endParaRPr lang="vi-VN" dirty="0"/>
           </a:p>
           <a:p>
             <a:endParaRPr lang="en-US" dirty="0"/>
@@ -25178,13 +24437,6 @@
   <p:clrMapOvr>
     <a:masterClrMapping/>
   </p:clrMapOvr>
-  <p:timing>
-    <p:tnLst>
-      <p:par>
-        <p:cTn id="1" dur="indefinite" restart="never" nodeType="tmRoot"/>
-      </p:par>
-    </p:tnLst>
-  </p:timing>
 </p:sld>
 </file>
 
@@ -25221,7 +24473,7 @@
           <a:lstStyle/>
           <a:p>
             <a:r>
-              <a:rPr lang="vi-VN" dirty="0" smtClean="0"/>
+              <a:rPr lang="vi-VN" dirty="0"/>
               <a:t>Component Investigation</a:t>
             </a:r>
             <a:endParaRPr lang="en-US" dirty="0"/>
@@ -25257,13 +24509,6 @@
   <p:clrMapOvr>
     <a:masterClrMapping/>
   </p:clrMapOvr>
-  <p:timing>
-    <p:tnLst>
-      <p:par>
-        <p:cTn id="1" dur="indefinite" restart="never" nodeType="tmRoot"/>
-      </p:par>
-    </p:tnLst>
-  </p:timing>
 </p:sld>
 </file>
 
@@ -25338,15 +24583,9 @@
               <a:rPr lang="en-US" dirty="0">
                 <a:hlinkClick r:id="rId2"/>
               </a:rPr>
-              <a:t>https://</a:t>
-            </a:r>
-            <a:r>
-              <a:rPr lang="en-US" dirty="0" smtClean="0">
-                <a:hlinkClick r:id="rId2"/>
-              </a:rPr>
-              <a:t>viblo.asia/p/lifecycle-hooks-trong-angular-6J3Zgw8qZmB</a:t>
-            </a:r>
-            <a:endParaRPr lang="vi-VN" dirty="0" smtClean="0"/>
+              <a:t>https://viblo.asia/p/lifecycle-hooks-trong-angular-6J3Zgw8qZmB</a:t>
+            </a:r>
+            <a:endParaRPr lang="vi-VN" dirty="0"/>
           </a:p>
           <a:p>
             <a:endParaRPr lang="en-US" dirty="0"/>
@@ -25404,13 +24643,6 @@
   <p:clrMapOvr>
     <a:masterClrMapping/>
   </p:clrMapOvr>
-  <p:timing>
-    <p:tnLst>
-      <p:par>
-        <p:cTn id="1" dur="indefinite" restart="never" nodeType="tmRoot"/>
-      </p:par>
-    </p:tnLst>
-  </p:timing>
 </p:sld>
 </file>
 
@@ -25514,13 +24746,6 @@
   <p:clrMapOvr>
     <a:masterClrMapping/>
   </p:clrMapOvr>
-  <p:timing>
-    <p:tnLst>
-      <p:par>
-        <p:cTn id="1" dur="indefinite" restart="never" nodeType="tmRoot"/>
-      </p:par>
-    </p:tnLst>
-  </p:timing>
 </p:sld>
 </file>
 
@@ -25624,13 +24849,6 @@
   <p:clrMapOvr>
     <a:masterClrMapping/>
   </p:clrMapOvr>
-  <p:timing>
-    <p:tnLst>
-      <p:par>
-        <p:cTn id="1" dur="indefinite" restart="never" nodeType="tmRoot"/>
-      </p:par>
-    </p:tnLst>
-  </p:timing>
 </p:sld>
 </file>
 
@@ -26263,13 +25481,6 @@
   <p:clrMapOvr>
     <a:masterClrMapping/>
   </p:clrMapOvr>
-  <p:timing>
-    <p:tnLst>
-      <p:par>
-        <p:cTn id="1" dur="indefinite" restart="never" nodeType="tmRoot"/>
-      </p:par>
-    </p:tnLst>
-  </p:timing>
 </p:sld>
 </file>
 
@@ -26545,13 +25756,6 @@
   <p:clrMapOvr>
     <a:masterClrMapping/>
   </p:clrMapOvr>
-  <p:timing>
-    <p:tnLst>
-      <p:par>
-        <p:cTn id="1" dur="indefinite" restart="never" nodeType="tmRoot"/>
-      </p:par>
-    </p:tnLst>
-  </p:timing>
 </p:sld>
 </file>
 
@@ -26664,10 +25868,6 @@
               <a:rPr lang="en-US" sz="1800" i="1" dirty="0"/>
               <a:t>“A single-page application (SPA) is a web application or website that interacts with the web browser by dynamically rewriting the current web page with new data from the web server, instead of the default method of the browser loading entire new pages.”</a:t>
             </a:r>
-            <a:r>
-              <a:rPr lang="en-US" dirty="0"/>
-              <a:t/>
-            </a:r>
             <a:br>
               <a:rPr lang="en-US" dirty="0"/>
             </a:br>
@@ -26685,13 +25885,6 @@
   <p:clrMapOvr>
     <a:masterClrMapping/>
   </p:clrMapOvr>
-  <p:timing>
-    <p:tnLst>
-      <p:par>
-        <p:cTn id="1" dur="indefinite" restart="never" nodeType="tmRoot"/>
-      </p:par>
-    </p:tnLst>
-  </p:timing>
 </p:sld>
 </file>
 
@@ -26830,10 +26023,6 @@
             <a:pPr marL="571500" lvl="1" indent="0">
               <a:buNone/>
             </a:pPr>
-            <a:r>
-              <a:rPr lang="en-US" dirty="0"/>
-              <a:t/>
-            </a:r>
             <a:br>
               <a:rPr lang="en-US" dirty="0"/>
             </a:br>
@@ -26851,13 +26040,6 @@
   <p:clrMapOvr>
     <a:masterClrMapping/>
   </p:clrMapOvr>
-  <p:timing>
-    <p:tnLst>
-      <p:par>
-        <p:cTn id="1" dur="indefinite" restart="never" nodeType="tmRoot"/>
-      </p:par>
-    </p:tnLst>
-  </p:timing>
 </p:sld>
 </file>
 
@@ -27302,13 +26484,6 @@
   <p:clrMapOvr>
     <a:masterClrMapping/>
   </p:clrMapOvr>
-  <p:timing>
-    <p:tnLst>
-      <p:par>
-        <p:cTn id="1" dur="indefinite" restart="never" nodeType="tmRoot"/>
-      </p:par>
-    </p:tnLst>
-  </p:timing>
 </p:sld>
 </file>
 
@@ -27450,13 +26625,6 @@
   <p:clrMapOvr>
     <a:masterClrMapping/>
   </p:clrMapOvr>
-  <p:timing>
-    <p:tnLst>
-      <p:par>
-        <p:cTn id="1" dur="indefinite" restart="never" nodeType="tmRoot"/>
-      </p:par>
-    </p:tnLst>
-  </p:timing>
 </p:sld>
 </file>
 
@@ -27576,13 +26744,6 @@
   <p:clrMapOvr>
     <a:masterClrMapping/>
   </p:clrMapOvr>
-  <p:timing>
-    <p:tnLst>
-      <p:par>
-        <p:cTn id="1" dur="indefinite" restart="never" nodeType="tmRoot"/>
-      </p:par>
-    </p:tnLst>
-  </p:timing>
 </p:sld>
 </file>
 
@@ -27718,13 +26879,6 @@
   <p:clrMapOvr>
     <a:masterClrMapping/>
   </p:clrMapOvr>
-  <p:timing>
-    <p:tnLst>
-      <p:par>
-        <p:cTn id="1" dur="indefinite" restart="never" nodeType="tmRoot"/>
-      </p:par>
-    </p:tnLst>
-  </p:timing>
 </p:sld>
 </file>
 
@@ -27845,13 +26999,6 @@
   <p:clrMapOvr>
     <a:masterClrMapping/>
   </p:clrMapOvr>
-  <p:timing>
-    <p:tnLst>
-      <p:par>
-        <p:cTn id="1" dur="indefinite" restart="never" nodeType="tmRoot"/>
-      </p:par>
-    </p:tnLst>
-  </p:timing>
 </p:sld>
 </file>
 
@@ -27941,11 +27088,7 @@
             </a:pPr>
             <a:r>
               <a:rPr lang="en-US" dirty="0"/>
-              <a:t>Built-in structural </a:t>
-            </a:r>
-            <a:r>
-              <a:rPr lang="en-US" dirty="0" smtClean="0"/>
-              <a:t>directives</a:t>
+              <a:t>Built-in structural directives</a:t>
             </a:r>
           </a:p>
           <a:p>
@@ -27958,7 +27101,7 @@
               </a:buClr>
             </a:pPr>
             <a:r>
-              <a:rPr lang="en" sz="1700" dirty="0" smtClean="0">
+              <a:rPr lang="en" sz="1700" dirty="0">
                 <a:solidFill>
                   <a:srgbClr val="000000"/>
                 </a:solidFill>
@@ -27989,20 +27132,12 @@
               </a:buClr>
             </a:pPr>
             <a:r>
-              <a:rPr lang="en" dirty="0" smtClean="0">
+              <a:rPr lang="en" dirty="0">
                 <a:solidFill>
                   <a:srgbClr val="000088"/>
                 </a:solidFill>
               </a:rPr>
-              <a:t>&lt;</a:t>
-            </a:r>
-            <a:r>
-              <a:rPr lang="en" dirty="0">
-                <a:solidFill>
-                  <a:srgbClr val="000088"/>
-                </a:solidFill>
-              </a:rPr>
-              <a:t>app-hero-detail</a:t>
+              <a:t>&lt;app-hero-detail</a:t>
             </a:r>
             <a:r>
               <a:rPr lang="en" dirty="0"/>
@@ -28126,20 +27261,12 @@
               <a:buSzPts val="2100"/>
             </a:pPr>
             <a:r>
-              <a:rPr lang="en" dirty="0" smtClean="0">
+              <a:rPr lang="en" dirty="0">
                 <a:solidFill>
                   <a:srgbClr val="000088"/>
                 </a:solidFill>
               </a:rPr>
-              <a:t>&lt;</a:t>
-            </a:r>
-            <a:r>
-              <a:rPr lang="en" dirty="0">
-                <a:solidFill>
-                  <a:srgbClr val="000088"/>
-                </a:solidFill>
-              </a:rPr>
-              <a:t>div</a:t>
+              <a:t>&lt;div</a:t>
             </a:r>
             <a:r>
               <a:rPr lang="en" dirty="0"/>
@@ -28188,15 +27315,7 @@
                   <a:srgbClr val="000088"/>
                 </a:solidFill>
               </a:rPr>
-              <a:t>&lt;/div</a:t>
-            </a:r>
-            <a:r>
-              <a:rPr lang="en" dirty="0" smtClean="0">
-                <a:solidFill>
-                  <a:srgbClr val="000088"/>
-                </a:solidFill>
-              </a:rPr>
-              <a:t>&gt;</a:t>
+              <a:t>&lt;/div&gt;</a:t>
             </a:r>
           </a:p>
           <a:p>
@@ -28308,13 +27427,6 @@
   <p:clrMapOvr>
     <a:masterClrMapping/>
   </p:clrMapOvr>
-  <p:timing>
-    <p:tnLst>
-      <p:par>
-        <p:cTn id="1" dur="indefinite" restart="never" nodeType="tmRoot"/>
-      </p:par>
-    </p:tnLst>
-  </p:timing>
 </p:sld>
 </file>
 
@@ -28446,13 +27558,6 @@
   <p:clrMapOvr>
     <a:masterClrMapping/>
   </p:clrMapOvr>
-  <p:timing>
-    <p:tnLst>
-      <p:par>
-        <p:cTn id="1" dur="indefinite" restart="never" nodeType="tmRoot"/>
-      </p:par>
-    </p:tnLst>
-  </p:timing>
 </p:sld>
 </file>
 
@@ -28581,13 +27686,6 @@
   <p:clrMapOvr>
     <a:masterClrMapping/>
   </p:clrMapOvr>
-  <p:timing>
-    <p:tnLst>
-      <p:par>
-        <p:cTn id="1" dur="indefinite" restart="never" nodeType="tmRoot"/>
-      </p:par>
-    </p:tnLst>
-  </p:timing>
 </p:sld>
 </file>
 
@@ -28613,7 +27711,7 @@
           <p:cNvPr id="2" name="Title 1">
             <a:extLst>
               <a:ext uri="{FF2B5EF4-FFF2-40B4-BE49-F238E27FC236}">
-                <a16:creationId xmlns:a16="http://schemas.microsoft.com/office/drawing/2014/main" xmlns="" id="{8E3390F4-2813-479A-B2CA-B1826DC5B2F7}"/>
+                <a16:creationId xmlns:a16="http://schemas.microsoft.com/office/drawing/2014/main" id="{8E3390F4-2813-479A-B2CA-B1826DC5B2F7}"/>
               </a:ext>
             </a:extLst>
           </p:cNvPr>
@@ -28641,7 +27739,7 @@
           <p:cNvPr id="3" name="Text Placeholder 2">
             <a:extLst>
               <a:ext uri="{FF2B5EF4-FFF2-40B4-BE49-F238E27FC236}">
-                <a16:creationId xmlns:a16="http://schemas.microsoft.com/office/drawing/2014/main" xmlns="" id="{81978763-2B04-4689-B469-56C75E8408E4}"/>
+                <a16:creationId xmlns:a16="http://schemas.microsoft.com/office/drawing/2014/main" id="{81978763-2B04-4689-B469-56C75E8408E4}"/>
               </a:ext>
             </a:extLst>
           </p:cNvPr>
@@ -28789,10 +27887,6 @@
               </a:rPr>
               <a:t>;</a:t>
             </a:r>
-            <a:r>
-              <a:rPr lang="en-US" dirty="0"/>
-              <a:t/>
-            </a:r>
             <a:br>
               <a:rPr lang="en-US" dirty="0"/>
             </a:br>
@@ -28810,13 +27904,6 @@
   <p:clrMapOvr>
     <a:masterClrMapping/>
   </p:clrMapOvr>
-  <p:timing>
-    <p:tnLst>
-      <p:par>
-        <p:cTn id="1" dur="indefinite" restart="never" nodeType="tmRoot"/>
-      </p:par>
-    </p:tnLst>
-  </p:timing>
 </p:sld>
 </file>
 
@@ -28912,13 +27999,6 @@
   <p:clrMapOvr>
     <a:masterClrMapping/>
   </p:clrMapOvr>
-  <p:timing>
-    <p:tnLst>
-      <p:par>
-        <p:cTn id="1" dur="indefinite" restart="never" nodeType="tmRoot"/>
-      </p:par>
-    </p:tnLst>
-  </p:timing>
 </p:sld>
 </file>
 
@@ -28944,7 +28024,7 @@
           <p:cNvPr id="2" name="Title 1">
             <a:extLst>
               <a:ext uri="{FF2B5EF4-FFF2-40B4-BE49-F238E27FC236}">
-                <a16:creationId xmlns:a16="http://schemas.microsoft.com/office/drawing/2014/main" xmlns="" id="{05693CBD-A7E2-424C-882C-891BB8936526}"/>
+                <a16:creationId xmlns:a16="http://schemas.microsoft.com/office/drawing/2014/main" id="{05693CBD-A7E2-424C-882C-891BB8936526}"/>
               </a:ext>
             </a:extLst>
           </p:cNvPr>
@@ -28972,7 +28052,7 @@
           <p:cNvPr id="3" name="Text Placeholder 2">
             <a:extLst>
               <a:ext uri="{FF2B5EF4-FFF2-40B4-BE49-F238E27FC236}">
-                <a16:creationId xmlns:a16="http://schemas.microsoft.com/office/drawing/2014/main" xmlns="" id="{B870AE03-A16C-4B3F-A116-B9CFEE07B705}"/>
+                <a16:creationId xmlns:a16="http://schemas.microsoft.com/office/drawing/2014/main" id="{B870AE03-A16C-4B3F-A116-B9CFEE07B705}"/>
               </a:ext>
             </a:extLst>
           </p:cNvPr>
@@ -29066,13 +28146,6 @@
   <p:clrMapOvr>
     <a:masterClrMapping/>
   </p:clrMapOvr>
-  <p:timing>
-    <p:tnLst>
-      <p:par>
-        <p:cTn id="1" dur="indefinite" restart="never" nodeType="tmRoot"/>
-      </p:par>
-    </p:tnLst>
-  </p:timing>
 </p:sld>
 </file>
 
@@ -29098,7 +28171,7 @@
           <p:cNvPr id="2" name="Title 1">
             <a:extLst>
               <a:ext uri="{FF2B5EF4-FFF2-40B4-BE49-F238E27FC236}">
-                <a16:creationId xmlns:a16="http://schemas.microsoft.com/office/drawing/2014/main" xmlns="" id="{38FB9F05-8B13-4BBF-ABAF-97668C713DD6}"/>
+                <a16:creationId xmlns:a16="http://schemas.microsoft.com/office/drawing/2014/main" id="{38FB9F05-8B13-4BBF-ABAF-97668C713DD6}"/>
               </a:ext>
             </a:extLst>
           </p:cNvPr>
@@ -29126,7 +28199,7 @@
           <p:cNvPr id="3" name="Text Placeholder 2">
             <a:extLst>
               <a:ext uri="{FF2B5EF4-FFF2-40B4-BE49-F238E27FC236}">
-                <a16:creationId xmlns:a16="http://schemas.microsoft.com/office/drawing/2014/main" xmlns="" id="{C3265D89-6B63-4A0E-B3D3-C5879C6A0FFF}"/>
+                <a16:creationId xmlns:a16="http://schemas.microsoft.com/office/drawing/2014/main" id="{C3265D89-6B63-4A0E-B3D3-C5879C6A0FFF}"/>
               </a:ext>
             </a:extLst>
           </p:cNvPr>
@@ -29220,13 +28293,6 @@
   <p:clrMapOvr>
     <a:masterClrMapping/>
   </p:clrMapOvr>
-  <p:timing>
-    <p:tnLst>
-      <p:par>
-        <p:cTn id="1" dur="indefinite" restart="never" nodeType="tmRoot"/>
-      </p:par>
-    </p:tnLst>
-  </p:timing>
 </p:sld>
 </file>
 
@@ -29252,7 +28318,7 @@
           <p:cNvPr id="2" name="Title 1">
             <a:extLst>
               <a:ext uri="{FF2B5EF4-FFF2-40B4-BE49-F238E27FC236}">
-                <a16:creationId xmlns:a16="http://schemas.microsoft.com/office/drawing/2014/main" xmlns="" id="{BE113AB8-B8FB-44E4-8BF1-00806350BFAC}"/>
+                <a16:creationId xmlns:a16="http://schemas.microsoft.com/office/drawing/2014/main" id="{BE113AB8-B8FB-44E4-8BF1-00806350BFAC}"/>
               </a:ext>
             </a:extLst>
           </p:cNvPr>
@@ -29281,7 +28347,7 @@
           <p:cNvPr id="3" name="Text Placeholder 2">
             <a:extLst>
               <a:ext uri="{FF2B5EF4-FFF2-40B4-BE49-F238E27FC236}">
-                <a16:creationId xmlns:a16="http://schemas.microsoft.com/office/drawing/2014/main" xmlns="" id="{62D828A7-23C6-47B9-8FC4-9EAFFB8F8BF8}"/>
+                <a16:creationId xmlns:a16="http://schemas.microsoft.com/office/drawing/2014/main" id="{62D828A7-23C6-47B9-8FC4-9EAFFB8F8BF8}"/>
               </a:ext>
             </a:extLst>
           </p:cNvPr>
@@ -29298,16 +28364,12 @@
           <a:lstStyle/>
           <a:p>
             <a:r>
-              <a:rPr lang="vi-VN" dirty="0" smtClean="0"/>
+              <a:rPr lang="vi-VN" dirty="0"/>
               <a:t>A</a:t>
             </a:r>
             <a:r>
-              <a:rPr lang="en-US" dirty="0" smtClean="0"/>
-              <a:t> </a:t>
-            </a:r>
-            <a:r>
-              <a:rPr lang="en-US" dirty="0"/>
-              <a:t>way to write display-value transformations that you can declare in your HTML</a:t>
+              <a:rPr lang="en-US" dirty="0"/>
+              <a:t> way to write display-value transformations that you can declare in your HTML</a:t>
             </a:r>
             <a:endParaRPr lang="vi-VN" dirty="0"/>
           </a:p>
@@ -29324,7 +28386,7 @@
           <p:cNvPr id="9" name="Picture 8">
             <a:extLst>
               <a:ext uri="{FF2B5EF4-FFF2-40B4-BE49-F238E27FC236}">
-                <a16:creationId xmlns:a16="http://schemas.microsoft.com/office/drawing/2014/main" xmlns="" id="{AB2A4D1D-3FC5-46DB-AA99-726C3F479FA8}"/>
+                <a16:creationId xmlns:a16="http://schemas.microsoft.com/office/drawing/2014/main" id="{AB2A4D1D-3FC5-46DB-AA99-726C3F479FA8}"/>
               </a:ext>
             </a:extLst>
           </p:cNvPr>
@@ -29359,13 +28421,6 @@
   <p:clrMapOvr>
     <a:masterClrMapping/>
   </p:clrMapOvr>
-  <p:timing>
-    <p:tnLst>
-      <p:par>
-        <p:cTn id="1" dur="indefinite" restart="never" nodeType="tmRoot"/>
-      </p:par>
-    </p:tnLst>
-  </p:timing>
 </p:sld>
 </file>
 
@@ -29648,10 +28703,6 @@
             <a:pPr marL="95250" indent="0">
               <a:buNone/>
             </a:pPr>
-            <a:r>
-              <a:rPr lang="en-US" sz="1800" dirty="0"/>
-              <a:t/>
-            </a:r>
             <a:br>
               <a:rPr lang="en-US" sz="1800" dirty="0"/>
             </a:br>
@@ -29669,13 +28720,6 @@
   <p:clrMapOvr>
     <a:masterClrMapping/>
   </p:clrMapOvr>
-  <p:timing>
-    <p:tnLst>
-      <p:par>
-        <p:cTn id="1" dur="indefinite" restart="never" nodeType="tmRoot"/>
-      </p:par>
-    </p:tnLst>
-  </p:timing>
 </p:sld>
 </file>
 
@@ -29810,13 +28854,6 @@
   <p:clrMapOvr>
     <a:masterClrMapping/>
   </p:clrMapOvr>
-  <p:timing>
-    <p:tnLst>
-      <p:par>
-        <p:cTn id="1" dur="indefinite" restart="never" nodeType="tmRoot"/>
-      </p:par>
-    </p:tnLst>
-  </p:timing>
 </p:sld>
 </file>
 
@@ -29921,13 +28958,6 @@
   <p:clrMapOvr>
     <a:masterClrMapping/>
   </p:clrMapOvr>
-  <p:timing>
-    <p:tnLst>
-      <p:par>
-        <p:cTn id="1" dur="indefinite" restart="never" nodeType="tmRoot"/>
-      </p:par>
-    </p:tnLst>
-  </p:timing>
 </p:sld>
 </file>
 
@@ -29994,12 +29024,8 @@
           <a:lstStyle/>
           <a:p>
             <a:r>
-              <a:rPr lang="en-US" dirty="0" smtClean="0"/>
-              <a:t>Model-driven </a:t>
-            </a:r>
-            <a:r>
-              <a:rPr lang="en-US" dirty="0"/>
-              <a:t>approach to handling form inputs</a:t>
+              <a:rPr lang="en-US" dirty="0"/>
+              <a:t>Model-driven approach to handling form inputs</a:t>
             </a:r>
           </a:p>
         </p:txBody>
@@ -30055,13 +29081,6 @@
   <p:clrMapOvr>
     <a:masterClrMapping/>
   </p:clrMapOvr>
-  <p:timing>
-    <p:tnLst>
-      <p:par>
-        <p:cTn id="1" dur="indefinite" restart="never" nodeType="tmRoot"/>
-      </p:par>
-    </p:tnLst>
-  </p:timing>
 </p:sld>
 </file>
 
@@ -30145,7 +29164,15 @@
             <a:pPr lvl="1"/>
             <a:r>
               <a:rPr lang="en-US" dirty="0"/>
-              <a:t>Register the reactive forms module in your app. </a:t>
+              <a:t>Register the reactive forms </a:t>
+            </a:r>
+            <a:r>
+              <a:rPr lang="en-US" b="1" dirty="0"/>
+              <a:t>module</a:t>
+            </a:r>
+            <a:r>
+              <a:rPr lang="en-US" dirty="0"/>
+              <a:t> in your app. </a:t>
             </a:r>
           </a:p>
           <a:p>
@@ -30153,6 +29180,21 @@
             <a:r>
               <a:rPr lang="en-US" dirty="0"/>
               <a:t>Generate a new </a:t>
+            </a:r>
+            <a:r>
+              <a:rPr lang="en-US" b="1" dirty="0" err="1"/>
+              <a:t>FormControl</a:t>
+            </a:r>
+            <a:r>
+              <a:rPr lang="en-US" dirty="0"/>
+              <a:t> instance and save it in the component.</a:t>
+            </a:r>
+          </a:p>
+          <a:p>
+            <a:pPr lvl="1"/>
+            <a:r>
+              <a:rPr lang="en-US" dirty="0"/>
+              <a:t>Register the </a:t>
             </a:r>
             <a:r>
               <a:rPr lang="en-US" dirty="0" err="1"/>
@@ -30160,22 +29202,15 @@
             </a:r>
             <a:r>
               <a:rPr lang="en-US" dirty="0"/>
-              <a:t> instance and save it in the component.</a:t>
-            </a:r>
-          </a:p>
-          <a:p>
-            <a:pPr lvl="1"/>
-            <a:r>
-              <a:rPr lang="en-US" dirty="0"/>
-              <a:t>Register the </a:t>
-            </a:r>
-            <a:r>
-              <a:rPr lang="en-US" dirty="0" err="1"/>
-              <a:t>FormControl</a:t>
-            </a:r>
-            <a:r>
-              <a:rPr lang="en-US" dirty="0"/>
-              <a:t> in the template.</a:t>
+              <a:t> in the </a:t>
+            </a:r>
+            <a:r>
+              <a:rPr lang="en-US" b="1" dirty="0"/>
+              <a:t>template</a:t>
+            </a:r>
+            <a:r>
+              <a:rPr lang="en-US" dirty="0"/>
+              <a:t>.</a:t>
             </a:r>
           </a:p>
           <a:p>
@@ -30196,16 +29231,13 @@
             </a:r>
             <a:r>
               <a:rPr lang="en-US" dirty="0"/>
-              <a:t> observable where you can listen for changes in the form's value in the template using </a:t>
-            </a:r>
-            <a:r>
-              <a:rPr lang="en-US" dirty="0" err="1"/>
-              <a:t>AsyncPipe</a:t>
-            </a:r>
-            <a:r>
-              <a:rPr lang="en-US" dirty="0"/>
-              <a:t> or in the component class using the subscribe() method.</a:t>
-            </a:r>
+              <a:t> observable where you can listen for changes in the form's value in the </a:t>
+            </a:r>
+            <a:r>
+              <a:rPr lang="vi-VN" dirty="0"/>
+              <a:t>template.</a:t>
+            </a:r>
+            <a:endParaRPr lang="en-US" dirty="0"/>
           </a:p>
           <a:p>
             <a:pPr lvl="1"/>
@@ -30216,6 +29248,36 @@
           </a:p>
         </p:txBody>
       </p:sp>
+      <p:pic>
+        <p:nvPicPr>
+          <p:cNvPr id="4" name="Picture 3">
+            <a:extLst>
+              <a:ext uri="{FF2B5EF4-FFF2-40B4-BE49-F238E27FC236}">
+                <a16:creationId xmlns:a16="http://schemas.microsoft.com/office/drawing/2014/main" id="{A9E5F16C-3CA5-4465-A7E4-25B87F19801D}"/>
+              </a:ext>
+            </a:extLst>
+          </p:cNvPr>
+          <p:cNvPicPr>
+            <a:picLocks noChangeAspect="1"/>
+          </p:cNvPicPr>
+          <p:nvPr/>
+        </p:nvPicPr>
+        <p:blipFill>
+          <a:blip r:embed="rId2"/>
+          <a:stretch>
+            <a:fillRect/>
+          </a:stretch>
+        </p:blipFill>
+        <p:spPr>
+          <a:xfrm>
+            <a:off x="4114800" y="4019550"/>
+            <a:ext cx="2000250" cy="723900"/>
+          </a:xfrm>
+          <a:prstGeom prst="rect">
+            <a:avLst/>
+          </a:prstGeom>
+        </p:spPr>
+      </p:pic>
     </p:spTree>
     <p:extLst>
       <p:ext uri="{BB962C8B-B14F-4D97-AF65-F5344CB8AC3E}">
@@ -30226,13 +29288,6 @@
   <p:clrMapOvr>
     <a:masterClrMapping/>
   </p:clrMapOvr>
-  <p:timing>
-    <p:tnLst>
-      <p:par>
-        <p:cTn id="1" dur="indefinite" restart="never" nodeType="tmRoot"/>
-      </p:par>
-    </p:tnLst>
-  </p:timing>
 </p:sld>
 </file>
 
@@ -30389,13 +29444,6 @@
   <p:clrMapOvr>
     <a:masterClrMapping/>
   </p:clrMapOvr>
-  <p:timing>
-    <p:tnLst>
-      <p:par>
-        <p:cTn id="1" dur="indefinite" restart="never" nodeType="tmRoot"/>
-      </p:par>
-    </p:tnLst>
-  </p:timing>
 </p:sld>
 </file>
 
@@ -30469,102 +29517,102 @@
           <a:p>
             <a:pPr lvl="1"/>
             <a:r>
-              <a:rPr lang="en-US" dirty="0"/>
+              <a:rPr lang="en-US" sz="1700" dirty="0"/>
               <a:t>Use the </a:t>
             </a:r>
             <a:r>
-              <a:rPr lang="en-US" dirty="0" err="1"/>
+              <a:rPr lang="en-US" sz="1700" dirty="0" err="1"/>
               <a:t>setValue</a:t>
             </a:r>
             <a:r>
-              <a:rPr lang="en-US" dirty="0"/>
-              <a:t>() method to set a new value for an individual control. The </a:t>
-            </a:r>
-            <a:r>
-              <a:rPr lang="en-US" dirty="0" err="1"/>
+              <a:rPr lang="en-US" sz="1700" dirty="0"/>
+              <a:t>() method to set a new value for an individual control.</a:t>
+            </a:r>
+            <a:endParaRPr lang="vi-VN" sz="1700" dirty="0"/>
+          </a:p>
+          <a:p>
+            <a:pPr marL="1047750" lvl="2" indent="0">
+              <a:buNone/>
+            </a:pPr>
+            <a:r>
+              <a:rPr lang="vi-VN" dirty="0">
+                <a:solidFill>
+                  <a:srgbClr val="0000FF"/>
+                </a:solidFill>
+                <a:latin typeface="Droid Sans Mono"/>
+              </a:rPr>
+              <a:t>	</a:t>
+            </a:r>
+            <a:r>
+              <a:rPr lang="en-US" dirty="0" err="1">
+                <a:solidFill>
+                  <a:srgbClr val="0000FF"/>
+                </a:solidFill>
+                <a:latin typeface="Droid Sans Mono"/>
+              </a:rPr>
+              <a:t>this</a:t>
+            </a:r>
+            <a:r>
+              <a:rPr lang="en-US" dirty="0" err="1">
+                <a:solidFill>
+                  <a:srgbClr val="666600"/>
+                </a:solidFill>
+                <a:latin typeface="Droid Sans Mono"/>
+              </a:rPr>
+              <a:t>.</a:t>
+            </a:r>
+            <a:r>
+              <a:rPr lang="en-US" dirty="0" err="1">
+                <a:solidFill>
+                  <a:srgbClr val="000000"/>
+                </a:solidFill>
+                <a:latin typeface="Droid Sans Mono"/>
+              </a:rPr>
+              <a:t>name</a:t>
+            </a:r>
+            <a:r>
+              <a:rPr lang="en-US" dirty="0" err="1">
+                <a:solidFill>
+                  <a:srgbClr val="666600"/>
+                </a:solidFill>
+                <a:latin typeface="Droid Sans Mono"/>
+              </a:rPr>
+              <a:t>.</a:t>
+            </a:r>
+            <a:r>
+              <a:rPr lang="en-US" dirty="0" err="1">
+                <a:solidFill>
+                  <a:srgbClr val="000000"/>
+                </a:solidFill>
+                <a:latin typeface="Droid Sans Mono"/>
+              </a:rPr>
               <a:t>setValue</a:t>
             </a:r>
             <a:r>
-              <a:rPr lang="en-US" dirty="0"/>
-              <a:t>() method strictly adheres to the structure of the form group and replaces the entire value for the control.</a:t>
-            </a:r>
-          </a:p>
-          <a:p>
-            <a:pPr lvl="2">
-              <a:buClr>
-                <a:srgbClr val="000000"/>
-              </a:buClr>
-            </a:pPr>
-            <a:r>
-              <a:rPr lang="en-US" dirty="0" err="1">
-                <a:solidFill>
-                  <a:srgbClr val="0000FF"/>
-                </a:solidFill>
-                <a:latin typeface="Droid Sans Mono"/>
-              </a:rPr>
-              <a:t>this</a:t>
-            </a:r>
-            <a:r>
-              <a:rPr lang="en-US" dirty="0" err="1">
+              <a:rPr lang="en-US" dirty="0">
                 <a:solidFill>
                   <a:srgbClr val="666600"/>
                 </a:solidFill>
                 <a:latin typeface="Droid Sans Mono"/>
               </a:rPr>
-              <a:t>.</a:t>
-            </a:r>
-            <a:r>
-              <a:rPr lang="en-US" dirty="0" err="1">
-                <a:solidFill>
-                  <a:srgbClr val="000000"/>
-                </a:solidFill>
-                <a:latin typeface="Droid Sans Mono"/>
-              </a:rPr>
-              <a:t>name</a:t>
-            </a:r>
-            <a:r>
-              <a:rPr lang="en-US" dirty="0" err="1">
+              <a:t>(</a:t>
+            </a:r>
+            <a:r>
+              <a:rPr lang="en-US" dirty="0">
+                <a:solidFill>
+                  <a:srgbClr val="880000"/>
+                </a:solidFill>
+                <a:latin typeface="Droid Sans Mono"/>
+              </a:rPr>
+              <a:t>'Nancy'</a:t>
+            </a:r>
+            <a:r>
+              <a:rPr lang="en-US" dirty="0">
                 <a:solidFill>
                   <a:srgbClr val="666600"/>
                 </a:solidFill>
                 <a:latin typeface="Droid Sans Mono"/>
               </a:rPr>
-              <a:t>.</a:t>
-            </a:r>
-            <a:r>
-              <a:rPr lang="en-US" dirty="0" err="1">
-                <a:solidFill>
-                  <a:srgbClr val="000000"/>
-                </a:solidFill>
-                <a:latin typeface="Droid Sans Mono"/>
-              </a:rPr>
-              <a:t>setValue</a:t>
-            </a:r>
-            <a:r>
-              <a:rPr lang="en-US" dirty="0">
-                <a:solidFill>
-                  <a:srgbClr val="666600"/>
-                </a:solidFill>
-                <a:latin typeface="Droid Sans Mono"/>
-              </a:rPr>
-              <a:t>(</a:t>
-            </a:r>
-            <a:r>
-              <a:rPr lang="en-US" dirty="0">
-                <a:solidFill>
-                  <a:srgbClr val="880000"/>
-                </a:solidFill>
-                <a:latin typeface="Droid Sans Mono"/>
-              </a:rPr>
-              <a:t>'Nancy'</a:t>
-            </a:r>
-            <a:r>
-              <a:rPr lang="en-US" dirty="0">
-                <a:solidFill>
-                  <a:srgbClr val="666600"/>
-                </a:solidFill>
-                <a:latin typeface="Droid Sans Mono"/>
-              </a:rPr>
               <a:t>);</a:t>
             </a:r>
             <a:endParaRPr lang="en-US" dirty="0"/>
@@ -30572,17 +29620,30 @@
           <a:p>
             <a:pPr lvl="1"/>
             <a:r>
-              <a:rPr lang="en-US" dirty="0"/>
+              <a:rPr lang="en-US" sz="1700" dirty="0"/>
               <a:t>Use the </a:t>
             </a:r>
             <a:r>
-              <a:rPr lang="en-US" dirty="0" err="1"/>
+              <a:rPr lang="en-US" sz="1700" dirty="0" err="1"/>
               <a:t>patchValue</a:t>
             </a:r>
             <a:r>
-              <a:rPr lang="en-US" dirty="0"/>
+              <a:rPr lang="en-US" sz="1700" dirty="0"/>
               <a:t>() method to replace any properties defined in the object that have changed in the form model.</a:t>
             </a:r>
+            <a:endParaRPr lang="vi-VN" sz="1700" dirty="0"/>
+          </a:p>
+          <a:p>
+            <a:pPr lvl="2"/>
+            <a:endParaRPr lang="vi-VN" dirty="0"/>
+          </a:p>
+          <a:p>
+            <a:pPr lvl="2"/>
+            <a:endParaRPr lang="vi-VN" dirty="0"/>
+          </a:p>
+          <a:p>
+            <a:pPr lvl="2"/>
+            <a:endParaRPr lang="en-US" dirty="0"/>
           </a:p>
           <a:p>
             <a:r>
@@ -30601,37 +29662,37 @@
           <a:p>
             <a:pPr lvl="1"/>
             <a:r>
-              <a:rPr lang="en-US" dirty="0"/>
+              <a:rPr lang="en-US" sz="1700" dirty="0"/>
               <a:t>Import the </a:t>
             </a:r>
             <a:r>
-              <a:rPr lang="en-US" dirty="0" err="1"/>
+              <a:rPr lang="en-US" sz="1700" dirty="0" err="1"/>
               <a:t>FormBuilder</a:t>
             </a:r>
             <a:r>
-              <a:rPr lang="en-US" dirty="0"/>
+              <a:rPr lang="en-US" sz="1700" dirty="0"/>
               <a:t> class.</a:t>
             </a:r>
           </a:p>
           <a:p>
             <a:pPr lvl="1"/>
             <a:r>
-              <a:rPr lang="en-US" dirty="0"/>
+              <a:rPr lang="en-US" sz="1700" dirty="0"/>
               <a:t>Inject the </a:t>
             </a:r>
             <a:r>
-              <a:rPr lang="en-US" dirty="0" err="1"/>
+              <a:rPr lang="en-US" sz="1700" dirty="0" err="1"/>
               <a:t>FormBuilder</a:t>
             </a:r>
             <a:r>
-              <a:rPr lang="en-US" dirty="0"/>
+              <a:rPr lang="en-US" sz="1700" dirty="0"/>
               <a:t> service.</a:t>
             </a:r>
           </a:p>
           <a:p>
             <a:pPr lvl="1"/>
             <a:r>
-              <a:rPr lang="en-US" dirty="0"/>
+              <a:rPr lang="en-US" sz="1700" dirty="0"/>
               <a:t>Generate the form contents.</a:t>
             </a:r>
           </a:p>
@@ -30640,6 +29701,36 @@
           </a:p>
         </p:txBody>
       </p:sp>
+      <p:pic>
+        <p:nvPicPr>
+          <p:cNvPr id="4" name="Picture 3">
+            <a:extLst>
+              <a:ext uri="{FF2B5EF4-FFF2-40B4-BE49-F238E27FC236}">
+                <a16:creationId xmlns:a16="http://schemas.microsoft.com/office/drawing/2014/main" id="{26C8670E-3A34-4870-8B31-F13A8696B071}"/>
+              </a:ext>
+            </a:extLst>
+          </p:cNvPr>
+          <p:cNvPicPr>
+            <a:picLocks noChangeAspect="1"/>
+          </p:cNvPicPr>
+          <p:nvPr/>
+        </p:nvPicPr>
+        <p:blipFill>
+          <a:blip r:embed="rId2"/>
+          <a:stretch>
+            <a:fillRect/>
+          </a:stretch>
+        </p:blipFill>
+        <p:spPr>
+          <a:xfrm>
+            <a:off x="6096000" y="2724150"/>
+            <a:ext cx="1776412" cy="966477"/>
+          </a:xfrm>
+          <a:prstGeom prst="rect">
+            <a:avLst/>
+          </a:prstGeom>
+        </p:spPr>
+      </p:pic>
     </p:spTree>
     <p:extLst>
       <p:ext uri="{BB962C8B-B14F-4D97-AF65-F5344CB8AC3E}">
@@ -30650,13 +29741,6 @@
   <p:clrMapOvr>
     <a:masterClrMapping/>
   </p:clrMapOvr>
-  <p:timing>
-    <p:tnLst>
-      <p:par>
-        <p:cTn id="1" dur="indefinite" restart="never" nodeType="tmRoot"/>
-      </p:par>
-    </p:tnLst>
-  </p:timing>
 </p:sld>
 </file>
 
@@ -30810,13 +29894,6 @@
   <p:clrMapOvr>
     <a:masterClrMapping/>
   </p:clrMapOvr>
-  <p:timing>
-    <p:tnLst>
-      <p:par>
-        <p:cTn id="1" dur="indefinite" restart="never" nodeType="tmRoot"/>
-      </p:par>
-    </p:tnLst>
-  </p:timing>
 </p:sld>
 </file>
 
@@ -30886,77 +29963,493 @@
               <a:rPr lang="en-US" dirty="0"/>
               <a:t>Validating form input</a:t>
             </a:r>
+            <a:endParaRPr lang="vi-VN" dirty="0"/>
           </a:p>
           <a:p>
             <a:pPr lvl="1"/>
             <a:r>
-              <a:rPr lang="en-US" dirty="0"/>
-              <a:t>Import a validator function in your form component.</a:t>
+              <a:rPr lang="en-US" sz="1700" dirty="0"/>
+              <a:t>Built-in validator functions</a:t>
+            </a:r>
+          </a:p>
+          <a:p>
+            <a:pPr marL="1047750" lvl="2" indent="0">
+              <a:buNone/>
+            </a:pPr>
+            <a:r>
+              <a:rPr lang="en-US" sz="1100" dirty="0">
+                <a:solidFill>
+                  <a:srgbClr val="880000"/>
+                </a:solidFill>
+                <a:latin typeface="Droid Sans Mono"/>
+              </a:rPr>
+              <a:t>'power'</a:t>
+            </a:r>
+            <a:r>
+              <a:rPr lang="en-US" sz="1100" dirty="0">
+                <a:solidFill>
+                  <a:srgbClr val="666600"/>
+                </a:solidFill>
+                <a:latin typeface="Droid Sans Mono"/>
+              </a:rPr>
+              <a:t>:</a:t>
+            </a:r>
+            <a:r>
+              <a:rPr lang="en-US" sz="1100" dirty="0">
+                <a:solidFill>
+                  <a:srgbClr val="000000"/>
+                </a:solidFill>
+                <a:latin typeface="Droid Sans Mono"/>
+              </a:rPr>
+              <a:t> </a:t>
+            </a:r>
+            <a:r>
+              <a:rPr lang="en-US" sz="1100" dirty="0">
+                <a:solidFill>
+                  <a:srgbClr val="0000FF"/>
+                </a:solidFill>
+                <a:latin typeface="Droid Sans Mono"/>
+              </a:rPr>
+              <a:t>new</a:t>
+            </a:r>
+            <a:r>
+              <a:rPr lang="en-US" sz="1100" dirty="0">
+                <a:solidFill>
+                  <a:srgbClr val="000000"/>
+                </a:solidFill>
+                <a:latin typeface="Droid Sans Mono"/>
+              </a:rPr>
+              <a:t> </a:t>
+            </a:r>
+            <a:r>
+              <a:rPr lang="en-US" sz="1100" dirty="0" err="1">
+                <a:solidFill>
+                  <a:srgbClr val="FF0000"/>
+                </a:solidFill>
+                <a:latin typeface="Droid Sans Mono"/>
+                <a:hlinkClick r:id="rId2"/>
+              </a:rPr>
+              <a:t>FormControl</a:t>
+            </a:r>
+            <a:r>
+              <a:rPr lang="en-US" sz="1100" dirty="0">
+                <a:solidFill>
+                  <a:srgbClr val="666600"/>
+                </a:solidFill>
+                <a:latin typeface="Droid Sans Mono"/>
+              </a:rPr>
+              <a:t>(</a:t>
+            </a:r>
+            <a:r>
+              <a:rPr lang="en-US" sz="1100" dirty="0" err="1">
+                <a:solidFill>
+                  <a:srgbClr val="0000FF"/>
+                </a:solidFill>
+                <a:latin typeface="Droid Sans Mono"/>
+              </a:rPr>
+              <a:t>this</a:t>
+            </a:r>
+            <a:r>
+              <a:rPr lang="en-US" sz="1100" dirty="0" err="1">
+                <a:solidFill>
+                  <a:srgbClr val="666600"/>
+                </a:solidFill>
+                <a:latin typeface="Droid Sans Mono"/>
+              </a:rPr>
+              <a:t>.</a:t>
+            </a:r>
+            <a:r>
+              <a:rPr lang="en-US" sz="1100" dirty="0" err="1">
+                <a:solidFill>
+                  <a:srgbClr val="000000"/>
+                </a:solidFill>
+                <a:latin typeface="Droid Sans Mono"/>
+              </a:rPr>
+              <a:t>hero</a:t>
+            </a:r>
+            <a:r>
+              <a:rPr lang="en-US" sz="1100" dirty="0" err="1">
+                <a:solidFill>
+                  <a:srgbClr val="666600"/>
+                </a:solidFill>
+                <a:latin typeface="Droid Sans Mono"/>
+              </a:rPr>
+              <a:t>.</a:t>
+            </a:r>
+            <a:r>
+              <a:rPr lang="en-US" sz="1100" dirty="0" err="1">
+                <a:solidFill>
+                  <a:srgbClr val="000000"/>
+                </a:solidFill>
+                <a:latin typeface="Droid Sans Mono"/>
+              </a:rPr>
+              <a:t>power</a:t>
+            </a:r>
+            <a:r>
+              <a:rPr lang="en-US" sz="1100" dirty="0">
+                <a:solidFill>
+                  <a:srgbClr val="666600"/>
+                </a:solidFill>
+                <a:latin typeface="Droid Sans Mono"/>
+              </a:rPr>
+              <a:t>,</a:t>
+            </a:r>
+            <a:r>
+              <a:rPr lang="en-US" sz="1100" dirty="0">
+                <a:solidFill>
+                  <a:srgbClr val="000000"/>
+                </a:solidFill>
+                <a:latin typeface="Droid Sans Mono"/>
+              </a:rPr>
+              <a:t> </a:t>
+            </a:r>
+            <a:r>
+              <a:rPr lang="en-US" sz="1100" dirty="0" err="1">
+                <a:solidFill>
+                  <a:srgbClr val="FF0000"/>
+                </a:solidFill>
+                <a:latin typeface="Droid Sans Mono"/>
+              </a:rPr>
+              <a:t>Validators</a:t>
+            </a:r>
+            <a:r>
+              <a:rPr lang="en-US" sz="1100" dirty="0" err="1">
+                <a:solidFill>
+                  <a:srgbClr val="666600"/>
+                </a:solidFill>
+                <a:latin typeface="Droid Sans Mono"/>
+              </a:rPr>
+              <a:t>.</a:t>
+            </a:r>
+            <a:r>
+              <a:rPr lang="en-US" sz="1100" dirty="0" err="1">
+                <a:solidFill>
+                  <a:srgbClr val="000000"/>
+                </a:solidFill>
+                <a:latin typeface="Droid Sans Mono"/>
+              </a:rPr>
+              <a:t>required</a:t>
+            </a:r>
+            <a:r>
+              <a:rPr lang="en-US" sz="1100" dirty="0">
+                <a:solidFill>
+                  <a:srgbClr val="666600"/>
+                </a:solidFill>
+                <a:latin typeface="Droid Sans Mono"/>
+              </a:rPr>
+              <a:t>)</a:t>
             </a:r>
           </a:p>
           <a:p>
             <a:pPr lvl="1"/>
             <a:r>
-              <a:rPr lang="en-US" dirty="0"/>
-              <a:t>Add the validator to the field in the form.</a:t>
-            </a:r>
+              <a:rPr lang="en-US" sz="1700" dirty="0"/>
+              <a:t>Custom validators</a:t>
+            </a:r>
+            <a:endParaRPr lang="vi-VN" sz="1700" dirty="0"/>
+          </a:p>
+          <a:p>
+            <a:pPr lvl="2"/>
+            <a:r>
+              <a:rPr lang="en-US" sz="1400" dirty="0"/>
+              <a:t>Defining custom validators</a:t>
+            </a:r>
+            <a:endParaRPr lang="vi-VN" sz="1400" dirty="0"/>
+          </a:p>
+          <a:p>
+            <a:pPr lvl="2"/>
+            <a:endParaRPr lang="vi-VN" sz="1400" dirty="0"/>
+          </a:p>
+          <a:p>
+            <a:pPr lvl="2"/>
+            <a:endParaRPr lang="vi-VN" sz="1400" dirty="0"/>
+          </a:p>
+          <a:p>
+            <a:pPr lvl="2"/>
+            <a:endParaRPr lang="vi-VN" sz="1400" dirty="0"/>
+          </a:p>
+          <a:p>
+            <a:pPr lvl="2"/>
+            <a:r>
+              <a:rPr lang="en-US" sz="1400" dirty="0"/>
+              <a:t>Adding custom validators</a:t>
+            </a:r>
+          </a:p>
+          <a:p>
+            <a:pPr marL="1047750" lvl="2" indent="0">
+              <a:buNone/>
+            </a:pPr>
+            <a:r>
+              <a:rPr lang="en-US" sz="900" b="0" i="0" dirty="0">
+                <a:solidFill>
+                  <a:srgbClr val="000000"/>
+                </a:solidFill>
+                <a:effectLst/>
+                <a:latin typeface="Droid Sans Mono"/>
+              </a:rPr>
+              <a:t>name</a:t>
+            </a:r>
+            <a:r>
+              <a:rPr lang="en-US" sz="900" b="0" i="0" dirty="0">
+                <a:solidFill>
+                  <a:srgbClr val="666600"/>
+                </a:solidFill>
+                <a:effectLst/>
+                <a:latin typeface="Droid Sans Mono"/>
+              </a:rPr>
+              <a:t>:</a:t>
+            </a:r>
+            <a:r>
+              <a:rPr lang="en-US" sz="900" b="0" i="0" dirty="0">
+                <a:solidFill>
+                  <a:srgbClr val="000000"/>
+                </a:solidFill>
+                <a:effectLst/>
+                <a:latin typeface="Droid Sans Mono"/>
+              </a:rPr>
+              <a:t> </a:t>
+            </a:r>
+            <a:r>
+              <a:rPr lang="en-US" sz="900" b="0" i="0" dirty="0">
+                <a:solidFill>
+                  <a:srgbClr val="0000FF"/>
+                </a:solidFill>
+                <a:effectLst/>
+                <a:latin typeface="Droid Sans Mono"/>
+              </a:rPr>
+              <a:t>new</a:t>
+            </a:r>
+            <a:r>
+              <a:rPr lang="en-US" sz="900" b="0" i="0" dirty="0">
+                <a:solidFill>
+                  <a:srgbClr val="000000"/>
+                </a:solidFill>
+                <a:effectLst/>
+                <a:latin typeface="Droid Sans Mono"/>
+              </a:rPr>
+              <a:t> </a:t>
+            </a:r>
+            <a:r>
+              <a:rPr lang="en-US" sz="900" b="0" i="0" u="none" strike="noStrike" dirty="0" err="1">
+                <a:solidFill>
+                  <a:srgbClr val="FF0000"/>
+                </a:solidFill>
+                <a:effectLst/>
+                <a:latin typeface="Droid Sans Mono"/>
+                <a:hlinkClick r:id="rId2"/>
+              </a:rPr>
+              <a:t>FormControl</a:t>
+            </a:r>
+            <a:r>
+              <a:rPr lang="en-US" sz="900" b="0" i="0" dirty="0">
+                <a:solidFill>
+                  <a:srgbClr val="666600"/>
+                </a:solidFill>
+                <a:effectLst/>
+                <a:latin typeface="Droid Sans Mono"/>
+              </a:rPr>
+              <a:t>(</a:t>
+            </a:r>
+            <a:endParaRPr lang="vi-VN" sz="900" b="0" i="0" dirty="0">
+              <a:solidFill>
+                <a:srgbClr val="666600"/>
+              </a:solidFill>
+              <a:effectLst/>
+              <a:latin typeface="Droid Sans Mono"/>
+            </a:endParaRPr>
+          </a:p>
+          <a:p>
+            <a:pPr marL="1047750" lvl="2" indent="0">
+              <a:buNone/>
+            </a:pPr>
+            <a:r>
+              <a:rPr lang="en-US" sz="900" b="0" i="0" dirty="0">
+                <a:solidFill>
+                  <a:srgbClr val="0000FF"/>
+                </a:solidFill>
+                <a:effectLst/>
+                <a:latin typeface="Droid Sans Mono"/>
+              </a:rPr>
+              <a:t>this</a:t>
+            </a:r>
+            <a:r>
+              <a:rPr lang="en-US" sz="900" b="0" i="0" dirty="0">
+                <a:solidFill>
+                  <a:srgbClr val="666600"/>
+                </a:solidFill>
+                <a:effectLst/>
+                <a:latin typeface="Droid Sans Mono"/>
+              </a:rPr>
+              <a:t>.</a:t>
+            </a:r>
+            <a:r>
+              <a:rPr lang="en-US" sz="900" b="0" i="0" dirty="0">
+                <a:solidFill>
+                  <a:srgbClr val="000000"/>
+                </a:solidFill>
+                <a:effectLst/>
+                <a:latin typeface="Droid Sans Mono"/>
+              </a:rPr>
+              <a:t>hero</a:t>
+            </a:r>
+            <a:r>
+              <a:rPr lang="en-US" sz="900" b="0" i="0" dirty="0">
+                <a:solidFill>
+                  <a:srgbClr val="666600"/>
+                </a:solidFill>
+                <a:effectLst/>
+                <a:latin typeface="Droid Sans Mono"/>
+              </a:rPr>
+              <a:t>.</a:t>
+            </a:r>
+            <a:r>
+              <a:rPr lang="en-US" sz="900" b="0" i="0" dirty="0">
+                <a:solidFill>
+                  <a:srgbClr val="000000"/>
+                </a:solidFill>
+                <a:effectLst/>
+                <a:latin typeface="Droid Sans Mono"/>
+              </a:rPr>
+              <a:t>name</a:t>
+            </a:r>
+            <a:r>
+              <a:rPr lang="en-US" sz="900" b="0" i="0" dirty="0">
+                <a:solidFill>
+                  <a:srgbClr val="666600"/>
+                </a:solidFill>
+                <a:effectLst/>
+                <a:latin typeface="Droid Sans Mono"/>
+              </a:rPr>
+              <a:t>,</a:t>
+            </a:r>
+            <a:r>
+              <a:rPr lang="en-US" sz="900" b="0" i="0" dirty="0">
+                <a:solidFill>
+                  <a:srgbClr val="000000"/>
+                </a:solidFill>
+                <a:effectLst/>
+                <a:latin typeface="Droid Sans Mono"/>
+              </a:rPr>
+              <a:t> </a:t>
+            </a:r>
+            <a:r>
+              <a:rPr lang="en-US" sz="900" b="0" i="0" dirty="0">
+                <a:solidFill>
+                  <a:srgbClr val="666600"/>
+                </a:solidFill>
+                <a:effectLst/>
+                <a:latin typeface="Droid Sans Mono"/>
+              </a:rPr>
+              <a:t>[</a:t>
+            </a:r>
+            <a:r>
+              <a:rPr lang="en-US" sz="900" b="0" i="0" dirty="0" err="1">
+                <a:solidFill>
+                  <a:srgbClr val="000000"/>
+                </a:solidFill>
+                <a:effectLst/>
+                <a:latin typeface="Droid Sans Mono"/>
+              </a:rPr>
+              <a:t>forbiddenNameValidator</a:t>
+            </a:r>
+            <a:r>
+              <a:rPr lang="en-US" sz="900" b="0" i="0" dirty="0">
+                <a:solidFill>
+                  <a:srgbClr val="666600"/>
+                </a:solidFill>
+                <a:effectLst/>
+                <a:latin typeface="Droid Sans Mono"/>
+              </a:rPr>
+              <a:t>(</a:t>
+            </a:r>
+            <a:r>
+              <a:rPr lang="en-US" sz="900" b="0" i="0" dirty="0">
+                <a:solidFill>
+                  <a:srgbClr val="880000"/>
+                </a:solidFill>
+                <a:effectLst/>
+                <a:latin typeface="Droid Sans Mono"/>
+              </a:rPr>
+              <a:t>/bob/</a:t>
+            </a:r>
+            <a:r>
+              <a:rPr lang="en-US" sz="900" b="0" i="0" dirty="0" err="1">
+                <a:solidFill>
+                  <a:srgbClr val="000000"/>
+                </a:solidFill>
+                <a:effectLst/>
+                <a:latin typeface="Droid Sans Mono"/>
+              </a:rPr>
+              <a:t>i</a:t>
+            </a:r>
+            <a:r>
+              <a:rPr lang="en-US" sz="900" b="0" i="0" dirty="0">
+                <a:solidFill>
+                  <a:srgbClr val="666600"/>
+                </a:solidFill>
+                <a:effectLst/>
+                <a:latin typeface="Droid Sans Mono"/>
+              </a:rPr>
+              <a:t>)</a:t>
+            </a:r>
+            <a:r>
+              <a:rPr lang="vi-VN" sz="900" dirty="0">
+                <a:solidFill>
+                  <a:srgbClr val="666600"/>
+                </a:solidFill>
+                <a:latin typeface="Droid Sans Mono"/>
+              </a:rPr>
+              <a:t>])</a:t>
+            </a:r>
+            <a:endParaRPr lang="en-US" sz="900" dirty="0"/>
           </a:p>
           <a:p>
             <a:pPr lvl="1"/>
             <a:r>
-              <a:rPr lang="en-US" dirty="0"/>
-              <a:t>Add logic to handle the validation status.</a:t>
-            </a:r>
-          </a:p>
-          <a:p>
-            <a:r>
-              <a:rPr lang="en-US" dirty="0"/>
-              <a:t>Display form status</a:t>
-            </a:r>
-          </a:p>
-          <a:p>
-            <a:pPr lvl="1"/>
-            <a:r>
-              <a:rPr lang="en-US" dirty="0">
-                <a:solidFill>
-                  <a:srgbClr val="000000"/>
-                </a:solidFill>
-                <a:latin typeface="Droid Sans Mono"/>
-                <a:hlinkClick r:id="rId2"/>
-              </a:rPr>
-              <a:t>Form</a:t>
-            </a:r>
-            <a:r>
-              <a:rPr lang="en-US" dirty="0">
-                <a:solidFill>
-                  <a:srgbClr val="000000"/>
-                </a:solidFill>
-                <a:latin typeface="Droid Sans Mono"/>
-              </a:rPr>
-              <a:t> Status: {{ </a:t>
-            </a:r>
-            <a:r>
-              <a:rPr lang="en-US" dirty="0" err="1">
-                <a:solidFill>
-                  <a:srgbClr val="000000"/>
-                </a:solidFill>
-                <a:latin typeface="Droid Sans Mono"/>
-              </a:rPr>
+              <a:rPr lang="en-US" sz="1700" dirty="0"/>
+              <a:t>Form Status: {{ </a:t>
+            </a:r>
+            <a:r>
+              <a:rPr lang="en-US" sz="1700" dirty="0" err="1"/>
               <a:t>profileForm.status</a:t>
             </a:r>
             <a:r>
-              <a:rPr lang="en-US" dirty="0">
-                <a:solidFill>
-                  <a:srgbClr val="000000"/>
-                </a:solidFill>
-                <a:latin typeface="Droid Sans Mono"/>
-              </a:rPr>
+              <a:rPr lang="en-US" sz="1700" dirty="0"/>
               <a:t> }}</a:t>
             </a:r>
-            <a:endParaRPr lang="en-US" dirty="0"/>
           </a:p>
         </p:txBody>
       </p:sp>
+      <p:pic>
+        <p:nvPicPr>
+          <p:cNvPr id="4" name="Picture 3">
+            <a:extLst>
+              <a:ext uri="{FF2B5EF4-FFF2-40B4-BE49-F238E27FC236}">
+                <a16:creationId xmlns:a16="http://schemas.microsoft.com/office/drawing/2014/main" id="{43FAF1CF-0BAA-44AA-9B8B-1A7E3A4A5BA6}"/>
+              </a:ext>
+            </a:extLst>
+          </p:cNvPr>
+          <p:cNvPicPr>
+            <a:picLocks noChangeAspect="1"/>
+          </p:cNvPicPr>
+          <p:nvPr/>
+        </p:nvPicPr>
+        <p:blipFill>
+          <a:blip r:embed="rId3"/>
+          <a:stretch>
+            <a:fillRect/>
+          </a:stretch>
+        </p:blipFill>
+        <p:spPr>
+          <a:xfrm>
+            <a:off x="4191000" y="2571750"/>
+            <a:ext cx="3317811" cy="1004887"/>
+          </a:xfrm>
+          <a:prstGeom prst="rect">
+            <a:avLst/>
+          </a:prstGeom>
+        </p:spPr>
+      </p:pic>
     </p:spTree>
     <p:extLst>
       <p:ext uri="{BB962C8B-B14F-4D97-AF65-F5344CB8AC3E}">
@@ -30967,13 +30460,6 @@
   <p:clrMapOvr>
     <a:masterClrMapping/>
   </p:clrMapOvr>
-  <p:timing>
-    <p:tnLst>
-      <p:par>
-        <p:cTn id="1" dur="indefinite" restart="never" nodeType="tmRoot"/>
-      </p:par>
-    </p:tnLst>
-  </p:timing>
 </p:sld>
 </file>
 
@@ -31061,7 +30547,7 @@
         </p:blipFill>
         <p:spPr bwMode="auto">
           <a:xfrm>
-            <a:off x="3048000" y="2266950"/>
+            <a:off x="2971800" y="2117372"/>
             <a:ext cx="4764745" cy="2759671"/>
           </a:xfrm>
           <a:prstGeom prst="rect">
@@ -31089,13 +30575,6 @@
   <p:clrMapOvr>
     <a:masterClrMapping/>
   </p:clrMapOvr>
-  <p:timing>
-    <p:tnLst>
-      <p:par>
-        <p:cTn id="1" dur="indefinite" restart="never" nodeType="tmRoot"/>
-      </p:par>
-    </p:tnLst>
-  </p:timing>
 </p:sld>
 </file>
 
@@ -31208,13 +30687,6 @@
   <p:clrMapOvr>
     <a:masterClrMapping/>
   </p:clrMapOvr>
-  <p:timing>
-    <p:tnLst>
-      <p:par>
-        <p:cTn id="1" dur="indefinite" restart="never" nodeType="tmRoot"/>
-      </p:par>
-    </p:tnLst>
-  </p:timing>
 </p:sld>
 </file>
 
@@ -31346,7 +30818,7 @@
           <a:p>
             <a:r>
               <a:rPr lang="en-US" dirty="0"/>
-              <a:t>Track input validity and control status using </a:t>
+              <a:t>validity and control status using </a:t>
             </a:r>
             <a:r>
               <a:rPr lang="en-US" dirty="0" err="1"/>
@@ -31361,7 +30833,7 @@
             <a:pPr lvl="1"/>
             <a:r>
               <a:rPr lang="en-US" dirty="0"/>
-              <a:t>Add custom CSS to provide visual feedback on the status.</a:t>
+              <a:t>Track input Add custom CSS to provide visual feedback on the status.</a:t>
             </a:r>
           </a:p>
           <a:p>
@@ -31389,13 +30861,6 @@
   <p:clrMapOvr>
     <a:masterClrMapping/>
   </p:clrMapOvr>
-  <p:timing>
-    <p:tnLst>
-      <p:par>
-        <p:cTn id="1" dur="indefinite" restart="never" nodeType="tmRoot"/>
-      </p:par>
-    </p:tnLst>
-  </p:timing>
 </p:sld>
 </file>
 
@@ -31514,13 +30979,6 @@
   <p:clrMapOvr>
     <a:masterClrMapping/>
   </p:clrMapOvr>
-  <p:timing>
-    <p:tnLst>
-      <p:par>
-        <p:cTn id="1" dur="indefinite" restart="never" nodeType="tmRoot"/>
-      </p:par>
-    </p:tnLst>
-  </p:timing>
 </p:sld>
 </file>
 
@@ -31599,256 +31057,255 @@
               <a:t>Two-way data binding with </a:t>
             </a:r>
             <a:r>
-              <a:rPr lang="en-US" i="1" dirty="0" err="1"/>
+              <a:rPr lang="en-US" b="1" dirty="0" err="1"/>
               <a:t>ngModel</a:t>
             </a:r>
+            <a:endParaRPr lang="en-US" b="1" dirty="0"/>
+          </a:p>
+          <a:p>
+            <a:pPr lvl="1"/>
+            <a:r>
+              <a:rPr lang="en-US" sz="1400" dirty="0">
+                <a:solidFill>
+                  <a:srgbClr val="000088"/>
+                </a:solidFill>
+                <a:latin typeface="Droid Sans Mono"/>
+              </a:rPr>
+              <a:t>&lt;input</a:t>
+            </a:r>
+            <a:r>
+              <a:rPr lang="en-US" sz="1400" dirty="0">
+                <a:solidFill>
+                  <a:srgbClr val="000000"/>
+                </a:solidFill>
+                <a:latin typeface="Droid Sans Mono"/>
+              </a:rPr>
+              <a:t> </a:t>
+            </a:r>
+            <a:r>
+              <a:rPr lang="en-US" sz="1400" dirty="0">
+                <a:solidFill>
+                  <a:srgbClr val="660066"/>
+                </a:solidFill>
+                <a:latin typeface="Droid Sans Mono"/>
+              </a:rPr>
+              <a:t>type</a:t>
+            </a:r>
+            <a:r>
+              <a:rPr lang="en-US" sz="1400" dirty="0">
+                <a:solidFill>
+                  <a:srgbClr val="666600"/>
+                </a:solidFill>
+                <a:latin typeface="Droid Sans Mono"/>
+              </a:rPr>
+              <a:t>=</a:t>
+            </a:r>
+            <a:r>
+              <a:rPr lang="en-US" sz="1400" dirty="0">
+                <a:solidFill>
+                  <a:srgbClr val="880000"/>
+                </a:solidFill>
+                <a:latin typeface="Droid Sans Mono"/>
+              </a:rPr>
+              <a:t>"text"</a:t>
+            </a:r>
+            <a:r>
+              <a:rPr lang="en-US" sz="1400" dirty="0">
+                <a:solidFill>
+                  <a:srgbClr val="000000"/>
+                </a:solidFill>
+                <a:latin typeface="Droid Sans Mono"/>
+              </a:rPr>
+              <a:t> </a:t>
+            </a:r>
+            <a:r>
+              <a:rPr lang="en-US" sz="1400" dirty="0">
+                <a:solidFill>
+                  <a:srgbClr val="660066"/>
+                </a:solidFill>
+                <a:latin typeface="Droid Sans Mono"/>
+              </a:rPr>
+              <a:t>class</a:t>
+            </a:r>
+            <a:r>
+              <a:rPr lang="en-US" sz="1400" dirty="0">
+                <a:solidFill>
+                  <a:srgbClr val="666600"/>
+                </a:solidFill>
+                <a:latin typeface="Droid Sans Mono"/>
+              </a:rPr>
+              <a:t>=</a:t>
+            </a:r>
+            <a:r>
+              <a:rPr lang="en-US" sz="1400" dirty="0">
+                <a:solidFill>
+                  <a:srgbClr val="880000"/>
+                </a:solidFill>
+                <a:latin typeface="Droid Sans Mono"/>
+              </a:rPr>
+              <a:t>"form-control"</a:t>
+            </a:r>
+            <a:r>
+              <a:rPr lang="en-US" sz="1400" dirty="0">
+                <a:solidFill>
+                  <a:srgbClr val="000000"/>
+                </a:solidFill>
+                <a:latin typeface="Droid Sans Mono"/>
+              </a:rPr>
+              <a:t> </a:t>
+            </a:r>
+            <a:r>
+              <a:rPr lang="en-US" sz="1400" dirty="0">
+                <a:solidFill>
+                  <a:srgbClr val="660066"/>
+                </a:solidFill>
+                <a:latin typeface="Droid Sans Mono"/>
+              </a:rPr>
+              <a:t>id</a:t>
+            </a:r>
+            <a:r>
+              <a:rPr lang="en-US" sz="1400" dirty="0">
+                <a:solidFill>
+                  <a:srgbClr val="666600"/>
+                </a:solidFill>
+                <a:latin typeface="Droid Sans Mono"/>
+              </a:rPr>
+              <a:t>=</a:t>
+            </a:r>
+            <a:r>
+              <a:rPr lang="en-US" sz="1400" dirty="0">
+                <a:solidFill>
+                  <a:srgbClr val="880000"/>
+                </a:solidFill>
+                <a:latin typeface="Droid Sans Mono"/>
+              </a:rPr>
+              <a:t>"name"</a:t>
+            </a:r>
+            <a:r>
+              <a:rPr lang="en-US" sz="1400" dirty="0">
+                <a:solidFill>
+                  <a:srgbClr val="000000"/>
+                </a:solidFill>
+                <a:latin typeface="Droid Sans Mono"/>
+              </a:rPr>
+              <a:t> </a:t>
+            </a:r>
+            <a:r>
+              <a:rPr lang="en-US" sz="1400" dirty="0">
+                <a:solidFill>
+                  <a:srgbClr val="660066"/>
+                </a:solidFill>
+                <a:latin typeface="Droid Sans Mono"/>
+              </a:rPr>
+              <a:t>required</a:t>
+            </a:r>
+            <a:r>
+              <a:rPr lang="en-US" sz="1400" dirty="0">
+                <a:solidFill>
+                  <a:srgbClr val="000000"/>
+                </a:solidFill>
+                <a:latin typeface="Droid Sans Mono"/>
+              </a:rPr>
+              <a:t> [(</a:t>
+            </a:r>
+            <a:r>
+              <a:rPr lang="en-US" sz="1400" u="sng" dirty="0" err="1">
+                <a:solidFill>
+                  <a:srgbClr val="660066"/>
+                </a:solidFill>
+                <a:latin typeface="Droid Sans Mono"/>
+                <a:hlinkClick r:id="rId3"/>
+              </a:rPr>
+              <a:t>ngModel</a:t>
+            </a:r>
+            <a:r>
+              <a:rPr lang="en-US" sz="1400" dirty="0">
+                <a:solidFill>
+                  <a:srgbClr val="000000"/>
+                </a:solidFill>
+                <a:latin typeface="Droid Sans Mono"/>
+              </a:rPr>
+              <a:t>)]</a:t>
+            </a:r>
+            <a:r>
+              <a:rPr lang="en-US" sz="1400" dirty="0">
+                <a:solidFill>
+                  <a:srgbClr val="666600"/>
+                </a:solidFill>
+                <a:latin typeface="Droid Sans Mono"/>
+              </a:rPr>
+              <a:t>=</a:t>
+            </a:r>
+            <a:r>
+              <a:rPr lang="en-US" sz="1400" dirty="0">
+                <a:solidFill>
+                  <a:srgbClr val="880000"/>
+                </a:solidFill>
+                <a:latin typeface="Droid Sans Mono"/>
+              </a:rPr>
+              <a:t>"model.name"</a:t>
+            </a:r>
+            <a:r>
+              <a:rPr lang="en-US" sz="1400" dirty="0">
+                <a:solidFill>
+                  <a:srgbClr val="000000"/>
+                </a:solidFill>
+                <a:latin typeface="Droid Sans Mono"/>
+              </a:rPr>
+              <a:t> </a:t>
+            </a:r>
+            <a:r>
+              <a:rPr lang="en-US" sz="1400" dirty="0">
+                <a:solidFill>
+                  <a:srgbClr val="660066"/>
+                </a:solidFill>
+                <a:latin typeface="Droid Sans Mono"/>
+              </a:rPr>
+              <a:t>name</a:t>
+            </a:r>
+            <a:r>
+              <a:rPr lang="en-US" sz="1400" dirty="0">
+                <a:solidFill>
+                  <a:srgbClr val="666600"/>
+                </a:solidFill>
+                <a:latin typeface="Droid Sans Mono"/>
+              </a:rPr>
+              <a:t>=</a:t>
+            </a:r>
+            <a:r>
+              <a:rPr lang="en-US" sz="1400" dirty="0">
+                <a:solidFill>
+                  <a:srgbClr val="880000"/>
+                </a:solidFill>
+                <a:latin typeface="Droid Sans Mono"/>
+              </a:rPr>
+              <a:t>"name"</a:t>
+            </a:r>
+            <a:r>
+              <a:rPr lang="en-US" sz="1400" dirty="0">
+                <a:solidFill>
+                  <a:srgbClr val="000088"/>
+                </a:solidFill>
+                <a:latin typeface="Droid Sans Mono"/>
+              </a:rPr>
+              <a:t>&gt;</a:t>
+            </a:r>
+          </a:p>
+          <a:p>
+            <a:r>
+              <a:rPr lang="en-US" dirty="0"/>
+              <a:t>Track control state and validity with </a:t>
+            </a:r>
+            <a:r>
+              <a:rPr lang="en-US" dirty="0" err="1"/>
+              <a:t>ngModel</a:t>
+            </a:r>
             <a:endParaRPr lang="en-US" dirty="0"/>
           </a:p>
           <a:p>
-            <a:pPr lvl="1"/>
-            <a:r>
-              <a:rPr lang="en-US" sz="1400" dirty="0">
-                <a:solidFill>
-                  <a:srgbClr val="000088"/>
-                </a:solidFill>
-                <a:latin typeface="Droid Sans Mono"/>
-              </a:rPr>
-              <a:t>&lt;input</a:t>
-            </a:r>
-            <a:r>
-              <a:rPr lang="en-US" sz="1400" dirty="0">
-                <a:solidFill>
-                  <a:srgbClr val="000000"/>
-                </a:solidFill>
-                <a:latin typeface="Droid Sans Mono"/>
-              </a:rPr>
-              <a:t> </a:t>
-            </a:r>
-            <a:r>
-              <a:rPr lang="en-US" sz="1400" dirty="0">
-                <a:solidFill>
-                  <a:srgbClr val="660066"/>
-                </a:solidFill>
-                <a:latin typeface="Droid Sans Mono"/>
-              </a:rPr>
-              <a:t>type</a:t>
-            </a:r>
-            <a:r>
-              <a:rPr lang="en-US" sz="1400" dirty="0">
-                <a:solidFill>
-                  <a:srgbClr val="666600"/>
-                </a:solidFill>
-                <a:latin typeface="Droid Sans Mono"/>
-              </a:rPr>
-              <a:t>=</a:t>
-            </a:r>
-            <a:r>
-              <a:rPr lang="en-US" sz="1400" dirty="0">
-                <a:solidFill>
-                  <a:srgbClr val="880000"/>
-                </a:solidFill>
-                <a:latin typeface="Droid Sans Mono"/>
-              </a:rPr>
-              <a:t>"text"</a:t>
-            </a:r>
-            <a:r>
-              <a:rPr lang="en-US" sz="1400" dirty="0">
-                <a:solidFill>
-                  <a:srgbClr val="000000"/>
-                </a:solidFill>
-                <a:latin typeface="Droid Sans Mono"/>
-              </a:rPr>
-              <a:t> </a:t>
-            </a:r>
-            <a:r>
-              <a:rPr lang="en-US" sz="1400" dirty="0">
-                <a:solidFill>
-                  <a:srgbClr val="660066"/>
-                </a:solidFill>
-                <a:latin typeface="Droid Sans Mono"/>
-              </a:rPr>
-              <a:t>class</a:t>
-            </a:r>
-            <a:r>
-              <a:rPr lang="en-US" sz="1400" dirty="0">
-                <a:solidFill>
-                  <a:srgbClr val="666600"/>
-                </a:solidFill>
-                <a:latin typeface="Droid Sans Mono"/>
-              </a:rPr>
-              <a:t>=</a:t>
-            </a:r>
-            <a:r>
-              <a:rPr lang="en-US" sz="1400" dirty="0">
-                <a:solidFill>
-                  <a:srgbClr val="880000"/>
-                </a:solidFill>
-                <a:latin typeface="Droid Sans Mono"/>
-              </a:rPr>
-              <a:t>"form-control"</a:t>
-            </a:r>
-            <a:r>
-              <a:rPr lang="en-US" sz="1400" dirty="0">
-                <a:solidFill>
-                  <a:srgbClr val="000000"/>
-                </a:solidFill>
-                <a:latin typeface="Droid Sans Mono"/>
-              </a:rPr>
-              <a:t> </a:t>
-            </a:r>
-            <a:r>
-              <a:rPr lang="en-US" sz="1400" dirty="0">
-                <a:solidFill>
-                  <a:srgbClr val="660066"/>
-                </a:solidFill>
-                <a:latin typeface="Droid Sans Mono"/>
-              </a:rPr>
-              <a:t>id</a:t>
-            </a:r>
-            <a:r>
-              <a:rPr lang="en-US" sz="1400" dirty="0">
-                <a:solidFill>
-                  <a:srgbClr val="666600"/>
-                </a:solidFill>
-                <a:latin typeface="Droid Sans Mono"/>
-              </a:rPr>
-              <a:t>=</a:t>
-            </a:r>
-            <a:r>
-              <a:rPr lang="en-US" sz="1400" dirty="0">
-                <a:solidFill>
-                  <a:srgbClr val="880000"/>
-                </a:solidFill>
-                <a:latin typeface="Droid Sans Mono"/>
-              </a:rPr>
-              <a:t>"name"</a:t>
-            </a:r>
-            <a:r>
-              <a:rPr lang="en-US" sz="1400" dirty="0">
-                <a:solidFill>
-                  <a:srgbClr val="000000"/>
-                </a:solidFill>
-                <a:latin typeface="Droid Sans Mono"/>
-              </a:rPr>
-              <a:t> </a:t>
-            </a:r>
-            <a:r>
-              <a:rPr lang="en-US" sz="1400" dirty="0">
-                <a:solidFill>
-                  <a:srgbClr val="660066"/>
-                </a:solidFill>
-                <a:latin typeface="Droid Sans Mono"/>
-              </a:rPr>
-              <a:t>required</a:t>
-            </a:r>
-            <a:r>
-              <a:rPr lang="en-US" sz="1400" dirty="0">
-                <a:solidFill>
-                  <a:srgbClr val="000000"/>
-                </a:solidFill>
-                <a:latin typeface="Droid Sans Mono"/>
-              </a:rPr>
-              <a:t> [(</a:t>
-            </a:r>
-            <a:r>
-              <a:rPr lang="en-US" sz="1400" u="sng" dirty="0" err="1">
-                <a:solidFill>
-                  <a:srgbClr val="660066"/>
-                </a:solidFill>
-                <a:latin typeface="Droid Sans Mono"/>
-                <a:hlinkClick r:id="rId3"/>
-              </a:rPr>
-              <a:t>ngModel</a:t>
-            </a:r>
-            <a:r>
-              <a:rPr lang="en-US" sz="1400" dirty="0">
-                <a:solidFill>
-                  <a:srgbClr val="000000"/>
-                </a:solidFill>
-                <a:latin typeface="Droid Sans Mono"/>
-              </a:rPr>
-              <a:t>)]</a:t>
-            </a:r>
-            <a:r>
-              <a:rPr lang="en-US" sz="1400" dirty="0">
-                <a:solidFill>
-                  <a:srgbClr val="666600"/>
-                </a:solidFill>
-                <a:latin typeface="Droid Sans Mono"/>
-              </a:rPr>
-              <a:t>=</a:t>
-            </a:r>
-            <a:r>
-              <a:rPr lang="en-US" sz="1400" dirty="0">
-                <a:solidFill>
-                  <a:srgbClr val="880000"/>
-                </a:solidFill>
-                <a:latin typeface="Droid Sans Mono"/>
-              </a:rPr>
-              <a:t>"model.name"</a:t>
-            </a:r>
-            <a:r>
-              <a:rPr lang="en-US" sz="1400" dirty="0">
-                <a:solidFill>
-                  <a:srgbClr val="000000"/>
-                </a:solidFill>
-                <a:latin typeface="Droid Sans Mono"/>
-              </a:rPr>
-              <a:t> </a:t>
-            </a:r>
-            <a:r>
-              <a:rPr lang="en-US" sz="1400" dirty="0">
-                <a:solidFill>
-                  <a:srgbClr val="660066"/>
-                </a:solidFill>
-                <a:latin typeface="Droid Sans Mono"/>
-              </a:rPr>
-              <a:t>name</a:t>
-            </a:r>
-            <a:r>
-              <a:rPr lang="en-US" sz="1400" dirty="0">
-                <a:solidFill>
-                  <a:srgbClr val="666600"/>
-                </a:solidFill>
-                <a:latin typeface="Droid Sans Mono"/>
-              </a:rPr>
-              <a:t>=</a:t>
-            </a:r>
-            <a:r>
-              <a:rPr lang="en-US" sz="1400" dirty="0">
-                <a:solidFill>
-                  <a:srgbClr val="880000"/>
-                </a:solidFill>
-                <a:latin typeface="Droid Sans Mono"/>
-              </a:rPr>
-              <a:t>"name"</a:t>
-            </a:r>
-            <a:r>
-              <a:rPr lang="en-US" sz="1400" dirty="0">
-                <a:solidFill>
-                  <a:srgbClr val="000088"/>
-                </a:solidFill>
-                <a:latin typeface="Droid Sans Mono"/>
-              </a:rPr>
-              <a:t>&gt;</a:t>
-            </a:r>
-          </a:p>
-          <a:p>
-            <a:r>
-              <a:rPr lang="en-US" dirty="0"/>
-              <a:t>Track control state and validity with </a:t>
-            </a:r>
-            <a:r>
-              <a:rPr lang="en-US" i="1" dirty="0" err="1"/>
-              <a:t>ngModel</a:t>
-            </a:r>
-            <a:endParaRPr lang="en-US" dirty="0"/>
-          </a:p>
-          <a:p>
-            <a:r>
-              <a:rPr lang="en-US" dirty="0"/>
-              <a:t/>
-            </a:r>
+            <a:pPr marL="95250" indent="0">
+              <a:buNone/>
+            </a:pPr>
             <a:br>
               <a:rPr lang="en-US" dirty="0"/>
             </a:br>
@@ -31872,8 +31329,8 @@
         </p:blipFill>
         <p:spPr>
           <a:xfrm>
-            <a:off x="2133600" y="3105150"/>
-            <a:ext cx="3962400" cy="1865484"/>
+            <a:off x="2514600" y="3105150"/>
+            <a:ext cx="3429000" cy="1614361"/>
           </a:xfrm>
           <a:prstGeom prst="rect">
             <a:avLst/>
@@ -31890,13 +31347,6 @@
   <p:clrMapOvr>
     <a:masterClrMapping/>
   </p:clrMapOvr>
-  <p:timing>
-    <p:tnLst>
-      <p:par>
-        <p:cTn id="1" dur="indefinite" restart="never" nodeType="tmRoot"/>
-      </p:par>
-    </p:tnLst>
-  </p:timing>
 </p:sld>
 </file>
 
@@ -31960,9 +31410,11 @@
             </a:r>
           </a:p>
           <a:p>
-            <a:pPr lvl="1"/>
-            <a:r>
-              <a:rPr lang="en-US" sz="1400" dirty="0">
+            <a:pPr marL="1028700" lvl="2" indent="0">
+              <a:buNone/>
+            </a:pPr>
+            <a:r>
+              <a:rPr lang="en-US" sz="1100" dirty="0">
                 <a:solidFill>
                   <a:srgbClr val="000088"/>
                 </a:solidFill>
@@ -31971,7 +31423,7 @@
               <a:t>&lt;div</a:t>
             </a:r>
             <a:r>
-              <a:rPr lang="en-US" sz="1400" dirty="0">
+              <a:rPr lang="en-US" sz="1100" dirty="0">
                 <a:solidFill>
                   <a:srgbClr val="000000"/>
                 </a:solidFill>
@@ -31980,7 +31432,7 @@
               <a:t> [</a:t>
             </a:r>
             <a:r>
-              <a:rPr lang="en-US" sz="1400" dirty="0">
+              <a:rPr lang="en-US" sz="1100" dirty="0">
                 <a:solidFill>
                   <a:srgbClr val="660066"/>
                 </a:solidFill>
@@ -31989,7 +31441,7 @@
               <a:t>hidden</a:t>
             </a:r>
             <a:r>
-              <a:rPr lang="en-US" sz="1400" dirty="0">
+              <a:rPr lang="en-US" sz="1100" dirty="0">
                 <a:solidFill>
                   <a:srgbClr val="000000"/>
                 </a:solidFill>
@@ -31998,7 +31450,7 @@
               <a:t>]</a:t>
             </a:r>
             <a:r>
-              <a:rPr lang="en-US" sz="1400" dirty="0">
+              <a:rPr lang="en-US" sz="1100" dirty="0">
                 <a:solidFill>
                   <a:srgbClr val="666600"/>
                 </a:solidFill>
@@ -32007,7 +31459,7 @@
               <a:t>=</a:t>
             </a:r>
             <a:r>
-              <a:rPr lang="en-US" sz="1400" dirty="0">
+              <a:rPr lang="en-US" sz="1100" dirty="0">
                 <a:solidFill>
                   <a:srgbClr val="880000"/>
                 </a:solidFill>
@@ -32016,7 +31468,7 @@
               <a:t>"</a:t>
             </a:r>
             <a:r>
-              <a:rPr lang="en-US" sz="1400" dirty="0" err="1">
+              <a:rPr lang="en-US" sz="1100" dirty="0" err="1">
                 <a:solidFill>
                   <a:srgbClr val="880000"/>
                 </a:solidFill>
@@ -32025,7 +31477,7 @@
               <a:t>name.valid</a:t>
             </a:r>
             <a:r>
-              <a:rPr lang="en-US" sz="1400" dirty="0">
+              <a:rPr lang="en-US" sz="1100" dirty="0">
                 <a:solidFill>
                   <a:srgbClr val="880000"/>
                 </a:solidFill>
@@ -32034,7 +31486,7 @@
               <a:t> || </a:t>
             </a:r>
             <a:r>
-              <a:rPr lang="en-US" sz="1400" dirty="0" err="1">
+              <a:rPr lang="en-US" sz="1100" dirty="0" err="1">
                 <a:solidFill>
                   <a:srgbClr val="880000"/>
                 </a:solidFill>
@@ -32043,7 +31495,7 @@
               <a:t>name.pristine</a:t>
             </a:r>
             <a:r>
-              <a:rPr lang="en-US" sz="1400" dirty="0">
+              <a:rPr lang="en-US" sz="1100" dirty="0">
                 <a:solidFill>
                   <a:srgbClr val="880000"/>
                 </a:solidFill>
@@ -32052,7 +31504,7 @@
               <a:t>"</a:t>
             </a:r>
             <a:r>
-              <a:rPr lang="en-US" sz="1400" dirty="0">
+              <a:rPr lang="en-US" sz="1100" dirty="0">
                 <a:solidFill>
                   <a:srgbClr val="000000"/>
                 </a:solidFill>
@@ -32061,7 +31513,7 @@
               <a:t> </a:t>
             </a:r>
             <a:r>
-              <a:rPr lang="en-US" sz="1400" dirty="0">
+              <a:rPr lang="en-US" sz="1100" dirty="0">
                 <a:solidFill>
                   <a:srgbClr val="660066"/>
                 </a:solidFill>
@@ -32070,7 +31522,7 @@
               <a:t>class</a:t>
             </a:r>
             <a:r>
-              <a:rPr lang="en-US" sz="1400" dirty="0">
+              <a:rPr lang="en-US" sz="1100" dirty="0">
                 <a:solidFill>
                   <a:srgbClr val="666600"/>
                 </a:solidFill>
@@ -32079,7 +31531,7 @@
               <a:t>=</a:t>
             </a:r>
             <a:r>
-              <a:rPr lang="en-US" sz="1400" dirty="0">
+              <a:rPr lang="en-US" sz="1100" dirty="0">
                 <a:solidFill>
                   <a:srgbClr val="880000"/>
                 </a:solidFill>
@@ -32088,7 +31540,7 @@
               <a:t>"alert alert-danger"</a:t>
             </a:r>
             <a:r>
-              <a:rPr lang="en-US" sz="1400" dirty="0">
+              <a:rPr lang="en-US" sz="1100" dirty="0">
                 <a:solidFill>
                   <a:srgbClr val="000088"/>
                 </a:solidFill>
@@ -32097,7 +31549,7 @@
               <a:t>&gt;</a:t>
             </a:r>
             <a:r>
-              <a:rPr lang="en-US" sz="1400" dirty="0">
+              <a:rPr lang="en-US" sz="1100" dirty="0">
                 <a:solidFill>
                   <a:srgbClr val="000000"/>
                 </a:solidFill>
@@ -32106,7 +31558,7 @@
               <a:t> Name is required </a:t>
             </a:r>
             <a:r>
-              <a:rPr lang="en-US" sz="1400" dirty="0">
+              <a:rPr lang="en-US" sz="1100" dirty="0">
                 <a:solidFill>
                   <a:srgbClr val="000088"/>
                 </a:solidFill>
@@ -32127,9 +31579,11 @@
             <a:endParaRPr lang="en-US" dirty="0"/>
           </a:p>
           <a:p>
-            <a:pPr lvl="1"/>
-            <a:r>
-              <a:rPr lang="en-US" sz="1400" dirty="0">
+            <a:pPr marL="1028700" lvl="2" indent="0">
+              <a:buNone/>
+            </a:pPr>
+            <a:r>
+              <a:rPr lang="en-US" sz="1100" dirty="0">
                 <a:solidFill>
                   <a:srgbClr val="000088"/>
                 </a:solidFill>
@@ -32138,7 +31592,7 @@
               <a:t>&lt;form</a:t>
             </a:r>
             <a:r>
-              <a:rPr lang="en-US" sz="1400" dirty="0">
+              <a:rPr lang="en-US" sz="1100" dirty="0">
                 <a:solidFill>
                   <a:srgbClr val="000000"/>
                 </a:solidFill>
@@ -32147,7 +31601,7 @@
               <a:t> (</a:t>
             </a:r>
             <a:r>
-              <a:rPr lang="en-US" sz="1400" dirty="0" err="1">
+              <a:rPr lang="en-US" sz="1100" dirty="0" err="1">
                 <a:solidFill>
                   <a:srgbClr val="660066"/>
                 </a:solidFill>
@@ -32156,7 +31610,7 @@
               <a:t>ngSubmit</a:t>
             </a:r>
             <a:r>
-              <a:rPr lang="en-US" sz="1400" dirty="0">
+              <a:rPr lang="en-US" sz="1100" dirty="0">
                 <a:solidFill>
                   <a:srgbClr val="000000"/>
                 </a:solidFill>
@@ -32165,7 +31619,7 @@
               <a:t>)</a:t>
             </a:r>
             <a:r>
-              <a:rPr lang="en-US" sz="1400" dirty="0">
+              <a:rPr lang="en-US" sz="1100" dirty="0">
                 <a:solidFill>
                   <a:srgbClr val="666600"/>
                 </a:solidFill>
@@ -32174,7 +31628,7 @@
               <a:t>=</a:t>
             </a:r>
             <a:r>
-              <a:rPr lang="en-US" sz="1400" dirty="0">
+              <a:rPr lang="en-US" sz="1100" dirty="0">
                 <a:solidFill>
                   <a:srgbClr val="880000"/>
                 </a:solidFill>
@@ -32183,7 +31637,7 @@
               <a:t>"</a:t>
             </a:r>
             <a:r>
-              <a:rPr lang="en-US" sz="1400" dirty="0" err="1">
+              <a:rPr lang="en-US" sz="1100" dirty="0" err="1">
                 <a:solidFill>
                   <a:srgbClr val="880000"/>
                 </a:solidFill>
@@ -32192,7 +31646,7 @@
               <a:t>onSubmit</a:t>
             </a:r>
             <a:r>
-              <a:rPr lang="en-US" sz="1400" dirty="0">
+              <a:rPr lang="en-US" sz="1100" dirty="0">
                 <a:solidFill>
                   <a:srgbClr val="880000"/>
                 </a:solidFill>
@@ -32201,7 +31655,7 @@
               <a:t>()"</a:t>
             </a:r>
             <a:r>
-              <a:rPr lang="en-US" sz="1400" dirty="0">
+              <a:rPr lang="en-US" sz="1100" dirty="0">
                 <a:solidFill>
                   <a:srgbClr val="000000"/>
                 </a:solidFill>
@@ -32210,7 +31664,7 @@
               <a:t> #</a:t>
             </a:r>
             <a:r>
-              <a:rPr lang="en-US" sz="1400" dirty="0" err="1">
+              <a:rPr lang="en-US" sz="1100" dirty="0" err="1">
                 <a:solidFill>
                   <a:srgbClr val="660066"/>
                 </a:solidFill>
@@ -32219,7 +31673,7 @@
               <a:t>heroForm</a:t>
             </a:r>
             <a:r>
-              <a:rPr lang="en-US" sz="1400" dirty="0">
+              <a:rPr lang="en-US" sz="1100" dirty="0">
                 <a:solidFill>
                   <a:srgbClr val="666600"/>
                 </a:solidFill>
@@ -32228,7 +31682,7 @@
               <a:t>=</a:t>
             </a:r>
             <a:r>
-              <a:rPr lang="en-US" sz="1400" dirty="0">
+              <a:rPr lang="en-US" sz="1100" dirty="0">
                 <a:solidFill>
                   <a:srgbClr val="880000"/>
                 </a:solidFill>
@@ -32237,7 +31691,7 @@
               <a:t>"</a:t>
             </a:r>
             <a:r>
-              <a:rPr lang="en-US" sz="1400" dirty="0" err="1">
+              <a:rPr lang="en-US" sz="1100" dirty="0" err="1">
                 <a:solidFill>
                   <a:srgbClr val="880000"/>
                 </a:solidFill>
@@ -32247,7 +31701,7 @@
               <a:t>ngForm</a:t>
             </a:r>
             <a:r>
-              <a:rPr lang="en-US" sz="1400" dirty="0">
+              <a:rPr lang="en-US" sz="1100" dirty="0">
                 <a:solidFill>
                   <a:srgbClr val="880000"/>
                 </a:solidFill>
@@ -32256,7 +31710,7 @@
               <a:t>"</a:t>
             </a:r>
             <a:r>
-              <a:rPr lang="en-US" sz="1400" dirty="0">
+              <a:rPr lang="en-US" sz="1100" dirty="0">
                 <a:solidFill>
                   <a:srgbClr val="000088"/>
                 </a:solidFill>
@@ -32266,9 +31720,11 @@
             </a:r>
           </a:p>
           <a:p>
-            <a:pPr lvl="1"/>
-            <a:r>
-              <a:rPr lang="en-US" sz="1400" dirty="0">
+            <a:pPr marL="1028700" lvl="2" indent="0">
+              <a:buNone/>
+            </a:pPr>
+            <a:r>
+              <a:rPr lang="en-US" sz="1100" dirty="0">
                 <a:solidFill>
                   <a:srgbClr val="000088"/>
                 </a:solidFill>
@@ -32277,7 +31733,7 @@
               <a:t>&lt;button</a:t>
             </a:r>
             <a:r>
-              <a:rPr lang="en-US" sz="1400" dirty="0">
+              <a:rPr lang="en-US" sz="1100" dirty="0">
                 <a:solidFill>
                   <a:srgbClr val="000000"/>
                 </a:solidFill>
@@ -32286,7 +31742,7 @@
               <a:t> </a:t>
             </a:r>
             <a:r>
-              <a:rPr lang="en-US" sz="1400" dirty="0">
+              <a:rPr lang="en-US" sz="1100" dirty="0">
                 <a:solidFill>
                   <a:srgbClr val="660066"/>
                 </a:solidFill>
@@ -32295,7 +31751,7 @@
               <a:t>type</a:t>
             </a:r>
             <a:r>
-              <a:rPr lang="en-US" sz="1400" dirty="0">
+              <a:rPr lang="en-US" sz="1100" dirty="0">
                 <a:solidFill>
                   <a:srgbClr val="666600"/>
                 </a:solidFill>
@@ -32304,7 +31760,7 @@
               <a:t>=</a:t>
             </a:r>
             <a:r>
-              <a:rPr lang="en-US" sz="1400" dirty="0">
+              <a:rPr lang="en-US" sz="1100" dirty="0">
                 <a:solidFill>
                   <a:srgbClr val="880000"/>
                 </a:solidFill>
@@ -32313,7 +31769,7 @@
               <a:t>"submit"</a:t>
             </a:r>
             <a:r>
-              <a:rPr lang="en-US" sz="1400" dirty="0">
+              <a:rPr lang="en-US" sz="1100" dirty="0">
                 <a:solidFill>
                   <a:srgbClr val="000000"/>
                 </a:solidFill>
@@ -32322,7 +31778,7 @@
               <a:t> </a:t>
             </a:r>
             <a:r>
-              <a:rPr lang="en-US" sz="1400" dirty="0">
+              <a:rPr lang="en-US" sz="1100" dirty="0">
                 <a:solidFill>
                   <a:srgbClr val="660066"/>
                 </a:solidFill>
@@ -32331,7 +31787,7 @@
               <a:t>class</a:t>
             </a:r>
             <a:r>
-              <a:rPr lang="en-US" sz="1400" dirty="0">
+              <a:rPr lang="en-US" sz="1100" dirty="0">
                 <a:solidFill>
                   <a:srgbClr val="666600"/>
                 </a:solidFill>
@@ -32340,7 +31796,7 @@
               <a:t>=</a:t>
             </a:r>
             <a:r>
-              <a:rPr lang="en-US" sz="1400" dirty="0">
+              <a:rPr lang="en-US" sz="1100" dirty="0">
                 <a:solidFill>
                   <a:srgbClr val="880000"/>
                 </a:solidFill>
@@ -32349,7 +31805,7 @@
               <a:t>"</a:t>
             </a:r>
             <a:r>
-              <a:rPr lang="en-US" sz="1400" dirty="0" err="1">
+              <a:rPr lang="en-US" sz="1100" dirty="0" err="1">
                 <a:solidFill>
                   <a:srgbClr val="880000"/>
                 </a:solidFill>
@@ -32358,7 +31814,7 @@
               <a:t>btn</a:t>
             </a:r>
             <a:r>
-              <a:rPr lang="en-US" sz="1400" dirty="0">
+              <a:rPr lang="en-US" sz="1100" dirty="0">
                 <a:solidFill>
                   <a:srgbClr val="880000"/>
                 </a:solidFill>
@@ -32367,7 +31823,7 @@
               <a:t> </a:t>
             </a:r>
             <a:r>
-              <a:rPr lang="en-US" sz="1400" dirty="0" err="1">
+              <a:rPr lang="en-US" sz="1100" dirty="0" err="1">
                 <a:solidFill>
                   <a:srgbClr val="880000"/>
                 </a:solidFill>
@@ -32376,7 +31832,7 @@
               <a:t>btn</a:t>
             </a:r>
             <a:r>
-              <a:rPr lang="en-US" sz="1400" dirty="0">
+              <a:rPr lang="en-US" sz="1100" dirty="0">
                 <a:solidFill>
                   <a:srgbClr val="880000"/>
                 </a:solidFill>
@@ -32385,7 +31841,7 @@
               <a:t>-success"</a:t>
             </a:r>
             <a:r>
-              <a:rPr lang="en-US" sz="1400" dirty="0">
+              <a:rPr lang="en-US" sz="1100" dirty="0">
                 <a:solidFill>
                   <a:srgbClr val="000000"/>
                 </a:solidFill>
@@ -32394,7 +31850,7 @@
               <a:t> [</a:t>
             </a:r>
             <a:r>
-              <a:rPr lang="en-US" sz="1400" dirty="0">
+              <a:rPr lang="en-US" sz="1100" dirty="0">
                 <a:solidFill>
                   <a:srgbClr val="660066"/>
                 </a:solidFill>
@@ -32403,7 +31859,7 @@
               <a:t>disabled</a:t>
             </a:r>
             <a:r>
-              <a:rPr lang="en-US" sz="1400" dirty="0">
+              <a:rPr lang="en-US" sz="1100" dirty="0">
                 <a:solidFill>
                   <a:srgbClr val="000000"/>
                 </a:solidFill>
@@ -32412,7 +31868,7 @@
               <a:t>]</a:t>
             </a:r>
             <a:r>
-              <a:rPr lang="en-US" sz="1400" dirty="0">
+              <a:rPr lang="en-US" sz="1100" dirty="0">
                 <a:solidFill>
                   <a:srgbClr val="666600"/>
                 </a:solidFill>
@@ -32421,7 +31877,7 @@
               <a:t>=</a:t>
             </a:r>
             <a:r>
-              <a:rPr lang="en-US" sz="1400" dirty="0">
+              <a:rPr lang="en-US" sz="1100" dirty="0">
                 <a:solidFill>
                   <a:srgbClr val="880000"/>
                 </a:solidFill>
@@ -32430,7 +31886,7 @@
               <a:t>"!</a:t>
             </a:r>
             <a:r>
-              <a:rPr lang="en-US" sz="1400" dirty="0" err="1">
+              <a:rPr lang="en-US" sz="1100" dirty="0" err="1">
                 <a:solidFill>
                   <a:srgbClr val="880000"/>
                 </a:solidFill>
@@ -32439,7 +31895,7 @@
               <a:t>heroForm.form.valid</a:t>
             </a:r>
             <a:r>
-              <a:rPr lang="en-US" sz="1400" dirty="0">
+              <a:rPr lang="en-US" sz="1100" dirty="0">
                 <a:solidFill>
                   <a:srgbClr val="880000"/>
                 </a:solidFill>
@@ -32448,7 +31904,7 @@
               <a:t>"</a:t>
             </a:r>
             <a:r>
-              <a:rPr lang="en-US" sz="1400" dirty="0">
+              <a:rPr lang="en-US" sz="1100" dirty="0">
                 <a:solidFill>
                   <a:srgbClr val="000088"/>
                 </a:solidFill>
@@ -32457,7 +31913,7 @@
               <a:t>&gt;</a:t>
             </a:r>
             <a:r>
-              <a:rPr lang="en-US" sz="1400" dirty="0">
+              <a:rPr lang="en-US" sz="1100" dirty="0">
                 <a:solidFill>
                   <a:srgbClr val="000000"/>
                 </a:solidFill>
@@ -32466,7 +31922,7 @@
               <a:t>Submit</a:t>
             </a:r>
             <a:r>
-              <a:rPr lang="en-US" sz="1400" dirty="0">
+              <a:rPr lang="en-US" sz="1100" dirty="0">
                 <a:solidFill>
                   <a:srgbClr val="000088"/>
                 </a:solidFill>
@@ -32474,7 +31930,7 @@
               </a:rPr>
               <a:t>&lt;/button&gt;</a:t>
             </a:r>
-            <a:endParaRPr lang="en-US" sz="1400" dirty="0"/>
+            <a:endParaRPr lang="en-US" sz="1100" dirty="0"/>
           </a:p>
           <a:p>
             <a:pPr lvl="1"/>
@@ -32492,13 +31948,6 @@
   <p:clrMapOvr>
     <a:masterClrMapping/>
   </p:clrMapOvr>
-  <p:timing>
-    <p:tnLst>
-      <p:par>
-        <p:cTn id="1" dur="indefinite" restart="never" nodeType="tmRoot"/>
-      </p:par>
-    </p:tnLst>
-  </p:timing>
 </p:sld>
 </file>
 
@@ -32536,7 +31985,7 @@
           <a:p>
             <a:r>
               <a:rPr lang="en-US" dirty="0"/>
-              <a:t>Validating form input</a:t>
+              <a:t>Template-driven forms</a:t>
             </a:r>
           </a:p>
         </p:txBody>
@@ -32611,13 +32060,6 @@
   <p:clrMapOvr>
     <a:masterClrMapping/>
   </p:clrMapOvr>
-  <p:timing>
-    <p:tnLst>
-      <p:par>
-        <p:cTn id="1" dur="indefinite" restart="never" nodeType="tmRoot"/>
-      </p:par>
-    </p:tnLst>
-  </p:timing>
 </p:sld>
 </file>
 
@@ -32655,7 +32097,7 @@
           <a:p>
             <a:r>
               <a:rPr lang="en-US" dirty="0"/>
-              <a:t>Validating form input</a:t>
+              <a:t>Template-driven forms</a:t>
             </a:r>
           </a:p>
         </p:txBody>
@@ -32677,326 +32119,773 @@
           <a:p>
             <a:r>
               <a:rPr lang="en-US" dirty="0"/>
+              <a:t>Validating form input</a:t>
+            </a:r>
+            <a:endParaRPr lang="vi-VN" dirty="0"/>
+          </a:p>
+          <a:p>
+            <a:pPr lvl="1"/>
+            <a:r>
+              <a:rPr lang="en-US" sz="1700" dirty="0"/>
               <a:t>Built-in validator functions</a:t>
             </a:r>
+            <a:r>
+              <a:rPr lang="vi-VN" sz="1700" dirty="0"/>
+              <a:t> (</a:t>
+            </a:r>
+            <a:r>
+              <a:rPr lang="en-US" sz="1600" b="0" i="0" dirty="0">
+                <a:solidFill>
+                  <a:srgbClr val="24292E"/>
+                </a:solidFill>
+                <a:effectLst/>
+                <a:latin typeface="-apple-system"/>
+              </a:rPr>
+              <a:t>directives</a:t>
+            </a:r>
+            <a:r>
+              <a:rPr lang="vi-VN" sz="1700" dirty="0"/>
+              <a:t>)</a:t>
+            </a:r>
+            <a:endParaRPr lang="en-US" sz="1700" dirty="0"/>
+          </a:p>
+          <a:p>
+            <a:pPr marL="1047750" lvl="2" indent="0">
+              <a:buNone/>
+            </a:pPr>
+            <a:r>
+              <a:rPr lang="en-US" sz="1200" b="0" i="0" dirty="0">
+                <a:solidFill>
+                  <a:srgbClr val="000088"/>
+                </a:solidFill>
+                <a:effectLst/>
+                <a:latin typeface="Droid Sans Mono"/>
+              </a:rPr>
+              <a:t>&lt;input</a:t>
+            </a:r>
+            <a:r>
+              <a:rPr lang="en-US" sz="1200" b="0" i="0" dirty="0">
+                <a:solidFill>
+                  <a:srgbClr val="000000"/>
+                </a:solidFill>
+                <a:effectLst/>
+                <a:latin typeface="Droid Sans Mono"/>
+              </a:rPr>
+              <a:t> </a:t>
+            </a:r>
+            <a:r>
+              <a:rPr lang="en-US" sz="1200" b="0" i="0" dirty="0">
+                <a:solidFill>
+                  <a:srgbClr val="660066"/>
+                </a:solidFill>
+                <a:effectLst/>
+                <a:latin typeface="Droid Sans Mono"/>
+              </a:rPr>
+              <a:t>id</a:t>
+            </a:r>
+            <a:r>
+              <a:rPr lang="en-US" sz="1200" b="0" i="0" dirty="0">
+                <a:solidFill>
+                  <a:srgbClr val="666600"/>
+                </a:solidFill>
+                <a:effectLst/>
+                <a:latin typeface="Droid Sans Mono"/>
+              </a:rPr>
+              <a:t>=</a:t>
+            </a:r>
+            <a:r>
+              <a:rPr lang="en-US" sz="1200" b="0" i="0" dirty="0">
+                <a:solidFill>
+                  <a:srgbClr val="880000"/>
+                </a:solidFill>
+                <a:effectLst/>
+                <a:latin typeface="Droid Sans Mono"/>
+              </a:rPr>
+              <a:t>"name"</a:t>
+            </a:r>
+            <a:r>
+              <a:rPr lang="en-US" sz="1200" b="0" i="0" dirty="0">
+                <a:solidFill>
+                  <a:srgbClr val="000000"/>
+                </a:solidFill>
+                <a:effectLst/>
+                <a:latin typeface="Droid Sans Mono"/>
+              </a:rPr>
+              <a:t> </a:t>
+            </a:r>
+            <a:r>
+              <a:rPr lang="en-US" sz="1200" b="0" i="0" dirty="0">
+                <a:solidFill>
+                  <a:srgbClr val="660066"/>
+                </a:solidFill>
+                <a:effectLst/>
+                <a:latin typeface="Droid Sans Mono"/>
+              </a:rPr>
+              <a:t>name</a:t>
+            </a:r>
+            <a:r>
+              <a:rPr lang="en-US" sz="1200" b="0" i="0" dirty="0">
+                <a:solidFill>
+                  <a:srgbClr val="666600"/>
+                </a:solidFill>
+                <a:effectLst/>
+                <a:latin typeface="Droid Sans Mono"/>
+              </a:rPr>
+              <a:t>=</a:t>
+            </a:r>
+            <a:r>
+              <a:rPr lang="en-US" sz="1200" b="0" i="0" dirty="0">
+                <a:solidFill>
+                  <a:srgbClr val="880000"/>
+                </a:solidFill>
+                <a:effectLst/>
+                <a:latin typeface="Droid Sans Mono"/>
+              </a:rPr>
+              <a:t>"name"</a:t>
+            </a:r>
+            <a:r>
+              <a:rPr lang="en-US" sz="1200" b="0" i="0" dirty="0">
+                <a:solidFill>
+                  <a:srgbClr val="000000"/>
+                </a:solidFill>
+                <a:effectLst/>
+                <a:latin typeface="Droid Sans Mono"/>
+              </a:rPr>
+              <a:t> </a:t>
+            </a:r>
+            <a:r>
+              <a:rPr lang="en-US" sz="1200" b="0" i="0" dirty="0">
+                <a:solidFill>
+                  <a:srgbClr val="660066"/>
+                </a:solidFill>
+                <a:effectLst/>
+                <a:latin typeface="Droid Sans Mono"/>
+              </a:rPr>
+              <a:t>class</a:t>
+            </a:r>
+            <a:r>
+              <a:rPr lang="en-US" sz="1200" b="0" i="0" dirty="0">
+                <a:solidFill>
+                  <a:srgbClr val="666600"/>
+                </a:solidFill>
+                <a:effectLst/>
+                <a:latin typeface="Droid Sans Mono"/>
+              </a:rPr>
+              <a:t>=</a:t>
+            </a:r>
+            <a:r>
+              <a:rPr lang="en-US" sz="1200" b="0" i="0" dirty="0">
+                <a:solidFill>
+                  <a:srgbClr val="880000"/>
+                </a:solidFill>
+                <a:effectLst/>
+                <a:latin typeface="Droid Sans Mono"/>
+              </a:rPr>
+              <a:t>"form-control"</a:t>
+            </a:r>
+            <a:r>
+              <a:rPr lang="en-US" sz="1200" b="0" i="0" dirty="0">
+                <a:solidFill>
+                  <a:srgbClr val="000000"/>
+                </a:solidFill>
+                <a:effectLst/>
+                <a:latin typeface="Droid Sans Mono"/>
+              </a:rPr>
+              <a:t> </a:t>
+            </a:r>
+            <a:r>
+              <a:rPr lang="en-US" sz="1200" b="0" i="0" dirty="0">
+                <a:solidFill>
+                  <a:srgbClr val="660066"/>
+                </a:solidFill>
+                <a:effectLst/>
+                <a:latin typeface="Droid Sans Mono"/>
+              </a:rPr>
+              <a:t>required</a:t>
+            </a:r>
+            <a:r>
+              <a:rPr lang="en-US" sz="1200" b="0" i="0" dirty="0">
+                <a:solidFill>
+                  <a:srgbClr val="000000"/>
+                </a:solidFill>
+                <a:effectLst/>
+                <a:latin typeface="Droid Sans Mono"/>
+              </a:rPr>
+              <a:t> </a:t>
+            </a:r>
+            <a:r>
+              <a:rPr lang="en-US" sz="1200" b="0" i="0" u="none" strike="noStrike" dirty="0" err="1">
+                <a:solidFill>
+                  <a:srgbClr val="660066"/>
+                </a:solidFill>
+                <a:effectLst/>
+                <a:latin typeface="Droid Sans Mono"/>
+                <a:hlinkClick r:id="rId2"/>
+              </a:rPr>
+              <a:t>minlength</a:t>
+            </a:r>
+            <a:r>
+              <a:rPr lang="en-US" sz="1200" b="0" i="0" dirty="0">
+                <a:solidFill>
+                  <a:srgbClr val="666600"/>
+                </a:solidFill>
+                <a:effectLst/>
+                <a:latin typeface="Droid Sans Mono"/>
+              </a:rPr>
+              <a:t>=</a:t>
+            </a:r>
+            <a:r>
+              <a:rPr lang="en-US" sz="1200" b="0" i="0" dirty="0">
+                <a:solidFill>
+                  <a:srgbClr val="880000"/>
+                </a:solidFill>
+                <a:effectLst/>
+                <a:latin typeface="Droid Sans Mono"/>
+              </a:rPr>
+              <a:t>"4"</a:t>
+            </a:r>
+            <a:r>
+              <a:rPr lang="en-US" sz="1200" b="0" i="0" dirty="0">
+                <a:solidFill>
+                  <a:srgbClr val="000000"/>
+                </a:solidFill>
+                <a:effectLst/>
+                <a:latin typeface="Droid Sans Mono"/>
+              </a:rPr>
+              <a:t> [(</a:t>
+            </a:r>
+            <a:r>
+              <a:rPr lang="en-US" sz="1200" b="0" i="0" u="none" strike="noStrike" dirty="0" err="1">
+                <a:solidFill>
+                  <a:srgbClr val="660066"/>
+                </a:solidFill>
+                <a:effectLst/>
+                <a:latin typeface="Droid Sans Mono"/>
+                <a:hlinkClick r:id="rId3"/>
+              </a:rPr>
+              <a:t>ngModel</a:t>
+            </a:r>
+            <a:r>
+              <a:rPr lang="en-US" sz="1200" b="0" i="0" dirty="0">
+                <a:solidFill>
+                  <a:srgbClr val="000000"/>
+                </a:solidFill>
+                <a:effectLst/>
+                <a:latin typeface="Droid Sans Mono"/>
+              </a:rPr>
+              <a:t>)]</a:t>
+            </a:r>
+            <a:r>
+              <a:rPr lang="en-US" sz="1200" b="0" i="0" dirty="0">
+                <a:solidFill>
+                  <a:srgbClr val="666600"/>
+                </a:solidFill>
+                <a:effectLst/>
+                <a:latin typeface="Droid Sans Mono"/>
+              </a:rPr>
+              <a:t>=</a:t>
+            </a:r>
+            <a:r>
+              <a:rPr lang="en-US" sz="1200" b="0" i="0" dirty="0">
+                <a:solidFill>
+                  <a:srgbClr val="880000"/>
+                </a:solidFill>
+                <a:effectLst/>
+                <a:latin typeface="Droid Sans Mono"/>
+              </a:rPr>
+              <a:t>"hero.name"</a:t>
+            </a:r>
+            <a:r>
+              <a:rPr lang="en-US" sz="1200" b="0" i="0" dirty="0">
+                <a:solidFill>
+                  <a:srgbClr val="000000"/>
+                </a:solidFill>
+                <a:effectLst/>
+                <a:latin typeface="Droid Sans Mono"/>
+              </a:rPr>
+              <a:t> #</a:t>
+            </a:r>
+            <a:r>
+              <a:rPr lang="en-US" sz="1200" b="0" i="0" dirty="0">
+                <a:solidFill>
+                  <a:srgbClr val="660066"/>
+                </a:solidFill>
+                <a:effectLst/>
+                <a:latin typeface="Droid Sans Mono"/>
+              </a:rPr>
+              <a:t>name</a:t>
+            </a:r>
+            <a:r>
+              <a:rPr lang="en-US" sz="1200" b="0" i="0" dirty="0">
+                <a:solidFill>
+                  <a:srgbClr val="666600"/>
+                </a:solidFill>
+                <a:effectLst/>
+                <a:latin typeface="Droid Sans Mono"/>
+              </a:rPr>
+              <a:t>=</a:t>
+            </a:r>
+            <a:r>
+              <a:rPr lang="en-US" sz="1200" b="0" i="0" dirty="0">
+                <a:solidFill>
+                  <a:srgbClr val="880000"/>
+                </a:solidFill>
+                <a:effectLst/>
+                <a:latin typeface="Droid Sans Mono"/>
+              </a:rPr>
+              <a:t>"</a:t>
+            </a:r>
+            <a:r>
+              <a:rPr lang="en-US" sz="1200" b="0" i="0" u="none" strike="noStrike" dirty="0">
+                <a:solidFill>
+                  <a:srgbClr val="880000"/>
+                </a:solidFill>
+                <a:effectLst/>
+                <a:latin typeface="Droid Sans Mono"/>
+                <a:hlinkClick r:id="rId3"/>
+              </a:rPr>
+              <a:t>ngModel</a:t>
+            </a:r>
+            <a:r>
+              <a:rPr lang="en-US" sz="1200" b="0" i="0" dirty="0">
+                <a:solidFill>
+                  <a:srgbClr val="880000"/>
+                </a:solidFill>
+                <a:effectLst/>
+                <a:latin typeface="Droid Sans Mono"/>
+              </a:rPr>
+              <a:t>"</a:t>
+            </a:r>
+            <a:r>
+              <a:rPr lang="en-US" sz="1200" b="0" i="0" dirty="0">
+                <a:solidFill>
+                  <a:srgbClr val="000000"/>
+                </a:solidFill>
+                <a:effectLst/>
+                <a:latin typeface="Droid Sans Mono"/>
+              </a:rPr>
+              <a:t> </a:t>
+            </a:r>
+            <a:r>
+              <a:rPr lang="en-US" sz="1200" b="0" i="0" dirty="0">
+                <a:solidFill>
+                  <a:srgbClr val="000088"/>
+                </a:solidFill>
+                <a:effectLst/>
+                <a:latin typeface="Droid Sans Mono"/>
+              </a:rPr>
+              <a:t>&gt;</a:t>
+            </a:r>
+            <a:endParaRPr lang="en-US" sz="1100" dirty="0">
+              <a:solidFill>
+                <a:srgbClr val="666600"/>
+              </a:solidFill>
+              <a:latin typeface="Droid Sans Mono"/>
+            </a:endParaRPr>
           </a:p>
           <a:p>
             <a:pPr lvl="1"/>
             <a:r>
-              <a:rPr lang="en-US" sz="1400" dirty="0">
+              <a:rPr lang="en-US" sz="1700" dirty="0"/>
+              <a:t>Custom validators</a:t>
+            </a:r>
+            <a:endParaRPr lang="vi-VN" sz="1700" dirty="0"/>
+          </a:p>
+          <a:p>
+            <a:pPr lvl="2"/>
+            <a:r>
+              <a:rPr lang="en-US" sz="1400" dirty="0"/>
+              <a:t>Defining custom validators</a:t>
+            </a:r>
+            <a:endParaRPr lang="vi-VN" sz="1400" dirty="0"/>
+          </a:p>
+          <a:p>
+            <a:pPr lvl="2"/>
+            <a:endParaRPr lang="vi-VN" sz="1400" dirty="0"/>
+          </a:p>
+          <a:p>
+            <a:pPr lvl="2"/>
+            <a:endParaRPr lang="vi-VN" sz="1400" dirty="0"/>
+          </a:p>
+          <a:p>
+            <a:pPr lvl="2"/>
+            <a:endParaRPr lang="vi-VN" sz="1400" dirty="0"/>
+          </a:p>
+          <a:p>
+            <a:pPr lvl="2"/>
+            <a:r>
+              <a:rPr lang="en-US" sz="1400" dirty="0"/>
+              <a:t>Adding custom validators</a:t>
+            </a:r>
+          </a:p>
+          <a:p>
+            <a:pPr marL="1047750" lvl="2" indent="0">
+              <a:buNone/>
+            </a:pPr>
+            <a:r>
+              <a:rPr lang="en-US" sz="1200" b="0" i="0" dirty="0">
+                <a:solidFill>
+                  <a:srgbClr val="000088"/>
+                </a:solidFill>
+                <a:effectLst/>
+                <a:latin typeface="Droid Sans Mono"/>
+              </a:rPr>
+              <a:t>&lt;input</a:t>
+            </a:r>
+            <a:r>
+              <a:rPr lang="en-US" sz="1200" b="0" i="0" dirty="0">
+                <a:solidFill>
+                  <a:srgbClr val="000000"/>
+                </a:solidFill>
+                <a:effectLst/>
+                <a:latin typeface="Droid Sans Mono"/>
+              </a:rPr>
+              <a:t> </a:t>
+            </a:r>
+            <a:r>
+              <a:rPr lang="en-US" sz="1200" b="0" i="0" dirty="0">
+                <a:solidFill>
+                  <a:srgbClr val="660066"/>
+                </a:solidFill>
+                <a:effectLst/>
+                <a:latin typeface="Droid Sans Mono"/>
+              </a:rPr>
+              <a:t>id</a:t>
+            </a:r>
+            <a:r>
+              <a:rPr lang="en-US" sz="1200" b="0" i="0" dirty="0">
+                <a:solidFill>
+                  <a:srgbClr val="666600"/>
+                </a:solidFill>
+                <a:effectLst/>
+                <a:latin typeface="Droid Sans Mono"/>
+              </a:rPr>
+              <a:t>=</a:t>
+            </a:r>
+            <a:r>
+              <a:rPr lang="en-US" sz="1200" b="0" i="0" dirty="0">
                 <a:solidFill>
                   <a:srgbClr val="880000"/>
                 </a:solidFill>
-                <a:latin typeface="Droid Sans Mono"/>
-              </a:rPr>
-              <a:t>'power'</a:t>
-            </a:r>
-            <a:r>
-              <a:rPr lang="en-US" sz="1400" dirty="0">
+                <a:effectLst/>
+                <a:latin typeface="Droid Sans Mono"/>
+              </a:rPr>
+              <a:t>"name"</a:t>
+            </a:r>
+            <a:r>
+              <a:rPr lang="en-US" sz="1200" b="0" i="0" dirty="0">
+                <a:solidFill>
+                  <a:srgbClr val="000000"/>
+                </a:solidFill>
+                <a:effectLst/>
+                <a:latin typeface="Droid Sans Mono"/>
+              </a:rPr>
+              <a:t> </a:t>
+            </a:r>
+            <a:r>
+              <a:rPr lang="en-US" sz="1200" b="0" i="0" dirty="0">
+                <a:solidFill>
+                  <a:srgbClr val="660066"/>
+                </a:solidFill>
+                <a:effectLst/>
+                <a:latin typeface="Droid Sans Mono"/>
+              </a:rPr>
+              <a:t>name</a:t>
+            </a:r>
+            <a:r>
+              <a:rPr lang="en-US" sz="1200" b="0" i="0" dirty="0">
                 <a:solidFill>
                   <a:srgbClr val="666600"/>
                 </a:solidFill>
-                <a:latin typeface="Droid Sans Mono"/>
-              </a:rPr>
-              <a:t>:</a:t>
-            </a:r>
-            <a:r>
-              <a:rPr lang="en-US" sz="1400" dirty="0">
+                <a:effectLst/>
+                <a:latin typeface="Droid Sans Mono"/>
+              </a:rPr>
+              <a:t>=</a:t>
+            </a:r>
+            <a:r>
+              <a:rPr lang="en-US" sz="1200" b="0" i="0" dirty="0">
+                <a:solidFill>
+                  <a:srgbClr val="880000"/>
+                </a:solidFill>
+                <a:effectLst/>
+                <a:latin typeface="Droid Sans Mono"/>
+              </a:rPr>
+              <a:t>"name"</a:t>
+            </a:r>
+            <a:r>
+              <a:rPr lang="en-US" sz="1200" b="0" i="0" dirty="0">
                 <a:solidFill>
                   <a:srgbClr val="000000"/>
                 </a:solidFill>
+                <a:effectLst/>
                 <a:latin typeface="Droid Sans Mono"/>
               </a:rPr>
               <a:t> </a:t>
             </a:r>
             <a:r>
-              <a:rPr lang="en-US" sz="1400" dirty="0">
-                <a:solidFill>
-                  <a:srgbClr val="0000FF"/>
-                </a:solidFill>
-                <a:latin typeface="Droid Sans Mono"/>
-              </a:rPr>
-              <a:t>new</a:t>
-            </a:r>
-            <a:r>
-              <a:rPr lang="en-US" sz="1400" dirty="0">
+              <a:rPr lang="en-US" sz="1200" b="0" i="0" dirty="0">
+                <a:solidFill>
+                  <a:srgbClr val="660066"/>
+                </a:solidFill>
+                <a:effectLst/>
+                <a:latin typeface="Droid Sans Mono"/>
+              </a:rPr>
+              <a:t>class</a:t>
+            </a:r>
+            <a:r>
+              <a:rPr lang="en-US" sz="1200" b="0" i="0" dirty="0">
+                <a:solidFill>
+                  <a:srgbClr val="666600"/>
+                </a:solidFill>
+                <a:effectLst/>
+                <a:latin typeface="Droid Sans Mono"/>
+              </a:rPr>
+              <a:t>=</a:t>
+            </a:r>
+            <a:r>
+              <a:rPr lang="en-US" sz="1200" b="0" i="0" dirty="0">
+                <a:solidFill>
+                  <a:srgbClr val="880000"/>
+                </a:solidFill>
+                <a:effectLst/>
+                <a:latin typeface="Droid Sans Mono"/>
+              </a:rPr>
+              <a:t>"form-control"</a:t>
+            </a:r>
+            <a:r>
+              <a:rPr lang="en-US" sz="1200" b="0" i="0" dirty="0">
                 <a:solidFill>
                   <a:srgbClr val="000000"/>
                 </a:solidFill>
+                <a:effectLst/>
                 <a:latin typeface="Droid Sans Mono"/>
               </a:rPr>
               <a:t> </a:t>
             </a:r>
             <a:r>
-              <a:rPr lang="en-US" sz="1400" dirty="0" err="1">
-                <a:solidFill>
-                  <a:srgbClr val="FF0000"/>
-                </a:solidFill>
-                <a:latin typeface="Droid Sans Mono"/>
-                <a:hlinkClick r:id="rId2"/>
-              </a:rPr>
-              <a:t>FormControl</a:t>
-            </a:r>
-            <a:r>
-              <a:rPr lang="en-US" sz="1400" dirty="0">
+              <a:rPr lang="en-US" sz="1200" b="0" i="0" dirty="0" err="1">
+                <a:solidFill>
+                  <a:srgbClr val="660066"/>
+                </a:solidFill>
+                <a:effectLst/>
+                <a:latin typeface="Droid Sans Mono"/>
+              </a:rPr>
+              <a:t>appForbiddenName</a:t>
+            </a:r>
+            <a:r>
+              <a:rPr lang="en-US" sz="1200" b="0" i="0" dirty="0">
                 <a:solidFill>
                   <a:srgbClr val="666600"/>
                 </a:solidFill>
-                <a:latin typeface="Droid Sans Mono"/>
-              </a:rPr>
-              <a:t>(</a:t>
-            </a:r>
-            <a:r>
-              <a:rPr lang="en-US" sz="1400" dirty="0" err="1">
-                <a:solidFill>
-                  <a:srgbClr val="0000FF"/>
-                </a:solidFill>
-                <a:latin typeface="Droid Sans Mono"/>
-              </a:rPr>
-              <a:t>this</a:t>
-            </a:r>
-            <a:r>
-              <a:rPr lang="en-US" sz="1400" dirty="0" err="1">
+                <a:effectLst/>
+                <a:latin typeface="Droid Sans Mono"/>
+              </a:rPr>
+              <a:t>=</a:t>
+            </a:r>
+            <a:r>
+              <a:rPr lang="en-US" sz="1200" b="0" i="0" dirty="0">
+                <a:solidFill>
+                  <a:srgbClr val="880000"/>
+                </a:solidFill>
+                <a:effectLst/>
+                <a:latin typeface="Droid Sans Mono"/>
+              </a:rPr>
+              <a:t>"bob"</a:t>
+            </a:r>
+            <a:r>
+              <a:rPr lang="en-US" sz="1200" b="0" i="0" dirty="0">
+                <a:solidFill>
+                  <a:srgbClr val="000000"/>
+                </a:solidFill>
+                <a:effectLst/>
+                <a:latin typeface="Droid Sans Mono"/>
+              </a:rPr>
+              <a:t> [(</a:t>
+            </a:r>
+            <a:r>
+              <a:rPr lang="en-US" sz="1200" b="0" i="0" u="none" strike="noStrike" dirty="0" err="1">
+                <a:solidFill>
+                  <a:srgbClr val="660066"/>
+                </a:solidFill>
+                <a:effectLst/>
+                <a:latin typeface="Droid Sans Mono"/>
+                <a:hlinkClick r:id="rId3"/>
+              </a:rPr>
+              <a:t>ngModel</a:t>
+            </a:r>
+            <a:r>
+              <a:rPr lang="en-US" sz="1200" b="0" i="0" dirty="0">
+                <a:solidFill>
+                  <a:srgbClr val="000000"/>
+                </a:solidFill>
+                <a:effectLst/>
+                <a:latin typeface="Droid Sans Mono"/>
+              </a:rPr>
+              <a:t>)]</a:t>
+            </a:r>
+            <a:r>
+              <a:rPr lang="en-US" sz="1200" b="0" i="0" dirty="0">
                 <a:solidFill>
                   <a:srgbClr val="666600"/>
                 </a:solidFill>
-                <a:latin typeface="Droid Sans Mono"/>
-              </a:rPr>
-              <a:t>.</a:t>
-            </a:r>
-            <a:r>
-              <a:rPr lang="en-US" sz="1400" dirty="0" err="1">
+                <a:effectLst/>
+                <a:latin typeface="Droid Sans Mono"/>
+              </a:rPr>
+              <a:t>=</a:t>
+            </a:r>
+            <a:r>
+              <a:rPr lang="en-US" sz="1200" b="0" i="0" dirty="0">
+                <a:solidFill>
+                  <a:srgbClr val="880000"/>
+                </a:solidFill>
+                <a:effectLst/>
+                <a:latin typeface="Droid Sans Mono"/>
+              </a:rPr>
+              <a:t>"hero.name"</a:t>
+            </a:r>
+            <a:r>
+              <a:rPr lang="en-US" sz="1200" b="0" i="0" dirty="0">
                 <a:solidFill>
                   <a:srgbClr val="000000"/>
                 </a:solidFill>
-                <a:latin typeface="Droid Sans Mono"/>
-              </a:rPr>
-              <a:t>hero</a:t>
-            </a:r>
-            <a:r>
-              <a:rPr lang="en-US" sz="1400" dirty="0" err="1">
+                <a:effectLst/>
+                <a:latin typeface="Droid Sans Mono"/>
+              </a:rPr>
+              <a:t> #</a:t>
+            </a:r>
+            <a:r>
+              <a:rPr lang="en-US" sz="1200" b="0" i="0" dirty="0">
+                <a:solidFill>
+                  <a:srgbClr val="660066"/>
+                </a:solidFill>
+                <a:effectLst/>
+                <a:latin typeface="Droid Sans Mono"/>
+              </a:rPr>
+              <a:t>name</a:t>
+            </a:r>
+            <a:r>
+              <a:rPr lang="en-US" sz="1200" b="0" i="0" dirty="0">
                 <a:solidFill>
                   <a:srgbClr val="666600"/>
                 </a:solidFill>
-                <a:latin typeface="Droid Sans Mono"/>
-              </a:rPr>
-              <a:t>.</a:t>
-            </a:r>
-            <a:r>
-              <a:rPr lang="en-US" sz="1400" dirty="0" err="1">
+                <a:effectLst/>
+                <a:latin typeface="Droid Sans Mono"/>
+              </a:rPr>
+              <a:t>=</a:t>
+            </a:r>
+            <a:r>
+              <a:rPr lang="en-US" sz="1200" b="0" i="0" dirty="0">
+                <a:solidFill>
+                  <a:srgbClr val="880000"/>
+                </a:solidFill>
+                <a:effectLst/>
+                <a:latin typeface="Droid Sans Mono"/>
+              </a:rPr>
+              <a:t>"</a:t>
+            </a:r>
+            <a:r>
+              <a:rPr lang="en-US" sz="1200" b="0" i="0" u="none" strike="noStrike" dirty="0">
+                <a:solidFill>
+                  <a:srgbClr val="880000"/>
+                </a:solidFill>
+                <a:effectLst/>
+                <a:latin typeface="Droid Sans Mono"/>
+                <a:hlinkClick r:id="rId3"/>
+              </a:rPr>
+              <a:t>ngModel</a:t>
+            </a:r>
+            <a:r>
+              <a:rPr lang="en-US" sz="1200" b="0" i="0" dirty="0">
+                <a:solidFill>
+                  <a:srgbClr val="880000"/>
+                </a:solidFill>
+                <a:effectLst/>
+                <a:latin typeface="Droid Sans Mono"/>
+              </a:rPr>
+              <a:t>"</a:t>
+            </a:r>
+            <a:r>
+              <a:rPr lang="en-US" sz="1200" b="0" i="0" dirty="0">
                 <a:solidFill>
                   <a:srgbClr val="000000"/>
                 </a:solidFill>
-                <a:latin typeface="Droid Sans Mono"/>
-              </a:rPr>
-              <a:t>power</a:t>
-            </a:r>
-            <a:r>
-              <a:rPr lang="en-US" sz="1400" dirty="0">
-                <a:solidFill>
-                  <a:srgbClr val="666600"/>
-                </a:solidFill>
-                <a:latin typeface="Droid Sans Mono"/>
-              </a:rPr>
-              <a:t>,</a:t>
-            </a:r>
-            <a:r>
-              <a:rPr lang="en-US" sz="1400" dirty="0">
-                <a:solidFill>
-                  <a:srgbClr val="000000"/>
-                </a:solidFill>
+                <a:effectLst/>
                 <a:latin typeface="Droid Sans Mono"/>
               </a:rPr>
               <a:t> </a:t>
             </a:r>
             <a:r>
-              <a:rPr lang="en-US" sz="1400" dirty="0" err="1">
-                <a:solidFill>
-                  <a:srgbClr val="FF0000"/>
-                </a:solidFill>
-                <a:latin typeface="Droid Sans Mono"/>
-              </a:rPr>
-              <a:t>Validators</a:t>
-            </a:r>
-            <a:r>
-              <a:rPr lang="en-US" sz="1400" dirty="0" err="1">
-                <a:solidFill>
-                  <a:srgbClr val="666600"/>
-                </a:solidFill>
-                <a:latin typeface="Droid Sans Mono"/>
-              </a:rPr>
-              <a:t>.</a:t>
-            </a:r>
-            <a:r>
-              <a:rPr lang="en-US" sz="1400" dirty="0" err="1">
-                <a:solidFill>
-                  <a:srgbClr val="000000"/>
-                </a:solidFill>
-                <a:latin typeface="Droid Sans Mono"/>
-              </a:rPr>
-              <a:t>required</a:t>
-            </a:r>
-            <a:r>
-              <a:rPr lang="en-US" sz="1400" dirty="0">
-                <a:solidFill>
-                  <a:srgbClr val="666600"/>
-                </a:solidFill>
-                <a:latin typeface="Droid Sans Mono"/>
-              </a:rPr>
-              <a:t>)</a:t>
-            </a:r>
-          </a:p>
-          <a:p>
-            <a:r>
-              <a:rPr lang="en-US" dirty="0"/>
-              <a:t>Custom validators</a:t>
+              <a:rPr lang="en-US" sz="1200" b="0" i="0" dirty="0">
+                <a:solidFill>
+                  <a:srgbClr val="000088"/>
+                </a:solidFill>
+                <a:effectLst/>
+                <a:latin typeface="Droid Sans Mono"/>
+              </a:rPr>
+              <a:t>&gt;</a:t>
+            </a:r>
+            <a:r>
+              <a:rPr lang="en-US" dirty="0"/>
+              <a:t>Display form status</a:t>
             </a:r>
           </a:p>
           <a:p>
             <a:pPr lvl="1"/>
             <a:r>
-              <a:rPr lang="en-US" sz="1400" dirty="0">
-                <a:solidFill>
-                  <a:srgbClr val="0000FF"/>
-                </a:solidFill>
-                <a:latin typeface="Droid Sans Mono"/>
-              </a:rPr>
-              <a:t>export</a:t>
-            </a:r>
-            <a:r>
-              <a:rPr lang="en-US" sz="1400" dirty="0">
-                <a:solidFill>
-                  <a:srgbClr val="000000"/>
-                </a:solidFill>
-                <a:latin typeface="Droid Sans Mono"/>
-              </a:rPr>
-              <a:t> </a:t>
-            </a:r>
-            <a:r>
-              <a:rPr lang="en-US" sz="1400" dirty="0">
-                <a:solidFill>
-                  <a:srgbClr val="0000FF"/>
-                </a:solidFill>
-                <a:latin typeface="Droid Sans Mono"/>
-              </a:rPr>
-              <a:t>function</a:t>
-            </a:r>
-            <a:r>
-              <a:rPr lang="en-US" sz="1400" dirty="0">
-                <a:solidFill>
-                  <a:srgbClr val="000000"/>
-                </a:solidFill>
-                <a:latin typeface="Droid Sans Mono"/>
-              </a:rPr>
-              <a:t> </a:t>
-            </a:r>
-            <a:r>
-              <a:rPr lang="en-US" sz="1400" dirty="0" err="1">
-                <a:solidFill>
-                  <a:srgbClr val="000000"/>
-                </a:solidFill>
-                <a:latin typeface="Droid Sans Mono"/>
-              </a:rPr>
-              <a:t>forbiddenNameValidator</a:t>
-            </a:r>
-            <a:r>
-              <a:rPr lang="en-US" sz="1400" dirty="0">
-                <a:solidFill>
-                  <a:srgbClr val="666600"/>
-                </a:solidFill>
-                <a:latin typeface="Droid Sans Mono"/>
-              </a:rPr>
-              <a:t>(</a:t>
-            </a:r>
-            <a:r>
-              <a:rPr lang="en-US" sz="1400" dirty="0" err="1">
-                <a:solidFill>
-                  <a:srgbClr val="000000"/>
-                </a:solidFill>
-                <a:latin typeface="Droid Sans Mono"/>
-              </a:rPr>
-              <a:t>nameRe</a:t>
-            </a:r>
-            <a:r>
-              <a:rPr lang="en-US" sz="1400" dirty="0">
-                <a:solidFill>
-                  <a:srgbClr val="666600"/>
-                </a:solidFill>
-                <a:latin typeface="Droid Sans Mono"/>
-              </a:rPr>
-              <a:t>:</a:t>
-            </a:r>
-            <a:r>
-              <a:rPr lang="en-US" sz="1400" dirty="0">
-                <a:solidFill>
-                  <a:srgbClr val="000000"/>
-                </a:solidFill>
-                <a:latin typeface="Droid Sans Mono"/>
-              </a:rPr>
-              <a:t> </a:t>
-            </a:r>
-            <a:r>
-              <a:rPr lang="en-US" sz="1400" dirty="0" err="1">
-                <a:solidFill>
-                  <a:srgbClr val="FF0000"/>
-                </a:solidFill>
-                <a:latin typeface="Droid Sans Mono"/>
-              </a:rPr>
-              <a:t>RegExp</a:t>
-            </a:r>
-            <a:r>
-              <a:rPr lang="en-US" sz="1400" dirty="0">
-                <a:solidFill>
-                  <a:srgbClr val="666600"/>
-                </a:solidFill>
-                <a:latin typeface="Droid Sans Mono"/>
-              </a:rPr>
-              <a:t>):</a:t>
-            </a:r>
-            <a:r>
-              <a:rPr lang="en-US" sz="1400" dirty="0">
-                <a:solidFill>
-                  <a:srgbClr val="000000"/>
-                </a:solidFill>
-                <a:latin typeface="Droid Sans Mono"/>
-              </a:rPr>
-              <a:t> </a:t>
-            </a:r>
-            <a:r>
-              <a:rPr lang="en-US" sz="1400" dirty="0" err="1">
-                <a:solidFill>
-                  <a:srgbClr val="FF0000"/>
-                </a:solidFill>
-                <a:latin typeface="Droid Sans Mono"/>
-                <a:hlinkClick r:id="rId3"/>
-              </a:rPr>
-              <a:t>ValidatorFn</a:t>
-            </a:r>
-            <a:endParaRPr lang="en-US" sz="1400" dirty="0"/>
-          </a:p>
-          <a:p>
-            <a:pPr lvl="1"/>
-            <a:endParaRPr lang="en-US" dirty="0"/>
+              <a:rPr lang="en-US" sz="1700" dirty="0"/>
+              <a:t>Form Status: {{ </a:t>
+            </a:r>
+            <a:r>
+              <a:rPr lang="en-US" sz="1700" dirty="0" err="1"/>
+              <a:t>profileForm.status</a:t>
+            </a:r>
+            <a:r>
+              <a:rPr lang="en-US" sz="1700" dirty="0"/>
+              <a:t> }}</a:t>
+            </a:r>
           </a:p>
         </p:txBody>
       </p:sp>
+      <p:pic>
+        <p:nvPicPr>
+          <p:cNvPr id="5" name="Picture 4">
+            <a:extLst>
+              <a:ext uri="{FF2B5EF4-FFF2-40B4-BE49-F238E27FC236}">
+                <a16:creationId xmlns:a16="http://schemas.microsoft.com/office/drawing/2014/main" id="{A3ACDE0D-EEAC-419F-A7A2-703C54D94412}"/>
+              </a:ext>
+            </a:extLst>
+          </p:cNvPr>
+          <p:cNvPicPr>
+            <a:picLocks noChangeAspect="1"/>
+          </p:cNvPicPr>
+          <p:nvPr/>
+        </p:nvPicPr>
+        <p:blipFill>
+          <a:blip r:embed="rId4"/>
+          <a:stretch>
+            <a:fillRect/>
+          </a:stretch>
+        </p:blipFill>
+        <p:spPr>
+          <a:xfrm>
+            <a:off x="4114800" y="2596243"/>
+            <a:ext cx="3681411" cy="1395412"/>
+          </a:xfrm>
+          <a:prstGeom prst="rect">
+            <a:avLst/>
+          </a:prstGeom>
+        </p:spPr>
+      </p:pic>
     </p:spTree>
     <p:extLst>
       <p:ext uri="{BB962C8B-B14F-4D97-AF65-F5344CB8AC3E}">
-        <p14:creationId xmlns:p14="http://schemas.microsoft.com/office/powerpoint/2010/main" val="4141448784"/>
+        <p14:creationId xmlns:p14="http://schemas.microsoft.com/office/powerpoint/2010/main" val="2082413891"/>
       </p:ext>
     </p:extLst>
   </p:cSld>
   <p:clrMapOvr>
     <a:masterClrMapping/>
   </p:clrMapOvr>
-  <p:timing>
-    <p:tnLst>
-      <p:par>
-        <p:cTn id="1" dur="indefinite" restart="never" nodeType="tmRoot"/>
-      </p:par>
-    </p:tnLst>
-  </p:timing>
 </p:sld>
 </file>
 
@@ -33156,13 +33045,6 @@
   <p:clrMapOvr>
     <a:masterClrMapping/>
   </p:clrMapOvr>
-  <p:timing>
-    <p:tnLst>
-      <p:par>
-        <p:cTn id="1" dur="indefinite" restart="never" nodeType="tmRoot"/>
-      </p:par>
-    </p:tnLst>
-  </p:timing>
 </p:sld>
 </file>
 
@@ -33205,16 +33087,7 @@
                 <a:cs typeface="Calibri" panose="020F0502020204030204" pitchFamily="34" charset="0"/>
                 <a:sym typeface="Arial"/>
               </a:rPr>
-              <a:t>Set up </a:t>
-            </a:r>
-            <a:r>
-              <a:rPr lang="en-US" dirty="0" smtClean="0">
-                <a:latin typeface="Calibri" panose="020F0502020204030204" pitchFamily="34" charset="0"/>
-                <a:ea typeface="Arial"/>
-                <a:cs typeface="Calibri" panose="020F0502020204030204" pitchFamily="34" charset="0"/>
-                <a:sym typeface="Arial"/>
-              </a:rPr>
-              <a:t>Environment</a:t>
+              <a:t>Set up Environment</a:t>
             </a:r>
             <a:endParaRPr lang="en-US" dirty="0"/>
           </a:p>
@@ -33236,10 +33109,9 @@
           <a:lstStyle/>
           <a:p>
             <a:r>
-              <a:rPr lang="en-US" dirty="0" smtClean="0"/>
+              <a:rPr lang="en-US" dirty="0"/>
               <a:t>IDE</a:t>
             </a:r>
-            <a:endParaRPr lang="en-US" dirty="0"/>
           </a:p>
         </p:txBody>
       </p:sp>
@@ -33277,13 +33149,6 @@
   <p:clrMapOvr>
     <a:masterClrMapping/>
   </p:clrMapOvr>
-  <p:timing>
-    <p:tnLst>
-      <p:par>
-        <p:cTn id="1" dur="indefinite" restart="never" nodeType="tmRoot"/>
-      </p:par>
-    </p:tnLst>
-  </p:timing>
 </p:sld>
 </file>
 
@@ -33378,13 +33243,6 @@
   <p:clrMapOvr>
     <a:masterClrMapping/>
   </p:clrMapOvr>
-  <p:timing>
-    <p:tnLst>
-      <p:par>
-        <p:cTn id="1" dur="indefinite" restart="never" nodeType="tmRoot"/>
-      </p:par>
-    </p:tnLst>
-  </p:timing>
 </p:sld>
 </file>
 
@@ -33571,13 +33429,6 @@
   <p:clrMapOvr>
     <a:masterClrMapping/>
   </p:clrMapOvr>
-  <p:timing>
-    <p:tnLst>
-      <p:par>
-        <p:cTn id="1" dur="indefinite" restart="never" nodeType="tmRoot"/>
-      </p:par>
-    </p:tnLst>
-  </p:timing>
 </p:sld>
 </file>
 
@@ -33733,13 +33584,6 @@
   <p:clrMapOvr>
     <a:masterClrMapping/>
   </p:clrMapOvr>
-  <p:timing>
-    <p:tnLst>
-      <p:par>
-        <p:cTn id="1" dur="indefinite" restart="never" nodeType="tmRoot"/>
-      </p:par>
-    </p:tnLst>
-  </p:timing>
 </p:sld>
 </file>
 
@@ -34527,10 +34371,6 @@
               </a:rPr>
               <a:t>}]</a:t>
             </a:r>
-            <a:r>
-              <a:rPr lang="en-US" sz="1100" dirty="0"/>
-              <a:t/>
-            </a:r>
             <a:br>
               <a:rPr lang="en-US" sz="1100" dirty="0"/>
             </a:br>
@@ -34548,13 +34388,6 @@
   <p:clrMapOvr>
     <a:masterClrMapping/>
   </p:clrMapOvr>
-  <p:timing>
-    <p:tnLst>
-      <p:par>
-        <p:cTn id="1" dur="indefinite" restart="never" nodeType="tmRoot"/>
-      </p:par>
-    </p:tnLst>
-  </p:timing>
 </p:sld>
 </file>
 
@@ -34979,13 +34812,6 @@
   <p:clrMapOvr>
     <a:masterClrMapping/>
   </p:clrMapOvr>
-  <p:timing>
-    <p:tnLst>
-      <p:par>
-        <p:cTn id="1" dur="indefinite" restart="never" nodeType="tmRoot"/>
-      </p:par>
-    </p:tnLst>
-  </p:timing>
 </p:sld>
 </file>
 
@@ -35087,13 +34913,6 @@
   <p:clrMapOvr>
     <a:masterClrMapping/>
   </p:clrMapOvr>
-  <p:timing>
-    <p:tnLst>
-      <p:par>
-        <p:cTn id="1" dur="indefinite" restart="never" nodeType="tmRoot"/>
-      </p:par>
-    </p:tnLst>
-  </p:timing>
 </p:sld>
 </file>
 
@@ -35156,19 +34975,13 @@
               <a:rPr lang="en-US" sz="1200" dirty="0">
                 <a:hlinkClick r:id="rId2"/>
               </a:rPr>
-              <a:t>https://</a:t>
-            </a:r>
-            <a:r>
-              <a:rPr lang="en-US" sz="1200" dirty="0" smtClean="0">
-                <a:hlinkClick r:id="rId2"/>
-              </a:rPr>
-              <a:t>developer.mozilla.org/en-US/docs/Web/JavaScript/Reference/Global_Objects/Promise</a:t>
-            </a:r>
-            <a:endParaRPr lang="en-US" sz="1200" dirty="0" smtClean="0"/>
-          </a:p>
-          <a:p>
-            <a:r>
-              <a:rPr lang="vi-VN" dirty="0" smtClean="0"/>
+              <a:t>https://developer.mozilla.org/en-US/docs/Web/JavaScript/Reference/Global_Objects/Promise</a:t>
+            </a:r>
+            <a:endParaRPr lang="en-US" sz="1200" dirty="0"/>
+          </a:p>
+          <a:p>
+            <a:r>
+              <a:rPr lang="vi-VN" dirty="0"/>
               <a:t>L</a:t>
             </a:r>
             <a:r>
@@ -35241,13 +35054,6 @@
   <p:clrMapOvr>
     <a:masterClrMapping/>
   </p:clrMapOvr>
-  <p:timing>
-    <p:tnLst>
-      <p:par>
-        <p:cTn id="1" dur="indefinite" restart="never" nodeType="tmRoot"/>
-      </p:par>
-    </p:tnLst>
-  </p:timing>
 </p:sld>
 </file>
 
@@ -35408,13 +35214,6 @@
   <p:clrMapOvr>
     <a:masterClrMapping/>
   </p:clrMapOvr>
-  <p:timing>
-    <p:tnLst>
-      <p:par>
-        <p:cTn id="1" dur="indefinite" restart="never" nodeType="tmRoot"/>
-      </p:par>
-    </p:tnLst>
-  </p:timing>
 </p:sld>
 </file>
 
@@ -35451,7 +35250,7 @@
           <a:lstStyle/>
           <a:p>
             <a:r>
-              <a:rPr lang="en-US" dirty="0" smtClean="0">
+              <a:rPr lang="en-US" dirty="0">
                 <a:latin typeface="+mn-lt"/>
                 <a:ea typeface="Arial"/>
                 <a:cs typeface="Arial"/>
@@ -35460,7 +35259,7 @@
               <a:t>Http</a:t>
             </a:r>
             <a:r>
-              <a:rPr lang="vi-VN" dirty="0" smtClean="0">
+              <a:rPr lang="vi-VN" dirty="0">
                 <a:latin typeface="+mn-lt"/>
                 <a:ea typeface="Arial"/>
                 <a:cs typeface="Arial"/>
@@ -35469,7 +35268,7 @@
               <a:t> </a:t>
             </a:r>
             <a:r>
-              <a:rPr lang="en-US" dirty="0" smtClean="0">
+              <a:rPr lang="en-US" dirty="0">
                 <a:latin typeface="+mn-lt"/>
                 <a:ea typeface="Arial"/>
                 <a:cs typeface="Arial"/>
@@ -35534,13 +35333,6 @@
   <p:clrMapOvr>
     <a:masterClrMapping/>
   </p:clrMapOvr>
-  <p:timing>
-    <p:tnLst>
-      <p:par>
-        <p:cTn id="1" dur="indefinite" restart="never" nodeType="tmRoot"/>
-      </p:par>
-    </p:tnLst>
-  </p:timing>
 </p:sld>
 </file>
 
@@ -35577,7 +35369,7 @@
           <a:lstStyle/>
           <a:p>
             <a:r>
-              <a:rPr lang="en-US" dirty="0" smtClean="0">
+              <a:rPr lang="en-US" dirty="0">
                 <a:latin typeface="+mn-lt"/>
                 <a:ea typeface="Arial"/>
                 <a:cs typeface="Arial"/>
@@ -35586,7 +35378,7 @@
               <a:t>Http</a:t>
             </a:r>
             <a:r>
-              <a:rPr lang="vi-VN" dirty="0" smtClean="0">
+              <a:rPr lang="vi-VN" dirty="0">
                 <a:latin typeface="+mn-lt"/>
                 <a:ea typeface="Arial"/>
                 <a:cs typeface="Arial"/>
@@ -35595,7 +35387,7 @@
               <a:t> </a:t>
             </a:r>
             <a:r>
-              <a:rPr lang="en-US" dirty="0" smtClean="0">
+              <a:rPr lang="en-US" dirty="0">
                 <a:latin typeface="+mn-lt"/>
                 <a:ea typeface="Arial"/>
                 <a:cs typeface="Arial"/>
@@ -35716,13 +35508,6 @@
   <p:clrMapOvr>
     <a:masterClrMapping/>
   </p:clrMapOvr>
-  <p:timing>
-    <p:tnLst>
-      <p:par>
-        <p:cTn id="1" dur="indefinite" restart="never" nodeType="tmRoot"/>
-      </p:par>
-    </p:tnLst>
-  </p:timing>
 </p:sld>
 </file>
 
@@ -35759,7 +35544,7 @@
           <a:lstStyle/>
           <a:p>
             <a:r>
-              <a:rPr lang="en-US" dirty="0" smtClean="0">
+              <a:rPr lang="en-US" dirty="0">
                 <a:latin typeface="Calibri" panose="020F0502020204030204" pitchFamily="34" charset="0"/>
                 <a:ea typeface="Arial"/>
                 <a:cs typeface="Calibri" panose="020F0502020204030204" pitchFamily="34" charset="0"/>
@@ -35806,7 +35591,7 @@
           <a:p>
             <a:pPr lvl="1"/>
             <a:r>
-              <a:rPr lang="vi-VN" b="0" i="0" dirty="0" smtClean="0">
+              <a:rPr lang="vi-VN" b="0" i="0" dirty="0">
                 <a:solidFill>
                   <a:srgbClr val="24292E"/>
                 </a:solidFill>
@@ -35819,24 +35604,14 @@
           <a:p>
             <a:pPr lvl="2"/>
             <a:r>
-              <a:rPr lang="en-US" b="0" i="0" dirty="0" smtClean="0">
+              <a:rPr lang="en-US" b="0" i="0" dirty="0">
                 <a:solidFill>
                   <a:srgbClr val="24292E"/>
                 </a:solidFill>
                 <a:effectLst/>
                 <a:latin typeface="-apple-system"/>
               </a:rPr>
-              <a:t>Angular </a:t>
-            </a:r>
-            <a:r>
-              <a:rPr lang="en-US" b="0" i="0" dirty="0">
-                <a:solidFill>
-                  <a:srgbClr val="24292E"/>
-                </a:solidFill>
-                <a:effectLst/>
-                <a:latin typeface="-apple-system"/>
-              </a:rPr>
-              <a:t>Language Service, </a:t>
+              <a:t>Angular Language Service, </a:t>
             </a:r>
             <a:r>
               <a:rPr lang="en-US" b="0" i="0" dirty="0" err="1">
@@ -35935,13 +35710,6 @@
   <p:clrMapOvr>
     <a:masterClrMapping/>
   </p:clrMapOvr>
-  <p:timing>
-    <p:tnLst>
-      <p:par>
-        <p:cTn id="1" dur="indefinite" restart="never" nodeType="tmRoot"/>
-      </p:par>
-    </p:tnLst>
-  </p:timing>
 </p:sld>
 </file>
 
@@ -36065,13 +35833,6 @@
   <p:clrMapOvr>
     <a:masterClrMapping/>
   </p:clrMapOvr>
-  <p:timing>
-    <p:tnLst>
-      <p:par>
-        <p:cTn id="1" dur="indefinite" restart="never" nodeType="tmRoot"/>
-      </p:par>
-    </p:tnLst>
-  </p:timing>
 </p:sld>
 </file>
 
@@ -36108,7 +35869,7 @@
           <a:lstStyle/>
           <a:p>
             <a:r>
-              <a:rPr lang="en-US" dirty="0" smtClean="0">
+              <a:rPr lang="en-US" dirty="0">
                 <a:latin typeface="+mn-lt"/>
                 <a:ea typeface="Arial"/>
                 <a:cs typeface="Arial"/>
@@ -36126,7 +35887,7 @@
               <a:t> </a:t>
             </a:r>
             <a:r>
-              <a:rPr lang="en-US" dirty="0" smtClean="0">
+              <a:rPr lang="en-US" dirty="0">
                 <a:latin typeface="+mn-lt"/>
                 <a:ea typeface="Arial"/>
                 <a:cs typeface="Arial"/>
@@ -36491,13 +36252,6 @@
   <p:clrMapOvr>
     <a:masterClrMapping/>
   </p:clrMapOvr>
-  <p:timing>
-    <p:tnLst>
-      <p:par>
-        <p:cTn id="1" dur="indefinite" restart="never" nodeType="tmRoot"/>
-      </p:par>
-    </p:tnLst>
-  </p:timing>
 </p:sld>
 </file>
 
@@ -36534,7 +36288,7 @@
           <a:lstStyle/>
           <a:p>
             <a:r>
-              <a:rPr lang="en-US" dirty="0" smtClean="0">
+              <a:rPr lang="en-US" dirty="0">
                 <a:latin typeface="+mn-lt"/>
                 <a:ea typeface="Arial"/>
                 <a:cs typeface="Arial"/>
@@ -36543,7 +36297,7 @@
               <a:t>Http</a:t>
             </a:r>
             <a:r>
-              <a:rPr lang="vi-VN" dirty="0" smtClean="0">
+              <a:rPr lang="vi-VN" dirty="0">
                 <a:latin typeface="+mn-lt"/>
                 <a:ea typeface="Arial"/>
                 <a:cs typeface="Arial"/>
@@ -36552,7 +36306,7 @@
               <a:t> </a:t>
             </a:r>
             <a:r>
-              <a:rPr lang="en-US" dirty="0" smtClean="0">
+              <a:rPr lang="en-US" dirty="0">
                 <a:latin typeface="+mn-lt"/>
                 <a:ea typeface="Arial"/>
                 <a:cs typeface="Arial"/>
@@ -36639,13 +36393,6 @@
   <p:clrMapOvr>
     <a:masterClrMapping/>
   </p:clrMapOvr>
-  <p:timing>
-    <p:tnLst>
-      <p:par>
-        <p:cTn id="1" dur="indefinite" restart="never" nodeType="tmRoot"/>
-      </p:par>
-    </p:tnLst>
-  </p:timing>
 </p:sld>
 </file>
 
@@ -36682,7 +36429,7 @@
           <a:lstStyle/>
           <a:p>
             <a:r>
-              <a:rPr lang="en-US" dirty="0" smtClean="0">
+              <a:rPr lang="en-US" dirty="0">
                 <a:latin typeface="+mn-lt"/>
                 <a:ea typeface="Arial"/>
                 <a:cs typeface="Arial"/>
@@ -36691,7 +36438,7 @@
               <a:t>Http</a:t>
             </a:r>
             <a:r>
-              <a:rPr lang="vi-VN" dirty="0" smtClean="0">
+              <a:rPr lang="vi-VN" dirty="0">
                 <a:latin typeface="+mn-lt"/>
                 <a:ea typeface="Arial"/>
                 <a:cs typeface="Arial"/>
@@ -36700,7 +36447,7 @@
               <a:t> </a:t>
             </a:r>
             <a:r>
-              <a:rPr lang="en-US" dirty="0" smtClean="0">
+              <a:rPr lang="en-US" dirty="0">
                 <a:latin typeface="+mn-lt"/>
                 <a:ea typeface="Arial"/>
                 <a:cs typeface="Arial"/>
@@ -36816,13 +36563,6 @@
   <p:clrMapOvr>
     <a:masterClrMapping/>
   </p:clrMapOvr>
-  <p:timing>
-    <p:tnLst>
-      <p:par>
-        <p:cTn id="1" dur="indefinite" restart="never" nodeType="tmRoot"/>
-      </p:par>
-    </p:tnLst>
-  </p:timing>
 </p:sld>
 </file>
 
@@ -36859,7 +36599,7 @@
           <a:lstStyle/>
           <a:p>
             <a:r>
-              <a:rPr lang="en-US" dirty="0" smtClean="0">
+              <a:rPr lang="en-US" dirty="0">
                 <a:latin typeface="+mn-lt"/>
                 <a:ea typeface="Arial"/>
                 <a:cs typeface="Arial"/>
@@ -36868,7 +36608,7 @@
               <a:t>Http</a:t>
             </a:r>
             <a:r>
-              <a:rPr lang="vi-VN" dirty="0" smtClean="0">
+              <a:rPr lang="vi-VN" dirty="0">
                 <a:latin typeface="+mn-lt"/>
                 <a:ea typeface="Arial"/>
                 <a:cs typeface="Arial"/>
@@ -36877,7 +36617,7 @@
               <a:t> </a:t>
             </a:r>
             <a:r>
-              <a:rPr lang="en-US" dirty="0" smtClean="0">
+              <a:rPr lang="en-US" dirty="0">
                 <a:latin typeface="+mn-lt"/>
                 <a:ea typeface="Arial"/>
                 <a:cs typeface="Arial"/>
@@ -37024,13 +36764,6 @@
   <p:clrMapOvr>
     <a:masterClrMapping/>
   </p:clrMapOvr>
-  <p:timing>
-    <p:tnLst>
-      <p:par>
-        <p:cTn id="1" dur="indefinite" restart="never" nodeType="tmRoot"/>
-      </p:par>
-    </p:tnLst>
-  </p:timing>
 </p:sld>
 </file>
 
@@ -37124,13 +36857,6 @@
   <p:clrMapOvr>
     <a:masterClrMapping/>
   </p:clrMapOvr>
-  <p:timing>
-    <p:tnLst>
-      <p:par>
-        <p:cTn id="1" dur="indefinite" restart="never" nodeType="tmRoot"/>
-      </p:par>
-    </p:tnLst>
-  </p:timing>
 </p:sld>
 </file>
 
@@ -37391,10 +37117,6 @@
                 <a:latin typeface="Droid Sans Mono"/>
               </a:rPr>
               <a:t>&lt;/a&gt;</a:t>
-            </a:r>
-            <a:r>
-              <a:rPr lang="en-US" dirty="0"/>
-              <a:t/>
             </a:r>
             <a:br>
               <a:rPr lang="en-US" dirty="0"/>
@@ -37437,13 +37159,6 @@
   <p:clrMapOvr>
     <a:masterClrMapping/>
   </p:clrMapOvr>
-  <p:timing>
-    <p:tnLst>
-      <p:par>
-        <p:cTn id="1" dur="indefinite" restart="never" nodeType="tmRoot"/>
-      </p:par>
-    </p:tnLst>
-  </p:timing>
 </p:sld>
 </file>
 
@@ -37768,13 +37483,6 @@
   <p:clrMapOvr>
     <a:masterClrMapping/>
   </p:clrMapOvr>
-  <p:timing>
-    <p:tnLst>
-      <p:par>
-        <p:cTn id="1" dur="indefinite" restart="never" nodeType="tmRoot"/>
-      </p:par>
-    </p:tnLst>
-  </p:timing>
 </p:sld>
 </file>
 
@@ -37924,13 +37632,6 @@
   <p:clrMapOvr>
     <a:masterClrMapping/>
   </p:clrMapOvr>
-  <p:timing>
-    <p:tnLst>
-      <p:par>
-        <p:cTn id="1" dur="indefinite" restart="never" nodeType="tmRoot"/>
-      </p:par>
-    </p:tnLst>
-  </p:timing>
 </p:sld>
 </file>
 
@@ -38030,16 +37731,10 @@
           </a:p>
           <a:p>
             <a:r>
-              <a:rPr lang="en-US" dirty="0" smtClean="0">
-                <a:hlinkClick r:id="rId6"/>
-              </a:rPr>
-              <a:t>https</a:t>
-            </a:r>
-            <a:r>
               <a:rPr lang="en-US" dirty="0">
                 <a:hlinkClick r:id="rId6"/>
               </a:rPr>
-              <a:t>://techtalk.vn/chon-promise-hay-observable-khi-lam-viec-voi-angular.html</a:t>
+              <a:t>https://techtalk.vn/chon-promise-hay-observable-khi-lam-viec-voi-angular.html</a:t>
             </a:r>
             <a:endParaRPr lang="en-US" dirty="0"/>
           </a:p>
@@ -38055,13 +37750,6 @@
   <p:clrMapOvr>
     <a:masterClrMapping/>
   </p:clrMapOvr>
-  <p:timing>
-    <p:tnLst>
-      <p:par>
-        <p:cTn id="1" dur="indefinite" restart="never" nodeType="tmRoot"/>
-      </p:par>
-    </p:tnLst>
-  </p:timing>
 </p:sld>
 </file>
 

--- a/docs/Angular Training.pptx
+++ b/docs/Angular Training.pptx
@@ -5,7 +5,7 @@
     <p:sldMasterId id="2147483659" r:id="rId1"/>
   </p:sldMasterIdLst>
   <p:notesMasterIdLst>
-    <p:notesMasterId r:id="rId117"/>
+    <p:notesMasterId r:id="rId119"/>
   </p:notesMasterIdLst>
   <p:sldIdLst>
     <p:sldId id="256" r:id="rId2"/>
@@ -100,44 +100,46 @@
     <p:sldId id="432" r:id="rId91"/>
     <p:sldId id="327" r:id="rId92"/>
     <p:sldId id="344" r:id="rId93"/>
-    <p:sldId id="345" r:id="rId94"/>
-    <p:sldId id="346" r:id="rId95"/>
-    <p:sldId id="347" r:id="rId96"/>
-    <p:sldId id="348" r:id="rId97"/>
-    <p:sldId id="349" r:id="rId98"/>
-    <p:sldId id="350" r:id="rId99"/>
-    <p:sldId id="351" r:id="rId100"/>
-    <p:sldId id="352" r:id="rId101"/>
-    <p:sldId id="353" r:id="rId102"/>
-    <p:sldId id="396" r:id="rId103"/>
-    <p:sldId id="397" r:id="rId104"/>
-    <p:sldId id="398" r:id="rId105"/>
-    <p:sldId id="399" r:id="rId106"/>
-    <p:sldId id="400" r:id="rId107"/>
-    <p:sldId id="401" r:id="rId108"/>
-    <p:sldId id="402" r:id="rId109"/>
-    <p:sldId id="403" r:id="rId110"/>
-    <p:sldId id="404" r:id="rId111"/>
-    <p:sldId id="405" r:id="rId112"/>
-    <p:sldId id="406" r:id="rId113"/>
-    <p:sldId id="407" r:id="rId114"/>
-    <p:sldId id="408" r:id="rId115"/>
-    <p:sldId id="409" r:id="rId116"/>
+    <p:sldId id="433" r:id="rId94"/>
+    <p:sldId id="345" r:id="rId95"/>
+    <p:sldId id="346" r:id="rId96"/>
+    <p:sldId id="434" r:id="rId97"/>
+    <p:sldId id="347" r:id="rId98"/>
+    <p:sldId id="348" r:id="rId99"/>
+    <p:sldId id="349" r:id="rId100"/>
+    <p:sldId id="350" r:id="rId101"/>
+    <p:sldId id="351" r:id="rId102"/>
+    <p:sldId id="352" r:id="rId103"/>
+    <p:sldId id="353" r:id="rId104"/>
+    <p:sldId id="396" r:id="rId105"/>
+    <p:sldId id="397" r:id="rId106"/>
+    <p:sldId id="398" r:id="rId107"/>
+    <p:sldId id="399" r:id="rId108"/>
+    <p:sldId id="400" r:id="rId109"/>
+    <p:sldId id="401" r:id="rId110"/>
+    <p:sldId id="402" r:id="rId111"/>
+    <p:sldId id="403" r:id="rId112"/>
+    <p:sldId id="404" r:id="rId113"/>
+    <p:sldId id="405" r:id="rId114"/>
+    <p:sldId id="406" r:id="rId115"/>
+    <p:sldId id="407" r:id="rId116"/>
+    <p:sldId id="408" r:id="rId117"/>
+    <p:sldId id="409" r:id="rId118"/>
   </p:sldIdLst>
   <p:sldSz cx="9144000" cy="5143500" type="screen16x9"/>
   <p:notesSz cx="6858000" cy="9144000"/>
   <p:embeddedFontLst>
     <p:embeddedFont>
-      <p:font typeface="Calibri" panose="020F0502020204030204" pitchFamily="34" charset="0"/>
-      <p:regular r:id="rId118"/>
-      <p:bold r:id="rId119"/>
-      <p:italic r:id="rId120"/>
-      <p:boldItalic r:id="rId121"/>
+      <p:font typeface="Tahoma" panose="020B0604030504040204" pitchFamily="34" charset="0"/>
+      <p:regular r:id="rId120"/>
+      <p:bold r:id="rId121"/>
     </p:embeddedFont>
     <p:embeddedFont>
-      <p:font typeface="Tahoma" panose="020B0604030504040204" pitchFamily="34" charset="0"/>
+      <p:font typeface="Calibri" panose="020F0502020204030204" pitchFamily="34" charset="0"/>
       <p:regular r:id="rId122"/>
       <p:bold r:id="rId123"/>
+      <p:italic r:id="rId124"/>
+      <p:boldItalic r:id="rId125"/>
     </p:embeddedFont>
   </p:embeddedFontLst>
   <p:defaultTextStyle>
@@ -16172,6 +16174,487 @@
           <a:p>
             <a:r>
               <a:rPr lang="en-US" dirty="0">
+                <a:latin typeface="+mn-lt"/>
+                <a:ea typeface="Arial"/>
+                <a:cs typeface="Arial"/>
+                <a:sym typeface="Arial"/>
+              </a:rPr>
+              <a:t>Routing &amp; Navigation</a:t>
+            </a:r>
+            <a:endParaRPr lang="en-US" dirty="0">
+              <a:latin typeface="+mn-lt"/>
+            </a:endParaRPr>
+          </a:p>
+        </p:txBody>
+      </p:sp>
+      <p:sp>
+        <p:nvSpPr>
+          <p:cNvPr id="3" name="Text Placeholder 2"/>
+          <p:cNvSpPr>
+            <a:spLocks noGrp="1"/>
+          </p:cNvSpPr>
+          <p:nvPr>
+            <p:ph type="body" idx="1"/>
+          </p:nvPr>
+        </p:nvSpPr>
+        <p:spPr/>
+        <p:txBody>
+          <a:bodyPr/>
+          <a:lstStyle/>
+          <a:p>
+            <a:r>
+              <a:rPr lang="vi-VN" dirty="0">
+                <a:hlinkClick r:id="rId2"/>
+              </a:rPr>
+              <a:t>https://</a:t>
+            </a:r>
+            <a:r>
+              <a:rPr lang="vi-VN" dirty="0" smtClean="0">
+                <a:hlinkClick r:id="rId2"/>
+              </a:rPr>
+              <a:t>angular.io/guide/router</a:t>
+            </a:r>
+            <a:endParaRPr lang="vi-VN" dirty="0"/>
+          </a:p>
+          <a:p>
+            <a:r>
+              <a:rPr lang="vi-VN" dirty="0" smtClean="0"/>
+              <a:t>Y</a:t>
+            </a:r>
+            <a:r>
+              <a:rPr lang="en-US" dirty="0" err="1" smtClean="0"/>
+              <a:t>ou</a:t>
+            </a:r>
+            <a:r>
+              <a:rPr lang="en-US" dirty="0" smtClean="0"/>
+              <a:t> </a:t>
+            </a:r>
+            <a:r>
+              <a:rPr lang="en-US" dirty="0"/>
+              <a:t>change what the user sees by showing or hiding portions of the display that correspond to particular components, rather than going out to the server to get a new page. </a:t>
+            </a:r>
+            <a:endParaRPr lang="vi-VN" dirty="0"/>
+          </a:p>
+          <a:p>
+            <a:pPr marL="95250" indent="0">
+              <a:buNone/>
+            </a:pPr>
+            <a:endParaRPr lang="en-US" dirty="0"/>
+          </a:p>
+        </p:txBody>
+      </p:sp>
+      <p:pic>
+        <p:nvPicPr>
+          <p:cNvPr id="1026" name="Picture 2" descr="Angular Routing – Grasp"/>
+          <p:cNvPicPr>
+            <a:picLocks noChangeAspect="1" noChangeArrowheads="1"/>
+          </p:cNvPicPr>
+          <p:nvPr/>
+        </p:nvPicPr>
+        <p:blipFill>
+          <a:blip r:embed="rId3">
+            <a:extLst>
+              <a:ext uri="{28A0092B-C50C-407E-A947-70E740481C1C}">
+                <a14:useLocalDpi xmlns:a14="http://schemas.microsoft.com/office/drawing/2010/main" val="0"/>
+              </a:ext>
+            </a:extLst>
+          </a:blip>
+          <a:srcRect/>
+          <a:stretch>
+            <a:fillRect/>
+          </a:stretch>
+        </p:blipFill>
+        <p:spPr bwMode="auto">
+          <a:xfrm>
+            <a:off x="2590800" y="2800350"/>
+            <a:ext cx="3479800" cy="2174875"/>
+          </a:xfrm>
+          <a:prstGeom prst="rect">
+            <a:avLst/>
+          </a:prstGeom>
+          <a:noFill/>
+          <a:extLst>
+            <a:ext uri="{909E8E84-426E-40DD-AFC4-6F175D3DCCD1}">
+              <a14:hiddenFill xmlns:a14="http://schemas.microsoft.com/office/drawing/2010/main">
+                <a:solidFill>
+                  <a:srgbClr val="FFFFFF"/>
+                </a:solidFill>
+              </a14:hiddenFill>
+            </a:ext>
+          </a:extLst>
+        </p:spPr>
+      </p:pic>
+    </p:spTree>
+    <p:extLst>
+      <p:ext uri="{BB962C8B-B14F-4D97-AF65-F5344CB8AC3E}">
+        <p14:creationId xmlns:p14="http://schemas.microsoft.com/office/powerpoint/2010/main" val="3874761778"/>
+      </p:ext>
+    </p:extLst>
+  </p:cSld>
+  <p:clrMapOvr>
+    <a:masterClrMapping/>
+  </p:clrMapOvr>
+  <p:timing>
+    <p:tnLst>
+      <p:par>
+        <p:cTn id="1" dur="indefinite" restart="never" nodeType="tmRoot"/>
+      </p:par>
+    </p:tnLst>
+  </p:timing>
+</p:sld>
+</file>
+
+<file path=ppt/slides/slide101.xml><?xml version="1.0" encoding="utf-8"?>
+<p:sld xmlns:a="http://schemas.openxmlformats.org/drawingml/2006/main" xmlns:r="http://schemas.openxmlformats.org/officeDocument/2006/relationships" xmlns:p="http://schemas.openxmlformats.org/presentationml/2006/main">
+  <p:cSld>
+    <p:spTree>
+      <p:nvGrpSpPr>
+        <p:cNvPr id="1" name=""/>
+        <p:cNvGrpSpPr/>
+        <p:nvPr/>
+      </p:nvGrpSpPr>
+      <p:grpSpPr>
+        <a:xfrm>
+          <a:off x="0" y="0"/>
+          <a:ext cx="0" cy="0"/>
+          <a:chOff x="0" y="0"/>
+          <a:chExt cx="0" cy="0"/>
+        </a:xfrm>
+      </p:grpSpPr>
+      <p:sp>
+        <p:nvSpPr>
+          <p:cNvPr id="2" name="Title 1"/>
+          <p:cNvSpPr>
+            <a:spLocks noGrp="1"/>
+          </p:cNvSpPr>
+          <p:nvPr>
+            <p:ph type="title"/>
+          </p:nvPr>
+        </p:nvSpPr>
+        <p:spPr/>
+        <p:txBody>
+          <a:bodyPr/>
+          <a:lstStyle/>
+          <a:p>
+            <a:r>
+              <a:rPr lang="en-US" dirty="0">
+                <a:ea typeface="Arial"/>
+                <a:cs typeface="Arial"/>
+                <a:sym typeface="Arial"/>
+              </a:rPr>
+              <a:t>Routing &amp; Navigation</a:t>
+            </a:r>
+            <a:endParaRPr lang="en-US" dirty="0">
+              <a:latin typeface="+mn-lt"/>
+              <a:ea typeface="Arial"/>
+              <a:cs typeface="Arial"/>
+            </a:endParaRPr>
+          </a:p>
+        </p:txBody>
+      </p:sp>
+      <p:sp>
+        <p:nvSpPr>
+          <p:cNvPr id="3" name="Text Placeholder 2"/>
+          <p:cNvSpPr>
+            <a:spLocks noGrp="1"/>
+          </p:cNvSpPr>
+          <p:nvPr>
+            <p:ph type="body" idx="1"/>
+          </p:nvPr>
+        </p:nvSpPr>
+        <p:spPr/>
+        <p:txBody>
+          <a:bodyPr/>
+          <a:lstStyle/>
+          <a:p>
+            <a:r>
+              <a:rPr lang="en-US" dirty="0"/>
+              <a:t>Defining a basic route</a:t>
+            </a:r>
+          </a:p>
+          <a:p>
+            <a:pPr lvl="1"/>
+            <a:r>
+              <a:rPr lang="en-US" dirty="0"/>
+              <a:t>Import the </a:t>
+            </a:r>
+            <a:r>
+              <a:rPr lang="en-US" b="1" dirty="0" err="1"/>
+              <a:t>AppRoutingModule</a:t>
+            </a:r>
+            <a:r>
+              <a:rPr lang="en-US" b="1" dirty="0"/>
+              <a:t> </a:t>
+            </a:r>
+            <a:r>
+              <a:rPr lang="en-US" dirty="0"/>
+              <a:t>into </a:t>
+            </a:r>
+            <a:r>
+              <a:rPr lang="en-US" dirty="0" err="1"/>
+              <a:t>AppModule</a:t>
+            </a:r>
+            <a:r>
+              <a:rPr lang="en-US" dirty="0"/>
+              <a:t> and add it to the imports array.</a:t>
+            </a:r>
+            <a:endParaRPr lang="vi-VN" dirty="0"/>
+          </a:p>
+          <a:p>
+            <a:pPr lvl="1"/>
+            <a:r>
+              <a:rPr lang="en-US" dirty="0"/>
+              <a:t>Import </a:t>
+            </a:r>
+            <a:r>
+              <a:rPr lang="en-US" b="1" dirty="0" err="1"/>
+              <a:t>RouterModule</a:t>
+            </a:r>
+            <a:r>
+              <a:rPr lang="en-US" dirty="0"/>
+              <a:t> and Routes into your routing module.</a:t>
+            </a:r>
+            <a:endParaRPr lang="vi-VN" dirty="0"/>
+          </a:p>
+          <a:p>
+            <a:pPr lvl="1"/>
+            <a:r>
+              <a:rPr lang="en-US" dirty="0"/>
+              <a:t>Define your routes in your Routes array.</a:t>
+            </a:r>
+            <a:endParaRPr lang="vi-VN" dirty="0"/>
+          </a:p>
+          <a:p>
+            <a:pPr lvl="1"/>
+            <a:endParaRPr lang="vi-VN" dirty="0"/>
+          </a:p>
+          <a:p>
+            <a:pPr lvl="1"/>
+            <a:endParaRPr lang="vi-VN" dirty="0"/>
+          </a:p>
+          <a:p>
+            <a:pPr lvl="1"/>
+            <a:endParaRPr lang="vi-VN" dirty="0"/>
+          </a:p>
+          <a:p>
+            <a:pPr lvl="1"/>
+            <a:r>
+              <a:rPr lang="en-US" dirty="0"/>
+              <a:t>Add your routes to your application.</a:t>
+            </a:r>
+            <a:endParaRPr lang="vi-VN" dirty="0"/>
+          </a:p>
+          <a:p>
+            <a:pPr lvl="2"/>
+            <a:r>
+              <a:rPr lang="en-US" sz="1200" dirty="0">
+                <a:solidFill>
+                  <a:srgbClr val="000088"/>
+                </a:solidFill>
+                <a:latin typeface="Droid Sans Mono"/>
+              </a:rPr>
+              <a:t>&lt;a</a:t>
+            </a:r>
+            <a:r>
+              <a:rPr lang="en-US" sz="1200" dirty="0">
+                <a:solidFill>
+                  <a:srgbClr val="000000"/>
+                </a:solidFill>
+                <a:latin typeface="Droid Sans Mono"/>
+              </a:rPr>
+              <a:t> </a:t>
+            </a:r>
+            <a:r>
+              <a:rPr lang="en-US" sz="1200" dirty="0" err="1">
+                <a:solidFill>
+                  <a:srgbClr val="660066"/>
+                </a:solidFill>
+                <a:latin typeface="Droid Sans Mono"/>
+                <a:hlinkClick r:id="rId2"/>
+              </a:rPr>
+              <a:t>routerLink</a:t>
+            </a:r>
+            <a:r>
+              <a:rPr lang="en-US" sz="1200" dirty="0">
+                <a:solidFill>
+                  <a:srgbClr val="666600"/>
+                </a:solidFill>
+                <a:latin typeface="Droid Sans Mono"/>
+              </a:rPr>
+              <a:t>=</a:t>
+            </a:r>
+            <a:r>
+              <a:rPr lang="en-US" sz="1200" dirty="0">
+                <a:solidFill>
+                  <a:srgbClr val="880000"/>
+                </a:solidFill>
+                <a:latin typeface="Droid Sans Mono"/>
+              </a:rPr>
+              <a:t>"/first-component"</a:t>
+            </a:r>
+            <a:r>
+              <a:rPr lang="en-US" sz="1200" dirty="0">
+                <a:solidFill>
+                  <a:srgbClr val="000000"/>
+                </a:solidFill>
+                <a:latin typeface="Droid Sans Mono"/>
+              </a:rPr>
+              <a:t> </a:t>
+            </a:r>
+            <a:r>
+              <a:rPr lang="en-US" sz="1200" dirty="0" err="1">
+                <a:solidFill>
+                  <a:srgbClr val="660066"/>
+                </a:solidFill>
+                <a:latin typeface="Droid Sans Mono"/>
+                <a:hlinkClick r:id="rId3"/>
+              </a:rPr>
+              <a:t>routerLinkActive</a:t>
+            </a:r>
+            <a:r>
+              <a:rPr lang="en-US" sz="1200" dirty="0">
+                <a:solidFill>
+                  <a:srgbClr val="666600"/>
+                </a:solidFill>
+                <a:latin typeface="Droid Sans Mono"/>
+              </a:rPr>
+              <a:t>=</a:t>
+            </a:r>
+            <a:r>
+              <a:rPr lang="en-US" sz="1200" dirty="0">
+                <a:solidFill>
+                  <a:srgbClr val="880000"/>
+                </a:solidFill>
+                <a:latin typeface="Droid Sans Mono"/>
+              </a:rPr>
+              <a:t>"active"</a:t>
+            </a:r>
+            <a:r>
+              <a:rPr lang="en-US" sz="1200" dirty="0">
+                <a:solidFill>
+                  <a:srgbClr val="000088"/>
+                </a:solidFill>
+                <a:latin typeface="Droid Sans Mono"/>
+              </a:rPr>
+              <a:t>&gt;</a:t>
+            </a:r>
+            <a:r>
+              <a:rPr lang="en-US" sz="1200" dirty="0">
+                <a:solidFill>
+                  <a:srgbClr val="000000"/>
+                </a:solidFill>
+                <a:latin typeface="Droid Sans Mono"/>
+              </a:rPr>
+              <a:t>First </a:t>
+            </a:r>
+            <a:r>
+              <a:rPr lang="en-US" sz="1200" dirty="0">
+                <a:solidFill>
+                  <a:srgbClr val="000000"/>
+                </a:solidFill>
+                <a:latin typeface="Droid Sans Mono"/>
+                <a:hlinkClick r:id="rId4"/>
+              </a:rPr>
+              <a:t>Component</a:t>
+            </a:r>
+            <a:r>
+              <a:rPr lang="en-US" sz="1200" dirty="0">
+                <a:solidFill>
+                  <a:srgbClr val="000088"/>
+                </a:solidFill>
+                <a:latin typeface="Droid Sans Mono"/>
+              </a:rPr>
+              <a:t>&lt;/a&gt;</a:t>
+            </a:r>
+            <a:r>
+              <a:rPr lang="en-US" dirty="0"/>
+              <a:t/>
+            </a:r>
+            <a:br>
+              <a:rPr lang="en-US" dirty="0"/>
+            </a:br>
+            <a:endParaRPr lang="en-US" dirty="0"/>
+          </a:p>
+        </p:txBody>
+      </p:sp>
+      <p:pic>
+        <p:nvPicPr>
+          <p:cNvPr id="7" name="Picture 6"/>
+          <p:cNvPicPr>
+            <a:picLocks noChangeAspect="1"/>
+          </p:cNvPicPr>
+          <p:nvPr/>
+        </p:nvPicPr>
+        <p:blipFill>
+          <a:blip r:embed="rId5"/>
+          <a:stretch>
+            <a:fillRect/>
+          </a:stretch>
+        </p:blipFill>
+        <p:spPr>
+          <a:xfrm>
+            <a:off x="1600200" y="2996483"/>
+            <a:ext cx="3505200" cy="767372"/>
+          </a:xfrm>
+          <a:prstGeom prst="rect">
+            <a:avLst/>
+          </a:prstGeom>
+        </p:spPr>
+      </p:pic>
+    </p:spTree>
+    <p:extLst>
+      <p:ext uri="{BB962C8B-B14F-4D97-AF65-F5344CB8AC3E}">
+        <p14:creationId xmlns:p14="http://schemas.microsoft.com/office/powerpoint/2010/main" val="2661707746"/>
+      </p:ext>
+    </p:extLst>
+  </p:cSld>
+  <p:clrMapOvr>
+    <a:masterClrMapping/>
+  </p:clrMapOvr>
+  <p:timing>
+    <p:tnLst>
+      <p:par>
+        <p:cTn id="1" dur="indefinite" restart="never" nodeType="tmRoot"/>
+      </p:par>
+    </p:tnLst>
+  </p:timing>
+</p:sld>
+</file>
+
+<file path=ppt/slides/slide102.xml><?xml version="1.0" encoding="utf-8"?>
+<p:sld xmlns:a="http://schemas.openxmlformats.org/drawingml/2006/main" xmlns:r="http://schemas.openxmlformats.org/officeDocument/2006/relationships" xmlns:p="http://schemas.openxmlformats.org/presentationml/2006/main">
+  <p:cSld>
+    <p:spTree>
+      <p:nvGrpSpPr>
+        <p:cNvPr id="1" name=""/>
+        <p:cNvGrpSpPr/>
+        <p:nvPr/>
+      </p:nvGrpSpPr>
+      <p:grpSpPr>
+        <a:xfrm>
+          <a:off x="0" y="0"/>
+          <a:ext cx="0" cy="0"/>
+          <a:chOff x="0" y="0"/>
+          <a:chExt cx="0" cy="0"/>
+        </a:xfrm>
+      </p:grpSpPr>
+      <p:sp>
+        <p:nvSpPr>
+          <p:cNvPr id="2" name="Title 1"/>
+          <p:cNvSpPr>
+            <a:spLocks noGrp="1"/>
+          </p:cNvSpPr>
+          <p:nvPr>
+            <p:ph type="title"/>
+          </p:nvPr>
+        </p:nvSpPr>
+        <p:spPr/>
+        <p:txBody>
+          <a:bodyPr/>
+          <a:lstStyle/>
+          <a:p>
+            <a:r>
+              <a:rPr lang="en-US" dirty="0">
                 <a:ea typeface="Arial"/>
                 <a:cs typeface="Arial"/>
                 <a:sym typeface="Arial"/>
@@ -16469,7 +16952,7 @@
 </p:sld>
 </file>
 
-<file path=ppt/slides/slide101.xml><?xml version="1.0" encoding="utf-8"?>
+<file path=ppt/slides/slide103.xml><?xml version="1.0" encoding="utf-8"?>
 <p:sld xmlns:a="http://schemas.openxmlformats.org/drawingml/2006/main" xmlns:r="http://schemas.openxmlformats.org/officeDocument/2006/relationships" xmlns:p="http://schemas.openxmlformats.org/presentationml/2006/main">
   <p:cSld>
     <p:spTree>
@@ -16625,7 +17108,7 @@
 </p:sld>
 </file>
 
-<file path=ppt/slides/slide102.xml><?xml version="1.0" encoding="utf-8"?>
+<file path=ppt/slides/slide104.xml><?xml version="1.0" encoding="utf-8"?>
 <p:sld xmlns:a="http://schemas.openxmlformats.org/drawingml/2006/main" xmlns:r="http://schemas.openxmlformats.org/officeDocument/2006/relationships" xmlns:p="http://schemas.openxmlformats.org/presentationml/2006/main">
   <p:cSld>
     <p:spTree>
@@ -16750,7 +17233,7 @@
 </p:sld>
 </file>
 
-<file path=ppt/slides/slide103.xml><?xml version="1.0" encoding="utf-8"?>
+<file path=ppt/slides/slide105.xml><?xml version="1.0" encoding="utf-8"?>
 <p:sld xmlns:a="http://schemas.openxmlformats.org/drawingml/2006/main" xmlns:r="http://schemas.openxmlformats.org/officeDocument/2006/relationships" xmlns:p="http://schemas.openxmlformats.org/presentationml/2006/main">
   <p:cSld>
     <p:spTree>
@@ -16868,7 +17351,7 @@
 </p:sld>
 </file>
 
-<file path=ppt/slides/slide104.xml><?xml version="1.0" encoding="utf-8"?>
+<file path=ppt/slides/slide106.xml><?xml version="1.0" encoding="utf-8"?>
 <p:sld xmlns:a="http://schemas.openxmlformats.org/drawingml/2006/main" xmlns:r="http://schemas.openxmlformats.org/officeDocument/2006/relationships" xmlns:p="http://schemas.openxmlformats.org/presentationml/2006/main">
   <p:cSld>
     <p:spTree>
@@ -16991,7 +17474,7 @@
 </p:sld>
 </file>
 
-<file path=ppt/slides/slide105.xml><?xml version="1.0" encoding="utf-8"?>
+<file path=ppt/slides/slide107.xml><?xml version="1.0" encoding="utf-8"?>
 <p:sld xmlns:a="http://schemas.openxmlformats.org/drawingml/2006/main" xmlns:r="http://schemas.openxmlformats.org/officeDocument/2006/relationships" xmlns:p="http://schemas.openxmlformats.org/presentationml/2006/main">
   <p:cSld>
     <p:spTree>
@@ -17115,7 +17598,7 @@
 </p:sld>
 </file>
 
-<file path=ppt/slides/slide106.xml><?xml version="1.0" encoding="utf-8"?>
+<file path=ppt/slides/slide108.xml><?xml version="1.0" encoding="utf-8"?>
 <p:sld xmlns:a="http://schemas.openxmlformats.org/drawingml/2006/main" xmlns:r="http://schemas.openxmlformats.org/officeDocument/2006/relationships" xmlns:p="http://schemas.openxmlformats.org/presentationml/2006/main">
   <p:cSld>
     <p:spTree>
@@ -17238,7 +17721,7 @@
 </p:sld>
 </file>
 
-<file path=ppt/slides/slide107.xml><?xml version="1.0" encoding="utf-8"?>
+<file path=ppt/slides/slide109.xml><?xml version="1.0" encoding="utf-8"?>
 <p:sld xmlns:a="http://schemas.openxmlformats.org/drawingml/2006/main" xmlns:r="http://schemas.openxmlformats.org/officeDocument/2006/relationships" xmlns:p="http://schemas.openxmlformats.org/presentationml/2006/main">
   <p:cSld>
     <p:spTree>
@@ -17381,253 +17864,6 @@
       </p:par>
     </p:tnLst>
   </p:timing>
-</p:sld>
-</file>
-
-<file path=ppt/slides/slide108.xml><?xml version="1.0" encoding="utf-8"?>
-<p:sld xmlns:a="http://schemas.openxmlformats.org/drawingml/2006/main" xmlns:r="http://schemas.openxmlformats.org/officeDocument/2006/relationships" xmlns:p="http://schemas.openxmlformats.org/presentationml/2006/main">
-  <p:cSld>
-    <p:spTree>
-      <p:nvGrpSpPr>
-        <p:cNvPr id="1" name=""/>
-        <p:cNvGrpSpPr/>
-        <p:nvPr/>
-      </p:nvGrpSpPr>
-      <p:grpSpPr>
-        <a:xfrm>
-          <a:off x="0" y="0"/>
-          <a:ext cx="0" cy="0"/>
-          <a:chOff x="0" y="0"/>
-          <a:chExt cx="0" cy="0"/>
-        </a:xfrm>
-      </p:grpSpPr>
-      <p:sp>
-        <p:nvSpPr>
-          <p:cNvPr id="2" name="Title 1">
-            <a:extLst>
-              <a:ext uri="{FF2B5EF4-FFF2-40B4-BE49-F238E27FC236}">
-                <a16:creationId xmlns:a16="http://schemas.microsoft.com/office/drawing/2014/main" xmlns="" id="{14188570-52C0-499D-A1F9-CEB8C4D140AC}"/>
-              </a:ext>
-            </a:extLst>
-          </p:cNvPr>
-          <p:cNvSpPr>
-            <a:spLocks noGrp="1"/>
-          </p:cNvSpPr>
-          <p:nvPr>
-            <p:ph type="title"/>
-          </p:nvPr>
-        </p:nvSpPr>
-        <p:spPr/>
-        <p:txBody>
-          <a:bodyPr/>
-          <a:lstStyle/>
-          <a:p>
-            <a:endParaRPr lang="en-US"/>
-          </a:p>
-        </p:txBody>
-      </p:sp>
-      <p:sp>
-        <p:nvSpPr>
-          <p:cNvPr id="3" name="Text Placeholder 2">
-            <a:extLst>
-              <a:ext uri="{FF2B5EF4-FFF2-40B4-BE49-F238E27FC236}">
-                <a16:creationId xmlns:a16="http://schemas.microsoft.com/office/drawing/2014/main" xmlns="" id="{076AC046-A5A2-41A8-93D3-574CB73A9183}"/>
-              </a:ext>
-            </a:extLst>
-          </p:cNvPr>
-          <p:cNvSpPr>
-            <a:spLocks noGrp="1"/>
-          </p:cNvSpPr>
-          <p:nvPr>
-            <p:ph type="body" idx="1"/>
-          </p:nvPr>
-        </p:nvSpPr>
-        <p:spPr/>
-        <p:txBody>
-          <a:bodyPr/>
-          <a:lstStyle/>
-          <a:p>
-            <a:r>
-              <a:rPr lang="en-US" dirty="0"/>
-              <a:t>What is the difference between an Observable and a function? </a:t>
-            </a:r>
-          </a:p>
-          <a:p>
-            <a:pPr lvl="1"/>
-            <a:r>
-              <a:rPr lang="en-US" dirty="0"/>
-              <a:t>Observables can "return" multiple values over time, something which functions cannot.</a:t>
-            </a:r>
-          </a:p>
-        </p:txBody>
-      </p:sp>
-      <p:pic>
-        <p:nvPicPr>
-          <p:cNvPr id="6" name="Picture 5">
-            <a:extLst>
-              <a:ext uri="{FF2B5EF4-FFF2-40B4-BE49-F238E27FC236}">
-                <a16:creationId xmlns:a16="http://schemas.microsoft.com/office/drawing/2014/main" xmlns="" id="{7816312E-1292-4F93-99B3-B6E03BF4C65B}"/>
-              </a:ext>
-            </a:extLst>
-          </p:cNvPr>
-          <p:cNvPicPr>
-            <a:picLocks noChangeAspect="1"/>
-          </p:cNvPicPr>
-          <p:nvPr/>
-        </p:nvPicPr>
-        <p:blipFill>
-          <a:blip r:embed="rId2"/>
-          <a:stretch>
-            <a:fillRect/>
-          </a:stretch>
-        </p:blipFill>
-        <p:spPr>
-          <a:xfrm>
-            <a:off x="1600200" y="2432109"/>
-            <a:ext cx="3043237" cy="2655685"/>
-          </a:xfrm>
-          <a:prstGeom prst="rect">
-            <a:avLst/>
-          </a:prstGeom>
-        </p:spPr>
-      </p:pic>
-      <p:pic>
-        <p:nvPicPr>
-          <p:cNvPr id="7" name="Picture 6">
-            <a:extLst>
-              <a:ext uri="{FF2B5EF4-FFF2-40B4-BE49-F238E27FC236}">
-                <a16:creationId xmlns:a16="http://schemas.microsoft.com/office/drawing/2014/main" xmlns="" id="{CC57AC0F-E0B8-4664-87EF-398F84A8C34C}"/>
-              </a:ext>
-            </a:extLst>
-          </p:cNvPr>
-          <p:cNvPicPr>
-            <a:picLocks noChangeAspect="1"/>
-          </p:cNvPicPr>
-          <p:nvPr/>
-        </p:nvPicPr>
-        <p:blipFill>
-          <a:blip r:embed="rId3"/>
-          <a:stretch>
-            <a:fillRect/>
-          </a:stretch>
-        </p:blipFill>
-        <p:spPr>
-          <a:xfrm>
-            <a:off x="5055393" y="2800350"/>
-            <a:ext cx="1524000" cy="1752600"/>
-          </a:xfrm>
-          <a:prstGeom prst="rect">
-            <a:avLst/>
-          </a:prstGeom>
-        </p:spPr>
-      </p:pic>
-    </p:spTree>
-    <p:extLst>
-      <p:ext uri="{BB962C8B-B14F-4D97-AF65-F5344CB8AC3E}">
-        <p14:creationId xmlns:p14="http://schemas.microsoft.com/office/powerpoint/2010/main" val="3976978557"/>
-      </p:ext>
-    </p:extLst>
-  </p:cSld>
-  <p:clrMapOvr>
-    <a:masterClrMapping/>
-  </p:clrMapOvr>
-</p:sld>
-</file>
-
-<file path=ppt/slides/slide109.xml><?xml version="1.0" encoding="utf-8"?>
-<p:sld xmlns:a="http://schemas.openxmlformats.org/drawingml/2006/main" xmlns:r="http://schemas.openxmlformats.org/officeDocument/2006/relationships" xmlns:p="http://schemas.openxmlformats.org/presentationml/2006/main">
-  <p:cSld>
-    <p:spTree>
-      <p:nvGrpSpPr>
-        <p:cNvPr id="1" name=""/>
-        <p:cNvGrpSpPr/>
-        <p:nvPr/>
-      </p:nvGrpSpPr>
-      <p:grpSpPr>
-        <a:xfrm>
-          <a:off x="0" y="0"/>
-          <a:ext cx="0" cy="0"/>
-          <a:chOff x="0" y="0"/>
-          <a:chExt cx="0" cy="0"/>
-        </a:xfrm>
-      </p:grpSpPr>
-      <p:sp>
-        <p:nvSpPr>
-          <p:cNvPr id="2" name="Title 1">
-            <a:extLst>
-              <a:ext uri="{FF2B5EF4-FFF2-40B4-BE49-F238E27FC236}">
-                <a16:creationId xmlns:a16="http://schemas.microsoft.com/office/drawing/2014/main" xmlns="" id="{66FE7FBB-25AE-4F55-88FA-6C134DD61D68}"/>
-              </a:ext>
-            </a:extLst>
-          </p:cNvPr>
-          <p:cNvSpPr>
-            <a:spLocks noGrp="1"/>
-          </p:cNvSpPr>
-          <p:nvPr>
-            <p:ph type="title"/>
-          </p:nvPr>
-        </p:nvSpPr>
-        <p:spPr/>
-        <p:txBody>
-          <a:bodyPr/>
-          <a:lstStyle/>
-          <a:p>
-            <a:endParaRPr lang="en-US"/>
-          </a:p>
-        </p:txBody>
-      </p:sp>
-      <p:sp>
-        <p:nvSpPr>
-          <p:cNvPr id="3" name="Text Placeholder 2">
-            <a:extLst>
-              <a:ext uri="{FF2B5EF4-FFF2-40B4-BE49-F238E27FC236}">
-                <a16:creationId xmlns:a16="http://schemas.microsoft.com/office/drawing/2014/main" xmlns="" id="{44A61E20-B4B6-4440-96D4-DDF9F0C42C7A}"/>
-              </a:ext>
-            </a:extLst>
-          </p:cNvPr>
-          <p:cNvSpPr>
-            <a:spLocks noGrp="1"/>
-          </p:cNvSpPr>
-          <p:nvPr>
-            <p:ph type="body" idx="1"/>
-          </p:nvPr>
-        </p:nvSpPr>
-        <p:spPr/>
-        <p:txBody>
-          <a:bodyPr/>
-          <a:lstStyle/>
-          <a:p>
-            <a:r>
-              <a:rPr lang="en-US" dirty="0" err="1"/>
-              <a:t>func.call</a:t>
-            </a:r>
-            <a:r>
-              <a:rPr lang="en-US" dirty="0"/>
-              <a:t>() means "give me one value synchronously"</a:t>
-            </a:r>
-          </a:p>
-          <a:p>
-            <a:r>
-              <a:rPr lang="en-US" dirty="0" err="1"/>
-              <a:t>observable.subscribe</a:t>
-            </a:r>
-            <a:r>
-              <a:rPr lang="en-US" dirty="0"/>
-              <a:t>() means "give me any amount of values, either synchronously or asynchronously"</a:t>
-            </a:r>
-          </a:p>
-        </p:txBody>
-      </p:sp>
-    </p:spTree>
-    <p:extLst>
-      <p:ext uri="{BB962C8B-B14F-4D97-AF65-F5344CB8AC3E}">
-        <p14:creationId xmlns:p14="http://schemas.microsoft.com/office/powerpoint/2010/main" val="390879043"/>
-      </p:ext>
-    </p:extLst>
-  </p:cSld>
-  <p:clrMapOvr>
-    <a:masterClrMapping/>
-  </p:clrMapOvr>
 </p:sld>
 </file>
 
@@ -17800,7 +18036,7 @@
           <p:cNvPr id="2" name="Title 1">
             <a:extLst>
               <a:ext uri="{FF2B5EF4-FFF2-40B4-BE49-F238E27FC236}">
-                <a16:creationId xmlns:a16="http://schemas.microsoft.com/office/drawing/2014/main" xmlns="" id="{87A9FF73-A801-4B1F-B6C6-242B2DBA852D}"/>
+                <a16:creationId xmlns="" xmlns:a16="http://schemas.microsoft.com/office/drawing/2014/main" id="{14188570-52C0-499D-A1F9-CEB8C4D140AC}"/>
               </a:ext>
             </a:extLst>
           </p:cNvPr>
@@ -17816,11 +18052,7 @@
           <a:bodyPr/>
           <a:lstStyle/>
           <a:p>
-            <a:r>
-              <a:rPr lang="vi-VN" dirty="0"/>
-              <a:t>Anatomy</a:t>
-            </a:r>
-            <a:endParaRPr lang="en-US" dirty="0"/>
+            <a:endParaRPr lang="en-US"/>
           </a:p>
         </p:txBody>
       </p:sp>
@@ -17829,7 +18061,7 @@
           <p:cNvPr id="3" name="Text Placeholder 2">
             <a:extLst>
               <a:ext uri="{FF2B5EF4-FFF2-40B4-BE49-F238E27FC236}">
-                <a16:creationId xmlns:a16="http://schemas.microsoft.com/office/drawing/2014/main" xmlns="" id="{24B21FB8-8E8C-48DA-A9B4-D95CAAAF9C56}"/>
+                <a16:creationId xmlns="" xmlns:a16="http://schemas.microsoft.com/office/drawing/2014/main" id="{076AC046-A5A2-41A8-93D3-574CB73A9183}"/>
               </a:ext>
             </a:extLst>
           </p:cNvPr>
@@ -17847,93 +18079,82 @@
           <a:p>
             <a:r>
               <a:rPr lang="en-US" dirty="0"/>
-              <a:t>Creating Observables</a:t>
+              <a:t>What is the difference between an Observable and a function? </a:t>
             </a:r>
           </a:p>
           <a:p>
             <a:pPr lvl="1"/>
             <a:r>
               <a:rPr lang="en-US" dirty="0"/>
-              <a:t>The Observable constructor takes one argument: the subscribe function.</a:t>
-            </a:r>
-            <a:endParaRPr lang="vi-VN" dirty="0"/>
-          </a:p>
-          <a:p>
-            <a:pPr lvl="1"/>
-            <a:r>
-              <a:rPr lang="en-US" dirty="0"/>
-              <a:t>Most commonly, observables are created using creation functions, like of, from, interval, etc.</a:t>
-            </a:r>
-            <a:endParaRPr lang="vi-VN" dirty="0"/>
-          </a:p>
-          <a:p>
-            <a:r>
-              <a:rPr lang="en-US" dirty="0"/>
-              <a:t>Subscribing to Observables</a:t>
-            </a:r>
-            <a:endParaRPr lang="vi-VN" dirty="0"/>
-          </a:p>
-          <a:p>
-            <a:pPr lvl="1"/>
-            <a:r>
-              <a:rPr lang="en-US" i="1" dirty="0"/>
-              <a:t>Subscribing to an Observable is like calling a function, providing callbacks where the data will be delivered to.</a:t>
-            </a:r>
-            <a:endParaRPr lang="vi-VN" i="1" dirty="0"/>
-          </a:p>
-          <a:p>
-            <a:r>
-              <a:rPr lang="en-US" dirty="0"/>
-              <a:t>Executing Observables</a:t>
-            </a:r>
-            <a:endParaRPr lang="vi-VN" dirty="0"/>
-          </a:p>
-          <a:p>
-            <a:pPr lvl="1"/>
-            <a:r>
-              <a:rPr lang="en-US" dirty="0"/>
-              <a:t>next*(</a:t>
-            </a:r>
-            <a:r>
-              <a:rPr lang="en-US" dirty="0" err="1"/>
-              <a:t>error|complete</a:t>
-            </a:r>
-            <a:r>
-              <a:rPr lang="en-US" dirty="0"/>
-              <a:t>)?</a:t>
-            </a:r>
-            <a:endParaRPr lang="vi-VN" dirty="0"/>
-          </a:p>
-          <a:p>
-            <a:r>
-              <a:rPr lang="en-US" dirty="0"/>
-              <a:t>Disposing Observable Executions</a:t>
-            </a:r>
-          </a:p>
-          <a:p>
-            <a:pPr lvl="1"/>
-            <a:r>
-              <a:rPr lang="en-US" dirty="0" err="1"/>
-              <a:t>subscription.unsubscribe</a:t>
-            </a:r>
-            <a:r>
-              <a:rPr lang="en-US" dirty="0"/>
-              <a:t>();</a:t>
-            </a:r>
-          </a:p>
-          <a:p>
-            <a:endParaRPr lang="en-US" dirty="0"/>
-          </a:p>
-          <a:p>
-            <a:pPr lvl="1"/>
-            <a:endParaRPr lang="en-US" dirty="0"/>
+              <a:t>Observables can "return" multiple values over time, something which functions cannot.</a:t>
+            </a:r>
           </a:p>
         </p:txBody>
       </p:sp>
+      <p:pic>
+        <p:nvPicPr>
+          <p:cNvPr id="6" name="Picture 5">
+            <a:extLst>
+              <a:ext uri="{FF2B5EF4-FFF2-40B4-BE49-F238E27FC236}">
+                <a16:creationId xmlns="" xmlns:a16="http://schemas.microsoft.com/office/drawing/2014/main" id="{7816312E-1292-4F93-99B3-B6E03BF4C65B}"/>
+              </a:ext>
+            </a:extLst>
+          </p:cNvPr>
+          <p:cNvPicPr>
+            <a:picLocks noChangeAspect="1"/>
+          </p:cNvPicPr>
+          <p:nvPr/>
+        </p:nvPicPr>
+        <p:blipFill>
+          <a:blip r:embed="rId2"/>
+          <a:stretch>
+            <a:fillRect/>
+          </a:stretch>
+        </p:blipFill>
+        <p:spPr>
+          <a:xfrm>
+            <a:off x="1600200" y="2432109"/>
+            <a:ext cx="3043237" cy="2655685"/>
+          </a:xfrm>
+          <a:prstGeom prst="rect">
+            <a:avLst/>
+          </a:prstGeom>
+        </p:spPr>
+      </p:pic>
+      <p:pic>
+        <p:nvPicPr>
+          <p:cNvPr id="7" name="Picture 6">
+            <a:extLst>
+              <a:ext uri="{FF2B5EF4-FFF2-40B4-BE49-F238E27FC236}">
+                <a16:creationId xmlns="" xmlns:a16="http://schemas.microsoft.com/office/drawing/2014/main" id="{CC57AC0F-E0B8-4664-87EF-398F84A8C34C}"/>
+              </a:ext>
+            </a:extLst>
+          </p:cNvPr>
+          <p:cNvPicPr>
+            <a:picLocks noChangeAspect="1"/>
+          </p:cNvPicPr>
+          <p:nvPr/>
+        </p:nvPicPr>
+        <p:blipFill>
+          <a:blip r:embed="rId3"/>
+          <a:stretch>
+            <a:fillRect/>
+          </a:stretch>
+        </p:blipFill>
+        <p:spPr>
+          <a:xfrm>
+            <a:off x="5055393" y="2800350"/>
+            <a:ext cx="1524000" cy="1752600"/>
+          </a:xfrm>
+          <a:prstGeom prst="rect">
+            <a:avLst/>
+          </a:prstGeom>
+        </p:spPr>
+      </p:pic>
     </p:spTree>
     <p:extLst>
       <p:ext uri="{BB962C8B-B14F-4D97-AF65-F5344CB8AC3E}">
-        <p14:creationId xmlns:p14="http://schemas.microsoft.com/office/powerpoint/2010/main" val="533830537"/>
+        <p14:creationId xmlns:p14="http://schemas.microsoft.com/office/powerpoint/2010/main" val="3976978557"/>
       </p:ext>
     </p:extLst>
   </p:cSld>
@@ -17965,7 +18186,7 @@
           <p:cNvPr id="2" name="Title 1">
             <a:extLst>
               <a:ext uri="{FF2B5EF4-FFF2-40B4-BE49-F238E27FC236}">
-                <a16:creationId xmlns:a16="http://schemas.microsoft.com/office/drawing/2014/main" xmlns="" id="{7DA28761-D2FA-43C5-9AD4-D72F303C532F}"/>
+                <a16:creationId xmlns="" xmlns:a16="http://schemas.microsoft.com/office/drawing/2014/main" id="{66FE7FBB-25AE-4F55-88FA-6C134DD61D68}"/>
               </a:ext>
             </a:extLst>
           </p:cNvPr>
@@ -17990,7 +18211,7 @@
           <p:cNvPr id="3" name="Text Placeholder 2">
             <a:extLst>
               <a:ext uri="{FF2B5EF4-FFF2-40B4-BE49-F238E27FC236}">
-                <a16:creationId xmlns:a16="http://schemas.microsoft.com/office/drawing/2014/main" xmlns="" id="{0A2C4502-1A10-4641-B374-3E11BBA6F0DA}"/>
+                <a16:creationId xmlns="" xmlns:a16="http://schemas.microsoft.com/office/drawing/2014/main" id="{44A61E20-B4B6-4440-96D4-DDF9F0C42C7A}"/>
               </a:ext>
             </a:extLst>
           </p:cNvPr>
@@ -18006,6 +18227,268 @@
           <a:bodyPr/>
           <a:lstStyle/>
           <a:p>
+            <a:r>
+              <a:rPr lang="en-US" dirty="0" err="1"/>
+              <a:t>func.call</a:t>
+            </a:r>
+            <a:r>
+              <a:rPr lang="en-US" dirty="0"/>
+              <a:t>() means "give me one value synchronously"</a:t>
+            </a:r>
+          </a:p>
+          <a:p>
+            <a:r>
+              <a:rPr lang="en-US" dirty="0" err="1"/>
+              <a:t>observable.subscribe</a:t>
+            </a:r>
+            <a:r>
+              <a:rPr lang="en-US" dirty="0"/>
+              <a:t>() means "give me any amount of values, either synchronously or asynchronously"</a:t>
+            </a:r>
+          </a:p>
+        </p:txBody>
+      </p:sp>
+    </p:spTree>
+    <p:extLst>
+      <p:ext uri="{BB962C8B-B14F-4D97-AF65-F5344CB8AC3E}">
+        <p14:creationId xmlns:p14="http://schemas.microsoft.com/office/powerpoint/2010/main" val="390879043"/>
+      </p:ext>
+    </p:extLst>
+  </p:cSld>
+  <p:clrMapOvr>
+    <a:masterClrMapping/>
+  </p:clrMapOvr>
+</p:sld>
+</file>
+
+<file path=ppt/slides/slide112.xml><?xml version="1.0" encoding="utf-8"?>
+<p:sld xmlns:a="http://schemas.openxmlformats.org/drawingml/2006/main" xmlns:r="http://schemas.openxmlformats.org/officeDocument/2006/relationships" xmlns:p="http://schemas.openxmlformats.org/presentationml/2006/main">
+  <p:cSld>
+    <p:spTree>
+      <p:nvGrpSpPr>
+        <p:cNvPr id="1" name=""/>
+        <p:cNvGrpSpPr/>
+        <p:nvPr/>
+      </p:nvGrpSpPr>
+      <p:grpSpPr>
+        <a:xfrm>
+          <a:off x="0" y="0"/>
+          <a:ext cx="0" cy="0"/>
+          <a:chOff x="0" y="0"/>
+          <a:chExt cx="0" cy="0"/>
+        </a:xfrm>
+      </p:grpSpPr>
+      <p:sp>
+        <p:nvSpPr>
+          <p:cNvPr id="2" name="Title 1">
+            <a:extLst>
+              <a:ext uri="{FF2B5EF4-FFF2-40B4-BE49-F238E27FC236}">
+                <a16:creationId xmlns="" xmlns:a16="http://schemas.microsoft.com/office/drawing/2014/main" id="{87A9FF73-A801-4B1F-B6C6-242B2DBA852D}"/>
+              </a:ext>
+            </a:extLst>
+          </p:cNvPr>
+          <p:cNvSpPr>
+            <a:spLocks noGrp="1"/>
+          </p:cNvSpPr>
+          <p:nvPr>
+            <p:ph type="title"/>
+          </p:nvPr>
+        </p:nvSpPr>
+        <p:spPr/>
+        <p:txBody>
+          <a:bodyPr/>
+          <a:lstStyle/>
+          <a:p>
+            <a:r>
+              <a:rPr lang="vi-VN" dirty="0"/>
+              <a:t>Anatomy</a:t>
+            </a:r>
+            <a:endParaRPr lang="en-US" dirty="0"/>
+          </a:p>
+        </p:txBody>
+      </p:sp>
+      <p:sp>
+        <p:nvSpPr>
+          <p:cNvPr id="3" name="Text Placeholder 2">
+            <a:extLst>
+              <a:ext uri="{FF2B5EF4-FFF2-40B4-BE49-F238E27FC236}">
+                <a16:creationId xmlns="" xmlns:a16="http://schemas.microsoft.com/office/drawing/2014/main" id="{24B21FB8-8E8C-48DA-A9B4-D95CAAAF9C56}"/>
+              </a:ext>
+            </a:extLst>
+          </p:cNvPr>
+          <p:cNvSpPr>
+            <a:spLocks noGrp="1"/>
+          </p:cNvSpPr>
+          <p:nvPr>
+            <p:ph type="body" idx="1"/>
+          </p:nvPr>
+        </p:nvSpPr>
+        <p:spPr/>
+        <p:txBody>
+          <a:bodyPr/>
+          <a:lstStyle/>
+          <a:p>
+            <a:r>
+              <a:rPr lang="en-US" dirty="0"/>
+              <a:t>Creating Observables</a:t>
+            </a:r>
+          </a:p>
+          <a:p>
+            <a:pPr lvl="1"/>
+            <a:r>
+              <a:rPr lang="en-US" dirty="0"/>
+              <a:t>The Observable constructor takes one argument: the subscribe function.</a:t>
+            </a:r>
+            <a:endParaRPr lang="vi-VN" dirty="0"/>
+          </a:p>
+          <a:p>
+            <a:pPr lvl="1"/>
+            <a:r>
+              <a:rPr lang="en-US" dirty="0"/>
+              <a:t>Most commonly, observables are created using creation functions, like of, from, interval, etc.</a:t>
+            </a:r>
+            <a:endParaRPr lang="vi-VN" dirty="0"/>
+          </a:p>
+          <a:p>
+            <a:r>
+              <a:rPr lang="en-US" dirty="0"/>
+              <a:t>Subscribing to Observables</a:t>
+            </a:r>
+            <a:endParaRPr lang="vi-VN" dirty="0"/>
+          </a:p>
+          <a:p>
+            <a:pPr lvl="1"/>
+            <a:r>
+              <a:rPr lang="en-US" i="1" dirty="0"/>
+              <a:t>Subscribing to an Observable is like calling a function, providing callbacks where the data will be delivered to.</a:t>
+            </a:r>
+            <a:endParaRPr lang="vi-VN" i="1" dirty="0"/>
+          </a:p>
+          <a:p>
+            <a:r>
+              <a:rPr lang="en-US" dirty="0"/>
+              <a:t>Executing Observables</a:t>
+            </a:r>
+            <a:endParaRPr lang="vi-VN" dirty="0"/>
+          </a:p>
+          <a:p>
+            <a:pPr lvl="1"/>
+            <a:r>
+              <a:rPr lang="en-US" dirty="0"/>
+              <a:t>next*(</a:t>
+            </a:r>
+            <a:r>
+              <a:rPr lang="en-US" dirty="0" err="1"/>
+              <a:t>error|complete</a:t>
+            </a:r>
+            <a:r>
+              <a:rPr lang="en-US" dirty="0"/>
+              <a:t>)?</a:t>
+            </a:r>
+            <a:endParaRPr lang="vi-VN" dirty="0"/>
+          </a:p>
+          <a:p>
+            <a:r>
+              <a:rPr lang="en-US" dirty="0"/>
+              <a:t>Disposing Observable Executions</a:t>
+            </a:r>
+          </a:p>
+          <a:p>
+            <a:pPr lvl="1"/>
+            <a:r>
+              <a:rPr lang="en-US" dirty="0" err="1"/>
+              <a:t>subscription.unsubscribe</a:t>
+            </a:r>
+            <a:r>
+              <a:rPr lang="en-US" dirty="0"/>
+              <a:t>();</a:t>
+            </a:r>
+          </a:p>
+          <a:p>
+            <a:endParaRPr lang="en-US" dirty="0"/>
+          </a:p>
+          <a:p>
+            <a:pPr lvl="1"/>
+            <a:endParaRPr lang="en-US" dirty="0"/>
+          </a:p>
+        </p:txBody>
+      </p:sp>
+    </p:spTree>
+    <p:extLst>
+      <p:ext uri="{BB962C8B-B14F-4D97-AF65-F5344CB8AC3E}">
+        <p14:creationId xmlns:p14="http://schemas.microsoft.com/office/powerpoint/2010/main" val="533830537"/>
+      </p:ext>
+    </p:extLst>
+  </p:cSld>
+  <p:clrMapOvr>
+    <a:masterClrMapping/>
+  </p:clrMapOvr>
+</p:sld>
+</file>
+
+<file path=ppt/slides/slide113.xml><?xml version="1.0" encoding="utf-8"?>
+<p:sld xmlns:a="http://schemas.openxmlformats.org/drawingml/2006/main" xmlns:r="http://schemas.openxmlformats.org/officeDocument/2006/relationships" xmlns:p="http://schemas.openxmlformats.org/presentationml/2006/main">
+  <p:cSld>
+    <p:spTree>
+      <p:nvGrpSpPr>
+        <p:cNvPr id="1" name=""/>
+        <p:cNvGrpSpPr/>
+        <p:nvPr/>
+      </p:nvGrpSpPr>
+      <p:grpSpPr>
+        <a:xfrm>
+          <a:off x="0" y="0"/>
+          <a:ext cx="0" cy="0"/>
+          <a:chOff x="0" y="0"/>
+          <a:chExt cx="0" cy="0"/>
+        </a:xfrm>
+      </p:grpSpPr>
+      <p:sp>
+        <p:nvSpPr>
+          <p:cNvPr id="2" name="Title 1">
+            <a:extLst>
+              <a:ext uri="{FF2B5EF4-FFF2-40B4-BE49-F238E27FC236}">
+                <a16:creationId xmlns="" xmlns:a16="http://schemas.microsoft.com/office/drawing/2014/main" id="{7DA28761-D2FA-43C5-9AD4-D72F303C532F}"/>
+              </a:ext>
+            </a:extLst>
+          </p:cNvPr>
+          <p:cNvSpPr>
+            <a:spLocks noGrp="1"/>
+          </p:cNvSpPr>
+          <p:nvPr>
+            <p:ph type="title"/>
+          </p:nvPr>
+        </p:nvSpPr>
+        <p:spPr/>
+        <p:txBody>
+          <a:bodyPr/>
+          <a:lstStyle/>
+          <a:p>
+            <a:endParaRPr lang="en-US"/>
+          </a:p>
+        </p:txBody>
+      </p:sp>
+      <p:sp>
+        <p:nvSpPr>
+          <p:cNvPr id="3" name="Text Placeholder 2">
+            <a:extLst>
+              <a:ext uri="{FF2B5EF4-FFF2-40B4-BE49-F238E27FC236}">
+                <a16:creationId xmlns="" xmlns:a16="http://schemas.microsoft.com/office/drawing/2014/main" id="{0A2C4502-1A10-4641-B374-3E11BBA6F0DA}"/>
+              </a:ext>
+            </a:extLst>
+          </p:cNvPr>
+          <p:cNvSpPr>
+            <a:spLocks noGrp="1"/>
+          </p:cNvSpPr>
+          <p:nvPr>
+            <p:ph type="body" idx="1"/>
+          </p:nvPr>
+        </p:nvSpPr>
+        <p:spPr/>
+        <p:txBody>
+          <a:bodyPr/>
+          <a:lstStyle/>
+          <a:p>
             <a:endParaRPr lang="en-US"/>
           </a:p>
         </p:txBody>
@@ -18015,7 +18498,7 @@
           <p:cNvPr id="5" name="Picture 4">
             <a:extLst>
               <a:ext uri="{FF2B5EF4-FFF2-40B4-BE49-F238E27FC236}">
-                <a16:creationId xmlns:a16="http://schemas.microsoft.com/office/drawing/2014/main" xmlns="" id="{807634FA-008F-4E87-951F-3CA12314CCBB}"/>
+                <a16:creationId xmlns="" xmlns:a16="http://schemas.microsoft.com/office/drawing/2014/main" id="{807634FA-008F-4E87-951F-3CA12314CCBB}"/>
               </a:ext>
             </a:extLst>
           </p:cNvPr>
@@ -18053,7 +18536,7 @@
 </p:sld>
 </file>
 
-<file path=ppt/slides/slide112.xml><?xml version="1.0" encoding="utf-8"?>
+<file path=ppt/slides/slide114.xml><?xml version="1.0" encoding="utf-8"?>
 <p:sld xmlns:a="http://schemas.openxmlformats.org/drawingml/2006/main" xmlns:r="http://schemas.openxmlformats.org/officeDocument/2006/relationships" xmlns:p="http://schemas.openxmlformats.org/presentationml/2006/main">
   <p:cSld>
     <p:spTree>
@@ -18075,7 +18558,7 @@
           <p:cNvPr id="2" name="Title 1">
             <a:extLst>
               <a:ext uri="{FF2B5EF4-FFF2-40B4-BE49-F238E27FC236}">
-                <a16:creationId xmlns:a16="http://schemas.microsoft.com/office/drawing/2014/main" xmlns="" id="{63C2B654-3331-4688-862F-DEF0F6D663BB}"/>
+                <a16:creationId xmlns="" xmlns:a16="http://schemas.microsoft.com/office/drawing/2014/main" id="{63C2B654-3331-4688-862F-DEF0F6D663BB}"/>
               </a:ext>
             </a:extLst>
           </p:cNvPr>
@@ -18100,7 +18583,7 @@
           <p:cNvPr id="3" name="Text Placeholder 2">
             <a:extLst>
               <a:ext uri="{FF2B5EF4-FFF2-40B4-BE49-F238E27FC236}">
-                <a16:creationId xmlns:a16="http://schemas.microsoft.com/office/drawing/2014/main" xmlns="" id="{6DA64C03-1AD9-4F07-BAFC-A0CD8158A822}"/>
+                <a16:creationId xmlns="" xmlns:a16="http://schemas.microsoft.com/office/drawing/2014/main" id="{6DA64C03-1AD9-4F07-BAFC-A0CD8158A822}"/>
               </a:ext>
             </a:extLst>
           </p:cNvPr>
@@ -18129,7 +18612,7 @@
           <p:cNvPr id="4098" name="Picture 2" descr="filter marble diagram">
             <a:extLst>
               <a:ext uri="{FF2B5EF4-FFF2-40B4-BE49-F238E27FC236}">
-                <a16:creationId xmlns:a16="http://schemas.microsoft.com/office/drawing/2014/main" xmlns="" id="{177DC7A3-F46C-4A58-B30B-712064D34494}"/>
+                <a16:creationId xmlns="" xmlns:a16="http://schemas.microsoft.com/office/drawing/2014/main" id="{177DC7A3-F46C-4A58-B30B-712064D34494}"/>
               </a:ext>
             </a:extLst>
           </p:cNvPr>
@@ -18184,7 +18667,7 @@
 </p:sld>
 </file>
 
-<file path=ppt/slides/slide113.xml><?xml version="1.0" encoding="utf-8"?>
+<file path=ppt/slides/slide115.xml><?xml version="1.0" encoding="utf-8"?>
 <p:sld xmlns:a="http://schemas.openxmlformats.org/drawingml/2006/main" xmlns:r="http://schemas.openxmlformats.org/officeDocument/2006/relationships" xmlns:p="http://schemas.openxmlformats.org/presentationml/2006/main">
   <p:cSld>
     <p:spTree>
@@ -18206,7 +18689,7 @@
           <p:cNvPr id="2" name="Title 1">
             <a:extLst>
               <a:ext uri="{FF2B5EF4-FFF2-40B4-BE49-F238E27FC236}">
-                <a16:creationId xmlns:a16="http://schemas.microsoft.com/office/drawing/2014/main" xmlns="" id="{ED77B932-BCE9-4176-A7A0-3450503D6FCA}"/>
+                <a16:creationId xmlns="" xmlns:a16="http://schemas.microsoft.com/office/drawing/2014/main" id="{ED77B932-BCE9-4176-A7A0-3450503D6FCA}"/>
               </a:ext>
             </a:extLst>
           </p:cNvPr>
@@ -18231,7 +18714,7 @@
           <p:cNvPr id="3" name="Text Placeholder 2">
             <a:extLst>
               <a:ext uri="{FF2B5EF4-FFF2-40B4-BE49-F238E27FC236}">
-                <a16:creationId xmlns:a16="http://schemas.microsoft.com/office/drawing/2014/main" xmlns="" id="{29B32E58-A879-4BA5-9330-3DA726A4BB02}"/>
+                <a16:creationId xmlns="" xmlns:a16="http://schemas.microsoft.com/office/drawing/2014/main" id="{29B32E58-A879-4BA5-9330-3DA726A4BB02}"/>
               </a:ext>
             </a:extLst>
           </p:cNvPr>
@@ -18303,7 +18786,7 @@
 </p:sld>
 </file>
 
-<file path=ppt/slides/slide114.xml><?xml version="1.0" encoding="utf-8"?>
+<file path=ppt/slides/slide116.xml><?xml version="1.0" encoding="utf-8"?>
 <p:sld xmlns:a="http://schemas.openxmlformats.org/drawingml/2006/main" xmlns:r="http://schemas.openxmlformats.org/officeDocument/2006/relationships" xmlns:p="http://schemas.openxmlformats.org/presentationml/2006/main">
   <p:cSld>
     <p:spTree>
@@ -18363,7 +18846,7 @@
           <p:cNvPr id="4" name="Picture 3">
             <a:extLst>
               <a:ext uri="{FF2B5EF4-FFF2-40B4-BE49-F238E27FC236}">
-                <a16:creationId xmlns:a16="http://schemas.microsoft.com/office/drawing/2014/main" xmlns="" id="{DF5D3B81-E8A5-4586-805C-71E302C70F14}"/>
+                <a16:creationId xmlns="" xmlns:a16="http://schemas.microsoft.com/office/drawing/2014/main" id="{DF5D3B81-E8A5-4586-805C-71E302C70F14}"/>
               </a:ext>
             </a:extLst>
           </p:cNvPr>
@@ -18401,7 +18884,7 @@
 </p:sld>
 </file>
 
-<file path=ppt/slides/slide115.xml><?xml version="1.0" encoding="utf-8"?>
+<file path=ppt/slides/slide117.xml><?xml version="1.0" encoding="utf-8"?>
 <p:sld xmlns:a="http://schemas.openxmlformats.org/drawingml/2006/main" xmlns:r="http://schemas.openxmlformats.org/officeDocument/2006/relationships" xmlns:p="http://schemas.openxmlformats.org/presentationml/2006/main">
   <p:cSld>
     <p:spTree>
@@ -28835,7 +29318,7 @@
           <p:cNvPr id="2" name="Title 1">
             <a:extLst>
               <a:ext uri="{FF2B5EF4-FFF2-40B4-BE49-F238E27FC236}">
-                <a16:creationId xmlns:a16="http://schemas.microsoft.com/office/drawing/2014/main" xmlns="" id="{8E3390F4-2813-479A-B2CA-B1826DC5B2F7}"/>
+                <a16:creationId xmlns="" xmlns:a16="http://schemas.microsoft.com/office/drawing/2014/main" id="{8E3390F4-2813-479A-B2CA-B1826DC5B2F7}"/>
               </a:ext>
             </a:extLst>
           </p:cNvPr>
@@ -28863,7 +29346,7 @@
           <p:cNvPr id="3" name="Text Placeholder 2">
             <a:extLst>
               <a:ext uri="{FF2B5EF4-FFF2-40B4-BE49-F238E27FC236}">
-                <a16:creationId xmlns:a16="http://schemas.microsoft.com/office/drawing/2014/main" xmlns="" id="{81978763-2B04-4689-B469-56C75E8408E4}"/>
+                <a16:creationId xmlns="" xmlns:a16="http://schemas.microsoft.com/office/drawing/2014/main" id="{81978763-2B04-4689-B469-56C75E8408E4}"/>
               </a:ext>
             </a:extLst>
           </p:cNvPr>
@@ -29166,7 +29649,7 @@
           <p:cNvPr id="2" name="Title 1">
             <a:extLst>
               <a:ext uri="{FF2B5EF4-FFF2-40B4-BE49-F238E27FC236}">
-                <a16:creationId xmlns:a16="http://schemas.microsoft.com/office/drawing/2014/main" xmlns="" id="{05693CBD-A7E2-424C-882C-891BB8936526}"/>
+                <a16:creationId xmlns="" xmlns:a16="http://schemas.microsoft.com/office/drawing/2014/main" id="{05693CBD-A7E2-424C-882C-891BB8936526}"/>
               </a:ext>
             </a:extLst>
           </p:cNvPr>
@@ -29194,7 +29677,7 @@
           <p:cNvPr id="3" name="Text Placeholder 2">
             <a:extLst>
               <a:ext uri="{FF2B5EF4-FFF2-40B4-BE49-F238E27FC236}">
-                <a16:creationId xmlns:a16="http://schemas.microsoft.com/office/drawing/2014/main" xmlns="" id="{B870AE03-A16C-4B3F-A116-B9CFEE07B705}"/>
+                <a16:creationId xmlns="" xmlns:a16="http://schemas.microsoft.com/office/drawing/2014/main" id="{B870AE03-A16C-4B3F-A116-B9CFEE07B705}"/>
               </a:ext>
             </a:extLst>
           </p:cNvPr>
@@ -29320,7 +29803,7 @@
           <p:cNvPr id="2" name="Title 1">
             <a:extLst>
               <a:ext uri="{FF2B5EF4-FFF2-40B4-BE49-F238E27FC236}">
-                <a16:creationId xmlns:a16="http://schemas.microsoft.com/office/drawing/2014/main" xmlns="" id="{38FB9F05-8B13-4BBF-ABAF-97668C713DD6}"/>
+                <a16:creationId xmlns="" xmlns:a16="http://schemas.microsoft.com/office/drawing/2014/main" id="{38FB9F05-8B13-4BBF-ABAF-97668C713DD6}"/>
               </a:ext>
             </a:extLst>
           </p:cNvPr>
@@ -29348,7 +29831,7 @@
           <p:cNvPr id="3" name="Text Placeholder 2">
             <a:extLst>
               <a:ext uri="{FF2B5EF4-FFF2-40B4-BE49-F238E27FC236}">
-                <a16:creationId xmlns:a16="http://schemas.microsoft.com/office/drawing/2014/main" xmlns="" id="{C3265D89-6B63-4A0E-B3D3-C5879C6A0FFF}"/>
+                <a16:creationId xmlns="" xmlns:a16="http://schemas.microsoft.com/office/drawing/2014/main" id="{C3265D89-6B63-4A0E-B3D3-C5879C6A0FFF}"/>
               </a:ext>
             </a:extLst>
           </p:cNvPr>
@@ -29474,7 +29957,7 @@
           <p:cNvPr id="2" name="Title 1">
             <a:extLst>
               <a:ext uri="{FF2B5EF4-FFF2-40B4-BE49-F238E27FC236}">
-                <a16:creationId xmlns:a16="http://schemas.microsoft.com/office/drawing/2014/main" xmlns="" id="{BE113AB8-B8FB-44E4-8BF1-00806350BFAC}"/>
+                <a16:creationId xmlns="" xmlns:a16="http://schemas.microsoft.com/office/drawing/2014/main" id="{BE113AB8-B8FB-44E4-8BF1-00806350BFAC}"/>
               </a:ext>
             </a:extLst>
           </p:cNvPr>
@@ -29503,7 +29986,7 @@
           <p:cNvPr id="3" name="Text Placeholder 2">
             <a:extLst>
               <a:ext uri="{FF2B5EF4-FFF2-40B4-BE49-F238E27FC236}">
-                <a16:creationId xmlns:a16="http://schemas.microsoft.com/office/drawing/2014/main" xmlns="" id="{62D828A7-23C6-47B9-8FC4-9EAFFB8F8BF8}"/>
+                <a16:creationId xmlns="" xmlns:a16="http://schemas.microsoft.com/office/drawing/2014/main" id="{62D828A7-23C6-47B9-8FC4-9EAFFB8F8BF8}"/>
               </a:ext>
             </a:extLst>
           </p:cNvPr>
@@ -29542,7 +30025,7 @@
           <p:cNvPr id="9" name="Picture 8">
             <a:extLst>
               <a:ext uri="{FF2B5EF4-FFF2-40B4-BE49-F238E27FC236}">
-                <a16:creationId xmlns:a16="http://schemas.microsoft.com/office/drawing/2014/main" xmlns="" id="{AB2A4D1D-3FC5-46DB-AA99-726C3F479FA8}"/>
+                <a16:creationId xmlns="" xmlns:a16="http://schemas.microsoft.com/office/drawing/2014/main" id="{AB2A4D1D-3FC5-46DB-AA99-726C3F479FA8}"/>
               </a:ext>
             </a:extLst>
           </p:cNvPr>
@@ -32629,7 +33112,7 @@
           <p:cNvPr id="5" name="Picture 4">
             <a:extLst>
               <a:ext uri="{FF2B5EF4-FFF2-40B4-BE49-F238E27FC236}">
-                <a16:creationId xmlns:a16="http://schemas.microsoft.com/office/drawing/2014/main" xmlns="" id="{A3ACDE0D-EEAC-419F-A7A2-703C54D94412}"/>
+                <a16:creationId xmlns="" xmlns:a16="http://schemas.microsoft.com/office/drawing/2014/main" id="{A3ACDE0D-EEAC-419F-A7A2-703C54D94412}"/>
               </a:ext>
             </a:extLst>
           </p:cNvPr>
@@ -32706,7 +33189,11 @@
           <a:bodyPr/>
           <a:lstStyle/>
           <a:p>
-            <a:endParaRPr lang="en-US"/>
+            <a:r>
+              <a:rPr lang="en-US" dirty="0"/>
+              <a:t>Template-driven forms</a:t>
+            </a:r>
+            <a:endParaRPr lang="en-US" dirty="0"/>
           </a:p>
         </p:txBody>
       </p:sp>
@@ -33078,7 +33565,7 @@
           <p:cNvPr id="4" name="Picture 3">
             <a:extLst>
               <a:ext uri="{FF2B5EF4-FFF2-40B4-BE49-F238E27FC236}">
-                <a16:creationId xmlns:a16="http://schemas.microsoft.com/office/drawing/2014/main" xmlns="" id="{A9E5F16C-3CA5-4465-A7E4-25B87F19801D}"/>
+                <a16:creationId xmlns="" xmlns:a16="http://schemas.microsoft.com/office/drawing/2014/main" id="{A9E5F16C-3CA5-4465-A7E4-25B87F19801D}"/>
               </a:ext>
             </a:extLst>
           </p:cNvPr>
@@ -33545,7 +34032,7 @@
           <p:cNvPr id="4" name="Picture 3">
             <a:extLst>
               <a:ext uri="{FF2B5EF4-FFF2-40B4-BE49-F238E27FC236}">
-                <a16:creationId xmlns:a16="http://schemas.microsoft.com/office/drawing/2014/main" xmlns="" id="{26C8670E-3A34-4870-8B31-F13A8696B071}"/>
+                <a16:creationId xmlns="" xmlns:a16="http://schemas.microsoft.com/office/drawing/2014/main" id="{26C8670E-3A34-4870-8B31-F13A8696B071}"/>
               </a:ext>
             </a:extLst>
           </p:cNvPr>
@@ -34782,7 +35269,7 @@
           <p:cNvPr id="4" name="Picture 3">
             <a:extLst>
               <a:ext uri="{FF2B5EF4-FFF2-40B4-BE49-F238E27FC236}">
-                <a16:creationId xmlns:a16="http://schemas.microsoft.com/office/drawing/2014/main" xmlns="" id="{43FAF1CF-0BAA-44AA-9B8B-1A7E3A4A5BA6}"/>
+                <a16:creationId xmlns="" xmlns:a16="http://schemas.microsoft.com/office/drawing/2014/main" id="{43FAF1CF-0BAA-44AA-9B8B-1A7E3A4A5BA6}"/>
               </a:ext>
             </a:extLst>
           </p:cNvPr>
@@ -38088,15 +38575,23 @@
             </a:r>
             <a:r>
               <a:rPr lang="en-US" dirty="0"/>
-              <a:t>front-end applications need to communicate with a server over the HTTP protocol, in order to download or upload data and </a:t>
-            </a:r>
-            <a:r>
-              <a:rPr lang="en-US" dirty="0" err="1"/>
-              <a:t>accesss</a:t>
-            </a:r>
-            <a:r>
-              <a:rPr lang="en-US" dirty="0"/>
-              <a:t> other back-end services.</a:t>
+              <a:t>front-end applications need to communicate with a server over the HTTP protocol, </a:t>
+            </a:r>
+            <a:r>
+              <a:rPr lang="en-US" dirty="0" smtClean="0"/>
+              <a:t>to </a:t>
+            </a:r>
+            <a:r>
+              <a:rPr lang="en-US" dirty="0"/>
+              <a:t>download or upload data and </a:t>
+            </a:r>
+            <a:r>
+              <a:rPr lang="en-US" dirty="0" smtClean="0"/>
+              <a:t>access </a:t>
+            </a:r>
+            <a:r>
+              <a:rPr lang="en-US" dirty="0"/>
+              <a:t>other back-end services.</a:t>
             </a:r>
             <a:endParaRPr lang="vi-VN" dirty="0"/>
           </a:p>
@@ -38107,11 +38602,60 @@
             </a:r>
             <a:r>
               <a:rPr lang="en-US" dirty="0"/>
-              <a:t> service class in @angular/common/http.</a:t>
+              <a:t> service class in </a:t>
+            </a:r>
+            <a:r>
+              <a:rPr lang="en-US" b="1" dirty="0"/>
+              <a:t>@angular/common/http</a:t>
+            </a:r>
+            <a:r>
+              <a:rPr lang="en-US" dirty="0"/>
+              <a:t>.</a:t>
             </a:r>
           </a:p>
         </p:txBody>
       </p:sp>
+      <p:pic>
+        <p:nvPicPr>
+          <p:cNvPr id="1026" name="Picture 2" descr="Extending Angular HttpClient. Angular introduced the HttpClient… | by  Bogdan Bogdanov | Medium"/>
+          <p:cNvPicPr>
+            <a:picLocks noChangeAspect="1" noChangeArrowheads="1"/>
+          </p:cNvPicPr>
+          <p:nvPr/>
+        </p:nvPicPr>
+        <p:blipFill>
+          <a:blip r:embed="rId3">
+            <a:extLst>
+              <a:ext uri="{28A0092B-C50C-407E-A947-70E740481C1C}">
+                <a14:useLocalDpi xmlns:a14="http://schemas.microsoft.com/office/drawing/2010/main" val="0"/>
+              </a:ext>
+            </a:extLst>
+          </a:blip>
+          <a:srcRect/>
+          <a:stretch>
+            <a:fillRect/>
+          </a:stretch>
+        </p:blipFill>
+        <p:spPr bwMode="auto">
+          <a:xfrm>
+            <a:off x="1905000" y="3333750"/>
+            <a:ext cx="4966337" cy="1601644"/>
+          </a:xfrm>
+          <a:prstGeom prst="rect">
+            <a:avLst/>
+          </a:prstGeom>
+          <a:noFill/>
+          <a:extLst>
+            <a:ext uri="{909E8E84-426E-40DD-AFC4-6F175D3DCCD1}">
+              <a14:hiddenFill xmlns:a14="http://schemas.microsoft.com/office/drawing/2010/main">
+                <a:solidFill>
+                  <a:srgbClr val="FFFFFF"/>
+                </a:solidFill>
+              </a14:hiddenFill>
+            </a:ext>
+          </a:extLst>
+        </p:spPr>
+      </p:pic>
     </p:spTree>
     <p:extLst>
       <p:ext uri="{BB962C8B-B14F-4D97-AF65-F5344CB8AC3E}">
@@ -38222,23 +38766,44 @@
           <a:p>
             <a:pPr lvl="1"/>
             <a:r>
-              <a:rPr lang="en-US" dirty="0"/>
-              <a:t>you need to import the Angular </a:t>
-            </a:r>
-            <a:r>
-              <a:rPr lang="en-US" dirty="0" err="1"/>
+              <a:rPr lang="vi-VN" dirty="0" smtClean="0"/>
+              <a:t>I</a:t>
+            </a:r>
+            <a:r>
+              <a:rPr lang="en-US" dirty="0" err="1" smtClean="0"/>
+              <a:t>mport</a:t>
+            </a:r>
+            <a:r>
+              <a:rPr lang="en-US" dirty="0" smtClean="0"/>
+              <a:t> </a:t>
+            </a:r>
+            <a:r>
+              <a:rPr lang="en-US" dirty="0"/>
+              <a:t>the Angular </a:t>
+            </a:r>
+            <a:r>
+              <a:rPr lang="en-US" b="1" dirty="0" err="1" smtClean="0"/>
               <a:t>HttpClientModule</a:t>
             </a:r>
-            <a:r>
-              <a:rPr lang="en-US" dirty="0"/>
-              <a:t>.</a:t>
-            </a:r>
+            <a:endParaRPr lang="en-US" dirty="0"/>
           </a:p>
           <a:p>
             <a:pPr lvl="1"/>
             <a:r>
-              <a:rPr lang="en-US" dirty="0"/>
-              <a:t>inject the </a:t>
+              <a:rPr lang="vi-VN" dirty="0" smtClean="0"/>
+              <a:t>I</a:t>
+            </a:r>
+            <a:r>
+              <a:rPr lang="en-US" dirty="0" err="1" smtClean="0"/>
+              <a:t>nject</a:t>
+            </a:r>
+            <a:r>
+              <a:rPr lang="en-US" dirty="0" smtClean="0"/>
+              <a:t> </a:t>
+            </a:r>
+            <a:r>
+              <a:rPr lang="en-US" dirty="0"/>
+              <a:t>the </a:t>
             </a:r>
             <a:r>
               <a:rPr lang="en-US" b="1" dirty="0" err="1"/>
@@ -38246,50 +38811,26 @@
             </a:r>
             <a:r>
               <a:rPr lang="en-US" dirty="0"/>
-              <a:t> service as a dependency of an application class</a:t>
+              <a:t> </a:t>
+            </a:r>
+            <a:r>
+              <a:rPr lang="en-US" b="1" dirty="0"/>
+              <a:t>service</a:t>
+            </a:r>
+            <a:r>
+              <a:rPr lang="en-US" dirty="0"/>
+              <a:t> as a dependency of an application class</a:t>
             </a:r>
           </a:p>
           <a:p>
             <a:pPr lvl="1"/>
             <a:r>
-              <a:rPr lang="en-US" b="1" dirty="0" err="1"/>
+              <a:rPr lang="vi-VN" dirty="0" smtClean="0"/>
+              <a:t>Using </a:t>
+            </a:r>
+            <a:r>
+              <a:rPr lang="en-US" b="1" dirty="0" err="1" smtClean="0"/>
               <a:t>RxJS</a:t>
-            </a:r>
-            <a:r>
-              <a:rPr lang="en-US" dirty="0"/>
-              <a:t> observable and operator symbols</a:t>
-            </a:r>
-          </a:p>
-          <a:p>
-            <a:r>
-              <a:rPr lang="en-US" dirty="0"/>
-              <a:t>Requesting data from a server</a:t>
-            </a:r>
-          </a:p>
-          <a:p>
-            <a:pPr lvl="1"/>
-            <a:r>
-              <a:rPr lang="en-US" dirty="0"/>
-              <a:t>The </a:t>
-            </a:r>
-            <a:r>
-              <a:rPr lang="en-US" dirty="0" err="1"/>
-              <a:t>aynchronous</a:t>
-            </a:r>
-            <a:r>
-              <a:rPr lang="en-US" dirty="0"/>
-              <a:t> method sends an HTTP request, and returns an Observable that emits the requested data when the response is received</a:t>
-            </a:r>
-          </a:p>
-          <a:p>
-            <a:pPr lvl="1"/>
-            <a:r>
-              <a:rPr lang="en-US" dirty="0"/>
-              <a:t>The get() method takes two </a:t>
-            </a:r>
-            <a:r>
-              <a:rPr lang="vi-VN" dirty="0" smtClean="0"/>
-              <a:t>arguments:</a:t>
             </a:r>
             <a:r>
               <a:rPr lang="en-US" dirty="0" smtClean="0"/>
@@ -38297,31 +38838,65 @@
             </a:r>
             <a:r>
               <a:rPr lang="en-US" dirty="0"/>
-              <a:t>the </a:t>
-            </a:r>
-            <a:r>
-              <a:rPr lang="en-US" b="1" dirty="0"/>
-              <a:t>endpoint URL</a:t>
-            </a:r>
-            <a:r>
-              <a:rPr lang="en-US" dirty="0"/>
-              <a:t> from which to fetch, and </a:t>
-            </a:r>
-            <a:r>
-              <a:rPr lang="en-US" b="1" dirty="0"/>
-              <a:t>an options </a:t>
-            </a:r>
-            <a:r>
-              <a:rPr lang="en-US" dirty="0"/>
-              <a:t>object</a:t>
-            </a:r>
-            <a:br>
-              <a:rPr lang="en-US" dirty="0"/>
-            </a:br>
+              <a:t>observable and operator symbols</a:t>
+            </a:r>
+          </a:p>
+          <a:p>
+            <a:pPr marL="95250" indent="0">
+              <a:buNone/>
+            </a:pPr>
             <a:endParaRPr lang="en-US" dirty="0"/>
           </a:p>
         </p:txBody>
       </p:sp>
+      <p:pic>
+        <p:nvPicPr>
+          <p:cNvPr id="5" name="Picture 4"/>
+          <p:cNvPicPr>
+            <a:picLocks noChangeAspect="1"/>
+          </p:cNvPicPr>
+          <p:nvPr/>
+        </p:nvPicPr>
+        <p:blipFill>
+          <a:blip r:embed="rId2"/>
+          <a:stretch>
+            <a:fillRect/>
+          </a:stretch>
+        </p:blipFill>
+        <p:spPr>
+          <a:xfrm>
+            <a:off x="3962400" y="2763985"/>
+            <a:ext cx="3700463" cy="2114550"/>
+          </a:xfrm>
+          <a:prstGeom prst="rect">
+            <a:avLst/>
+          </a:prstGeom>
+        </p:spPr>
+      </p:pic>
+      <p:pic>
+        <p:nvPicPr>
+          <p:cNvPr id="6" name="Picture 5"/>
+          <p:cNvPicPr>
+            <a:picLocks noChangeAspect="1"/>
+          </p:cNvPicPr>
+          <p:nvPr/>
+        </p:nvPicPr>
+        <p:blipFill>
+          <a:blip r:embed="rId3"/>
+          <a:stretch>
+            <a:fillRect/>
+          </a:stretch>
+        </p:blipFill>
+        <p:spPr>
+          <a:xfrm>
+            <a:off x="1676400" y="2859235"/>
+            <a:ext cx="1650189" cy="1924050"/>
+          </a:xfrm>
+          <a:prstGeom prst="rect">
+            <a:avLst/>
+          </a:prstGeom>
+        </p:spPr>
+      </p:pic>
     </p:spTree>
     <p:extLst>
       <p:ext uri="{BB962C8B-B14F-4D97-AF65-F5344CB8AC3E}">
@@ -38417,44 +38992,86 @@
           <a:bodyPr/>
           <a:lstStyle/>
           <a:p>
+            <a:r>
+              <a:rPr lang="en-US" dirty="0"/>
+              <a:t>Requesting data from a server</a:t>
+            </a:r>
+          </a:p>
+          <a:p>
             <a:pPr lvl="1"/>
             <a:r>
               <a:rPr lang="en-US" dirty="0"/>
-              <a:t>The </a:t>
-            </a:r>
-            <a:r>
-              <a:rPr lang="en-US" i="1" dirty="0"/>
-              <a:t>observe</a:t>
-            </a:r>
-            <a:r>
-              <a:rPr lang="en-US" dirty="0"/>
-              <a:t> option specifies how much of the response to return.</a:t>
+              <a:t>The </a:t>
+            </a:r>
+            <a:r>
+              <a:rPr lang="en-US" dirty="0" err="1"/>
+              <a:t>aynchronous</a:t>
+            </a:r>
+            <a:r>
+              <a:rPr lang="en-US" dirty="0"/>
+              <a:t> method sends an HTTP request, and returns an </a:t>
+            </a:r>
+            <a:r>
+              <a:rPr lang="en-US" b="1" dirty="0"/>
+              <a:t>Observable</a:t>
+            </a:r>
+            <a:r>
+              <a:rPr lang="en-US" dirty="0"/>
+              <a:t> that emits the requested data when the response is received</a:t>
             </a:r>
           </a:p>
           <a:p>
             <a:pPr lvl="1"/>
             <a:r>
               <a:rPr lang="en-US" dirty="0"/>
-              <a:t>The </a:t>
-            </a:r>
-            <a:r>
-              <a:rPr lang="en-US" i="1" dirty="0" err="1"/>
-              <a:t>responseType</a:t>
-            </a:r>
-            <a:r>
-              <a:rPr lang="en-US" dirty="0"/>
-              <a:t> option specifies the format in which to return data.</a:t>
-            </a:r>
-          </a:p>
-          <a:p>
-            <a:pPr lvl="1"/>
-            <a:endParaRPr lang="en-US" dirty="0"/>
+              <a:t>The </a:t>
+            </a:r>
+            <a:r>
+              <a:rPr lang="en-US" b="1" dirty="0"/>
+              <a:t>get() </a:t>
+            </a:r>
+            <a:r>
+              <a:rPr lang="en-US" dirty="0"/>
+              <a:t>method takes two </a:t>
+            </a:r>
+            <a:r>
+              <a:rPr lang="vi-VN" dirty="0"/>
+              <a:t>arguments:</a:t>
+            </a:r>
+            <a:r>
+              <a:rPr lang="en-US" dirty="0"/>
+              <a:t> </a:t>
+            </a:r>
+            <a:endParaRPr lang="vi-VN" dirty="0"/>
+          </a:p>
+          <a:p>
+            <a:pPr lvl="2"/>
+            <a:r>
+              <a:rPr lang="en-US" b="1" dirty="0"/>
+              <a:t>endpoint URL</a:t>
+            </a:r>
+            <a:r>
+              <a:rPr lang="en-US" dirty="0"/>
+              <a:t> </a:t>
+            </a:r>
+            <a:endParaRPr lang="vi-VN" dirty="0"/>
+          </a:p>
+          <a:p>
+            <a:pPr lvl="2"/>
+            <a:r>
+              <a:rPr lang="en-US" b="1" dirty="0"/>
+              <a:t>an options </a:t>
+            </a:r>
+            <a:r>
+              <a:rPr lang="en-US" dirty="0"/>
+              <a:t>object</a:t>
+            </a:r>
           </a:p>
         </p:txBody>
       </p:sp>
       <p:pic>
         <p:nvPicPr>
-          <p:cNvPr id="5" name="Picture 4"/>
+          <p:cNvPr id="4" name="Picture 3"/>
           <p:cNvPicPr>
             <a:picLocks noChangeAspect="1"/>
           </p:cNvPicPr>
@@ -38468,8 +39085,8 @@
         </p:blipFill>
         <p:spPr>
           <a:xfrm>
-            <a:off x="1676400" y="2419350"/>
-            <a:ext cx="4914900" cy="1885167"/>
+            <a:off x="4125823" y="2800350"/>
+            <a:ext cx="3700463" cy="2114550"/>
           </a:xfrm>
           <a:prstGeom prst="rect">
             <a:avLst/>
@@ -38479,7 +39096,7 @@
     </p:spTree>
     <p:extLst>
       <p:ext uri="{BB962C8B-B14F-4D97-AF65-F5344CB8AC3E}">
-        <p14:creationId xmlns:p14="http://schemas.microsoft.com/office/powerpoint/2010/main" val="3565152362"/>
+        <p14:creationId xmlns:p14="http://schemas.microsoft.com/office/powerpoint/2010/main" val="1817742819"/>
       </p:ext>
     </p:extLst>
   </p:cSld>
@@ -38530,7 +39147,6 @@
           <a:p>
             <a:r>
               <a:rPr lang="en-US" dirty="0">
-                <a:latin typeface="+mn-lt"/>
                 <a:ea typeface="Arial"/>
                 <a:cs typeface="Arial"/>
                 <a:sym typeface="Arial"/>
@@ -38539,7 +39155,6 @@
             </a:r>
             <a:r>
               <a:rPr lang="vi-VN" dirty="0">
-                <a:latin typeface="+mn-lt"/>
                 <a:ea typeface="Arial"/>
                 <a:cs typeface="Arial"/>
                 <a:sym typeface="Arial"/>
@@ -38548,18 +39163,13 @@
             </a:r>
             <a:r>
               <a:rPr lang="en-US" dirty="0">
-                <a:latin typeface="+mn-lt"/>
                 <a:ea typeface="Arial"/>
                 <a:cs typeface="Arial"/>
                 <a:sym typeface="Arial"/>
               </a:rPr>
               <a:t>Client</a:t>
             </a:r>
-            <a:endParaRPr lang="en-US" dirty="0">
-              <a:latin typeface="+mn-lt"/>
-              <a:ea typeface="Arial"/>
-              <a:cs typeface="Arial"/>
-            </a:endParaRPr>
+            <a:endParaRPr lang="en-US" dirty="0"/>
           </a:p>
         </p:txBody>
       </p:sp>
@@ -38578,334 +39188,101 @@
           <a:bodyPr/>
           <a:lstStyle/>
           <a:p>
-            <a:r>
-              <a:rPr lang="en-US" dirty="0"/>
-              <a:t>Handling request errors</a:t>
-            </a:r>
-          </a:p>
-          <a:p>
             <a:pPr lvl="1"/>
-            <a:r>
-              <a:rPr lang="en-US" dirty="0"/>
-              <a:t>The handler returns an </a:t>
-            </a:r>
-            <a:r>
-              <a:rPr lang="en-US" dirty="0" err="1"/>
-              <a:t>RxJS</a:t>
-            </a:r>
-            <a:r>
-              <a:rPr lang="en-US" dirty="0"/>
-              <a:t> </a:t>
-            </a:r>
-            <a:r>
-              <a:rPr lang="en-US" dirty="0" err="1"/>
-              <a:t>ErrorObservable</a:t>
-            </a:r>
-            <a:r>
-              <a:rPr lang="en-US" dirty="0"/>
-              <a:t> with a user-friendly error message</a:t>
-            </a:r>
+            <a:endParaRPr lang="vi-VN" dirty="0" smtClean="0"/>
+          </a:p>
+          <a:p>
+            <a:pPr lvl="1"/>
             <a:endParaRPr lang="vi-VN" dirty="0"/>
           </a:p>
           <a:p>
             <a:pPr lvl="1"/>
-            <a:r>
-              <a:rPr lang="en-US" dirty="0"/>
-              <a:t>using a pipe to send all observables returned by the </a:t>
-            </a:r>
-            <a:r>
-              <a:rPr lang="en-US" dirty="0" err="1"/>
-              <a:t>HttpClient.get</a:t>
-            </a:r>
-            <a:r>
-              <a:rPr lang="en-US" dirty="0"/>
-              <a:t>() call to the error handler.</a:t>
-            </a:r>
+            <a:endParaRPr lang="vi-VN" dirty="0" smtClean="0"/>
+          </a:p>
+          <a:p>
+            <a:pPr lvl="1"/>
             <a:endParaRPr lang="vi-VN" dirty="0"/>
           </a:p>
           <a:p>
             <a:pPr lvl="1"/>
-            <a:r>
-              <a:rPr lang="en-US" sz="1400" dirty="0">
-                <a:solidFill>
-                  <a:srgbClr val="0000FF"/>
-                </a:solidFill>
-                <a:latin typeface="Droid Sans Mono"/>
-              </a:rPr>
-              <a:t>return</a:t>
-            </a:r>
-            <a:r>
-              <a:rPr lang="en-US" sz="1400" dirty="0">
-                <a:solidFill>
-                  <a:srgbClr val="000000"/>
-                </a:solidFill>
-                <a:latin typeface="Droid Sans Mono"/>
-              </a:rPr>
-              <a:t> </a:t>
-            </a:r>
-            <a:r>
-              <a:rPr lang="en-US" sz="1400" dirty="0" err="1">
-                <a:solidFill>
-                  <a:srgbClr val="0000FF"/>
-                </a:solidFill>
-                <a:latin typeface="Droid Sans Mono"/>
-              </a:rPr>
-              <a:t>this</a:t>
-            </a:r>
-            <a:r>
-              <a:rPr lang="en-US" sz="1400" dirty="0" err="1">
-                <a:solidFill>
-                  <a:srgbClr val="666600"/>
-                </a:solidFill>
-                <a:latin typeface="Droid Sans Mono"/>
-              </a:rPr>
-              <a:t>.</a:t>
-            </a:r>
-            <a:r>
-              <a:rPr lang="en-US" sz="1400" dirty="0" err="1">
-                <a:solidFill>
-                  <a:srgbClr val="000000"/>
-                </a:solidFill>
-                <a:latin typeface="Droid Sans Mono"/>
-              </a:rPr>
-              <a:t>http</a:t>
-            </a:r>
-            <a:r>
-              <a:rPr lang="en-US" sz="1400" dirty="0" err="1">
-                <a:solidFill>
-                  <a:srgbClr val="666600"/>
-                </a:solidFill>
-                <a:latin typeface="Droid Sans Mono"/>
-              </a:rPr>
-              <a:t>.</a:t>
-            </a:r>
-            <a:r>
-              <a:rPr lang="en-US" sz="1400" dirty="0" err="1">
-                <a:solidFill>
-                  <a:srgbClr val="0000FF"/>
-                </a:solidFill>
-                <a:latin typeface="Droid Sans Mono"/>
-              </a:rPr>
-              <a:t>get</a:t>
-            </a:r>
-            <a:r>
-              <a:rPr lang="en-US" sz="1400" dirty="0">
-                <a:solidFill>
-                  <a:srgbClr val="666600"/>
-                </a:solidFill>
-                <a:latin typeface="Droid Sans Mono"/>
-              </a:rPr>
-              <a:t>&lt;</a:t>
-            </a:r>
-            <a:r>
-              <a:rPr lang="en-US" sz="1400" dirty="0" err="1">
-                <a:solidFill>
-                  <a:srgbClr val="FF0000"/>
-                </a:solidFill>
-                <a:latin typeface="Droid Sans Mono"/>
-              </a:rPr>
-              <a:t>Config</a:t>
-            </a:r>
-            <a:r>
-              <a:rPr lang="en-US" sz="1400" dirty="0">
-                <a:solidFill>
-                  <a:srgbClr val="666600"/>
-                </a:solidFill>
-                <a:latin typeface="Droid Sans Mono"/>
-              </a:rPr>
-              <a:t>&gt;(</a:t>
-            </a:r>
-            <a:r>
-              <a:rPr lang="en-US" sz="1400" dirty="0" err="1">
-                <a:solidFill>
-                  <a:srgbClr val="0000FF"/>
-                </a:solidFill>
-                <a:latin typeface="Droid Sans Mono"/>
-              </a:rPr>
-              <a:t>this</a:t>
-            </a:r>
-            <a:r>
-              <a:rPr lang="en-US" sz="1400" dirty="0" err="1">
-                <a:solidFill>
-                  <a:srgbClr val="666600"/>
-                </a:solidFill>
-                <a:latin typeface="Droid Sans Mono"/>
-              </a:rPr>
-              <a:t>.</a:t>
-            </a:r>
-            <a:r>
-              <a:rPr lang="en-US" sz="1400" dirty="0" err="1">
-                <a:solidFill>
-                  <a:srgbClr val="000000"/>
-                </a:solidFill>
-                <a:latin typeface="Droid Sans Mono"/>
-              </a:rPr>
-              <a:t>configUrl</a:t>
-            </a:r>
-            <a:r>
-              <a:rPr lang="en-US" sz="1400" dirty="0">
-                <a:solidFill>
-                  <a:srgbClr val="666600"/>
-                </a:solidFill>
-                <a:latin typeface="Droid Sans Mono"/>
-              </a:rPr>
-              <a:t>)</a:t>
-            </a:r>
-            <a:r>
-              <a:rPr lang="en-US" sz="1400" dirty="0">
-                <a:solidFill>
-                  <a:srgbClr val="000000"/>
-                </a:solidFill>
-                <a:latin typeface="Droid Sans Mono"/>
-              </a:rPr>
-              <a:t> </a:t>
-            </a:r>
-            <a:r>
-              <a:rPr lang="en-US" sz="1400" dirty="0">
-                <a:solidFill>
-                  <a:srgbClr val="666600"/>
-                </a:solidFill>
-                <a:latin typeface="Droid Sans Mono"/>
-              </a:rPr>
-              <a:t>.</a:t>
-            </a:r>
-            <a:r>
-              <a:rPr lang="en-US" sz="1400" dirty="0">
-                <a:solidFill>
-                  <a:srgbClr val="000000"/>
-                </a:solidFill>
-                <a:latin typeface="Droid Sans Mono"/>
-              </a:rPr>
-              <a:t>pipe</a:t>
-            </a:r>
-            <a:r>
-              <a:rPr lang="en-US" sz="1400" dirty="0">
-                <a:solidFill>
-                  <a:srgbClr val="666600"/>
-                </a:solidFill>
-                <a:latin typeface="Droid Sans Mono"/>
-              </a:rPr>
-              <a:t>(</a:t>
-            </a:r>
-            <a:r>
-              <a:rPr lang="en-US" sz="1400" dirty="0">
-                <a:solidFill>
-                  <a:srgbClr val="000000"/>
-                </a:solidFill>
-                <a:latin typeface="Droid Sans Mono"/>
-              </a:rPr>
-              <a:t> </a:t>
-            </a:r>
-            <a:r>
-              <a:rPr lang="en-US" sz="1400" dirty="0" err="1">
-                <a:solidFill>
-                  <a:srgbClr val="000000"/>
-                </a:solidFill>
-                <a:latin typeface="Droid Sans Mono"/>
-              </a:rPr>
-              <a:t>catchError</a:t>
-            </a:r>
-            <a:r>
-              <a:rPr lang="en-US" sz="1400" dirty="0">
-                <a:solidFill>
-                  <a:srgbClr val="666600"/>
-                </a:solidFill>
-                <a:latin typeface="Droid Sans Mono"/>
-              </a:rPr>
-              <a:t>(</a:t>
-            </a:r>
-            <a:r>
-              <a:rPr lang="en-US" sz="1400" dirty="0" err="1">
-                <a:solidFill>
-                  <a:srgbClr val="0000FF"/>
-                </a:solidFill>
-                <a:latin typeface="Droid Sans Mono"/>
-              </a:rPr>
-              <a:t>this</a:t>
-            </a:r>
-            <a:r>
-              <a:rPr lang="en-US" sz="1400" dirty="0" err="1">
-                <a:solidFill>
-                  <a:srgbClr val="666600"/>
-                </a:solidFill>
-                <a:latin typeface="Droid Sans Mono"/>
-              </a:rPr>
-              <a:t>.</a:t>
-            </a:r>
-            <a:r>
-              <a:rPr lang="en-US" sz="1400" dirty="0" err="1">
-                <a:solidFill>
-                  <a:srgbClr val="000000"/>
-                </a:solidFill>
-                <a:latin typeface="Droid Sans Mono"/>
-              </a:rPr>
-              <a:t>handleError</a:t>
-            </a:r>
-            <a:r>
-              <a:rPr lang="en-US" sz="1400" dirty="0">
-                <a:solidFill>
-                  <a:srgbClr val="666600"/>
-                </a:solidFill>
-                <a:latin typeface="Droid Sans Mono"/>
-              </a:rPr>
-              <a:t>)</a:t>
-            </a:r>
-            <a:r>
-              <a:rPr lang="en-US" sz="1400" dirty="0">
-                <a:solidFill>
-                  <a:srgbClr val="000000"/>
-                </a:solidFill>
-                <a:latin typeface="Droid Sans Mono"/>
-              </a:rPr>
-              <a:t> </a:t>
-            </a:r>
-            <a:r>
-              <a:rPr lang="en-US" sz="1400" dirty="0">
-                <a:solidFill>
-                  <a:srgbClr val="666600"/>
-                </a:solidFill>
-                <a:latin typeface="Droid Sans Mono"/>
-              </a:rPr>
-              <a:t>);</a:t>
-            </a:r>
-            <a:endParaRPr lang="vi-VN" sz="1400" dirty="0">
-              <a:solidFill>
-                <a:srgbClr val="666600"/>
-              </a:solidFill>
-              <a:latin typeface="Droid Sans Mono"/>
-            </a:endParaRPr>
-          </a:p>
-          <a:p>
-            <a:r>
-              <a:rPr lang="en-US" sz="1800" dirty="0"/>
-              <a:t>Retrying a failed request</a:t>
-            </a:r>
+            <a:endParaRPr lang="vi-VN" dirty="0" smtClean="0"/>
           </a:p>
           <a:p>
             <a:pPr lvl="1"/>
-            <a:r>
-              <a:rPr lang="en-US" sz="1500" dirty="0"/>
-              <a:t>The </a:t>
-            </a:r>
-            <a:r>
-              <a:rPr lang="en-US" sz="1500" dirty="0" err="1"/>
-              <a:t>RxJS</a:t>
-            </a:r>
-            <a:r>
-              <a:rPr lang="en-US" sz="1500" dirty="0"/>
-              <a:t> library offers several retry operators. For example, the retry() operator automatically re-subscribes to a failed Observable a specified number of times.</a:t>
-            </a:r>
-            <a:br>
-              <a:rPr lang="en-US" sz="1500" dirty="0"/>
-            </a:br>
-            <a:endParaRPr lang="en-US" sz="1400" dirty="0"/>
+            <a:endParaRPr lang="vi-VN" dirty="0"/>
+          </a:p>
+          <a:p>
+            <a:pPr lvl="1"/>
+            <a:endParaRPr lang="vi-VN" dirty="0" smtClean="0"/>
+          </a:p>
+          <a:p>
+            <a:pPr lvl="1"/>
+            <a:endParaRPr lang="vi-VN" dirty="0"/>
+          </a:p>
+          <a:p>
+            <a:pPr lvl="1"/>
+            <a:r>
+              <a:rPr lang="en-US" dirty="0"/>
+              <a:t>The </a:t>
+            </a:r>
+            <a:r>
+              <a:rPr lang="en-US" i="1" dirty="0"/>
+              <a:t>observe</a:t>
+            </a:r>
+            <a:r>
+              <a:rPr lang="en-US" dirty="0"/>
+              <a:t> option specifies how much of the response to return.</a:t>
+            </a:r>
+          </a:p>
+          <a:p>
+            <a:pPr lvl="1"/>
+            <a:r>
+              <a:rPr lang="en-US" dirty="0"/>
+              <a:t>The </a:t>
+            </a:r>
+            <a:r>
+              <a:rPr lang="en-US" i="1" dirty="0" err="1"/>
+              <a:t>responseType</a:t>
+            </a:r>
+            <a:r>
+              <a:rPr lang="en-US" dirty="0"/>
+              <a:t> option specifies the format in which to return data.</a:t>
+            </a:r>
+          </a:p>
+          <a:p>
+            <a:pPr lvl="1"/>
+            <a:endParaRPr lang="en-US" dirty="0"/>
           </a:p>
         </p:txBody>
       </p:sp>
+      <p:pic>
+        <p:nvPicPr>
+          <p:cNvPr id="5" name="Picture 4"/>
+          <p:cNvPicPr>
+            <a:picLocks noChangeAspect="1"/>
+          </p:cNvPicPr>
+          <p:nvPr/>
+        </p:nvPicPr>
+        <p:blipFill>
+          <a:blip r:embed="rId2"/>
+          <a:stretch>
+            <a:fillRect/>
+          </a:stretch>
+        </p:blipFill>
+        <p:spPr>
+          <a:xfrm>
+            <a:off x="1752600" y="1581150"/>
+            <a:ext cx="4914900" cy="1885167"/>
+          </a:xfrm>
+          <a:prstGeom prst="rect">
+            <a:avLst/>
+          </a:prstGeom>
+        </p:spPr>
+      </p:pic>
     </p:spTree>
     <p:extLst>
       <p:ext uri="{BB962C8B-B14F-4D97-AF65-F5344CB8AC3E}">
-        <p14:creationId xmlns:p14="http://schemas.microsoft.com/office/powerpoint/2010/main" val="3357530678"/>
+        <p14:creationId xmlns:p14="http://schemas.microsoft.com/office/powerpoint/2010/main" val="3565152362"/>
       </p:ext>
     </p:extLst>
   </p:cSld>
@@ -39006,29 +39383,314 @@
           <a:p>
             <a:r>
               <a:rPr lang="en-US" dirty="0"/>
-              <a:t>Sending data to a server</a:t>
+              <a:t>Handling request errors</a:t>
             </a:r>
           </a:p>
           <a:p>
             <a:pPr lvl="1"/>
             <a:r>
+              <a:rPr lang="en-US" dirty="0"/>
+              <a:t>The handler returns an </a:t>
+            </a:r>
+            <a:r>
               <a:rPr lang="en-US" dirty="0" err="1"/>
-              <a:t>HttpClient</a:t>
-            </a:r>
-            <a:r>
-              <a:rPr lang="en-US" dirty="0"/>
-              <a:t> supports other HTTP methods such as PUT, POST, and DELETE</a:t>
-            </a:r>
-            <a:br>
-              <a:rPr lang="en-US" dirty="0"/>
-            </a:br>
-            <a:endParaRPr lang="en-US" dirty="0"/>
+              <a:t>RxJS</a:t>
+            </a:r>
+            <a:r>
+              <a:rPr lang="en-US" dirty="0"/>
+              <a:t> </a:t>
+            </a:r>
+            <a:r>
+              <a:rPr lang="en-US" b="1" dirty="0" err="1"/>
+              <a:t>ErrorObservable</a:t>
+            </a:r>
+            <a:r>
+              <a:rPr lang="en-US" dirty="0"/>
+              <a:t> with a user-friendly error message</a:t>
+            </a:r>
+            <a:endParaRPr lang="vi-VN" dirty="0"/>
+          </a:p>
+          <a:p>
+            <a:pPr lvl="1"/>
+            <a:r>
+              <a:rPr lang="vi-VN" dirty="0" smtClean="0"/>
+              <a:t>U</a:t>
+            </a:r>
+            <a:r>
+              <a:rPr lang="en-US" dirty="0" smtClean="0"/>
+              <a:t>sing </a:t>
+            </a:r>
+            <a:r>
+              <a:rPr lang="en-US" dirty="0"/>
+              <a:t>a pipe to send all observables returned by the </a:t>
+            </a:r>
+            <a:r>
+              <a:rPr lang="en-US" dirty="0" err="1"/>
+              <a:t>HttpClient.get</a:t>
+            </a:r>
+            <a:r>
+              <a:rPr lang="en-US" dirty="0"/>
+              <a:t>() call to the error handler.</a:t>
+            </a:r>
+            <a:endParaRPr lang="vi-VN" dirty="0"/>
+          </a:p>
+          <a:p>
+            <a:pPr lvl="2"/>
+            <a:r>
+              <a:rPr lang="en-US" sz="1100" dirty="0">
+                <a:solidFill>
+                  <a:srgbClr val="0000FF"/>
+                </a:solidFill>
+                <a:latin typeface="Droid Sans Mono"/>
+              </a:rPr>
+              <a:t>return</a:t>
+            </a:r>
+            <a:r>
+              <a:rPr lang="en-US" sz="1100" dirty="0">
+                <a:solidFill>
+                  <a:srgbClr val="000000"/>
+                </a:solidFill>
+                <a:latin typeface="Droid Sans Mono"/>
+              </a:rPr>
+              <a:t> </a:t>
+            </a:r>
+            <a:r>
+              <a:rPr lang="en-US" sz="1100" dirty="0" err="1">
+                <a:solidFill>
+                  <a:srgbClr val="0000FF"/>
+                </a:solidFill>
+                <a:latin typeface="Droid Sans Mono"/>
+              </a:rPr>
+              <a:t>this</a:t>
+            </a:r>
+            <a:r>
+              <a:rPr lang="en-US" sz="1100" dirty="0" err="1">
+                <a:solidFill>
+                  <a:srgbClr val="666600"/>
+                </a:solidFill>
+                <a:latin typeface="Droid Sans Mono"/>
+              </a:rPr>
+              <a:t>.</a:t>
+            </a:r>
+            <a:r>
+              <a:rPr lang="en-US" sz="1100" dirty="0" err="1">
+                <a:solidFill>
+                  <a:srgbClr val="000000"/>
+                </a:solidFill>
+                <a:latin typeface="Droid Sans Mono"/>
+              </a:rPr>
+              <a:t>http</a:t>
+            </a:r>
+            <a:r>
+              <a:rPr lang="en-US" sz="1100" dirty="0" err="1">
+                <a:solidFill>
+                  <a:srgbClr val="666600"/>
+                </a:solidFill>
+                <a:latin typeface="Droid Sans Mono"/>
+              </a:rPr>
+              <a:t>.</a:t>
+            </a:r>
+            <a:r>
+              <a:rPr lang="en-US" sz="1100" dirty="0" err="1">
+                <a:solidFill>
+                  <a:srgbClr val="0000FF"/>
+                </a:solidFill>
+                <a:latin typeface="Droid Sans Mono"/>
+              </a:rPr>
+              <a:t>get</a:t>
+            </a:r>
+            <a:r>
+              <a:rPr lang="en-US" sz="1100" dirty="0">
+                <a:solidFill>
+                  <a:srgbClr val="666600"/>
+                </a:solidFill>
+                <a:latin typeface="Droid Sans Mono"/>
+              </a:rPr>
+              <a:t>&lt;</a:t>
+            </a:r>
+            <a:r>
+              <a:rPr lang="en-US" sz="1100" dirty="0" err="1">
+                <a:solidFill>
+                  <a:srgbClr val="FF0000"/>
+                </a:solidFill>
+                <a:latin typeface="Droid Sans Mono"/>
+              </a:rPr>
+              <a:t>Config</a:t>
+            </a:r>
+            <a:r>
+              <a:rPr lang="en-US" sz="1100" dirty="0">
+                <a:solidFill>
+                  <a:srgbClr val="666600"/>
+                </a:solidFill>
+                <a:latin typeface="Droid Sans Mono"/>
+              </a:rPr>
+              <a:t>&gt;(</a:t>
+            </a:r>
+            <a:r>
+              <a:rPr lang="en-US" sz="1100" dirty="0" err="1">
+                <a:solidFill>
+                  <a:srgbClr val="0000FF"/>
+                </a:solidFill>
+                <a:latin typeface="Droid Sans Mono"/>
+              </a:rPr>
+              <a:t>this</a:t>
+            </a:r>
+            <a:r>
+              <a:rPr lang="en-US" sz="1100" dirty="0" err="1">
+                <a:solidFill>
+                  <a:srgbClr val="666600"/>
+                </a:solidFill>
+                <a:latin typeface="Droid Sans Mono"/>
+              </a:rPr>
+              <a:t>.</a:t>
+            </a:r>
+            <a:r>
+              <a:rPr lang="en-US" sz="1100" dirty="0" err="1">
+                <a:solidFill>
+                  <a:srgbClr val="000000"/>
+                </a:solidFill>
+                <a:latin typeface="Droid Sans Mono"/>
+              </a:rPr>
+              <a:t>configUrl</a:t>
+            </a:r>
+            <a:r>
+              <a:rPr lang="en-US" sz="1100" dirty="0">
+                <a:solidFill>
+                  <a:srgbClr val="666600"/>
+                </a:solidFill>
+                <a:latin typeface="Droid Sans Mono"/>
+              </a:rPr>
+              <a:t>)</a:t>
+            </a:r>
+            <a:r>
+              <a:rPr lang="en-US" sz="1100" dirty="0">
+                <a:solidFill>
+                  <a:srgbClr val="000000"/>
+                </a:solidFill>
+                <a:latin typeface="Droid Sans Mono"/>
+              </a:rPr>
+              <a:t> </a:t>
+            </a:r>
+            <a:r>
+              <a:rPr lang="en-US" sz="1100" dirty="0">
+                <a:solidFill>
+                  <a:srgbClr val="666600"/>
+                </a:solidFill>
+                <a:latin typeface="Droid Sans Mono"/>
+              </a:rPr>
+              <a:t>.</a:t>
+            </a:r>
+            <a:r>
+              <a:rPr lang="en-US" sz="1100" dirty="0">
+                <a:solidFill>
+                  <a:srgbClr val="000000"/>
+                </a:solidFill>
+                <a:latin typeface="Droid Sans Mono"/>
+              </a:rPr>
+              <a:t>pipe</a:t>
+            </a:r>
+            <a:r>
+              <a:rPr lang="en-US" sz="1100" dirty="0">
+                <a:solidFill>
+                  <a:srgbClr val="666600"/>
+                </a:solidFill>
+                <a:latin typeface="Droid Sans Mono"/>
+              </a:rPr>
+              <a:t>(</a:t>
+            </a:r>
+            <a:r>
+              <a:rPr lang="en-US" sz="1100" dirty="0">
+                <a:solidFill>
+                  <a:srgbClr val="000000"/>
+                </a:solidFill>
+                <a:latin typeface="Droid Sans Mono"/>
+              </a:rPr>
+              <a:t> </a:t>
+            </a:r>
+            <a:r>
+              <a:rPr lang="en-US" sz="1100" dirty="0" err="1">
+                <a:solidFill>
+                  <a:srgbClr val="000000"/>
+                </a:solidFill>
+                <a:latin typeface="Droid Sans Mono"/>
+              </a:rPr>
+              <a:t>catchError</a:t>
+            </a:r>
+            <a:r>
+              <a:rPr lang="en-US" sz="1100" dirty="0">
+                <a:solidFill>
+                  <a:srgbClr val="666600"/>
+                </a:solidFill>
+                <a:latin typeface="Droid Sans Mono"/>
+              </a:rPr>
+              <a:t>(</a:t>
+            </a:r>
+            <a:r>
+              <a:rPr lang="en-US" sz="1100" dirty="0" err="1">
+                <a:solidFill>
+                  <a:srgbClr val="0000FF"/>
+                </a:solidFill>
+                <a:latin typeface="Droid Sans Mono"/>
+              </a:rPr>
+              <a:t>this</a:t>
+            </a:r>
+            <a:r>
+              <a:rPr lang="en-US" sz="1100" dirty="0" err="1">
+                <a:solidFill>
+                  <a:srgbClr val="666600"/>
+                </a:solidFill>
+                <a:latin typeface="Droid Sans Mono"/>
+              </a:rPr>
+              <a:t>.</a:t>
+            </a:r>
+            <a:r>
+              <a:rPr lang="en-US" sz="1100" dirty="0" err="1">
+                <a:solidFill>
+                  <a:srgbClr val="000000"/>
+                </a:solidFill>
+                <a:latin typeface="Droid Sans Mono"/>
+              </a:rPr>
+              <a:t>handleError</a:t>
+            </a:r>
+            <a:r>
+              <a:rPr lang="en-US" sz="1100" dirty="0">
+                <a:solidFill>
+                  <a:srgbClr val="666600"/>
+                </a:solidFill>
+                <a:latin typeface="Droid Sans Mono"/>
+              </a:rPr>
+              <a:t>)</a:t>
+            </a:r>
+            <a:r>
+              <a:rPr lang="en-US" sz="1100" dirty="0">
+                <a:solidFill>
+                  <a:srgbClr val="000000"/>
+                </a:solidFill>
+                <a:latin typeface="Droid Sans Mono"/>
+              </a:rPr>
+              <a:t> </a:t>
+            </a:r>
+            <a:r>
+              <a:rPr lang="en-US" sz="1100" dirty="0" smtClean="0">
+                <a:solidFill>
+                  <a:srgbClr val="666600"/>
+                </a:solidFill>
+                <a:latin typeface="Droid Sans Mono"/>
+              </a:rPr>
+              <a:t>);</a:t>
+            </a:r>
+            <a:endParaRPr lang="vi-VN" sz="1100" dirty="0">
+              <a:solidFill>
+                <a:srgbClr val="666600"/>
+              </a:solidFill>
+              <a:latin typeface="Droid Sans Mono"/>
+            </a:endParaRPr>
           </a:p>
         </p:txBody>
       </p:sp>
       <p:pic>
         <p:nvPicPr>
-          <p:cNvPr id="5" name="Picture 4"/>
+          <p:cNvPr id="4" name="Picture 3"/>
           <p:cNvPicPr>
             <a:picLocks noChangeAspect="1"/>
           </p:cNvPicPr>
@@ -39042,8 +39704,8 @@
         </p:blipFill>
         <p:spPr>
           <a:xfrm>
-            <a:off x="1524000" y="2190750"/>
-            <a:ext cx="5610225" cy="1885950"/>
+            <a:off x="5715000" y="3181350"/>
+            <a:ext cx="2514600" cy="1716778"/>
           </a:xfrm>
           <a:prstGeom prst="rect">
             <a:avLst/>
@@ -39053,7 +39715,7 @@
     </p:spTree>
     <p:extLst>
       <p:ext uri="{BB962C8B-B14F-4D97-AF65-F5344CB8AC3E}">
-        <p14:creationId xmlns:p14="http://schemas.microsoft.com/office/powerpoint/2010/main" val="222553830"/>
+        <p14:creationId xmlns:p14="http://schemas.microsoft.com/office/powerpoint/2010/main" val="3357530678"/>
       </p:ext>
     </p:extLst>
   </p:cSld>
@@ -39102,38 +39764,7 @@
           <a:bodyPr/>
           <a:lstStyle/>
           <a:p>
-            <a:r>
-              <a:rPr lang="en-US" dirty="0">
-                <a:latin typeface="+mn-lt"/>
-                <a:ea typeface="Arial"/>
-                <a:cs typeface="Arial"/>
-                <a:sym typeface="Arial"/>
-              </a:rPr>
-              <a:t>Http</a:t>
-            </a:r>
-            <a:r>
-              <a:rPr lang="vi-VN" dirty="0">
-                <a:latin typeface="+mn-lt"/>
-                <a:ea typeface="Arial"/>
-                <a:cs typeface="Arial"/>
-                <a:sym typeface="Arial"/>
-              </a:rPr>
-              <a:t> </a:t>
-            </a:r>
-            <a:r>
-              <a:rPr lang="en-US" dirty="0">
-                <a:latin typeface="+mn-lt"/>
-                <a:ea typeface="Arial"/>
-                <a:cs typeface="Arial"/>
-                <a:sym typeface="Arial"/>
-              </a:rPr>
-              <a:t>Client</a:t>
-            </a:r>
-            <a:endParaRPr lang="en-US" dirty="0">
-              <a:latin typeface="+mn-lt"/>
-              <a:ea typeface="Arial"/>
-              <a:cs typeface="Arial"/>
-            </a:endParaRPr>
+            <a:endParaRPr lang="en-US"/>
           </a:p>
         </p:txBody>
       </p:sp>
@@ -39153,84 +39784,70 @@
           <a:lstStyle/>
           <a:p>
             <a:r>
-              <a:rPr lang="en-US" dirty="0"/>
-              <a:t>Configuring HTTP URL parameters</a:t>
+              <a:rPr lang="en-US" sz="1800" dirty="0"/>
+              <a:t>Retrying a failed request</a:t>
             </a:r>
           </a:p>
           <a:p>
             <a:pPr lvl="1"/>
             <a:r>
-              <a:rPr lang="en-US" dirty="0"/>
-              <a:t>Use the </a:t>
-            </a:r>
-            <a:r>
-              <a:rPr lang="en-US" dirty="0" err="1"/>
-              <a:t>HttpParams</a:t>
-            </a:r>
-            <a:r>
-              <a:rPr lang="en-US" dirty="0"/>
-              <a:t> class with the </a:t>
-            </a:r>
-            <a:r>
-              <a:rPr lang="en-US" dirty="0" err="1"/>
-              <a:t>params</a:t>
-            </a:r>
-            <a:r>
-              <a:rPr lang="en-US" dirty="0"/>
-              <a:t> request option to add URL query strings in your </a:t>
-            </a:r>
-            <a:r>
-              <a:rPr lang="en-US" dirty="0" err="1"/>
-              <a:t>HttpRequest</a:t>
-            </a:r>
-            <a:r>
-              <a:rPr lang="en-US" dirty="0"/>
-              <a:t>.</a:t>
-            </a:r>
-          </a:p>
-          <a:p>
-            <a:pPr lvl="1"/>
-            <a:r>
-              <a:rPr lang="en-US" dirty="0"/>
-              <a:t>import {</a:t>
-            </a:r>
-            <a:r>
-              <a:rPr lang="en-US" dirty="0" err="1">
-                <a:hlinkClick r:id="rId2"/>
-              </a:rPr>
-              <a:t>HttpParams</a:t>
-            </a:r>
-            <a:r>
-              <a:rPr lang="en-US" dirty="0"/>
-              <a:t>} from "@angular/common/</a:t>
-            </a:r>
-            <a:r>
-              <a:rPr lang="en-US" dirty="0">
-                <a:hlinkClick r:id="rId3"/>
-              </a:rPr>
-              <a:t>http</a:t>
-            </a:r>
-            <a:r>
-              <a:rPr lang="en-US" dirty="0"/>
-              <a:t>";</a:t>
-            </a:r>
+              <a:rPr lang="en-US" sz="1500" dirty="0"/>
+              <a:t>The </a:t>
+            </a:r>
+            <a:r>
+              <a:rPr lang="en-US" sz="1500" dirty="0" err="1"/>
+              <a:t>RxJS</a:t>
+            </a:r>
+            <a:r>
+              <a:rPr lang="en-US" sz="1500" dirty="0"/>
+              <a:t> library offers several retry operators. </a:t>
+            </a:r>
+            <a:endParaRPr lang="vi-VN" sz="1500" dirty="0"/>
           </a:p>
           <a:p>
             <a:pPr lvl="2"/>
             <a:r>
-              <a:rPr lang="en-US" dirty="0">
-                <a:hlinkClick r:id="rId4"/>
-              </a:rPr>
-              <a:t>http://api/heroes?name=cat.</a:t>
-            </a:r>
+              <a:rPr lang="en-US" sz="1200" dirty="0"/>
+              <a:t>For example, the retry() operator automatically re-subscribes to a failed Observable a specified number of times.</a:t>
+            </a:r>
+            <a:br>
+              <a:rPr lang="en-US" sz="1200" dirty="0"/>
+            </a:br>
+            <a:endParaRPr lang="en-US" sz="1100" dirty="0"/>
+          </a:p>
+          <a:p>
             <a:endParaRPr lang="en-US" dirty="0"/>
           </a:p>
         </p:txBody>
       </p:sp>
+      <p:pic>
+        <p:nvPicPr>
+          <p:cNvPr id="4" name="Picture 3"/>
+          <p:cNvPicPr>
+            <a:picLocks noChangeAspect="1"/>
+          </p:cNvPicPr>
+          <p:nvPr/>
+        </p:nvPicPr>
+        <p:blipFill>
+          <a:blip r:embed="rId2"/>
+          <a:stretch>
+            <a:fillRect/>
+          </a:stretch>
+        </p:blipFill>
+        <p:spPr>
+          <a:xfrm>
+            <a:off x="2286000" y="2647950"/>
+            <a:ext cx="5000625" cy="1819275"/>
+          </a:xfrm>
+          <a:prstGeom prst="rect">
+            <a:avLst/>
+          </a:prstGeom>
+        </p:spPr>
+      </p:pic>
     </p:spTree>
     <p:extLst>
       <p:ext uri="{BB962C8B-B14F-4D97-AF65-F5344CB8AC3E}">
-        <p14:creationId xmlns:p14="http://schemas.microsoft.com/office/powerpoint/2010/main" val="3711271280"/>
+        <p14:creationId xmlns:p14="http://schemas.microsoft.com/office/powerpoint/2010/main" val="780269881"/>
       </p:ext>
     </p:extLst>
   </p:cSld>
@@ -39308,6 +39925,8 @@
             </a:r>
             <a:endParaRPr lang="en-US" dirty="0">
               <a:latin typeface="+mn-lt"/>
+              <a:ea typeface="Arial"/>
+              <a:cs typeface="Arial"/>
             </a:endParaRPr>
           </a:p>
         </p:txBody>
@@ -39328,117 +39947,59 @@
           <a:lstStyle/>
           <a:p>
             <a:r>
-              <a:rPr lang="en-US" dirty="0"/>
-              <a:t>Intercepting requests and responses</a:t>
+              <a:rPr lang="vi-VN" dirty="0" smtClean="0"/>
+              <a:t>Other methods</a:t>
             </a:r>
           </a:p>
           <a:p>
             <a:pPr lvl="1"/>
             <a:r>
-              <a:rPr lang="en-US" dirty="0"/>
-              <a:t>Interceptors can perform a variety of </a:t>
-            </a:r>
-            <a:r>
-              <a:rPr lang="en-US" i="1" dirty="0"/>
-              <a:t>implicit</a:t>
-            </a:r>
-            <a:r>
-              <a:rPr lang="en-US" dirty="0"/>
-              <a:t> tasks, from authentication to logging, in a routine, standard way, for every HTTP request/response.</a:t>
-            </a:r>
-          </a:p>
-          <a:p>
-            <a:pPr lvl="1"/>
-            <a:r>
-              <a:rPr lang="en-US" dirty="0"/>
-              <a:t>Without interception, developers would have to implement these tasks explicitly for each </a:t>
-            </a:r>
-            <a:r>
-              <a:rPr lang="en-US" dirty="0" err="1"/>
+              <a:rPr lang="en-US" dirty="0" err="1" smtClean="0"/>
               <a:t>HttpClient</a:t>
             </a:r>
             <a:r>
-              <a:rPr lang="en-US" dirty="0"/>
-              <a:t> method call.</a:t>
-            </a:r>
-          </a:p>
-          <a:p>
-            <a:r>
-              <a:rPr lang="en-US" dirty="0"/>
-              <a:t>Write an interceptor</a:t>
-            </a:r>
-          </a:p>
-          <a:p>
-            <a:pPr lvl="1"/>
-            <a:r>
-              <a:rPr lang="en-US" dirty="0"/>
-              <a:t>To implement an interceptor, declare a class that implements the intercept() method of the </a:t>
-            </a:r>
-            <a:r>
-              <a:rPr lang="en-US" dirty="0" err="1"/>
-              <a:t>HttpInterceptor</a:t>
-            </a:r>
-            <a:r>
-              <a:rPr lang="en-US" dirty="0"/>
-              <a:t> interface.</a:t>
-            </a:r>
-          </a:p>
-          <a:p>
-            <a:pPr lvl="1"/>
-            <a:r>
-              <a:rPr lang="en-US" dirty="0"/>
-              <a:t>{ provide: </a:t>
-            </a:r>
-            <a:r>
-              <a:rPr lang="en-US" dirty="0">
-                <a:hlinkClick r:id="rId2"/>
-              </a:rPr>
-              <a:t>HTTP_INTERCEPTORS</a:t>
-            </a:r>
-            <a:r>
-              <a:rPr lang="en-US" dirty="0"/>
-              <a:t>, </a:t>
-            </a:r>
-            <a:r>
-              <a:rPr lang="en-US" dirty="0" err="1"/>
-              <a:t>useClass</a:t>
-            </a:r>
-            <a:r>
-              <a:rPr lang="en-US" dirty="0"/>
-              <a:t>: </a:t>
-            </a:r>
-            <a:r>
-              <a:rPr lang="en-US" dirty="0" err="1"/>
-              <a:t>NoopInterceptor</a:t>
-            </a:r>
-            <a:r>
-              <a:rPr lang="en-US" dirty="0"/>
-              <a:t>, multi: true },</a:t>
-            </a:r>
-          </a:p>
-          <a:p>
-            <a:r>
-              <a:rPr lang="en-US" dirty="0"/>
-              <a:t>Most interceptors call </a:t>
-            </a:r>
-            <a:r>
-              <a:rPr lang="en-US" dirty="0" err="1"/>
-              <a:t>next.handle</a:t>
-            </a:r>
-            <a:r>
-              <a:rPr lang="en-US" dirty="0"/>
-              <a:t>() so that the request flows through to the next interceptor and, eventually, the backend handler.</a:t>
-            </a:r>
-          </a:p>
-          <a:p>
+              <a:rPr lang="en-US" dirty="0" smtClean="0"/>
+              <a:t> </a:t>
+            </a:r>
+            <a:r>
+              <a:rPr lang="en-US" dirty="0"/>
+              <a:t>supports other HTTP methods such as PUT, POST, and DELETE</a:t>
+            </a:r>
+            <a:br>
+              <a:rPr lang="en-US" dirty="0"/>
+            </a:br>
             <a:endParaRPr lang="en-US" dirty="0"/>
           </a:p>
         </p:txBody>
       </p:sp>
+      <p:pic>
+        <p:nvPicPr>
+          <p:cNvPr id="5" name="Picture 4"/>
+          <p:cNvPicPr>
+            <a:picLocks noChangeAspect="1"/>
+          </p:cNvPicPr>
+          <p:nvPr/>
+        </p:nvPicPr>
+        <p:blipFill>
+          <a:blip r:embed="rId2"/>
+          <a:stretch>
+            <a:fillRect/>
+          </a:stretch>
+        </p:blipFill>
+        <p:spPr>
+          <a:xfrm>
+            <a:off x="1524000" y="2190750"/>
+            <a:ext cx="5610225" cy="1885950"/>
+          </a:xfrm>
+          <a:prstGeom prst="rect">
+            <a:avLst/>
+          </a:prstGeom>
+        </p:spPr>
+      </p:pic>
     </p:spTree>
     <p:extLst>
       <p:ext uri="{BB962C8B-B14F-4D97-AF65-F5344CB8AC3E}">
-        <p14:creationId xmlns:p14="http://schemas.microsoft.com/office/powerpoint/2010/main" val="2580636895"/>
+        <p14:creationId xmlns:p14="http://schemas.microsoft.com/office/powerpoint/2010/main" val="222553830"/>
       </p:ext>
     </p:extLst>
   </p:cSld>
@@ -39494,10 +40055,30 @@
                 <a:cs typeface="Arial"/>
                 <a:sym typeface="Arial"/>
               </a:rPr>
-              <a:t>Routing &amp; Navigation</a:t>
+              <a:t>Http</a:t>
+            </a:r>
+            <a:r>
+              <a:rPr lang="vi-VN" dirty="0">
+                <a:latin typeface="+mn-lt"/>
+                <a:ea typeface="Arial"/>
+                <a:cs typeface="Arial"/>
+                <a:sym typeface="Arial"/>
+              </a:rPr>
+              <a:t> </a:t>
+            </a:r>
+            <a:r>
+              <a:rPr lang="en-US" dirty="0">
+                <a:latin typeface="+mn-lt"/>
+                <a:ea typeface="Arial"/>
+                <a:cs typeface="Arial"/>
+                <a:sym typeface="Arial"/>
+              </a:rPr>
+              <a:t>Client</a:t>
             </a:r>
             <a:endParaRPr lang="en-US" dirty="0">
               <a:latin typeface="+mn-lt"/>
+              <a:ea typeface="Arial"/>
+              <a:cs typeface="Arial"/>
             </a:endParaRPr>
           </a:p>
         </p:txBody>
@@ -39518,91 +40099,183 @@
           <a:lstStyle/>
           <a:p>
             <a:r>
-              <a:rPr lang="vi-VN" dirty="0">
+              <a:rPr lang="en-US" dirty="0"/>
+              <a:t>Configuring HTTP URL parameters</a:t>
+            </a:r>
+          </a:p>
+          <a:p>
+            <a:pPr lvl="1"/>
+            <a:r>
+              <a:rPr lang="en-US" dirty="0"/>
+              <a:t>Use the </a:t>
+            </a:r>
+            <a:r>
+              <a:rPr lang="en-US" b="1" dirty="0" err="1"/>
+              <a:t>HttpParams</a:t>
+            </a:r>
+            <a:r>
+              <a:rPr lang="en-US" dirty="0"/>
+              <a:t> class with the </a:t>
+            </a:r>
+            <a:r>
+              <a:rPr lang="en-US" dirty="0" err="1"/>
+              <a:t>params</a:t>
+            </a:r>
+            <a:r>
+              <a:rPr lang="en-US" dirty="0"/>
+              <a:t> request option to add URL query strings in your </a:t>
+            </a:r>
+            <a:r>
+              <a:rPr lang="en-US" dirty="0" err="1"/>
+              <a:t>HttpRequest</a:t>
+            </a:r>
+            <a:r>
+              <a:rPr lang="en-US" dirty="0"/>
+              <a:t>.</a:t>
+            </a:r>
+          </a:p>
+          <a:p>
+            <a:pPr lvl="2"/>
+            <a:r>
+              <a:rPr lang="en-US" dirty="0"/>
+              <a:t>import {</a:t>
+            </a:r>
+            <a:r>
+              <a:rPr lang="en-US" dirty="0" err="1">
                 <a:hlinkClick r:id="rId2"/>
               </a:rPr>
-              <a:t>https://</a:t>
-            </a:r>
-            <a:r>
-              <a:rPr lang="vi-VN" dirty="0" smtClean="0">
+              <a:t>HttpParams</a:t>
+            </a:r>
+            <a:r>
+              <a:rPr lang="en-US" dirty="0"/>
+              <a:t>} from "@</a:t>
+            </a:r>
+            <a:r>
+              <a:rPr lang="en-US" dirty="0" smtClean="0"/>
+              <a:t>angular/common/</a:t>
+            </a:r>
+            <a:r>
+              <a:rPr lang="en-US" dirty="0" smtClean="0"/>
+              <a:t>http</a:t>
+            </a:r>
+            <a:r>
+              <a:rPr lang="en-US" dirty="0" smtClean="0"/>
+              <a:t>";</a:t>
+            </a:r>
+            <a:endParaRPr lang="vi-VN" dirty="0" smtClean="0"/>
+          </a:p>
+          <a:p>
+            <a:pPr lvl="2"/>
+            <a:r>
+              <a:rPr lang="en-US" dirty="0" err="1"/>
+              <a:t>const</a:t>
+            </a:r>
+            <a:r>
+              <a:rPr lang="en-US" dirty="0"/>
+              <a:t> </a:t>
+            </a:r>
+            <a:r>
+              <a:rPr lang="vi-VN" dirty="0" smtClean="0"/>
+              <a:t>paramHere</a:t>
+            </a:r>
+            <a:r>
+              <a:rPr lang="en-US" dirty="0" smtClean="0"/>
+              <a:t>s </a:t>
+            </a:r>
+            <a:r>
+              <a:rPr lang="en-US" dirty="0"/>
+              <a:t>= new </a:t>
+            </a:r>
+            <a:r>
+              <a:rPr lang="en-US" dirty="0" err="1">
                 <a:hlinkClick r:id="rId2"/>
               </a:rPr>
-              <a:t>angular.io/guide/router</a:t>
-            </a:r>
-            <a:endParaRPr lang="vi-VN" dirty="0"/>
-          </a:p>
-          <a:p>
+              <a:t>HttpParams</a:t>
+            </a:r>
+            <a:r>
+              <a:rPr lang="en-US" dirty="0"/>
+              <a:t>({</a:t>
+            </a:r>
+            <a:r>
+              <a:rPr lang="en-US" dirty="0" err="1"/>
+              <a:t>fromString</a:t>
+            </a:r>
+            <a:r>
+              <a:rPr lang="en-US" dirty="0"/>
+              <a:t>: 'name=foo</a:t>
+            </a:r>
+            <a:r>
+              <a:rPr lang="en-US" dirty="0" smtClean="0"/>
+              <a:t>'});</a:t>
+            </a:r>
+            <a:endParaRPr lang="vi-VN" dirty="0" smtClean="0"/>
+          </a:p>
+          <a:p>
+            <a:pPr lvl="2"/>
+            <a:r>
+              <a:rPr lang="en-US" dirty="0" err="1"/>
+              <a:t>const</a:t>
+            </a:r>
+            <a:r>
+              <a:rPr lang="en-US" dirty="0"/>
+              <a:t> options = </a:t>
+            </a:r>
+            <a:r>
+              <a:rPr lang="en-US" dirty="0" smtClean="0"/>
+              <a:t>{ </a:t>
+            </a:r>
+            <a:r>
+              <a:rPr lang="en-US" dirty="0" err="1"/>
+              <a:t>params</a:t>
+            </a:r>
+            <a:r>
+              <a:rPr lang="en-US" dirty="0" smtClean="0"/>
+              <a:t>:</a:t>
+            </a:r>
             <a:r>
               <a:rPr lang="vi-VN" dirty="0" smtClean="0"/>
-              <a:t>Y</a:t>
-            </a:r>
-            <a:r>
-              <a:rPr lang="en-US" dirty="0" err="1" smtClean="0"/>
-              <a:t>ou</a:t>
-            </a:r>
-            <a:r>
-              <a:rPr lang="en-US" dirty="0" smtClean="0"/>
               <a:t> </a:t>
             </a:r>
             <a:r>
-              <a:rPr lang="en-US" dirty="0"/>
-              <a:t>change what the user sees by showing or hiding portions of the display that correspond to particular components, rather than going out to the server to get a new page. </a:t>
-            </a:r>
-            <a:endParaRPr lang="vi-VN" dirty="0"/>
-          </a:p>
-          <a:p>
-            <a:pPr marL="95250" indent="0">
-              <a:buNone/>
-            </a:pPr>
+              <a:rPr lang="vi-VN" dirty="0"/>
+              <a:t>paramHere</a:t>
+            </a:r>
+            <a:r>
+              <a:rPr lang="vi-VN" dirty="0" smtClean="0"/>
+              <a:t>}</a:t>
+            </a:r>
             <a:endParaRPr lang="en-US" dirty="0"/>
           </a:p>
         </p:txBody>
       </p:sp>
       <p:pic>
         <p:nvPicPr>
-          <p:cNvPr id="1026" name="Picture 2" descr="Angular Routing – Grasp"/>
+          <p:cNvPr id="4" name="Picture 3"/>
           <p:cNvPicPr>
-            <a:picLocks noChangeAspect="1" noChangeArrowheads="1"/>
+            <a:picLocks noChangeAspect="1"/>
           </p:cNvPicPr>
           <p:nvPr/>
         </p:nvPicPr>
         <p:blipFill>
-          <a:blip r:embed="rId3">
-            <a:extLst>
-              <a:ext uri="{28A0092B-C50C-407E-A947-70E740481C1C}">
-                <a14:useLocalDpi xmlns:a14="http://schemas.microsoft.com/office/drawing/2010/main" val="0"/>
-              </a:ext>
-            </a:extLst>
-          </a:blip>
-          <a:srcRect/>
+          <a:blip r:embed="rId3"/>
           <a:stretch>
             <a:fillRect/>
           </a:stretch>
         </p:blipFill>
-        <p:spPr bwMode="auto">
+        <p:spPr>
           <a:xfrm>
-            <a:off x="2590800" y="2800350"/>
-            <a:ext cx="3479800" cy="2174875"/>
+            <a:off x="2057400" y="3257550"/>
+            <a:ext cx="5029200" cy="1000125"/>
           </a:xfrm>
           <a:prstGeom prst="rect">
             <a:avLst/>
           </a:prstGeom>
-          <a:noFill/>
-          <a:extLst>
-            <a:ext uri="{909E8E84-426E-40DD-AFC4-6F175D3DCCD1}">
-              <a14:hiddenFill xmlns:a14="http://schemas.microsoft.com/office/drawing/2010/main">
-                <a:solidFill>
-                  <a:srgbClr val="FFFFFF"/>
-                </a:solidFill>
-              </a14:hiddenFill>
-            </a:ext>
-          </a:extLst>
         </p:spPr>
       </p:pic>
     </p:spTree>
     <p:extLst>
       <p:ext uri="{BB962C8B-B14F-4D97-AF65-F5344CB8AC3E}">
-        <p14:creationId xmlns:p14="http://schemas.microsoft.com/office/powerpoint/2010/main" val="3874761778"/>
+        <p14:creationId xmlns:p14="http://schemas.microsoft.com/office/powerpoint/2010/main" val="3711271280"/>
       </p:ext>
     </p:extLst>
   </p:cSld>
@@ -39653,16 +40326,33 @@
           <a:p>
             <a:r>
               <a:rPr lang="en-US" dirty="0">
+                <a:latin typeface="+mn-lt"/>
                 <a:ea typeface="Arial"/>
                 <a:cs typeface="Arial"/>
                 <a:sym typeface="Arial"/>
               </a:rPr>
-              <a:t>Routing &amp; Navigation</a:t>
+              <a:t>Http</a:t>
+            </a:r>
+            <a:r>
+              <a:rPr lang="vi-VN" dirty="0">
+                <a:latin typeface="+mn-lt"/>
+                <a:ea typeface="Arial"/>
+                <a:cs typeface="Arial"/>
+                <a:sym typeface="Arial"/>
+              </a:rPr>
+              <a:t> </a:t>
+            </a:r>
+            <a:r>
+              <a:rPr lang="en-US" dirty="0">
+                <a:latin typeface="+mn-lt"/>
+                <a:ea typeface="Arial"/>
+                <a:cs typeface="Arial"/>
+                <a:sym typeface="Arial"/>
+              </a:rPr>
+              <a:t>Client</a:t>
             </a:r>
             <a:endParaRPr lang="en-US" dirty="0">
               <a:latin typeface="+mn-lt"/>
-              <a:ea typeface="Arial"/>
-              <a:cs typeface="Arial"/>
             </a:endParaRPr>
           </a:p>
         </p:txBody>
@@ -39684,242 +40374,116 @@
           <a:p>
             <a:r>
               <a:rPr lang="en-US" dirty="0"/>
-              <a:t>Defining a basic route</a:t>
+              <a:t>Intercepting requests and responses</a:t>
             </a:r>
           </a:p>
           <a:p>
             <a:pPr lvl="1"/>
             <a:r>
               <a:rPr lang="en-US" dirty="0"/>
-              <a:t>Import the </a:t>
-            </a:r>
-            <a:r>
-              <a:rPr lang="en-US" b="1" dirty="0" err="1"/>
-              <a:t>AppRoutingModule</a:t>
-            </a:r>
-            <a:r>
-              <a:rPr lang="en-US" b="1" dirty="0"/>
-              <a:t> </a:t>
-            </a:r>
-            <a:r>
-              <a:rPr lang="en-US" dirty="0"/>
-              <a:t>into </a:t>
+              <a:t>Interceptors can perform a variety of </a:t>
+            </a:r>
+            <a:r>
+              <a:rPr lang="en-US" i="1" dirty="0"/>
+              <a:t>implicit</a:t>
+            </a:r>
+            <a:r>
+              <a:rPr lang="en-US" dirty="0"/>
+              <a:t> tasks, from authentication to logging, in a routine, standard way, for every HTTP request/response.</a:t>
+            </a:r>
+          </a:p>
+          <a:p>
+            <a:pPr lvl="1"/>
+            <a:r>
+              <a:rPr lang="en-US" dirty="0"/>
+              <a:t>Without interception, developers would have to implement these tasks explicitly for each </a:t>
             </a:r>
             <a:r>
               <a:rPr lang="en-US" dirty="0" err="1"/>
-              <a:t>AppModule</a:t>
-            </a:r>
-            <a:r>
-              <a:rPr lang="en-US" dirty="0"/>
-              <a:t> and add it to the imports array.</a:t>
-            </a:r>
-            <a:endParaRPr lang="vi-VN" dirty="0"/>
+              <a:t>HttpClient</a:t>
+            </a:r>
+            <a:r>
+              <a:rPr lang="en-US" dirty="0"/>
+              <a:t> method call.</a:t>
+            </a:r>
+          </a:p>
+          <a:p>
+            <a:r>
+              <a:rPr lang="en-US" dirty="0"/>
+              <a:t>Write an interceptor</a:t>
+            </a:r>
           </a:p>
           <a:p>
             <a:pPr lvl="1"/>
             <a:r>
               <a:rPr lang="en-US" dirty="0"/>
-              <a:t>Import </a:t>
-            </a:r>
-            <a:r>
-              <a:rPr lang="en-US" b="1" dirty="0" err="1"/>
-              <a:t>RouterModule</a:t>
-            </a:r>
-            <a:r>
-              <a:rPr lang="en-US" dirty="0"/>
-              <a:t> and Routes into your routing module.</a:t>
-            </a:r>
-            <a:endParaRPr lang="vi-VN" dirty="0"/>
+              <a:t>To implement an interceptor, declare a class that implements the intercept() method of the </a:t>
+            </a:r>
+            <a:r>
+              <a:rPr lang="en-US" dirty="0" err="1"/>
+              <a:t>HttpInterceptor</a:t>
+            </a:r>
+            <a:r>
+              <a:rPr lang="en-US" dirty="0"/>
+              <a:t> interface.</a:t>
+            </a:r>
           </a:p>
           <a:p>
             <a:pPr lvl="1"/>
             <a:r>
               <a:rPr lang="en-US" dirty="0"/>
-              <a:t>Define your routes in your Routes array.</a:t>
-            </a:r>
-            <a:endParaRPr lang="vi-VN" dirty="0"/>
-          </a:p>
-          <a:p>
-            <a:pPr lvl="1"/>
-            <a:endParaRPr lang="vi-VN" dirty="0"/>
-          </a:p>
-          <a:p>
-            <a:pPr lvl="1"/>
-            <a:endParaRPr lang="vi-VN" dirty="0"/>
-          </a:p>
-          <a:p>
-            <a:pPr lvl="1"/>
-            <a:endParaRPr lang="vi-VN" dirty="0"/>
-          </a:p>
-          <a:p>
-            <a:pPr lvl="1"/>
-            <a:r>
-              <a:rPr lang="en-US" dirty="0"/>
-              <a:t>Add your routes to your application.</a:t>
-            </a:r>
-            <a:endParaRPr lang="vi-VN" dirty="0"/>
-          </a:p>
-          <a:p>
-            <a:pPr lvl="2"/>
-            <a:r>
-              <a:rPr lang="en-US" sz="1200" dirty="0">
-                <a:solidFill>
-                  <a:srgbClr val="000088"/>
-                </a:solidFill>
-                <a:latin typeface="Droid Sans Mono"/>
-              </a:rPr>
-              <a:t>&lt;a</a:t>
-            </a:r>
-            <a:r>
-              <a:rPr lang="en-US" sz="1200" dirty="0">
-                <a:solidFill>
-                  <a:srgbClr val="000000"/>
-                </a:solidFill>
-                <a:latin typeface="Droid Sans Mono"/>
-              </a:rPr>
-              <a:t> </a:t>
-            </a:r>
-            <a:r>
-              <a:rPr lang="en-US" sz="1200" dirty="0" err="1">
-                <a:solidFill>
-                  <a:srgbClr val="660066"/>
-                </a:solidFill>
-                <a:latin typeface="Droid Sans Mono"/>
+              <a:t>{ provide: </a:t>
+            </a:r>
+            <a:r>
+              <a:rPr lang="en-US" dirty="0">
                 <a:hlinkClick r:id="rId2"/>
               </a:rPr>
-              <a:t>routerLink</a:t>
-            </a:r>
-            <a:r>
-              <a:rPr lang="en-US" sz="1200" dirty="0">
-                <a:solidFill>
-                  <a:srgbClr val="666600"/>
-                </a:solidFill>
-                <a:latin typeface="Droid Sans Mono"/>
-              </a:rPr>
-              <a:t>=</a:t>
-            </a:r>
-            <a:r>
-              <a:rPr lang="en-US" sz="1200" dirty="0">
-                <a:solidFill>
-                  <a:srgbClr val="880000"/>
-                </a:solidFill>
-                <a:latin typeface="Droid Sans Mono"/>
-              </a:rPr>
-              <a:t>"/first-component"</a:t>
-            </a:r>
-            <a:r>
-              <a:rPr lang="en-US" sz="1200" dirty="0">
-                <a:solidFill>
-                  <a:srgbClr val="000000"/>
-                </a:solidFill>
-                <a:latin typeface="Droid Sans Mono"/>
-              </a:rPr>
-              <a:t> </a:t>
-            </a:r>
-            <a:r>
-              <a:rPr lang="en-US" sz="1200" dirty="0" err="1">
-                <a:solidFill>
-                  <a:srgbClr val="660066"/>
-                </a:solidFill>
-                <a:latin typeface="Droid Sans Mono"/>
-                <a:hlinkClick r:id="rId3"/>
-              </a:rPr>
-              <a:t>routerLinkActive</a:t>
-            </a:r>
-            <a:r>
-              <a:rPr lang="en-US" sz="1200" dirty="0">
-                <a:solidFill>
-                  <a:srgbClr val="666600"/>
-                </a:solidFill>
-                <a:latin typeface="Droid Sans Mono"/>
-              </a:rPr>
-              <a:t>=</a:t>
-            </a:r>
-            <a:r>
-              <a:rPr lang="en-US" sz="1200" dirty="0">
-                <a:solidFill>
-                  <a:srgbClr val="880000"/>
-                </a:solidFill>
-                <a:latin typeface="Droid Sans Mono"/>
-              </a:rPr>
-              <a:t>"active"</a:t>
-            </a:r>
-            <a:r>
-              <a:rPr lang="en-US" sz="1200" dirty="0">
-                <a:solidFill>
-                  <a:srgbClr val="000088"/>
-                </a:solidFill>
-                <a:latin typeface="Droid Sans Mono"/>
-              </a:rPr>
-              <a:t>&gt;</a:t>
-            </a:r>
-            <a:r>
-              <a:rPr lang="en-US" sz="1200" dirty="0">
-                <a:solidFill>
-                  <a:srgbClr val="000000"/>
-                </a:solidFill>
-                <a:latin typeface="Droid Sans Mono"/>
-              </a:rPr>
-              <a:t>First </a:t>
-            </a:r>
-            <a:r>
-              <a:rPr lang="en-US" sz="1200" dirty="0">
-                <a:solidFill>
-                  <a:srgbClr val="000000"/>
-                </a:solidFill>
-                <a:latin typeface="Droid Sans Mono"/>
-                <a:hlinkClick r:id="rId4"/>
-              </a:rPr>
-              <a:t>Component</a:t>
-            </a:r>
-            <a:r>
-              <a:rPr lang="en-US" sz="1200" dirty="0">
-                <a:solidFill>
-                  <a:srgbClr val="000088"/>
-                </a:solidFill>
-                <a:latin typeface="Droid Sans Mono"/>
-              </a:rPr>
-              <a:t>&lt;/a&gt;</a:t>
-            </a:r>
-            <a:r>
-              <a:rPr lang="en-US" dirty="0"/>
-              <a:t/>
-            </a:r>
-            <a:br>
-              <a:rPr lang="en-US" dirty="0"/>
-            </a:br>
+              <a:t>HTTP_INTERCEPTORS</a:t>
+            </a:r>
+            <a:r>
+              <a:rPr lang="en-US" dirty="0"/>
+              <a:t>, </a:t>
+            </a:r>
+            <a:r>
+              <a:rPr lang="en-US" dirty="0" err="1"/>
+              <a:t>useClass</a:t>
+            </a:r>
+            <a:r>
+              <a:rPr lang="en-US" dirty="0"/>
+              <a:t>: </a:t>
+            </a:r>
+            <a:r>
+              <a:rPr lang="en-US" dirty="0" err="1"/>
+              <a:t>NoopInterceptor</a:t>
+            </a:r>
+            <a:r>
+              <a:rPr lang="en-US" dirty="0"/>
+              <a:t>, multi: true },</a:t>
+            </a:r>
+          </a:p>
+          <a:p>
+            <a:r>
+              <a:rPr lang="en-US" dirty="0"/>
+              <a:t>Most interceptors call </a:t>
+            </a:r>
+            <a:r>
+              <a:rPr lang="en-US" dirty="0" err="1"/>
+              <a:t>next.handle</a:t>
+            </a:r>
+            <a:r>
+              <a:rPr lang="en-US" dirty="0"/>
+              <a:t>() so that the request flows through to the next interceptor and, eventually, the backend handler.</a:t>
+            </a:r>
+          </a:p>
+          <a:p>
             <a:endParaRPr lang="en-US" dirty="0"/>
           </a:p>
         </p:txBody>
       </p:sp>
-      <p:pic>
-        <p:nvPicPr>
-          <p:cNvPr id="7" name="Picture 6"/>
-          <p:cNvPicPr>
-            <a:picLocks noChangeAspect="1"/>
-          </p:cNvPicPr>
-          <p:nvPr/>
-        </p:nvPicPr>
-        <p:blipFill>
-          <a:blip r:embed="rId5"/>
-          <a:stretch>
-            <a:fillRect/>
-          </a:stretch>
-        </p:blipFill>
-        <p:spPr>
-          <a:xfrm>
-            <a:off x="1600200" y="2996483"/>
-            <a:ext cx="3505200" cy="767372"/>
-          </a:xfrm>
-          <a:prstGeom prst="rect">
-            <a:avLst/>
-          </a:prstGeom>
-        </p:spPr>
-      </p:pic>
     </p:spTree>
     <p:extLst>
       <p:ext uri="{BB962C8B-B14F-4D97-AF65-F5344CB8AC3E}">
-        <p14:creationId xmlns:p14="http://schemas.microsoft.com/office/powerpoint/2010/main" val="2661707746"/>
+        <p14:creationId xmlns:p14="http://schemas.microsoft.com/office/powerpoint/2010/main" val="2580636895"/>
       </p:ext>
     </p:extLst>
   </p:cSld>

--- a/docs/Angular Training.pptx
+++ b/docs/Angular Training.pptx
@@ -5,7 +5,7 @@
     <p:sldMasterId id="2147483659" r:id="rId1"/>
   </p:sldMasterIdLst>
   <p:notesMasterIdLst>
-    <p:notesMasterId r:id="rId119"/>
+    <p:notesMasterId r:id="rId125"/>
   </p:notesMasterIdLst>
   <p:sldIdLst>
     <p:sldId id="256" r:id="rId2"/>
@@ -107,39 +107,45 @@
     <p:sldId id="347" r:id="rId98"/>
     <p:sldId id="348" r:id="rId99"/>
     <p:sldId id="349" r:id="rId100"/>
-    <p:sldId id="350" r:id="rId101"/>
-    <p:sldId id="351" r:id="rId102"/>
-    <p:sldId id="352" r:id="rId103"/>
-    <p:sldId id="353" r:id="rId104"/>
-    <p:sldId id="396" r:id="rId105"/>
-    <p:sldId id="397" r:id="rId106"/>
-    <p:sldId id="398" r:id="rId107"/>
-    <p:sldId id="399" r:id="rId108"/>
-    <p:sldId id="400" r:id="rId109"/>
-    <p:sldId id="401" r:id="rId110"/>
-    <p:sldId id="402" r:id="rId111"/>
-    <p:sldId id="403" r:id="rId112"/>
-    <p:sldId id="404" r:id="rId113"/>
-    <p:sldId id="405" r:id="rId114"/>
-    <p:sldId id="406" r:id="rId115"/>
-    <p:sldId id="407" r:id="rId116"/>
-    <p:sldId id="408" r:id="rId117"/>
-    <p:sldId id="409" r:id="rId118"/>
+    <p:sldId id="435" r:id="rId101"/>
+    <p:sldId id="436" r:id="rId102"/>
+    <p:sldId id="437" r:id="rId103"/>
+    <p:sldId id="350" r:id="rId104"/>
+    <p:sldId id="351" r:id="rId105"/>
+    <p:sldId id="352" r:id="rId106"/>
+    <p:sldId id="353" r:id="rId107"/>
+    <p:sldId id="441" r:id="rId108"/>
+    <p:sldId id="440" r:id="rId109"/>
+    <p:sldId id="439" r:id="rId110"/>
+    <p:sldId id="396" r:id="rId111"/>
+    <p:sldId id="397" r:id="rId112"/>
+    <p:sldId id="398" r:id="rId113"/>
+    <p:sldId id="399" r:id="rId114"/>
+    <p:sldId id="400" r:id="rId115"/>
+    <p:sldId id="401" r:id="rId116"/>
+    <p:sldId id="402" r:id="rId117"/>
+    <p:sldId id="403" r:id="rId118"/>
+    <p:sldId id="404" r:id="rId119"/>
+    <p:sldId id="405" r:id="rId120"/>
+    <p:sldId id="406" r:id="rId121"/>
+    <p:sldId id="407" r:id="rId122"/>
+    <p:sldId id="408" r:id="rId123"/>
+    <p:sldId id="409" r:id="rId124"/>
   </p:sldIdLst>
   <p:sldSz cx="9144000" cy="5143500" type="screen16x9"/>
   <p:notesSz cx="6858000" cy="9144000"/>
   <p:embeddedFontLst>
     <p:embeddedFont>
-      <p:font typeface="Tahoma" panose="020B0604030504040204" pitchFamily="34" charset="0"/>
-      <p:regular r:id="rId120"/>
-      <p:bold r:id="rId121"/>
+      <p:font typeface="Calibri" panose="020F0502020204030204" pitchFamily="34" charset="0"/>
+      <p:regular r:id="rId126"/>
+      <p:bold r:id="rId127"/>
+      <p:italic r:id="rId128"/>
+      <p:boldItalic r:id="rId129"/>
     </p:embeddedFont>
     <p:embeddedFont>
-      <p:font typeface="Calibri" panose="020F0502020204030204" pitchFamily="34" charset="0"/>
-      <p:regular r:id="rId122"/>
-      <p:bold r:id="rId123"/>
-      <p:italic r:id="rId124"/>
-      <p:boldItalic r:id="rId125"/>
+      <p:font typeface="Tahoma" panose="020B0604030504040204" pitchFamily="34" charset="0"/>
+      <p:regular r:id="rId130"/>
+      <p:bold r:id="rId131"/>
     </p:embeddedFont>
   </p:embeddedFontLst>
   <p:defaultTextStyle>
@@ -15827,13 +15833,6 @@
   <p:clrMapOvr>
     <a:masterClrMapping/>
   </p:clrMapOvr>
-  <p:timing>
-    <p:tnLst>
-      <p:par>
-        <p:cTn id="1" dur="indefinite" restart="never" nodeType="tmRoot"/>
-      </p:par>
-    </p:tnLst>
-  </p:timing>
 </p:sld>
 </file>
 
@@ -16130,13 +16129,6 @@
   <p:clrMapOvr>
     <a:masterClrMapping/>
   </p:clrMapOvr>
-  <p:timing>
-    <p:tnLst>
-      <p:par>
-        <p:cTn id="1" dur="indefinite" restart="never" nodeType="tmRoot"/>
-      </p:par>
-    </p:tnLst>
-  </p:timing>
 </p:sld>
 </file>
 
@@ -16159,7 +16151,13 @@
       </p:grpSpPr>
       <p:sp>
         <p:nvSpPr>
-          <p:cNvPr id="2" name="Title 1"/>
+          <p:cNvPr id="2" name="Title 1">
+            <a:extLst>
+              <a:ext uri="{FF2B5EF4-FFF2-40B4-BE49-F238E27FC236}">
+                <a16:creationId xmlns:a16="http://schemas.microsoft.com/office/drawing/2014/main" id="{B18B2D86-8680-4CE2-B701-0AAF4D688C6C}"/>
+              </a:ext>
+            </a:extLst>
+          </p:cNvPr>
           <p:cNvSpPr>
             <a:spLocks noGrp="1"/>
           </p:cNvSpPr>
@@ -16179,17 +16177,39 @@
                 <a:cs typeface="Arial"/>
                 <a:sym typeface="Arial"/>
               </a:rPr>
-              <a:t>Routing &amp; Navigation</a:t>
-            </a:r>
-            <a:endParaRPr lang="en-US" dirty="0">
-              <a:latin typeface="+mn-lt"/>
-            </a:endParaRPr>
+              <a:t>Http</a:t>
+            </a:r>
+            <a:r>
+              <a:rPr lang="vi-VN" dirty="0">
+                <a:latin typeface="+mn-lt"/>
+                <a:ea typeface="Arial"/>
+                <a:cs typeface="Arial"/>
+                <a:sym typeface="Arial"/>
+              </a:rPr>
+              <a:t> </a:t>
+            </a:r>
+            <a:r>
+              <a:rPr lang="en-US" dirty="0">
+                <a:latin typeface="+mn-lt"/>
+                <a:ea typeface="Arial"/>
+                <a:cs typeface="Arial"/>
+                <a:sym typeface="Arial"/>
+              </a:rPr>
+              <a:t>Client</a:t>
+            </a:r>
+            <a:endParaRPr lang="en-US" dirty="0"/>
           </a:p>
         </p:txBody>
       </p:sp>
       <p:sp>
         <p:nvSpPr>
-          <p:cNvPr id="3" name="Text Placeholder 2"/>
+          <p:cNvPr id="3" name="Text Placeholder 2">
+            <a:extLst>
+              <a:ext uri="{FF2B5EF4-FFF2-40B4-BE49-F238E27FC236}">
+                <a16:creationId xmlns:a16="http://schemas.microsoft.com/office/drawing/2014/main" id="{89CCFCBA-C17B-404A-9BB5-E427E3A7656D}"/>
+              </a:ext>
+            </a:extLst>
+          </p:cNvPr>
           <p:cNvSpPr>
             <a:spLocks noGrp="1"/>
           </p:cNvSpPr>
@@ -16203,104 +16223,102 @@
           <a:lstStyle/>
           <a:p>
             <a:r>
-              <a:rPr lang="vi-VN" dirty="0">
+              <a:rPr lang="en-US" dirty="0"/>
+              <a:t>Write an interceptor</a:t>
+            </a:r>
+          </a:p>
+          <a:p>
+            <a:pPr lvl="1"/>
+            <a:r>
+              <a:rPr lang="vi-VN" dirty="0"/>
+              <a:t>D</a:t>
+            </a:r>
+            <a:r>
+              <a:rPr lang="en-US" dirty="0" err="1"/>
+              <a:t>eclare</a:t>
+            </a:r>
+            <a:r>
+              <a:rPr lang="en-US" dirty="0"/>
+              <a:t> a class that implements the intercept() method of the </a:t>
+            </a:r>
+            <a:r>
+              <a:rPr lang="en-US" b="1" dirty="0" err="1"/>
+              <a:t>HttpInterceptor</a:t>
+            </a:r>
+            <a:r>
+              <a:rPr lang="en-US" dirty="0"/>
+              <a:t> interface.</a:t>
+            </a:r>
+          </a:p>
+          <a:p>
+            <a:pPr lvl="1"/>
+            <a:r>
+              <a:rPr lang="vi-VN" dirty="0"/>
+              <a:t>Provide interceptors in AppModule</a:t>
+            </a:r>
+          </a:p>
+          <a:p>
+            <a:pPr lvl="2"/>
+            <a:r>
+              <a:rPr lang="en-US" dirty="0"/>
+              <a:t>{ provide: </a:t>
+            </a:r>
+            <a:r>
+              <a:rPr lang="en-US" dirty="0">
                 <a:hlinkClick r:id="rId2"/>
               </a:rPr>
-              <a:t>https://</a:t>
-            </a:r>
-            <a:r>
-              <a:rPr lang="vi-VN" dirty="0" smtClean="0">
-                <a:hlinkClick r:id="rId2"/>
-              </a:rPr>
-              <a:t>angular.io/guide/router</a:t>
-            </a:r>
-            <a:endParaRPr lang="vi-VN" dirty="0"/>
-          </a:p>
-          <a:p>
-            <a:r>
-              <a:rPr lang="vi-VN" dirty="0" smtClean="0"/>
-              <a:t>Y</a:t>
-            </a:r>
-            <a:r>
-              <a:rPr lang="en-US" dirty="0" err="1" smtClean="0"/>
-              <a:t>ou</a:t>
-            </a:r>
-            <a:r>
-              <a:rPr lang="en-US" dirty="0" smtClean="0"/>
-              <a:t> </a:t>
-            </a:r>
-            <a:r>
-              <a:rPr lang="en-US" dirty="0"/>
-              <a:t>change what the user sees by showing or hiding portions of the display that correspond to particular components, rather than going out to the server to get a new page. </a:t>
-            </a:r>
-            <a:endParaRPr lang="vi-VN" dirty="0"/>
-          </a:p>
-          <a:p>
-            <a:pPr marL="95250" indent="0">
-              <a:buNone/>
-            </a:pPr>
+              <a:t>HTTP_INTERCEPTORS</a:t>
+            </a:r>
+            <a:r>
+              <a:rPr lang="en-US" dirty="0"/>
+              <a:t>, </a:t>
+            </a:r>
+            <a:r>
+              <a:rPr lang="en-US" dirty="0" err="1"/>
+              <a:t>useClass</a:t>
+            </a:r>
+            <a:r>
+              <a:rPr lang="en-US" dirty="0"/>
+              <a:t>: </a:t>
+            </a:r>
+            <a:r>
+              <a:rPr lang="en-US" dirty="0" err="1"/>
+              <a:t>NoopInterceptor</a:t>
+            </a:r>
+            <a:r>
+              <a:rPr lang="en-US" dirty="0"/>
+              <a:t>, multi: true },</a:t>
+            </a:r>
+          </a:p>
+          <a:p>
+            <a:r>
+              <a:rPr lang="en-US" dirty="0"/>
+              <a:t>Most interceptors call </a:t>
+            </a:r>
+            <a:r>
+              <a:rPr lang="en-US" dirty="0" err="1"/>
+              <a:t>next.handle</a:t>
+            </a:r>
+            <a:r>
+              <a:rPr lang="en-US" dirty="0"/>
+              <a:t>() so that the request flows through to the next interceptor and, eventually, the backend handler.</a:t>
+            </a:r>
+          </a:p>
+          <a:p>
             <a:endParaRPr lang="en-US" dirty="0"/>
           </a:p>
         </p:txBody>
       </p:sp>
-      <p:pic>
-        <p:nvPicPr>
-          <p:cNvPr id="1026" name="Picture 2" descr="Angular Routing – Grasp"/>
-          <p:cNvPicPr>
-            <a:picLocks noChangeAspect="1" noChangeArrowheads="1"/>
-          </p:cNvPicPr>
-          <p:nvPr/>
-        </p:nvPicPr>
-        <p:blipFill>
-          <a:blip r:embed="rId3">
-            <a:extLst>
-              <a:ext uri="{28A0092B-C50C-407E-A947-70E740481C1C}">
-                <a14:useLocalDpi xmlns:a14="http://schemas.microsoft.com/office/drawing/2010/main" val="0"/>
-              </a:ext>
-            </a:extLst>
-          </a:blip>
-          <a:srcRect/>
-          <a:stretch>
-            <a:fillRect/>
-          </a:stretch>
-        </p:blipFill>
-        <p:spPr bwMode="auto">
-          <a:xfrm>
-            <a:off x="2590800" y="2800350"/>
-            <a:ext cx="3479800" cy="2174875"/>
-          </a:xfrm>
-          <a:prstGeom prst="rect">
-            <a:avLst/>
-          </a:prstGeom>
-          <a:noFill/>
-          <a:extLst>
-            <a:ext uri="{909E8E84-426E-40DD-AFC4-6F175D3DCCD1}">
-              <a14:hiddenFill xmlns:a14="http://schemas.microsoft.com/office/drawing/2010/main">
-                <a:solidFill>
-                  <a:srgbClr val="FFFFFF"/>
-                </a:solidFill>
-              </a14:hiddenFill>
-            </a:ext>
-          </a:extLst>
-        </p:spPr>
-      </p:pic>
     </p:spTree>
     <p:extLst>
       <p:ext uri="{BB962C8B-B14F-4D97-AF65-F5344CB8AC3E}">
-        <p14:creationId xmlns:p14="http://schemas.microsoft.com/office/powerpoint/2010/main" val="3874761778"/>
+        <p14:creationId xmlns:p14="http://schemas.microsoft.com/office/powerpoint/2010/main" val="1068576063"/>
       </p:ext>
     </p:extLst>
   </p:cSld>
   <p:clrMapOvr>
     <a:masterClrMapping/>
   </p:clrMapOvr>
-  <p:timing>
-    <p:tnLst>
-      <p:par>
-        <p:cTn id="1" dur="indefinite" restart="never" nodeType="tmRoot"/>
-      </p:par>
-    </p:tnLst>
-  </p:timing>
 </p:sld>
 </file>
 
@@ -16323,7 +16341,13 @@
       </p:grpSpPr>
       <p:sp>
         <p:nvSpPr>
-          <p:cNvPr id="2" name="Title 1"/>
+          <p:cNvPr id="2" name="Title 1">
+            <a:extLst>
+              <a:ext uri="{FF2B5EF4-FFF2-40B4-BE49-F238E27FC236}">
+                <a16:creationId xmlns:a16="http://schemas.microsoft.com/office/drawing/2014/main" id="{F96A2D21-81F4-462A-BCB6-91AB49B1821C}"/>
+              </a:ext>
+            </a:extLst>
+          </p:cNvPr>
           <p:cNvSpPr>
             <a:spLocks noGrp="1"/>
           </p:cNvSpPr>
@@ -16338,23 +16362,44 @@
           <a:p>
             <a:r>
               <a:rPr lang="en-US" dirty="0">
+                <a:latin typeface="+mn-lt"/>
                 <a:ea typeface="Arial"/>
                 <a:cs typeface="Arial"/>
                 <a:sym typeface="Arial"/>
               </a:rPr>
-              <a:t>Routing &amp; Navigation</a:t>
-            </a:r>
-            <a:endParaRPr lang="en-US" dirty="0">
-              <a:latin typeface="+mn-lt"/>
-              <a:ea typeface="Arial"/>
-              <a:cs typeface="Arial"/>
-            </a:endParaRPr>
+              <a:t>Http</a:t>
+            </a:r>
+            <a:r>
+              <a:rPr lang="vi-VN" dirty="0">
+                <a:latin typeface="+mn-lt"/>
+                <a:ea typeface="Arial"/>
+                <a:cs typeface="Arial"/>
+                <a:sym typeface="Arial"/>
+              </a:rPr>
+              <a:t> </a:t>
+            </a:r>
+            <a:r>
+              <a:rPr lang="en-US" dirty="0">
+                <a:latin typeface="+mn-lt"/>
+                <a:ea typeface="Arial"/>
+                <a:cs typeface="Arial"/>
+                <a:sym typeface="Arial"/>
+              </a:rPr>
+              <a:t>Client</a:t>
+            </a:r>
+            <a:endParaRPr lang="en-US" dirty="0"/>
           </a:p>
         </p:txBody>
       </p:sp>
       <p:sp>
         <p:nvSpPr>
-          <p:cNvPr id="3" name="Text Placeholder 2"/>
+          <p:cNvPr id="3" name="Text Placeholder 2">
+            <a:extLst>
+              <a:ext uri="{FF2B5EF4-FFF2-40B4-BE49-F238E27FC236}">
+                <a16:creationId xmlns:a16="http://schemas.microsoft.com/office/drawing/2014/main" id="{B60B85CE-CC9A-41FC-8910-C54B1FDD5F3E}"/>
+              </a:ext>
+            </a:extLst>
+          </p:cNvPr>
           <p:cNvSpPr>
             <a:spLocks noGrp="1"/>
           </p:cNvSpPr>
@@ -16362,67 +16407,38 @@
             <p:ph type="body" idx="1"/>
           </p:nvPr>
         </p:nvSpPr>
-        <p:spPr/>
+        <p:spPr>
+          <a:xfrm>
+            <a:off x="628650" y="1369219"/>
+            <a:ext cx="3257550" cy="3263400"/>
+          </a:xfrm>
+        </p:spPr>
         <p:txBody>
           <a:bodyPr/>
           <a:lstStyle/>
           <a:p>
             <a:r>
-              <a:rPr lang="en-US" dirty="0"/>
-              <a:t>Defining a basic route</a:t>
-            </a:r>
-          </a:p>
-          <a:p>
-            <a:pPr lvl="1"/>
-            <a:r>
-              <a:rPr lang="en-US" dirty="0"/>
-              <a:t>Import the </a:t>
-            </a:r>
-            <a:r>
-              <a:rPr lang="en-US" b="1" dirty="0" err="1"/>
-              <a:t>AppRoutingModule</a:t>
-            </a:r>
-            <a:r>
-              <a:rPr lang="en-US" b="1" dirty="0"/>
-              <a:t> </a:t>
-            </a:r>
-            <a:r>
-              <a:rPr lang="en-US" dirty="0"/>
-              <a:t>into </a:t>
-            </a:r>
-            <a:r>
-              <a:rPr lang="en-US" dirty="0" err="1"/>
-              <a:t>AppModule</a:t>
-            </a:r>
-            <a:r>
-              <a:rPr lang="en-US" dirty="0"/>
-              <a:t> and add it to the imports array.</a:t>
-            </a:r>
-            <a:endParaRPr lang="vi-VN" dirty="0"/>
-          </a:p>
-          <a:p>
-            <a:pPr lvl="1"/>
-            <a:r>
-              <a:rPr lang="en-US" dirty="0"/>
-              <a:t>Import </a:t>
-            </a:r>
-            <a:r>
-              <a:rPr lang="en-US" b="1" dirty="0" err="1"/>
-              <a:t>RouterModule</a:t>
-            </a:r>
-            <a:r>
-              <a:rPr lang="en-US" dirty="0"/>
-              <a:t> and Routes into your routing module.</a:t>
-            </a:r>
-            <a:endParaRPr lang="vi-VN" dirty="0"/>
-          </a:p>
-          <a:p>
-            <a:pPr lvl="1"/>
-            <a:r>
-              <a:rPr lang="en-US" dirty="0"/>
-              <a:t>Define your routes in your Routes array.</a:t>
-            </a:r>
-            <a:endParaRPr lang="vi-VN" dirty="0"/>
+              <a:rPr lang="vi-VN" dirty="0"/>
+              <a:t>Example</a:t>
+            </a:r>
+          </a:p>
+          <a:p>
+            <a:pPr marL="571500" lvl="1" indent="0">
+              <a:buNone/>
+            </a:pPr>
+            <a:r>
+              <a:rPr lang="vi-VN" sz="1700" dirty="0"/>
+              <a:t>A</a:t>
+            </a:r>
+            <a:r>
+              <a:rPr lang="en-US" sz="1700" dirty="0" err="1"/>
+              <a:t>dds</a:t>
+            </a:r>
+            <a:r>
+              <a:rPr lang="en-US" sz="1700" dirty="0"/>
+              <a:t> an authorization header with that token to every outgoing request</a:t>
+            </a:r>
+            <a:endParaRPr lang="vi-VN" sz="1700" dirty="0"/>
           </a:p>
           <a:p>
             <a:pPr lvl="1"/>
@@ -16430,171 +16446,34 @@
           </a:p>
           <a:p>
             <a:pPr lvl="1"/>
-            <a:endParaRPr lang="vi-VN" dirty="0"/>
-          </a:p>
-          <a:p>
-            <a:pPr lvl="1"/>
-            <a:endParaRPr lang="vi-VN" dirty="0"/>
-          </a:p>
-          <a:p>
-            <a:pPr lvl="1"/>
-            <a:r>
-              <a:rPr lang="en-US" dirty="0"/>
-              <a:t>Add your routes to your application.</a:t>
-            </a:r>
-            <a:endParaRPr lang="vi-VN" dirty="0"/>
-          </a:p>
-          <a:p>
-            <a:pPr lvl="2"/>
-            <a:r>
-              <a:rPr lang="en-US" sz="1200" dirty="0">
-                <a:solidFill>
-                  <a:srgbClr val="000088"/>
-                </a:solidFill>
-                <a:latin typeface="Droid Sans Mono"/>
-              </a:rPr>
-              <a:t>&lt;a</a:t>
-            </a:r>
-            <a:r>
-              <a:rPr lang="en-US" sz="1200" dirty="0">
-                <a:solidFill>
-                  <a:srgbClr val="000000"/>
-                </a:solidFill>
-                <a:latin typeface="Droid Sans Mono"/>
-              </a:rPr>
-              <a:t> </a:t>
-            </a:r>
-            <a:r>
-              <a:rPr lang="en-US" sz="1200" dirty="0" err="1">
-                <a:solidFill>
-                  <a:srgbClr val="660066"/>
-                </a:solidFill>
-                <a:latin typeface="Droid Sans Mono"/>
-                <a:hlinkClick r:id="rId2"/>
-              </a:rPr>
-              <a:t>routerLink</a:t>
-            </a:r>
-            <a:r>
-              <a:rPr lang="en-US" sz="1200" dirty="0">
-                <a:solidFill>
-                  <a:srgbClr val="666600"/>
-                </a:solidFill>
-                <a:latin typeface="Droid Sans Mono"/>
-              </a:rPr>
-              <a:t>=</a:t>
-            </a:r>
-            <a:r>
-              <a:rPr lang="en-US" sz="1200" dirty="0">
-                <a:solidFill>
-                  <a:srgbClr val="880000"/>
-                </a:solidFill>
-                <a:latin typeface="Droid Sans Mono"/>
-              </a:rPr>
-              <a:t>"/first-component"</a:t>
-            </a:r>
-            <a:r>
-              <a:rPr lang="en-US" sz="1200" dirty="0">
-                <a:solidFill>
-                  <a:srgbClr val="000000"/>
-                </a:solidFill>
-                <a:latin typeface="Droid Sans Mono"/>
-              </a:rPr>
-              <a:t> </a:t>
-            </a:r>
-            <a:r>
-              <a:rPr lang="en-US" sz="1200" dirty="0" err="1">
-                <a:solidFill>
-                  <a:srgbClr val="660066"/>
-                </a:solidFill>
-                <a:latin typeface="Droid Sans Mono"/>
-                <a:hlinkClick r:id="rId3"/>
-              </a:rPr>
-              <a:t>routerLinkActive</a:t>
-            </a:r>
-            <a:r>
-              <a:rPr lang="en-US" sz="1200" dirty="0">
-                <a:solidFill>
-                  <a:srgbClr val="666600"/>
-                </a:solidFill>
-                <a:latin typeface="Droid Sans Mono"/>
-              </a:rPr>
-              <a:t>=</a:t>
-            </a:r>
-            <a:r>
-              <a:rPr lang="en-US" sz="1200" dirty="0">
-                <a:solidFill>
-                  <a:srgbClr val="880000"/>
-                </a:solidFill>
-                <a:latin typeface="Droid Sans Mono"/>
-              </a:rPr>
-              <a:t>"active"</a:t>
-            </a:r>
-            <a:r>
-              <a:rPr lang="en-US" sz="1200" dirty="0">
-                <a:solidFill>
-                  <a:srgbClr val="000088"/>
-                </a:solidFill>
-                <a:latin typeface="Droid Sans Mono"/>
-              </a:rPr>
-              <a:t>&gt;</a:t>
-            </a:r>
-            <a:r>
-              <a:rPr lang="en-US" sz="1200" dirty="0">
-                <a:solidFill>
-                  <a:srgbClr val="000000"/>
-                </a:solidFill>
-                <a:latin typeface="Droid Sans Mono"/>
-              </a:rPr>
-              <a:t>First </a:t>
-            </a:r>
-            <a:r>
-              <a:rPr lang="en-US" sz="1200" dirty="0">
-                <a:solidFill>
-                  <a:srgbClr val="000000"/>
-                </a:solidFill>
-                <a:latin typeface="Droid Sans Mono"/>
-                <a:hlinkClick r:id="rId4"/>
-              </a:rPr>
-              <a:t>Component</a:t>
-            </a:r>
-            <a:r>
-              <a:rPr lang="en-US" sz="1200" dirty="0">
-                <a:solidFill>
-                  <a:srgbClr val="000088"/>
-                </a:solidFill>
-                <a:latin typeface="Droid Sans Mono"/>
-              </a:rPr>
-              <a:t>&lt;/a&gt;</a:t>
-            </a:r>
-            <a:r>
-              <a:rPr lang="en-US" dirty="0"/>
-              <a:t/>
-            </a:r>
-            <a:br>
-              <a:rPr lang="en-US" dirty="0"/>
-            </a:br>
             <a:endParaRPr lang="en-US" dirty="0"/>
           </a:p>
         </p:txBody>
       </p:sp>
       <p:pic>
         <p:nvPicPr>
-          <p:cNvPr id="7" name="Picture 6"/>
+          <p:cNvPr id="4" name="Picture 3">
+            <a:extLst>
+              <a:ext uri="{FF2B5EF4-FFF2-40B4-BE49-F238E27FC236}">
+                <a16:creationId xmlns:a16="http://schemas.microsoft.com/office/drawing/2014/main" id="{68A3AEB9-E88B-4DDB-8570-EC2CFAE2B8B5}"/>
+              </a:ext>
+            </a:extLst>
+          </p:cNvPr>
           <p:cNvPicPr>
             <a:picLocks noChangeAspect="1"/>
           </p:cNvPicPr>
           <p:nvPr/>
         </p:nvPicPr>
         <p:blipFill>
-          <a:blip r:embed="rId5"/>
+          <a:blip r:embed="rId2"/>
           <a:stretch>
             <a:fillRect/>
           </a:stretch>
         </p:blipFill>
         <p:spPr>
           <a:xfrm>
-            <a:off x="1600200" y="2996483"/>
-            <a:ext cx="3505200" cy="767372"/>
+            <a:off x="4191000" y="1504950"/>
+            <a:ext cx="3411770" cy="3233330"/>
           </a:xfrm>
           <a:prstGeom prst="rect">
             <a:avLst/>
@@ -16604,20 +16483,13 @@
     </p:spTree>
     <p:extLst>
       <p:ext uri="{BB962C8B-B14F-4D97-AF65-F5344CB8AC3E}">
-        <p14:creationId xmlns:p14="http://schemas.microsoft.com/office/powerpoint/2010/main" val="2661707746"/>
+        <p14:creationId xmlns:p14="http://schemas.microsoft.com/office/powerpoint/2010/main" val="439560780"/>
       </p:ext>
     </p:extLst>
   </p:cSld>
   <p:clrMapOvr>
     <a:masterClrMapping/>
   </p:clrMapOvr>
-  <p:timing>
-    <p:tnLst>
-      <p:par>
-        <p:cTn id="1" dur="indefinite" restart="never" nodeType="tmRoot"/>
-      </p:par>
-    </p:tnLst>
-  </p:timing>
 </p:sld>
 </file>
 
@@ -16640,7 +16512,13 @@
       </p:grpSpPr>
       <p:sp>
         <p:nvSpPr>
-          <p:cNvPr id="2" name="Title 1"/>
+          <p:cNvPr id="2" name="Title 1">
+            <a:extLst>
+              <a:ext uri="{FF2B5EF4-FFF2-40B4-BE49-F238E27FC236}">
+                <a16:creationId xmlns:a16="http://schemas.microsoft.com/office/drawing/2014/main" id="{36DD7B84-66C5-4F62-B94D-4BBAC6E16837}"/>
+              </a:ext>
+            </a:extLst>
+          </p:cNvPr>
           <p:cNvSpPr>
             <a:spLocks noGrp="1"/>
           </p:cNvSpPr>
@@ -16655,11 +16533,30 @@
           <a:p>
             <a:r>
               <a:rPr lang="en-US" dirty="0">
+                <a:latin typeface="+mn-lt"/>
                 <a:ea typeface="Arial"/>
                 <a:cs typeface="Arial"/>
                 <a:sym typeface="Arial"/>
               </a:rPr>
-              <a:t>Routing &amp; Navigation</a:t>
+              <a:t>Http</a:t>
+            </a:r>
+            <a:r>
+              <a:rPr lang="vi-VN" dirty="0">
+                <a:latin typeface="+mn-lt"/>
+                <a:ea typeface="Arial"/>
+                <a:cs typeface="Arial"/>
+                <a:sym typeface="Arial"/>
+              </a:rPr>
+              <a:t> </a:t>
+            </a:r>
+            <a:r>
+              <a:rPr lang="en-US" dirty="0">
+                <a:latin typeface="+mn-lt"/>
+                <a:ea typeface="Arial"/>
+                <a:cs typeface="Arial"/>
+                <a:sym typeface="Arial"/>
+              </a:rPr>
+              <a:t>Client</a:t>
             </a:r>
             <a:endParaRPr lang="en-US" dirty="0"/>
           </a:p>
@@ -16667,7 +16564,13 @@
       </p:sp>
       <p:sp>
         <p:nvSpPr>
-          <p:cNvPr id="3" name="Text Placeholder 2"/>
+          <p:cNvPr id="3" name="Text Placeholder 2">
+            <a:extLst>
+              <a:ext uri="{FF2B5EF4-FFF2-40B4-BE49-F238E27FC236}">
+                <a16:creationId xmlns:a16="http://schemas.microsoft.com/office/drawing/2014/main" id="{E687970A-03CD-4974-91D4-2547F8BB6EAD}"/>
+              </a:ext>
+            </a:extLst>
+          </p:cNvPr>
           <p:cNvSpPr>
             <a:spLocks noGrp="1"/>
           </p:cNvSpPr>
@@ -16680,189 +16583,22 @@
           <a:bodyPr/>
           <a:lstStyle/>
           <a:p>
-            <a:r>
-              <a:rPr lang="en-US" dirty="0"/>
-              <a:t>Setting up wildcard routes</a:t>
-            </a:r>
-            <a:endParaRPr lang="vi-VN" dirty="0"/>
-          </a:p>
-          <a:p>
-            <a:pPr lvl="1"/>
-            <a:r>
-              <a:rPr lang="en-US" sz="1400" dirty="0">
-                <a:solidFill>
-                  <a:srgbClr val="666600"/>
-                </a:solidFill>
-                <a:latin typeface="Droid Sans Mono"/>
-              </a:rPr>
-              <a:t>{</a:t>
-            </a:r>
-            <a:r>
-              <a:rPr lang="en-US" sz="1400" dirty="0">
-                <a:solidFill>
-                  <a:srgbClr val="000000"/>
-                </a:solidFill>
-                <a:latin typeface="Droid Sans Mono"/>
-              </a:rPr>
-              <a:t> path</a:t>
-            </a:r>
-            <a:r>
-              <a:rPr lang="en-US" sz="1400" dirty="0">
-                <a:solidFill>
-                  <a:srgbClr val="666600"/>
-                </a:solidFill>
-                <a:latin typeface="Droid Sans Mono"/>
-              </a:rPr>
-              <a:t>:</a:t>
-            </a:r>
-            <a:r>
-              <a:rPr lang="en-US" sz="1400" dirty="0">
-                <a:solidFill>
-                  <a:srgbClr val="000000"/>
-                </a:solidFill>
-                <a:latin typeface="Droid Sans Mono"/>
-              </a:rPr>
-              <a:t> </a:t>
-            </a:r>
-            <a:r>
-              <a:rPr lang="en-US" sz="1400" dirty="0">
-                <a:solidFill>
-                  <a:srgbClr val="880000"/>
-                </a:solidFill>
-                <a:latin typeface="Droid Sans Mono"/>
-              </a:rPr>
-              <a:t>'**'</a:t>
-            </a:r>
-            <a:r>
-              <a:rPr lang="en-US" sz="1400" dirty="0">
-                <a:solidFill>
-                  <a:srgbClr val="666600"/>
-                </a:solidFill>
-                <a:latin typeface="Droid Sans Mono"/>
-              </a:rPr>
-              <a:t>,</a:t>
-            </a:r>
-            <a:r>
-              <a:rPr lang="en-US" sz="1400" dirty="0">
-                <a:solidFill>
-                  <a:srgbClr val="000000"/>
-                </a:solidFill>
-                <a:latin typeface="Droid Sans Mono"/>
-              </a:rPr>
-              <a:t> component</a:t>
-            </a:r>
-            <a:r>
-              <a:rPr lang="en-US" sz="1400" dirty="0">
-                <a:solidFill>
-                  <a:srgbClr val="666600"/>
-                </a:solidFill>
-                <a:latin typeface="Droid Sans Mono"/>
-              </a:rPr>
-              <a:t>:</a:t>
-            </a:r>
-            <a:r>
-              <a:rPr lang="en-US" sz="1400" dirty="0">
-                <a:solidFill>
-                  <a:srgbClr val="000000"/>
-                </a:solidFill>
-                <a:latin typeface="Droid Sans Mono"/>
-              </a:rPr>
-              <a:t> </a:t>
-            </a:r>
-            <a:r>
-              <a:rPr lang="en-US" sz="1400" dirty="0" err="1">
-                <a:solidFill>
-                  <a:srgbClr val="FF0000"/>
-                </a:solidFill>
-                <a:latin typeface="Droid Sans Mono"/>
-              </a:rPr>
-              <a:t>PageNotFoundComponent</a:t>
-            </a:r>
-            <a:r>
-              <a:rPr lang="en-US" sz="1400" dirty="0">
-                <a:solidFill>
-                  <a:srgbClr val="000000"/>
-                </a:solidFill>
-                <a:latin typeface="Droid Sans Mono"/>
-              </a:rPr>
-              <a:t> </a:t>
-            </a:r>
-            <a:r>
-              <a:rPr lang="en-US" sz="1400" dirty="0">
-                <a:solidFill>
-                  <a:srgbClr val="666600"/>
-                </a:solidFill>
-                <a:latin typeface="Droid Sans Mono"/>
-              </a:rPr>
-              <a:t>},</a:t>
-            </a:r>
-            <a:r>
-              <a:rPr lang="en-US" sz="1400" dirty="0">
-                <a:solidFill>
-                  <a:srgbClr val="000000"/>
-                </a:solidFill>
-                <a:latin typeface="Droid Sans Mono"/>
-              </a:rPr>
-              <a:t> </a:t>
-            </a:r>
-            <a:r>
-              <a:rPr lang="en-US" sz="1400" dirty="0">
-                <a:solidFill>
-                  <a:srgbClr val="006600"/>
-                </a:solidFill>
-                <a:latin typeface="Droid Sans Mono"/>
-              </a:rPr>
-              <a:t>// Wildcard route for a 404 page</a:t>
-            </a:r>
-            <a:endParaRPr lang="vi-VN" sz="1400" dirty="0">
-              <a:solidFill>
-                <a:srgbClr val="006600"/>
-              </a:solidFill>
-              <a:latin typeface="Droid Sans Mono"/>
-            </a:endParaRPr>
-          </a:p>
-          <a:p>
-            <a:pPr lvl="1"/>
-            <a:r>
-              <a:rPr lang="en-US" sz="1400" dirty="0"/>
-              <a:t>if the requested URL doesn't match any of the paths earlier in the list and sends the user to the </a:t>
-            </a:r>
-            <a:r>
-              <a:rPr lang="en-US" sz="1400" dirty="0" err="1"/>
-              <a:t>PageNotFoundComponent</a:t>
-            </a:r>
-            <a:r>
-              <a:rPr lang="en-US" sz="1400" dirty="0"/>
-              <a:t>.</a:t>
-            </a:r>
-            <a:endParaRPr lang="vi-VN" sz="1400" dirty="0"/>
-          </a:p>
-          <a:p>
-            <a:r>
-              <a:rPr lang="en-US" sz="1800" dirty="0"/>
-              <a:t>Nesting routes</a:t>
-            </a:r>
-            <a:endParaRPr lang="vi-VN" sz="1800" dirty="0"/>
-          </a:p>
-          <a:p>
-            <a:pPr lvl="1"/>
-            <a:r>
-              <a:rPr lang="en-US" sz="1600" dirty="0"/>
-              <a:t>The router outlet serves as a placeholder where the routed components are rendered.</a:t>
-            </a:r>
-            <a:endParaRPr lang="en-US" sz="1500" dirty="0"/>
-          </a:p>
-          <a:p>
-            <a:endParaRPr lang="en-US" sz="1700" dirty="0"/>
-          </a:p>
-          <a:p>
+            <a:pPr marL="95250" indent="0">
+              <a:buNone/>
+            </a:pPr>
             <a:endParaRPr lang="en-US" dirty="0"/>
           </a:p>
         </p:txBody>
       </p:sp>
       <p:pic>
         <p:nvPicPr>
-          <p:cNvPr id="5" name="Picture 4"/>
+          <p:cNvPr id="4" name="Picture 3">
+            <a:extLst>
+              <a:ext uri="{FF2B5EF4-FFF2-40B4-BE49-F238E27FC236}">
+                <a16:creationId xmlns:a16="http://schemas.microsoft.com/office/drawing/2014/main" id="{1ECAB3EB-47E6-44CA-A32F-40E47B7DC0C9}"/>
+              </a:ext>
+            </a:extLst>
+          </p:cNvPr>
           <p:cNvPicPr>
             <a:picLocks noChangeAspect="1"/>
           </p:cNvPicPr>
@@ -16876,56 +16612,8 @@
         </p:blipFill>
         <p:spPr>
           <a:xfrm>
-            <a:off x="670139" y="3452813"/>
-            <a:ext cx="3358412" cy="1475787"/>
-          </a:xfrm>
-          <a:prstGeom prst="rect">
-            <a:avLst/>
-          </a:prstGeom>
-        </p:spPr>
-      </p:pic>
-      <p:pic>
-        <p:nvPicPr>
-          <p:cNvPr id="6" name="Picture 5"/>
-          <p:cNvPicPr>
-            <a:picLocks noChangeAspect="1"/>
-          </p:cNvPicPr>
-          <p:nvPr/>
-        </p:nvPicPr>
-        <p:blipFill>
-          <a:blip r:embed="rId3"/>
-          <a:stretch>
-            <a:fillRect/>
-          </a:stretch>
-        </p:blipFill>
-        <p:spPr>
-          <a:xfrm>
-            <a:off x="4343400" y="3452813"/>
-            <a:ext cx="2133600" cy="1076324"/>
-          </a:xfrm>
-          <a:prstGeom prst="rect">
-            <a:avLst/>
-          </a:prstGeom>
-        </p:spPr>
-      </p:pic>
-      <p:pic>
-        <p:nvPicPr>
-          <p:cNvPr id="7" name="Picture 6"/>
-          <p:cNvPicPr>
-            <a:picLocks noChangeAspect="1"/>
-          </p:cNvPicPr>
-          <p:nvPr/>
-        </p:nvPicPr>
-        <p:blipFill>
-          <a:blip r:embed="rId4"/>
-          <a:stretch>
-            <a:fillRect/>
-          </a:stretch>
-        </p:blipFill>
-        <p:spPr>
-          <a:xfrm>
-            <a:off x="6796024" y="3562350"/>
-            <a:ext cx="2254940" cy="857250"/>
+            <a:off x="3015010" y="1241439"/>
+            <a:ext cx="3113979" cy="3518960"/>
           </a:xfrm>
           <a:prstGeom prst="rect">
             <a:avLst/>
@@ -16935,20 +16623,13 @@
     </p:spTree>
     <p:extLst>
       <p:ext uri="{BB962C8B-B14F-4D97-AF65-F5344CB8AC3E}">
-        <p14:creationId xmlns:p14="http://schemas.microsoft.com/office/powerpoint/2010/main" val="2178516081"/>
+        <p14:creationId xmlns:p14="http://schemas.microsoft.com/office/powerpoint/2010/main" val="2931864793"/>
       </p:ext>
     </p:extLst>
   </p:cSld>
   <p:clrMapOvr>
     <a:masterClrMapping/>
   </p:clrMapOvr>
-  <p:timing>
-    <p:tnLst>
-      <p:par>
-        <p:cTn id="1" dur="indefinite" restart="never" nodeType="tmRoot"/>
-      </p:par>
-    </p:tnLst>
-  </p:timing>
 </p:sld>
 </file>
 
@@ -16986,13 +16667,16 @@
           <a:p>
             <a:r>
               <a:rPr lang="en-US" dirty="0">
+                <a:latin typeface="+mn-lt"/>
                 <a:ea typeface="Arial"/>
                 <a:cs typeface="Arial"/>
                 <a:sym typeface="Arial"/>
               </a:rPr>
               <a:t>Routing &amp; Navigation</a:t>
             </a:r>
-            <a:endParaRPr lang="en-US" dirty="0"/>
+            <a:endParaRPr lang="en-US" dirty="0">
+              <a:latin typeface="+mn-lt"/>
+            </a:endParaRPr>
           </a:p>
         </p:txBody>
       </p:sp>
@@ -17012,99 +16696,90 @@
           <a:lstStyle/>
           <a:p>
             <a:r>
-              <a:rPr lang="en-US" dirty="0"/>
-              <a:t>Lazy loading</a:t>
-            </a:r>
-          </a:p>
-          <a:p>
-            <a:pPr lvl="1"/>
-            <a:r>
-              <a:rPr lang="en-US" dirty="0"/>
-              <a:t>Use route guards to prevent users from navigating to parts of an app without authorization. The following route guards are available in Angular:</a:t>
-            </a:r>
-          </a:p>
-          <a:p>
-            <a:pPr lvl="3"/>
+              <a:rPr lang="vi-VN" dirty="0">
+                <a:hlinkClick r:id="rId2"/>
+              </a:rPr>
+              <a:t>https://angular.io/guide/router</a:t>
+            </a:r>
+            <a:endParaRPr lang="vi-VN" dirty="0"/>
+          </a:p>
+          <a:p>
+            <a:r>
+              <a:rPr lang="vi-VN" dirty="0"/>
+              <a:t>Y</a:t>
+            </a:r>
             <a:r>
               <a:rPr lang="en-US" dirty="0" err="1"/>
-              <a:t>CanActivate</a:t>
-            </a:r>
-            <a:endParaRPr lang="en-US" dirty="0"/>
-          </a:p>
-          <a:p>
-            <a:pPr lvl="3"/>
-            <a:r>
-              <a:rPr lang="en-US" dirty="0" err="1"/>
-              <a:t>CanActivateChild</a:t>
-            </a:r>
-            <a:endParaRPr lang="en-US" dirty="0"/>
-          </a:p>
-          <a:p>
-            <a:pPr lvl="3"/>
-            <a:r>
-              <a:rPr lang="en-US" dirty="0" err="1"/>
-              <a:t>CanDeactivate</a:t>
-            </a:r>
-            <a:endParaRPr lang="en-US" dirty="0"/>
-          </a:p>
-          <a:p>
-            <a:pPr lvl="3"/>
-            <a:r>
-              <a:rPr lang="en-US" dirty="0"/>
-              <a:t>Resolve</a:t>
-            </a:r>
-          </a:p>
-          <a:p>
-            <a:pPr lvl="3"/>
-            <a:r>
-              <a:rPr lang="en-US" dirty="0" err="1"/>
-              <a:t>CanLoad</a:t>
-            </a:r>
+              <a:t>ou</a:t>
+            </a:r>
+            <a:r>
+              <a:rPr lang="en-US" dirty="0"/>
+              <a:t> change what the user sees by showing or hiding portions of the display that correspond to particular </a:t>
+            </a:r>
+            <a:r>
+              <a:rPr lang="vi-VN" dirty="0"/>
+              <a:t>components.</a:t>
+            </a:r>
+          </a:p>
+          <a:p>
+            <a:pPr marL="95250" indent="0">
+              <a:buNone/>
+            </a:pPr>
             <a:endParaRPr lang="en-US" dirty="0"/>
           </a:p>
         </p:txBody>
       </p:sp>
       <p:pic>
         <p:nvPicPr>
-          <p:cNvPr id="5" name="Picture 4"/>
+          <p:cNvPr id="1026" name="Picture 2" descr="Angular Routing – Grasp"/>
           <p:cNvPicPr>
-            <a:picLocks noChangeAspect="1"/>
+            <a:picLocks noChangeAspect="1" noChangeArrowheads="1"/>
           </p:cNvPicPr>
           <p:nvPr/>
         </p:nvPicPr>
         <p:blipFill>
-          <a:blip r:embed="rId2"/>
+          <a:blip r:embed="rId3">
+            <a:extLst>
+              <a:ext uri="{28A0092B-C50C-407E-A947-70E740481C1C}">
+                <a14:useLocalDpi xmlns:a14="http://schemas.microsoft.com/office/drawing/2010/main" val="0"/>
+              </a:ext>
+            </a:extLst>
+          </a:blip>
+          <a:srcRect/>
           <a:stretch>
             <a:fillRect/>
           </a:stretch>
         </p:blipFill>
-        <p:spPr>
+        <p:spPr bwMode="auto">
           <a:xfrm>
-            <a:off x="4628267" y="2495550"/>
-            <a:ext cx="2695575" cy="1390650"/>
+            <a:off x="2496255" y="2686617"/>
+            <a:ext cx="3479800" cy="2174875"/>
           </a:xfrm>
           <a:prstGeom prst="rect">
             <a:avLst/>
           </a:prstGeom>
+          <a:noFill/>
+          <a:extLst>
+            <a:ext uri="{909E8E84-426E-40DD-AFC4-6F175D3DCCD1}">
+              <a14:hiddenFill xmlns:a14="http://schemas.microsoft.com/office/drawing/2010/main">
+                <a:solidFill>
+                  <a:srgbClr val="FFFFFF"/>
+                </a:solidFill>
+              </a14:hiddenFill>
+            </a:ext>
+          </a:extLst>
         </p:spPr>
       </p:pic>
     </p:spTree>
     <p:extLst>
       <p:ext uri="{BB962C8B-B14F-4D97-AF65-F5344CB8AC3E}">
-        <p14:creationId xmlns:p14="http://schemas.microsoft.com/office/powerpoint/2010/main" val="1279066169"/>
+        <p14:creationId xmlns:p14="http://schemas.microsoft.com/office/powerpoint/2010/main" val="3874761778"/>
       </p:ext>
     </p:extLst>
   </p:cSld>
   <p:clrMapOvr>
     <a:masterClrMapping/>
   </p:clrMapOvr>
-  <p:timing>
-    <p:tnLst>
-      <p:par>
-        <p:cTn id="1" dur="indefinite" restart="never" nodeType="tmRoot"/>
-      </p:par>
-    </p:tnLst>
-  </p:timing>
 </p:sld>
 </file>
 
@@ -17141,14 +16816,18 @@
           <a:lstStyle/>
           <a:p>
             <a:r>
-              <a:rPr lang="en-US" dirty="0"/>
-              <a:t>Observables &amp; </a:t>
-            </a:r>
-            <a:r>
-              <a:rPr lang="en-US" dirty="0" err="1"/>
-              <a:t>RxJS</a:t>
-            </a:r>
-            <a:endParaRPr lang="en-US" dirty="0"/>
+              <a:rPr lang="en-US" dirty="0">
+                <a:ea typeface="Arial"/>
+                <a:cs typeface="Arial"/>
+                <a:sym typeface="Arial"/>
+              </a:rPr>
+              <a:t>Routing &amp; Navigation</a:t>
+            </a:r>
+            <a:endParaRPr lang="en-US" dirty="0">
+              <a:latin typeface="+mn-lt"/>
+              <a:ea typeface="Arial"/>
+              <a:cs typeface="Arial"/>
+            </a:endParaRPr>
           </a:p>
         </p:txBody>
       </p:sp>
@@ -17168,68 +16847,277 @@
           <a:lstStyle/>
           <a:p>
             <a:r>
-              <a:rPr lang="en-US" dirty="0">
+              <a:rPr lang="en-US" dirty="0"/>
+              <a:t>Defining a basic route</a:t>
+            </a:r>
+          </a:p>
+          <a:p>
+            <a:pPr lvl="1"/>
+            <a:r>
+              <a:rPr lang="en-US" dirty="0"/>
+              <a:t>Import the </a:t>
+            </a:r>
+            <a:r>
+              <a:rPr lang="en-US" b="1" dirty="0" err="1"/>
+              <a:t>AppRoutingModule</a:t>
+            </a:r>
+            <a:r>
+              <a:rPr lang="en-US" b="1" dirty="0"/>
+              <a:t> </a:t>
+            </a:r>
+            <a:r>
+              <a:rPr lang="en-US" dirty="0"/>
+              <a:t>into </a:t>
+            </a:r>
+            <a:r>
+              <a:rPr lang="en-US" dirty="0" err="1"/>
+              <a:t>AppModule</a:t>
+            </a:r>
+            <a:r>
+              <a:rPr lang="en-US" dirty="0"/>
+              <a:t> and add it to the imports array.</a:t>
+            </a:r>
+            <a:endParaRPr lang="vi-VN" dirty="0"/>
+          </a:p>
+          <a:p>
+            <a:pPr lvl="1"/>
+            <a:r>
+              <a:rPr lang="en-US" dirty="0"/>
+              <a:t>Import </a:t>
+            </a:r>
+            <a:r>
+              <a:rPr lang="en-US" b="1" dirty="0" err="1"/>
+              <a:t>RouterModule</a:t>
+            </a:r>
+            <a:r>
+              <a:rPr lang="en-US" dirty="0"/>
+              <a:t> and Routes into your routing module.</a:t>
+            </a:r>
+            <a:endParaRPr lang="vi-VN" dirty="0"/>
+          </a:p>
+          <a:p>
+            <a:pPr lvl="1"/>
+            <a:r>
+              <a:rPr lang="en-US" dirty="0"/>
+              <a:t>Define your routes in your Routes array.</a:t>
+            </a:r>
+            <a:endParaRPr lang="vi-VN" dirty="0"/>
+          </a:p>
+          <a:p>
+            <a:pPr lvl="1"/>
+            <a:endParaRPr lang="vi-VN" dirty="0"/>
+          </a:p>
+          <a:p>
+            <a:pPr lvl="1"/>
+            <a:endParaRPr lang="vi-VN" dirty="0"/>
+          </a:p>
+          <a:p>
+            <a:pPr lvl="1"/>
+            <a:endParaRPr lang="vi-VN" dirty="0"/>
+          </a:p>
+          <a:p>
+            <a:pPr lvl="1"/>
+            <a:r>
+              <a:rPr lang="en-US" dirty="0"/>
+              <a:t>Add your routes to your application.</a:t>
+            </a:r>
+            <a:endParaRPr lang="vi-VN" dirty="0"/>
+          </a:p>
+          <a:p>
+            <a:pPr marL="1047750" lvl="2" indent="0">
+              <a:buNone/>
+            </a:pPr>
+            <a:r>
+              <a:rPr lang="en-US" sz="1200" dirty="0">
+                <a:solidFill>
+                  <a:srgbClr val="000088"/>
+                </a:solidFill>
+                <a:latin typeface="Droid Sans Mono"/>
+              </a:rPr>
+              <a:t>&lt;a</a:t>
+            </a:r>
+            <a:r>
+              <a:rPr lang="en-US" sz="1200" dirty="0">
+                <a:solidFill>
+                  <a:srgbClr val="000000"/>
+                </a:solidFill>
+                <a:latin typeface="Droid Sans Mono"/>
+              </a:rPr>
+              <a:t> </a:t>
+            </a:r>
+            <a:r>
+              <a:rPr lang="en-US" sz="1200" dirty="0" err="1">
+                <a:solidFill>
+                  <a:srgbClr val="660066"/>
+                </a:solidFill>
+                <a:latin typeface="Droid Sans Mono"/>
                 <a:hlinkClick r:id="rId2"/>
               </a:rPr>
-              <a:t>https://rxjs-dev.firebaseapp.com/guide/observable</a:t>
-            </a:r>
-            <a:endParaRPr lang="vi-VN" dirty="0"/>
-          </a:p>
-          <a:p>
-            <a:r>
-              <a:rPr lang="en-US" dirty="0">
+              <a:t>routerLink</a:t>
+            </a:r>
+            <a:r>
+              <a:rPr lang="en-US" sz="1200" dirty="0">
+                <a:solidFill>
+                  <a:srgbClr val="666600"/>
+                </a:solidFill>
+                <a:latin typeface="Droid Sans Mono"/>
+              </a:rPr>
+              <a:t>=</a:t>
+            </a:r>
+            <a:r>
+              <a:rPr lang="en-US" sz="1200" dirty="0">
+                <a:solidFill>
+                  <a:srgbClr val="880000"/>
+                </a:solidFill>
+                <a:latin typeface="Droid Sans Mono"/>
+              </a:rPr>
+              <a:t>"/first-component"</a:t>
+            </a:r>
+            <a:r>
+              <a:rPr lang="en-US" sz="1200" dirty="0">
+                <a:solidFill>
+                  <a:srgbClr val="000000"/>
+                </a:solidFill>
+                <a:latin typeface="Droid Sans Mono"/>
+              </a:rPr>
+              <a:t> </a:t>
+            </a:r>
+            <a:r>
+              <a:rPr lang="en-US" sz="1200" dirty="0" err="1">
+                <a:solidFill>
+                  <a:srgbClr val="660066"/>
+                </a:solidFill>
+                <a:latin typeface="Droid Sans Mono"/>
                 <a:hlinkClick r:id="rId3"/>
               </a:rPr>
-              <a:t>https://www.learnrxjs.io/</a:t>
-            </a:r>
-            <a:endParaRPr lang="vi-VN" dirty="0"/>
-          </a:p>
-          <a:p>
-            <a:r>
-              <a:rPr lang="en-US" dirty="0">
+              <a:t>routerLinkActive</a:t>
+            </a:r>
+            <a:r>
+              <a:rPr lang="en-US" sz="1200" dirty="0">
+                <a:solidFill>
+                  <a:srgbClr val="666600"/>
+                </a:solidFill>
+                <a:latin typeface="Droid Sans Mono"/>
+              </a:rPr>
+              <a:t>=</a:t>
+            </a:r>
+            <a:r>
+              <a:rPr lang="en-US" sz="1200" dirty="0">
+                <a:solidFill>
+                  <a:srgbClr val="880000"/>
+                </a:solidFill>
+                <a:latin typeface="Droid Sans Mono"/>
+              </a:rPr>
+              <a:t>"active"</a:t>
+            </a:r>
+            <a:r>
+              <a:rPr lang="en-US" sz="1200" dirty="0">
+                <a:solidFill>
+                  <a:srgbClr val="000088"/>
+                </a:solidFill>
+                <a:latin typeface="Droid Sans Mono"/>
+              </a:rPr>
+              <a:t>&gt;</a:t>
+            </a:r>
+            <a:r>
+              <a:rPr lang="en-US" sz="1200" dirty="0">
+                <a:solidFill>
+                  <a:srgbClr val="000000"/>
+                </a:solidFill>
+                <a:latin typeface="Droid Sans Mono"/>
+              </a:rPr>
+              <a:t>First </a:t>
+            </a:r>
+            <a:r>
+              <a:rPr lang="en-US" sz="1200" dirty="0">
+                <a:solidFill>
+                  <a:srgbClr val="000000"/>
+                </a:solidFill>
+                <a:latin typeface="Droid Sans Mono"/>
                 <a:hlinkClick r:id="rId4"/>
               </a:rPr>
-              <a:t>http://reactivex.io/documentation/observable.html</a:t>
-            </a:r>
-            <a:endParaRPr lang="vi-VN" dirty="0"/>
-          </a:p>
-          <a:p>
-            <a:r>
-              <a:rPr lang="en-US" dirty="0">
-                <a:hlinkClick r:id="rId5"/>
-              </a:rPr>
-              <a:t>https://developer.mozilla.org/vi/docs/Web/JavaScript/Reference/Statements/async_function</a:t>
-            </a:r>
-            <a:endParaRPr lang="vi-VN" dirty="0"/>
-          </a:p>
-          <a:p>
-            <a:r>
-              <a:rPr lang="en-US" dirty="0">
-                <a:hlinkClick r:id="rId6"/>
-              </a:rPr>
-              <a:t>https://techtalk.vn/chon-promise-hay-observable-khi-lam-viec-voi-angular.html</a:t>
-            </a:r>
+              <a:t>Component</a:t>
+            </a:r>
+            <a:r>
+              <a:rPr lang="en-US" sz="1200" dirty="0">
+                <a:solidFill>
+                  <a:srgbClr val="000088"/>
+                </a:solidFill>
+                <a:latin typeface="Droid Sans Mono"/>
+              </a:rPr>
+              <a:t>&lt;/a&gt;</a:t>
+            </a:r>
+            <a:br>
+              <a:rPr lang="en-US" dirty="0"/>
+            </a:br>
             <a:endParaRPr lang="en-US" dirty="0"/>
           </a:p>
         </p:txBody>
       </p:sp>
+      <p:pic>
+        <p:nvPicPr>
+          <p:cNvPr id="7" name="Picture 6"/>
+          <p:cNvPicPr>
+            <a:picLocks noChangeAspect="1"/>
+          </p:cNvPicPr>
+          <p:nvPr/>
+        </p:nvPicPr>
+        <p:blipFill>
+          <a:blip r:embed="rId5"/>
+          <a:stretch>
+            <a:fillRect/>
+          </a:stretch>
+        </p:blipFill>
+        <p:spPr>
+          <a:xfrm>
+            <a:off x="1371600" y="3011709"/>
+            <a:ext cx="3505200" cy="767372"/>
+          </a:xfrm>
+          <a:prstGeom prst="rect">
+            <a:avLst/>
+          </a:prstGeom>
+        </p:spPr>
+      </p:pic>
+      <p:pic>
+        <p:nvPicPr>
+          <p:cNvPr id="4" name="Picture 3">
+            <a:extLst>
+              <a:ext uri="{FF2B5EF4-FFF2-40B4-BE49-F238E27FC236}">
+                <a16:creationId xmlns:a16="http://schemas.microsoft.com/office/drawing/2014/main" id="{860AF72E-065D-42EB-A06C-6B293360401B}"/>
+              </a:ext>
+            </a:extLst>
+          </p:cNvPr>
+          <p:cNvPicPr>
+            <a:picLocks noChangeAspect="1"/>
+          </p:cNvPicPr>
+          <p:nvPr/>
+        </p:nvPicPr>
+        <p:blipFill>
+          <a:blip r:embed="rId6"/>
+          <a:stretch>
+            <a:fillRect/>
+          </a:stretch>
+        </p:blipFill>
+        <p:spPr>
+          <a:xfrm>
+            <a:off x="5425070" y="2996483"/>
+            <a:ext cx="2714625" cy="892377"/>
+          </a:xfrm>
+          <a:prstGeom prst="rect">
+            <a:avLst/>
+          </a:prstGeom>
+        </p:spPr>
+      </p:pic>
     </p:spTree>
     <p:extLst>
       <p:ext uri="{BB962C8B-B14F-4D97-AF65-F5344CB8AC3E}">
-        <p14:creationId xmlns:p14="http://schemas.microsoft.com/office/powerpoint/2010/main" val="2789207468"/>
+        <p14:creationId xmlns:p14="http://schemas.microsoft.com/office/powerpoint/2010/main" val="2661707746"/>
       </p:ext>
     </p:extLst>
   </p:cSld>
   <p:clrMapOvr>
     <a:masterClrMapping/>
   </p:clrMapOvr>
-  <p:timing>
-    <p:tnLst>
-      <p:par>
-        <p:cTn id="1" dur="indefinite" restart="never" nodeType="tmRoot"/>
-      </p:par>
-    </p:tnLst>
-  </p:timing>
 </p:sld>
 </file>
 
@@ -17266,12 +17154,12 @@
           <a:lstStyle/>
           <a:p>
             <a:r>
-              <a:rPr lang="en-US" dirty="0"/>
-              <a:t>Observables &amp; </a:t>
-            </a:r>
-            <a:r>
-              <a:rPr lang="en-US" dirty="0" err="1"/>
-              <a:t>RxJS</a:t>
+              <a:rPr lang="en-US" dirty="0">
+                <a:ea typeface="Arial"/>
+                <a:cs typeface="Arial"/>
+                <a:sym typeface="Arial"/>
+              </a:rPr>
+              <a:t>Routing &amp; Navigation</a:t>
             </a:r>
             <a:endParaRPr lang="en-US" dirty="0"/>
           </a:p>
@@ -17293,6 +17181,1151 @@
           <a:lstStyle/>
           <a:p>
             <a:r>
+              <a:rPr lang="en-US" dirty="0"/>
+              <a:t>Setting up wildcard routes</a:t>
+            </a:r>
+            <a:endParaRPr lang="vi-VN" dirty="0"/>
+          </a:p>
+          <a:p>
+            <a:pPr lvl="1"/>
+            <a:r>
+              <a:rPr lang="vi-VN" sz="1600" dirty="0"/>
+              <a:t>Ex: </a:t>
+            </a:r>
+            <a:r>
+              <a:rPr lang="en-US" sz="1600" dirty="0"/>
+              <a:t>Displaying a 404 page </a:t>
+            </a:r>
+            <a:endParaRPr lang="vi-VN" sz="1600" dirty="0"/>
+          </a:p>
+          <a:p>
+            <a:pPr marL="571500" lvl="1" indent="0">
+              <a:buNone/>
+            </a:pPr>
+            <a:r>
+              <a:rPr lang="vi-VN" sz="1600" dirty="0">
+                <a:solidFill>
+                  <a:srgbClr val="666600"/>
+                </a:solidFill>
+                <a:latin typeface="Droid Sans Mono"/>
+              </a:rPr>
+              <a:t>      </a:t>
+            </a:r>
+            <a:r>
+              <a:rPr lang="en-US" sz="1000" dirty="0">
+                <a:solidFill>
+                  <a:srgbClr val="666600"/>
+                </a:solidFill>
+                <a:latin typeface="Droid Sans Mono"/>
+              </a:rPr>
+              <a:t>{</a:t>
+            </a:r>
+            <a:r>
+              <a:rPr lang="en-US" sz="1000" dirty="0">
+                <a:solidFill>
+                  <a:srgbClr val="000000"/>
+                </a:solidFill>
+                <a:latin typeface="Droid Sans Mono"/>
+              </a:rPr>
+              <a:t> path</a:t>
+            </a:r>
+            <a:r>
+              <a:rPr lang="en-US" sz="1000" dirty="0">
+                <a:solidFill>
+                  <a:srgbClr val="666600"/>
+                </a:solidFill>
+                <a:latin typeface="Droid Sans Mono"/>
+              </a:rPr>
+              <a:t>:</a:t>
+            </a:r>
+            <a:r>
+              <a:rPr lang="en-US" sz="1000" dirty="0">
+                <a:solidFill>
+                  <a:srgbClr val="000000"/>
+                </a:solidFill>
+                <a:latin typeface="Droid Sans Mono"/>
+              </a:rPr>
+              <a:t> </a:t>
+            </a:r>
+            <a:r>
+              <a:rPr lang="en-US" sz="1000" dirty="0">
+                <a:solidFill>
+                  <a:srgbClr val="880000"/>
+                </a:solidFill>
+                <a:latin typeface="Droid Sans Mono"/>
+              </a:rPr>
+              <a:t>'**'</a:t>
+            </a:r>
+            <a:r>
+              <a:rPr lang="en-US" sz="1000" dirty="0">
+                <a:solidFill>
+                  <a:srgbClr val="666600"/>
+                </a:solidFill>
+                <a:latin typeface="Droid Sans Mono"/>
+              </a:rPr>
+              <a:t>,</a:t>
+            </a:r>
+            <a:r>
+              <a:rPr lang="en-US" sz="1000" dirty="0">
+                <a:solidFill>
+                  <a:srgbClr val="000000"/>
+                </a:solidFill>
+                <a:latin typeface="Droid Sans Mono"/>
+              </a:rPr>
+              <a:t> component</a:t>
+            </a:r>
+            <a:r>
+              <a:rPr lang="en-US" sz="1000" dirty="0">
+                <a:solidFill>
+                  <a:srgbClr val="666600"/>
+                </a:solidFill>
+                <a:latin typeface="Droid Sans Mono"/>
+              </a:rPr>
+              <a:t>:</a:t>
+            </a:r>
+            <a:r>
+              <a:rPr lang="en-US" sz="1000" dirty="0">
+                <a:solidFill>
+                  <a:srgbClr val="000000"/>
+                </a:solidFill>
+                <a:latin typeface="Droid Sans Mono"/>
+              </a:rPr>
+              <a:t> </a:t>
+            </a:r>
+            <a:r>
+              <a:rPr lang="en-US" sz="1000" dirty="0" err="1">
+                <a:solidFill>
+                  <a:srgbClr val="FF0000"/>
+                </a:solidFill>
+                <a:latin typeface="Droid Sans Mono"/>
+              </a:rPr>
+              <a:t>PageNotFoundComponent</a:t>
+            </a:r>
+            <a:r>
+              <a:rPr lang="en-US" sz="1000" dirty="0">
+                <a:solidFill>
+                  <a:srgbClr val="000000"/>
+                </a:solidFill>
+                <a:latin typeface="Droid Sans Mono"/>
+              </a:rPr>
+              <a:t> </a:t>
+            </a:r>
+            <a:r>
+              <a:rPr lang="en-US" sz="1000" dirty="0">
+                <a:solidFill>
+                  <a:srgbClr val="666600"/>
+                </a:solidFill>
+                <a:latin typeface="Droid Sans Mono"/>
+              </a:rPr>
+              <a:t>},</a:t>
+            </a:r>
+            <a:r>
+              <a:rPr lang="en-US" sz="1000" dirty="0">
+                <a:solidFill>
+                  <a:srgbClr val="000000"/>
+                </a:solidFill>
+                <a:latin typeface="Droid Sans Mono"/>
+              </a:rPr>
+              <a:t> </a:t>
+            </a:r>
+            <a:r>
+              <a:rPr lang="en-US" sz="1000" dirty="0">
+                <a:solidFill>
+                  <a:srgbClr val="006600"/>
+                </a:solidFill>
+                <a:latin typeface="Droid Sans Mono"/>
+              </a:rPr>
+              <a:t>// Wildcard route for a 404 page</a:t>
+            </a:r>
+            <a:endParaRPr lang="vi-VN" sz="1000" dirty="0">
+              <a:solidFill>
+                <a:srgbClr val="006600"/>
+              </a:solidFill>
+              <a:latin typeface="Droid Sans Mono"/>
+            </a:endParaRPr>
+          </a:p>
+          <a:p>
+            <a:r>
+              <a:rPr lang="en-US" sz="1800" dirty="0"/>
+              <a:t>Nesting routes</a:t>
+            </a:r>
+            <a:endParaRPr lang="vi-VN" sz="1800" dirty="0"/>
+          </a:p>
+          <a:p>
+            <a:pPr lvl="1"/>
+            <a:r>
+              <a:rPr lang="en-US" sz="1600" dirty="0"/>
+              <a:t>The router outlet serves as a placeholder where the routed components are rendered.</a:t>
+            </a:r>
+            <a:endParaRPr lang="en-US" sz="1500" dirty="0"/>
+          </a:p>
+          <a:p>
+            <a:endParaRPr lang="en-US" sz="1700" dirty="0"/>
+          </a:p>
+          <a:p>
+            <a:endParaRPr lang="en-US" dirty="0"/>
+          </a:p>
+        </p:txBody>
+      </p:sp>
+      <p:pic>
+        <p:nvPicPr>
+          <p:cNvPr id="5" name="Picture 4"/>
+          <p:cNvPicPr>
+            <a:picLocks noChangeAspect="1"/>
+          </p:cNvPicPr>
+          <p:nvPr/>
+        </p:nvPicPr>
+        <p:blipFill>
+          <a:blip r:embed="rId2"/>
+          <a:stretch>
+            <a:fillRect/>
+          </a:stretch>
+        </p:blipFill>
+        <p:spPr>
+          <a:xfrm>
+            <a:off x="447819" y="3329281"/>
+            <a:ext cx="3358412" cy="1475787"/>
+          </a:xfrm>
+          <a:prstGeom prst="rect">
+            <a:avLst/>
+          </a:prstGeom>
+        </p:spPr>
+      </p:pic>
+      <p:pic>
+        <p:nvPicPr>
+          <p:cNvPr id="6" name="Picture 5"/>
+          <p:cNvPicPr>
+            <a:picLocks noChangeAspect="1"/>
+          </p:cNvPicPr>
+          <p:nvPr/>
+        </p:nvPicPr>
+        <p:blipFill>
+          <a:blip r:embed="rId3"/>
+          <a:stretch>
+            <a:fillRect/>
+          </a:stretch>
+        </p:blipFill>
+        <p:spPr>
+          <a:xfrm>
+            <a:off x="4126810" y="3529012"/>
+            <a:ext cx="2133600" cy="1076324"/>
+          </a:xfrm>
+          <a:prstGeom prst="rect">
+            <a:avLst/>
+          </a:prstGeom>
+        </p:spPr>
+      </p:pic>
+      <p:pic>
+        <p:nvPicPr>
+          <p:cNvPr id="7" name="Picture 6"/>
+          <p:cNvPicPr>
+            <a:picLocks noChangeAspect="1"/>
+          </p:cNvPicPr>
+          <p:nvPr/>
+        </p:nvPicPr>
+        <p:blipFill>
+          <a:blip r:embed="rId4"/>
+          <a:stretch>
+            <a:fillRect/>
+          </a:stretch>
+        </p:blipFill>
+        <p:spPr>
+          <a:xfrm>
+            <a:off x="6464568" y="3638549"/>
+            <a:ext cx="2254940" cy="857250"/>
+          </a:xfrm>
+          <a:prstGeom prst="rect">
+            <a:avLst/>
+          </a:prstGeom>
+        </p:spPr>
+      </p:pic>
+    </p:spTree>
+    <p:extLst>
+      <p:ext uri="{BB962C8B-B14F-4D97-AF65-F5344CB8AC3E}">
+        <p14:creationId xmlns:p14="http://schemas.microsoft.com/office/powerpoint/2010/main" val="2178516081"/>
+      </p:ext>
+    </p:extLst>
+  </p:cSld>
+  <p:clrMapOvr>
+    <a:masterClrMapping/>
+  </p:clrMapOvr>
+</p:sld>
+</file>
+
+<file path=ppt/slides/slide106.xml><?xml version="1.0" encoding="utf-8"?>
+<p:sld xmlns:a="http://schemas.openxmlformats.org/drawingml/2006/main" xmlns:r="http://schemas.openxmlformats.org/officeDocument/2006/relationships" xmlns:p="http://schemas.openxmlformats.org/presentationml/2006/main">
+  <p:cSld>
+    <p:spTree>
+      <p:nvGrpSpPr>
+        <p:cNvPr id="1" name=""/>
+        <p:cNvGrpSpPr/>
+        <p:nvPr/>
+      </p:nvGrpSpPr>
+      <p:grpSpPr>
+        <a:xfrm>
+          <a:off x="0" y="0"/>
+          <a:ext cx="0" cy="0"/>
+          <a:chOff x="0" y="0"/>
+          <a:chExt cx="0" cy="0"/>
+        </a:xfrm>
+      </p:grpSpPr>
+      <p:sp>
+        <p:nvSpPr>
+          <p:cNvPr id="2" name="Title 1"/>
+          <p:cNvSpPr>
+            <a:spLocks noGrp="1"/>
+          </p:cNvSpPr>
+          <p:nvPr>
+            <p:ph type="title"/>
+          </p:nvPr>
+        </p:nvSpPr>
+        <p:spPr/>
+        <p:txBody>
+          <a:bodyPr/>
+          <a:lstStyle/>
+          <a:p>
+            <a:r>
+              <a:rPr lang="en-US" dirty="0">
+                <a:ea typeface="Arial"/>
+                <a:cs typeface="Arial"/>
+                <a:sym typeface="Arial"/>
+              </a:rPr>
+              <a:t>Routing &amp; Navigation</a:t>
+            </a:r>
+            <a:endParaRPr lang="en-US" dirty="0"/>
+          </a:p>
+        </p:txBody>
+      </p:sp>
+      <p:sp>
+        <p:nvSpPr>
+          <p:cNvPr id="3" name="Text Placeholder 2"/>
+          <p:cNvSpPr>
+            <a:spLocks noGrp="1"/>
+          </p:cNvSpPr>
+          <p:nvPr>
+            <p:ph type="body" idx="1"/>
+          </p:nvPr>
+        </p:nvSpPr>
+        <p:spPr/>
+        <p:txBody>
+          <a:bodyPr/>
+          <a:lstStyle/>
+          <a:p>
+            <a:r>
+              <a:rPr lang="en-US" dirty="0"/>
+              <a:t>Lazy loading</a:t>
+            </a:r>
+            <a:endParaRPr lang="vi-VN" dirty="0"/>
+          </a:p>
+          <a:p>
+            <a:pPr lvl="1"/>
+            <a:r>
+              <a:rPr lang="en-US" b="0" i="0" dirty="0">
+                <a:solidFill>
+                  <a:srgbClr val="FF0000"/>
+                </a:solidFill>
+                <a:effectLst/>
+                <a:latin typeface="Droid Sans Mono"/>
+              </a:rPr>
+              <a:t>ng generate guard your-guard</a:t>
+            </a:r>
+            <a:endParaRPr lang="en-US" dirty="0">
+              <a:solidFill>
+                <a:srgbClr val="FF0000"/>
+              </a:solidFill>
+            </a:endParaRPr>
+          </a:p>
+          <a:p>
+            <a:pPr lvl="1"/>
+            <a:r>
+              <a:rPr lang="en-US" dirty="0"/>
+              <a:t>Use route guards to prevent users from navigating to parts of an app without authorization. The following route guards</a:t>
+            </a:r>
+          </a:p>
+          <a:p>
+            <a:pPr lvl="3"/>
+            <a:r>
+              <a:rPr lang="en-US" dirty="0" err="1"/>
+              <a:t>CanActivate</a:t>
+            </a:r>
+            <a:endParaRPr lang="en-US" dirty="0"/>
+          </a:p>
+          <a:p>
+            <a:pPr lvl="3"/>
+            <a:r>
+              <a:rPr lang="en-US" dirty="0" err="1"/>
+              <a:t>CanActivateChild</a:t>
+            </a:r>
+            <a:endParaRPr lang="en-US" dirty="0"/>
+          </a:p>
+          <a:p>
+            <a:pPr lvl="3"/>
+            <a:r>
+              <a:rPr lang="en-US" dirty="0" err="1"/>
+              <a:t>CanDeactivate</a:t>
+            </a:r>
+            <a:endParaRPr lang="en-US" dirty="0"/>
+          </a:p>
+          <a:p>
+            <a:pPr lvl="3"/>
+            <a:r>
+              <a:rPr lang="en-US" dirty="0"/>
+              <a:t>Resolve</a:t>
+            </a:r>
+          </a:p>
+          <a:p>
+            <a:pPr lvl="3"/>
+            <a:r>
+              <a:rPr lang="en-US" dirty="0" err="1"/>
+              <a:t>CanLoad</a:t>
+            </a:r>
+            <a:endParaRPr lang="en-US" dirty="0"/>
+          </a:p>
+        </p:txBody>
+      </p:sp>
+      <p:pic>
+        <p:nvPicPr>
+          <p:cNvPr id="5" name="Picture 4"/>
+          <p:cNvPicPr>
+            <a:picLocks noChangeAspect="1"/>
+          </p:cNvPicPr>
+          <p:nvPr/>
+        </p:nvPicPr>
+        <p:blipFill>
+          <a:blip r:embed="rId2"/>
+          <a:stretch>
+            <a:fillRect/>
+          </a:stretch>
+        </p:blipFill>
+        <p:spPr>
+          <a:xfrm>
+            <a:off x="7010400" y="3000919"/>
+            <a:ext cx="2085975" cy="1076157"/>
+          </a:xfrm>
+          <a:prstGeom prst="rect">
+            <a:avLst/>
+          </a:prstGeom>
+        </p:spPr>
+      </p:pic>
+      <p:pic>
+        <p:nvPicPr>
+          <p:cNvPr id="4" name="Picture 3">
+            <a:extLst>
+              <a:ext uri="{FF2B5EF4-FFF2-40B4-BE49-F238E27FC236}">
+                <a16:creationId xmlns:a16="http://schemas.microsoft.com/office/drawing/2014/main" id="{69F3CDF8-08A9-41A6-820B-532701D750A0}"/>
+              </a:ext>
+            </a:extLst>
+          </p:cNvPr>
+          <p:cNvPicPr>
+            <a:picLocks noChangeAspect="1"/>
+          </p:cNvPicPr>
+          <p:nvPr/>
+        </p:nvPicPr>
+        <p:blipFill>
+          <a:blip r:embed="rId3"/>
+          <a:stretch>
+            <a:fillRect/>
+          </a:stretch>
+        </p:blipFill>
+        <p:spPr>
+          <a:xfrm>
+            <a:off x="4191000" y="3181350"/>
+            <a:ext cx="2469975" cy="1076157"/>
+          </a:xfrm>
+          <a:prstGeom prst="rect">
+            <a:avLst/>
+          </a:prstGeom>
+        </p:spPr>
+      </p:pic>
+    </p:spTree>
+    <p:extLst>
+      <p:ext uri="{BB962C8B-B14F-4D97-AF65-F5344CB8AC3E}">
+        <p14:creationId xmlns:p14="http://schemas.microsoft.com/office/powerpoint/2010/main" val="1279066169"/>
+      </p:ext>
+    </p:extLst>
+  </p:cSld>
+  <p:clrMapOvr>
+    <a:masterClrMapping/>
+  </p:clrMapOvr>
+</p:sld>
+</file>
+
+<file path=ppt/slides/slide107.xml><?xml version="1.0" encoding="utf-8"?>
+<p:sld xmlns:a="http://schemas.openxmlformats.org/drawingml/2006/main" xmlns:r="http://schemas.openxmlformats.org/officeDocument/2006/relationships" xmlns:p="http://schemas.openxmlformats.org/presentationml/2006/main">
+  <p:cSld>
+    <p:spTree>
+      <p:nvGrpSpPr>
+        <p:cNvPr id="1" name=""/>
+        <p:cNvGrpSpPr/>
+        <p:nvPr/>
+      </p:nvGrpSpPr>
+      <p:grpSpPr>
+        <a:xfrm>
+          <a:off x="0" y="0"/>
+          <a:ext cx="0" cy="0"/>
+          <a:chOff x="0" y="0"/>
+          <a:chExt cx="0" cy="0"/>
+        </a:xfrm>
+      </p:grpSpPr>
+      <p:sp>
+        <p:nvSpPr>
+          <p:cNvPr id="2" name="Title 1">
+            <a:extLst>
+              <a:ext uri="{FF2B5EF4-FFF2-40B4-BE49-F238E27FC236}">
+                <a16:creationId xmlns:a16="http://schemas.microsoft.com/office/drawing/2014/main" id="{950EB96B-B78D-4555-B1CC-EFB2C54CC863}"/>
+              </a:ext>
+            </a:extLst>
+          </p:cNvPr>
+          <p:cNvSpPr>
+            <a:spLocks noGrp="1"/>
+          </p:cNvSpPr>
+          <p:nvPr>
+            <p:ph type="title"/>
+          </p:nvPr>
+        </p:nvSpPr>
+        <p:spPr/>
+        <p:txBody>
+          <a:bodyPr/>
+          <a:lstStyle/>
+          <a:p>
+            <a:r>
+              <a:rPr lang="en-US" dirty="0">
+                <a:ea typeface="Arial"/>
+                <a:cs typeface="Arial"/>
+                <a:sym typeface="Arial"/>
+              </a:rPr>
+              <a:t>Routing &amp; Navigation</a:t>
+            </a:r>
+            <a:endParaRPr lang="en-US" dirty="0"/>
+          </a:p>
+        </p:txBody>
+      </p:sp>
+      <p:sp>
+        <p:nvSpPr>
+          <p:cNvPr id="3" name="Text Placeholder 2">
+            <a:extLst>
+              <a:ext uri="{FF2B5EF4-FFF2-40B4-BE49-F238E27FC236}">
+                <a16:creationId xmlns:a16="http://schemas.microsoft.com/office/drawing/2014/main" id="{9A32D741-9317-4611-843B-70DFFFC2A9F0}"/>
+              </a:ext>
+            </a:extLst>
+          </p:cNvPr>
+          <p:cNvSpPr>
+            <a:spLocks noGrp="1"/>
+          </p:cNvSpPr>
+          <p:nvPr>
+            <p:ph type="body" idx="1"/>
+          </p:nvPr>
+        </p:nvSpPr>
+        <p:spPr/>
+        <p:txBody>
+          <a:bodyPr/>
+          <a:lstStyle/>
+          <a:p>
+            <a:r>
+              <a:rPr lang="en-US" dirty="0"/>
+              <a:t>Router outlet</a:t>
+            </a:r>
+            <a:endParaRPr lang="vi-VN" dirty="0"/>
+          </a:p>
+          <a:p>
+            <a:pPr lvl="1"/>
+            <a:r>
+              <a:rPr lang="en-US" dirty="0"/>
+              <a:t>It acts as a placeholder that marks the spot in the template where the router should display the components for that outlet.</a:t>
+            </a:r>
+            <a:endParaRPr lang="vi-VN" dirty="0"/>
+          </a:p>
+          <a:p>
+            <a:pPr lvl="1"/>
+            <a:endParaRPr lang="en-US" dirty="0"/>
+          </a:p>
+        </p:txBody>
+      </p:sp>
+      <p:pic>
+        <p:nvPicPr>
+          <p:cNvPr id="4" name="Picture 3">
+            <a:extLst>
+              <a:ext uri="{FF2B5EF4-FFF2-40B4-BE49-F238E27FC236}">
+                <a16:creationId xmlns:a16="http://schemas.microsoft.com/office/drawing/2014/main" id="{640C8C35-13A8-4C8A-B24C-20341F04BE90}"/>
+              </a:ext>
+            </a:extLst>
+          </p:cNvPr>
+          <p:cNvPicPr>
+            <a:picLocks noChangeAspect="1"/>
+          </p:cNvPicPr>
+          <p:nvPr/>
+        </p:nvPicPr>
+        <p:blipFill>
+          <a:blip r:embed="rId2"/>
+          <a:stretch>
+            <a:fillRect/>
+          </a:stretch>
+        </p:blipFill>
+        <p:spPr>
+          <a:xfrm>
+            <a:off x="3200400" y="2495550"/>
+            <a:ext cx="2800350" cy="638175"/>
+          </a:xfrm>
+          <a:prstGeom prst="rect">
+            <a:avLst/>
+          </a:prstGeom>
+        </p:spPr>
+      </p:pic>
+    </p:spTree>
+    <p:extLst>
+      <p:ext uri="{BB962C8B-B14F-4D97-AF65-F5344CB8AC3E}">
+        <p14:creationId xmlns:p14="http://schemas.microsoft.com/office/powerpoint/2010/main" val="1656362174"/>
+      </p:ext>
+    </p:extLst>
+  </p:cSld>
+  <p:clrMapOvr>
+    <a:masterClrMapping/>
+  </p:clrMapOvr>
+</p:sld>
+</file>
+
+<file path=ppt/slides/slide108.xml><?xml version="1.0" encoding="utf-8"?>
+<p:sld xmlns:a="http://schemas.openxmlformats.org/drawingml/2006/main" xmlns:r="http://schemas.openxmlformats.org/officeDocument/2006/relationships" xmlns:p="http://schemas.openxmlformats.org/presentationml/2006/main">
+  <p:cSld>
+    <p:spTree>
+      <p:nvGrpSpPr>
+        <p:cNvPr id="1" name=""/>
+        <p:cNvGrpSpPr/>
+        <p:nvPr/>
+      </p:nvGrpSpPr>
+      <p:grpSpPr>
+        <a:xfrm>
+          <a:off x="0" y="0"/>
+          <a:ext cx="0" cy="0"/>
+          <a:chOff x="0" y="0"/>
+          <a:chExt cx="0" cy="0"/>
+        </a:xfrm>
+      </p:grpSpPr>
+      <p:sp>
+        <p:nvSpPr>
+          <p:cNvPr id="2" name="Title 1">
+            <a:extLst>
+              <a:ext uri="{FF2B5EF4-FFF2-40B4-BE49-F238E27FC236}">
+                <a16:creationId xmlns:a16="http://schemas.microsoft.com/office/drawing/2014/main" id="{FE1361CA-1610-4EE6-B85E-007ABB96B149}"/>
+              </a:ext>
+            </a:extLst>
+          </p:cNvPr>
+          <p:cNvSpPr>
+            <a:spLocks noGrp="1"/>
+          </p:cNvSpPr>
+          <p:nvPr>
+            <p:ph type="title"/>
+          </p:nvPr>
+        </p:nvSpPr>
+        <p:spPr/>
+        <p:txBody>
+          <a:bodyPr/>
+          <a:lstStyle/>
+          <a:p>
+            <a:r>
+              <a:rPr lang="en-US" dirty="0">
+                <a:latin typeface="+mn-lt"/>
+                <a:ea typeface="Arial"/>
+                <a:cs typeface="Arial"/>
+                <a:sym typeface="Arial"/>
+              </a:rPr>
+              <a:t>Routing &amp; Navigation</a:t>
+            </a:r>
+            <a:endParaRPr lang="en-US" dirty="0"/>
+          </a:p>
+        </p:txBody>
+      </p:sp>
+      <p:sp>
+        <p:nvSpPr>
+          <p:cNvPr id="3" name="Text Placeholder 2">
+            <a:extLst>
+              <a:ext uri="{FF2B5EF4-FFF2-40B4-BE49-F238E27FC236}">
+                <a16:creationId xmlns:a16="http://schemas.microsoft.com/office/drawing/2014/main" id="{50F2859C-AC45-4A23-9271-425287A79844}"/>
+              </a:ext>
+            </a:extLst>
+          </p:cNvPr>
+          <p:cNvSpPr>
+            <a:spLocks noGrp="1"/>
+          </p:cNvSpPr>
+          <p:nvPr>
+            <p:ph type="body" idx="1"/>
+          </p:nvPr>
+        </p:nvSpPr>
+        <p:spPr/>
+        <p:txBody>
+          <a:bodyPr/>
+          <a:lstStyle/>
+          <a:p>
+            <a:endParaRPr lang="en-US"/>
+          </a:p>
+        </p:txBody>
+      </p:sp>
+      <p:pic>
+        <p:nvPicPr>
+          <p:cNvPr id="1026" name="Picture 2" descr="Image for post">
+            <a:extLst>
+              <a:ext uri="{FF2B5EF4-FFF2-40B4-BE49-F238E27FC236}">
+                <a16:creationId xmlns:a16="http://schemas.microsoft.com/office/drawing/2014/main" id="{F456FB96-3E89-420E-9A8D-BADE2450B03B}"/>
+              </a:ext>
+            </a:extLst>
+          </p:cNvPr>
+          <p:cNvPicPr>
+            <a:picLocks noChangeAspect="1" noChangeArrowheads="1"/>
+          </p:cNvPicPr>
+          <p:nvPr/>
+        </p:nvPicPr>
+        <p:blipFill>
+          <a:blip r:embed="rId2">
+            <a:extLst>
+              <a:ext uri="{28A0092B-C50C-407E-A947-70E740481C1C}">
+                <a14:useLocalDpi xmlns:a14="http://schemas.microsoft.com/office/drawing/2010/main" val="0"/>
+              </a:ext>
+            </a:extLst>
+          </a:blip>
+          <a:srcRect/>
+          <a:stretch>
+            <a:fillRect/>
+          </a:stretch>
+        </p:blipFill>
+        <p:spPr bwMode="auto">
+          <a:xfrm>
+            <a:off x="1066163" y="1581150"/>
+            <a:ext cx="7011673" cy="2625725"/>
+          </a:xfrm>
+          <a:prstGeom prst="rect">
+            <a:avLst/>
+          </a:prstGeom>
+          <a:noFill/>
+          <a:extLst>
+            <a:ext uri="{909E8E84-426E-40DD-AFC4-6F175D3DCCD1}">
+              <a14:hiddenFill xmlns:a14="http://schemas.microsoft.com/office/drawing/2010/main">
+                <a:solidFill>
+                  <a:srgbClr val="FFFFFF"/>
+                </a:solidFill>
+              </a14:hiddenFill>
+            </a:ext>
+          </a:extLst>
+        </p:spPr>
+      </p:pic>
+    </p:spTree>
+    <p:extLst>
+      <p:ext uri="{BB962C8B-B14F-4D97-AF65-F5344CB8AC3E}">
+        <p14:creationId xmlns:p14="http://schemas.microsoft.com/office/powerpoint/2010/main" val="904707741"/>
+      </p:ext>
+    </p:extLst>
+  </p:cSld>
+  <p:clrMapOvr>
+    <a:masterClrMapping/>
+  </p:clrMapOvr>
+</p:sld>
+</file>
+
+<file path=ppt/slides/slide109.xml><?xml version="1.0" encoding="utf-8"?>
+<p:sld xmlns:a="http://schemas.openxmlformats.org/drawingml/2006/main" xmlns:r="http://schemas.openxmlformats.org/officeDocument/2006/relationships" xmlns:p="http://schemas.openxmlformats.org/presentationml/2006/main">
+  <p:cSld>
+    <p:spTree>
+      <p:nvGrpSpPr>
+        <p:cNvPr id="1" name=""/>
+        <p:cNvGrpSpPr/>
+        <p:nvPr/>
+      </p:nvGrpSpPr>
+      <p:grpSpPr>
+        <a:xfrm>
+          <a:off x="0" y="0"/>
+          <a:ext cx="0" cy="0"/>
+          <a:chOff x="0" y="0"/>
+          <a:chExt cx="0" cy="0"/>
+        </a:xfrm>
+      </p:grpSpPr>
+      <p:sp>
+        <p:nvSpPr>
+          <p:cNvPr id="2" name="Title 1">
+            <a:extLst>
+              <a:ext uri="{FF2B5EF4-FFF2-40B4-BE49-F238E27FC236}">
+                <a16:creationId xmlns:a16="http://schemas.microsoft.com/office/drawing/2014/main" id="{7DB0845F-5586-486C-8447-8F7A0396923B}"/>
+              </a:ext>
+            </a:extLst>
+          </p:cNvPr>
+          <p:cNvSpPr>
+            <a:spLocks noGrp="1"/>
+          </p:cNvSpPr>
+          <p:nvPr>
+            <p:ph type="title"/>
+          </p:nvPr>
+        </p:nvSpPr>
+        <p:spPr/>
+        <p:txBody>
+          <a:bodyPr/>
+          <a:lstStyle/>
+          <a:p>
+            <a:r>
+              <a:rPr lang="en-US" dirty="0"/>
+              <a:t>Observables &amp; </a:t>
+            </a:r>
+            <a:r>
+              <a:rPr lang="en-US" dirty="0" err="1"/>
+              <a:t>RxJS</a:t>
+            </a:r>
+            <a:endParaRPr lang="en-US" dirty="0"/>
+          </a:p>
+        </p:txBody>
+      </p:sp>
+      <p:sp>
+        <p:nvSpPr>
+          <p:cNvPr id="3" name="Text Placeholder 2">
+            <a:extLst>
+              <a:ext uri="{FF2B5EF4-FFF2-40B4-BE49-F238E27FC236}">
+                <a16:creationId xmlns:a16="http://schemas.microsoft.com/office/drawing/2014/main" id="{0B95089E-10F5-421F-A39C-3D69B2741424}"/>
+              </a:ext>
+            </a:extLst>
+          </p:cNvPr>
+          <p:cNvSpPr>
+            <a:spLocks noGrp="1"/>
+          </p:cNvSpPr>
+          <p:nvPr>
+            <p:ph type="body" idx="1"/>
+          </p:nvPr>
+        </p:nvSpPr>
+        <p:spPr/>
+        <p:txBody>
+          <a:bodyPr/>
+          <a:lstStyle/>
+          <a:p>
+            <a:endParaRPr lang="en-US"/>
+          </a:p>
+        </p:txBody>
+      </p:sp>
+    </p:spTree>
+    <p:extLst>
+      <p:ext uri="{BB962C8B-B14F-4D97-AF65-F5344CB8AC3E}">
+        <p14:creationId xmlns:p14="http://schemas.microsoft.com/office/powerpoint/2010/main" val="3803963555"/>
+      </p:ext>
+    </p:extLst>
+  </p:cSld>
+  <p:clrMapOvr>
+    <a:masterClrMapping/>
+  </p:clrMapOvr>
+</p:sld>
+</file>
+
+<file path=ppt/slides/slide11.xml><?xml version="1.0" encoding="utf-8"?>
+<p:sld xmlns:a="http://schemas.openxmlformats.org/drawingml/2006/main" xmlns:r="http://schemas.openxmlformats.org/officeDocument/2006/relationships" xmlns:p="http://schemas.openxmlformats.org/presentationml/2006/main">
+  <p:cSld>
+    <p:spTree>
+      <p:nvGrpSpPr>
+        <p:cNvPr id="1" name="Shape 118"/>
+        <p:cNvGrpSpPr/>
+        <p:nvPr/>
+      </p:nvGrpSpPr>
+      <p:grpSpPr>
+        <a:xfrm>
+          <a:off x="0" y="0"/>
+          <a:ext cx="0" cy="0"/>
+          <a:chOff x="0" y="0"/>
+          <a:chExt cx="0" cy="0"/>
+        </a:xfrm>
+      </p:grpSpPr>
+      <p:sp>
+        <p:nvSpPr>
+          <p:cNvPr id="119" name="Google Shape;119;p18"/>
+          <p:cNvSpPr txBox="1">
+            <a:spLocks noGrp="1"/>
+          </p:cNvSpPr>
+          <p:nvPr>
+            <p:ph type="title"/>
+          </p:nvPr>
+        </p:nvSpPr>
+        <p:spPr>
+          <a:xfrm>
+            <a:off x="2686874" y="273850"/>
+            <a:ext cx="5828400" cy="640200"/>
+          </a:xfrm>
+          <a:prstGeom prst="rect">
+            <a:avLst/>
+          </a:prstGeom>
+        </p:spPr>
+        <p:txBody>
+          <a:bodyPr spcFirstLastPara="1" wrap="square" lIns="68575" tIns="68575" rIns="68575" bIns="68575" anchor="ctr" anchorCtr="0">
+            <a:noAutofit/>
+          </a:bodyPr>
+          <a:lstStyle/>
+          <a:p>
+            <a:pPr marL="0" lvl="0" indent="0" algn="r" rtl="0">
+              <a:spcBef>
+                <a:spcPts val="0"/>
+              </a:spcBef>
+              <a:spcAft>
+                <a:spcPts val="0"/>
+              </a:spcAft>
+              <a:buNone/>
+            </a:pPr>
+            <a:r>
+              <a:rPr lang="en"/>
+              <a:t>Set up Environment</a:t>
+            </a:r>
+            <a:endParaRPr/>
+          </a:p>
+        </p:txBody>
+      </p:sp>
+      <p:sp>
+        <p:nvSpPr>
+          <p:cNvPr id="120" name="Google Shape;120;p18"/>
+          <p:cNvSpPr txBox="1">
+            <a:spLocks noGrp="1"/>
+          </p:cNvSpPr>
+          <p:nvPr>
+            <p:ph type="body" idx="1"/>
+          </p:nvPr>
+        </p:nvSpPr>
+        <p:spPr>
+          <a:xfrm>
+            <a:off x="628650" y="1369219"/>
+            <a:ext cx="7886700" cy="3263400"/>
+          </a:xfrm>
+          <a:prstGeom prst="rect">
+            <a:avLst/>
+          </a:prstGeom>
+        </p:spPr>
+        <p:txBody>
+          <a:bodyPr spcFirstLastPara="1" wrap="square" lIns="68575" tIns="68575" rIns="68575" bIns="68575" anchor="t" anchorCtr="0">
+            <a:noAutofit/>
+          </a:bodyPr>
+          <a:lstStyle/>
+          <a:p>
+            <a:pPr marL="95250" lvl="0" indent="0">
+              <a:buNone/>
+            </a:pPr>
+            <a:r>
+              <a:rPr lang="en-US" dirty="0"/>
+              <a:t>2. Intro to Yarn</a:t>
+            </a:r>
+            <a:endParaRPr lang="en-US" dirty="0">
+              <a:hlinkClick r:id="rId3"/>
+            </a:endParaRPr>
+          </a:p>
+          <a:p>
+            <a:pPr marL="95250" lvl="0" indent="0">
+              <a:buNone/>
+            </a:pPr>
+            <a:r>
+              <a:rPr lang="en-US" dirty="0">
+                <a:hlinkClick r:id="rId4"/>
+              </a:rPr>
+              <a:t>https://yarnpkg.com/</a:t>
+            </a:r>
+            <a:endParaRPr lang="vi-VN" dirty="0"/>
+          </a:p>
+          <a:p>
+            <a:pPr marL="95250" lvl="0" indent="0">
+              <a:buNone/>
+            </a:pPr>
+            <a:r>
+              <a:rPr lang="en-US" dirty="0">
+                <a:hlinkClick r:id="rId5"/>
+              </a:rPr>
+              <a:t>https://viblo.asia/p/yarn-mot-cai-tien-dang-ke-so-voi-npm-yMnKMqRQK7P</a:t>
+            </a:r>
+            <a:endParaRPr lang="vi-VN" dirty="0"/>
+          </a:p>
+          <a:p>
+            <a:pPr marL="95250" lvl="0" indent="0">
+              <a:buNone/>
+            </a:pPr>
+            <a:endParaRPr dirty="0"/>
+          </a:p>
+        </p:txBody>
+      </p:sp>
+    </p:spTree>
+    <p:extLst>
+      <p:ext uri="{BB962C8B-B14F-4D97-AF65-F5344CB8AC3E}">
+        <p14:creationId xmlns:p14="http://schemas.microsoft.com/office/powerpoint/2010/main" val="1593215966"/>
+      </p:ext>
+    </p:extLst>
+  </p:cSld>
+  <p:clrMapOvr>
+    <a:masterClrMapping/>
+  </p:clrMapOvr>
+</p:sld>
+</file>
+
+<file path=ppt/slides/slide110.xml><?xml version="1.0" encoding="utf-8"?>
+<p:sld xmlns:a="http://schemas.openxmlformats.org/drawingml/2006/main" xmlns:r="http://schemas.openxmlformats.org/officeDocument/2006/relationships" xmlns:p="http://schemas.openxmlformats.org/presentationml/2006/main">
+  <p:cSld>
+    <p:spTree>
+      <p:nvGrpSpPr>
+        <p:cNvPr id="1" name=""/>
+        <p:cNvGrpSpPr/>
+        <p:nvPr/>
+      </p:nvGrpSpPr>
+      <p:grpSpPr>
+        <a:xfrm>
+          <a:off x="0" y="0"/>
+          <a:ext cx="0" cy="0"/>
+          <a:chOff x="0" y="0"/>
+          <a:chExt cx="0" cy="0"/>
+        </a:xfrm>
+      </p:grpSpPr>
+      <p:sp>
+        <p:nvSpPr>
+          <p:cNvPr id="2" name="Title 1"/>
+          <p:cNvSpPr>
+            <a:spLocks noGrp="1"/>
+          </p:cNvSpPr>
+          <p:nvPr>
+            <p:ph type="title"/>
+          </p:nvPr>
+        </p:nvSpPr>
+        <p:spPr/>
+        <p:txBody>
+          <a:bodyPr/>
+          <a:lstStyle/>
+          <a:p>
+            <a:r>
+              <a:rPr lang="en-US" dirty="0"/>
+              <a:t>Observables &amp; </a:t>
+            </a:r>
+            <a:r>
+              <a:rPr lang="en-US" dirty="0" err="1"/>
+              <a:t>RxJS</a:t>
+            </a:r>
+            <a:endParaRPr lang="en-US" dirty="0"/>
+          </a:p>
+        </p:txBody>
+      </p:sp>
+      <p:sp>
+        <p:nvSpPr>
+          <p:cNvPr id="3" name="Text Placeholder 2"/>
+          <p:cNvSpPr>
+            <a:spLocks noGrp="1"/>
+          </p:cNvSpPr>
+          <p:nvPr>
+            <p:ph type="body" idx="1"/>
+          </p:nvPr>
+        </p:nvSpPr>
+        <p:spPr/>
+        <p:txBody>
+          <a:bodyPr/>
+          <a:lstStyle/>
+          <a:p>
+            <a:r>
+              <a:rPr lang="en-US" dirty="0">
+                <a:hlinkClick r:id="rId2"/>
+              </a:rPr>
+              <a:t>https://rxjs-dev.firebaseapp.com/guide/observable</a:t>
+            </a:r>
+            <a:endParaRPr lang="vi-VN" dirty="0"/>
+          </a:p>
+          <a:p>
+            <a:r>
+              <a:rPr lang="en-US" dirty="0">
+                <a:hlinkClick r:id="rId3"/>
+              </a:rPr>
+              <a:t>https://www.learnrxjs.io/</a:t>
+            </a:r>
+            <a:endParaRPr lang="vi-VN" dirty="0"/>
+          </a:p>
+          <a:p>
+            <a:r>
+              <a:rPr lang="en-US" dirty="0">
+                <a:hlinkClick r:id="rId4"/>
+              </a:rPr>
+              <a:t>http://reactivex.io/documentation/observable.html</a:t>
+            </a:r>
+            <a:endParaRPr lang="vi-VN" dirty="0"/>
+          </a:p>
+          <a:p>
+            <a:r>
+              <a:rPr lang="en-US" dirty="0">
+                <a:hlinkClick r:id="rId5"/>
+              </a:rPr>
+              <a:t>https://developer.mozilla.org/vi/docs/Web/JavaScript/Reference/Statements/async_function</a:t>
+            </a:r>
+            <a:endParaRPr lang="vi-VN" dirty="0"/>
+          </a:p>
+          <a:p>
+            <a:r>
+              <a:rPr lang="en-US" dirty="0">
+                <a:hlinkClick r:id="rId6"/>
+              </a:rPr>
+              <a:t>https://techtalk.vn/chon-promise-hay-observable-khi-lam-viec-voi-angular.html</a:t>
+            </a:r>
+            <a:endParaRPr lang="en-US" dirty="0"/>
+          </a:p>
+        </p:txBody>
+      </p:sp>
+    </p:spTree>
+    <p:extLst>
+      <p:ext uri="{BB962C8B-B14F-4D97-AF65-F5344CB8AC3E}">
+        <p14:creationId xmlns:p14="http://schemas.microsoft.com/office/powerpoint/2010/main" val="2789207468"/>
+      </p:ext>
+    </p:extLst>
+  </p:cSld>
+  <p:clrMapOvr>
+    <a:masterClrMapping/>
+  </p:clrMapOvr>
+</p:sld>
+</file>
+
+<file path=ppt/slides/slide111.xml><?xml version="1.0" encoding="utf-8"?>
+<p:sld xmlns:a="http://schemas.openxmlformats.org/drawingml/2006/main" xmlns:r="http://schemas.openxmlformats.org/officeDocument/2006/relationships" xmlns:p="http://schemas.openxmlformats.org/presentationml/2006/main">
+  <p:cSld>
+    <p:spTree>
+      <p:nvGrpSpPr>
+        <p:cNvPr id="1" name=""/>
+        <p:cNvGrpSpPr/>
+        <p:nvPr/>
+      </p:nvGrpSpPr>
+      <p:grpSpPr>
+        <a:xfrm>
+          <a:off x="0" y="0"/>
+          <a:ext cx="0" cy="0"/>
+          <a:chOff x="0" y="0"/>
+          <a:chExt cx="0" cy="0"/>
+        </a:xfrm>
+      </p:grpSpPr>
+      <p:sp>
+        <p:nvSpPr>
+          <p:cNvPr id="2" name="Title 1"/>
+          <p:cNvSpPr>
+            <a:spLocks noGrp="1"/>
+          </p:cNvSpPr>
+          <p:nvPr>
+            <p:ph type="title"/>
+          </p:nvPr>
+        </p:nvSpPr>
+        <p:spPr/>
+        <p:txBody>
+          <a:bodyPr/>
+          <a:lstStyle/>
+          <a:p>
+            <a:r>
+              <a:rPr lang="en-US" dirty="0"/>
+              <a:t>Observables &amp; </a:t>
+            </a:r>
+            <a:r>
+              <a:rPr lang="en-US" dirty="0" err="1"/>
+              <a:t>RxJS</a:t>
+            </a:r>
+            <a:endParaRPr lang="en-US" dirty="0"/>
+          </a:p>
+        </p:txBody>
+      </p:sp>
+      <p:sp>
+        <p:nvSpPr>
+          <p:cNvPr id="3" name="Text Placeholder 2"/>
+          <p:cNvSpPr>
+            <a:spLocks noGrp="1"/>
+          </p:cNvSpPr>
+          <p:nvPr>
+            <p:ph type="body" idx="1"/>
+          </p:nvPr>
+        </p:nvSpPr>
+        <p:spPr/>
+        <p:txBody>
+          <a:bodyPr/>
+          <a:lstStyle/>
+          <a:p>
+            <a:r>
               <a:rPr lang="vi-VN" dirty="0"/>
               <a:t>D</a:t>
             </a:r>
@@ -17341,17 +18374,10 @@
   <p:clrMapOvr>
     <a:masterClrMapping/>
   </p:clrMapOvr>
-  <p:timing>
-    <p:tnLst>
-      <p:par>
-        <p:cTn id="1" dur="indefinite" restart="never" nodeType="tmRoot"/>
-      </p:par>
-    </p:tnLst>
-  </p:timing>
 </p:sld>
 </file>
 
-<file path=ppt/slides/slide106.xml><?xml version="1.0" encoding="utf-8"?>
+<file path=ppt/slides/slide112.xml><?xml version="1.0" encoding="utf-8"?>
 <p:sld xmlns:a="http://schemas.openxmlformats.org/drawingml/2006/main" xmlns:r="http://schemas.openxmlformats.org/officeDocument/2006/relationships" xmlns:p="http://schemas.openxmlformats.org/presentationml/2006/main">
   <p:cSld>
     <p:spTree>
@@ -17464,17 +18490,10 @@
   <p:clrMapOvr>
     <a:masterClrMapping/>
   </p:clrMapOvr>
-  <p:timing>
-    <p:tnLst>
-      <p:par>
-        <p:cTn id="1" dur="indefinite" restart="never" nodeType="tmRoot"/>
-      </p:par>
-    </p:tnLst>
-  </p:timing>
 </p:sld>
 </file>
 
-<file path=ppt/slides/slide107.xml><?xml version="1.0" encoding="utf-8"?>
+<file path=ppt/slides/slide113.xml><?xml version="1.0" encoding="utf-8"?>
 <p:sld xmlns:a="http://schemas.openxmlformats.org/drawingml/2006/main" xmlns:r="http://schemas.openxmlformats.org/officeDocument/2006/relationships" xmlns:p="http://schemas.openxmlformats.org/presentationml/2006/main">
   <p:cSld>
     <p:spTree>
@@ -17588,17 +18607,10 @@
   <p:clrMapOvr>
     <a:masterClrMapping/>
   </p:clrMapOvr>
-  <p:timing>
-    <p:tnLst>
-      <p:par>
-        <p:cTn id="1" dur="indefinite" restart="never" nodeType="tmRoot"/>
-      </p:par>
-    </p:tnLst>
-  </p:timing>
 </p:sld>
 </file>
 
-<file path=ppt/slides/slide108.xml><?xml version="1.0" encoding="utf-8"?>
+<file path=ppt/slides/slide114.xml><?xml version="1.0" encoding="utf-8"?>
 <p:sld xmlns:a="http://schemas.openxmlformats.org/drawingml/2006/main" xmlns:r="http://schemas.openxmlformats.org/officeDocument/2006/relationships" xmlns:p="http://schemas.openxmlformats.org/presentationml/2006/main">
   <p:cSld>
     <p:spTree>
@@ -17711,17 +18723,10 @@
   <p:clrMapOvr>
     <a:masterClrMapping/>
   </p:clrMapOvr>
-  <p:timing>
-    <p:tnLst>
-      <p:par>
-        <p:cTn id="1" dur="indefinite" restart="never" nodeType="tmRoot"/>
-      </p:par>
-    </p:tnLst>
-  </p:timing>
 </p:sld>
 </file>
 
-<file path=ppt/slides/slide109.xml><?xml version="1.0" encoding="utf-8"?>
+<file path=ppt/slides/slide115.xml><?xml version="1.0" encoding="utf-8"?>
 <p:sld xmlns:a="http://schemas.openxmlformats.org/drawingml/2006/main" xmlns:r="http://schemas.openxmlformats.org/officeDocument/2006/relationships" xmlns:p="http://schemas.openxmlformats.org/presentationml/2006/main">
   <p:cSld>
     <p:spTree>
@@ -17857,164 +18862,10 @@
   <p:clrMapOvr>
     <a:masterClrMapping/>
   </p:clrMapOvr>
-  <p:timing>
-    <p:tnLst>
-      <p:par>
-        <p:cTn id="1" dur="indefinite" restart="never" nodeType="tmRoot"/>
-      </p:par>
-    </p:tnLst>
-  </p:timing>
 </p:sld>
 </file>
 
-<file path=ppt/slides/slide11.xml><?xml version="1.0" encoding="utf-8"?>
-<p:sld xmlns:a="http://schemas.openxmlformats.org/drawingml/2006/main" xmlns:r="http://schemas.openxmlformats.org/officeDocument/2006/relationships" xmlns:p="http://schemas.openxmlformats.org/presentationml/2006/main">
-  <p:cSld>
-    <p:spTree>
-      <p:nvGrpSpPr>
-        <p:cNvPr id="1" name="Shape 118"/>
-        <p:cNvGrpSpPr/>
-        <p:nvPr/>
-      </p:nvGrpSpPr>
-      <p:grpSpPr>
-        <a:xfrm>
-          <a:off x="0" y="0"/>
-          <a:ext cx="0" cy="0"/>
-          <a:chOff x="0" y="0"/>
-          <a:chExt cx="0" cy="0"/>
-        </a:xfrm>
-      </p:grpSpPr>
-      <p:sp>
-        <p:nvSpPr>
-          <p:cNvPr id="119" name="Google Shape;119;p18"/>
-          <p:cNvSpPr txBox="1">
-            <a:spLocks noGrp="1"/>
-          </p:cNvSpPr>
-          <p:nvPr>
-            <p:ph type="title"/>
-          </p:nvPr>
-        </p:nvSpPr>
-        <p:spPr>
-          <a:xfrm>
-            <a:off x="2686874" y="273850"/>
-            <a:ext cx="5828400" cy="640200"/>
-          </a:xfrm>
-          <a:prstGeom prst="rect">
-            <a:avLst/>
-          </a:prstGeom>
-        </p:spPr>
-        <p:txBody>
-          <a:bodyPr spcFirstLastPara="1" wrap="square" lIns="68575" tIns="68575" rIns="68575" bIns="68575" anchor="ctr" anchorCtr="0">
-            <a:noAutofit/>
-          </a:bodyPr>
-          <a:lstStyle/>
-          <a:p>
-            <a:pPr marL="0" lvl="0" indent="0" algn="r" rtl="0">
-              <a:spcBef>
-                <a:spcPts val="0"/>
-              </a:spcBef>
-              <a:spcAft>
-                <a:spcPts val="0"/>
-              </a:spcAft>
-              <a:buNone/>
-            </a:pPr>
-            <a:r>
-              <a:rPr lang="en"/>
-              <a:t>Set up Environment</a:t>
-            </a:r>
-            <a:endParaRPr/>
-          </a:p>
-        </p:txBody>
-      </p:sp>
-      <p:sp>
-        <p:nvSpPr>
-          <p:cNvPr id="120" name="Google Shape;120;p18"/>
-          <p:cNvSpPr txBox="1">
-            <a:spLocks noGrp="1"/>
-          </p:cNvSpPr>
-          <p:nvPr>
-            <p:ph type="body" idx="1"/>
-          </p:nvPr>
-        </p:nvSpPr>
-        <p:spPr>
-          <a:xfrm>
-            <a:off x="628650" y="1369219"/>
-            <a:ext cx="7886700" cy="3263400"/>
-          </a:xfrm>
-          <a:prstGeom prst="rect">
-            <a:avLst/>
-          </a:prstGeom>
-        </p:spPr>
-        <p:txBody>
-          <a:bodyPr spcFirstLastPara="1" wrap="square" lIns="68575" tIns="68575" rIns="68575" bIns="68575" anchor="t" anchorCtr="0">
-            <a:noAutofit/>
-          </a:bodyPr>
-          <a:lstStyle/>
-          <a:p>
-            <a:pPr marL="95250" lvl="0" indent="0">
-              <a:buNone/>
-            </a:pPr>
-            <a:r>
-              <a:rPr lang="en-US" dirty="0"/>
-              <a:t>2. Intro to Yarn</a:t>
-            </a:r>
-            <a:endParaRPr lang="en-US" dirty="0">
-              <a:hlinkClick r:id="rId3"/>
-            </a:endParaRPr>
-          </a:p>
-          <a:p>
-            <a:pPr marL="95250" lvl="0" indent="0">
-              <a:buNone/>
-            </a:pPr>
-            <a:r>
-              <a:rPr lang="en-US" dirty="0">
-                <a:hlinkClick r:id="rId4"/>
-              </a:rPr>
-              <a:t>https://yarnpkg.com/</a:t>
-            </a:r>
-            <a:endParaRPr lang="vi-VN" dirty="0"/>
-          </a:p>
-          <a:p>
-            <a:pPr marL="95250" lvl="0" indent="0">
-              <a:buNone/>
-            </a:pPr>
-            <a:r>
-              <a:rPr lang="en-US" dirty="0">
-                <a:hlinkClick r:id="rId5"/>
-              </a:rPr>
-              <a:t>https://viblo.asia/p/yarn-mot-cai-tien-dang-ke-so-voi-npm-yMnKMqRQK7P</a:t>
-            </a:r>
-            <a:endParaRPr lang="vi-VN" dirty="0"/>
-          </a:p>
-          <a:p>
-            <a:pPr marL="95250" lvl="0" indent="0">
-              <a:buNone/>
-            </a:pPr>
-            <a:endParaRPr dirty="0"/>
-          </a:p>
-        </p:txBody>
-      </p:sp>
-    </p:spTree>
-    <p:extLst>
-      <p:ext uri="{BB962C8B-B14F-4D97-AF65-F5344CB8AC3E}">
-        <p14:creationId xmlns:p14="http://schemas.microsoft.com/office/powerpoint/2010/main" val="1593215966"/>
-      </p:ext>
-    </p:extLst>
-  </p:cSld>
-  <p:clrMapOvr>
-    <a:masterClrMapping/>
-  </p:clrMapOvr>
-  <p:timing>
-    <p:tnLst>
-      <p:par>
-        <p:cTn id="1" dur="indefinite" restart="never" nodeType="tmRoot"/>
-      </p:par>
-    </p:tnLst>
-  </p:timing>
-</p:sld>
-</file>
-
-<file path=ppt/slides/slide110.xml><?xml version="1.0" encoding="utf-8"?>
+<file path=ppt/slides/slide116.xml><?xml version="1.0" encoding="utf-8"?>
 <p:sld xmlns:a="http://schemas.openxmlformats.org/drawingml/2006/main" xmlns:r="http://schemas.openxmlformats.org/officeDocument/2006/relationships" xmlns:p="http://schemas.openxmlformats.org/presentationml/2006/main">
   <p:cSld>
     <p:spTree>
@@ -18036,7 +18887,7 @@
           <p:cNvPr id="2" name="Title 1">
             <a:extLst>
               <a:ext uri="{FF2B5EF4-FFF2-40B4-BE49-F238E27FC236}">
-                <a16:creationId xmlns="" xmlns:a16="http://schemas.microsoft.com/office/drawing/2014/main" id="{14188570-52C0-499D-A1F9-CEB8C4D140AC}"/>
+                <a16:creationId xmlns:a16="http://schemas.microsoft.com/office/drawing/2014/main" id="{14188570-52C0-499D-A1F9-CEB8C4D140AC}"/>
               </a:ext>
             </a:extLst>
           </p:cNvPr>
@@ -18061,7 +18912,7 @@
           <p:cNvPr id="3" name="Text Placeholder 2">
             <a:extLst>
               <a:ext uri="{FF2B5EF4-FFF2-40B4-BE49-F238E27FC236}">
-                <a16:creationId xmlns="" xmlns:a16="http://schemas.microsoft.com/office/drawing/2014/main" id="{076AC046-A5A2-41A8-93D3-574CB73A9183}"/>
+                <a16:creationId xmlns:a16="http://schemas.microsoft.com/office/drawing/2014/main" id="{076AC046-A5A2-41A8-93D3-574CB73A9183}"/>
               </a:ext>
             </a:extLst>
           </p:cNvPr>
@@ -18096,7 +18947,7 @@
           <p:cNvPr id="6" name="Picture 5">
             <a:extLst>
               <a:ext uri="{FF2B5EF4-FFF2-40B4-BE49-F238E27FC236}">
-                <a16:creationId xmlns="" xmlns:a16="http://schemas.microsoft.com/office/drawing/2014/main" id="{7816312E-1292-4F93-99B3-B6E03BF4C65B}"/>
+                <a16:creationId xmlns:a16="http://schemas.microsoft.com/office/drawing/2014/main" id="{7816312E-1292-4F93-99B3-B6E03BF4C65B}"/>
               </a:ext>
             </a:extLst>
           </p:cNvPr>
@@ -18126,7 +18977,7 @@
           <p:cNvPr id="7" name="Picture 6">
             <a:extLst>
               <a:ext uri="{FF2B5EF4-FFF2-40B4-BE49-F238E27FC236}">
-                <a16:creationId xmlns="" xmlns:a16="http://schemas.microsoft.com/office/drawing/2014/main" id="{CC57AC0F-E0B8-4664-87EF-398F84A8C34C}"/>
+                <a16:creationId xmlns:a16="http://schemas.microsoft.com/office/drawing/2014/main" id="{CC57AC0F-E0B8-4664-87EF-398F84A8C34C}"/>
               </a:ext>
             </a:extLst>
           </p:cNvPr>
@@ -18164,7 +19015,7 @@
 </p:sld>
 </file>
 
-<file path=ppt/slides/slide111.xml><?xml version="1.0" encoding="utf-8"?>
+<file path=ppt/slides/slide117.xml><?xml version="1.0" encoding="utf-8"?>
 <p:sld xmlns:a="http://schemas.openxmlformats.org/drawingml/2006/main" xmlns:r="http://schemas.openxmlformats.org/officeDocument/2006/relationships" xmlns:p="http://schemas.openxmlformats.org/presentationml/2006/main">
   <p:cSld>
     <p:spTree>
@@ -18186,7 +19037,7 @@
           <p:cNvPr id="2" name="Title 1">
             <a:extLst>
               <a:ext uri="{FF2B5EF4-FFF2-40B4-BE49-F238E27FC236}">
-                <a16:creationId xmlns="" xmlns:a16="http://schemas.microsoft.com/office/drawing/2014/main" id="{66FE7FBB-25AE-4F55-88FA-6C134DD61D68}"/>
+                <a16:creationId xmlns:a16="http://schemas.microsoft.com/office/drawing/2014/main" id="{66FE7FBB-25AE-4F55-88FA-6C134DD61D68}"/>
               </a:ext>
             </a:extLst>
           </p:cNvPr>
@@ -18211,7 +19062,7 @@
           <p:cNvPr id="3" name="Text Placeholder 2">
             <a:extLst>
               <a:ext uri="{FF2B5EF4-FFF2-40B4-BE49-F238E27FC236}">
-                <a16:creationId xmlns="" xmlns:a16="http://schemas.microsoft.com/office/drawing/2014/main" id="{44A61E20-B4B6-4440-96D4-DDF9F0C42C7A}"/>
+                <a16:creationId xmlns:a16="http://schemas.microsoft.com/office/drawing/2014/main" id="{44A61E20-B4B6-4440-96D4-DDF9F0C42C7A}"/>
               </a:ext>
             </a:extLst>
           </p:cNvPr>
@@ -18261,7 +19112,7 @@
 </p:sld>
 </file>
 
-<file path=ppt/slides/slide112.xml><?xml version="1.0" encoding="utf-8"?>
+<file path=ppt/slides/slide118.xml><?xml version="1.0" encoding="utf-8"?>
 <p:sld xmlns:a="http://schemas.openxmlformats.org/drawingml/2006/main" xmlns:r="http://schemas.openxmlformats.org/officeDocument/2006/relationships" xmlns:p="http://schemas.openxmlformats.org/presentationml/2006/main">
   <p:cSld>
     <p:spTree>
@@ -18283,7 +19134,7 @@
           <p:cNvPr id="2" name="Title 1">
             <a:extLst>
               <a:ext uri="{FF2B5EF4-FFF2-40B4-BE49-F238E27FC236}">
-                <a16:creationId xmlns="" xmlns:a16="http://schemas.microsoft.com/office/drawing/2014/main" id="{87A9FF73-A801-4B1F-B6C6-242B2DBA852D}"/>
+                <a16:creationId xmlns:a16="http://schemas.microsoft.com/office/drawing/2014/main" id="{87A9FF73-A801-4B1F-B6C6-242B2DBA852D}"/>
               </a:ext>
             </a:extLst>
           </p:cNvPr>
@@ -18312,7 +19163,7 @@
           <p:cNvPr id="3" name="Text Placeholder 2">
             <a:extLst>
               <a:ext uri="{FF2B5EF4-FFF2-40B4-BE49-F238E27FC236}">
-                <a16:creationId xmlns="" xmlns:a16="http://schemas.microsoft.com/office/drawing/2014/main" id="{24B21FB8-8E8C-48DA-A9B4-D95CAAAF9C56}"/>
+                <a16:creationId xmlns:a16="http://schemas.microsoft.com/office/drawing/2014/main" id="{24B21FB8-8E8C-48DA-A9B4-D95CAAAF9C56}"/>
               </a:ext>
             </a:extLst>
           </p:cNvPr>
@@ -18426,7 +19277,7 @@
 </p:sld>
 </file>
 
-<file path=ppt/slides/slide113.xml><?xml version="1.0" encoding="utf-8"?>
+<file path=ppt/slides/slide119.xml><?xml version="1.0" encoding="utf-8"?>
 <p:sld xmlns:a="http://schemas.openxmlformats.org/drawingml/2006/main" xmlns:r="http://schemas.openxmlformats.org/officeDocument/2006/relationships" xmlns:p="http://schemas.openxmlformats.org/presentationml/2006/main">
   <p:cSld>
     <p:spTree>
@@ -18448,7 +19299,7 @@
           <p:cNvPr id="2" name="Title 1">
             <a:extLst>
               <a:ext uri="{FF2B5EF4-FFF2-40B4-BE49-F238E27FC236}">
-                <a16:creationId xmlns="" xmlns:a16="http://schemas.microsoft.com/office/drawing/2014/main" id="{7DA28761-D2FA-43C5-9AD4-D72F303C532F}"/>
+                <a16:creationId xmlns:a16="http://schemas.microsoft.com/office/drawing/2014/main" id="{7DA28761-D2FA-43C5-9AD4-D72F303C532F}"/>
               </a:ext>
             </a:extLst>
           </p:cNvPr>
@@ -18473,7 +19324,7 @@
           <p:cNvPr id="3" name="Text Placeholder 2">
             <a:extLst>
               <a:ext uri="{FF2B5EF4-FFF2-40B4-BE49-F238E27FC236}">
-                <a16:creationId xmlns="" xmlns:a16="http://schemas.microsoft.com/office/drawing/2014/main" id="{0A2C4502-1A10-4641-B374-3E11BBA6F0DA}"/>
+                <a16:creationId xmlns:a16="http://schemas.microsoft.com/office/drawing/2014/main" id="{0A2C4502-1A10-4641-B374-3E11BBA6F0DA}"/>
               </a:ext>
             </a:extLst>
           </p:cNvPr>
@@ -18498,7 +19349,7 @@
           <p:cNvPr id="5" name="Picture 4">
             <a:extLst>
               <a:ext uri="{FF2B5EF4-FFF2-40B4-BE49-F238E27FC236}">
-                <a16:creationId xmlns="" xmlns:a16="http://schemas.microsoft.com/office/drawing/2014/main" id="{807634FA-008F-4E87-951F-3CA12314CCBB}"/>
+                <a16:creationId xmlns:a16="http://schemas.microsoft.com/office/drawing/2014/main" id="{807634FA-008F-4E87-951F-3CA12314CCBB}"/>
               </a:ext>
             </a:extLst>
           </p:cNvPr>
@@ -18527,591 +19378,6 @@
     <p:extLst>
       <p:ext uri="{BB962C8B-B14F-4D97-AF65-F5344CB8AC3E}">
         <p14:creationId xmlns:p14="http://schemas.microsoft.com/office/powerpoint/2010/main" val="3445821604"/>
-      </p:ext>
-    </p:extLst>
-  </p:cSld>
-  <p:clrMapOvr>
-    <a:masterClrMapping/>
-  </p:clrMapOvr>
-</p:sld>
-</file>
-
-<file path=ppt/slides/slide114.xml><?xml version="1.0" encoding="utf-8"?>
-<p:sld xmlns:a="http://schemas.openxmlformats.org/drawingml/2006/main" xmlns:r="http://schemas.openxmlformats.org/officeDocument/2006/relationships" xmlns:p="http://schemas.openxmlformats.org/presentationml/2006/main">
-  <p:cSld>
-    <p:spTree>
-      <p:nvGrpSpPr>
-        <p:cNvPr id="1" name=""/>
-        <p:cNvGrpSpPr/>
-        <p:nvPr/>
-      </p:nvGrpSpPr>
-      <p:grpSpPr>
-        <a:xfrm>
-          <a:off x="0" y="0"/>
-          <a:ext cx="0" cy="0"/>
-          <a:chOff x="0" y="0"/>
-          <a:chExt cx="0" cy="0"/>
-        </a:xfrm>
-      </p:grpSpPr>
-      <p:sp>
-        <p:nvSpPr>
-          <p:cNvPr id="2" name="Title 1">
-            <a:extLst>
-              <a:ext uri="{FF2B5EF4-FFF2-40B4-BE49-F238E27FC236}">
-                <a16:creationId xmlns="" xmlns:a16="http://schemas.microsoft.com/office/drawing/2014/main" id="{63C2B654-3331-4688-862F-DEF0F6D663BB}"/>
-              </a:ext>
-            </a:extLst>
-          </p:cNvPr>
-          <p:cNvSpPr>
-            <a:spLocks noGrp="1"/>
-          </p:cNvSpPr>
-          <p:nvPr>
-            <p:ph type="title"/>
-          </p:nvPr>
-        </p:nvSpPr>
-        <p:spPr/>
-        <p:txBody>
-          <a:bodyPr/>
-          <a:lstStyle/>
-          <a:p>
-            <a:endParaRPr lang="en-US"/>
-          </a:p>
-        </p:txBody>
-      </p:sp>
-      <p:sp>
-        <p:nvSpPr>
-          <p:cNvPr id="3" name="Text Placeholder 2">
-            <a:extLst>
-              <a:ext uri="{FF2B5EF4-FFF2-40B4-BE49-F238E27FC236}">
-                <a16:creationId xmlns="" xmlns:a16="http://schemas.microsoft.com/office/drawing/2014/main" id="{6DA64C03-1AD9-4F07-BAFC-A0CD8158A822}"/>
-              </a:ext>
-            </a:extLst>
-          </p:cNvPr>
-          <p:cNvSpPr>
-            <a:spLocks noGrp="1"/>
-          </p:cNvSpPr>
-          <p:nvPr>
-            <p:ph type="body" idx="1"/>
-          </p:nvPr>
-        </p:nvSpPr>
-        <p:spPr/>
-        <p:txBody>
-          <a:bodyPr/>
-          <a:lstStyle/>
-          <a:p>
-            <a:r>
-              <a:rPr lang="vi-VN" dirty="0"/>
-              <a:t>Example for filter</a:t>
-            </a:r>
-            <a:endParaRPr lang="en-US" dirty="0"/>
-          </a:p>
-        </p:txBody>
-      </p:sp>
-      <p:pic>
-        <p:nvPicPr>
-          <p:cNvPr id="4098" name="Picture 2" descr="filter marble diagram">
-            <a:extLst>
-              <a:ext uri="{FF2B5EF4-FFF2-40B4-BE49-F238E27FC236}">
-                <a16:creationId xmlns="" xmlns:a16="http://schemas.microsoft.com/office/drawing/2014/main" id="{177DC7A3-F46C-4A58-B30B-712064D34494}"/>
-              </a:ext>
-            </a:extLst>
-          </p:cNvPr>
-          <p:cNvPicPr>
-            <a:picLocks noChangeAspect="1" noChangeArrowheads="1"/>
-          </p:cNvPicPr>
-          <p:nvPr/>
-        </p:nvPicPr>
-        <p:blipFill>
-          <a:blip r:embed="rId2">
-            <a:extLst>
-              <a:ext uri="{28A0092B-C50C-407E-A947-70E740481C1C}">
-                <a14:useLocalDpi xmlns:a14="http://schemas.microsoft.com/office/drawing/2010/main" val="0"/>
-              </a:ext>
-            </a:extLst>
-          </a:blip>
-          <a:srcRect/>
-          <a:stretch>
-            <a:fillRect/>
-          </a:stretch>
-        </p:blipFill>
-        <p:spPr bwMode="auto">
-          <a:xfrm>
-            <a:off x="1371600" y="1885950"/>
-            <a:ext cx="6705600" cy="2828925"/>
-          </a:xfrm>
-          <a:prstGeom prst="rect">
-            <a:avLst/>
-          </a:prstGeom>
-          <a:noFill/>
-          <a:extLst>
-            <a:ext uri="{909E8E84-426E-40DD-AFC4-6F175D3DCCD1}">
-              <a14:hiddenFill xmlns:a14="http://schemas.microsoft.com/office/drawing/2010/main">
-                <a:solidFill>
-                  <a:srgbClr val="FFFFFF"/>
-                </a:solidFill>
-              </a14:hiddenFill>
-            </a:ext>
-          </a:extLst>
-        </p:spPr>
-      </p:pic>
-    </p:spTree>
-    <p:extLst>
-      <p:ext uri="{BB962C8B-B14F-4D97-AF65-F5344CB8AC3E}">
-        <p14:creationId xmlns:p14="http://schemas.microsoft.com/office/powerpoint/2010/main" val="3555042575"/>
-      </p:ext>
-    </p:extLst>
-  </p:cSld>
-  <p:clrMapOvr>
-    <a:masterClrMapping/>
-  </p:clrMapOvr>
-</p:sld>
-</file>
-
-<file path=ppt/slides/slide115.xml><?xml version="1.0" encoding="utf-8"?>
-<p:sld xmlns:a="http://schemas.openxmlformats.org/drawingml/2006/main" xmlns:r="http://schemas.openxmlformats.org/officeDocument/2006/relationships" xmlns:p="http://schemas.openxmlformats.org/presentationml/2006/main">
-  <p:cSld>
-    <p:spTree>
-      <p:nvGrpSpPr>
-        <p:cNvPr id="1" name=""/>
-        <p:cNvGrpSpPr/>
-        <p:nvPr/>
-      </p:nvGrpSpPr>
-      <p:grpSpPr>
-        <a:xfrm>
-          <a:off x="0" y="0"/>
-          <a:ext cx="0" cy="0"/>
-          <a:chOff x="0" y="0"/>
-          <a:chExt cx="0" cy="0"/>
-        </a:xfrm>
-      </p:grpSpPr>
-      <p:sp>
-        <p:nvSpPr>
-          <p:cNvPr id="2" name="Title 1">
-            <a:extLst>
-              <a:ext uri="{FF2B5EF4-FFF2-40B4-BE49-F238E27FC236}">
-                <a16:creationId xmlns="" xmlns:a16="http://schemas.microsoft.com/office/drawing/2014/main" id="{ED77B932-BCE9-4176-A7A0-3450503D6FCA}"/>
-              </a:ext>
-            </a:extLst>
-          </p:cNvPr>
-          <p:cNvSpPr>
-            <a:spLocks noGrp="1"/>
-          </p:cNvSpPr>
-          <p:nvPr>
-            <p:ph type="title"/>
-          </p:nvPr>
-        </p:nvSpPr>
-        <p:spPr/>
-        <p:txBody>
-          <a:bodyPr/>
-          <a:lstStyle/>
-          <a:p>
-            <a:endParaRPr lang="en-US"/>
-          </a:p>
-        </p:txBody>
-      </p:sp>
-      <p:sp>
-        <p:nvSpPr>
-          <p:cNvPr id="3" name="Text Placeholder 2">
-            <a:extLst>
-              <a:ext uri="{FF2B5EF4-FFF2-40B4-BE49-F238E27FC236}">
-                <a16:creationId xmlns="" xmlns:a16="http://schemas.microsoft.com/office/drawing/2014/main" id="{29B32E58-A879-4BA5-9330-3DA726A4BB02}"/>
-              </a:ext>
-            </a:extLst>
-          </p:cNvPr>
-          <p:cNvSpPr>
-            <a:spLocks noGrp="1"/>
-          </p:cNvSpPr>
-          <p:nvPr>
-            <p:ph type="body" idx="1"/>
-          </p:nvPr>
-        </p:nvSpPr>
-        <p:spPr/>
-        <p:txBody>
-          <a:bodyPr/>
-          <a:lstStyle/>
-          <a:p>
-            <a:r>
-              <a:rPr lang="en-US" dirty="0"/>
-              <a:t>Subject</a:t>
-            </a:r>
-            <a:endParaRPr lang="vi-VN" dirty="0"/>
-          </a:p>
-          <a:p>
-            <a:pPr lvl="1"/>
-            <a:r>
-              <a:rPr lang="vi-VN" dirty="0"/>
-              <a:t>A</a:t>
-            </a:r>
-            <a:r>
-              <a:rPr lang="en-US" dirty="0"/>
-              <a:t> special type of Observable that allows values to be </a:t>
-            </a:r>
-            <a:r>
-              <a:rPr lang="en-US" dirty="0" err="1"/>
-              <a:t>multicasted</a:t>
-            </a:r>
-            <a:r>
-              <a:rPr lang="en-US" dirty="0"/>
-              <a:t> to many Observers. </a:t>
-            </a:r>
-            <a:endParaRPr lang="vi-VN" dirty="0"/>
-          </a:p>
-          <a:p>
-            <a:pPr lvl="1"/>
-            <a:r>
-              <a:rPr lang="en-US" dirty="0"/>
-              <a:t>Every Subject is an Observable. Given a Subject, you can subscribe to it, providing an Observer, which will start receiving values normally.</a:t>
-            </a:r>
-            <a:endParaRPr lang="vi-VN" dirty="0"/>
-          </a:p>
-          <a:p>
-            <a:pPr lvl="1"/>
-            <a:r>
-              <a:rPr lang="en-US" dirty="0"/>
-              <a:t>Every Subject is an Observer. It is an object with the methods next(v), error(e), and complete(). </a:t>
-            </a:r>
-          </a:p>
-        </p:txBody>
-      </p:sp>
-    </p:spTree>
-    <p:extLst>
-      <p:ext uri="{BB962C8B-B14F-4D97-AF65-F5344CB8AC3E}">
-        <p14:creationId xmlns:p14="http://schemas.microsoft.com/office/powerpoint/2010/main" val="1282771249"/>
-      </p:ext>
-    </p:extLst>
-  </p:cSld>
-  <p:clrMapOvr>
-    <a:masterClrMapping/>
-  </p:clrMapOvr>
-</p:sld>
-</file>
-
-<file path=ppt/slides/slide116.xml><?xml version="1.0" encoding="utf-8"?>
-<p:sld xmlns:a="http://schemas.openxmlformats.org/drawingml/2006/main" xmlns:r="http://schemas.openxmlformats.org/officeDocument/2006/relationships" xmlns:p="http://schemas.openxmlformats.org/presentationml/2006/main">
-  <p:cSld>
-    <p:spTree>
-      <p:nvGrpSpPr>
-        <p:cNvPr id="1" name=""/>
-        <p:cNvGrpSpPr/>
-        <p:nvPr/>
-      </p:nvGrpSpPr>
-      <p:grpSpPr>
-        <a:xfrm>
-          <a:off x="0" y="0"/>
-          <a:ext cx="0" cy="0"/>
-          <a:chOff x="0" y="0"/>
-          <a:chExt cx="0" cy="0"/>
-        </a:xfrm>
-      </p:grpSpPr>
-      <p:sp>
-        <p:nvSpPr>
-          <p:cNvPr id="2" name="Title 1"/>
-          <p:cNvSpPr>
-            <a:spLocks noGrp="1"/>
-          </p:cNvSpPr>
-          <p:nvPr>
-            <p:ph type="title"/>
-          </p:nvPr>
-        </p:nvSpPr>
-        <p:spPr/>
-        <p:txBody>
-          <a:bodyPr/>
-          <a:lstStyle/>
-          <a:p>
-            <a:endParaRPr lang="en-US"/>
-          </a:p>
-        </p:txBody>
-      </p:sp>
-      <p:sp>
-        <p:nvSpPr>
-          <p:cNvPr id="3" name="Text Placeholder 2"/>
-          <p:cNvSpPr>
-            <a:spLocks noGrp="1"/>
-          </p:cNvSpPr>
-          <p:nvPr>
-            <p:ph type="body" idx="1"/>
-          </p:nvPr>
-        </p:nvSpPr>
-        <p:spPr/>
-        <p:txBody>
-          <a:bodyPr/>
-          <a:lstStyle/>
-          <a:p>
-            <a:endParaRPr lang="en-US" dirty="0"/>
-          </a:p>
-        </p:txBody>
-      </p:sp>
-      <p:pic>
-        <p:nvPicPr>
-          <p:cNvPr id="4" name="Picture 3">
-            <a:extLst>
-              <a:ext uri="{FF2B5EF4-FFF2-40B4-BE49-F238E27FC236}">
-                <a16:creationId xmlns="" xmlns:a16="http://schemas.microsoft.com/office/drawing/2014/main" id="{DF5D3B81-E8A5-4586-805C-71E302C70F14}"/>
-              </a:ext>
-            </a:extLst>
-          </p:cNvPr>
-          <p:cNvPicPr>
-            <a:picLocks noChangeAspect="1"/>
-          </p:cNvPicPr>
-          <p:nvPr/>
-        </p:nvPicPr>
-        <p:blipFill>
-          <a:blip r:embed="rId2"/>
-          <a:stretch>
-            <a:fillRect/>
-          </a:stretch>
-        </p:blipFill>
-        <p:spPr>
-          <a:xfrm>
-            <a:off x="2743200" y="1100387"/>
-            <a:ext cx="3448050" cy="3801064"/>
-          </a:xfrm>
-          <a:prstGeom prst="rect">
-            <a:avLst/>
-          </a:prstGeom>
-        </p:spPr>
-      </p:pic>
-    </p:spTree>
-    <p:extLst>
-      <p:ext uri="{BB962C8B-B14F-4D97-AF65-F5344CB8AC3E}">
-        <p14:creationId xmlns:p14="http://schemas.microsoft.com/office/powerpoint/2010/main" val="3953411739"/>
-      </p:ext>
-    </p:extLst>
-  </p:cSld>
-  <p:clrMapOvr>
-    <a:masterClrMapping/>
-  </p:clrMapOvr>
-</p:sld>
-</file>
-
-<file path=ppt/slides/slide117.xml><?xml version="1.0" encoding="utf-8"?>
-<p:sld xmlns:a="http://schemas.openxmlformats.org/drawingml/2006/main" xmlns:r="http://schemas.openxmlformats.org/officeDocument/2006/relationships" xmlns:p="http://schemas.openxmlformats.org/presentationml/2006/main">
-  <p:cSld>
-    <p:spTree>
-      <p:nvGrpSpPr>
-        <p:cNvPr id="1" name=""/>
-        <p:cNvGrpSpPr/>
-        <p:nvPr/>
-      </p:nvGrpSpPr>
-      <p:grpSpPr>
-        <a:xfrm>
-          <a:off x="0" y="0"/>
-          <a:ext cx="0" cy="0"/>
-          <a:chOff x="0" y="0"/>
-          <a:chExt cx="0" cy="0"/>
-        </a:xfrm>
-      </p:grpSpPr>
-      <p:sp>
-        <p:nvSpPr>
-          <p:cNvPr id="2" name="Title 1"/>
-          <p:cNvSpPr>
-            <a:spLocks noGrp="1"/>
-          </p:cNvSpPr>
-          <p:nvPr>
-            <p:ph type="title"/>
-          </p:nvPr>
-        </p:nvSpPr>
-        <p:spPr/>
-        <p:txBody>
-          <a:bodyPr/>
-          <a:lstStyle/>
-          <a:p>
-            <a:endParaRPr lang="en-US"/>
-          </a:p>
-        </p:txBody>
-      </p:sp>
-      <p:sp>
-        <p:nvSpPr>
-          <p:cNvPr id="3" name="Text Placeholder 2"/>
-          <p:cNvSpPr>
-            <a:spLocks noGrp="1"/>
-          </p:cNvSpPr>
-          <p:nvPr>
-            <p:ph type="body" idx="1"/>
-          </p:nvPr>
-        </p:nvSpPr>
-        <p:spPr>
-          <a:xfrm>
-            <a:off x="628705" y="1369219"/>
-            <a:ext cx="7886700" cy="3263400"/>
-          </a:xfrm>
-        </p:spPr>
-        <p:txBody>
-          <a:bodyPr/>
-          <a:lstStyle/>
-          <a:p>
-            <a:endParaRPr lang="en-US" dirty="0"/>
-          </a:p>
-        </p:txBody>
-      </p:sp>
-      <p:pic>
-        <p:nvPicPr>
-          <p:cNvPr id="5122" name="Picture 2" descr="https://miro.medium.com/max/368/1*q-dcW2ShfaUKxxuzPhS_sQ.png"/>
-          <p:cNvPicPr>
-            <a:picLocks noChangeAspect="1" noChangeArrowheads="1"/>
-          </p:cNvPicPr>
-          <p:nvPr/>
-        </p:nvPicPr>
-        <p:blipFill>
-          <a:blip r:embed="rId2">
-            <a:extLst>
-              <a:ext uri="{28A0092B-C50C-407E-A947-70E740481C1C}">
-                <a14:useLocalDpi xmlns:a14="http://schemas.microsoft.com/office/drawing/2010/main" val="0"/>
-              </a:ext>
-            </a:extLst>
-          </a:blip>
-          <a:srcRect/>
-          <a:stretch>
-            <a:fillRect/>
-          </a:stretch>
-        </p:blipFill>
-        <p:spPr bwMode="auto">
-          <a:xfrm>
-            <a:off x="434342" y="1564983"/>
-            <a:ext cx="1981200" cy="3059405"/>
-          </a:xfrm>
-          <a:prstGeom prst="rect">
-            <a:avLst/>
-          </a:prstGeom>
-          <a:noFill/>
-          <a:extLst>
-            <a:ext uri="{909E8E84-426E-40DD-AFC4-6F175D3DCCD1}">
-              <a14:hiddenFill xmlns:a14="http://schemas.microsoft.com/office/drawing/2010/main">
-                <a:solidFill>
-                  <a:srgbClr val="FFFFFF"/>
-                </a:solidFill>
-              </a14:hiddenFill>
-            </a:ext>
-          </a:extLst>
-        </p:spPr>
-      </p:pic>
-      <p:pic>
-        <p:nvPicPr>
-          <p:cNvPr id="5124" name="Picture 4" descr="https://miro.medium.com/max/368/1*32LER_zQU3nXEsnbQkC-sQ.png"/>
-          <p:cNvPicPr>
-            <a:picLocks noChangeAspect="1" noChangeArrowheads="1"/>
-          </p:cNvPicPr>
-          <p:nvPr/>
-        </p:nvPicPr>
-        <p:blipFill>
-          <a:blip r:embed="rId3">
-            <a:extLst>
-              <a:ext uri="{28A0092B-C50C-407E-A947-70E740481C1C}">
-                <a14:useLocalDpi xmlns:a14="http://schemas.microsoft.com/office/drawing/2010/main" val="0"/>
-              </a:ext>
-            </a:extLst>
-          </a:blip>
-          <a:srcRect/>
-          <a:stretch>
-            <a:fillRect/>
-          </a:stretch>
-        </p:blipFill>
-        <p:spPr bwMode="auto">
-          <a:xfrm>
-            <a:off x="2567942" y="1564983"/>
-            <a:ext cx="1981201" cy="3059405"/>
-          </a:xfrm>
-          <a:prstGeom prst="rect">
-            <a:avLst/>
-          </a:prstGeom>
-          <a:noFill/>
-          <a:extLst>
-            <a:ext uri="{909E8E84-426E-40DD-AFC4-6F175D3DCCD1}">
-              <a14:hiddenFill xmlns:a14="http://schemas.microsoft.com/office/drawing/2010/main">
-                <a:solidFill>
-                  <a:srgbClr val="FFFFFF"/>
-                </a:solidFill>
-              </a14:hiddenFill>
-            </a:ext>
-          </a:extLst>
-        </p:spPr>
-      </p:pic>
-      <p:pic>
-        <p:nvPicPr>
-          <p:cNvPr id="5126" name="Picture 6" descr="https://miro.medium.com/max/368/1*cxZnd-MUMMkqQyxOMr6M6g.png"/>
-          <p:cNvPicPr>
-            <a:picLocks noChangeAspect="1" noChangeArrowheads="1"/>
-          </p:cNvPicPr>
-          <p:nvPr/>
-        </p:nvPicPr>
-        <p:blipFill>
-          <a:blip r:embed="rId4">
-            <a:extLst>
-              <a:ext uri="{28A0092B-C50C-407E-A947-70E740481C1C}">
-                <a14:useLocalDpi xmlns:a14="http://schemas.microsoft.com/office/drawing/2010/main" val="0"/>
-              </a:ext>
-            </a:extLst>
-          </a:blip>
-          <a:srcRect/>
-          <a:stretch>
-            <a:fillRect/>
-          </a:stretch>
-        </p:blipFill>
-        <p:spPr bwMode="auto">
-          <a:xfrm>
-            <a:off x="4724399" y="1564983"/>
-            <a:ext cx="1981200" cy="3059405"/>
-          </a:xfrm>
-          <a:prstGeom prst="rect">
-            <a:avLst/>
-          </a:prstGeom>
-          <a:noFill/>
-          <a:extLst>
-            <a:ext uri="{909E8E84-426E-40DD-AFC4-6F175D3DCCD1}">
-              <a14:hiddenFill xmlns:a14="http://schemas.microsoft.com/office/drawing/2010/main">
-                <a:solidFill>
-                  <a:srgbClr val="FFFFFF"/>
-                </a:solidFill>
-              </a14:hiddenFill>
-            </a:ext>
-          </a:extLst>
-        </p:spPr>
-      </p:pic>
-      <p:pic>
-        <p:nvPicPr>
-          <p:cNvPr id="5128" name="Picture 8" descr="https://miro.medium.com/max/368/1*atJu-haBIebV1dQImnnb_g.png"/>
-          <p:cNvPicPr>
-            <a:picLocks noChangeAspect="1" noChangeArrowheads="1"/>
-          </p:cNvPicPr>
-          <p:nvPr/>
-        </p:nvPicPr>
-        <p:blipFill>
-          <a:blip r:embed="rId5">
-            <a:extLst>
-              <a:ext uri="{28A0092B-C50C-407E-A947-70E740481C1C}">
-                <a14:useLocalDpi xmlns:a14="http://schemas.microsoft.com/office/drawing/2010/main" val="0"/>
-              </a:ext>
-            </a:extLst>
-          </a:blip>
-          <a:srcRect/>
-          <a:stretch>
-            <a:fillRect/>
-          </a:stretch>
-        </p:blipFill>
-        <p:spPr bwMode="auto">
-          <a:xfrm>
-            <a:off x="6705600" y="1581150"/>
-            <a:ext cx="1886500" cy="2913167"/>
-          </a:xfrm>
-          <a:prstGeom prst="rect">
-            <a:avLst/>
-          </a:prstGeom>
-          <a:noFill/>
-          <a:extLst>
-            <a:ext uri="{909E8E84-426E-40DD-AFC4-6F175D3DCCD1}">
-              <a14:hiddenFill xmlns:a14="http://schemas.microsoft.com/office/drawing/2010/main">
-                <a:solidFill>
-                  <a:srgbClr val="FFFFFF"/>
-                </a:solidFill>
-              </a14:hiddenFill>
-            </a:ext>
-          </a:extLst>
-        </p:spPr>
-      </p:pic>
-    </p:spTree>
-    <p:extLst>
-      <p:ext uri="{BB962C8B-B14F-4D97-AF65-F5344CB8AC3E}">
-        <p14:creationId xmlns:p14="http://schemas.microsoft.com/office/powerpoint/2010/main" val="914041912"/>
       </p:ext>
     </p:extLst>
   </p:cSld>
@@ -19391,13 +19657,591 @@
   <p:clrMapOvr>
     <a:masterClrMapping/>
   </p:clrMapOvr>
-  <p:timing>
-    <p:tnLst>
-      <p:par>
-        <p:cTn id="1" dur="indefinite" restart="never" nodeType="tmRoot"/>
-      </p:par>
-    </p:tnLst>
-  </p:timing>
+</p:sld>
+</file>
+
+<file path=ppt/slides/slide120.xml><?xml version="1.0" encoding="utf-8"?>
+<p:sld xmlns:a="http://schemas.openxmlformats.org/drawingml/2006/main" xmlns:r="http://schemas.openxmlformats.org/officeDocument/2006/relationships" xmlns:p="http://schemas.openxmlformats.org/presentationml/2006/main">
+  <p:cSld>
+    <p:spTree>
+      <p:nvGrpSpPr>
+        <p:cNvPr id="1" name=""/>
+        <p:cNvGrpSpPr/>
+        <p:nvPr/>
+      </p:nvGrpSpPr>
+      <p:grpSpPr>
+        <a:xfrm>
+          <a:off x="0" y="0"/>
+          <a:ext cx="0" cy="0"/>
+          <a:chOff x="0" y="0"/>
+          <a:chExt cx="0" cy="0"/>
+        </a:xfrm>
+      </p:grpSpPr>
+      <p:sp>
+        <p:nvSpPr>
+          <p:cNvPr id="2" name="Title 1">
+            <a:extLst>
+              <a:ext uri="{FF2B5EF4-FFF2-40B4-BE49-F238E27FC236}">
+                <a16:creationId xmlns:a16="http://schemas.microsoft.com/office/drawing/2014/main" id="{63C2B654-3331-4688-862F-DEF0F6D663BB}"/>
+              </a:ext>
+            </a:extLst>
+          </p:cNvPr>
+          <p:cNvSpPr>
+            <a:spLocks noGrp="1"/>
+          </p:cNvSpPr>
+          <p:nvPr>
+            <p:ph type="title"/>
+          </p:nvPr>
+        </p:nvSpPr>
+        <p:spPr/>
+        <p:txBody>
+          <a:bodyPr/>
+          <a:lstStyle/>
+          <a:p>
+            <a:endParaRPr lang="en-US"/>
+          </a:p>
+        </p:txBody>
+      </p:sp>
+      <p:sp>
+        <p:nvSpPr>
+          <p:cNvPr id="3" name="Text Placeholder 2">
+            <a:extLst>
+              <a:ext uri="{FF2B5EF4-FFF2-40B4-BE49-F238E27FC236}">
+                <a16:creationId xmlns:a16="http://schemas.microsoft.com/office/drawing/2014/main" id="{6DA64C03-1AD9-4F07-BAFC-A0CD8158A822}"/>
+              </a:ext>
+            </a:extLst>
+          </p:cNvPr>
+          <p:cNvSpPr>
+            <a:spLocks noGrp="1"/>
+          </p:cNvSpPr>
+          <p:nvPr>
+            <p:ph type="body" idx="1"/>
+          </p:nvPr>
+        </p:nvSpPr>
+        <p:spPr/>
+        <p:txBody>
+          <a:bodyPr/>
+          <a:lstStyle/>
+          <a:p>
+            <a:r>
+              <a:rPr lang="vi-VN" dirty="0"/>
+              <a:t>Example for filter</a:t>
+            </a:r>
+            <a:endParaRPr lang="en-US" dirty="0"/>
+          </a:p>
+        </p:txBody>
+      </p:sp>
+      <p:pic>
+        <p:nvPicPr>
+          <p:cNvPr id="4098" name="Picture 2" descr="filter marble diagram">
+            <a:extLst>
+              <a:ext uri="{FF2B5EF4-FFF2-40B4-BE49-F238E27FC236}">
+                <a16:creationId xmlns:a16="http://schemas.microsoft.com/office/drawing/2014/main" id="{177DC7A3-F46C-4A58-B30B-712064D34494}"/>
+              </a:ext>
+            </a:extLst>
+          </p:cNvPr>
+          <p:cNvPicPr>
+            <a:picLocks noChangeAspect="1" noChangeArrowheads="1"/>
+          </p:cNvPicPr>
+          <p:nvPr/>
+        </p:nvPicPr>
+        <p:blipFill>
+          <a:blip r:embed="rId2">
+            <a:extLst>
+              <a:ext uri="{28A0092B-C50C-407E-A947-70E740481C1C}">
+                <a14:useLocalDpi xmlns:a14="http://schemas.microsoft.com/office/drawing/2010/main" val="0"/>
+              </a:ext>
+            </a:extLst>
+          </a:blip>
+          <a:srcRect/>
+          <a:stretch>
+            <a:fillRect/>
+          </a:stretch>
+        </p:blipFill>
+        <p:spPr bwMode="auto">
+          <a:xfrm>
+            <a:off x="1371600" y="1885950"/>
+            <a:ext cx="6705600" cy="2828925"/>
+          </a:xfrm>
+          <a:prstGeom prst="rect">
+            <a:avLst/>
+          </a:prstGeom>
+          <a:noFill/>
+          <a:extLst>
+            <a:ext uri="{909E8E84-426E-40DD-AFC4-6F175D3DCCD1}">
+              <a14:hiddenFill xmlns:a14="http://schemas.microsoft.com/office/drawing/2010/main">
+                <a:solidFill>
+                  <a:srgbClr val="FFFFFF"/>
+                </a:solidFill>
+              </a14:hiddenFill>
+            </a:ext>
+          </a:extLst>
+        </p:spPr>
+      </p:pic>
+    </p:spTree>
+    <p:extLst>
+      <p:ext uri="{BB962C8B-B14F-4D97-AF65-F5344CB8AC3E}">
+        <p14:creationId xmlns:p14="http://schemas.microsoft.com/office/powerpoint/2010/main" val="3555042575"/>
+      </p:ext>
+    </p:extLst>
+  </p:cSld>
+  <p:clrMapOvr>
+    <a:masterClrMapping/>
+  </p:clrMapOvr>
+</p:sld>
+</file>
+
+<file path=ppt/slides/slide121.xml><?xml version="1.0" encoding="utf-8"?>
+<p:sld xmlns:a="http://schemas.openxmlformats.org/drawingml/2006/main" xmlns:r="http://schemas.openxmlformats.org/officeDocument/2006/relationships" xmlns:p="http://schemas.openxmlformats.org/presentationml/2006/main">
+  <p:cSld>
+    <p:spTree>
+      <p:nvGrpSpPr>
+        <p:cNvPr id="1" name=""/>
+        <p:cNvGrpSpPr/>
+        <p:nvPr/>
+      </p:nvGrpSpPr>
+      <p:grpSpPr>
+        <a:xfrm>
+          <a:off x="0" y="0"/>
+          <a:ext cx="0" cy="0"/>
+          <a:chOff x="0" y="0"/>
+          <a:chExt cx="0" cy="0"/>
+        </a:xfrm>
+      </p:grpSpPr>
+      <p:sp>
+        <p:nvSpPr>
+          <p:cNvPr id="2" name="Title 1">
+            <a:extLst>
+              <a:ext uri="{FF2B5EF4-FFF2-40B4-BE49-F238E27FC236}">
+                <a16:creationId xmlns:a16="http://schemas.microsoft.com/office/drawing/2014/main" id="{ED77B932-BCE9-4176-A7A0-3450503D6FCA}"/>
+              </a:ext>
+            </a:extLst>
+          </p:cNvPr>
+          <p:cNvSpPr>
+            <a:spLocks noGrp="1"/>
+          </p:cNvSpPr>
+          <p:nvPr>
+            <p:ph type="title"/>
+          </p:nvPr>
+        </p:nvSpPr>
+        <p:spPr/>
+        <p:txBody>
+          <a:bodyPr/>
+          <a:lstStyle/>
+          <a:p>
+            <a:endParaRPr lang="en-US"/>
+          </a:p>
+        </p:txBody>
+      </p:sp>
+      <p:sp>
+        <p:nvSpPr>
+          <p:cNvPr id="3" name="Text Placeholder 2">
+            <a:extLst>
+              <a:ext uri="{FF2B5EF4-FFF2-40B4-BE49-F238E27FC236}">
+                <a16:creationId xmlns:a16="http://schemas.microsoft.com/office/drawing/2014/main" id="{29B32E58-A879-4BA5-9330-3DA726A4BB02}"/>
+              </a:ext>
+            </a:extLst>
+          </p:cNvPr>
+          <p:cNvSpPr>
+            <a:spLocks noGrp="1"/>
+          </p:cNvSpPr>
+          <p:nvPr>
+            <p:ph type="body" idx="1"/>
+          </p:nvPr>
+        </p:nvSpPr>
+        <p:spPr/>
+        <p:txBody>
+          <a:bodyPr/>
+          <a:lstStyle/>
+          <a:p>
+            <a:r>
+              <a:rPr lang="en-US" dirty="0"/>
+              <a:t>Subject</a:t>
+            </a:r>
+            <a:endParaRPr lang="vi-VN" dirty="0"/>
+          </a:p>
+          <a:p>
+            <a:pPr lvl="1"/>
+            <a:r>
+              <a:rPr lang="vi-VN" dirty="0"/>
+              <a:t>A</a:t>
+            </a:r>
+            <a:r>
+              <a:rPr lang="en-US" dirty="0"/>
+              <a:t> special type of Observable that allows values to be </a:t>
+            </a:r>
+            <a:r>
+              <a:rPr lang="en-US" dirty="0" err="1"/>
+              <a:t>multicasted</a:t>
+            </a:r>
+            <a:r>
+              <a:rPr lang="en-US" dirty="0"/>
+              <a:t> to many Observers. </a:t>
+            </a:r>
+            <a:endParaRPr lang="vi-VN" dirty="0"/>
+          </a:p>
+          <a:p>
+            <a:pPr lvl="1"/>
+            <a:r>
+              <a:rPr lang="en-US" dirty="0"/>
+              <a:t>Every Subject is an Observable. Given a Subject, you can subscribe to it, providing an Observer, which will start receiving values normally.</a:t>
+            </a:r>
+            <a:endParaRPr lang="vi-VN" dirty="0"/>
+          </a:p>
+          <a:p>
+            <a:pPr lvl="1"/>
+            <a:r>
+              <a:rPr lang="en-US" dirty="0"/>
+              <a:t>Every Subject is an Observer. It is an object with the methods next(v), error(e), and complete(). </a:t>
+            </a:r>
+          </a:p>
+        </p:txBody>
+      </p:sp>
+    </p:spTree>
+    <p:extLst>
+      <p:ext uri="{BB962C8B-B14F-4D97-AF65-F5344CB8AC3E}">
+        <p14:creationId xmlns:p14="http://schemas.microsoft.com/office/powerpoint/2010/main" val="1282771249"/>
+      </p:ext>
+    </p:extLst>
+  </p:cSld>
+  <p:clrMapOvr>
+    <a:masterClrMapping/>
+  </p:clrMapOvr>
+</p:sld>
+</file>
+
+<file path=ppt/slides/slide122.xml><?xml version="1.0" encoding="utf-8"?>
+<p:sld xmlns:a="http://schemas.openxmlformats.org/drawingml/2006/main" xmlns:r="http://schemas.openxmlformats.org/officeDocument/2006/relationships" xmlns:p="http://schemas.openxmlformats.org/presentationml/2006/main">
+  <p:cSld>
+    <p:spTree>
+      <p:nvGrpSpPr>
+        <p:cNvPr id="1" name=""/>
+        <p:cNvGrpSpPr/>
+        <p:nvPr/>
+      </p:nvGrpSpPr>
+      <p:grpSpPr>
+        <a:xfrm>
+          <a:off x="0" y="0"/>
+          <a:ext cx="0" cy="0"/>
+          <a:chOff x="0" y="0"/>
+          <a:chExt cx="0" cy="0"/>
+        </a:xfrm>
+      </p:grpSpPr>
+      <p:sp>
+        <p:nvSpPr>
+          <p:cNvPr id="2" name="Title 1"/>
+          <p:cNvSpPr>
+            <a:spLocks noGrp="1"/>
+          </p:cNvSpPr>
+          <p:nvPr>
+            <p:ph type="title"/>
+          </p:nvPr>
+        </p:nvSpPr>
+        <p:spPr/>
+        <p:txBody>
+          <a:bodyPr/>
+          <a:lstStyle/>
+          <a:p>
+            <a:endParaRPr lang="en-US"/>
+          </a:p>
+        </p:txBody>
+      </p:sp>
+      <p:sp>
+        <p:nvSpPr>
+          <p:cNvPr id="3" name="Text Placeholder 2"/>
+          <p:cNvSpPr>
+            <a:spLocks noGrp="1"/>
+          </p:cNvSpPr>
+          <p:nvPr>
+            <p:ph type="body" idx="1"/>
+          </p:nvPr>
+        </p:nvSpPr>
+        <p:spPr/>
+        <p:txBody>
+          <a:bodyPr/>
+          <a:lstStyle/>
+          <a:p>
+            <a:endParaRPr lang="en-US" dirty="0"/>
+          </a:p>
+        </p:txBody>
+      </p:sp>
+      <p:pic>
+        <p:nvPicPr>
+          <p:cNvPr id="4" name="Picture 3">
+            <a:extLst>
+              <a:ext uri="{FF2B5EF4-FFF2-40B4-BE49-F238E27FC236}">
+                <a16:creationId xmlns:a16="http://schemas.microsoft.com/office/drawing/2014/main" id="{DF5D3B81-E8A5-4586-805C-71E302C70F14}"/>
+              </a:ext>
+            </a:extLst>
+          </p:cNvPr>
+          <p:cNvPicPr>
+            <a:picLocks noChangeAspect="1"/>
+          </p:cNvPicPr>
+          <p:nvPr/>
+        </p:nvPicPr>
+        <p:blipFill>
+          <a:blip r:embed="rId2"/>
+          <a:stretch>
+            <a:fillRect/>
+          </a:stretch>
+        </p:blipFill>
+        <p:spPr>
+          <a:xfrm>
+            <a:off x="2743200" y="1100387"/>
+            <a:ext cx="3448050" cy="3801064"/>
+          </a:xfrm>
+          <a:prstGeom prst="rect">
+            <a:avLst/>
+          </a:prstGeom>
+        </p:spPr>
+      </p:pic>
+    </p:spTree>
+    <p:extLst>
+      <p:ext uri="{BB962C8B-B14F-4D97-AF65-F5344CB8AC3E}">
+        <p14:creationId xmlns:p14="http://schemas.microsoft.com/office/powerpoint/2010/main" val="3953411739"/>
+      </p:ext>
+    </p:extLst>
+  </p:cSld>
+  <p:clrMapOvr>
+    <a:masterClrMapping/>
+  </p:clrMapOvr>
+</p:sld>
+</file>
+
+<file path=ppt/slides/slide123.xml><?xml version="1.0" encoding="utf-8"?>
+<p:sld xmlns:a="http://schemas.openxmlformats.org/drawingml/2006/main" xmlns:r="http://schemas.openxmlformats.org/officeDocument/2006/relationships" xmlns:p="http://schemas.openxmlformats.org/presentationml/2006/main">
+  <p:cSld>
+    <p:spTree>
+      <p:nvGrpSpPr>
+        <p:cNvPr id="1" name=""/>
+        <p:cNvGrpSpPr/>
+        <p:nvPr/>
+      </p:nvGrpSpPr>
+      <p:grpSpPr>
+        <a:xfrm>
+          <a:off x="0" y="0"/>
+          <a:ext cx="0" cy="0"/>
+          <a:chOff x="0" y="0"/>
+          <a:chExt cx="0" cy="0"/>
+        </a:xfrm>
+      </p:grpSpPr>
+      <p:sp>
+        <p:nvSpPr>
+          <p:cNvPr id="2" name="Title 1"/>
+          <p:cNvSpPr>
+            <a:spLocks noGrp="1"/>
+          </p:cNvSpPr>
+          <p:nvPr>
+            <p:ph type="title"/>
+          </p:nvPr>
+        </p:nvSpPr>
+        <p:spPr/>
+        <p:txBody>
+          <a:bodyPr/>
+          <a:lstStyle/>
+          <a:p>
+            <a:endParaRPr lang="en-US"/>
+          </a:p>
+        </p:txBody>
+      </p:sp>
+      <p:sp>
+        <p:nvSpPr>
+          <p:cNvPr id="3" name="Text Placeholder 2"/>
+          <p:cNvSpPr>
+            <a:spLocks noGrp="1"/>
+          </p:cNvSpPr>
+          <p:nvPr>
+            <p:ph type="body" idx="1"/>
+          </p:nvPr>
+        </p:nvSpPr>
+        <p:spPr>
+          <a:xfrm>
+            <a:off x="628705" y="1369219"/>
+            <a:ext cx="7886700" cy="3263400"/>
+          </a:xfrm>
+        </p:spPr>
+        <p:txBody>
+          <a:bodyPr/>
+          <a:lstStyle/>
+          <a:p>
+            <a:endParaRPr lang="en-US" dirty="0"/>
+          </a:p>
+        </p:txBody>
+      </p:sp>
+      <p:pic>
+        <p:nvPicPr>
+          <p:cNvPr id="5122" name="Picture 2" descr="https://miro.medium.com/max/368/1*q-dcW2ShfaUKxxuzPhS_sQ.png"/>
+          <p:cNvPicPr>
+            <a:picLocks noChangeAspect="1" noChangeArrowheads="1"/>
+          </p:cNvPicPr>
+          <p:nvPr/>
+        </p:nvPicPr>
+        <p:blipFill>
+          <a:blip r:embed="rId2">
+            <a:extLst>
+              <a:ext uri="{28A0092B-C50C-407E-A947-70E740481C1C}">
+                <a14:useLocalDpi xmlns:a14="http://schemas.microsoft.com/office/drawing/2010/main" val="0"/>
+              </a:ext>
+            </a:extLst>
+          </a:blip>
+          <a:srcRect/>
+          <a:stretch>
+            <a:fillRect/>
+          </a:stretch>
+        </p:blipFill>
+        <p:spPr bwMode="auto">
+          <a:xfrm>
+            <a:off x="434342" y="1564983"/>
+            <a:ext cx="1981200" cy="3059405"/>
+          </a:xfrm>
+          <a:prstGeom prst="rect">
+            <a:avLst/>
+          </a:prstGeom>
+          <a:noFill/>
+          <a:extLst>
+            <a:ext uri="{909E8E84-426E-40DD-AFC4-6F175D3DCCD1}">
+              <a14:hiddenFill xmlns:a14="http://schemas.microsoft.com/office/drawing/2010/main">
+                <a:solidFill>
+                  <a:srgbClr val="FFFFFF"/>
+                </a:solidFill>
+              </a14:hiddenFill>
+            </a:ext>
+          </a:extLst>
+        </p:spPr>
+      </p:pic>
+      <p:pic>
+        <p:nvPicPr>
+          <p:cNvPr id="5124" name="Picture 4" descr="https://miro.medium.com/max/368/1*32LER_zQU3nXEsnbQkC-sQ.png"/>
+          <p:cNvPicPr>
+            <a:picLocks noChangeAspect="1" noChangeArrowheads="1"/>
+          </p:cNvPicPr>
+          <p:nvPr/>
+        </p:nvPicPr>
+        <p:blipFill>
+          <a:blip r:embed="rId3">
+            <a:extLst>
+              <a:ext uri="{28A0092B-C50C-407E-A947-70E740481C1C}">
+                <a14:useLocalDpi xmlns:a14="http://schemas.microsoft.com/office/drawing/2010/main" val="0"/>
+              </a:ext>
+            </a:extLst>
+          </a:blip>
+          <a:srcRect/>
+          <a:stretch>
+            <a:fillRect/>
+          </a:stretch>
+        </p:blipFill>
+        <p:spPr bwMode="auto">
+          <a:xfrm>
+            <a:off x="2567942" y="1564983"/>
+            <a:ext cx="1981201" cy="3059405"/>
+          </a:xfrm>
+          <a:prstGeom prst="rect">
+            <a:avLst/>
+          </a:prstGeom>
+          <a:noFill/>
+          <a:extLst>
+            <a:ext uri="{909E8E84-426E-40DD-AFC4-6F175D3DCCD1}">
+              <a14:hiddenFill xmlns:a14="http://schemas.microsoft.com/office/drawing/2010/main">
+                <a:solidFill>
+                  <a:srgbClr val="FFFFFF"/>
+                </a:solidFill>
+              </a14:hiddenFill>
+            </a:ext>
+          </a:extLst>
+        </p:spPr>
+      </p:pic>
+      <p:pic>
+        <p:nvPicPr>
+          <p:cNvPr id="5126" name="Picture 6" descr="https://miro.medium.com/max/368/1*cxZnd-MUMMkqQyxOMr6M6g.png"/>
+          <p:cNvPicPr>
+            <a:picLocks noChangeAspect="1" noChangeArrowheads="1"/>
+          </p:cNvPicPr>
+          <p:nvPr/>
+        </p:nvPicPr>
+        <p:blipFill>
+          <a:blip r:embed="rId4">
+            <a:extLst>
+              <a:ext uri="{28A0092B-C50C-407E-A947-70E740481C1C}">
+                <a14:useLocalDpi xmlns:a14="http://schemas.microsoft.com/office/drawing/2010/main" val="0"/>
+              </a:ext>
+            </a:extLst>
+          </a:blip>
+          <a:srcRect/>
+          <a:stretch>
+            <a:fillRect/>
+          </a:stretch>
+        </p:blipFill>
+        <p:spPr bwMode="auto">
+          <a:xfrm>
+            <a:off x="4724399" y="1564983"/>
+            <a:ext cx="1981200" cy="3059405"/>
+          </a:xfrm>
+          <a:prstGeom prst="rect">
+            <a:avLst/>
+          </a:prstGeom>
+          <a:noFill/>
+          <a:extLst>
+            <a:ext uri="{909E8E84-426E-40DD-AFC4-6F175D3DCCD1}">
+              <a14:hiddenFill xmlns:a14="http://schemas.microsoft.com/office/drawing/2010/main">
+                <a:solidFill>
+                  <a:srgbClr val="FFFFFF"/>
+                </a:solidFill>
+              </a14:hiddenFill>
+            </a:ext>
+          </a:extLst>
+        </p:spPr>
+      </p:pic>
+      <p:pic>
+        <p:nvPicPr>
+          <p:cNvPr id="5128" name="Picture 8" descr="https://miro.medium.com/max/368/1*atJu-haBIebV1dQImnnb_g.png"/>
+          <p:cNvPicPr>
+            <a:picLocks noChangeAspect="1" noChangeArrowheads="1"/>
+          </p:cNvPicPr>
+          <p:nvPr/>
+        </p:nvPicPr>
+        <p:blipFill>
+          <a:blip r:embed="rId5">
+            <a:extLst>
+              <a:ext uri="{28A0092B-C50C-407E-A947-70E740481C1C}">
+                <a14:useLocalDpi xmlns:a14="http://schemas.microsoft.com/office/drawing/2010/main" val="0"/>
+              </a:ext>
+            </a:extLst>
+          </a:blip>
+          <a:srcRect/>
+          <a:stretch>
+            <a:fillRect/>
+          </a:stretch>
+        </p:blipFill>
+        <p:spPr bwMode="auto">
+          <a:xfrm>
+            <a:off x="6705600" y="1581150"/>
+            <a:ext cx="1886500" cy="2913167"/>
+          </a:xfrm>
+          <a:prstGeom prst="rect">
+            <a:avLst/>
+          </a:prstGeom>
+          <a:noFill/>
+          <a:extLst>
+            <a:ext uri="{909E8E84-426E-40DD-AFC4-6F175D3DCCD1}">
+              <a14:hiddenFill xmlns:a14="http://schemas.microsoft.com/office/drawing/2010/main">
+                <a:solidFill>
+                  <a:srgbClr val="FFFFFF"/>
+                </a:solidFill>
+              </a14:hiddenFill>
+            </a:ext>
+          </a:extLst>
+        </p:spPr>
+      </p:pic>
+    </p:spTree>
+    <p:extLst>
+      <p:ext uri="{BB962C8B-B14F-4D97-AF65-F5344CB8AC3E}">
+        <p14:creationId xmlns:p14="http://schemas.microsoft.com/office/powerpoint/2010/main" val="914041912"/>
+      </p:ext>
+    </p:extLst>
+  </p:cSld>
+  <p:clrMapOvr>
+    <a:masterClrMapping/>
+  </p:clrMapOvr>
 </p:sld>
 </file>
 
@@ -19548,13 +20392,6 @@
   <p:clrMapOvr>
     <a:masterClrMapping/>
   </p:clrMapOvr>
-  <p:timing>
-    <p:tnLst>
-      <p:par>
-        <p:cTn id="1" dur="indefinite" restart="never" nodeType="tmRoot"/>
-      </p:par>
-    </p:tnLst>
-  </p:timing>
 </p:sld>
 </file>
 
@@ -19682,13 +20519,6 @@
   <p:clrMapOvr>
     <a:masterClrMapping/>
   </p:clrMapOvr>
-  <p:timing>
-    <p:tnLst>
-      <p:par>
-        <p:cTn id="1" dur="indefinite" restart="never" nodeType="tmRoot"/>
-      </p:par>
-    </p:tnLst>
-  </p:timing>
 </p:sld>
 </file>
 
@@ -19823,13 +20653,6 @@
   <p:clrMapOvr>
     <a:masterClrMapping/>
   </p:clrMapOvr>
-  <p:timing>
-    <p:tnLst>
-      <p:par>
-        <p:cTn id="1" dur="indefinite" restart="never" nodeType="tmRoot"/>
-      </p:par>
-    </p:tnLst>
-  </p:timing>
 </p:sld>
 </file>
 
@@ -20013,13 +20836,6 @@
   <p:clrMapOvr>
     <a:masterClrMapping/>
   </p:clrMapOvr>
-  <p:timing>
-    <p:tnLst>
-      <p:par>
-        <p:cTn id="1" dur="indefinite" restart="never" nodeType="tmRoot"/>
-      </p:par>
-    </p:tnLst>
-  </p:timing>
 </p:sld>
 </file>
 
@@ -20115,13 +20931,6 @@
   <p:clrMapOvr>
     <a:masterClrMapping/>
   </p:clrMapOvr>
-  <p:timing>
-    <p:tnLst>
-      <p:par>
-        <p:cTn id="1" dur="indefinite" restart="never" nodeType="tmRoot"/>
-      </p:par>
-    </p:tnLst>
-  </p:timing>
 </p:sld>
 </file>
 
@@ -20234,13 +21043,6 @@
   <p:clrMapOvr>
     <a:masterClrMapping/>
   </p:clrMapOvr>
-  <p:timing>
-    <p:tnLst>
-      <p:par>
-        <p:cTn id="1" dur="indefinite" restart="never" nodeType="tmRoot"/>
-      </p:par>
-    </p:tnLst>
-  </p:timing>
 </p:sld>
 </file>
 
@@ -20307,7 +21109,23 @@
             <a:pPr lvl="1"/>
             <a:r>
               <a:rPr lang="en-US" dirty="0"/>
-              <a:t>You can put commonly used directives, pipes, and components into one module and then import just that module wherever you need it in other parts of your app.</a:t>
+              <a:t>You can put commonly used directives, pipes, and components into one module and </a:t>
+            </a:r>
+            <a:endParaRPr lang="vi-VN" dirty="0"/>
+          </a:p>
+          <a:p>
+            <a:pPr lvl="1"/>
+            <a:r>
+              <a:rPr lang="vi-VN" dirty="0"/>
+              <a:t>I</a:t>
+            </a:r>
+            <a:r>
+              <a:rPr lang="en-US" dirty="0" err="1"/>
+              <a:t>mport</a:t>
+            </a:r>
+            <a:r>
+              <a:rPr lang="en-US" dirty="0"/>
+              <a:t> that module wherever you need it in other parts of your app.</a:t>
             </a:r>
           </a:p>
         </p:txBody>
@@ -20426,13 +21244,6 @@
   <p:clrMapOvr>
     <a:masterClrMapping/>
   </p:clrMapOvr>
-  <p:timing>
-    <p:tnLst>
-      <p:par>
-        <p:cTn id="1" dur="indefinite" restart="never" nodeType="tmRoot"/>
-      </p:par>
-    </p:tnLst>
-  </p:timing>
 </p:sld>
 </file>
 
@@ -20849,13 +21660,6 @@
   <p:clrMapOvr>
     <a:masterClrMapping/>
   </p:clrMapOvr>
-  <p:timing>
-    <p:tnLst>
-      <p:par>
-        <p:cTn id="1" dur="indefinite" restart="never" nodeType="tmRoot"/>
-      </p:par>
-    </p:tnLst>
-  </p:timing>
 </p:sld>
 </file>
 
@@ -20922,10 +21726,6 @@
             <a:pPr marL="95250" indent="0">
               <a:buNone/>
             </a:pPr>
-            <a:r>
-              <a:rPr lang="en-US" dirty="0"/>
-              <a:t/>
-            </a:r>
             <a:br>
               <a:rPr lang="en-US" dirty="0"/>
             </a:br>
@@ -20967,13 +21767,6 @@
   <p:clrMapOvr>
     <a:masterClrMapping/>
   </p:clrMapOvr>
-  <p:timing>
-    <p:tnLst>
-      <p:par>
-        <p:cTn id="1" dur="indefinite" restart="never" nodeType="tmRoot"/>
-      </p:par>
-    </p:tnLst>
-  </p:timing>
 </p:sld>
 </file>
 
@@ -21092,13 +21885,6 @@
   <p:clrMapOvr>
     <a:masterClrMapping/>
   </p:clrMapOvr>
-  <p:timing>
-    <p:tnLst>
-      <p:par>
-        <p:cTn id="1" dur="indefinite" restart="never" nodeType="tmRoot"/>
-      </p:par>
-    </p:tnLst>
-  </p:timing>
 </p:sld>
 </file>
 
@@ -21269,13 +22055,6 @@
   <p:clrMapOvr>
     <a:masterClrMapping/>
   </p:clrMapOvr>
-  <p:timing>
-    <p:tnLst>
-      <p:par>
-        <p:cTn id="1" dur="indefinite" restart="never" nodeType="tmRoot"/>
-      </p:par>
-    </p:tnLst>
-  </p:timing>
 </p:sld>
 </file>
 
@@ -21368,13 +22147,6 @@
   <p:clrMapOvr>
     <a:masterClrMapping/>
   </p:clrMapOvr>
-  <p:timing>
-    <p:tnLst>
-      <p:par>
-        <p:cTn id="1" dur="indefinite" restart="never" nodeType="tmRoot"/>
-      </p:par>
-    </p:tnLst>
-  </p:timing>
 </p:sld>
 </file>
 
@@ -22299,13 +23071,6 @@
   <p:clrMapOvr>
     <a:masterClrMapping/>
   </p:clrMapOvr>
-  <p:timing>
-    <p:tnLst>
-      <p:par>
-        <p:cTn id="1" dur="indefinite" restart="never" nodeType="tmRoot"/>
-      </p:par>
-    </p:tnLst>
-  </p:timing>
 </p:sld>
 </file>
 
@@ -22464,13 +23229,6 @@
   <p:clrMapOvr>
     <a:masterClrMapping/>
   </p:clrMapOvr>
-  <p:timing>
-    <p:tnLst>
-      <p:par>
-        <p:cTn id="1" dur="indefinite" restart="never" nodeType="tmRoot"/>
-      </p:par>
-    </p:tnLst>
-  </p:timing>
 </p:sld>
 </file>
 
@@ -22589,13 +23347,6 @@
   <p:clrMapOvr>
     <a:masterClrMapping/>
   </p:clrMapOvr>
-  <p:timing>
-    <p:tnLst>
-      <p:par>
-        <p:cTn id="1" dur="indefinite" restart="never" nodeType="tmRoot"/>
-      </p:par>
-    </p:tnLst>
-  </p:timing>
 </p:sld>
 </file>
 
@@ -22793,13 +23544,6 @@
   <p:clrMapOvr>
     <a:masterClrMapping/>
   </p:clrMapOvr>
-  <p:timing>
-    <p:tnLst>
-      <p:par>
-        <p:cTn id="1" dur="indefinite" restart="never" nodeType="tmRoot"/>
-      </p:par>
-    </p:tnLst>
-  </p:timing>
 </p:sld>
 </file>
 
@@ -22997,13 +23741,6 @@
   <p:clrMapOvr>
     <a:masterClrMapping/>
   </p:clrMapOvr>
-  <p:timing>
-    <p:tnLst>
-      <p:par>
-        <p:cTn id="1" dur="indefinite" restart="never" nodeType="tmRoot"/>
-      </p:par>
-    </p:tnLst>
-  </p:timing>
 </p:sld>
 </file>
 
@@ -23123,13 +23860,6 @@
   <p:clrMapOvr>
     <a:masterClrMapping/>
   </p:clrMapOvr>
-  <p:timing>
-    <p:tnLst>
-      <p:par>
-        <p:cTn id="1" dur="indefinite" restart="never" nodeType="tmRoot"/>
-      </p:par>
-    </p:tnLst>
-  </p:timing>
 </p:sld>
 </file>
 
@@ -23394,44 +24124,7 @@
                 <a:cs typeface="Calibri" panose="020F0502020204030204" pitchFamily="34" charset="0"/>
                 <a:sym typeface="Arial"/>
               </a:rPr>
-              <a:t>Dependency </a:t>
-            </a:r>
-            <a:r>
-              <a:rPr lang="en-US" sz="2000" b="1" dirty="0" smtClean="0">
-                <a:latin typeface="Calibri" panose="020F0502020204030204" pitchFamily="34" charset="0"/>
-                <a:ea typeface="Arial"/>
-                <a:cs typeface="Calibri" panose="020F0502020204030204" pitchFamily="34" charset="0"/>
-                <a:sym typeface="Arial"/>
-              </a:rPr>
-              <a:t>injection</a:t>
-            </a:r>
-            <a:endParaRPr lang="vi-VN" sz="2000" b="1" dirty="0" smtClean="0">
-              <a:latin typeface="Calibri" panose="020F0502020204030204" pitchFamily="34" charset="0"/>
-              <a:ea typeface="Arial"/>
-              <a:cs typeface="Calibri" panose="020F0502020204030204" pitchFamily="34" charset="0"/>
-              <a:sym typeface="Arial"/>
-            </a:endParaRPr>
-          </a:p>
-          <a:p>
-            <a:pPr marL="552450" lvl="0" indent="-457200">
-              <a:lnSpc>
-                <a:spcPct val="115000"/>
-              </a:lnSpc>
-              <a:spcBef>
-                <a:spcPts val="0"/>
-              </a:spcBef>
-              <a:buSzPct val="100000"/>
-              <a:buFont typeface="+mj-lt"/>
-              <a:buAutoNum type="arabicPeriod" startAt="8"/>
-            </a:pPr>
-            <a:r>
-              <a:rPr lang="vi-VN" sz="2000" b="1" dirty="0" smtClean="0">
-                <a:latin typeface="Calibri" panose="020F0502020204030204" pitchFamily="34" charset="0"/>
-                <a:ea typeface="Arial"/>
-                <a:cs typeface="Calibri" panose="020F0502020204030204" pitchFamily="34" charset="0"/>
-                <a:sym typeface="Arial"/>
-              </a:rPr>
-              <a:t>Promise (Js)</a:t>
+              <a:t>Dependency injection</a:t>
             </a:r>
             <a:endParaRPr lang="vi-VN" sz="2000" b="1" dirty="0">
               <a:latin typeface="Calibri" panose="020F0502020204030204" pitchFamily="34" charset="0"/>
@@ -23441,6 +24134,28 @@
             </a:endParaRPr>
           </a:p>
           <a:p>
+            <a:pPr marL="552450" lvl="0" indent="-457200">
+              <a:lnSpc>
+                <a:spcPct val="115000"/>
+              </a:lnSpc>
+              <a:spcBef>
+                <a:spcPts val="0"/>
+              </a:spcBef>
+              <a:buSzPct val="100000"/>
+              <a:buFont typeface="+mj-lt"/>
+              <a:buAutoNum type="arabicPeriod" startAt="8"/>
+            </a:pPr>
+            <a:r>
+              <a:rPr lang="vi-VN" sz="2000" b="1" dirty="0">
+                <a:latin typeface="Calibri" panose="020F0502020204030204" pitchFamily="34" charset="0"/>
+                <a:ea typeface="Arial"/>
+                <a:cs typeface="Calibri" panose="020F0502020204030204" pitchFamily="34" charset="0"/>
+                <a:sym typeface="Arial"/>
+              </a:rPr>
+              <a:t>Promise (Js)</a:t>
+            </a:r>
+          </a:p>
+          <a:p>
             <a:pPr marL="552450" indent="-457200">
               <a:lnSpc>
                 <a:spcPct val="115000"/>
@@ -23499,18 +24214,9 @@
                 <a:cs typeface="Calibri" panose="020F0502020204030204" pitchFamily="34" charset="0"/>
                 <a:sym typeface="Arial"/>
               </a:rPr>
-              <a:t>Routing &amp; </a:t>
-            </a:r>
-            <a:r>
-              <a:rPr lang="en-US" sz="2000" b="1" dirty="0" smtClean="0">
-                <a:latin typeface="Calibri" panose="020F0502020204030204" pitchFamily="34" charset="0"/>
-                <a:ea typeface="Arial"/>
-                <a:cs typeface="Calibri" panose="020F0502020204030204" pitchFamily="34" charset="0"/>
-                <a:sym typeface="Arial"/>
-              </a:rPr>
-              <a:t>Navigation</a:t>
-            </a:r>
-            <a:endParaRPr lang="vi-VN" sz="2000" b="1" dirty="0" smtClean="0">
+              <a:t>Routing &amp; Navigation</a:t>
+            </a:r>
+            <a:endParaRPr lang="vi-VN" sz="2000" b="1" dirty="0">
               <a:latin typeface="Calibri" panose="020F0502020204030204" pitchFamily="34" charset="0"/>
               <a:ea typeface="Arial"/>
               <a:cs typeface="Calibri" panose="020F0502020204030204" pitchFamily="34" charset="0"/>
@@ -23530,7 +24236,7 @@
               <a:buAutoNum type="arabicPeriod" startAt="8"/>
             </a:pPr>
             <a:r>
-              <a:rPr lang="vi-VN" sz="2000" b="1" dirty="0" smtClean="0">
+              <a:rPr lang="vi-VN" sz="2000" b="1" dirty="0">
                 <a:latin typeface="Calibri" panose="020F0502020204030204" pitchFamily="34" charset="0"/>
                 <a:ea typeface="Arial"/>
                 <a:cs typeface="Calibri" panose="020F0502020204030204" pitchFamily="34" charset="0"/>
@@ -23552,13 +24258,6 @@
   <p:clrMapOvr>
     <a:masterClrMapping/>
   </p:clrMapOvr>
-  <p:timing>
-    <p:tnLst>
-      <p:par>
-        <p:cTn id="1" dur="indefinite" restart="never" nodeType="tmRoot"/>
-      </p:par>
-    </p:tnLst>
-  </p:timing>
 </p:sld>
 </file>
 
@@ -23695,13 +24394,6 @@
   <p:clrMapOvr>
     <a:masterClrMapping/>
   </p:clrMapOvr>
-  <p:timing>
-    <p:tnLst>
-      <p:par>
-        <p:cTn id="1" dur="indefinite" restart="never" nodeType="tmRoot"/>
-      </p:par>
-    </p:tnLst>
-  </p:timing>
 </p:sld>
 </file>
 
@@ -23826,13 +24518,6 @@
   <p:clrMapOvr>
     <a:masterClrMapping/>
   </p:clrMapOvr>
-  <p:timing>
-    <p:tnLst>
-      <p:par>
-        <p:cTn id="1" dur="indefinite" restart="never" nodeType="tmRoot"/>
-      </p:par>
-    </p:tnLst>
-  </p:timing>
 </p:sld>
 </file>
 
@@ -24045,13 +24730,6 @@
   <p:clrMapOvr>
     <a:masterClrMapping/>
   </p:clrMapOvr>
-  <p:timing>
-    <p:tnLst>
-      <p:par>
-        <p:cTn id="1" dur="indefinite" restart="never" nodeType="tmRoot"/>
-      </p:par>
-    </p:tnLst>
-  </p:timing>
 </p:sld>
 </file>
 
@@ -24191,13 +24869,6 @@
   <p:clrMapOvr>
     <a:masterClrMapping/>
   </p:clrMapOvr>
-  <p:timing>
-    <p:tnLst>
-      <p:par>
-        <p:cTn id="1" dur="indefinite" restart="never" nodeType="tmRoot"/>
-      </p:par>
-    </p:tnLst>
-  </p:timing>
 </p:sld>
 </file>
 
@@ -24299,13 +24970,6 @@
   <p:clrMapOvr>
     <a:masterClrMapping/>
   </p:clrMapOvr>
-  <p:timing>
-    <p:tnLst>
-      <p:par>
-        <p:cTn id="1" dur="indefinite" restart="never" nodeType="tmRoot"/>
-      </p:par>
-    </p:tnLst>
-  </p:timing>
 </p:sld>
 </file>
 
@@ -24468,13 +25132,6 @@
   <p:clrMapOvr>
     <a:masterClrMapping/>
   </p:clrMapOvr>
-  <p:timing>
-    <p:tnLst>
-      <p:par>
-        <p:cTn id="1" dur="indefinite" restart="never" nodeType="tmRoot"/>
-      </p:par>
-    </p:tnLst>
-  </p:timing>
 </p:sld>
 </file>
 
@@ -24598,13 +25255,6 @@
   <p:clrMapOvr>
     <a:masterClrMapping/>
   </p:clrMapOvr>
-  <p:timing>
-    <p:tnLst>
-      <p:par>
-        <p:cTn id="1" dur="indefinite" restart="never" nodeType="tmRoot"/>
-      </p:par>
-    </p:tnLst>
-  </p:timing>
 </p:sld>
 </file>
 
@@ -24781,13 +25431,6 @@
   <p:clrMapOvr>
     <a:masterClrMapping/>
   </p:clrMapOvr>
-  <p:timing>
-    <p:tnLst>
-      <p:par>
-        <p:cTn id="1" dur="indefinite" restart="never" nodeType="tmRoot"/>
-      </p:par>
-    </p:tnLst>
-  </p:timing>
 </p:sld>
 </file>
 
@@ -24923,13 +25566,6 @@
   <p:clrMapOvr>
     <a:masterClrMapping/>
   </p:clrMapOvr>
-  <p:timing>
-    <p:tnLst>
-      <p:par>
-        <p:cTn id="1" dur="indefinite" restart="never" nodeType="tmRoot"/>
-      </p:par>
-    </p:tnLst>
-  </p:timing>
 </p:sld>
 </file>
 
@@ -25225,10 +25861,6 @@
             </a:r>
           </a:p>
           <a:p>
-            <a:r>
-              <a:rPr lang="en-US" dirty="0"/>
-              <a:t/>
-            </a:r>
             <a:br>
               <a:rPr lang="en-US" dirty="0"/>
             </a:br>
@@ -25246,13 +25878,6 @@
   <p:clrMapOvr>
     <a:masterClrMapping/>
   </p:clrMapOvr>
-  <p:timing>
-    <p:tnLst>
-      <p:par>
-        <p:cTn id="1" dur="indefinite" restart="never" nodeType="tmRoot"/>
-      </p:par>
-    </p:tnLst>
-  </p:timing>
 </p:sld>
 </file>
 
@@ -25354,13 +25979,6 @@
   <p:clrMapOvr>
     <a:masterClrMapping/>
   </p:clrMapOvr>
-  <p:timing>
-    <p:tnLst>
-      <p:par>
-        <p:cTn id="1" dur="indefinite" restart="never" nodeType="tmRoot"/>
-      </p:par>
-    </p:tnLst>
-  </p:timing>
 </p:sld>
 </file>
 
@@ -25493,13 +26111,6 @@
   <p:clrMapOvr>
     <a:masterClrMapping/>
   </p:clrMapOvr>
-  <p:timing>
-    <p:tnLst>
-      <p:par>
-        <p:cTn id="1" dur="indefinite" restart="never" nodeType="tmRoot"/>
-      </p:par>
-    </p:tnLst>
-  </p:timing>
 </p:sld>
 </file>
 
@@ -25644,13 +26255,6 @@
   <p:clrMapOvr>
     <a:masterClrMapping/>
   </p:clrMapOvr>
-  <p:timing>
-    <p:tnLst>
-      <p:par>
-        <p:cTn id="1" dur="indefinite" restart="never" nodeType="tmRoot"/>
-      </p:par>
-    </p:tnLst>
-  </p:timing>
 </p:sld>
 </file>
 
@@ -25760,13 +26364,6 @@
   <p:clrMapOvr>
     <a:masterClrMapping/>
   </p:clrMapOvr>
-  <p:timing>
-    <p:tnLst>
-      <p:par>
-        <p:cTn id="1" dur="indefinite" restart="never" nodeType="tmRoot"/>
-      </p:par>
-    </p:tnLst>
-  </p:timing>
 </p:sld>
 </file>
 
@@ -25917,13 +26514,6 @@
   <p:clrMapOvr>
     <a:masterClrMapping/>
   </p:clrMapOvr>
-  <p:timing>
-    <p:tnLst>
-      <p:par>
-        <p:cTn id="1" dur="indefinite" restart="never" nodeType="tmRoot"/>
-      </p:par>
-    </p:tnLst>
-  </p:timing>
 </p:sld>
 </file>
 
@@ -25996,13 +26586,6 @@
   <p:clrMapOvr>
     <a:masterClrMapping/>
   </p:clrMapOvr>
-  <p:timing>
-    <p:tnLst>
-      <p:par>
-        <p:cTn id="1" dur="indefinite" restart="never" nodeType="tmRoot"/>
-      </p:par>
-    </p:tnLst>
-  </p:timing>
 </p:sld>
 </file>
 
@@ -26137,13 +26720,6 @@
   <p:clrMapOvr>
     <a:masterClrMapping/>
   </p:clrMapOvr>
-  <p:timing>
-    <p:tnLst>
-      <p:par>
-        <p:cTn id="1" dur="indefinite" restart="never" nodeType="tmRoot"/>
-      </p:par>
-    </p:tnLst>
-  </p:timing>
 </p:sld>
 </file>
 
@@ -26247,13 +26823,6 @@
   <p:clrMapOvr>
     <a:masterClrMapping/>
   </p:clrMapOvr>
-  <p:timing>
-    <p:tnLst>
-      <p:par>
-        <p:cTn id="1" dur="indefinite" restart="never" nodeType="tmRoot"/>
-      </p:par>
-    </p:tnLst>
-  </p:timing>
 </p:sld>
 </file>
 
@@ -26357,13 +26926,6 @@
   <p:clrMapOvr>
     <a:masterClrMapping/>
   </p:clrMapOvr>
-  <p:timing>
-    <p:tnLst>
-      <p:par>
-        <p:cTn id="1" dur="indefinite" restart="never" nodeType="tmRoot"/>
-      </p:par>
-    </p:tnLst>
-  </p:timing>
 </p:sld>
 </file>
 
@@ -26996,13 +27558,6 @@
   <p:clrMapOvr>
     <a:masterClrMapping/>
   </p:clrMapOvr>
-  <p:timing>
-    <p:tnLst>
-      <p:par>
-        <p:cTn id="1" dur="indefinite" restart="never" nodeType="tmRoot"/>
-      </p:par>
-    </p:tnLst>
-  </p:timing>
 </p:sld>
 </file>
 
@@ -27278,13 +27833,6 @@
   <p:clrMapOvr>
     <a:masterClrMapping/>
   </p:clrMapOvr>
-  <p:timing>
-    <p:tnLst>
-      <p:par>
-        <p:cTn id="1" dur="indefinite" restart="never" nodeType="tmRoot"/>
-      </p:par>
-    </p:tnLst>
-  </p:timing>
 </p:sld>
 </file>
 
@@ -27397,10 +27945,6 @@
               <a:rPr lang="en-US" sz="1800" i="1" dirty="0"/>
               <a:t>“A single-page application (SPA) is a web application or website that interacts with the web browser by dynamically rewriting the current web page with new data from the web server, instead of the default method of the browser loading entire new pages.”</a:t>
             </a:r>
-            <a:r>
-              <a:rPr lang="en-US" dirty="0"/>
-              <a:t/>
-            </a:r>
             <a:br>
               <a:rPr lang="en-US" dirty="0"/>
             </a:br>
@@ -27418,13 +27962,6 @@
   <p:clrMapOvr>
     <a:masterClrMapping/>
   </p:clrMapOvr>
-  <p:timing>
-    <p:tnLst>
-      <p:par>
-        <p:cTn id="1" dur="indefinite" restart="never" nodeType="tmRoot"/>
-      </p:par>
-    </p:tnLst>
-  </p:timing>
 </p:sld>
 </file>
 
@@ -27563,10 +28100,6 @@
             <a:pPr marL="571500" lvl="1" indent="0">
               <a:buNone/>
             </a:pPr>
-            <a:r>
-              <a:rPr lang="en-US" dirty="0"/>
-              <a:t/>
-            </a:r>
             <a:br>
               <a:rPr lang="en-US" dirty="0"/>
             </a:br>
@@ -27584,13 +28117,6 @@
   <p:clrMapOvr>
     <a:masterClrMapping/>
   </p:clrMapOvr>
-  <p:timing>
-    <p:tnLst>
-      <p:par>
-        <p:cTn id="1" dur="indefinite" restart="never" nodeType="tmRoot"/>
-      </p:par>
-    </p:tnLst>
-  </p:timing>
 </p:sld>
 </file>
 
@@ -28035,13 +28561,6 @@
   <p:clrMapOvr>
     <a:masterClrMapping/>
   </p:clrMapOvr>
-  <p:timing>
-    <p:tnLst>
-      <p:par>
-        <p:cTn id="1" dur="indefinite" restart="never" nodeType="tmRoot"/>
-      </p:par>
-    </p:tnLst>
-  </p:timing>
 </p:sld>
 </file>
 
@@ -28183,13 +28702,6 @@
   <p:clrMapOvr>
     <a:masterClrMapping/>
   </p:clrMapOvr>
-  <p:timing>
-    <p:tnLst>
-      <p:par>
-        <p:cTn id="1" dur="indefinite" restart="never" nodeType="tmRoot"/>
-      </p:par>
-    </p:tnLst>
-  </p:timing>
 </p:sld>
 </file>
 
@@ -28309,13 +28821,6 @@
   <p:clrMapOvr>
     <a:masterClrMapping/>
   </p:clrMapOvr>
-  <p:timing>
-    <p:tnLst>
-      <p:par>
-        <p:cTn id="1" dur="indefinite" restart="never" nodeType="tmRoot"/>
-      </p:par>
-    </p:tnLst>
-  </p:timing>
 </p:sld>
 </file>
 
@@ -28451,13 +28956,6 @@
   <p:clrMapOvr>
     <a:masterClrMapping/>
   </p:clrMapOvr>
-  <p:timing>
-    <p:tnLst>
-      <p:par>
-        <p:cTn id="1" dur="indefinite" restart="never" nodeType="tmRoot"/>
-      </p:par>
-    </p:tnLst>
-  </p:timing>
 </p:sld>
 </file>
 
@@ -28578,13 +29076,6 @@
   <p:clrMapOvr>
     <a:masterClrMapping/>
   </p:clrMapOvr>
-  <p:timing>
-    <p:tnLst>
-      <p:par>
-        <p:cTn id="1" dur="indefinite" restart="never" nodeType="tmRoot"/>
-      </p:par>
-    </p:tnLst>
-  </p:timing>
 </p:sld>
 </file>
 
@@ -29013,13 +29504,6 @@
   <p:clrMapOvr>
     <a:masterClrMapping/>
   </p:clrMapOvr>
-  <p:timing>
-    <p:tnLst>
-      <p:par>
-        <p:cTn id="1" dur="indefinite" restart="never" nodeType="tmRoot"/>
-      </p:par>
-    </p:tnLst>
-  </p:timing>
 </p:sld>
 </file>
 
@@ -29151,13 +29635,6 @@
   <p:clrMapOvr>
     <a:masterClrMapping/>
   </p:clrMapOvr>
-  <p:timing>
-    <p:tnLst>
-      <p:par>
-        <p:cTn id="1" dur="indefinite" restart="never" nodeType="tmRoot"/>
-      </p:par>
-    </p:tnLst>
-  </p:timing>
 </p:sld>
 </file>
 
@@ -29286,13 +29763,6 @@
   <p:clrMapOvr>
     <a:masterClrMapping/>
   </p:clrMapOvr>
-  <p:timing>
-    <p:tnLst>
-      <p:par>
-        <p:cTn id="1" dur="indefinite" restart="never" nodeType="tmRoot"/>
-      </p:par>
-    </p:tnLst>
-  </p:timing>
 </p:sld>
 </file>
 
@@ -29318,7 +29788,7 @@
           <p:cNvPr id="2" name="Title 1">
             <a:extLst>
               <a:ext uri="{FF2B5EF4-FFF2-40B4-BE49-F238E27FC236}">
-                <a16:creationId xmlns="" xmlns:a16="http://schemas.microsoft.com/office/drawing/2014/main" id="{8E3390F4-2813-479A-B2CA-B1826DC5B2F7}"/>
+                <a16:creationId xmlns:a16="http://schemas.microsoft.com/office/drawing/2014/main" id="{8E3390F4-2813-479A-B2CA-B1826DC5B2F7}"/>
               </a:ext>
             </a:extLst>
           </p:cNvPr>
@@ -29346,7 +29816,7 @@
           <p:cNvPr id="3" name="Text Placeholder 2">
             <a:extLst>
               <a:ext uri="{FF2B5EF4-FFF2-40B4-BE49-F238E27FC236}">
-                <a16:creationId xmlns="" xmlns:a16="http://schemas.microsoft.com/office/drawing/2014/main" id="{81978763-2B04-4689-B469-56C75E8408E4}"/>
+                <a16:creationId xmlns:a16="http://schemas.microsoft.com/office/drawing/2014/main" id="{81978763-2B04-4689-B469-56C75E8408E4}"/>
               </a:ext>
             </a:extLst>
           </p:cNvPr>
@@ -29494,10 +29964,6 @@
               </a:rPr>
               <a:t>;</a:t>
             </a:r>
-            <a:r>
-              <a:rPr lang="en-US" dirty="0"/>
-              <a:t/>
-            </a:r>
             <a:br>
               <a:rPr lang="en-US" dirty="0"/>
             </a:br>
@@ -29515,13 +29981,6 @@
   <p:clrMapOvr>
     <a:masterClrMapping/>
   </p:clrMapOvr>
-  <p:timing>
-    <p:tnLst>
-      <p:par>
-        <p:cTn id="1" dur="indefinite" restart="never" nodeType="tmRoot"/>
-      </p:par>
-    </p:tnLst>
-  </p:timing>
 </p:sld>
 </file>
 
@@ -29617,13 +30076,6 @@
   <p:clrMapOvr>
     <a:masterClrMapping/>
   </p:clrMapOvr>
-  <p:timing>
-    <p:tnLst>
-      <p:par>
-        <p:cTn id="1" dur="indefinite" restart="never" nodeType="tmRoot"/>
-      </p:par>
-    </p:tnLst>
-  </p:timing>
 </p:sld>
 </file>
 
@@ -29649,7 +30101,7 @@
           <p:cNvPr id="2" name="Title 1">
             <a:extLst>
               <a:ext uri="{FF2B5EF4-FFF2-40B4-BE49-F238E27FC236}">
-                <a16:creationId xmlns="" xmlns:a16="http://schemas.microsoft.com/office/drawing/2014/main" id="{05693CBD-A7E2-424C-882C-891BB8936526}"/>
+                <a16:creationId xmlns:a16="http://schemas.microsoft.com/office/drawing/2014/main" id="{05693CBD-A7E2-424C-882C-891BB8936526}"/>
               </a:ext>
             </a:extLst>
           </p:cNvPr>
@@ -29677,7 +30129,7 @@
           <p:cNvPr id="3" name="Text Placeholder 2">
             <a:extLst>
               <a:ext uri="{FF2B5EF4-FFF2-40B4-BE49-F238E27FC236}">
-                <a16:creationId xmlns="" xmlns:a16="http://schemas.microsoft.com/office/drawing/2014/main" id="{B870AE03-A16C-4B3F-A116-B9CFEE07B705}"/>
+                <a16:creationId xmlns:a16="http://schemas.microsoft.com/office/drawing/2014/main" id="{B870AE03-A16C-4B3F-A116-B9CFEE07B705}"/>
               </a:ext>
             </a:extLst>
           </p:cNvPr>
@@ -29771,13 +30223,6 @@
   <p:clrMapOvr>
     <a:masterClrMapping/>
   </p:clrMapOvr>
-  <p:timing>
-    <p:tnLst>
-      <p:par>
-        <p:cTn id="1" dur="indefinite" restart="never" nodeType="tmRoot"/>
-      </p:par>
-    </p:tnLst>
-  </p:timing>
 </p:sld>
 </file>
 
@@ -29803,7 +30248,7 @@
           <p:cNvPr id="2" name="Title 1">
             <a:extLst>
               <a:ext uri="{FF2B5EF4-FFF2-40B4-BE49-F238E27FC236}">
-                <a16:creationId xmlns="" xmlns:a16="http://schemas.microsoft.com/office/drawing/2014/main" id="{38FB9F05-8B13-4BBF-ABAF-97668C713DD6}"/>
+                <a16:creationId xmlns:a16="http://schemas.microsoft.com/office/drawing/2014/main" id="{38FB9F05-8B13-4BBF-ABAF-97668C713DD6}"/>
               </a:ext>
             </a:extLst>
           </p:cNvPr>
@@ -29831,7 +30276,7 @@
           <p:cNvPr id="3" name="Text Placeholder 2">
             <a:extLst>
               <a:ext uri="{FF2B5EF4-FFF2-40B4-BE49-F238E27FC236}">
-                <a16:creationId xmlns="" xmlns:a16="http://schemas.microsoft.com/office/drawing/2014/main" id="{C3265D89-6B63-4A0E-B3D3-C5879C6A0FFF}"/>
+                <a16:creationId xmlns:a16="http://schemas.microsoft.com/office/drawing/2014/main" id="{C3265D89-6B63-4A0E-B3D3-C5879C6A0FFF}"/>
               </a:ext>
             </a:extLst>
           </p:cNvPr>
@@ -29925,13 +30370,6 @@
   <p:clrMapOvr>
     <a:masterClrMapping/>
   </p:clrMapOvr>
-  <p:timing>
-    <p:tnLst>
-      <p:par>
-        <p:cTn id="1" dur="indefinite" restart="never" nodeType="tmRoot"/>
-      </p:par>
-    </p:tnLst>
-  </p:timing>
 </p:sld>
 </file>
 
@@ -29957,7 +30395,7 @@
           <p:cNvPr id="2" name="Title 1">
             <a:extLst>
               <a:ext uri="{FF2B5EF4-FFF2-40B4-BE49-F238E27FC236}">
-                <a16:creationId xmlns="" xmlns:a16="http://schemas.microsoft.com/office/drawing/2014/main" id="{BE113AB8-B8FB-44E4-8BF1-00806350BFAC}"/>
+                <a16:creationId xmlns:a16="http://schemas.microsoft.com/office/drawing/2014/main" id="{BE113AB8-B8FB-44E4-8BF1-00806350BFAC}"/>
               </a:ext>
             </a:extLst>
           </p:cNvPr>
@@ -29986,7 +30424,7 @@
           <p:cNvPr id="3" name="Text Placeholder 2">
             <a:extLst>
               <a:ext uri="{FF2B5EF4-FFF2-40B4-BE49-F238E27FC236}">
-                <a16:creationId xmlns="" xmlns:a16="http://schemas.microsoft.com/office/drawing/2014/main" id="{62D828A7-23C6-47B9-8FC4-9EAFFB8F8BF8}"/>
+                <a16:creationId xmlns:a16="http://schemas.microsoft.com/office/drawing/2014/main" id="{62D828A7-23C6-47B9-8FC4-9EAFFB8F8BF8}"/>
               </a:ext>
             </a:extLst>
           </p:cNvPr>
@@ -30025,7 +30463,7 @@
           <p:cNvPr id="9" name="Picture 8">
             <a:extLst>
               <a:ext uri="{FF2B5EF4-FFF2-40B4-BE49-F238E27FC236}">
-                <a16:creationId xmlns="" xmlns:a16="http://schemas.microsoft.com/office/drawing/2014/main" id="{AB2A4D1D-3FC5-46DB-AA99-726C3F479FA8}"/>
+                <a16:creationId xmlns:a16="http://schemas.microsoft.com/office/drawing/2014/main" id="{AB2A4D1D-3FC5-46DB-AA99-726C3F479FA8}"/>
               </a:ext>
             </a:extLst>
           </p:cNvPr>
@@ -30060,13 +30498,6 @@
   <p:clrMapOvr>
     <a:masterClrMapping/>
   </p:clrMapOvr>
-  <p:timing>
-    <p:tnLst>
-      <p:par>
-        <p:cTn id="1" dur="indefinite" restart="never" nodeType="tmRoot"/>
-      </p:par>
-    </p:tnLst>
-  </p:timing>
 </p:sld>
 </file>
 
@@ -30349,10 +30780,6 @@
             <a:pPr marL="95250" indent="0">
               <a:buNone/>
             </a:pPr>
-            <a:r>
-              <a:rPr lang="en-US" sz="1800" dirty="0"/>
-              <a:t/>
-            </a:r>
             <a:br>
               <a:rPr lang="en-US" sz="1800" dirty="0"/>
             </a:br>
@@ -30370,13 +30797,6 @@
   <p:clrMapOvr>
     <a:masterClrMapping/>
   </p:clrMapOvr>
-  <p:timing>
-    <p:tnLst>
-      <p:par>
-        <p:cTn id="1" dur="indefinite" restart="never" nodeType="tmRoot"/>
-      </p:par>
-    </p:tnLst>
-  </p:timing>
 </p:sld>
 </file>
 
@@ -30511,13 +30931,6 @@
   <p:clrMapOvr>
     <a:masterClrMapping/>
   </p:clrMapOvr>
-  <p:timing>
-    <p:tnLst>
-      <p:par>
-        <p:cTn id="1" dur="indefinite" restart="never" nodeType="tmRoot"/>
-      </p:par>
-    </p:tnLst>
-  </p:timing>
 </p:sld>
 </file>
 
@@ -30622,13 +31035,6 @@
   <p:clrMapOvr>
     <a:masterClrMapping/>
   </p:clrMapOvr>
-  <p:timing>
-    <p:tnLst>
-      <p:par>
-        <p:cTn id="1" dur="indefinite" restart="never" nodeType="tmRoot"/>
-      </p:par>
-    </p:tnLst>
-  </p:timing>
 </p:sld>
 </file>
 
@@ -30744,13 +31150,6 @@
   <p:clrMapOvr>
     <a:masterClrMapping/>
   </p:clrMapOvr>
-  <p:timing>
-    <p:tnLst>
-      <p:par>
-        <p:cTn id="1" dur="indefinite" restart="never" nodeType="tmRoot"/>
-      </p:par>
-    </p:tnLst>
-  </p:timing>
 </p:sld>
 </file>
 
@@ -30863,13 +31262,6 @@
   <p:clrMapOvr>
     <a:masterClrMapping/>
   </p:clrMapOvr>
-  <p:timing>
-    <p:tnLst>
-      <p:par>
-        <p:cTn id="1" dur="indefinite" restart="never" nodeType="tmRoot"/>
-      </p:par>
-    </p:tnLst>
-  </p:timing>
 </p:sld>
 </file>
 
@@ -30946,7 +31338,7 @@
               <a:t>Include </a:t>
             </a:r>
             <a:r>
-              <a:rPr lang="en-US" dirty="0" err="1" smtClean="0"/>
+              <a:rPr lang="en-US" dirty="0" err="1"/>
               <a:t>FormsModule</a:t>
             </a:r>
             <a:r>
@@ -31000,12 +31392,8 @@
           </a:p>
           <a:p>
             <a:r>
-              <a:rPr lang="en-US" dirty="0" smtClean="0"/>
-              <a:t>Validity </a:t>
-            </a:r>
-            <a:r>
-              <a:rPr lang="en-US" dirty="0"/>
-              <a:t>and control status using </a:t>
+              <a:rPr lang="en-US" dirty="0"/>
+              <a:t>Validity and control status using </a:t>
             </a:r>
             <a:r>
               <a:rPr lang="en-US" dirty="0" err="1"/>
@@ -31048,13 +31436,6 @@
   <p:clrMapOvr>
     <a:masterClrMapping/>
   </p:clrMapOvr>
-  <p:timing>
-    <p:tnLst>
-      <p:par>
-        <p:cTn id="1" dur="indefinite" restart="never" nodeType="tmRoot"/>
-      </p:par>
-    </p:tnLst>
-  </p:timing>
 </p:sld>
 </file>
 
@@ -31151,13 +31532,8 @@
             <a:pPr lvl="1"/>
             <a:r>
               <a:rPr lang="en-US" dirty="0"/>
-              <a:t>Disable the Submit button until the form is valid</a:t>
-            </a:r>
-            <a:r>
-              <a:rPr lang="en-US" dirty="0" smtClean="0"/>
-              <a:t>.</a:t>
-            </a:r>
-            <a:endParaRPr lang="en-US" dirty="0"/>
+              <a:t>Disable the Submit button until the form is valid.</a:t>
+            </a:r>
           </a:p>
         </p:txBody>
       </p:sp>
@@ -31171,13 +31547,6 @@
   <p:clrMapOvr>
     <a:masterClrMapping/>
   </p:clrMapOvr>
-  <p:timing>
-    <p:tnLst>
-      <p:par>
-        <p:cTn id="1" dur="indefinite" restart="never" nodeType="tmRoot"/>
-      </p:par>
-    </p:tnLst>
-  </p:timing>
 </p:sld>
 </file>
 
@@ -31331,13 +31700,6 @@
   <p:clrMapOvr>
     <a:masterClrMapping/>
   </p:clrMapOvr>
-  <p:timing>
-    <p:tnLst>
-      <p:par>
-        <p:cTn id="1" dur="indefinite" restart="never" nodeType="tmRoot"/>
-      </p:par>
-    </p:tnLst>
-  </p:timing>
 </p:sld>
 </file>
 
@@ -31665,10 +32027,6 @@
             <a:pPr marL="95250" indent="0">
               <a:buNone/>
             </a:pPr>
-            <a:r>
-              <a:rPr lang="en-US" dirty="0"/>
-              <a:t/>
-            </a:r>
             <a:br>
               <a:rPr lang="en-US" dirty="0"/>
             </a:br>
@@ -31710,13 +32068,6 @@
   <p:clrMapOvr>
     <a:masterClrMapping/>
   </p:clrMapOvr>
-  <p:timing>
-    <p:tnLst>
-      <p:par>
-        <p:cTn id="1" dur="indefinite" restart="never" nodeType="tmRoot"/>
-      </p:par>
-    </p:tnLst>
-  </p:timing>
 </p:sld>
 </file>
 
@@ -31856,7 +32207,7 @@
               <a:t> || </a:t>
             </a:r>
             <a:r>
-              <a:rPr lang="en-US" sz="1100" dirty="0" err="1" smtClean="0">
+              <a:rPr lang="en-US" sz="1100" dirty="0" err="1">
                 <a:solidFill>
                   <a:srgbClr val="880000"/>
                 </a:solidFill>
@@ -31865,7 +32216,7 @@
               <a:t>name.pristine</a:t>
             </a:r>
             <a:r>
-              <a:rPr lang="en-US" sz="1100" dirty="0" smtClean="0">
+              <a:rPr lang="en-US" sz="1100" dirty="0">
                 <a:solidFill>
                   <a:srgbClr val="880000"/>
                 </a:solidFill>
@@ -31874,7 +32225,7 @@
               <a:t>"</a:t>
             </a:r>
             <a:r>
-              <a:rPr lang="en-US" sz="1100" dirty="0" smtClean="0">
+              <a:rPr lang="en-US" sz="1100" dirty="0">
                 <a:solidFill>
                   <a:srgbClr val="000000"/>
                 </a:solidFill>
@@ -31943,7 +32294,7 @@
               <a:t>Submit the form with </a:t>
             </a:r>
             <a:r>
-              <a:rPr lang="en-US" dirty="0" err="1" smtClean="0"/>
+              <a:rPr lang="en-US" dirty="0" err="1"/>
               <a:t>ngSubmit</a:t>
             </a:r>
             <a:endParaRPr lang="en-US" dirty="0"/>
@@ -32318,13 +32669,6 @@
   <p:clrMapOvr>
     <a:masterClrMapping/>
   </p:clrMapOvr>
-  <p:timing>
-    <p:tnLst>
-      <p:par>
-        <p:cTn id="1" dur="indefinite" restart="never" nodeType="tmRoot"/>
-      </p:par>
-    </p:tnLst>
-  </p:timing>
 </p:sld>
 </file>
 
@@ -32392,14 +32736,10 @@
             <a:pPr lvl="1"/>
             <a:r>
               <a:rPr lang="en-US" sz="1700" dirty="0"/>
-              <a:t>Built-in </a:t>
-            </a:r>
-            <a:r>
-              <a:rPr lang="en-US" sz="1700" dirty="0" smtClean="0"/>
-              <a:t>validator </a:t>
-            </a:r>
-            <a:r>
-              <a:rPr lang="en-US" sz="1600" b="0" i="0" dirty="0" smtClean="0">
+              <a:t>Built-in validator </a:t>
+            </a:r>
+            <a:r>
+              <a:rPr lang="en-US" sz="1600" b="0" i="0" dirty="0">
                 <a:solidFill>
                   <a:srgbClr val="24292E"/>
                 </a:solidFill>
@@ -33112,7 +33452,7 @@
           <p:cNvPr id="5" name="Picture 4">
             <a:extLst>
               <a:ext uri="{FF2B5EF4-FFF2-40B4-BE49-F238E27FC236}">
-                <a16:creationId xmlns="" xmlns:a16="http://schemas.microsoft.com/office/drawing/2014/main" id="{A3ACDE0D-EEAC-419F-A7A2-703C54D94412}"/>
+                <a16:creationId xmlns:a16="http://schemas.microsoft.com/office/drawing/2014/main" id="{A3ACDE0D-EEAC-419F-A7A2-703C54D94412}"/>
               </a:ext>
             </a:extLst>
           </p:cNvPr>
@@ -33147,13 +33487,6 @@
   <p:clrMapOvr>
     <a:masterClrMapping/>
   </p:clrMapOvr>
-  <p:timing>
-    <p:tnLst>
-      <p:par>
-        <p:cTn id="1" dur="indefinite" restart="never" nodeType="tmRoot"/>
-      </p:par>
-    </p:tnLst>
-  </p:timing>
 </p:sld>
 </file>
 
@@ -33193,7 +33526,6 @@
               <a:rPr lang="en-US" dirty="0"/>
               <a:t>Template-driven forms</a:t>
             </a:r>
-            <a:endParaRPr lang="en-US" dirty="0"/>
           </a:p>
         </p:txBody>
       </p:sp>
@@ -33256,13 +33588,6 @@
   <p:clrMapOvr>
     <a:masterClrMapping/>
   </p:clrMapOvr>
-  <p:timing>
-    <p:tnLst>
-      <p:par>
-        <p:cTn id="1" dur="indefinite" restart="never" nodeType="tmRoot"/>
-      </p:par>
-    </p:tnLst>
-  </p:timing>
 </p:sld>
 </file>
 
@@ -33386,13 +33711,6 @@
   <p:clrMapOvr>
     <a:masterClrMapping/>
   </p:clrMapOvr>
-  <p:timing>
-    <p:tnLst>
-      <p:par>
-        <p:cTn id="1" dur="indefinite" restart="never" nodeType="tmRoot"/>
-      </p:par>
-    </p:tnLst>
-  </p:timing>
 </p:sld>
 </file>
 
@@ -33565,7 +33883,7 @@
           <p:cNvPr id="4" name="Picture 3">
             <a:extLst>
               <a:ext uri="{FF2B5EF4-FFF2-40B4-BE49-F238E27FC236}">
-                <a16:creationId xmlns="" xmlns:a16="http://schemas.microsoft.com/office/drawing/2014/main" id="{A9E5F16C-3CA5-4465-A7E4-25B87F19801D}"/>
+                <a16:creationId xmlns:a16="http://schemas.microsoft.com/office/drawing/2014/main" id="{A9E5F16C-3CA5-4465-A7E4-25B87F19801D}"/>
               </a:ext>
             </a:extLst>
           </p:cNvPr>
@@ -33600,13 +33918,6 @@
   <p:clrMapOvr>
     <a:masterClrMapping/>
   </p:clrMapOvr>
-  <p:timing>
-    <p:tnLst>
-      <p:par>
-        <p:cTn id="1" dur="indefinite" restart="never" nodeType="tmRoot"/>
-      </p:par>
-    </p:tnLst>
-  </p:timing>
 </p:sld>
 </file>
 
@@ -33763,13 +34074,6 @@
   <p:clrMapOvr>
     <a:masterClrMapping/>
   </p:clrMapOvr>
-  <p:timing>
-    <p:tnLst>
-      <p:par>
-        <p:cTn id="1" dur="indefinite" restart="never" nodeType="tmRoot"/>
-      </p:par>
-    </p:tnLst>
-  </p:timing>
 </p:sld>
 </file>
 
@@ -34032,7 +34336,7 @@
           <p:cNvPr id="4" name="Picture 3">
             <a:extLst>
               <a:ext uri="{FF2B5EF4-FFF2-40B4-BE49-F238E27FC236}">
-                <a16:creationId xmlns="" xmlns:a16="http://schemas.microsoft.com/office/drawing/2014/main" id="{26C8670E-3A34-4870-8B31-F13A8696B071}"/>
+                <a16:creationId xmlns:a16="http://schemas.microsoft.com/office/drawing/2014/main" id="{26C8670E-3A34-4870-8B31-F13A8696B071}"/>
               </a:ext>
             </a:extLst>
           </p:cNvPr>
@@ -34067,13 +34371,6 @@
   <p:clrMapOvr>
     <a:masterClrMapping/>
   </p:clrMapOvr>
-  <p:timing>
-    <p:tnLst>
-      <p:par>
-        <p:cTn id="1" dur="indefinite" restart="never" nodeType="tmRoot"/>
-      </p:par>
-    </p:tnLst>
-  </p:timing>
 </p:sld>
 </file>
 
@@ -34178,7 +34475,7 @@
               <a:t>FormControl</a:t>
             </a:r>
             <a:r>
-              <a:rPr lang="en-US" dirty="0" smtClean="0"/>
+              <a:rPr lang="en-US" dirty="0"/>
               <a:t>.</a:t>
             </a:r>
           </a:p>
@@ -34264,7 +34561,7 @@
               <a:tabLst/>
             </a:pPr>
             <a:r>
-              <a:rPr kumimoji="0" lang="en-US" altLang="en-US" sz="900" b="0" i="0" u="none" strike="noStrike" cap="none" normalizeH="0" baseline="0" dirty="0" err="1" smtClean="0">
+              <a:rPr kumimoji="0" lang="en-US" altLang="en-US" sz="900" b="0" i="0" u="none" strike="noStrike" cap="none" normalizeH="0" baseline="0" dirty="0" err="1">
                 <a:ln>
                   <a:noFill/>
                 </a:ln>
@@ -34277,7 +34574,7 @@
               <a:t>isUserNameDuplicated</a:t>
             </a:r>
             <a:r>
-              <a:rPr kumimoji="0" lang="en-US" altLang="en-US" sz="900" b="0" i="0" u="none" strike="noStrike" cap="none" normalizeH="0" baseline="0" dirty="0" smtClean="0">
+              <a:rPr kumimoji="0" lang="en-US" altLang="en-US" sz="900" b="0" i="0" u="none" strike="noStrike" cap="none" normalizeH="0" baseline="0" dirty="0">
                 <a:ln>
                   <a:noFill/>
                 </a:ln>
@@ -34290,7 +34587,7 @@
               <a:t>(control: </a:t>
             </a:r>
             <a:r>
-              <a:rPr kumimoji="0" lang="en-US" altLang="en-US" sz="900" b="0" i="0" u="none" strike="noStrike" cap="none" normalizeH="0" baseline="0" dirty="0" err="1" smtClean="0">
+              <a:rPr kumimoji="0" lang="en-US" altLang="en-US" sz="900" b="0" i="0" u="none" strike="noStrike" cap="none" normalizeH="0" baseline="0" dirty="0" err="1">
                 <a:ln>
                   <a:noFill/>
                 </a:ln>
@@ -34303,7 +34600,7 @@
               <a:t>AbstractControl</a:t>
             </a:r>
             <a:r>
-              <a:rPr kumimoji="0" lang="en-US" altLang="en-US" sz="900" b="0" i="0" u="none" strike="noStrike" cap="none" normalizeH="0" baseline="0" dirty="0" smtClean="0">
+              <a:rPr kumimoji="0" lang="en-US" altLang="en-US" sz="900" b="0" i="0" u="none" strike="noStrike" cap="none" normalizeH="0" baseline="0" dirty="0">
                 <a:ln>
                   <a:noFill/>
                 </a:ln>
@@ -34316,7 +34613,7 @@
               <a:t>): Observable</a:t>
             </a:r>
             <a:r>
-              <a:rPr kumimoji="0" lang="en-US" altLang="en-US" sz="900" b="0" i="0" u="none" strike="noStrike" cap="none" normalizeH="0" baseline="0" dirty="0" smtClean="0">
+              <a:rPr kumimoji="0" lang="en-US" altLang="en-US" sz="900" b="0" i="0" u="none" strike="noStrike" cap="none" normalizeH="0" baseline="0" dirty="0">
                 <a:ln>
                   <a:noFill/>
                 </a:ln>
@@ -34329,7 +34626,7 @@
               <a:t>&lt;</a:t>
             </a:r>
             <a:r>
-              <a:rPr kumimoji="0" lang="en-US" altLang="en-US" sz="900" b="0" i="0" u="none" strike="noStrike" cap="none" normalizeH="0" baseline="0" dirty="0" err="1" smtClean="0">
+              <a:rPr kumimoji="0" lang="en-US" altLang="en-US" sz="900" b="0" i="0" u="none" strike="noStrike" cap="none" normalizeH="0" baseline="0" dirty="0" err="1">
                 <a:ln>
                   <a:noFill/>
                 </a:ln>
@@ -34342,7 +34639,7 @@
               <a:t>ValidationErrors</a:t>
             </a:r>
             <a:r>
-              <a:rPr kumimoji="0" lang="en-US" altLang="en-US" sz="900" b="0" i="0" u="none" strike="noStrike" cap="none" normalizeH="0" baseline="0" dirty="0" smtClean="0">
+              <a:rPr kumimoji="0" lang="en-US" altLang="en-US" sz="900" b="0" i="0" u="none" strike="noStrike" cap="none" normalizeH="0" baseline="0" dirty="0">
                 <a:ln>
                   <a:noFill/>
                 </a:ln>
@@ -34355,7 +34652,7 @@
               <a:t>&gt;</a:t>
             </a:r>
             <a:r>
-              <a:rPr kumimoji="0" lang="en-US" altLang="en-US" sz="900" b="0" i="0" u="none" strike="noStrike" cap="none" normalizeH="0" baseline="0" dirty="0" smtClean="0">
+              <a:rPr kumimoji="0" lang="en-US" altLang="en-US" sz="900" b="0" i="0" u="none" strike="noStrike" cap="none" normalizeH="0" baseline="0" dirty="0">
                 <a:ln>
                   <a:noFill/>
                 </a:ln>
@@ -34368,7 +34665,7 @@
               <a:t> { </a:t>
             </a:r>
             <a:r>
-              <a:rPr kumimoji="0" lang="en-US" altLang="en-US" sz="900" b="0" i="0" u="none" strike="noStrike" cap="none" normalizeH="0" baseline="0" dirty="0" smtClean="0">
+              <a:rPr kumimoji="0" lang="en-US" altLang="en-US" sz="900" b="0" i="0" u="none" strike="noStrike" cap="none" normalizeH="0" baseline="0" dirty="0">
                 <a:ln>
                   <a:noFill/>
                 </a:ln>
@@ -34381,7 +34678,7 @@
               <a:t>return</a:t>
             </a:r>
             <a:r>
-              <a:rPr kumimoji="0" lang="en-US" altLang="en-US" sz="900" b="0" i="0" u="none" strike="noStrike" cap="none" normalizeH="0" baseline="0" dirty="0" smtClean="0">
+              <a:rPr kumimoji="0" lang="en-US" altLang="en-US" sz="900" b="0" i="0" u="none" strike="noStrike" cap="none" normalizeH="0" baseline="0" dirty="0">
                 <a:ln>
                   <a:noFill/>
                 </a:ln>
@@ -34394,7 +34691,7 @@
               <a:t> </a:t>
             </a:r>
             <a:r>
-              <a:rPr kumimoji="0" lang="en-US" altLang="en-US" sz="900" b="0" i="0" u="none" strike="noStrike" cap="none" normalizeH="0" baseline="0" dirty="0" smtClean="0">
+              <a:rPr kumimoji="0" lang="en-US" altLang="en-US" sz="900" b="0" i="0" u="none" strike="noStrike" cap="none" normalizeH="0" baseline="0" dirty="0">
                 <a:ln>
                   <a:noFill/>
                 </a:ln>
@@ -34407,7 +34704,7 @@
               <a:t>of</a:t>
             </a:r>
             <a:r>
-              <a:rPr kumimoji="0" lang="en-US" altLang="en-US" sz="900" b="0" i="0" u="none" strike="noStrike" cap="none" normalizeH="0" baseline="0" dirty="0" smtClean="0">
+              <a:rPr kumimoji="0" lang="en-US" altLang="en-US" sz="900" b="0" i="0" u="none" strike="noStrike" cap="none" normalizeH="0" baseline="0" dirty="0">
                 <a:ln>
                   <a:noFill/>
                 </a:ln>
@@ -34462,7 +34759,7 @@
               <a:tabLst/>
             </a:pPr>
             <a:r>
-              <a:rPr kumimoji="0" lang="en-US" altLang="en-US" sz="900" b="0" i="0" u="none" strike="noStrike" cap="none" normalizeH="0" baseline="0" dirty="0" smtClean="0">
+              <a:rPr kumimoji="0" lang="en-US" altLang="en-US" sz="900" b="0" i="0" u="none" strike="noStrike" cap="none" normalizeH="0" baseline="0" dirty="0">
                 <a:ln>
                   <a:noFill/>
                 </a:ln>
@@ -34475,7 +34772,7 @@
               <a:t>let</a:t>
             </a:r>
             <a:r>
-              <a:rPr kumimoji="0" lang="en-US" altLang="en-US" sz="900" b="0" i="0" u="none" strike="noStrike" cap="none" normalizeH="0" baseline="0" dirty="0" smtClean="0">
+              <a:rPr kumimoji="0" lang="en-US" altLang="en-US" sz="900" b="0" i="0" u="none" strike="noStrike" cap="none" normalizeH="0" baseline="0" dirty="0">
                 <a:ln>
                   <a:noFill/>
                 </a:ln>
@@ -34488,7 +34785,7 @@
               <a:t> control </a:t>
             </a:r>
             <a:r>
-              <a:rPr kumimoji="0" lang="en-US" altLang="en-US" sz="900" b="0" i="0" u="none" strike="noStrike" cap="none" normalizeH="0" baseline="0" dirty="0" smtClean="0">
+              <a:rPr kumimoji="0" lang="en-US" altLang="en-US" sz="900" b="0" i="0" u="none" strike="noStrike" cap="none" normalizeH="0" baseline="0" dirty="0">
                 <a:ln>
                   <a:noFill/>
                 </a:ln>
@@ -34501,7 +34798,7 @@
               <a:t>=</a:t>
             </a:r>
             <a:r>
-              <a:rPr kumimoji="0" lang="en-US" altLang="en-US" sz="900" b="0" i="0" u="none" strike="noStrike" cap="none" normalizeH="0" baseline="0" dirty="0" smtClean="0">
+              <a:rPr kumimoji="0" lang="en-US" altLang="en-US" sz="900" b="0" i="0" u="none" strike="noStrike" cap="none" normalizeH="0" baseline="0" dirty="0">
                 <a:ln>
                   <a:noFill/>
                 </a:ln>
@@ -34514,7 +34811,7 @@
               <a:t> </a:t>
             </a:r>
             <a:r>
-              <a:rPr kumimoji="0" lang="en-US" altLang="en-US" sz="900" b="0" i="0" u="none" strike="noStrike" cap="none" normalizeH="0" baseline="0" dirty="0" smtClean="0">
+              <a:rPr kumimoji="0" lang="en-US" altLang="en-US" sz="900" b="0" i="0" u="none" strike="noStrike" cap="none" normalizeH="0" baseline="0" dirty="0">
                 <a:ln>
                   <a:noFill/>
                 </a:ln>
@@ -34527,7 +34824,7 @@
               <a:t>new</a:t>
             </a:r>
             <a:r>
-              <a:rPr kumimoji="0" lang="en-US" altLang="en-US" sz="900" b="0" i="0" u="none" strike="noStrike" cap="none" normalizeH="0" baseline="0" dirty="0" smtClean="0">
+              <a:rPr kumimoji="0" lang="en-US" altLang="en-US" sz="900" b="0" i="0" u="none" strike="noStrike" cap="none" normalizeH="0" baseline="0" dirty="0">
                 <a:ln>
                   <a:noFill/>
                 </a:ln>
@@ -34540,7 +34837,7 @@
               <a:t> </a:t>
             </a:r>
             <a:r>
-              <a:rPr kumimoji="0" lang="en-US" altLang="en-US" sz="900" b="0" i="0" u="none" strike="noStrike" cap="none" normalizeH="0" baseline="0" dirty="0" err="1" smtClean="0">
+              <a:rPr kumimoji="0" lang="en-US" altLang="en-US" sz="900" b="0" i="0" u="none" strike="noStrike" cap="none" normalizeH="0" baseline="0" dirty="0" err="1">
                 <a:ln>
                   <a:noFill/>
                 </a:ln>
@@ -34553,7 +34850,7 @@
               <a:t>FormControl</a:t>
             </a:r>
             <a:r>
-              <a:rPr kumimoji="0" lang="en-US" altLang="en-US" sz="900" b="0" i="0" u="none" strike="noStrike" cap="none" normalizeH="0" baseline="0" dirty="0" smtClean="0">
+              <a:rPr kumimoji="0" lang="en-US" altLang="en-US" sz="900" b="0" i="0" u="none" strike="noStrike" cap="none" normalizeH="0" baseline="0" dirty="0">
                 <a:ln>
                   <a:noFill/>
                 </a:ln>
@@ -34566,7 +34863,7 @@
               <a:t>(</a:t>
             </a:r>
             <a:r>
-              <a:rPr kumimoji="0" lang="en-US" altLang="en-US" sz="900" b="0" i="0" u="none" strike="noStrike" cap="none" normalizeH="0" baseline="0" dirty="0" smtClean="0">
+              <a:rPr kumimoji="0" lang="en-US" altLang="en-US" sz="900" b="0" i="0" u="none" strike="noStrike" cap="none" normalizeH="0" baseline="0" dirty="0">
                 <a:ln>
                   <a:noFill/>
                 </a:ln>
@@ -34579,7 +34876,7 @@
               <a:t>""</a:t>
             </a:r>
             <a:r>
-              <a:rPr kumimoji="0" lang="en-US" altLang="en-US" sz="900" b="0" i="0" u="none" strike="noStrike" cap="none" normalizeH="0" baseline="0" dirty="0" smtClean="0">
+              <a:rPr kumimoji="0" lang="en-US" altLang="en-US" sz="900" b="0" i="0" u="none" strike="noStrike" cap="none" normalizeH="0" baseline="0" dirty="0">
                 <a:ln>
                   <a:noFill/>
                 </a:ln>
@@ -34592,7 +34889,7 @@
               <a:t>, </a:t>
             </a:r>
             <a:r>
-              <a:rPr kumimoji="0" lang="en-US" altLang="en-US" sz="900" b="0" i="0" u="none" strike="noStrike" cap="none" normalizeH="0" baseline="0" dirty="0" err="1" smtClean="0">
+              <a:rPr kumimoji="0" lang="en-US" altLang="en-US" sz="900" b="0" i="0" u="none" strike="noStrike" cap="none" normalizeH="0" baseline="0" dirty="0" err="1">
                 <a:ln>
                   <a:noFill/>
                 </a:ln>
@@ -34605,7 +34902,7 @@
               <a:t>Validators.</a:t>
             </a:r>
             <a:r>
-              <a:rPr kumimoji="0" lang="en-US" altLang="en-US" sz="900" b="0" i="0" u="none" strike="noStrike" cap="none" normalizeH="0" baseline="0" dirty="0" err="1" smtClean="0">
+              <a:rPr kumimoji="0" lang="en-US" altLang="en-US" sz="900" b="0" i="0" u="none" strike="noStrike" cap="none" normalizeH="0" baseline="0" dirty="0" err="1">
                 <a:ln>
                   <a:noFill/>
                 </a:ln>
@@ -34618,7 +34915,7 @@
               <a:t>required</a:t>
             </a:r>
             <a:r>
-              <a:rPr kumimoji="0" lang="en-US" altLang="en-US" sz="900" b="0" i="0" u="none" strike="noStrike" cap="none" normalizeH="0" baseline="0" dirty="0" smtClean="0">
+              <a:rPr kumimoji="0" lang="en-US" altLang="en-US" sz="900" b="0" i="0" u="none" strike="noStrike" cap="none" normalizeH="0" baseline="0" dirty="0">
                 <a:ln>
                   <a:noFill/>
                 </a:ln>
@@ -34631,7 +34928,7 @@
               <a:t>, </a:t>
             </a:r>
             <a:r>
-              <a:rPr kumimoji="0" lang="en-US" altLang="en-US" sz="900" b="0" i="0" u="none" strike="noStrike" cap="none" normalizeH="0" baseline="0" dirty="0" err="1" smtClean="0">
+              <a:rPr kumimoji="0" lang="en-US" altLang="en-US" sz="900" b="0" i="0" u="none" strike="noStrike" cap="none" normalizeH="0" baseline="0" dirty="0" err="1">
                 <a:ln>
                   <a:noFill/>
                 </a:ln>
@@ -34644,7 +34941,7 @@
               <a:t>this.</a:t>
             </a:r>
             <a:r>
-              <a:rPr kumimoji="0" lang="en-US" altLang="en-US" sz="900" b="0" i="0" u="none" strike="noStrike" cap="none" normalizeH="0" baseline="0" dirty="0" err="1" smtClean="0">
+              <a:rPr kumimoji="0" lang="en-US" altLang="en-US" sz="900" b="0" i="0" u="none" strike="noStrike" cap="none" normalizeH="0" baseline="0" dirty="0" err="1">
                 <a:ln>
                   <a:noFill/>
                 </a:ln>
@@ -34657,7 +34954,7 @@
               <a:t>isUserNameDuplicated</a:t>
             </a:r>
             <a:r>
-              <a:rPr kumimoji="0" lang="en-US" altLang="en-US" sz="900" b="0" i="0" u="none" strike="noStrike" cap="none" normalizeH="0" baseline="0" dirty="0" smtClean="0">
+              <a:rPr kumimoji="0" lang="en-US" altLang="en-US" sz="900" b="0" i="0" u="none" strike="noStrike" cap="none" normalizeH="0" baseline="0" dirty="0">
                 <a:ln>
                   <a:noFill/>
                 </a:ln>
@@ -34688,7 +34985,7 @@
               <a:tabLst/>
             </a:pPr>
             <a:r>
-              <a:rPr kumimoji="0" lang="en-US" altLang="en-US" sz="900" b="0" i="0" u="none" strike="noStrike" cap="none" normalizeH="0" baseline="0" dirty="0" err="1" smtClean="0">
+              <a:rPr kumimoji="0" lang="en-US" altLang="en-US" sz="900" b="0" i="0" u="none" strike="noStrike" cap="none" normalizeH="0" baseline="0" dirty="0" err="1">
                 <a:ln>
                   <a:noFill/>
                 </a:ln>
@@ -34701,7 +34998,7 @@
               <a:t>this.</a:t>
             </a:r>
             <a:r>
-              <a:rPr kumimoji="0" lang="en-US" altLang="en-US" sz="900" b="0" i="0" u="none" strike="noStrike" cap="none" normalizeH="0" baseline="0" dirty="0" err="1" smtClean="0">
+              <a:rPr kumimoji="0" lang="en-US" altLang="en-US" sz="900" b="0" i="0" u="none" strike="noStrike" cap="none" normalizeH="0" baseline="0" dirty="0" err="1">
                 <a:ln>
                   <a:noFill/>
                 </a:ln>
@@ -34714,7 +35011,7 @@
               <a:t>fb</a:t>
             </a:r>
             <a:r>
-              <a:rPr kumimoji="0" lang="en-US" altLang="en-US" sz="900" b="0" i="0" u="none" strike="noStrike" cap="none" normalizeH="0" baseline="0" dirty="0" err="1" smtClean="0">
+              <a:rPr kumimoji="0" lang="en-US" altLang="en-US" sz="900" b="0" i="0" u="none" strike="noStrike" cap="none" normalizeH="0" baseline="0" dirty="0" err="1">
                 <a:ln>
                   <a:noFill/>
                 </a:ln>
@@ -34727,7 +35024,7 @@
               <a:t>.</a:t>
             </a:r>
             <a:r>
-              <a:rPr kumimoji="0" lang="en-US" altLang="en-US" sz="900" b="0" i="0" u="none" strike="noStrike" cap="none" normalizeH="0" baseline="0" dirty="0" err="1" smtClean="0">
+              <a:rPr kumimoji="0" lang="en-US" altLang="en-US" sz="900" b="0" i="0" u="none" strike="noStrike" cap="none" normalizeH="0" baseline="0" dirty="0" err="1">
                 <a:ln>
                   <a:noFill/>
                 </a:ln>
@@ -34740,7 +35037,7 @@
               <a:t>control</a:t>
             </a:r>
             <a:r>
-              <a:rPr kumimoji="0" lang="en-US" altLang="en-US" sz="900" b="0" i="0" u="none" strike="noStrike" cap="none" normalizeH="0" baseline="0" dirty="0" smtClean="0">
+              <a:rPr kumimoji="0" lang="en-US" altLang="en-US" sz="900" b="0" i="0" u="none" strike="noStrike" cap="none" normalizeH="0" baseline="0" dirty="0">
                 <a:ln>
                   <a:noFill/>
                 </a:ln>
@@ -34753,7 +35050,7 @@
               <a:t>(</a:t>
             </a:r>
             <a:r>
-              <a:rPr kumimoji="0" lang="en-US" altLang="en-US" sz="900" b="0" i="0" u="none" strike="noStrike" cap="none" normalizeH="0" baseline="0" dirty="0" smtClean="0">
+              <a:rPr kumimoji="0" lang="en-US" altLang="en-US" sz="900" b="0" i="0" u="none" strike="noStrike" cap="none" normalizeH="0" baseline="0" dirty="0">
                 <a:ln>
                   <a:noFill/>
                 </a:ln>
@@ -34766,7 +35063,7 @@
               <a:t>""</a:t>
             </a:r>
             <a:r>
-              <a:rPr kumimoji="0" lang="en-US" altLang="en-US" sz="900" b="0" i="0" u="none" strike="noStrike" cap="none" normalizeH="0" baseline="0" dirty="0" smtClean="0">
+              <a:rPr kumimoji="0" lang="en-US" altLang="en-US" sz="900" b="0" i="0" u="none" strike="noStrike" cap="none" normalizeH="0" baseline="0" dirty="0">
                 <a:ln>
                   <a:noFill/>
                 </a:ln>
@@ -34779,7 +35076,7 @@
               <a:t>, </a:t>
             </a:r>
             <a:r>
-              <a:rPr kumimoji="0" lang="en-US" altLang="en-US" sz="900" b="0" i="0" u="none" strike="noStrike" cap="none" normalizeH="0" baseline="0" dirty="0" err="1" smtClean="0">
+              <a:rPr kumimoji="0" lang="en-US" altLang="en-US" sz="900" b="0" i="0" u="none" strike="noStrike" cap="none" normalizeH="0" baseline="0" dirty="0" err="1">
                 <a:ln>
                   <a:noFill/>
                 </a:ln>
@@ -34792,7 +35089,7 @@
               <a:t>Validators.</a:t>
             </a:r>
             <a:r>
-              <a:rPr kumimoji="0" lang="en-US" altLang="en-US" sz="900" b="0" i="0" u="none" strike="noStrike" cap="none" normalizeH="0" baseline="0" dirty="0" err="1" smtClean="0">
+              <a:rPr kumimoji="0" lang="en-US" altLang="en-US" sz="900" b="0" i="0" u="none" strike="noStrike" cap="none" normalizeH="0" baseline="0" dirty="0" err="1">
                 <a:ln>
                   <a:noFill/>
                 </a:ln>
@@ -34805,7 +35102,7 @@
               <a:t>required</a:t>
             </a:r>
             <a:r>
-              <a:rPr kumimoji="0" lang="en-US" altLang="en-US" sz="900" b="0" i="0" u="none" strike="noStrike" cap="none" normalizeH="0" baseline="0" dirty="0" smtClean="0">
+              <a:rPr kumimoji="0" lang="en-US" altLang="en-US" sz="900" b="0" i="0" u="none" strike="noStrike" cap="none" normalizeH="0" baseline="0" dirty="0">
                 <a:ln>
                   <a:noFill/>
                 </a:ln>
@@ -34818,7 +35115,7 @@
               <a:t>, </a:t>
             </a:r>
             <a:r>
-              <a:rPr kumimoji="0" lang="en-US" altLang="en-US" sz="900" b="0" i="0" u="none" strike="noStrike" cap="none" normalizeH="0" baseline="0" dirty="0" err="1" smtClean="0">
+              <a:rPr kumimoji="0" lang="en-US" altLang="en-US" sz="900" b="0" i="0" u="none" strike="noStrike" cap="none" normalizeH="0" baseline="0" dirty="0" err="1">
                 <a:ln>
                   <a:noFill/>
                 </a:ln>
@@ -34831,7 +35128,7 @@
               <a:t>this.</a:t>
             </a:r>
             <a:r>
-              <a:rPr kumimoji="0" lang="en-US" altLang="en-US" sz="900" b="0" i="0" u="none" strike="noStrike" cap="none" normalizeH="0" baseline="0" dirty="0" err="1" smtClean="0">
+              <a:rPr kumimoji="0" lang="en-US" altLang="en-US" sz="900" b="0" i="0" u="none" strike="noStrike" cap="none" normalizeH="0" baseline="0" dirty="0" err="1">
                 <a:ln>
                   <a:noFill/>
                 </a:ln>
@@ -34844,7 +35141,7 @@
               <a:t>isUserNameDuplicated</a:t>
             </a:r>
             <a:r>
-              <a:rPr kumimoji="0" lang="en-US" altLang="en-US" sz="900" b="0" i="0" u="none" strike="noStrike" cap="none" normalizeH="0" baseline="0" dirty="0" smtClean="0">
+              <a:rPr kumimoji="0" lang="en-US" altLang="en-US" sz="900" b="0" i="0" u="none" strike="noStrike" cap="none" normalizeH="0" baseline="0" dirty="0">
                 <a:ln>
                   <a:noFill/>
                 </a:ln>
@@ -34857,7 +35154,7 @@
               <a:t>);</a:t>
             </a:r>
             <a:r>
-              <a:rPr kumimoji="0" lang="en-US" altLang="en-US" sz="600" b="0" i="0" u="none" strike="noStrike" cap="none" normalizeH="0" baseline="0" dirty="0" smtClean="0">
+              <a:rPr kumimoji="0" lang="en-US" altLang="en-US" sz="600" b="0" i="0" u="none" strike="noStrike" cap="none" normalizeH="0" baseline="0" dirty="0">
                 <a:ln>
                   <a:noFill/>
                 </a:ln>
@@ -34868,7 +35165,7 @@
               </a:rPr>
               <a:t> </a:t>
             </a:r>
-            <a:endParaRPr kumimoji="0" lang="en-US" altLang="en-US" sz="1800" b="0" i="0" u="none" strike="noStrike" cap="none" normalizeH="0" baseline="0" dirty="0" smtClean="0">
+            <a:endParaRPr kumimoji="0" lang="en-US" altLang="en-US" sz="1800" b="0" i="0" u="none" strike="noStrike" cap="none" normalizeH="0" baseline="0" dirty="0">
               <a:ln>
                 <a:noFill/>
               </a:ln>
@@ -34891,13 +35188,6 @@
   <p:clrMapOvr>
     <a:masterClrMapping/>
   </p:clrMapOvr>
-  <p:timing>
-    <p:tnLst>
-      <p:par>
-        <p:cTn id="1" dur="indefinite" restart="never" nodeType="tmRoot"/>
-      </p:par>
-    </p:tnLst>
-  </p:timing>
 </p:sld>
 </file>
 
@@ -34978,17 +35268,13 @@
           </a:p>
           <a:p>
             <a:pPr lvl="1"/>
-            <a:endParaRPr lang="en-US" sz="1700" dirty="0" smtClean="0"/>
+            <a:endParaRPr lang="en-US" sz="1700" dirty="0"/>
           </a:p>
           <a:p>
             <a:pPr lvl="1"/>
             <a:r>
-              <a:rPr lang="en-US" sz="1700" dirty="0" smtClean="0"/>
-              <a:t>Custom </a:t>
-            </a:r>
-            <a:r>
               <a:rPr lang="en-US" sz="1700" dirty="0"/>
-              <a:t>validators</a:t>
+              <a:t>Custom validators</a:t>
             </a:r>
             <a:endParaRPr lang="vi-VN" sz="1700" dirty="0"/>
           </a:p>
@@ -35269,7 +35555,7 @@
           <p:cNvPr id="4" name="Picture 3">
             <a:extLst>
               <a:ext uri="{FF2B5EF4-FFF2-40B4-BE49-F238E27FC236}">
-                <a16:creationId xmlns="" xmlns:a16="http://schemas.microsoft.com/office/drawing/2014/main" id="{43FAF1CF-0BAA-44AA-9B8B-1A7E3A4A5BA6}"/>
+                <a16:creationId xmlns:a16="http://schemas.microsoft.com/office/drawing/2014/main" id="{43FAF1CF-0BAA-44AA-9B8B-1A7E3A4A5BA6}"/>
               </a:ext>
             </a:extLst>
           </p:cNvPr>
@@ -35370,7 +35656,7 @@
               <a:tabLst/>
             </a:pPr>
             <a:r>
-              <a:rPr kumimoji="0" lang="en-US" altLang="en-US" sz="900" b="0" i="0" u="none" strike="noStrike" cap="none" normalizeH="0" baseline="0" dirty="0" smtClean="0">
+              <a:rPr kumimoji="0" lang="en-US" altLang="en-US" sz="900" b="0" i="0" u="none" strike="noStrike" cap="none" normalizeH="0" baseline="0" dirty="0">
                 <a:ln>
                   <a:noFill/>
                 </a:ln>
@@ -35383,7 +35669,7 @@
               <a:t>let</a:t>
             </a:r>
             <a:r>
-              <a:rPr kumimoji="0" lang="en-US" altLang="en-US" sz="900" b="0" i="0" u="none" strike="noStrike" cap="none" normalizeH="0" baseline="0" dirty="0" smtClean="0">
+              <a:rPr kumimoji="0" lang="en-US" altLang="en-US" sz="900" b="0" i="0" u="none" strike="noStrike" cap="none" normalizeH="0" baseline="0" dirty="0">
                 <a:ln>
                   <a:noFill/>
                 </a:ln>
@@ -35396,7 +35682,7 @@
               <a:t> control </a:t>
             </a:r>
             <a:r>
-              <a:rPr kumimoji="0" lang="en-US" altLang="en-US" sz="900" b="0" i="0" u="none" strike="noStrike" cap="none" normalizeH="0" baseline="0" dirty="0" smtClean="0">
+              <a:rPr kumimoji="0" lang="en-US" altLang="en-US" sz="900" b="0" i="0" u="none" strike="noStrike" cap="none" normalizeH="0" baseline="0" dirty="0">
                 <a:ln>
                   <a:noFill/>
                 </a:ln>
@@ -35409,7 +35695,7 @@
               <a:t>=</a:t>
             </a:r>
             <a:r>
-              <a:rPr kumimoji="0" lang="en-US" altLang="en-US" sz="900" b="0" i="0" u="none" strike="noStrike" cap="none" normalizeH="0" baseline="0" dirty="0" smtClean="0">
+              <a:rPr kumimoji="0" lang="en-US" altLang="en-US" sz="900" b="0" i="0" u="none" strike="noStrike" cap="none" normalizeH="0" baseline="0" dirty="0">
                 <a:ln>
                   <a:noFill/>
                 </a:ln>
@@ -35422,7 +35708,7 @@
               <a:t> </a:t>
             </a:r>
             <a:r>
-              <a:rPr kumimoji="0" lang="en-US" altLang="en-US" sz="900" b="0" i="0" u="none" strike="noStrike" cap="none" normalizeH="0" baseline="0" dirty="0" smtClean="0">
+              <a:rPr kumimoji="0" lang="en-US" altLang="en-US" sz="900" b="0" i="0" u="none" strike="noStrike" cap="none" normalizeH="0" baseline="0" dirty="0">
                 <a:ln>
                   <a:noFill/>
                 </a:ln>
@@ -35435,7 +35721,7 @@
               <a:t>new</a:t>
             </a:r>
             <a:r>
-              <a:rPr kumimoji="0" lang="en-US" altLang="en-US" sz="900" b="0" i="0" u="none" strike="noStrike" cap="none" normalizeH="0" baseline="0" dirty="0" smtClean="0">
+              <a:rPr kumimoji="0" lang="en-US" altLang="en-US" sz="900" b="0" i="0" u="none" strike="noStrike" cap="none" normalizeH="0" baseline="0" dirty="0">
                 <a:ln>
                   <a:noFill/>
                 </a:ln>
@@ -35448,7 +35734,7 @@
               <a:t> </a:t>
             </a:r>
             <a:r>
-              <a:rPr kumimoji="0" lang="en-US" altLang="en-US" sz="900" b="0" i="0" u="none" strike="noStrike" cap="none" normalizeH="0" baseline="0" dirty="0" err="1" smtClean="0">
+              <a:rPr kumimoji="0" lang="en-US" altLang="en-US" sz="900" b="0" i="0" u="none" strike="noStrike" cap="none" normalizeH="0" baseline="0" dirty="0" err="1">
                 <a:ln>
                   <a:noFill/>
                 </a:ln>
@@ -35461,7 +35747,7 @@
               <a:t>FormControl</a:t>
             </a:r>
             <a:r>
-              <a:rPr kumimoji="0" lang="en-US" altLang="en-US" sz="900" b="0" i="0" u="none" strike="noStrike" cap="none" normalizeH="0" baseline="0" dirty="0" smtClean="0">
+              <a:rPr kumimoji="0" lang="en-US" altLang="en-US" sz="900" b="0" i="0" u="none" strike="noStrike" cap="none" normalizeH="0" baseline="0" dirty="0">
                 <a:ln>
                   <a:noFill/>
                 </a:ln>
@@ -35474,7 +35760,7 @@
               <a:t>(</a:t>
             </a:r>
             <a:r>
-              <a:rPr kumimoji="0" lang="en-US" altLang="en-US" sz="900" b="0" i="0" u="none" strike="noStrike" cap="none" normalizeH="0" baseline="0" dirty="0" smtClean="0">
+              <a:rPr kumimoji="0" lang="en-US" altLang="en-US" sz="900" b="0" i="0" u="none" strike="noStrike" cap="none" normalizeH="0" baseline="0" dirty="0">
                 <a:ln>
                   <a:noFill/>
                 </a:ln>
@@ -35487,7 +35773,7 @@
               <a:t>""</a:t>
             </a:r>
             <a:r>
-              <a:rPr kumimoji="0" lang="en-US" altLang="en-US" sz="900" b="0" i="0" u="none" strike="noStrike" cap="none" normalizeH="0" baseline="0" dirty="0" smtClean="0">
+              <a:rPr kumimoji="0" lang="en-US" altLang="en-US" sz="900" b="0" i="0" u="none" strike="noStrike" cap="none" normalizeH="0" baseline="0" dirty="0">
                 <a:ln>
                   <a:noFill/>
                 </a:ln>
@@ -35500,7 +35786,7 @@
               <a:t>, </a:t>
             </a:r>
             <a:r>
-              <a:rPr kumimoji="0" lang="en-US" altLang="en-US" sz="900" b="0" i="0" u="none" strike="noStrike" cap="none" normalizeH="0" baseline="0" dirty="0" err="1" smtClean="0">
+              <a:rPr kumimoji="0" lang="en-US" altLang="en-US" sz="900" b="0" i="0" u="none" strike="noStrike" cap="none" normalizeH="0" baseline="0" dirty="0" err="1">
                 <a:ln>
                   <a:noFill/>
                 </a:ln>
@@ -35513,7 +35799,7 @@
               <a:t>Validators.</a:t>
             </a:r>
             <a:r>
-              <a:rPr kumimoji="0" lang="en-US" altLang="en-US" sz="900" b="0" i="0" u="none" strike="noStrike" cap="none" normalizeH="0" baseline="0" dirty="0" err="1" smtClean="0">
+              <a:rPr kumimoji="0" lang="en-US" altLang="en-US" sz="900" b="0" i="0" u="none" strike="noStrike" cap="none" normalizeH="0" baseline="0" dirty="0" err="1">
                 <a:ln>
                   <a:noFill/>
                 </a:ln>
@@ -35526,7 +35812,7 @@
               <a:t>required</a:t>
             </a:r>
             <a:r>
-              <a:rPr kumimoji="0" lang="en-US" altLang="en-US" sz="900" b="0" i="0" u="none" strike="noStrike" cap="none" normalizeH="0" baseline="0" dirty="0" smtClean="0">
+              <a:rPr kumimoji="0" lang="en-US" altLang="en-US" sz="900" b="0" i="0" u="none" strike="noStrike" cap="none" normalizeH="0" baseline="0" dirty="0">
                 <a:ln>
                   <a:noFill/>
                 </a:ln>
@@ -35557,7 +35843,7 @@
               <a:tabLst/>
             </a:pPr>
             <a:r>
-              <a:rPr kumimoji="0" lang="en-US" altLang="en-US" sz="900" b="0" i="0" u="none" strike="noStrike" cap="none" normalizeH="0" baseline="0" dirty="0" smtClean="0">
+              <a:rPr kumimoji="0" lang="en-US" altLang="en-US" sz="900" b="0" i="0" u="none" strike="noStrike" cap="none" normalizeH="0" baseline="0" dirty="0">
                 <a:ln>
                   <a:noFill/>
                 </a:ln>
@@ -35570,7 +35856,7 @@
               <a:t>//Or</a:t>
             </a:r>
             <a:r>
-              <a:rPr kumimoji="0" lang="en-US" altLang="en-US" sz="900" b="0" i="0" u="none" strike="noStrike" cap="none" normalizeH="0" baseline="0" dirty="0" smtClean="0">
+              <a:rPr kumimoji="0" lang="en-US" altLang="en-US" sz="900" b="0" i="0" u="none" strike="noStrike" cap="none" normalizeH="0" baseline="0" dirty="0">
                 <a:ln>
                   <a:noFill/>
                 </a:ln>
@@ -35583,7 +35869,7 @@
               <a:t> </a:t>
             </a:r>
             <a:r>
-              <a:rPr kumimoji="0" lang="en-US" altLang="en-US" sz="900" b="0" i="0" u="none" strike="noStrike" cap="none" normalizeH="0" baseline="0" dirty="0" err="1" smtClean="0">
+              <a:rPr kumimoji="0" lang="en-US" altLang="en-US" sz="900" b="0" i="0" u="none" strike="noStrike" cap="none" normalizeH="0" baseline="0" dirty="0" err="1">
                 <a:ln>
                   <a:noFill/>
                 </a:ln>
@@ -35596,7 +35882,7 @@
               <a:t>this.</a:t>
             </a:r>
             <a:r>
-              <a:rPr kumimoji="0" lang="en-US" altLang="en-US" sz="900" b="0" i="0" u="none" strike="noStrike" cap="none" normalizeH="0" baseline="0" dirty="0" err="1" smtClean="0">
+              <a:rPr kumimoji="0" lang="en-US" altLang="en-US" sz="900" b="0" i="0" u="none" strike="noStrike" cap="none" normalizeH="0" baseline="0" dirty="0" err="1">
                 <a:ln>
                   <a:noFill/>
                 </a:ln>
@@ -35609,7 +35895,7 @@
               <a:t>fb</a:t>
             </a:r>
             <a:r>
-              <a:rPr kumimoji="0" lang="en-US" altLang="en-US" sz="900" b="0" i="0" u="none" strike="noStrike" cap="none" normalizeH="0" baseline="0" dirty="0" err="1" smtClean="0">
+              <a:rPr kumimoji="0" lang="en-US" altLang="en-US" sz="900" b="0" i="0" u="none" strike="noStrike" cap="none" normalizeH="0" baseline="0" dirty="0" err="1">
                 <a:ln>
                   <a:noFill/>
                 </a:ln>
@@ -35622,7 +35908,7 @@
               <a:t>.</a:t>
             </a:r>
             <a:r>
-              <a:rPr kumimoji="0" lang="en-US" altLang="en-US" sz="900" b="0" i="0" u="none" strike="noStrike" cap="none" normalizeH="0" baseline="0" dirty="0" err="1" smtClean="0">
+              <a:rPr kumimoji="0" lang="en-US" altLang="en-US" sz="900" b="0" i="0" u="none" strike="noStrike" cap="none" normalizeH="0" baseline="0" dirty="0" err="1">
                 <a:ln>
                   <a:noFill/>
                 </a:ln>
@@ -35635,7 +35921,7 @@
               <a:t>control</a:t>
             </a:r>
             <a:r>
-              <a:rPr kumimoji="0" lang="en-US" altLang="en-US" sz="900" b="0" i="0" u="none" strike="noStrike" cap="none" normalizeH="0" baseline="0" dirty="0" smtClean="0">
+              <a:rPr kumimoji="0" lang="en-US" altLang="en-US" sz="900" b="0" i="0" u="none" strike="noStrike" cap="none" normalizeH="0" baseline="0" dirty="0">
                 <a:ln>
                   <a:noFill/>
                 </a:ln>
@@ -35648,7 +35934,7 @@
               <a:t>(</a:t>
             </a:r>
             <a:r>
-              <a:rPr kumimoji="0" lang="en-US" altLang="en-US" sz="900" b="0" i="0" u="none" strike="noStrike" cap="none" normalizeH="0" baseline="0" dirty="0" smtClean="0">
+              <a:rPr kumimoji="0" lang="en-US" altLang="en-US" sz="900" b="0" i="0" u="none" strike="noStrike" cap="none" normalizeH="0" baseline="0" dirty="0">
                 <a:ln>
                   <a:noFill/>
                 </a:ln>
@@ -35661,7 +35947,7 @@
               <a:t>""</a:t>
             </a:r>
             <a:r>
-              <a:rPr kumimoji="0" lang="en-US" altLang="en-US" sz="900" b="0" i="0" u="none" strike="noStrike" cap="none" normalizeH="0" baseline="0" dirty="0" smtClean="0">
+              <a:rPr kumimoji="0" lang="en-US" altLang="en-US" sz="900" b="0" i="0" u="none" strike="noStrike" cap="none" normalizeH="0" baseline="0" dirty="0">
                 <a:ln>
                   <a:noFill/>
                 </a:ln>
@@ -35674,7 +35960,7 @@
               <a:t>, </a:t>
             </a:r>
             <a:r>
-              <a:rPr kumimoji="0" lang="en-US" altLang="en-US" sz="900" b="0" i="0" u="none" strike="noStrike" cap="none" normalizeH="0" baseline="0" dirty="0" err="1" smtClean="0">
+              <a:rPr kumimoji="0" lang="en-US" altLang="en-US" sz="900" b="0" i="0" u="none" strike="noStrike" cap="none" normalizeH="0" baseline="0" dirty="0" err="1">
                 <a:ln>
                   <a:noFill/>
                 </a:ln>
@@ -35687,7 +35973,7 @@
               <a:t>Validators.</a:t>
             </a:r>
             <a:r>
-              <a:rPr kumimoji="0" lang="en-US" altLang="en-US" sz="900" b="0" i="0" u="none" strike="noStrike" cap="none" normalizeH="0" baseline="0" dirty="0" err="1" smtClean="0">
+              <a:rPr kumimoji="0" lang="en-US" altLang="en-US" sz="900" b="0" i="0" u="none" strike="noStrike" cap="none" normalizeH="0" baseline="0" dirty="0" err="1">
                 <a:ln>
                   <a:noFill/>
                 </a:ln>
@@ -35700,7 +35986,7 @@
               <a:t>required</a:t>
             </a:r>
             <a:r>
-              <a:rPr kumimoji="0" lang="en-US" altLang="en-US" sz="900" b="0" i="0" u="none" strike="noStrike" cap="none" normalizeH="0" baseline="0" dirty="0" smtClean="0">
+              <a:rPr kumimoji="0" lang="en-US" altLang="en-US" sz="900" b="0" i="0" u="none" strike="noStrike" cap="none" normalizeH="0" baseline="0" dirty="0">
                 <a:ln>
                   <a:noFill/>
                 </a:ln>
@@ -35713,7 +35999,7 @@
               <a:t>);</a:t>
             </a:r>
             <a:r>
-              <a:rPr kumimoji="0" lang="en-US" altLang="en-US" sz="600" b="0" i="0" u="none" strike="noStrike" cap="none" normalizeH="0" baseline="0" dirty="0" smtClean="0">
+              <a:rPr kumimoji="0" lang="en-US" altLang="en-US" sz="600" b="0" i="0" u="none" strike="noStrike" cap="none" normalizeH="0" baseline="0" dirty="0">
                 <a:ln>
                   <a:noFill/>
                 </a:ln>
@@ -35724,7 +36010,7 @@
               </a:rPr>
               <a:t> </a:t>
             </a:r>
-            <a:endParaRPr kumimoji="0" lang="en-US" altLang="en-US" sz="1800" b="0" i="0" u="none" strike="noStrike" cap="none" normalizeH="0" baseline="0" dirty="0" smtClean="0">
+            <a:endParaRPr kumimoji="0" lang="en-US" altLang="en-US" sz="1800" b="0" i="0" u="none" strike="noStrike" cap="none" normalizeH="0" baseline="0" dirty="0">
               <a:ln>
                 <a:noFill/>
               </a:ln>
@@ -35747,13 +36033,6 @@
   <p:clrMapOvr>
     <a:masterClrMapping/>
   </p:clrMapOvr>
-  <p:timing>
-    <p:tnLst>
-      <p:par>
-        <p:cTn id="1" dur="indefinite" restart="never" nodeType="tmRoot"/>
-      </p:par>
-    </p:tnLst>
-  </p:timing>
 </p:sld>
 </file>
 
@@ -35858,13 +36137,6 @@
   <p:clrMapOvr>
     <a:masterClrMapping/>
   </p:clrMapOvr>
-  <p:timing>
-    <p:tnLst>
-      <p:par>
-        <p:cTn id="1" dur="indefinite" restart="never" nodeType="tmRoot"/>
-      </p:par>
-    </p:tnLst>
-  </p:timing>
 </p:sld>
 </file>
 
@@ -35963,13 +36235,6 @@
   <p:clrMapOvr>
     <a:masterClrMapping/>
   </p:clrMapOvr>
-  <p:timing>
-    <p:tnLst>
-      <p:par>
-        <p:cTn id="1" dur="indefinite" restart="never" nodeType="tmRoot"/>
-      </p:par>
-    </p:tnLst>
-  </p:timing>
 </p:sld>
 </file>
 
@@ -36131,13 +36396,6 @@
   <p:clrMapOvr>
     <a:masterClrMapping/>
   </p:clrMapOvr>
-  <p:timing>
-    <p:tnLst>
-      <p:par>
-        <p:cTn id="1" dur="indefinite" restart="never" nodeType="tmRoot"/>
-      </p:par>
-    </p:tnLst>
-  </p:timing>
 </p:sld>
 </file>
 
@@ -36232,11 +36490,11 @@
           <a:p>
             <a:pPr lvl="1"/>
             <a:r>
-              <a:rPr lang="en-US" dirty="0" smtClean="0"/>
+              <a:rPr lang="en-US" dirty="0"/>
               <a:t>Using decorator @</a:t>
             </a:r>
             <a:r>
-              <a:rPr lang="en-US" u="sng" dirty="0" smtClean="0">
+              <a:rPr lang="en-US" u="sng" dirty="0">
                 <a:hlinkClick r:id="rId2"/>
               </a:rPr>
               <a:t>Injectable</a:t>
@@ -36328,13 +36586,6 @@
   <p:clrMapOvr>
     <a:masterClrMapping/>
   </p:clrMapOvr>
-  <p:timing>
-    <p:tnLst>
-      <p:par>
-        <p:cTn id="1" dur="indefinite" restart="never" nodeType="tmRoot"/>
-      </p:par>
-    </p:tnLst>
-  </p:timing>
 </p:sld>
 </file>
 
@@ -36485,13 +36736,6 @@
   <p:clrMapOvr>
     <a:masterClrMapping/>
   </p:clrMapOvr>
-  <p:timing>
-    <p:tnLst>
-      <p:par>
-        <p:cTn id="1" dur="indefinite" restart="never" nodeType="tmRoot"/>
-      </p:par>
-    </p:tnLst>
-  </p:timing>
 </p:sld>
 </file>
 
@@ -36659,13 +36903,6 @@
   <p:clrMapOvr>
     <a:overrideClrMapping bg1="lt1" tx1="dk1" bg2="dk2" tx2="lt2" accent1="accent1" accent2="accent2" accent3="accent3" accent4="accent4" accent5="accent5" accent6="accent6" hlink="hlink" folHlink="folHlink"/>
   </p:clrMapOvr>
-  <p:timing>
-    <p:tnLst>
-      <p:par>
-        <p:cTn id="1" dur="indefinite" restart="never" nodeType="tmRoot"/>
-      </p:par>
-    </p:tnLst>
-  </p:timing>
 </p:sld>
 </file>
 
@@ -37457,10 +37694,6 @@
               </a:rPr>
               <a:t>}]</a:t>
             </a:r>
-            <a:r>
-              <a:rPr lang="en-US" sz="1100" dirty="0"/>
-              <a:t/>
-            </a:r>
             <a:br>
               <a:rPr lang="en-US" sz="1100" dirty="0"/>
             </a:br>
@@ -37478,13 +37711,6 @@
   <p:clrMapOvr>
     <a:masterClrMapping/>
   </p:clrMapOvr>
-  <p:timing>
-    <p:tnLst>
-      <p:par>
-        <p:cTn id="1" dur="indefinite" restart="never" nodeType="tmRoot"/>
-      </p:par>
-    </p:tnLst>
-  </p:timing>
 </p:sld>
 </file>
 
@@ -37590,13 +37816,6 @@
   <p:clrMapOvr>
     <a:masterClrMapping/>
   </p:clrMapOvr>
-  <p:timing>
-    <p:tnLst>
-      <p:par>
-        <p:cTn id="1" dur="indefinite" restart="never" nodeType="tmRoot"/>
-      </p:par>
-    </p:tnLst>
-  </p:timing>
 </p:sld>
 </file>
 
@@ -37665,12 +37884,8 @@
           <a:lstStyle/>
           <a:p>
             <a:r>
-              <a:rPr lang="en-US" dirty="0" smtClean="0"/>
-              <a:t>Tree-shakable </a:t>
-            </a:r>
-            <a:r>
-              <a:rPr lang="en-US" dirty="0"/>
-              <a:t>providers</a:t>
+              <a:rPr lang="en-US" dirty="0"/>
+              <a:t>Tree-shakable providers</a:t>
             </a:r>
           </a:p>
           <a:p>
@@ -37709,19 +37924,10 @@
                 </a:solidFill>
                 <a:latin typeface="Droid Sans Mono"/>
               </a:rPr>
-              <a:t>'root</a:t>
-            </a:r>
-            <a:r>
-              <a:rPr lang="en-US" dirty="0" smtClean="0">
-                <a:solidFill>
-                  <a:srgbClr val="880000"/>
-                </a:solidFill>
-                <a:latin typeface="Droid Sans Mono"/>
-              </a:rPr>
-              <a:t>'</a:t>
-            </a:r>
-            <a:r>
-              <a:rPr lang="en-US" dirty="0" smtClean="0">
+              <a:t>'root'</a:t>
+            </a:r>
+            <a:r>
+              <a:rPr lang="en-US" dirty="0">
                 <a:solidFill>
                   <a:srgbClr val="666600"/>
                 </a:solidFill>
@@ -37729,7 +37935,7 @@
               </a:rPr>
               <a:t>,</a:t>
             </a:r>
-            <a:endParaRPr lang="vi-VN" dirty="0" smtClean="0">
+            <a:endParaRPr lang="vi-VN" dirty="0">
               <a:solidFill>
                 <a:srgbClr val="666600"/>
               </a:solidFill>
@@ -37758,13 +37964,6 @@
   <p:clrMapOvr>
     <a:masterClrMapping/>
   </p:clrMapOvr>
-  <p:timing>
-    <p:tnLst>
-      <p:par>
-        <p:cTn id="1" dur="indefinite" restart="never" nodeType="tmRoot"/>
-      </p:par>
-    </p:tnLst>
-  </p:timing>
 </p:sld>
 </file>
 
@@ -37801,11 +38000,11 @@
           <a:lstStyle/>
           <a:p>
             <a:r>
-              <a:rPr lang="en-US" dirty="0" smtClean="0"/>
+              <a:rPr lang="en-US" dirty="0"/>
               <a:t>Promise</a:t>
             </a:r>
             <a:r>
-              <a:rPr lang="vi-VN" dirty="0" smtClean="0"/>
+              <a:rPr lang="vi-VN" dirty="0"/>
               <a:t> (Javascript)</a:t>
             </a:r>
             <a:endParaRPr lang="en-US" dirty="0"/>
@@ -37833,7 +38032,7 @@
           <a:lstStyle/>
           <a:p>
             <a:r>
-              <a:rPr lang="vi-VN" dirty="0" smtClean="0"/>
+              <a:rPr lang="vi-VN" dirty="0"/>
               <a:t>L</a:t>
             </a:r>
             <a:r>
@@ -37850,13 +38049,9 @@
             </a:r>
             <a:r>
               <a:rPr lang="en-US" dirty="0"/>
-              <a:t> to supply the value at some point in the future</a:t>
-            </a:r>
-            <a:r>
-              <a:rPr lang="en-US" dirty="0" smtClean="0"/>
-              <a:t>.</a:t>
-            </a:r>
-            <a:endParaRPr lang="vi-VN" dirty="0" smtClean="0"/>
+              <a:t> to supply the value at some point in the future.</a:t>
+            </a:r>
+            <a:endParaRPr lang="vi-VN" dirty="0"/>
           </a:p>
           <a:p>
             <a:pPr lvl="1"/>
@@ -37864,15 +38059,9 @@
               <a:rPr lang="en-US" dirty="0">
                 <a:hlinkClick r:id="rId2"/>
               </a:rPr>
-              <a:t>https://</a:t>
-            </a:r>
-            <a:r>
-              <a:rPr lang="en-US" dirty="0" smtClean="0">
-                <a:hlinkClick r:id="rId2"/>
-              </a:rPr>
-              <a:t>www.w3schools.com/js/js_promise.asp</a:t>
-            </a:r>
-            <a:endParaRPr lang="vi-VN" dirty="0" smtClean="0"/>
+              <a:t>https://www.w3schools.com/js/js_promise.asp</a:t>
+            </a:r>
+            <a:endParaRPr lang="vi-VN" dirty="0"/>
           </a:p>
           <a:p>
             <a:pPr lvl="1"/>
@@ -37880,21 +38069,15 @@
               <a:rPr lang="vi-VN" dirty="0">
                 <a:hlinkClick r:id="rId3"/>
               </a:rPr>
-              <a:t>https://</a:t>
-            </a:r>
-            <a:r>
-              <a:rPr lang="vi-VN" dirty="0" smtClean="0">
-                <a:hlinkClick r:id="rId3"/>
-              </a:rPr>
-              <a:t>topdev.vn/blog/tat-tan-tat-ve-promise-va-asyncawait</a:t>
-            </a:r>
-            <a:endParaRPr lang="vi-VN" dirty="0" smtClean="0"/>
+              <a:t>https://topdev.vn/blog/tat-tan-tat-ve-promise-va-asyncawait</a:t>
+            </a:r>
+            <a:endParaRPr lang="vi-VN" dirty="0"/>
           </a:p>
           <a:p>
             <a:pPr marL="571500" lvl="1" indent="0">
               <a:buNone/>
             </a:pPr>
-            <a:endParaRPr lang="vi-VN" dirty="0" smtClean="0"/>
+            <a:endParaRPr lang="vi-VN" dirty="0"/>
           </a:p>
           <a:p>
             <a:pPr lvl="1"/>
@@ -37953,13 +38136,6 @@
   <p:clrMapOvr>
     <a:masterClrMapping/>
   </p:clrMapOvr>
-  <p:timing>
-    <p:tnLst>
-      <p:par>
-        <p:cTn id="1" dur="indefinite" restart="never" nodeType="tmRoot"/>
-      </p:par>
-    </p:tnLst>
-  </p:timing>
 </p:sld>
 </file>
 
@@ -38124,13 +38300,6 @@
   <p:clrMapOvr>
     <a:masterClrMapping/>
   </p:clrMapOvr>
-  <p:timing>
-    <p:tnLst>
-      <p:par>
-        <p:cTn id="1" dur="indefinite" restart="never" nodeType="tmRoot"/>
-      </p:par>
-    </p:tnLst>
-  </p:timing>
 </p:sld>
 </file>
 
@@ -38333,13 +38502,6 @@
   <p:clrMapOvr>
     <a:masterClrMapping/>
   </p:clrMapOvr>
-  <p:timing>
-    <p:tnLst>
-      <p:par>
-        <p:cTn id="1" dur="indefinite" restart="never" nodeType="tmRoot"/>
-      </p:par>
-    </p:tnLst>
-  </p:timing>
 </p:sld>
 </file>
 
@@ -38464,13 +38626,6 @@
   <p:clrMapOvr>
     <a:masterClrMapping/>
   </p:clrMapOvr>
-  <p:timing>
-    <p:tnLst>
-      <p:par>
-        <p:cTn id="1" dur="indefinite" restart="never" nodeType="tmRoot"/>
-      </p:par>
-    </p:tnLst>
-  </p:timing>
 </p:sld>
 </file>
 
@@ -38558,51 +38713,29 @@
               <a:rPr lang="vi-VN" dirty="0">
                 <a:hlinkClick r:id="rId2"/>
               </a:rPr>
-              <a:t>https://</a:t>
-            </a:r>
-            <a:r>
-              <a:rPr lang="vi-VN" dirty="0" smtClean="0">
-                <a:hlinkClick r:id="rId2"/>
-              </a:rPr>
-              <a:t>angular.io/guide/http</a:t>
+              <a:t>https://angular.io/guide/http</a:t>
             </a:r>
             <a:endParaRPr lang="vi-VN" dirty="0"/>
           </a:p>
           <a:p>
             <a:r>
-              <a:rPr lang="en-US" dirty="0" smtClean="0"/>
-              <a:t>Most </a:t>
-            </a:r>
-            <a:r>
-              <a:rPr lang="en-US" dirty="0"/>
-              <a:t>front-end applications need to communicate with a server over the HTTP protocol, </a:t>
-            </a:r>
-            <a:r>
-              <a:rPr lang="en-US" dirty="0" smtClean="0"/>
-              <a:t>to </a:t>
-            </a:r>
-            <a:r>
-              <a:rPr lang="en-US" dirty="0"/>
-              <a:t>download or upload data and </a:t>
-            </a:r>
-            <a:r>
-              <a:rPr lang="en-US" dirty="0" smtClean="0"/>
-              <a:t>access </a:t>
-            </a:r>
-            <a:r>
-              <a:rPr lang="en-US" dirty="0"/>
-              <a:t>other back-end services.</a:t>
+              <a:rPr lang="en-US" dirty="0"/>
+              <a:t>Most front-end applications need to communicate with a server over the HTTP protocol, to download or upload data and access other back-end services.</a:t>
             </a:r>
             <a:endParaRPr lang="vi-VN" dirty="0"/>
           </a:p>
           <a:p>
             <a:r>
-              <a:rPr lang="en-US" dirty="0" err="1"/>
+              <a:rPr lang="en-US" b="1" dirty="0" err="1"/>
               <a:t>HttpClient</a:t>
             </a:r>
             <a:r>
-              <a:rPr lang="en-US" dirty="0"/>
-              <a:t> service class in </a:t>
+              <a:rPr lang="en-US" b="1" dirty="0"/>
+              <a:t> class </a:t>
+            </a:r>
+            <a:r>
+              <a:rPr lang="en-US" dirty="0"/>
+              <a:t>in </a:t>
             </a:r>
             <a:r>
               <a:rPr lang="en-US" b="1" dirty="0"/>
@@ -38666,13 +38799,6 @@
   <p:clrMapOvr>
     <a:masterClrMapping/>
   </p:clrMapOvr>
-  <p:timing>
-    <p:tnLst>
-      <p:par>
-        <p:cTn id="1" dur="indefinite" restart="never" nodeType="tmRoot"/>
-      </p:par>
-    </p:tnLst>
-  </p:timing>
 </p:sld>
 </file>
 
@@ -38766,23 +38892,19 @@
           <a:p>
             <a:pPr lvl="1"/>
             <a:r>
-              <a:rPr lang="vi-VN" dirty="0" smtClean="0"/>
+              <a:rPr lang="vi-VN" dirty="0"/>
               <a:t>I</a:t>
             </a:r>
             <a:r>
-              <a:rPr lang="en-US" dirty="0" err="1" smtClean="0"/>
+              <a:rPr lang="en-US" dirty="0" err="1"/>
               <a:t>mport</a:t>
             </a:r>
             <a:r>
-              <a:rPr lang="en-US" dirty="0" smtClean="0"/>
-              <a:t> </a:t>
-            </a:r>
-            <a:r>
-              <a:rPr lang="en-US" dirty="0"/>
-              <a:t>the Angular </a:t>
-            </a:r>
-            <a:r>
-              <a:rPr lang="en-US" b="1" dirty="0" err="1" smtClean="0"/>
+              <a:rPr lang="en-US" dirty="0"/>
+              <a:t> the Angular </a:t>
+            </a:r>
+            <a:r>
+              <a:rPr lang="en-US" b="1" dirty="0" err="1"/>
               <a:t>HttpClientModule</a:t>
             </a:r>
             <a:endParaRPr lang="en-US" dirty="0"/>
@@ -38790,20 +38912,16 @@
           <a:p>
             <a:pPr lvl="1"/>
             <a:r>
-              <a:rPr lang="vi-VN" dirty="0" smtClean="0"/>
+              <a:rPr lang="vi-VN" dirty="0"/>
               <a:t>I</a:t>
             </a:r>
             <a:r>
-              <a:rPr lang="en-US" dirty="0" err="1" smtClean="0"/>
+              <a:rPr lang="en-US" dirty="0" err="1"/>
               <a:t>nject</a:t>
             </a:r>
             <a:r>
-              <a:rPr lang="en-US" dirty="0" smtClean="0"/>
-              <a:t> </a:t>
-            </a:r>
-            <a:r>
-              <a:rPr lang="en-US" dirty="0"/>
-              <a:t>the </a:t>
+              <a:rPr lang="en-US" dirty="0"/>
+              <a:t> the </a:t>
             </a:r>
             <a:r>
               <a:rPr lang="en-US" b="1" dirty="0" err="1"/>
@@ -38825,20 +38943,16 @@
           <a:p>
             <a:pPr lvl="1"/>
             <a:r>
-              <a:rPr lang="vi-VN" dirty="0" smtClean="0"/>
+              <a:rPr lang="vi-VN" dirty="0"/>
               <a:t>Using </a:t>
             </a:r>
             <a:r>
-              <a:rPr lang="en-US" b="1" dirty="0" err="1" smtClean="0"/>
+              <a:rPr lang="en-US" b="1" dirty="0" err="1"/>
               <a:t>RxJS</a:t>
             </a:r>
             <a:r>
-              <a:rPr lang="en-US" dirty="0" smtClean="0"/>
-              <a:t> </a:t>
-            </a:r>
-            <a:r>
-              <a:rPr lang="en-US" dirty="0"/>
-              <a:t>observable and operator symbols</a:t>
+              <a:rPr lang="en-US" dirty="0"/>
+              <a:t> observable and operator symbols</a:t>
             </a:r>
           </a:p>
           <a:p>
@@ -38907,13 +39021,6 @@
   <p:clrMapOvr>
     <a:masterClrMapping/>
   </p:clrMapOvr>
-  <p:timing>
-    <p:tnLst>
-      <p:par>
-        <p:cTn id="1" dur="indefinite" restart="never" nodeType="tmRoot"/>
-      </p:par>
-    </p:tnLst>
-  </p:timing>
 </p:sld>
 </file>
 
@@ -39023,8 +39130,12 @@
           <a:p>
             <a:pPr lvl="1"/>
             <a:r>
-              <a:rPr lang="en-US" dirty="0"/>
-              <a:t>The </a:t>
+              <a:rPr lang="vi-VN" dirty="0"/>
+              <a:t>Example:</a:t>
+            </a:r>
+            <a:r>
+              <a:rPr lang="en-US" dirty="0"/>
+              <a:t> </a:t>
             </a:r>
             <a:r>
               <a:rPr lang="en-US" b="1" dirty="0"/>
@@ -39047,24 +39158,16 @@
           <a:p>
             <a:pPr lvl="2"/>
             <a:r>
-              <a:rPr lang="en-US" b="1" dirty="0"/>
-              <a:t>endpoint URL</a:t>
-            </a:r>
-            <a:r>
-              <a:rPr lang="en-US" dirty="0"/>
-              <a:t> </a:t>
+              <a:rPr lang="en-US" dirty="0"/>
+              <a:t>endpoint URL </a:t>
             </a:r>
             <a:endParaRPr lang="vi-VN" dirty="0"/>
           </a:p>
           <a:p>
             <a:pPr lvl="2"/>
             <a:r>
-              <a:rPr lang="en-US" b="1" dirty="0"/>
-              <a:t>an options </a:t>
-            </a:r>
-            <a:r>
-              <a:rPr lang="en-US" dirty="0"/>
-              <a:t>object</a:t>
+              <a:rPr lang="en-US" dirty="0"/>
+              <a:t>options object</a:t>
             </a:r>
           </a:p>
         </p:txBody>
@@ -39103,13 +39206,6 @@
   <p:clrMapOvr>
     <a:masterClrMapping/>
   </p:clrMapOvr>
-  <p:timing>
-    <p:tnLst>
-      <p:par>
-        <p:cTn id="1" dur="indefinite" restart="never" nodeType="tmRoot"/>
-      </p:par>
-    </p:tnLst>
-  </p:timing>
 </p:sld>
 </file>
 
@@ -39189,7 +39285,7 @@
           <a:lstStyle/>
           <a:p>
             <a:pPr lvl="1"/>
-            <a:endParaRPr lang="vi-VN" dirty="0" smtClean="0"/>
+            <a:endParaRPr lang="vi-VN" dirty="0"/>
           </a:p>
           <a:p>
             <a:pPr lvl="1"/>
@@ -39197,7 +39293,7 @@
           </a:p>
           <a:p>
             <a:pPr lvl="1"/>
-            <a:endParaRPr lang="vi-VN" dirty="0" smtClean="0"/>
+            <a:endParaRPr lang="vi-VN" dirty="0"/>
           </a:p>
           <a:p>
             <a:pPr lvl="1"/>
@@ -39205,7 +39301,7 @@
           </a:p>
           <a:p>
             <a:pPr lvl="1"/>
-            <a:endParaRPr lang="vi-VN" dirty="0" smtClean="0"/>
+            <a:endParaRPr lang="vi-VN" dirty="0"/>
           </a:p>
           <a:p>
             <a:pPr lvl="1"/>
@@ -39213,7 +39309,7 @@
           </a:p>
           <a:p>
             <a:pPr lvl="1"/>
-            <a:endParaRPr lang="vi-VN" dirty="0" smtClean="0"/>
+            <a:endParaRPr lang="vi-VN" dirty="0"/>
           </a:p>
           <a:p>
             <a:pPr lvl="1"/>
@@ -39289,13 +39385,6 @@
   <p:clrMapOvr>
     <a:masterClrMapping/>
   </p:clrMapOvr>
-  <p:timing>
-    <p:tnLst>
-      <p:par>
-        <p:cTn id="1" dur="indefinite" restart="never" nodeType="tmRoot"/>
-      </p:par>
-    </p:tnLst>
-  </p:timing>
 </p:sld>
 </file>
 
@@ -39413,16 +39502,12 @@
           <a:p>
             <a:pPr lvl="1"/>
             <a:r>
-              <a:rPr lang="vi-VN" dirty="0" smtClean="0"/>
+              <a:rPr lang="vi-VN" dirty="0"/>
               <a:t>U</a:t>
             </a:r>
             <a:r>
-              <a:rPr lang="en-US" dirty="0" smtClean="0"/>
-              <a:t>sing </a:t>
-            </a:r>
-            <a:r>
-              <a:rPr lang="en-US" dirty="0"/>
-              <a:t>a pipe to send all observables returned by the </a:t>
+              <a:rPr lang="en-US" dirty="0"/>
+              <a:t>sing a pipe to send all observables returned by the </a:t>
             </a:r>
             <a:r>
               <a:rPr lang="en-US" dirty="0" err="1"/>
@@ -39671,7 +39756,7 @@
               <a:t> </a:t>
             </a:r>
             <a:r>
-              <a:rPr lang="en-US" sz="1100" dirty="0" smtClean="0">
+              <a:rPr lang="en-US" sz="1100" dirty="0">
                 <a:solidFill>
                   <a:srgbClr val="666600"/>
                 </a:solidFill>
@@ -39722,13 +39807,6 @@
   <p:clrMapOvr>
     <a:masterClrMapping/>
   </p:clrMapOvr>
-  <p:timing>
-    <p:tnLst>
-      <p:par>
-        <p:cTn id="1" dur="indefinite" restart="never" nodeType="tmRoot"/>
-      </p:par>
-    </p:tnLst>
-  </p:timing>
 </p:sld>
 </file>
 
@@ -39764,7 +39842,34 @@
           <a:bodyPr/>
           <a:lstStyle/>
           <a:p>
-            <a:endParaRPr lang="en-US"/>
+            <a:r>
+              <a:rPr lang="en-US" dirty="0">
+                <a:latin typeface="+mn-lt"/>
+                <a:ea typeface="Arial"/>
+                <a:cs typeface="Arial"/>
+                <a:sym typeface="Arial"/>
+              </a:rPr>
+              <a:t>Http</a:t>
+            </a:r>
+            <a:r>
+              <a:rPr lang="vi-VN" dirty="0">
+                <a:latin typeface="+mn-lt"/>
+                <a:ea typeface="Arial"/>
+                <a:cs typeface="Arial"/>
+                <a:sym typeface="Arial"/>
+              </a:rPr>
+              <a:t> </a:t>
+            </a:r>
+            <a:r>
+              <a:rPr lang="en-US" dirty="0">
+                <a:latin typeface="+mn-lt"/>
+                <a:ea typeface="Arial"/>
+                <a:cs typeface="Arial"/>
+                <a:sym typeface="Arial"/>
+              </a:rPr>
+              <a:t>Client</a:t>
+            </a:r>
+            <a:endParaRPr lang="en-US" dirty="0"/>
           </a:p>
         </p:txBody>
       </p:sp>
@@ -39854,13 +39959,6 @@
   <p:clrMapOvr>
     <a:masterClrMapping/>
   </p:clrMapOvr>
-  <p:timing>
-    <p:tnLst>
-      <p:par>
-        <p:cTn id="1" dur="indefinite" restart="never" nodeType="tmRoot"/>
-      </p:par>
-    </p:tnLst>
-  </p:timing>
 </p:sld>
 </file>
 
@@ -39947,23 +40045,19 @@
           <a:lstStyle/>
           <a:p>
             <a:r>
-              <a:rPr lang="vi-VN" dirty="0" smtClean="0"/>
+              <a:rPr lang="vi-VN" dirty="0"/>
               <a:t>Other methods</a:t>
             </a:r>
           </a:p>
           <a:p>
             <a:pPr lvl="1"/>
             <a:r>
-              <a:rPr lang="en-US" dirty="0" err="1" smtClean="0"/>
+              <a:rPr lang="en-US" dirty="0" err="1"/>
               <a:t>HttpClient</a:t>
             </a:r>
             <a:r>
-              <a:rPr lang="en-US" dirty="0" smtClean="0"/>
-              <a:t> </a:t>
-            </a:r>
-            <a:r>
-              <a:rPr lang="en-US" dirty="0"/>
-              <a:t>supports other HTTP methods such as PUT, POST, and DELETE</a:t>
+              <a:rPr lang="en-US" dirty="0"/>
+              <a:t> supports other HTTP methods such as PUT, POST, and DELETE</a:t>
             </a:r>
             <a:br>
               <a:rPr lang="en-US" dirty="0"/>
@@ -40006,13 +40100,6 @@
   <p:clrMapOvr>
     <a:masterClrMapping/>
   </p:clrMapOvr>
-  <p:timing>
-    <p:tnLst>
-      <p:par>
-        <p:cTn id="1" dur="indefinite" restart="never" nodeType="tmRoot"/>
-      </p:par>
-    </p:tnLst>
-  </p:timing>
 </p:sld>
 </file>
 
@@ -40148,21 +40235,9 @@
             </a:r>
             <a:r>
               <a:rPr lang="en-US" dirty="0"/>
-              <a:t>} from "@</a:t>
-            </a:r>
-            <a:r>
-              <a:rPr lang="en-US" dirty="0" smtClean="0"/>
-              <a:t>angular/common/</a:t>
-            </a:r>
-            <a:r>
-              <a:rPr lang="en-US" dirty="0" smtClean="0"/>
-              <a:t>http</a:t>
-            </a:r>
-            <a:r>
-              <a:rPr lang="en-US" dirty="0" smtClean="0"/>
-              <a:t>";</a:t>
-            </a:r>
-            <a:endParaRPr lang="vi-VN" dirty="0" smtClean="0"/>
+              <a:t>} from "@angular/common/http";</a:t>
+            </a:r>
+            <a:endParaRPr lang="vi-VN" dirty="0"/>
           </a:p>
           <a:p>
             <a:pPr lvl="2"/>
@@ -40175,16 +40250,12 @@
               <a:t> </a:t>
             </a:r>
             <a:r>
-              <a:rPr lang="vi-VN" dirty="0" smtClean="0"/>
+              <a:rPr lang="vi-VN" dirty="0"/>
               <a:t>paramHere</a:t>
             </a:r>
             <a:r>
-              <a:rPr lang="en-US" dirty="0" smtClean="0"/>
-              <a:t>s </a:t>
-            </a:r>
-            <a:r>
-              <a:rPr lang="en-US" dirty="0"/>
-              <a:t>= new </a:t>
+              <a:rPr lang="en-US" dirty="0"/>
+              <a:t>s = new </a:t>
             </a:r>
             <a:r>
               <a:rPr lang="en-US" dirty="0" err="1">
@@ -40202,13 +40273,9 @@
             </a:r>
             <a:r>
               <a:rPr lang="en-US" dirty="0"/>
-              <a:t>: 'name=foo</a:t>
-            </a:r>
-            <a:r>
-              <a:rPr lang="en-US" dirty="0" smtClean="0"/>
-              <a:t>'});</a:t>
-            </a:r>
-            <a:endParaRPr lang="vi-VN" dirty="0" smtClean="0"/>
+              <a:t>: 'name=foo'});</a:t>
+            </a:r>
+            <a:endParaRPr lang="vi-VN" dirty="0"/>
           </a:p>
           <a:p>
             <a:pPr lvl="2"/>
@@ -40218,31 +40285,19 @@
             </a:r>
             <a:r>
               <a:rPr lang="en-US" dirty="0"/>
-              <a:t> options = </a:t>
-            </a:r>
-            <a:r>
-              <a:rPr lang="en-US" dirty="0" smtClean="0"/>
-              <a:t>{ </a:t>
+              <a:t> options = { </a:t>
             </a:r>
             <a:r>
               <a:rPr lang="en-US" dirty="0" err="1"/>
               <a:t>params</a:t>
             </a:r>
             <a:r>
-              <a:rPr lang="en-US" dirty="0" smtClean="0"/>
+              <a:rPr lang="en-US" dirty="0"/>
               <a:t>:</a:t>
             </a:r>
             <a:r>
-              <a:rPr lang="vi-VN" dirty="0" smtClean="0"/>
-              <a:t> </a:t>
-            </a:r>
-            <a:r>
               <a:rPr lang="vi-VN" dirty="0"/>
-              <a:t>paramHere</a:t>
-            </a:r>
-            <a:r>
-              <a:rPr lang="vi-VN" dirty="0" smtClean="0"/>
-              <a:t>}</a:t>
+              <a:t> paramHere}</a:t>
             </a:r>
             <a:endParaRPr lang="en-US" dirty="0"/>
           </a:p>
@@ -40282,13 +40337,6 @@
   <p:clrMapOvr>
     <a:masterClrMapping/>
   </p:clrMapOvr>
-  <p:timing>
-    <p:tnLst>
-      <p:par>
-        <p:cTn id="1" dur="indefinite" restart="never" nodeType="tmRoot"/>
-      </p:par>
-    </p:tnLst>
-  </p:timing>
 </p:sld>
 </file>
 
@@ -40407,77 +40455,6 @@
               <a:t> method call.</a:t>
             </a:r>
           </a:p>
-          <a:p>
-            <a:r>
-              <a:rPr lang="en-US" dirty="0"/>
-              <a:t>Write an interceptor</a:t>
-            </a:r>
-          </a:p>
-          <a:p>
-            <a:pPr lvl="1"/>
-            <a:r>
-              <a:rPr lang="en-US" dirty="0"/>
-              <a:t>To implement an interceptor, declare a class that implements the intercept() method of the </a:t>
-            </a:r>
-            <a:r>
-              <a:rPr lang="en-US" dirty="0" err="1"/>
-              <a:t>HttpInterceptor</a:t>
-            </a:r>
-            <a:r>
-              <a:rPr lang="en-US" dirty="0"/>
-              <a:t> interface.</a:t>
-            </a:r>
-          </a:p>
-          <a:p>
-            <a:pPr lvl="1"/>
-            <a:r>
-              <a:rPr lang="en-US" dirty="0"/>
-              <a:t>{ provide: </a:t>
-            </a:r>
-            <a:r>
-              <a:rPr lang="en-US" dirty="0">
-                <a:hlinkClick r:id="rId2"/>
-              </a:rPr>
-              <a:t>HTTP_INTERCEPTORS</a:t>
-            </a:r>
-            <a:r>
-              <a:rPr lang="en-US" dirty="0"/>
-              <a:t>, </a:t>
-            </a:r>
-            <a:r>
-              <a:rPr lang="en-US" dirty="0" err="1"/>
-              <a:t>useClass</a:t>
-            </a:r>
-            <a:r>
-              <a:rPr lang="en-US" dirty="0"/>
-              <a:t>: </a:t>
-            </a:r>
-            <a:r>
-              <a:rPr lang="en-US" dirty="0" err="1"/>
-              <a:t>NoopInterceptor</a:t>
-            </a:r>
-            <a:r>
-              <a:rPr lang="en-US" dirty="0"/>
-              <a:t>, multi: true },</a:t>
-            </a:r>
-          </a:p>
-          <a:p>
-            <a:r>
-              <a:rPr lang="en-US" dirty="0"/>
-              <a:t>Most interceptors call </a:t>
-            </a:r>
-            <a:r>
-              <a:rPr lang="en-US" dirty="0" err="1"/>
-              <a:t>next.handle</a:t>
-            </a:r>
-            <a:r>
-              <a:rPr lang="en-US" dirty="0"/>
-              <a:t>() so that the request flows through to the next interceptor and, eventually, the backend handler.</a:t>
-            </a:r>
-          </a:p>
-          <a:p>
-            <a:endParaRPr lang="en-US" dirty="0"/>
-          </a:p>
         </p:txBody>
       </p:sp>
     </p:spTree>
@@ -40490,13 +40467,6 @@
   <p:clrMapOvr>
     <a:masterClrMapping/>
   </p:clrMapOvr>
-  <p:timing>
-    <p:tnLst>
-      <p:par>
-        <p:cTn id="1" dur="indefinite" restart="never" nodeType="tmRoot"/>
-      </p:par>
-    </p:tnLst>
-  </p:timing>
 </p:sld>
 </file>
 

--- a/docs/Angular Training.pptx
+++ b/docs/Angular Training.pptx
@@ -5,7 +5,7 @@
     <p:sldMasterId id="2147483659" r:id="rId1"/>
   </p:sldMasterIdLst>
   <p:notesMasterIdLst>
-    <p:notesMasterId r:id="rId125"/>
+    <p:notesMasterId r:id="rId126"/>
   </p:notesMasterIdLst>
   <p:sldIdLst>
     <p:sldId id="256" r:id="rId2"/>
@@ -116,36 +116,37 @@
     <p:sldId id="353" r:id="rId107"/>
     <p:sldId id="441" r:id="rId108"/>
     <p:sldId id="440" r:id="rId109"/>
-    <p:sldId id="439" r:id="rId110"/>
-    <p:sldId id="396" r:id="rId111"/>
-    <p:sldId id="397" r:id="rId112"/>
-    <p:sldId id="398" r:id="rId113"/>
-    <p:sldId id="399" r:id="rId114"/>
-    <p:sldId id="400" r:id="rId115"/>
-    <p:sldId id="401" r:id="rId116"/>
-    <p:sldId id="402" r:id="rId117"/>
-    <p:sldId id="403" r:id="rId118"/>
-    <p:sldId id="404" r:id="rId119"/>
-    <p:sldId id="405" r:id="rId120"/>
-    <p:sldId id="406" r:id="rId121"/>
-    <p:sldId id="407" r:id="rId122"/>
-    <p:sldId id="408" r:id="rId123"/>
-    <p:sldId id="409" r:id="rId124"/>
+    <p:sldId id="442" r:id="rId110"/>
+    <p:sldId id="439" r:id="rId111"/>
+    <p:sldId id="396" r:id="rId112"/>
+    <p:sldId id="397" r:id="rId113"/>
+    <p:sldId id="398" r:id="rId114"/>
+    <p:sldId id="399" r:id="rId115"/>
+    <p:sldId id="400" r:id="rId116"/>
+    <p:sldId id="401" r:id="rId117"/>
+    <p:sldId id="402" r:id="rId118"/>
+    <p:sldId id="403" r:id="rId119"/>
+    <p:sldId id="404" r:id="rId120"/>
+    <p:sldId id="405" r:id="rId121"/>
+    <p:sldId id="406" r:id="rId122"/>
+    <p:sldId id="407" r:id="rId123"/>
+    <p:sldId id="408" r:id="rId124"/>
+    <p:sldId id="409" r:id="rId125"/>
   </p:sldIdLst>
   <p:sldSz cx="9144000" cy="5143500" type="screen16x9"/>
   <p:notesSz cx="6858000" cy="9144000"/>
   <p:embeddedFontLst>
     <p:embeddedFont>
       <p:font typeface="Calibri" panose="020F0502020204030204" pitchFamily="34" charset="0"/>
-      <p:regular r:id="rId126"/>
-      <p:bold r:id="rId127"/>
-      <p:italic r:id="rId128"/>
-      <p:boldItalic r:id="rId129"/>
+      <p:regular r:id="rId127"/>
+      <p:bold r:id="rId128"/>
+      <p:italic r:id="rId129"/>
+      <p:boldItalic r:id="rId130"/>
     </p:embeddedFont>
     <p:embeddedFont>
       <p:font typeface="Tahoma" panose="020B0604030504040204" pitchFamily="34" charset="0"/>
-      <p:regular r:id="rId130"/>
-      <p:bold r:id="rId131"/>
+      <p:regular r:id="rId131"/>
+      <p:bold r:id="rId132"/>
     </p:embeddedFont>
   </p:embeddedFontLst>
   <p:defaultTextStyle>
@@ -15833,6 +15834,13 @@
   <p:clrMapOvr>
     <a:masterClrMapping/>
   </p:clrMapOvr>
+  <p:timing>
+    <p:tnLst>
+      <p:par>
+        <p:cTn id="1" dur="indefinite" restart="never" nodeType="tmRoot"/>
+      </p:par>
+    </p:tnLst>
+  </p:timing>
 </p:sld>
 </file>
 
@@ -16154,7 +16162,7 @@
           <p:cNvPr id="2" name="Title 1">
             <a:extLst>
               <a:ext uri="{FF2B5EF4-FFF2-40B4-BE49-F238E27FC236}">
-                <a16:creationId xmlns:a16="http://schemas.microsoft.com/office/drawing/2014/main" id="{B18B2D86-8680-4CE2-B701-0AAF4D688C6C}"/>
+                <a16:creationId xmlns:a16="http://schemas.microsoft.com/office/drawing/2014/main" xmlns="" id="{B18B2D86-8680-4CE2-B701-0AAF4D688C6C}"/>
               </a:ext>
             </a:extLst>
           </p:cNvPr>
@@ -16206,7 +16214,7 @@
           <p:cNvPr id="3" name="Text Placeholder 2">
             <a:extLst>
               <a:ext uri="{FF2B5EF4-FFF2-40B4-BE49-F238E27FC236}">
-                <a16:creationId xmlns:a16="http://schemas.microsoft.com/office/drawing/2014/main" id="{89CCFCBA-C17B-404A-9BB5-E427E3A7656D}"/>
+                <a16:creationId xmlns:a16="http://schemas.microsoft.com/office/drawing/2014/main" xmlns="" id="{89CCFCBA-C17B-404A-9BB5-E427E3A7656D}"/>
               </a:ext>
             </a:extLst>
           </p:cNvPr>
@@ -16344,7 +16352,7 @@
           <p:cNvPr id="2" name="Title 1">
             <a:extLst>
               <a:ext uri="{FF2B5EF4-FFF2-40B4-BE49-F238E27FC236}">
-                <a16:creationId xmlns:a16="http://schemas.microsoft.com/office/drawing/2014/main" id="{F96A2D21-81F4-462A-BCB6-91AB49B1821C}"/>
+                <a16:creationId xmlns:a16="http://schemas.microsoft.com/office/drawing/2014/main" xmlns="" id="{F96A2D21-81F4-462A-BCB6-91AB49B1821C}"/>
               </a:ext>
             </a:extLst>
           </p:cNvPr>
@@ -16396,7 +16404,7 @@
           <p:cNvPr id="3" name="Text Placeholder 2">
             <a:extLst>
               <a:ext uri="{FF2B5EF4-FFF2-40B4-BE49-F238E27FC236}">
-                <a16:creationId xmlns:a16="http://schemas.microsoft.com/office/drawing/2014/main" id="{B60B85CE-CC9A-41FC-8910-C54B1FDD5F3E}"/>
+                <a16:creationId xmlns:a16="http://schemas.microsoft.com/office/drawing/2014/main" xmlns="" id="{B60B85CE-CC9A-41FC-8910-C54B1FDD5F3E}"/>
               </a:ext>
             </a:extLst>
           </p:cNvPr>
@@ -16455,7 +16463,7 @@
           <p:cNvPr id="4" name="Picture 3">
             <a:extLst>
               <a:ext uri="{FF2B5EF4-FFF2-40B4-BE49-F238E27FC236}">
-                <a16:creationId xmlns:a16="http://schemas.microsoft.com/office/drawing/2014/main" id="{68A3AEB9-E88B-4DDB-8570-EC2CFAE2B8B5}"/>
+                <a16:creationId xmlns:a16="http://schemas.microsoft.com/office/drawing/2014/main" xmlns="" id="{68A3AEB9-E88B-4DDB-8570-EC2CFAE2B8B5}"/>
               </a:ext>
             </a:extLst>
           </p:cNvPr>
@@ -16515,7 +16523,7 @@
           <p:cNvPr id="2" name="Title 1">
             <a:extLst>
               <a:ext uri="{FF2B5EF4-FFF2-40B4-BE49-F238E27FC236}">
-                <a16:creationId xmlns:a16="http://schemas.microsoft.com/office/drawing/2014/main" id="{36DD7B84-66C5-4F62-B94D-4BBAC6E16837}"/>
+                <a16:creationId xmlns:a16="http://schemas.microsoft.com/office/drawing/2014/main" xmlns="" id="{36DD7B84-66C5-4F62-B94D-4BBAC6E16837}"/>
               </a:ext>
             </a:extLst>
           </p:cNvPr>
@@ -16567,7 +16575,7 @@
           <p:cNvPr id="3" name="Text Placeholder 2">
             <a:extLst>
               <a:ext uri="{FF2B5EF4-FFF2-40B4-BE49-F238E27FC236}">
-                <a16:creationId xmlns:a16="http://schemas.microsoft.com/office/drawing/2014/main" id="{E687970A-03CD-4974-91D4-2547F8BB6EAD}"/>
+                <a16:creationId xmlns:a16="http://schemas.microsoft.com/office/drawing/2014/main" xmlns="" id="{E687970A-03CD-4974-91D4-2547F8BB6EAD}"/>
               </a:ext>
             </a:extLst>
           </p:cNvPr>
@@ -16595,7 +16603,7 @@
           <p:cNvPr id="4" name="Picture 3">
             <a:extLst>
               <a:ext uri="{FF2B5EF4-FFF2-40B4-BE49-F238E27FC236}">
-                <a16:creationId xmlns:a16="http://schemas.microsoft.com/office/drawing/2014/main" id="{1ECAB3EB-47E6-44CA-A32F-40E47B7DC0C9}"/>
+                <a16:creationId xmlns:a16="http://schemas.microsoft.com/office/drawing/2014/main" xmlns="" id="{1ECAB3EB-47E6-44CA-A32F-40E47B7DC0C9}"/>
               </a:ext>
             </a:extLst>
           </p:cNvPr>
@@ -17047,6 +17055,10 @@
               </a:rPr>
               <a:t>&lt;/a&gt;</a:t>
             </a:r>
+            <a:r>
+              <a:rPr lang="en-US" dirty="0"/>
+              <a:t/>
+            </a:r>
             <a:br>
               <a:rPr lang="en-US" dirty="0"/>
             </a:br>
@@ -17083,7 +17095,7 @@
           <p:cNvPr id="4" name="Picture 3">
             <a:extLst>
               <a:ext uri="{FF2B5EF4-FFF2-40B4-BE49-F238E27FC236}">
-                <a16:creationId xmlns:a16="http://schemas.microsoft.com/office/drawing/2014/main" id="{860AF72E-065D-42EB-A06C-6B293360401B}"/>
+                <a16:creationId xmlns:a16="http://schemas.microsoft.com/office/drawing/2014/main" xmlns="" id="{860AF72E-065D-42EB-A06C-6B293360401B}"/>
               </a:ext>
             </a:extLst>
           </p:cNvPr>
@@ -17612,7 +17624,7 @@
           <p:cNvPr id="4" name="Picture 3">
             <a:extLst>
               <a:ext uri="{FF2B5EF4-FFF2-40B4-BE49-F238E27FC236}">
-                <a16:creationId xmlns:a16="http://schemas.microsoft.com/office/drawing/2014/main" id="{69F3CDF8-08A9-41A6-820B-532701D750A0}"/>
+                <a16:creationId xmlns:a16="http://schemas.microsoft.com/office/drawing/2014/main" xmlns="" id="{69F3CDF8-08A9-41A6-820B-532701D750A0}"/>
               </a:ext>
             </a:extLst>
           </p:cNvPr>
@@ -17672,7 +17684,7 @@
           <p:cNvPr id="2" name="Title 1">
             <a:extLst>
               <a:ext uri="{FF2B5EF4-FFF2-40B4-BE49-F238E27FC236}">
-                <a16:creationId xmlns:a16="http://schemas.microsoft.com/office/drawing/2014/main" id="{950EB96B-B78D-4555-B1CC-EFB2C54CC863}"/>
+                <a16:creationId xmlns:a16="http://schemas.microsoft.com/office/drawing/2014/main" xmlns="" id="{950EB96B-B78D-4555-B1CC-EFB2C54CC863}"/>
               </a:ext>
             </a:extLst>
           </p:cNvPr>
@@ -17705,7 +17717,7 @@
           <p:cNvPr id="3" name="Text Placeholder 2">
             <a:extLst>
               <a:ext uri="{FF2B5EF4-FFF2-40B4-BE49-F238E27FC236}">
-                <a16:creationId xmlns:a16="http://schemas.microsoft.com/office/drawing/2014/main" id="{9A32D741-9317-4611-843B-70DFFFC2A9F0}"/>
+                <a16:creationId xmlns:a16="http://schemas.microsoft.com/office/drawing/2014/main" xmlns="" id="{9A32D741-9317-4611-843B-70DFFFC2A9F0}"/>
               </a:ext>
             </a:extLst>
           </p:cNvPr>
@@ -17746,7 +17758,7 @@
           <p:cNvPr id="4" name="Picture 3">
             <a:extLst>
               <a:ext uri="{FF2B5EF4-FFF2-40B4-BE49-F238E27FC236}">
-                <a16:creationId xmlns:a16="http://schemas.microsoft.com/office/drawing/2014/main" id="{640C8C35-13A8-4C8A-B24C-20341F04BE90}"/>
+                <a16:creationId xmlns:a16="http://schemas.microsoft.com/office/drawing/2014/main" xmlns="" id="{640C8C35-13A8-4C8A-B24C-20341F04BE90}"/>
               </a:ext>
             </a:extLst>
           </p:cNvPr>
@@ -17806,7 +17818,7 @@
           <p:cNvPr id="2" name="Title 1">
             <a:extLst>
               <a:ext uri="{FF2B5EF4-FFF2-40B4-BE49-F238E27FC236}">
-                <a16:creationId xmlns:a16="http://schemas.microsoft.com/office/drawing/2014/main" id="{FE1361CA-1610-4EE6-B85E-007ABB96B149}"/>
+                <a16:creationId xmlns:a16="http://schemas.microsoft.com/office/drawing/2014/main" xmlns="" id="{FE1361CA-1610-4EE6-B85E-007ABB96B149}"/>
               </a:ext>
             </a:extLst>
           </p:cNvPr>
@@ -17840,7 +17852,7 @@
           <p:cNvPr id="3" name="Text Placeholder 2">
             <a:extLst>
               <a:ext uri="{FF2B5EF4-FFF2-40B4-BE49-F238E27FC236}">
-                <a16:creationId xmlns:a16="http://schemas.microsoft.com/office/drawing/2014/main" id="{50F2859C-AC45-4A23-9271-425287A79844}"/>
+                <a16:creationId xmlns:a16="http://schemas.microsoft.com/office/drawing/2014/main" xmlns="" id="{50F2859C-AC45-4A23-9271-425287A79844}"/>
               </a:ext>
             </a:extLst>
           </p:cNvPr>
@@ -17865,7 +17877,7 @@
           <p:cNvPr id="1026" name="Picture 2" descr="Image for post">
             <a:extLst>
               <a:ext uri="{FF2B5EF4-FFF2-40B4-BE49-F238E27FC236}">
-                <a16:creationId xmlns:a16="http://schemas.microsoft.com/office/drawing/2014/main" id="{F456FB96-3E89-420E-9A8D-BADE2450B03B}"/>
+                <a16:creationId xmlns:a16="http://schemas.microsoft.com/office/drawing/2014/main" xmlns="" id="{F456FB96-3E89-420E-9A8D-BADE2450B03B}"/>
               </a:ext>
             </a:extLst>
           </p:cNvPr>
@@ -17917,6 +17929,13 @@
   <p:clrMapOvr>
     <a:masterClrMapping/>
   </p:clrMapOvr>
+  <p:timing>
+    <p:tnLst>
+      <p:par>
+        <p:cTn id="1" dur="indefinite" restart="never" nodeType="tmRoot"/>
+      </p:par>
+    </p:tnLst>
+  </p:timing>
 </p:sld>
 </file>
 
@@ -17939,13 +17958,7 @@
       </p:grpSpPr>
       <p:sp>
         <p:nvSpPr>
-          <p:cNvPr id="2" name="Title 1">
-            <a:extLst>
-              <a:ext uri="{FF2B5EF4-FFF2-40B4-BE49-F238E27FC236}">
-                <a16:creationId xmlns:a16="http://schemas.microsoft.com/office/drawing/2014/main" id="{7DB0845F-5586-486C-8447-8F7A0396923B}"/>
-              </a:ext>
-            </a:extLst>
-          </p:cNvPr>
+          <p:cNvPr id="2" name="Title 1"/>
           <p:cNvSpPr>
             <a:spLocks noGrp="1"/>
           </p:cNvSpPr>
@@ -17959,12 +17972,8 @@
           <a:lstStyle/>
           <a:p>
             <a:r>
-              <a:rPr lang="en-US" dirty="0"/>
-              <a:t>Observables &amp; </a:t>
-            </a:r>
-            <a:r>
-              <a:rPr lang="en-US" dirty="0" err="1"/>
-              <a:t>RxJS</a:t>
+              <a:rPr lang="en-US" dirty="0" smtClean="0"/>
+              <a:t>Libs</a:t>
             </a:r>
             <a:endParaRPr lang="en-US" dirty="0"/>
           </a:p>
@@ -17972,13 +17981,7 @@
       </p:sp>
       <p:sp>
         <p:nvSpPr>
-          <p:cNvPr id="3" name="Text Placeholder 2">
-            <a:extLst>
-              <a:ext uri="{FF2B5EF4-FFF2-40B4-BE49-F238E27FC236}">
-                <a16:creationId xmlns:a16="http://schemas.microsoft.com/office/drawing/2014/main" id="{0B95089E-10F5-421F-A39C-3D69B2741424}"/>
-              </a:ext>
-            </a:extLst>
-          </p:cNvPr>
+          <p:cNvPr id="3" name="Text Placeholder 2"/>
           <p:cNvSpPr>
             <a:spLocks noGrp="1"/>
           </p:cNvSpPr>
@@ -17991,6 +17994,42 @@
           <a:bodyPr/>
           <a:lstStyle/>
           <a:p>
+            <a:r>
+              <a:rPr lang="en-US" dirty="0">
+                <a:hlinkClick r:id="rId2"/>
+              </a:rPr>
+              <a:t>https://ng-bootstrap.github.io/#/</a:t>
+            </a:r>
+            <a:r>
+              <a:rPr lang="en-US" dirty="0" smtClean="0">
+                <a:hlinkClick r:id="rId2"/>
+              </a:rPr>
+              <a:t>components/modal/examples</a:t>
+            </a:r>
+            <a:endParaRPr lang="en-US" dirty="0" smtClean="0"/>
+          </a:p>
+          <a:p>
+            <a:r>
+              <a:rPr lang="en-US">
+                <a:hlinkClick r:id="rId3"/>
+              </a:rPr>
+              <a:t>https://ng-bootstrap.github.io</a:t>
+            </a:r>
+            <a:r>
+              <a:rPr lang="en-US">
+                <a:hlinkClick r:id="rId3"/>
+              </a:rPr>
+              <a:t>/#/</a:t>
+            </a:r>
+            <a:r>
+              <a:rPr lang="en-US" smtClean="0">
+                <a:hlinkClick r:id="rId3"/>
+              </a:rPr>
+              <a:t>components/alert/examples</a:t>
+            </a:r>
+            <a:endParaRPr lang="en-US" smtClean="0"/>
+          </a:p>
+          <a:p>
             <a:endParaRPr lang="en-US"/>
           </a:p>
         </p:txBody>
@@ -17998,13 +18037,20 @@
     </p:spTree>
     <p:extLst>
       <p:ext uri="{BB962C8B-B14F-4D97-AF65-F5344CB8AC3E}">
-        <p14:creationId xmlns:p14="http://schemas.microsoft.com/office/powerpoint/2010/main" val="3803963555"/>
+        <p14:creationId xmlns:p14="http://schemas.microsoft.com/office/powerpoint/2010/main" val="2523836006"/>
       </p:ext>
     </p:extLst>
   </p:cSld>
   <p:clrMapOvr>
     <a:masterClrMapping/>
   </p:clrMapOvr>
+  <p:timing>
+    <p:tnLst>
+      <p:par>
+        <p:cTn id="1" dur="indefinite" restart="never" nodeType="tmRoot"/>
+      </p:par>
+    </p:tnLst>
+  </p:timing>
 </p:sld>
 </file>
 
@@ -18167,7 +18213,13 @@
       </p:grpSpPr>
       <p:sp>
         <p:nvSpPr>
-          <p:cNvPr id="2" name="Title 1"/>
+          <p:cNvPr id="2" name="Title 1">
+            <a:extLst>
+              <a:ext uri="{FF2B5EF4-FFF2-40B4-BE49-F238E27FC236}">
+                <a16:creationId xmlns:a16="http://schemas.microsoft.com/office/drawing/2014/main" xmlns="" id="{7DB0845F-5586-486C-8447-8F7A0396923B}"/>
+              </a:ext>
+            </a:extLst>
+          </p:cNvPr>
           <p:cNvSpPr>
             <a:spLocks noGrp="1"/>
           </p:cNvSpPr>
@@ -18194,7 +18246,13 @@
       </p:sp>
       <p:sp>
         <p:nvSpPr>
-          <p:cNvPr id="3" name="Text Placeholder 2"/>
+          <p:cNvPr id="3" name="Text Placeholder 2">
+            <a:extLst>
+              <a:ext uri="{FF2B5EF4-FFF2-40B4-BE49-F238E27FC236}">
+                <a16:creationId xmlns:a16="http://schemas.microsoft.com/office/drawing/2014/main" xmlns="" id="{0B95089E-10F5-421F-A39C-3D69B2741424}"/>
+              </a:ext>
+            </a:extLst>
+          </p:cNvPr>
           <p:cNvSpPr>
             <a:spLocks noGrp="1"/>
           </p:cNvSpPr>
@@ -18207,56 +18265,14 @@
           <a:bodyPr/>
           <a:lstStyle/>
           <a:p>
-            <a:r>
-              <a:rPr lang="en-US" dirty="0">
-                <a:hlinkClick r:id="rId2"/>
-              </a:rPr>
-              <a:t>https://rxjs-dev.firebaseapp.com/guide/observable</a:t>
-            </a:r>
-            <a:endParaRPr lang="vi-VN" dirty="0"/>
-          </a:p>
-          <a:p>
-            <a:r>
-              <a:rPr lang="en-US" dirty="0">
-                <a:hlinkClick r:id="rId3"/>
-              </a:rPr>
-              <a:t>https://www.learnrxjs.io/</a:t>
-            </a:r>
-            <a:endParaRPr lang="vi-VN" dirty="0"/>
-          </a:p>
-          <a:p>
-            <a:r>
-              <a:rPr lang="en-US" dirty="0">
-                <a:hlinkClick r:id="rId4"/>
-              </a:rPr>
-              <a:t>http://reactivex.io/documentation/observable.html</a:t>
-            </a:r>
-            <a:endParaRPr lang="vi-VN" dirty="0"/>
-          </a:p>
-          <a:p>
-            <a:r>
-              <a:rPr lang="en-US" dirty="0">
-                <a:hlinkClick r:id="rId5"/>
-              </a:rPr>
-              <a:t>https://developer.mozilla.org/vi/docs/Web/JavaScript/Reference/Statements/async_function</a:t>
-            </a:r>
-            <a:endParaRPr lang="vi-VN" dirty="0"/>
-          </a:p>
-          <a:p>
-            <a:r>
-              <a:rPr lang="en-US" dirty="0">
-                <a:hlinkClick r:id="rId6"/>
-              </a:rPr>
-              <a:t>https://techtalk.vn/chon-promise-hay-observable-khi-lam-viec-voi-angular.html</a:t>
-            </a:r>
-            <a:endParaRPr lang="en-US" dirty="0"/>
+            <a:endParaRPr lang="en-US"/>
           </a:p>
         </p:txBody>
       </p:sp>
     </p:spTree>
     <p:extLst>
       <p:ext uri="{BB962C8B-B14F-4D97-AF65-F5344CB8AC3E}">
-        <p14:creationId xmlns:p14="http://schemas.microsoft.com/office/powerpoint/2010/main" val="2789207468"/>
+        <p14:creationId xmlns:p14="http://schemas.microsoft.com/office/powerpoint/2010/main" val="3803963555"/>
       </p:ext>
     </p:extLst>
   </p:cSld>
@@ -18326,6 +18342,124 @@
           <a:lstStyle/>
           <a:p>
             <a:r>
+              <a:rPr lang="en-US" dirty="0">
+                <a:hlinkClick r:id="rId2"/>
+              </a:rPr>
+              <a:t>https://rxjs-dev.firebaseapp.com/guide/observable</a:t>
+            </a:r>
+            <a:endParaRPr lang="vi-VN" dirty="0"/>
+          </a:p>
+          <a:p>
+            <a:r>
+              <a:rPr lang="en-US" dirty="0">
+                <a:hlinkClick r:id="rId3"/>
+              </a:rPr>
+              <a:t>https://www.learnrxjs.io/</a:t>
+            </a:r>
+            <a:endParaRPr lang="vi-VN" dirty="0"/>
+          </a:p>
+          <a:p>
+            <a:r>
+              <a:rPr lang="en-US" dirty="0">
+                <a:hlinkClick r:id="rId4"/>
+              </a:rPr>
+              <a:t>http://reactivex.io/documentation/observable.html</a:t>
+            </a:r>
+            <a:endParaRPr lang="vi-VN" dirty="0"/>
+          </a:p>
+          <a:p>
+            <a:r>
+              <a:rPr lang="en-US" dirty="0">
+                <a:hlinkClick r:id="rId5"/>
+              </a:rPr>
+              <a:t>https://developer.mozilla.org/vi/docs/Web/JavaScript/Reference/Statements/async_function</a:t>
+            </a:r>
+            <a:endParaRPr lang="vi-VN" dirty="0"/>
+          </a:p>
+          <a:p>
+            <a:r>
+              <a:rPr lang="en-US" dirty="0">
+                <a:hlinkClick r:id="rId6"/>
+              </a:rPr>
+              <a:t>https://techtalk.vn/chon-promise-hay-observable-khi-lam-viec-voi-angular.html</a:t>
+            </a:r>
+            <a:endParaRPr lang="en-US" dirty="0"/>
+          </a:p>
+        </p:txBody>
+      </p:sp>
+    </p:spTree>
+    <p:extLst>
+      <p:ext uri="{BB962C8B-B14F-4D97-AF65-F5344CB8AC3E}">
+        <p14:creationId xmlns:p14="http://schemas.microsoft.com/office/powerpoint/2010/main" val="2789207468"/>
+      </p:ext>
+    </p:extLst>
+  </p:cSld>
+  <p:clrMapOvr>
+    <a:masterClrMapping/>
+  </p:clrMapOvr>
+</p:sld>
+</file>
+
+<file path=ppt/slides/slide112.xml><?xml version="1.0" encoding="utf-8"?>
+<p:sld xmlns:a="http://schemas.openxmlformats.org/drawingml/2006/main" xmlns:r="http://schemas.openxmlformats.org/officeDocument/2006/relationships" xmlns:p="http://schemas.openxmlformats.org/presentationml/2006/main">
+  <p:cSld>
+    <p:spTree>
+      <p:nvGrpSpPr>
+        <p:cNvPr id="1" name=""/>
+        <p:cNvGrpSpPr/>
+        <p:nvPr/>
+      </p:nvGrpSpPr>
+      <p:grpSpPr>
+        <a:xfrm>
+          <a:off x="0" y="0"/>
+          <a:ext cx="0" cy="0"/>
+          <a:chOff x="0" y="0"/>
+          <a:chExt cx="0" cy="0"/>
+        </a:xfrm>
+      </p:grpSpPr>
+      <p:sp>
+        <p:nvSpPr>
+          <p:cNvPr id="2" name="Title 1"/>
+          <p:cNvSpPr>
+            <a:spLocks noGrp="1"/>
+          </p:cNvSpPr>
+          <p:nvPr>
+            <p:ph type="title"/>
+          </p:nvPr>
+        </p:nvSpPr>
+        <p:spPr/>
+        <p:txBody>
+          <a:bodyPr/>
+          <a:lstStyle/>
+          <a:p>
+            <a:r>
+              <a:rPr lang="en-US" dirty="0"/>
+              <a:t>Observables &amp; </a:t>
+            </a:r>
+            <a:r>
+              <a:rPr lang="en-US" dirty="0" err="1"/>
+              <a:t>RxJS</a:t>
+            </a:r>
+            <a:endParaRPr lang="en-US" dirty="0"/>
+          </a:p>
+        </p:txBody>
+      </p:sp>
+      <p:sp>
+        <p:nvSpPr>
+          <p:cNvPr id="3" name="Text Placeholder 2"/>
+          <p:cNvSpPr>
+            <a:spLocks noGrp="1"/>
+          </p:cNvSpPr>
+          <p:nvPr>
+            <p:ph type="body" idx="1"/>
+          </p:nvPr>
+        </p:nvSpPr>
+        <p:spPr/>
+        <p:txBody>
+          <a:bodyPr/>
+          <a:lstStyle/>
+          <a:p>
+            <a:r>
               <a:rPr lang="vi-VN" dirty="0"/>
               <a:t>D</a:t>
             </a:r>
@@ -18377,7 +18511,7 @@
 </p:sld>
 </file>
 
-<file path=ppt/slides/slide112.xml><?xml version="1.0" encoding="utf-8"?>
+<file path=ppt/slides/slide113.xml><?xml version="1.0" encoding="utf-8"?>
 <p:sld xmlns:a="http://schemas.openxmlformats.org/drawingml/2006/main" xmlns:r="http://schemas.openxmlformats.org/officeDocument/2006/relationships" xmlns:p="http://schemas.openxmlformats.org/presentationml/2006/main">
   <p:cSld>
     <p:spTree>
@@ -18493,7 +18627,7 @@
 </p:sld>
 </file>
 
-<file path=ppt/slides/slide113.xml><?xml version="1.0" encoding="utf-8"?>
+<file path=ppt/slides/slide114.xml><?xml version="1.0" encoding="utf-8"?>
 <p:sld xmlns:a="http://schemas.openxmlformats.org/drawingml/2006/main" xmlns:r="http://schemas.openxmlformats.org/officeDocument/2006/relationships" xmlns:p="http://schemas.openxmlformats.org/presentationml/2006/main">
   <p:cSld>
     <p:spTree>
@@ -18610,7 +18744,7 @@
 </p:sld>
 </file>
 
-<file path=ppt/slides/slide114.xml><?xml version="1.0" encoding="utf-8"?>
+<file path=ppt/slides/slide115.xml><?xml version="1.0" encoding="utf-8"?>
 <p:sld xmlns:a="http://schemas.openxmlformats.org/drawingml/2006/main" xmlns:r="http://schemas.openxmlformats.org/officeDocument/2006/relationships" xmlns:p="http://schemas.openxmlformats.org/presentationml/2006/main">
   <p:cSld>
     <p:spTree>
@@ -18726,7 +18860,7 @@
 </p:sld>
 </file>
 
-<file path=ppt/slides/slide115.xml><?xml version="1.0" encoding="utf-8"?>
+<file path=ppt/slides/slide116.xml><?xml version="1.0" encoding="utf-8"?>
 <p:sld xmlns:a="http://schemas.openxmlformats.org/drawingml/2006/main" xmlns:r="http://schemas.openxmlformats.org/officeDocument/2006/relationships" xmlns:p="http://schemas.openxmlformats.org/presentationml/2006/main">
   <p:cSld>
     <p:spTree>
@@ -18865,7 +18999,7 @@
 </p:sld>
 </file>
 
-<file path=ppt/slides/slide116.xml><?xml version="1.0" encoding="utf-8"?>
+<file path=ppt/slides/slide117.xml><?xml version="1.0" encoding="utf-8"?>
 <p:sld xmlns:a="http://schemas.openxmlformats.org/drawingml/2006/main" xmlns:r="http://schemas.openxmlformats.org/officeDocument/2006/relationships" xmlns:p="http://schemas.openxmlformats.org/presentationml/2006/main">
   <p:cSld>
     <p:spTree>
@@ -18887,7 +19021,7 @@
           <p:cNvPr id="2" name="Title 1">
             <a:extLst>
               <a:ext uri="{FF2B5EF4-FFF2-40B4-BE49-F238E27FC236}">
-                <a16:creationId xmlns:a16="http://schemas.microsoft.com/office/drawing/2014/main" id="{14188570-52C0-499D-A1F9-CEB8C4D140AC}"/>
+                <a16:creationId xmlns:a16="http://schemas.microsoft.com/office/drawing/2014/main" xmlns="" id="{14188570-52C0-499D-A1F9-CEB8C4D140AC}"/>
               </a:ext>
             </a:extLst>
           </p:cNvPr>
@@ -18912,7 +19046,7 @@
           <p:cNvPr id="3" name="Text Placeholder 2">
             <a:extLst>
               <a:ext uri="{FF2B5EF4-FFF2-40B4-BE49-F238E27FC236}">
-                <a16:creationId xmlns:a16="http://schemas.microsoft.com/office/drawing/2014/main" id="{076AC046-A5A2-41A8-93D3-574CB73A9183}"/>
+                <a16:creationId xmlns:a16="http://schemas.microsoft.com/office/drawing/2014/main" xmlns="" id="{076AC046-A5A2-41A8-93D3-574CB73A9183}"/>
               </a:ext>
             </a:extLst>
           </p:cNvPr>
@@ -18947,7 +19081,7 @@
           <p:cNvPr id="6" name="Picture 5">
             <a:extLst>
               <a:ext uri="{FF2B5EF4-FFF2-40B4-BE49-F238E27FC236}">
-                <a16:creationId xmlns:a16="http://schemas.microsoft.com/office/drawing/2014/main" id="{7816312E-1292-4F93-99B3-B6E03BF4C65B}"/>
+                <a16:creationId xmlns:a16="http://schemas.microsoft.com/office/drawing/2014/main" xmlns="" id="{7816312E-1292-4F93-99B3-B6E03BF4C65B}"/>
               </a:ext>
             </a:extLst>
           </p:cNvPr>
@@ -18977,7 +19111,7 @@
           <p:cNvPr id="7" name="Picture 6">
             <a:extLst>
               <a:ext uri="{FF2B5EF4-FFF2-40B4-BE49-F238E27FC236}">
-                <a16:creationId xmlns:a16="http://schemas.microsoft.com/office/drawing/2014/main" id="{CC57AC0F-E0B8-4664-87EF-398F84A8C34C}"/>
+                <a16:creationId xmlns:a16="http://schemas.microsoft.com/office/drawing/2014/main" xmlns="" id="{CC57AC0F-E0B8-4664-87EF-398F84A8C34C}"/>
               </a:ext>
             </a:extLst>
           </p:cNvPr>
@@ -19015,103 +19149,6 @@
 </p:sld>
 </file>
 
-<file path=ppt/slides/slide117.xml><?xml version="1.0" encoding="utf-8"?>
-<p:sld xmlns:a="http://schemas.openxmlformats.org/drawingml/2006/main" xmlns:r="http://schemas.openxmlformats.org/officeDocument/2006/relationships" xmlns:p="http://schemas.openxmlformats.org/presentationml/2006/main">
-  <p:cSld>
-    <p:spTree>
-      <p:nvGrpSpPr>
-        <p:cNvPr id="1" name=""/>
-        <p:cNvGrpSpPr/>
-        <p:nvPr/>
-      </p:nvGrpSpPr>
-      <p:grpSpPr>
-        <a:xfrm>
-          <a:off x="0" y="0"/>
-          <a:ext cx="0" cy="0"/>
-          <a:chOff x="0" y="0"/>
-          <a:chExt cx="0" cy="0"/>
-        </a:xfrm>
-      </p:grpSpPr>
-      <p:sp>
-        <p:nvSpPr>
-          <p:cNvPr id="2" name="Title 1">
-            <a:extLst>
-              <a:ext uri="{FF2B5EF4-FFF2-40B4-BE49-F238E27FC236}">
-                <a16:creationId xmlns:a16="http://schemas.microsoft.com/office/drawing/2014/main" id="{66FE7FBB-25AE-4F55-88FA-6C134DD61D68}"/>
-              </a:ext>
-            </a:extLst>
-          </p:cNvPr>
-          <p:cNvSpPr>
-            <a:spLocks noGrp="1"/>
-          </p:cNvSpPr>
-          <p:nvPr>
-            <p:ph type="title"/>
-          </p:nvPr>
-        </p:nvSpPr>
-        <p:spPr/>
-        <p:txBody>
-          <a:bodyPr/>
-          <a:lstStyle/>
-          <a:p>
-            <a:endParaRPr lang="en-US"/>
-          </a:p>
-        </p:txBody>
-      </p:sp>
-      <p:sp>
-        <p:nvSpPr>
-          <p:cNvPr id="3" name="Text Placeholder 2">
-            <a:extLst>
-              <a:ext uri="{FF2B5EF4-FFF2-40B4-BE49-F238E27FC236}">
-                <a16:creationId xmlns:a16="http://schemas.microsoft.com/office/drawing/2014/main" id="{44A61E20-B4B6-4440-96D4-DDF9F0C42C7A}"/>
-              </a:ext>
-            </a:extLst>
-          </p:cNvPr>
-          <p:cNvSpPr>
-            <a:spLocks noGrp="1"/>
-          </p:cNvSpPr>
-          <p:nvPr>
-            <p:ph type="body" idx="1"/>
-          </p:nvPr>
-        </p:nvSpPr>
-        <p:spPr/>
-        <p:txBody>
-          <a:bodyPr/>
-          <a:lstStyle/>
-          <a:p>
-            <a:r>
-              <a:rPr lang="en-US" dirty="0" err="1"/>
-              <a:t>func.call</a:t>
-            </a:r>
-            <a:r>
-              <a:rPr lang="en-US" dirty="0"/>
-              <a:t>() means "give me one value synchronously"</a:t>
-            </a:r>
-          </a:p>
-          <a:p>
-            <a:r>
-              <a:rPr lang="en-US" dirty="0" err="1"/>
-              <a:t>observable.subscribe</a:t>
-            </a:r>
-            <a:r>
-              <a:rPr lang="en-US" dirty="0"/>
-              <a:t>() means "give me any amount of values, either synchronously or asynchronously"</a:t>
-            </a:r>
-          </a:p>
-        </p:txBody>
-      </p:sp>
-    </p:spTree>
-    <p:extLst>
-      <p:ext uri="{BB962C8B-B14F-4D97-AF65-F5344CB8AC3E}">
-        <p14:creationId xmlns:p14="http://schemas.microsoft.com/office/powerpoint/2010/main" val="390879043"/>
-      </p:ext>
-    </p:extLst>
-  </p:cSld>
-  <p:clrMapOvr>
-    <a:masterClrMapping/>
-  </p:clrMapOvr>
-</p:sld>
-</file>
-
 <file path=ppt/slides/slide118.xml><?xml version="1.0" encoding="utf-8"?>
 <p:sld xmlns:a="http://schemas.openxmlformats.org/drawingml/2006/main" xmlns:r="http://schemas.openxmlformats.org/officeDocument/2006/relationships" xmlns:p="http://schemas.openxmlformats.org/presentationml/2006/main">
   <p:cSld>
@@ -19134,7 +19171,7 @@
           <p:cNvPr id="2" name="Title 1">
             <a:extLst>
               <a:ext uri="{FF2B5EF4-FFF2-40B4-BE49-F238E27FC236}">
-                <a16:creationId xmlns:a16="http://schemas.microsoft.com/office/drawing/2014/main" id="{87A9FF73-A801-4B1F-B6C6-242B2DBA852D}"/>
+                <a16:creationId xmlns:a16="http://schemas.microsoft.com/office/drawing/2014/main" xmlns="" id="{66FE7FBB-25AE-4F55-88FA-6C134DD61D68}"/>
               </a:ext>
             </a:extLst>
           </p:cNvPr>
@@ -19150,11 +19187,7 @@
           <a:bodyPr/>
           <a:lstStyle/>
           <a:p>
-            <a:r>
-              <a:rPr lang="vi-VN" dirty="0"/>
-              <a:t>Anatomy</a:t>
-            </a:r>
-            <a:endParaRPr lang="en-US" dirty="0"/>
+            <a:endParaRPr lang="en-US"/>
           </a:p>
         </p:txBody>
       </p:sp>
@@ -19163,7 +19196,7 @@
           <p:cNvPr id="3" name="Text Placeholder 2">
             <a:extLst>
               <a:ext uri="{FF2B5EF4-FFF2-40B4-BE49-F238E27FC236}">
-                <a16:creationId xmlns:a16="http://schemas.microsoft.com/office/drawing/2014/main" id="{24B21FB8-8E8C-48DA-A9B4-D95CAAAF9C56}"/>
+                <a16:creationId xmlns:a16="http://schemas.microsoft.com/office/drawing/2014/main" xmlns="" id="{44A61E20-B4B6-4440-96D4-DDF9F0C42C7A}"/>
               </a:ext>
             </a:extLst>
           </p:cNvPr>
@@ -19180,94 +19213,30 @@
           <a:lstStyle/>
           <a:p>
             <a:r>
-              <a:rPr lang="en-US" dirty="0"/>
-              <a:t>Creating Observables</a:t>
-            </a:r>
-          </a:p>
-          <a:p>
-            <a:pPr lvl="1"/>
-            <a:r>
-              <a:rPr lang="en-US" dirty="0"/>
-              <a:t>The Observable constructor takes one argument: the subscribe function.</a:t>
-            </a:r>
-            <a:endParaRPr lang="vi-VN" dirty="0"/>
-          </a:p>
-          <a:p>
-            <a:pPr lvl="1"/>
-            <a:r>
-              <a:rPr lang="en-US" dirty="0"/>
-              <a:t>Most commonly, observables are created using creation functions, like of, from, interval, etc.</a:t>
-            </a:r>
-            <a:endParaRPr lang="vi-VN" dirty="0"/>
-          </a:p>
-          <a:p>
-            <a:r>
-              <a:rPr lang="en-US" dirty="0"/>
-              <a:t>Subscribing to Observables</a:t>
-            </a:r>
-            <a:endParaRPr lang="vi-VN" dirty="0"/>
-          </a:p>
-          <a:p>
-            <a:pPr lvl="1"/>
-            <a:r>
-              <a:rPr lang="en-US" i="1" dirty="0"/>
-              <a:t>Subscribing to an Observable is like calling a function, providing callbacks where the data will be delivered to.</a:t>
-            </a:r>
-            <a:endParaRPr lang="vi-VN" i="1" dirty="0"/>
-          </a:p>
-          <a:p>
-            <a:r>
-              <a:rPr lang="en-US" dirty="0"/>
-              <a:t>Executing Observables</a:t>
-            </a:r>
-            <a:endParaRPr lang="vi-VN" dirty="0"/>
-          </a:p>
-          <a:p>
-            <a:pPr lvl="1"/>
-            <a:r>
-              <a:rPr lang="en-US" dirty="0"/>
-              <a:t>next*(</a:t>
-            </a:r>
-            <a:r>
               <a:rPr lang="en-US" dirty="0" err="1"/>
-              <a:t>error|complete</a:t>
-            </a:r>
-            <a:r>
-              <a:rPr lang="en-US" dirty="0"/>
-              <a:t>)?</a:t>
-            </a:r>
-            <a:endParaRPr lang="vi-VN" dirty="0"/>
-          </a:p>
-          <a:p>
-            <a:r>
-              <a:rPr lang="en-US" dirty="0"/>
-              <a:t>Disposing Observable Executions</a:t>
-            </a:r>
-          </a:p>
-          <a:p>
-            <a:pPr lvl="1"/>
+              <a:t>func.call</a:t>
+            </a:r>
+            <a:r>
+              <a:rPr lang="en-US" dirty="0"/>
+              <a:t>() means "give me one value synchronously"</a:t>
+            </a:r>
+          </a:p>
+          <a:p>
             <a:r>
               <a:rPr lang="en-US" dirty="0" err="1"/>
-              <a:t>subscription.unsubscribe</a:t>
-            </a:r>
-            <a:r>
-              <a:rPr lang="en-US" dirty="0"/>
-              <a:t>();</a:t>
-            </a:r>
-          </a:p>
-          <a:p>
-            <a:endParaRPr lang="en-US" dirty="0"/>
-          </a:p>
-          <a:p>
-            <a:pPr lvl="1"/>
-            <a:endParaRPr lang="en-US" dirty="0"/>
+              <a:t>observable.subscribe</a:t>
+            </a:r>
+            <a:r>
+              <a:rPr lang="en-US" dirty="0"/>
+              <a:t>() means "give me any amount of values, either synchronously or asynchronously"</a:t>
+            </a:r>
           </a:p>
         </p:txBody>
       </p:sp>
     </p:spTree>
     <p:extLst>
       <p:ext uri="{BB962C8B-B14F-4D97-AF65-F5344CB8AC3E}">
-        <p14:creationId xmlns:p14="http://schemas.microsoft.com/office/powerpoint/2010/main" val="533830537"/>
+        <p14:creationId xmlns:p14="http://schemas.microsoft.com/office/powerpoint/2010/main" val="390879043"/>
       </p:ext>
     </p:extLst>
   </p:cSld>
@@ -19299,7 +19268,7 @@
           <p:cNvPr id="2" name="Title 1">
             <a:extLst>
               <a:ext uri="{FF2B5EF4-FFF2-40B4-BE49-F238E27FC236}">
-                <a16:creationId xmlns:a16="http://schemas.microsoft.com/office/drawing/2014/main" id="{7DA28761-D2FA-43C5-9AD4-D72F303C532F}"/>
+                <a16:creationId xmlns:a16="http://schemas.microsoft.com/office/drawing/2014/main" xmlns="" id="{87A9FF73-A801-4B1F-B6C6-242B2DBA852D}"/>
               </a:ext>
             </a:extLst>
           </p:cNvPr>
@@ -19315,7 +19284,11 @@
           <a:bodyPr/>
           <a:lstStyle/>
           <a:p>
-            <a:endParaRPr lang="en-US"/>
+            <a:r>
+              <a:rPr lang="vi-VN" dirty="0"/>
+              <a:t>Anatomy</a:t>
+            </a:r>
+            <a:endParaRPr lang="en-US" dirty="0"/>
           </a:p>
         </p:txBody>
       </p:sp>
@@ -19324,7 +19297,7 @@
           <p:cNvPr id="3" name="Text Placeholder 2">
             <a:extLst>
               <a:ext uri="{FF2B5EF4-FFF2-40B4-BE49-F238E27FC236}">
-                <a16:creationId xmlns:a16="http://schemas.microsoft.com/office/drawing/2014/main" id="{0A2C4502-1A10-4641-B374-3E11BBA6F0DA}"/>
+                <a16:creationId xmlns:a16="http://schemas.microsoft.com/office/drawing/2014/main" xmlns="" id="{24B21FB8-8E8C-48DA-A9B4-D95CAAAF9C56}"/>
               </a:ext>
             </a:extLst>
           </p:cNvPr>
@@ -19340,44 +19313,95 @@
           <a:bodyPr/>
           <a:lstStyle/>
           <a:p>
-            <a:endParaRPr lang="en-US"/>
+            <a:r>
+              <a:rPr lang="en-US" dirty="0"/>
+              <a:t>Creating Observables</a:t>
+            </a:r>
+          </a:p>
+          <a:p>
+            <a:pPr lvl="1"/>
+            <a:r>
+              <a:rPr lang="en-US" dirty="0"/>
+              <a:t>The Observable constructor takes one argument: the subscribe function.</a:t>
+            </a:r>
+            <a:endParaRPr lang="vi-VN" dirty="0"/>
+          </a:p>
+          <a:p>
+            <a:pPr lvl="1"/>
+            <a:r>
+              <a:rPr lang="en-US" dirty="0"/>
+              <a:t>Most commonly, observables are created using creation functions, like of, from, interval, etc.</a:t>
+            </a:r>
+            <a:endParaRPr lang="vi-VN" dirty="0"/>
+          </a:p>
+          <a:p>
+            <a:r>
+              <a:rPr lang="en-US" dirty="0"/>
+              <a:t>Subscribing to Observables</a:t>
+            </a:r>
+            <a:endParaRPr lang="vi-VN" dirty="0"/>
+          </a:p>
+          <a:p>
+            <a:pPr lvl="1"/>
+            <a:r>
+              <a:rPr lang="en-US" i="1" dirty="0"/>
+              <a:t>Subscribing to an Observable is like calling a function, providing callbacks where the data will be delivered to.</a:t>
+            </a:r>
+            <a:endParaRPr lang="vi-VN" i="1" dirty="0"/>
+          </a:p>
+          <a:p>
+            <a:r>
+              <a:rPr lang="en-US" dirty="0"/>
+              <a:t>Executing Observables</a:t>
+            </a:r>
+            <a:endParaRPr lang="vi-VN" dirty="0"/>
+          </a:p>
+          <a:p>
+            <a:pPr lvl="1"/>
+            <a:r>
+              <a:rPr lang="en-US" dirty="0"/>
+              <a:t>next*(</a:t>
+            </a:r>
+            <a:r>
+              <a:rPr lang="en-US" dirty="0" err="1"/>
+              <a:t>error|complete</a:t>
+            </a:r>
+            <a:r>
+              <a:rPr lang="en-US" dirty="0"/>
+              <a:t>)?</a:t>
+            </a:r>
+            <a:endParaRPr lang="vi-VN" dirty="0"/>
+          </a:p>
+          <a:p>
+            <a:r>
+              <a:rPr lang="en-US" dirty="0"/>
+              <a:t>Disposing Observable Executions</a:t>
+            </a:r>
+          </a:p>
+          <a:p>
+            <a:pPr lvl="1"/>
+            <a:r>
+              <a:rPr lang="en-US" dirty="0" err="1"/>
+              <a:t>subscription.unsubscribe</a:t>
+            </a:r>
+            <a:r>
+              <a:rPr lang="en-US" dirty="0"/>
+              <a:t>();</a:t>
+            </a:r>
+          </a:p>
+          <a:p>
+            <a:endParaRPr lang="en-US" dirty="0"/>
+          </a:p>
+          <a:p>
+            <a:pPr lvl="1"/>
+            <a:endParaRPr lang="en-US" dirty="0"/>
           </a:p>
         </p:txBody>
       </p:sp>
-      <p:pic>
-        <p:nvPicPr>
-          <p:cNvPr id="5" name="Picture 4">
-            <a:extLst>
-              <a:ext uri="{FF2B5EF4-FFF2-40B4-BE49-F238E27FC236}">
-                <a16:creationId xmlns:a16="http://schemas.microsoft.com/office/drawing/2014/main" id="{807634FA-008F-4E87-951F-3CA12314CCBB}"/>
-              </a:ext>
-            </a:extLst>
-          </p:cNvPr>
-          <p:cNvPicPr>
-            <a:picLocks noChangeAspect="1"/>
-          </p:cNvPicPr>
-          <p:nvPr/>
-        </p:nvPicPr>
-        <p:blipFill>
-          <a:blip r:embed="rId2"/>
-          <a:stretch>
-            <a:fillRect/>
-          </a:stretch>
-        </p:blipFill>
-        <p:spPr>
-          <a:xfrm>
-            <a:off x="1752600" y="1504950"/>
-            <a:ext cx="4514850" cy="2804680"/>
-          </a:xfrm>
-          <a:prstGeom prst="rect">
-            <a:avLst/>
-          </a:prstGeom>
-        </p:spPr>
-      </p:pic>
     </p:spTree>
     <p:extLst>
       <p:ext uri="{BB962C8B-B14F-4D97-AF65-F5344CB8AC3E}">
-        <p14:creationId xmlns:p14="http://schemas.microsoft.com/office/powerpoint/2010/main" val="3445821604"/>
+        <p14:creationId xmlns:p14="http://schemas.microsoft.com/office/powerpoint/2010/main" val="533830537"/>
       </p:ext>
     </p:extLst>
   </p:cSld>
@@ -19682,7 +19706,7 @@
           <p:cNvPr id="2" name="Title 1">
             <a:extLst>
               <a:ext uri="{FF2B5EF4-FFF2-40B4-BE49-F238E27FC236}">
-                <a16:creationId xmlns:a16="http://schemas.microsoft.com/office/drawing/2014/main" id="{63C2B654-3331-4688-862F-DEF0F6D663BB}"/>
+                <a16:creationId xmlns:a16="http://schemas.microsoft.com/office/drawing/2014/main" xmlns="" id="{7DA28761-D2FA-43C5-9AD4-D72F303C532F}"/>
               </a:ext>
             </a:extLst>
           </p:cNvPr>
@@ -19707,7 +19731,7 @@
           <p:cNvPr id="3" name="Text Placeholder 2">
             <a:extLst>
               <a:ext uri="{FF2B5EF4-FFF2-40B4-BE49-F238E27FC236}">
-                <a16:creationId xmlns:a16="http://schemas.microsoft.com/office/drawing/2014/main" id="{6DA64C03-1AD9-4F07-BAFC-A0CD8158A822}"/>
+                <a16:creationId xmlns:a16="http://schemas.microsoft.com/office/drawing/2014/main" xmlns="" id="{0A2C4502-1A10-4641-B374-3E11BBA6F0DA}"/>
               </a:ext>
             </a:extLst>
           </p:cNvPr>
@@ -19723,6 +19747,116 @@
           <a:bodyPr/>
           <a:lstStyle/>
           <a:p>
+            <a:endParaRPr lang="en-US"/>
+          </a:p>
+        </p:txBody>
+      </p:sp>
+      <p:pic>
+        <p:nvPicPr>
+          <p:cNvPr id="5" name="Picture 4">
+            <a:extLst>
+              <a:ext uri="{FF2B5EF4-FFF2-40B4-BE49-F238E27FC236}">
+                <a16:creationId xmlns:a16="http://schemas.microsoft.com/office/drawing/2014/main" xmlns="" id="{807634FA-008F-4E87-951F-3CA12314CCBB}"/>
+              </a:ext>
+            </a:extLst>
+          </p:cNvPr>
+          <p:cNvPicPr>
+            <a:picLocks noChangeAspect="1"/>
+          </p:cNvPicPr>
+          <p:nvPr/>
+        </p:nvPicPr>
+        <p:blipFill>
+          <a:blip r:embed="rId2"/>
+          <a:stretch>
+            <a:fillRect/>
+          </a:stretch>
+        </p:blipFill>
+        <p:spPr>
+          <a:xfrm>
+            <a:off x="1752600" y="1504950"/>
+            <a:ext cx="4514850" cy="2804680"/>
+          </a:xfrm>
+          <a:prstGeom prst="rect">
+            <a:avLst/>
+          </a:prstGeom>
+        </p:spPr>
+      </p:pic>
+    </p:spTree>
+    <p:extLst>
+      <p:ext uri="{BB962C8B-B14F-4D97-AF65-F5344CB8AC3E}">
+        <p14:creationId xmlns:p14="http://schemas.microsoft.com/office/powerpoint/2010/main" val="3445821604"/>
+      </p:ext>
+    </p:extLst>
+  </p:cSld>
+  <p:clrMapOvr>
+    <a:masterClrMapping/>
+  </p:clrMapOvr>
+</p:sld>
+</file>
+
+<file path=ppt/slides/slide121.xml><?xml version="1.0" encoding="utf-8"?>
+<p:sld xmlns:a="http://schemas.openxmlformats.org/drawingml/2006/main" xmlns:r="http://schemas.openxmlformats.org/officeDocument/2006/relationships" xmlns:p="http://schemas.openxmlformats.org/presentationml/2006/main">
+  <p:cSld>
+    <p:spTree>
+      <p:nvGrpSpPr>
+        <p:cNvPr id="1" name=""/>
+        <p:cNvGrpSpPr/>
+        <p:nvPr/>
+      </p:nvGrpSpPr>
+      <p:grpSpPr>
+        <a:xfrm>
+          <a:off x="0" y="0"/>
+          <a:ext cx="0" cy="0"/>
+          <a:chOff x="0" y="0"/>
+          <a:chExt cx="0" cy="0"/>
+        </a:xfrm>
+      </p:grpSpPr>
+      <p:sp>
+        <p:nvSpPr>
+          <p:cNvPr id="2" name="Title 1">
+            <a:extLst>
+              <a:ext uri="{FF2B5EF4-FFF2-40B4-BE49-F238E27FC236}">
+                <a16:creationId xmlns:a16="http://schemas.microsoft.com/office/drawing/2014/main" xmlns="" id="{63C2B654-3331-4688-862F-DEF0F6D663BB}"/>
+              </a:ext>
+            </a:extLst>
+          </p:cNvPr>
+          <p:cNvSpPr>
+            <a:spLocks noGrp="1"/>
+          </p:cNvSpPr>
+          <p:nvPr>
+            <p:ph type="title"/>
+          </p:nvPr>
+        </p:nvSpPr>
+        <p:spPr/>
+        <p:txBody>
+          <a:bodyPr/>
+          <a:lstStyle/>
+          <a:p>
+            <a:endParaRPr lang="en-US"/>
+          </a:p>
+        </p:txBody>
+      </p:sp>
+      <p:sp>
+        <p:nvSpPr>
+          <p:cNvPr id="3" name="Text Placeholder 2">
+            <a:extLst>
+              <a:ext uri="{FF2B5EF4-FFF2-40B4-BE49-F238E27FC236}">
+                <a16:creationId xmlns:a16="http://schemas.microsoft.com/office/drawing/2014/main" xmlns="" id="{6DA64C03-1AD9-4F07-BAFC-A0CD8158A822}"/>
+              </a:ext>
+            </a:extLst>
+          </p:cNvPr>
+          <p:cNvSpPr>
+            <a:spLocks noGrp="1"/>
+          </p:cNvSpPr>
+          <p:nvPr>
+            <p:ph type="body" idx="1"/>
+          </p:nvPr>
+        </p:nvSpPr>
+        <p:spPr/>
+        <p:txBody>
+          <a:bodyPr/>
+          <a:lstStyle/>
+          <a:p>
             <a:r>
               <a:rPr lang="vi-VN" dirty="0"/>
               <a:t>Example for filter</a:t>
@@ -19736,7 +19870,7 @@
           <p:cNvPr id="4098" name="Picture 2" descr="filter marble diagram">
             <a:extLst>
               <a:ext uri="{FF2B5EF4-FFF2-40B4-BE49-F238E27FC236}">
-                <a16:creationId xmlns:a16="http://schemas.microsoft.com/office/drawing/2014/main" id="{177DC7A3-F46C-4A58-B30B-712064D34494}"/>
+                <a16:creationId xmlns:a16="http://schemas.microsoft.com/office/drawing/2014/main" xmlns="" id="{177DC7A3-F46C-4A58-B30B-712064D34494}"/>
               </a:ext>
             </a:extLst>
           </p:cNvPr>
@@ -19791,7 +19925,7 @@
 </p:sld>
 </file>
 
-<file path=ppt/slides/slide121.xml><?xml version="1.0" encoding="utf-8"?>
+<file path=ppt/slides/slide122.xml><?xml version="1.0" encoding="utf-8"?>
 <p:sld xmlns:a="http://schemas.openxmlformats.org/drawingml/2006/main" xmlns:r="http://schemas.openxmlformats.org/officeDocument/2006/relationships" xmlns:p="http://schemas.openxmlformats.org/presentationml/2006/main">
   <p:cSld>
     <p:spTree>
@@ -19813,7 +19947,7 @@
           <p:cNvPr id="2" name="Title 1">
             <a:extLst>
               <a:ext uri="{FF2B5EF4-FFF2-40B4-BE49-F238E27FC236}">
-                <a16:creationId xmlns:a16="http://schemas.microsoft.com/office/drawing/2014/main" id="{ED77B932-BCE9-4176-A7A0-3450503D6FCA}"/>
+                <a16:creationId xmlns:a16="http://schemas.microsoft.com/office/drawing/2014/main" xmlns="" id="{ED77B932-BCE9-4176-A7A0-3450503D6FCA}"/>
               </a:ext>
             </a:extLst>
           </p:cNvPr>
@@ -19838,7 +19972,7 @@
           <p:cNvPr id="3" name="Text Placeholder 2">
             <a:extLst>
               <a:ext uri="{FF2B5EF4-FFF2-40B4-BE49-F238E27FC236}">
-                <a16:creationId xmlns:a16="http://schemas.microsoft.com/office/drawing/2014/main" id="{29B32E58-A879-4BA5-9330-3DA726A4BB02}"/>
+                <a16:creationId xmlns:a16="http://schemas.microsoft.com/office/drawing/2014/main" xmlns="" id="{29B32E58-A879-4BA5-9330-3DA726A4BB02}"/>
               </a:ext>
             </a:extLst>
           </p:cNvPr>
@@ -19910,7 +20044,7 @@
 </p:sld>
 </file>
 
-<file path=ppt/slides/slide122.xml><?xml version="1.0" encoding="utf-8"?>
+<file path=ppt/slides/slide123.xml><?xml version="1.0" encoding="utf-8"?>
 <p:sld xmlns:a="http://schemas.openxmlformats.org/drawingml/2006/main" xmlns:r="http://schemas.openxmlformats.org/officeDocument/2006/relationships" xmlns:p="http://schemas.openxmlformats.org/presentationml/2006/main">
   <p:cSld>
     <p:spTree>
@@ -19970,7 +20104,7 @@
           <p:cNvPr id="4" name="Picture 3">
             <a:extLst>
               <a:ext uri="{FF2B5EF4-FFF2-40B4-BE49-F238E27FC236}">
-                <a16:creationId xmlns:a16="http://schemas.microsoft.com/office/drawing/2014/main" id="{DF5D3B81-E8A5-4586-805C-71E302C70F14}"/>
+                <a16:creationId xmlns:a16="http://schemas.microsoft.com/office/drawing/2014/main" xmlns="" id="{DF5D3B81-E8A5-4586-805C-71E302C70F14}"/>
               </a:ext>
             </a:extLst>
           </p:cNvPr>
@@ -20008,7 +20142,7 @@
 </p:sld>
 </file>
 
-<file path=ppt/slides/slide123.xml><?xml version="1.0" encoding="utf-8"?>
+<file path=ppt/slides/slide124.xml><?xml version="1.0" encoding="utf-8"?>
 <p:sld xmlns:a="http://schemas.openxmlformats.org/drawingml/2006/main" xmlns:r="http://schemas.openxmlformats.org/officeDocument/2006/relationships" xmlns:p="http://schemas.openxmlformats.org/presentationml/2006/main">
   <p:cSld>
     <p:spTree>
@@ -21726,6 +21860,10 @@
             <a:pPr marL="95250" indent="0">
               <a:buNone/>
             </a:pPr>
+            <a:r>
+              <a:rPr lang="en-US" dirty="0"/>
+              <a:t/>
+            </a:r>
             <a:br>
               <a:rPr lang="en-US" dirty="0"/>
             </a:br>
@@ -25861,6 +25999,10 @@
             </a:r>
           </a:p>
           <a:p>
+            <a:r>
+              <a:rPr lang="en-US" dirty="0"/>
+              <a:t/>
+            </a:r>
             <a:br>
               <a:rPr lang="en-US" dirty="0"/>
             </a:br>
@@ -27945,6 +28087,10 @@
               <a:rPr lang="en-US" sz="1800" i="1" dirty="0"/>
               <a:t>“A single-page application (SPA) is a web application or website that interacts with the web browser by dynamically rewriting the current web page with new data from the web server, instead of the default method of the browser loading entire new pages.”</a:t>
             </a:r>
+            <a:r>
+              <a:rPr lang="en-US" dirty="0"/>
+              <a:t/>
+            </a:r>
             <a:br>
               <a:rPr lang="en-US" dirty="0"/>
             </a:br>
@@ -28100,6 +28246,10 @@
             <a:pPr marL="571500" lvl="1" indent="0">
               <a:buNone/>
             </a:pPr>
+            <a:r>
+              <a:rPr lang="en-US" dirty="0"/>
+              <a:t/>
+            </a:r>
             <a:br>
               <a:rPr lang="en-US" dirty="0"/>
             </a:br>
@@ -29788,7 +29938,7 @@
           <p:cNvPr id="2" name="Title 1">
             <a:extLst>
               <a:ext uri="{FF2B5EF4-FFF2-40B4-BE49-F238E27FC236}">
-                <a16:creationId xmlns:a16="http://schemas.microsoft.com/office/drawing/2014/main" id="{8E3390F4-2813-479A-B2CA-B1826DC5B2F7}"/>
+                <a16:creationId xmlns:a16="http://schemas.microsoft.com/office/drawing/2014/main" xmlns="" id="{8E3390F4-2813-479A-B2CA-B1826DC5B2F7}"/>
               </a:ext>
             </a:extLst>
           </p:cNvPr>
@@ -29816,7 +29966,7 @@
           <p:cNvPr id="3" name="Text Placeholder 2">
             <a:extLst>
               <a:ext uri="{FF2B5EF4-FFF2-40B4-BE49-F238E27FC236}">
-                <a16:creationId xmlns:a16="http://schemas.microsoft.com/office/drawing/2014/main" id="{81978763-2B04-4689-B469-56C75E8408E4}"/>
+                <a16:creationId xmlns:a16="http://schemas.microsoft.com/office/drawing/2014/main" xmlns="" id="{81978763-2B04-4689-B469-56C75E8408E4}"/>
               </a:ext>
             </a:extLst>
           </p:cNvPr>
@@ -29963,6 +30113,10 @@
                 <a:latin typeface="Droid Sans Mono"/>
               </a:rPr>
               <a:t>;</a:t>
+            </a:r>
+            <a:r>
+              <a:rPr lang="en-US" dirty="0"/>
+              <a:t/>
             </a:r>
             <a:br>
               <a:rPr lang="en-US" dirty="0"/>
@@ -30101,7 +30255,7 @@
           <p:cNvPr id="2" name="Title 1">
             <a:extLst>
               <a:ext uri="{FF2B5EF4-FFF2-40B4-BE49-F238E27FC236}">
-                <a16:creationId xmlns:a16="http://schemas.microsoft.com/office/drawing/2014/main" id="{05693CBD-A7E2-424C-882C-891BB8936526}"/>
+                <a16:creationId xmlns:a16="http://schemas.microsoft.com/office/drawing/2014/main" xmlns="" id="{05693CBD-A7E2-424C-882C-891BB8936526}"/>
               </a:ext>
             </a:extLst>
           </p:cNvPr>
@@ -30129,7 +30283,7 @@
           <p:cNvPr id="3" name="Text Placeholder 2">
             <a:extLst>
               <a:ext uri="{FF2B5EF4-FFF2-40B4-BE49-F238E27FC236}">
-                <a16:creationId xmlns:a16="http://schemas.microsoft.com/office/drawing/2014/main" id="{B870AE03-A16C-4B3F-A116-B9CFEE07B705}"/>
+                <a16:creationId xmlns:a16="http://schemas.microsoft.com/office/drawing/2014/main" xmlns="" id="{B870AE03-A16C-4B3F-A116-B9CFEE07B705}"/>
               </a:ext>
             </a:extLst>
           </p:cNvPr>
@@ -30248,7 +30402,7 @@
           <p:cNvPr id="2" name="Title 1">
             <a:extLst>
               <a:ext uri="{FF2B5EF4-FFF2-40B4-BE49-F238E27FC236}">
-                <a16:creationId xmlns:a16="http://schemas.microsoft.com/office/drawing/2014/main" id="{38FB9F05-8B13-4BBF-ABAF-97668C713DD6}"/>
+                <a16:creationId xmlns:a16="http://schemas.microsoft.com/office/drawing/2014/main" xmlns="" id="{38FB9F05-8B13-4BBF-ABAF-97668C713DD6}"/>
               </a:ext>
             </a:extLst>
           </p:cNvPr>
@@ -30276,7 +30430,7 @@
           <p:cNvPr id="3" name="Text Placeholder 2">
             <a:extLst>
               <a:ext uri="{FF2B5EF4-FFF2-40B4-BE49-F238E27FC236}">
-                <a16:creationId xmlns:a16="http://schemas.microsoft.com/office/drawing/2014/main" id="{C3265D89-6B63-4A0E-B3D3-C5879C6A0FFF}"/>
+                <a16:creationId xmlns:a16="http://schemas.microsoft.com/office/drawing/2014/main" xmlns="" id="{C3265D89-6B63-4A0E-B3D3-C5879C6A0FFF}"/>
               </a:ext>
             </a:extLst>
           </p:cNvPr>
@@ -30395,7 +30549,7 @@
           <p:cNvPr id="2" name="Title 1">
             <a:extLst>
               <a:ext uri="{FF2B5EF4-FFF2-40B4-BE49-F238E27FC236}">
-                <a16:creationId xmlns:a16="http://schemas.microsoft.com/office/drawing/2014/main" id="{BE113AB8-B8FB-44E4-8BF1-00806350BFAC}"/>
+                <a16:creationId xmlns:a16="http://schemas.microsoft.com/office/drawing/2014/main" xmlns="" id="{BE113AB8-B8FB-44E4-8BF1-00806350BFAC}"/>
               </a:ext>
             </a:extLst>
           </p:cNvPr>
@@ -30424,7 +30578,7 @@
           <p:cNvPr id="3" name="Text Placeholder 2">
             <a:extLst>
               <a:ext uri="{FF2B5EF4-FFF2-40B4-BE49-F238E27FC236}">
-                <a16:creationId xmlns:a16="http://schemas.microsoft.com/office/drawing/2014/main" id="{62D828A7-23C6-47B9-8FC4-9EAFFB8F8BF8}"/>
+                <a16:creationId xmlns:a16="http://schemas.microsoft.com/office/drawing/2014/main" xmlns="" id="{62D828A7-23C6-47B9-8FC4-9EAFFB8F8BF8}"/>
               </a:ext>
             </a:extLst>
           </p:cNvPr>
@@ -30463,7 +30617,7 @@
           <p:cNvPr id="9" name="Picture 8">
             <a:extLst>
               <a:ext uri="{FF2B5EF4-FFF2-40B4-BE49-F238E27FC236}">
-                <a16:creationId xmlns:a16="http://schemas.microsoft.com/office/drawing/2014/main" id="{AB2A4D1D-3FC5-46DB-AA99-726C3F479FA8}"/>
+                <a16:creationId xmlns:a16="http://schemas.microsoft.com/office/drawing/2014/main" xmlns="" id="{AB2A4D1D-3FC5-46DB-AA99-726C3F479FA8}"/>
               </a:ext>
             </a:extLst>
           </p:cNvPr>
@@ -30780,6 +30934,10 @@
             <a:pPr marL="95250" indent="0">
               <a:buNone/>
             </a:pPr>
+            <a:r>
+              <a:rPr lang="en-US" sz="1800" dirty="0"/>
+              <a:t/>
+            </a:r>
             <a:br>
               <a:rPr lang="en-US" sz="1800" dirty="0"/>
             </a:br>
@@ -32027,6 +32185,10 @@
             <a:pPr marL="95250" indent="0">
               <a:buNone/>
             </a:pPr>
+            <a:r>
+              <a:rPr lang="en-US" dirty="0"/>
+              <a:t/>
+            </a:r>
             <a:br>
               <a:rPr lang="en-US" dirty="0"/>
             </a:br>
@@ -33452,7 +33614,7 @@
           <p:cNvPr id="5" name="Picture 4">
             <a:extLst>
               <a:ext uri="{FF2B5EF4-FFF2-40B4-BE49-F238E27FC236}">
-                <a16:creationId xmlns:a16="http://schemas.microsoft.com/office/drawing/2014/main" id="{A3ACDE0D-EEAC-419F-A7A2-703C54D94412}"/>
+                <a16:creationId xmlns:a16="http://schemas.microsoft.com/office/drawing/2014/main" xmlns="" id="{A3ACDE0D-EEAC-419F-A7A2-703C54D94412}"/>
               </a:ext>
             </a:extLst>
           </p:cNvPr>
@@ -33883,7 +34045,7 @@
           <p:cNvPr id="4" name="Picture 3">
             <a:extLst>
               <a:ext uri="{FF2B5EF4-FFF2-40B4-BE49-F238E27FC236}">
-                <a16:creationId xmlns:a16="http://schemas.microsoft.com/office/drawing/2014/main" id="{A9E5F16C-3CA5-4465-A7E4-25B87F19801D}"/>
+                <a16:creationId xmlns:a16="http://schemas.microsoft.com/office/drawing/2014/main" xmlns="" id="{A9E5F16C-3CA5-4465-A7E4-25B87F19801D}"/>
               </a:ext>
             </a:extLst>
           </p:cNvPr>
@@ -34336,7 +34498,7 @@
           <p:cNvPr id="4" name="Picture 3">
             <a:extLst>
               <a:ext uri="{FF2B5EF4-FFF2-40B4-BE49-F238E27FC236}">
-                <a16:creationId xmlns:a16="http://schemas.microsoft.com/office/drawing/2014/main" id="{26C8670E-3A34-4870-8B31-F13A8696B071}"/>
+                <a16:creationId xmlns:a16="http://schemas.microsoft.com/office/drawing/2014/main" xmlns="" id="{26C8670E-3A34-4870-8B31-F13A8696B071}"/>
               </a:ext>
             </a:extLst>
           </p:cNvPr>
@@ -35555,7 +35717,7 @@
           <p:cNvPr id="4" name="Picture 3">
             <a:extLst>
               <a:ext uri="{FF2B5EF4-FFF2-40B4-BE49-F238E27FC236}">
-                <a16:creationId xmlns:a16="http://schemas.microsoft.com/office/drawing/2014/main" id="{43FAF1CF-0BAA-44AA-9B8B-1A7E3A4A5BA6}"/>
+                <a16:creationId xmlns:a16="http://schemas.microsoft.com/office/drawing/2014/main" xmlns="" id="{43FAF1CF-0BAA-44AA-9B8B-1A7E3A4A5BA6}"/>
               </a:ext>
             </a:extLst>
           </p:cNvPr>
@@ -37693,6 +37855,10 @@
                 <a:latin typeface="Droid Sans Mono"/>
               </a:rPr>
               <a:t>}]</a:t>
+            </a:r>
+            <a:r>
+              <a:rPr lang="en-US" sz="1100" dirty="0"/>
+              <a:t/>
             </a:r>
             <a:br>
               <a:rPr lang="en-US" sz="1100" dirty="0"/>

--- a/docs/Angular Training.pptx
+++ b/docs/Angular Training.pptx
@@ -16137,6 +16137,13 @@
   <p:clrMapOvr>
     <a:masterClrMapping/>
   </p:clrMapOvr>
+  <p:timing>
+    <p:tnLst>
+      <p:par>
+        <p:cTn id="1" dur="indefinite" restart="never" nodeType="tmRoot"/>
+      </p:par>
+    </p:tnLst>
+  </p:timing>
 </p:sld>
 </file>
 
@@ -16162,7 +16169,7 @@
           <p:cNvPr id="2" name="Title 1">
             <a:extLst>
               <a:ext uri="{FF2B5EF4-FFF2-40B4-BE49-F238E27FC236}">
-                <a16:creationId xmlns:a16="http://schemas.microsoft.com/office/drawing/2014/main" xmlns="" id="{B18B2D86-8680-4CE2-B701-0AAF4D688C6C}"/>
+                <a16:creationId xmlns="" xmlns:a16="http://schemas.microsoft.com/office/drawing/2014/main" id="{B18B2D86-8680-4CE2-B701-0AAF4D688C6C}"/>
               </a:ext>
             </a:extLst>
           </p:cNvPr>
@@ -16214,7 +16221,7 @@
           <p:cNvPr id="3" name="Text Placeholder 2">
             <a:extLst>
               <a:ext uri="{FF2B5EF4-FFF2-40B4-BE49-F238E27FC236}">
-                <a16:creationId xmlns:a16="http://schemas.microsoft.com/office/drawing/2014/main" xmlns="" id="{89CCFCBA-C17B-404A-9BB5-E427E3A7656D}"/>
+                <a16:creationId xmlns="" xmlns:a16="http://schemas.microsoft.com/office/drawing/2014/main" id="{89CCFCBA-C17B-404A-9BB5-E427E3A7656D}"/>
               </a:ext>
             </a:extLst>
           </p:cNvPr>
@@ -16352,7 +16359,7 @@
           <p:cNvPr id="2" name="Title 1">
             <a:extLst>
               <a:ext uri="{FF2B5EF4-FFF2-40B4-BE49-F238E27FC236}">
-                <a16:creationId xmlns:a16="http://schemas.microsoft.com/office/drawing/2014/main" xmlns="" id="{F96A2D21-81F4-462A-BCB6-91AB49B1821C}"/>
+                <a16:creationId xmlns="" xmlns:a16="http://schemas.microsoft.com/office/drawing/2014/main" id="{F96A2D21-81F4-462A-BCB6-91AB49B1821C}"/>
               </a:ext>
             </a:extLst>
           </p:cNvPr>
@@ -16404,7 +16411,7 @@
           <p:cNvPr id="3" name="Text Placeholder 2">
             <a:extLst>
               <a:ext uri="{FF2B5EF4-FFF2-40B4-BE49-F238E27FC236}">
-                <a16:creationId xmlns:a16="http://schemas.microsoft.com/office/drawing/2014/main" xmlns="" id="{B60B85CE-CC9A-41FC-8910-C54B1FDD5F3E}"/>
+                <a16:creationId xmlns="" xmlns:a16="http://schemas.microsoft.com/office/drawing/2014/main" id="{B60B85CE-CC9A-41FC-8910-C54B1FDD5F3E}"/>
               </a:ext>
             </a:extLst>
           </p:cNvPr>
@@ -16463,7 +16470,7 @@
           <p:cNvPr id="4" name="Picture 3">
             <a:extLst>
               <a:ext uri="{FF2B5EF4-FFF2-40B4-BE49-F238E27FC236}">
-                <a16:creationId xmlns:a16="http://schemas.microsoft.com/office/drawing/2014/main" xmlns="" id="{68A3AEB9-E88B-4DDB-8570-EC2CFAE2B8B5}"/>
+                <a16:creationId xmlns="" xmlns:a16="http://schemas.microsoft.com/office/drawing/2014/main" id="{68A3AEB9-E88B-4DDB-8570-EC2CFAE2B8B5}"/>
               </a:ext>
             </a:extLst>
           </p:cNvPr>
@@ -16523,7 +16530,7 @@
           <p:cNvPr id="2" name="Title 1">
             <a:extLst>
               <a:ext uri="{FF2B5EF4-FFF2-40B4-BE49-F238E27FC236}">
-                <a16:creationId xmlns:a16="http://schemas.microsoft.com/office/drawing/2014/main" xmlns="" id="{36DD7B84-66C5-4F62-B94D-4BBAC6E16837}"/>
+                <a16:creationId xmlns="" xmlns:a16="http://schemas.microsoft.com/office/drawing/2014/main" id="{36DD7B84-66C5-4F62-B94D-4BBAC6E16837}"/>
               </a:ext>
             </a:extLst>
           </p:cNvPr>
@@ -16575,7 +16582,7 @@
           <p:cNvPr id="3" name="Text Placeholder 2">
             <a:extLst>
               <a:ext uri="{FF2B5EF4-FFF2-40B4-BE49-F238E27FC236}">
-                <a16:creationId xmlns:a16="http://schemas.microsoft.com/office/drawing/2014/main" xmlns="" id="{E687970A-03CD-4974-91D4-2547F8BB6EAD}"/>
+                <a16:creationId xmlns="" xmlns:a16="http://schemas.microsoft.com/office/drawing/2014/main" id="{E687970A-03CD-4974-91D4-2547F8BB6EAD}"/>
               </a:ext>
             </a:extLst>
           </p:cNvPr>
@@ -16603,7 +16610,7 @@
           <p:cNvPr id="4" name="Picture 3">
             <a:extLst>
               <a:ext uri="{FF2B5EF4-FFF2-40B4-BE49-F238E27FC236}">
-                <a16:creationId xmlns:a16="http://schemas.microsoft.com/office/drawing/2014/main" xmlns="" id="{1ECAB3EB-47E6-44CA-A32F-40E47B7DC0C9}"/>
+                <a16:creationId xmlns="" xmlns:a16="http://schemas.microsoft.com/office/drawing/2014/main" id="{1ECAB3EB-47E6-44CA-A32F-40E47B7DC0C9}"/>
               </a:ext>
             </a:extLst>
           </p:cNvPr>
@@ -17095,7 +17102,7 @@
           <p:cNvPr id="4" name="Picture 3">
             <a:extLst>
               <a:ext uri="{FF2B5EF4-FFF2-40B4-BE49-F238E27FC236}">
-                <a16:creationId xmlns:a16="http://schemas.microsoft.com/office/drawing/2014/main" xmlns="" id="{860AF72E-065D-42EB-A06C-6B293360401B}"/>
+                <a16:creationId xmlns="" xmlns:a16="http://schemas.microsoft.com/office/drawing/2014/main" id="{860AF72E-065D-42EB-A06C-6B293360401B}"/>
               </a:ext>
             </a:extLst>
           </p:cNvPr>
@@ -17624,7 +17631,7 @@
           <p:cNvPr id="4" name="Picture 3">
             <a:extLst>
               <a:ext uri="{FF2B5EF4-FFF2-40B4-BE49-F238E27FC236}">
-                <a16:creationId xmlns:a16="http://schemas.microsoft.com/office/drawing/2014/main" xmlns="" id="{69F3CDF8-08A9-41A6-820B-532701D750A0}"/>
+                <a16:creationId xmlns="" xmlns:a16="http://schemas.microsoft.com/office/drawing/2014/main" id="{69F3CDF8-08A9-41A6-820B-532701D750A0}"/>
               </a:ext>
             </a:extLst>
           </p:cNvPr>
@@ -17684,7 +17691,7 @@
           <p:cNvPr id="2" name="Title 1">
             <a:extLst>
               <a:ext uri="{FF2B5EF4-FFF2-40B4-BE49-F238E27FC236}">
-                <a16:creationId xmlns:a16="http://schemas.microsoft.com/office/drawing/2014/main" xmlns="" id="{950EB96B-B78D-4555-B1CC-EFB2C54CC863}"/>
+                <a16:creationId xmlns="" xmlns:a16="http://schemas.microsoft.com/office/drawing/2014/main" id="{950EB96B-B78D-4555-B1CC-EFB2C54CC863}"/>
               </a:ext>
             </a:extLst>
           </p:cNvPr>
@@ -17717,7 +17724,7 @@
           <p:cNvPr id="3" name="Text Placeholder 2">
             <a:extLst>
               <a:ext uri="{FF2B5EF4-FFF2-40B4-BE49-F238E27FC236}">
-                <a16:creationId xmlns:a16="http://schemas.microsoft.com/office/drawing/2014/main" xmlns="" id="{9A32D741-9317-4611-843B-70DFFFC2A9F0}"/>
+                <a16:creationId xmlns="" xmlns:a16="http://schemas.microsoft.com/office/drawing/2014/main" id="{9A32D741-9317-4611-843B-70DFFFC2A9F0}"/>
               </a:ext>
             </a:extLst>
           </p:cNvPr>
@@ -17758,7 +17765,7 @@
           <p:cNvPr id="4" name="Picture 3">
             <a:extLst>
               <a:ext uri="{FF2B5EF4-FFF2-40B4-BE49-F238E27FC236}">
-                <a16:creationId xmlns:a16="http://schemas.microsoft.com/office/drawing/2014/main" xmlns="" id="{640C8C35-13A8-4C8A-B24C-20341F04BE90}"/>
+                <a16:creationId xmlns="" xmlns:a16="http://schemas.microsoft.com/office/drawing/2014/main" id="{640C8C35-13A8-4C8A-B24C-20341F04BE90}"/>
               </a:ext>
             </a:extLst>
           </p:cNvPr>
@@ -17818,7 +17825,7 @@
           <p:cNvPr id="2" name="Title 1">
             <a:extLst>
               <a:ext uri="{FF2B5EF4-FFF2-40B4-BE49-F238E27FC236}">
-                <a16:creationId xmlns:a16="http://schemas.microsoft.com/office/drawing/2014/main" xmlns="" id="{FE1361CA-1610-4EE6-B85E-007ABB96B149}"/>
+                <a16:creationId xmlns="" xmlns:a16="http://schemas.microsoft.com/office/drawing/2014/main" id="{FE1361CA-1610-4EE6-B85E-007ABB96B149}"/>
               </a:ext>
             </a:extLst>
           </p:cNvPr>
@@ -17852,7 +17859,7 @@
           <p:cNvPr id="3" name="Text Placeholder 2">
             <a:extLst>
               <a:ext uri="{FF2B5EF4-FFF2-40B4-BE49-F238E27FC236}">
-                <a16:creationId xmlns:a16="http://schemas.microsoft.com/office/drawing/2014/main" xmlns="" id="{50F2859C-AC45-4A23-9271-425287A79844}"/>
+                <a16:creationId xmlns="" xmlns:a16="http://schemas.microsoft.com/office/drawing/2014/main" id="{50F2859C-AC45-4A23-9271-425287A79844}"/>
               </a:ext>
             </a:extLst>
           </p:cNvPr>
@@ -17877,7 +17884,7 @@
           <p:cNvPr id="1026" name="Picture 2" descr="Image for post">
             <a:extLst>
               <a:ext uri="{FF2B5EF4-FFF2-40B4-BE49-F238E27FC236}">
-                <a16:creationId xmlns:a16="http://schemas.microsoft.com/office/drawing/2014/main" xmlns="" id="{F456FB96-3E89-420E-9A8D-BADE2450B03B}"/>
+                <a16:creationId xmlns="" xmlns:a16="http://schemas.microsoft.com/office/drawing/2014/main" id="{F456FB96-3E89-420E-9A8D-BADE2450B03B}"/>
               </a:ext>
             </a:extLst>
           </p:cNvPr>
@@ -18013,13 +18020,7 @@
               <a:rPr lang="en-US">
                 <a:hlinkClick r:id="rId3"/>
               </a:rPr>
-              <a:t>https://ng-bootstrap.github.io</a:t>
-            </a:r>
-            <a:r>
-              <a:rPr lang="en-US">
-                <a:hlinkClick r:id="rId3"/>
-              </a:rPr>
-              <a:t>/#/</a:t>
+              <a:t>https://ng-bootstrap.github.io/#/</a:t>
             </a:r>
             <a:r>
               <a:rPr lang="en-US" smtClean="0">
@@ -18191,6 +18192,13 @@
   <p:clrMapOvr>
     <a:masterClrMapping/>
   </p:clrMapOvr>
+  <p:timing>
+    <p:tnLst>
+      <p:par>
+        <p:cTn id="1" dur="indefinite" restart="never" nodeType="tmRoot"/>
+      </p:par>
+    </p:tnLst>
+  </p:timing>
 </p:sld>
 </file>
 
@@ -18216,7 +18224,7 @@
           <p:cNvPr id="2" name="Title 1">
             <a:extLst>
               <a:ext uri="{FF2B5EF4-FFF2-40B4-BE49-F238E27FC236}">
-                <a16:creationId xmlns:a16="http://schemas.microsoft.com/office/drawing/2014/main" xmlns="" id="{7DB0845F-5586-486C-8447-8F7A0396923B}"/>
+                <a16:creationId xmlns="" xmlns:a16="http://schemas.microsoft.com/office/drawing/2014/main" id="{7DB0845F-5586-486C-8447-8F7A0396923B}"/>
               </a:ext>
             </a:extLst>
           </p:cNvPr>
@@ -18249,7 +18257,7 @@
           <p:cNvPr id="3" name="Text Placeholder 2">
             <a:extLst>
               <a:ext uri="{FF2B5EF4-FFF2-40B4-BE49-F238E27FC236}">
-                <a16:creationId xmlns:a16="http://schemas.microsoft.com/office/drawing/2014/main" xmlns="" id="{0B95089E-10F5-421F-A39C-3D69B2741424}"/>
+                <a16:creationId xmlns="" xmlns:a16="http://schemas.microsoft.com/office/drawing/2014/main" id="{0B95089E-10F5-421F-A39C-3D69B2741424}"/>
               </a:ext>
             </a:extLst>
           </p:cNvPr>
@@ -19021,7 +19029,7 @@
           <p:cNvPr id="2" name="Title 1">
             <a:extLst>
               <a:ext uri="{FF2B5EF4-FFF2-40B4-BE49-F238E27FC236}">
-                <a16:creationId xmlns:a16="http://schemas.microsoft.com/office/drawing/2014/main" xmlns="" id="{14188570-52C0-499D-A1F9-CEB8C4D140AC}"/>
+                <a16:creationId xmlns="" xmlns:a16="http://schemas.microsoft.com/office/drawing/2014/main" id="{14188570-52C0-499D-A1F9-CEB8C4D140AC}"/>
               </a:ext>
             </a:extLst>
           </p:cNvPr>
@@ -19046,7 +19054,7 @@
           <p:cNvPr id="3" name="Text Placeholder 2">
             <a:extLst>
               <a:ext uri="{FF2B5EF4-FFF2-40B4-BE49-F238E27FC236}">
-                <a16:creationId xmlns:a16="http://schemas.microsoft.com/office/drawing/2014/main" xmlns="" id="{076AC046-A5A2-41A8-93D3-574CB73A9183}"/>
+                <a16:creationId xmlns="" xmlns:a16="http://schemas.microsoft.com/office/drawing/2014/main" id="{076AC046-A5A2-41A8-93D3-574CB73A9183}"/>
               </a:ext>
             </a:extLst>
           </p:cNvPr>
@@ -19081,7 +19089,7 @@
           <p:cNvPr id="6" name="Picture 5">
             <a:extLst>
               <a:ext uri="{FF2B5EF4-FFF2-40B4-BE49-F238E27FC236}">
-                <a16:creationId xmlns:a16="http://schemas.microsoft.com/office/drawing/2014/main" xmlns="" id="{7816312E-1292-4F93-99B3-B6E03BF4C65B}"/>
+                <a16:creationId xmlns="" xmlns:a16="http://schemas.microsoft.com/office/drawing/2014/main" id="{7816312E-1292-4F93-99B3-B6E03BF4C65B}"/>
               </a:ext>
             </a:extLst>
           </p:cNvPr>
@@ -19111,7 +19119,7 @@
           <p:cNvPr id="7" name="Picture 6">
             <a:extLst>
               <a:ext uri="{FF2B5EF4-FFF2-40B4-BE49-F238E27FC236}">
-                <a16:creationId xmlns:a16="http://schemas.microsoft.com/office/drawing/2014/main" xmlns="" id="{CC57AC0F-E0B8-4664-87EF-398F84A8C34C}"/>
+                <a16:creationId xmlns="" xmlns:a16="http://schemas.microsoft.com/office/drawing/2014/main" id="{CC57AC0F-E0B8-4664-87EF-398F84A8C34C}"/>
               </a:ext>
             </a:extLst>
           </p:cNvPr>
@@ -19171,7 +19179,7 @@
           <p:cNvPr id="2" name="Title 1">
             <a:extLst>
               <a:ext uri="{FF2B5EF4-FFF2-40B4-BE49-F238E27FC236}">
-                <a16:creationId xmlns:a16="http://schemas.microsoft.com/office/drawing/2014/main" xmlns="" id="{66FE7FBB-25AE-4F55-88FA-6C134DD61D68}"/>
+                <a16:creationId xmlns="" xmlns:a16="http://schemas.microsoft.com/office/drawing/2014/main" id="{66FE7FBB-25AE-4F55-88FA-6C134DD61D68}"/>
               </a:ext>
             </a:extLst>
           </p:cNvPr>
@@ -19196,7 +19204,7 @@
           <p:cNvPr id="3" name="Text Placeholder 2">
             <a:extLst>
               <a:ext uri="{FF2B5EF4-FFF2-40B4-BE49-F238E27FC236}">
-                <a16:creationId xmlns:a16="http://schemas.microsoft.com/office/drawing/2014/main" xmlns="" id="{44A61E20-B4B6-4440-96D4-DDF9F0C42C7A}"/>
+                <a16:creationId xmlns="" xmlns:a16="http://schemas.microsoft.com/office/drawing/2014/main" id="{44A61E20-B4B6-4440-96D4-DDF9F0C42C7A}"/>
               </a:ext>
             </a:extLst>
           </p:cNvPr>
@@ -19268,7 +19276,7 @@
           <p:cNvPr id="2" name="Title 1">
             <a:extLst>
               <a:ext uri="{FF2B5EF4-FFF2-40B4-BE49-F238E27FC236}">
-                <a16:creationId xmlns:a16="http://schemas.microsoft.com/office/drawing/2014/main" xmlns="" id="{87A9FF73-A801-4B1F-B6C6-242B2DBA852D}"/>
+                <a16:creationId xmlns="" xmlns:a16="http://schemas.microsoft.com/office/drawing/2014/main" id="{87A9FF73-A801-4B1F-B6C6-242B2DBA852D}"/>
               </a:ext>
             </a:extLst>
           </p:cNvPr>
@@ -19297,7 +19305,7 @@
           <p:cNvPr id="3" name="Text Placeholder 2">
             <a:extLst>
               <a:ext uri="{FF2B5EF4-FFF2-40B4-BE49-F238E27FC236}">
-                <a16:creationId xmlns:a16="http://schemas.microsoft.com/office/drawing/2014/main" xmlns="" id="{24B21FB8-8E8C-48DA-A9B4-D95CAAAF9C56}"/>
+                <a16:creationId xmlns="" xmlns:a16="http://schemas.microsoft.com/office/drawing/2014/main" id="{24B21FB8-8E8C-48DA-A9B4-D95CAAAF9C56}"/>
               </a:ext>
             </a:extLst>
           </p:cNvPr>
@@ -19681,6 +19689,13 @@
   <p:clrMapOvr>
     <a:masterClrMapping/>
   </p:clrMapOvr>
+  <p:timing>
+    <p:tnLst>
+      <p:par>
+        <p:cTn id="1" dur="indefinite" restart="never" nodeType="tmRoot"/>
+      </p:par>
+    </p:tnLst>
+  </p:timing>
 </p:sld>
 </file>
 
@@ -19706,7 +19721,7 @@
           <p:cNvPr id="2" name="Title 1">
             <a:extLst>
               <a:ext uri="{FF2B5EF4-FFF2-40B4-BE49-F238E27FC236}">
-                <a16:creationId xmlns:a16="http://schemas.microsoft.com/office/drawing/2014/main" xmlns="" id="{7DA28761-D2FA-43C5-9AD4-D72F303C532F}"/>
+                <a16:creationId xmlns="" xmlns:a16="http://schemas.microsoft.com/office/drawing/2014/main" id="{7DA28761-D2FA-43C5-9AD4-D72F303C532F}"/>
               </a:ext>
             </a:extLst>
           </p:cNvPr>
@@ -19731,7 +19746,7 @@
           <p:cNvPr id="3" name="Text Placeholder 2">
             <a:extLst>
               <a:ext uri="{FF2B5EF4-FFF2-40B4-BE49-F238E27FC236}">
-                <a16:creationId xmlns:a16="http://schemas.microsoft.com/office/drawing/2014/main" xmlns="" id="{0A2C4502-1A10-4641-B374-3E11BBA6F0DA}"/>
+                <a16:creationId xmlns="" xmlns:a16="http://schemas.microsoft.com/office/drawing/2014/main" id="{0A2C4502-1A10-4641-B374-3E11BBA6F0DA}"/>
               </a:ext>
             </a:extLst>
           </p:cNvPr>
@@ -19756,7 +19771,7 @@
           <p:cNvPr id="5" name="Picture 4">
             <a:extLst>
               <a:ext uri="{FF2B5EF4-FFF2-40B4-BE49-F238E27FC236}">
-                <a16:creationId xmlns:a16="http://schemas.microsoft.com/office/drawing/2014/main" xmlns="" id="{807634FA-008F-4E87-951F-3CA12314CCBB}"/>
+                <a16:creationId xmlns="" xmlns:a16="http://schemas.microsoft.com/office/drawing/2014/main" id="{807634FA-008F-4E87-951F-3CA12314CCBB}"/>
               </a:ext>
             </a:extLst>
           </p:cNvPr>
@@ -19816,7 +19831,7 @@
           <p:cNvPr id="2" name="Title 1">
             <a:extLst>
               <a:ext uri="{FF2B5EF4-FFF2-40B4-BE49-F238E27FC236}">
-                <a16:creationId xmlns:a16="http://schemas.microsoft.com/office/drawing/2014/main" xmlns="" id="{63C2B654-3331-4688-862F-DEF0F6D663BB}"/>
+                <a16:creationId xmlns="" xmlns:a16="http://schemas.microsoft.com/office/drawing/2014/main" id="{63C2B654-3331-4688-862F-DEF0F6D663BB}"/>
               </a:ext>
             </a:extLst>
           </p:cNvPr>
@@ -19841,7 +19856,7 @@
           <p:cNvPr id="3" name="Text Placeholder 2">
             <a:extLst>
               <a:ext uri="{FF2B5EF4-FFF2-40B4-BE49-F238E27FC236}">
-                <a16:creationId xmlns:a16="http://schemas.microsoft.com/office/drawing/2014/main" xmlns="" id="{6DA64C03-1AD9-4F07-BAFC-A0CD8158A822}"/>
+                <a16:creationId xmlns="" xmlns:a16="http://schemas.microsoft.com/office/drawing/2014/main" id="{6DA64C03-1AD9-4F07-BAFC-A0CD8158A822}"/>
               </a:ext>
             </a:extLst>
           </p:cNvPr>
@@ -19870,7 +19885,7 @@
           <p:cNvPr id="4098" name="Picture 2" descr="filter marble diagram">
             <a:extLst>
               <a:ext uri="{FF2B5EF4-FFF2-40B4-BE49-F238E27FC236}">
-                <a16:creationId xmlns:a16="http://schemas.microsoft.com/office/drawing/2014/main" xmlns="" id="{177DC7A3-F46C-4A58-B30B-712064D34494}"/>
+                <a16:creationId xmlns="" xmlns:a16="http://schemas.microsoft.com/office/drawing/2014/main" id="{177DC7A3-F46C-4A58-B30B-712064D34494}"/>
               </a:ext>
             </a:extLst>
           </p:cNvPr>
@@ -19947,7 +19962,7 @@
           <p:cNvPr id="2" name="Title 1">
             <a:extLst>
               <a:ext uri="{FF2B5EF4-FFF2-40B4-BE49-F238E27FC236}">
-                <a16:creationId xmlns:a16="http://schemas.microsoft.com/office/drawing/2014/main" xmlns="" id="{ED77B932-BCE9-4176-A7A0-3450503D6FCA}"/>
+                <a16:creationId xmlns="" xmlns:a16="http://schemas.microsoft.com/office/drawing/2014/main" id="{ED77B932-BCE9-4176-A7A0-3450503D6FCA}"/>
               </a:ext>
             </a:extLst>
           </p:cNvPr>
@@ -19972,7 +19987,7 @@
           <p:cNvPr id="3" name="Text Placeholder 2">
             <a:extLst>
               <a:ext uri="{FF2B5EF4-FFF2-40B4-BE49-F238E27FC236}">
-                <a16:creationId xmlns:a16="http://schemas.microsoft.com/office/drawing/2014/main" xmlns="" id="{29B32E58-A879-4BA5-9330-3DA726A4BB02}"/>
+                <a16:creationId xmlns="" xmlns:a16="http://schemas.microsoft.com/office/drawing/2014/main" id="{29B32E58-A879-4BA5-9330-3DA726A4BB02}"/>
               </a:ext>
             </a:extLst>
           </p:cNvPr>
@@ -20104,7 +20119,7 @@
           <p:cNvPr id="4" name="Picture 3">
             <a:extLst>
               <a:ext uri="{FF2B5EF4-FFF2-40B4-BE49-F238E27FC236}">
-                <a16:creationId xmlns:a16="http://schemas.microsoft.com/office/drawing/2014/main" xmlns="" id="{DF5D3B81-E8A5-4586-805C-71E302C70F14}"/>
+                <a16:creationId xmlns="" xmlns:a16="http://schemas.microsoft.com/office/drawing/2014/main" id="{DF5D3B81-E8A5-4586-805C-71E302C70F14}"/>
               </a:ext>
             </a:extLst>
           </p:cNvPr>
@@ -20526,6 +20541,13 @@
   <p:clrMapOvr>
     <a:masterClrMapping/>
   </p:clrMapOvr>
+  <p:timing>
+    <p:tnLst>
+      <p:par>
+        <p:cTn id="1" dur="indefinite" restart="never" nodeType="tmRoot"/>
+      </p:par>
+    </p:tnLst>
+  </p:timing>
 </p:sld>
 </file>
 
@@ -20653,6 +20675,13 @@
   <p:clrMapOvr>
     <a:masterClrMapping/>
   </p:clrMapOvr>
+  <p:timing>
+    <p:tnLst>
+      <p:par>
+        <p:cTn id="1" dur="indefinite" restart="never" nodeType="tmRoot"/>
+      </p:par>
+    </p:tnLst>
+  </p:timing>
 </p:sld>
 </file>
 
@@ -20787,6 +20816,13 @@
   <p:clrMapOvr>
     <a:masterClrMapping/>
   </p:clrMapOvr>
+  <p:timing>
+    <p:tnLst>
+      <p:par>
+        <p:cTn id="1" dur="indefinite" restart="never" nodeType="tmRoot"/>
+      </p:par>
+    </p:tnLst>
+  </p:timing>
 </p:sld>
 </file>
 
@@ -20970,6 +21006,13 @@
   <p:clrMapOvr>
     <a:masterClrMapping/>
   </p:clrMapOvr>
+  <p:timing>
+    <p:tnLst>
+      <p:par>
+        <p:cTn id="1" dur="indefinite" restart="never" nodeType="tmRoot"/>
+      </p:par>
+    </p:tnLst>
+  </p:timing>
 </p:sld>
 </file>
 
@@ -21065,6 +21108,13 @@
   <p:clrMapOvr>
     <a:masterClrMapping/>
   </p:clrMapOvr>
+  <p:timing>
+    <p:tnLst>
+      <p:par>
+        <p:cTn id="1" dur="indefinite" restart="never" nodeType="tmRoot"/>
+      </p:par>
+    </p:tnLst>
+  </p:timing>
 </p:sld>
 </file>
 
@@ -21177,6 +21227,13 @@
   <p:clrMapOvr>
     <a:masterClrMapping/>
   </p:clrMapOvr>
+  <p:timing>
+    <p:tnLst>
+      <p:par>
+        <p:cTn id="1" dur="indefinite" restart="never" nodeType="tmRoot"/>
+      </p:par>
+    </p:tnLst>
+  </p:timing>
 </p:sld>
 </file>
 
@@ -21378,6 +21435,13 @@
   <p:clrMapOvr>
     <a:masterClrMapping/>
   </p:clrMapOvr>
+  <p:timing>
+    <p:tnLst>
+      <p:par>
+        <p:cTn id="1" dur="indefinite" restart="never" nodeType="tmRoot"/>
+      </p:par>
+    </p:tnLst>
+  </p:timing>
 </p:sld>
 </file>
 
@@ -21794,6 +21858,13 @@
   <p:clrMapOvr>
     <a:masterClrMapping/>
   </p:clrMapOvr>
+  <p:timing>
+    <p:tnLst>
+      <p:par>
+        <p:cTn id="1" dur="indefinite" restart="never" nodeType="tmRoot"/>
+      </p:par>
+    </p:tnLst>
+  </p:timing>
 </p:sld>
 </file>
 
@@ -21905,6 +21976,13 @@
   <p:clrMapOvr>
     <a:masterClrMapping/>
   </p:clrMapOvr>
+  <p:timing>
+    <p:tnLst>
+      <p:par>
+        <p:cTn id="1" dur="indefinite" restart="never" nodeType="tmRoot"/>
+      </p:par>
+    </p:tnLst>
+  </p:timing>
 </p:sld>
 </file>
 
@@ -22023,6 +22101,13 @@
   <p:clrMapOvr>
     <a:masterClrMapping/>
   </p:clrMapOvr>
+  <p:timing>
+    <p:tnLst>
+      <p:par>
+        <p:cTn id="1" dur="indefinite" restart="never" nodeType="tmRoot"/>
+      </p:par>
+    </p:tnLst>
+  </p:timing>
 </p:sld>
 </file>
 
@@ -22193,6 +22278,13 @@
   <p:clrMapOvr>
     <a:masterClrMapping/>
   </p:clrMapOvr>
+  <p:timing>
+    <p:tnLst>
+      <p:par>
+        <p:cTn id="1" dur="indefinite" restart="never" nodeType="tmRoot"/>
+      </p:par>
+    </p:tnLst>
+  </p:timing>
 </p:sld>
 </file>
 
@@ -22285,6 +22377,13 @@
   <p:clrMapOvr>
     <a:masterClrMapping/>
   </p:clrMapOvr>
+  <p:timing>
+    <p:tnLst>
+      <p:par>
+        <p:cTn id="1" dur="indefinite" restart="never" nodeType="tmRoot"/>
+      </p:par>
+    </p:tnLst>
+  </p:timing>
 </p:sld>
 </file>
 
@@ -23209,6 +23308,13 @@
   <p:clrMapOvr>
     <a:masterClrMapping/>
   </p:clrMapOvr>
+  <p:timing>
+    <p:tnLst>
+      <p:par>
+        <p:cTn id="1" dur="indefinite" restart="never" nodeType="tmRoot"/>
+      </p:par>
+    </p:tnLst>
+  </p:timing>
 </p:sld>
 </file>
 
@@ -23367,6 +23473,13 @@
   <p:clrMapOvr>
     <a:masterClrMapping/>
   </p:clrMapOvr>
+  <p:timing>
+    <p:tnLst>
+      <p:par>
+        <p:cTn id="1" dur="indefinite" restart="never" nodeType="tmRoot"/>
+      </p:par>
+    </p:tnLst>
+  </p:timing>
 </p:sld>
 </file>
 
@@ -23485,6 +23598,13 @@
   <p:clrMapOvr>
     <a:masterClrMapping/>
   </p:clrMapOvr>
+  <p:timing>
+    <p:tnLst>
+      <p:par>
+        <p:cTn id="1" dur="indefinite" restart="never" nodeType="tmRoot"/>
+      </p:par>
+    </p:tnLst>
+  </p:timing>
 </p:sld>
 </file>
 
@@ -23682,6 +23802,13 @@
   <p:clrMapOvr>
     <a:masterClrMapping/>
   </p:clrMapOvr>
+  <p:timing>
+    <p:tnLst>
+      <p:par>
+        <p:cTn id="1" dur="indefinite" restart="never" nodeType="tmRoot"/>
+      </p:par>
+    </p:tnLst>
+  </p:timing>
 </p:sld>
 </file>
 
@@ -23879,6 +24006,13 @@
   <p:clrMapOvr>
     <a:masterClrMapping/>
   </p:clrMapOvr>
+  <p:timing>
+    <p:tnLst>
+      <p:par>
+        <p:cTn id="1" dur="indefinite" restart="never" nodeType="tmRoot"/>
+      </p:par>
+    </p:tnLst>
+  </p:timing>
 </p:sld>
 </file>
 
@@ -23998,6 +24132,13 @@
   <p:clrMapOvr>
     <a:masterClrMapping/>
   </p:clrMapOvr>
+  <p:timing>
+    <p:tnLst>
+      <p:par>
+        <p:cTn id="1" dur="indefinite" restart="never" nodeType="tmRoot"/>
+      </p:par>
+    </p:tnLst>
+  </p:timing>
 </p:sld>
 </file>
 
@@ -24396,6 +24537,13 @@
   <p:clrMapOvr>
     <a:masterClrMapping/>
   </p:clrMapOvr>
+  <p:timing>
+    <p:tnLst>
+      <p:par>
+        <p:cTn id="1" dur="indefinite" restart="never" nodeType="tmRoot"/>
+      </p:par>
+    </p:tnLst>
+  </p:timing>
 </p:sld>
 </file>
 
@@ -24532,6 +24680,13 @@
   <p:clrMapOvr>
     <a:masterClrMapping/>
   </p:clrMapOvr>
+  <p:timing>
+    <p:tnLst>
+      <p:par>
+        <p:cTn id="1" dur="indefinite" restart="never" nodeType="tmRoot"/>
+      </p:par>
+    </p:tnLst>
+  </p:timing>
 </p:sld>
 </file>
 
@@ -24656,6 +24811,13 @@
   <p:clrMapOvr>
     <a:masterClrMapping/>
   </p:clrMapOvr>
+  <p:timing>
+    <p:tnLst>
+      <p:par>
+        <p:cTn id="1" dur="indefinite" restart="never" nodeType="tmRoot"/>
+      </p:par>
+    </p:tnLst>
+  </p:timing>
 </p:sld>
 </file>
 
@@ -24868,6 +25030,13 @@
   <p:clrMapOvr>
     <a:masterClrMapping/>
   </p:clrMapOvr>
+  <p:timing>
+    <p:tnLst>
+      <p:par>
+        <p:cTn id="1" dur="indefinite" restart="never" nodeType="tmRoot"/>
+      </p:par>
+    </p:tnLst>
+  </p:timing>
 </p:sld>
 </file>
 
@@ -25007,6 +25176,13 @@
   <p:clrMapOvr>
     <a:masterClrMapping/>
   </p:clrMapOvr>
+  <p:timing>
+    <p:tnLst>
+      <p:par>
+        <p:cTn id="1" dur="indefinite" restart="never" nodeType="tmRoot"/>
+      </p:par>
+    </p:tnLst>
+  </p:timing>
 </p:sld>
 </file>
 
@@ -25108,6 +25284,13 @@
   <p:clrMapOvr>
     <a:masterClrMapping/>
   </p:clrMapOvr>
+  <p:timing>
+    <p:tnLst>
+      <p:par>
+        <p:cTn id="1" dur="indefinite" restart="never" nodeType="tmRoot"/>
+      </p:par>
+    </p:tnLst>
+  </p:timing>
 </p:sld>
 </file>
 
@@ -25270,6 +25453,13 @@
   <p:clrMapOvr>
     <a:masterClrMapping/>
   </p:clrMapOvr>
+  <p:timing>
+    <p:tnLst>
+      <p:par>
+        <p:cTn id="1" dur="indefinite" restart="never" nodeType="tmRoot"/>
+      </p:par>
+    </p:tnLst>
+  </p:timing>
 </p:sld>
 </file>
 
@@ -25393,6 +25583,13 @@
   <p:clrMapOvr>
     <a:masterClrMapping/>
   </p:clrMapOvr>
+  <p:timing>
+    <p:tnLst>
+      <p:par>
+        <p:cTn id="1" dur="indefinite" restart="never" nodeType="tmRoot"/>
+      </p:par>
+    </p:tnLst>
+  </p:timing>
 </p:sld>
 </file>
 
@@ -25569,6 +25766,13 @@
   <p:clrMapOvr>
     <a:masterClrMapping/>
   </p:clrMapOvr>
+  <p:timing>
+    <p:tnLst>
+      <p:par>
+        <p:cTn id="1" dur="indefinite" restart="never" nodeType="tmRoot"/>
+      </p:par>
+    </p:tnLst>
+  </p:timing>
 </p:sld>
 </file>
 
@@ -25704,6 +25908,13 @@
   <p:clrMapOvr>
     <a:masterClrMapping/>
   </p:clrMapOvr>
+  <p:timing>
+    <p:tnLst>
+      <p:par>
+        <p:cTn id="1" dur="indefinite" restart="never" nodeType="tmRoot"/>
+      </p:par>
+    </p:tnLst>
+  </p:timing>
 </p:sld>
 </file>
 
@@ -26020,6 +26231,13 @@
   <p:clrMapOvr>
     <a:masterClrMapping/>
   </p:clrMapOvr>
+  <p:timing>
+    <p:tnLst>
+      <p:par>
+        <p:cTn id="1" dur="indefinite" restart="never" nodeType="tmRoot"/>
+      </p:par>
+    </p:tnLst>
+  </p:timing>
 </p:sld>
 </file>
 
@@ -26121,6 +26339,13 @@
   <p:clrMapOvr>
     <a:masterClrMapping/>
   </p:clrMapOvr>
+  <p:timing>
+    <p:tnLst>
+      <p:par>
+        <p:cTn id="1" dur="indefinite" restart="never" nodeType="tmRoot"/>
+      </p:par>
+    </p:tnLst>
+  </p:timing>
 </p:sld>
 </file>
 
@@ -26253,6 +26478,13 @@
   <p:clrMapOvr>
     <a:masterClrMapping/>
   </p:clrMapOvr>
+  <p:timing>
+    <p:tnLst>
+      <p:par>
+        <p:cTn id="1" dur="indefinite" restart="never" nodeType="tmRoot"/>
+      </p:par>
+    </p:tnLst>
+  </p:timing>
 </p:sld>
 </file>
 
@@ -26397,6 +26629,13 @@
   <p:clrMapOvr>
     <a:masterClrMapping/>
   </p:clrMapOvr>
+  <p:timing>
+    <p:tnLst>
+      <p:par>
+        <p:cTn id="1" dur="indefinite" restart="never" nodeType="tmRoot"/>
+      </p:par>
+    </p:tnLst>
+  </p:timing>
 </p:sld>
 </file>
 
@@ -26506,6 +26745,13 @@
   <p:clrMapOvr>
     <a:masterClrMapping/>
   </p:clrMapOvr>
+  <p:timing>
+    <p:tnLst>
+      <p:par>
+        <p:cTn id="1" dur="indefinite" restart="never" nodeType="tmRoot"/>
+      </p:par>
+    </p:tnLst>
+  </p:timing>
 </p:sld>
 </file>
 
@@ -26656,6 +26902,13 @@
   <p:clrMapOvr>
     <a:masterClrMapping/>
   </p:clrMapOvr>
+  <p:timing>
+    <p:tnLst>
+      <p:par>
+        <p:cTn id="1" dur="indefinite" restart="never" nodeType="tmRoot"/>
+      </p:par>
+    </p:tnLst>
+  </p:timing>
 </p:sld>
 </file>
 
@@ -26728,6 +26981,13 @@
   <p:clrMapOvr>
     <a:masterClrMapping/>
   </p:clrMapOvr>
+  <p:timing>
+    <p:tnLst>
+      <p:par>
+        <p:cTn id="1" dur="indefinite" restart="never" nodeType="tmRoot"/>
+      </p:par>
+    </p:tnLst>
+  </p:timing>
 </p:sld>
 </file>
 
@@ -26862,6 +27122,13 @@
   <p:clrMapOvr>
     <a:masterClrMapping/>
   </p:clrMapOvr>
+  <p:timing>
+    <p:tnLst>
+      <p:par>
+        <p:cTn id="1" dur="indefinite" restart="never" nodeType="tmRoot"/>
+      </p:par>
+    </p:tnLst>
+  </p:timing>
 </p:sld>
 </file>
 
@@ -26965,6 +27232,13 @@
   <p:clrMapOvr>
     <a:masterClrMapping/>
   </p:clrMapOvr>
+  <p:timing>
+    <p:tnLst>
+      <p:par>
+        <p:cTn id="1" dur="indefinite" restart="never" nodeType="tmRoot"/>
+      </p:par>
+    </p:tnLst>
+  </p:timing>
 </p:sld>
 </file>
 
@@ -27068,6 +27342,13 @@
   <p:clrMapOvr>
     <a:masterClrMapping/>
   </p:clrMapOvr>
+  <p:timing>
+    <p:tnLst>
+      <p:par>
+        <p:cTn id="1" dur="indefinite" restart="never" nodeType="tmRoot"/>
+      </p:par>
+    </p:tnLst>
+  </p:timing>
 </p:sld>
 </file>
 
@@ -27700,6 +27981,13 @@
   <p:clrMapOvr>
     <a:masterClrMapping/>
   </p:clrMapOvr>
+  <p:timing>
+    <p:tnLst>
+      <p:par>
+        <p:cTn id="1" dur="indefinite" restart="never" nodeType="tmRoot"/>
+      </p:par>
+    </p:tnLst>
+  </p:timing>
 </p:sld>
 </file>
 
@@ -27975,6 +28263,13 @@
   <p:clrMapOvr>
     <a:masterClrMapping/>
   </p:clrMapOvr>
+  <p:timing>
+    <p:tnLst>
+      <p:par>
+        <p:cTn id="1" dur="indefinite" restart="never" nodeType="tmRoot"/>
+      </p:par>
+    </p:tnLst>
+  </p:timing>
 </p:sld>
 </file>
 
@@ -28108,6 +28403,13 @@
   <p:clrMapOvr>
     <a:masterClrMapping/>
   </p:clrMapOvr>
+  <p:timing>
+    <p:tnLst>
+      <p:par>
+        <p:cTn id="1" dur="indefinite" restart="never" nodeType="tmRoot"/>
+      </p:par>
+    </p:tnLst>
+  </p:timing>
 </p:sld>
 </file>
 
@@ -28267,6 +28569,13 @@
   <p:clrMapOvr>
     <a:masterClrMapping/>
   </p:clrMapOvr>
+  <p:timing>
+    <p:tnLst>
+      <p:par>
+        <p:cTn id="1" dur="indefinite" restart="never" nodeType="tmRoot"/>
+      </p:par>
+    </p:tnLst>
+  </p:timing>
 </p:sld>
 </file>
 
@@ -28363,7 +28672,7 @@
             <a:endParaRPr dirty="0"/>
           </a:p>
           <a:p>
-            <a:pPr marL="914400" lvl="1" indent="-342900" algn="l" rtl="0">
+            <a:pPr marL="571500" lvl="1" indent="0" algn="l" rtl="0">
               <a:spcBef>
                 <a:spcPts val="0"/>
               </a:spcBef>
@@ -28371,7 +28680,7 @@
                 <a:spcPts val="0"/>
               </a:spcAft>
               <a:buSzPts val="1800"/>
-              <a:buAutoNum type="alphaLcPeriod"/>
+              <a:buNone/>
             </a:pPr>
             <a:r>
               <a:rPr lang="en" dirty="0"/>
@@ -28651,31 +28960,15 @@
                   <a:srgbClr val="EBEBEB"/>
                 </a:highlight>
               </a:rPr>
-              <a:t>($event)"&gt;&lt;/hero-detail&gt;</a:t>
-            </a:r>
-            <a:endParaRPr sz="1400" dirty="0">
-              <a:solidFill>
-                <a:srgbClr val="666600"/>
-              </a:solidFill>
-            </a:endParaRPr>
-          </a:p>
-          <a:p>
-            <a:pPr marL="914400" marR="0" lvl="1" indent="-342900" algn="l" rtl="0">
-              <a:lnSpc>
-                <a:spcPct val="90000"/>
-              </a:lnSpc>
-              <a:spcBef>
-                <a:spcPts val="400"/>
-              </a:spcBef>
-              <a:spcAft>
-                <a:spcPts val="0"/>
-              </a:spcAft>
-              <a:buSzPts val="1800"/>
-              <a:buAutoNum type="alphaLcPeriod"/>
-            </a:pPr>
-            <a:r>
-              <a:rPr lang="en" dirty="0"/>
-              <a:t>Example</a:t>
+              <a:t>($event)"&gt;&lt;/hero-detail</a:t>
+            </a:r>
+            <a:r>
+              <a:rPr lang="en" sz="1400" dirty="0" smtClean="0">
+                <a:highlight>
+                  <a:srgbClr val="EBEBEB"/>
+                </a:highlight>
+              </a:rPr>
+              <a:t>&gt;</a:t>
             </a:r>
             <a:endParaRPr sz="1400" dirty="0">
               <a:solidFill>
@@ -28711,6 +29004,13 @@
   <p:clrMapOvr>
     <a:masterClrMapping/>
   </p:clrMapOvr>
+  <p:timing>
+    <p:tnLst>
+      <p:par>
+        <p:cTn id="1" dur="indefinite" restart="never" nodeType="tmRoot"/>
+      </p:par>
+    </p:tnLst>
+  </p:timing>
 </p:sld>
 </file>
 
@@ -28852,6 +29152,13 @@
   <p:clrMapOvr>
     <a:masterClrMapping/>
   </p:clrMapOvr>
+  <p:timing>
+    <p:tnLst>
+      <p:par>
+        <p:cTn id="1" dur="indefinite" restart="never" nodeType="tmRoot"/>
+      </p:par>
+    </p:tnLst>
+  </p:timing>
 </p:sld>
 </file>
 
@@ -28971,6 +29278,13 @@
   <p:clrMapOvr>
     <a:masterClrMapping/>
   </p:clrMapOvr>
+  <p:timing>
+    <p:tnLst>
+      <p:par>
+        <p:cTn id="1" dur="indefinite" restart="never" nodeType="tmRoot"/>
+      </p:par>
+    </p:tnLst>
+  </p:timing>
 </p:sld>
 </file>
 
@@ -29106,6 +29420,13 @@
   <p:clrMapOvr>
     <a:masterClrMapping/>
   </p:clrMapOvr>
+  <p:timing>
+    <p:tnLst>
+      <p:par>
+        <p:cTn id="1" dur="indefinite" restart="never" nodeType="tmRoot"/>
+      </p:par>
+    </p:tnLst>
+  </p:timing>
 </p:sld>
 </file>
 
@@ -29226,6 +29547,13 @@
   <p:clrMapOvr>
     <a:masterClrMapping/>
   </p:clrMapOvr>
+  <p:timing>
+    <p:tnLst>
+      <p:par>
+        <p:cTn id="1" dur="indefinite" restart="never" nodeType="tmRoot"/>
+      </p:par>
+    </p:tnLst>
+  </p:timing>
 </p:sld>
 </file>
 
@@ -29654,6 +29982,13 @@
   <p:clrMapOvr>
     <a:masterClrMapping/>
   </p:clrMapOvr>
+  <p:timing>
+    <p:tnLst>
+      <p:par>
+        <p:cTn id="1" dur="indefinite" restart="never" nodeType="tmRoot"/>
+      </p:par>
+    </p:tnLst>
+  </p:timing>
 </p:sld>
 </file>
 
@@ -29785,6 +30120,13 @@
   <p:clrMapOvr>
     <a:masterClrMapping/>
   </p:clrMapOvr>
+  <p:timing>
+    <p:tnLst>
+      <p:par>
+        <p:cTn id="1" dur="indefinite" restart="never" nodeType="tmRoot"/>
+      </p:par>
+    </p:tnLst>
+  </p:timing>
 </p:sld>
 </file>
 
@@ -29913,6 +30255,13 @@
   <p:clrMapOvr>
     <a:masterClrMapping/>
   </p:clrMapOvr>
+  <p:timing>
+    <p:tnLst>
+      <p:par>
+        <p:cTn id="1" dur="indefinite" restart="never" nodeType="tmRoot"/>
+      </p:par>
+    </p:tnLst>
+  </p:timing>
 </p:sld>
 </file>
 
@@ -29938,7 +30287,7 @@
           <p:cNvPr id="2" name="Title 1">
             <a:extLst>
               <a:ext uri="{FF2B5EF4-FFF2-40B4-BE49-F238E27FC236}">
-                <a16:creationId xmlns:a16="http://schemas.microsoft.com/office/drawing/2014/main" xmlns="" id="{8E3390F4-2813-479A-B2CA-B1826DC5B2F7}"/>
+                <a16:creationId xmlns="" xmlns:a16="http://schemas.microsoft.com/office/drawing/2014/main" id="{8E3390F4-2813-479A-B2CA-B1826DC5B2F7}"/>
               </a:ext>
             </a:extLst>
           </p:cNvPr>
@@ -29966,7 +30315,7 @@
           <p:cNvPr id="3" name="Text Placeholder 2">
             <a:extLst>
               <a:ext uri="{FF2B5EF4-FFF2-40B4-BE49-F238E27FC236}">
-                <a16:creationId xmlns:a16="http://schemas.microsoft.com/office/drawing/2014/main" xmlns="" id="{81978763-2B04-4689-B469-56C75E8408E4}"/>
+                <a16:creationId xmlns="" xmlns:a16="http://schemas.microsoft.com/office/drawing/2014/main" id="{81978763-2B04-4689-B469-56C75E8408E4}"/>
               </a:ext>
             </a:extLst>
           </p:cNvPr>
@@ -30135,6 +30484,13 @@
   <p:clrMapOvr>
     <a:masterClrMapping/>
   </p:clrMapOvr>
+  <p:timing>
+    <p:tnLst>
+      <p:par>
+        <p:cTn id="1" dur="indefinite" restart="never" nodeType="tmRoot"/>
+      </p:par>
+    </p:tnLst>
+  </p:timing>
 </p:sld>
 </file>
 
@@ -30230,6 +30586,13 @@
   <p:clrMapOvr>
     <a:masterClrMapping/>
   </p:clrMapOvr>
+  <p:timing>
+    <p:tnLst>
+      <p:par>
+        <p:cTn id="1" dur="indefinite" restart="never" nodeType="tmRoot"/>
+      </p:par>
+    </p:tnLst>
+  </p:timing>
 </p:sld>
 </file>
 
@@ -30255,7 +30618,7 @@
           <p:cNvPr id="2" name="Title 1">
             <a:extLst>
               <a:ext uri="{FF2B5EF4-FFF2-40B4-BE49-F238E27FC236}">
-                <a16:creationId xmlns:a16="http://schemas.microsoft.com/office/drawing/2014/main" xmlns="" id="{05693CBD-A7E2-424C-882C-891BB8936526}"/>
+                <a16:creationId xmlns="" xmlns:a16="http://schemas.microsoft.com/office/drawing/2014/main" id="{05693CBD-A7E2-424C-882C-891BB8936526}"/>
               </a:ext>
             </a:extLst>
           </p:cNvPr>
@@ -30283,7 +30646,7 @@
           <p:cNvPr id="3" name="Text Placeholder 2">
             <a:extLst>
               <a:ext uri="{FF2B5EF4-FFF2-40B4-BE49-F238E27FC236}">
-                <a16:creationId xmlns:a16="http://schemas.microsoft.com/office/drawing/2014/main" xmlns="" id="{B870AE03-A16C-4B3F-A116-B9CFEE07B705}"/>
+                <a16:creationId xmlns="" xmlns:a16="http://schemas.microsoft.com/office/drawing/2014/main" id="{B870AE03-A16C-4B3F-A116-B9CFEE07B705}"/>
               </a:ext>
             </a:extLst>
           </p:cNvPr>
@@ -30377,6 +30740,13 @@
   <p:clrMapOvr>
     <a:masterClrMapping/>
   </p:clrMapOvr>
+  <p:timing>
+    <p:tnLst>
+      <p:par>
+        <p:cTn id="1" dur="indefinite" restart="never" nodeType="tmRoot"/>
+      </p:par>
+    </p:tnLst>
+  </p:timing>
 </p:sld>
 </file>
 
@@ -30402,7 +30772,7 @@
           <p:cNvPr id="2" name="Title 1">
             <a:extLst>
               <a:ext uri="{FF2B5EF4-FFF2-40B4-BE49-F238E27FC236}">
-                <a16:creationId xmlns:a16="http://schemas.microsoft.com/office/drawing/2014/main" xmlns="" id="{38FB9F05-8B13-4BBF-ABAF-97668C713DD6}"/>
+                <a16:creationId xmlns="" xmlns:a16="http://schemas.microsoft.com/office/drawing/2014/main" id="{38FB9F05-8B13-4BBF-ABAF-97668C713DD6}"/>
               </a:ext>
             </a:extLst>
           </p:cNvPr>
@@ -30430,7 +30800,7 @@
           <p:cNvPr id="3" name="Text Placeholder 2">
             <a:extLst>
               <a:ext uri="{FF2B5EF4-FFF2-40B4-BE49-F238E27FC236}">
-                <a16:creationId xmlns:a16="http://schemas.microsoft.com/office/drawing/2014/main" xmlns="" id="{C3265D89-6B63-4A0E-B3D3-C5879C6A0FFF}"/>
+                <a16:creationId xmlns="" xmlns:a16="http://schemas.microsoft.com/office/drawing/2014/main" id="{C3265D89-6B63-4A0E-B3D3-C5879C6A0FFF}"/>
               </a:ext>
             </a:extLst>
           </p:cNvPr>
@@ -30524,6 +30894,13 @@
   <p:clrMapOvr>
     <a:masterClrMapping/>
   </p:clrMapOvr>
+  <p:timing>
+    <p:tnLst>
+      <p:par>
+        <p:cTn id="1" dur="indefinite" restart="never" nodeType="tmRoot"/>
+      </p:par>
+    </p:tnLst>
+  </p:timing>
 </p:sld>
 </file>
 
@@ -30549,7 +30926,7 @@
           <p:cNvPr id="2" name="Title 1">
             <a:extLst>
               <a:ext uri="{FF2B5EF4-FFF2-40B4-BE49-F238E27FC236}">
-                <a16:creationId xmlns:a16="http://schemas.microsoft.com/office/drawing/2014/main" xmlns="" id="{BE113AB8-B8FB-44E4-8BF1-00806350BFAC}"/>
+                <a16:creationId xmlns="" xmlns:a16="http://schemas.microsoft.com/office/drawing/2014/main" id="{BE113AB8-B8FB-44E4-8BF1-00806350BFAC}"/>
               </a:ext>
             </a:extLst>
           </p:cNvPr>
@@ -30578,7 +30955,7 @@
           <p:cNvPr id="3" name="Text Placeholder 2">
             <a:extLst>
               <a:ext uri="{FF2B5EF4-FFF2-40B4-BE49-F238E27FC236}">
-                <a16:creationId xmlns:a16="http://schemas.microsoft.com/office/drawing/2014/main" xmlns="" id="{62D828A7-23C6-47B9-8FC4-9EAFFB8F8BF8}"/>
+                <a16:creationId xmlns="" xmlns:a16="http://schemas.microsoft.com/office/drawing/2014/main" id="{62D828A7-23C6-47B9-8FC4-9EAFFB8F8BF8}"/>
               </a:ext>
             </a:extLst>
           </p:cNvPr>
@@ -30617,7 +30994,7 @@
           <p:cNvPr id="9" name="Picture 8">
             <a:extLst>
               <a:ext uri="{FF2B5EF4-FFF2-40B4-BE49-F238E27FC236}">
-                <a16:creationId xmlns:a16="http://schemas.microsoft.com/office/drawing/2014/main" xmlns="" id="{AB2A4D1D-3FC5-46DB-AA99-726C3F479FA8}"/>
+                <a16:creationId xmlns="" xmlns:a16="http://schemas.microsoft.com/office/drawing/2014/main" id="{AB2A4D1D-3FC5-46DB-AA99-726C3F479FA8}"/>
               </a:ext>
             </a:extLst>
           </p:cNvPr>
@@ -30652,6 +31029,13 @@
   <p:clrMapOvr>
     <a:masterClrMapping/>
   </p:clrMapOvr>
+  <p:timing>
+    <p:tnLst>
+      <p:par>
+        <p:cTn id="1" dur="indefinite" restart="never" nodeType="tmRoot"/>
+      </p:par>
+    </p:tnLst>
+  </p:timing>
 </p:sld>
 </file>
 
@@ -30955,6 +31339,13 @@
   <p:clrMapOvr>
     <a:masterClrMapping/>
   </p:clrMapOvr>
+  <p:timing>
+    <p:tnLst>
+      <p:par>
+        <p:cTn id="1" dur="indefinite" restart="never" nodeType="tmRoot"/>
+      </p:par>
+    </p:tnLst>
+  </p:timing>
 </p:sld>
 </file>
 
@@ -31089,6 +31480,13 @@
   <p:clrMapOvr>
     <a:masterClrMapping/>
   </p:clrMapOvr>
+  <p:timing>
+    <p:tnLst>
+      <p:par>
+        <p:cTn id="1" dur="indefinite" restart="never" nodeType="tmRoot"/>
+      </p:par>
+    </p:tnLst>
+  </p:timing>
 </p:sld>
 </file>
 
@@ -31193,6 +31591,13 @@
   <p:clrMapOvr>
     <a:masterClrMapping/>
   </p:clrMapOvr>
+  <p:timing>
+    <p:tnLst>
+      <p:par>
+        <p:cTn id="1" dur="indefinite" restart="never" nodeType="tmRoot"/>
+      </p:par>
+    </p:tnLst>
+  </p:timing>
 </p:sld>
 </file>
 
@@ -31308,6 +31713,13 @@
   <p:clrMapOvr>
     <a:masterClrMapping/>
   </p:clrMapOvr>
+  <p:timing>
+    <p:tnLst>
+      <p:par>
+        <p:cTn id="1" dur="indefinite" restart="never" nodeType="tmRoot"/>
+      </p:par>
+    </p:tnLst>
+  </p:timing>
 </p:sld>
 </file>
 
@@ -31420,6 +31832,13 @@
   <p:clrMapOvr>
     <a:masterClrMapping/>
   </p:clrMapOvr>
+  <p:timing>
+    <p:tnLst>
+      <p:par>
+        <p:cTn id="1" dur="indefinite" restart="never" nodeType="tmRoot"/>
+      </p:par>
+    </p:tnLst>
+  </p:timing>
 </p:sld>
 </file>
 
@@ -31496,7 +31915,7 @@
               <a:t>Include </a:t>
             </a:r>
             <a:r>
-              <a:rPr lang="en-US" dirty="0" err="1"/>
+              <a:rPr lang="en-US" b="1" dirty="0" err="1"/>
               <a:t>FormsModule</a:t>
             </a:r>
             <a:r>
@@ -31515,7 +31934,15 @@
             </a:r>
             <a:r>
               <a:rPr lang="en-US" dirty="0"/>
-              <a:t> directive and two-way data-binding syntax.</a:t>
+              <a:t> directive and </a:t>
+            </a:r>
+            <a:r>
+              <a:rPr lang="en-US" b="1" dirty="0"/>
+              <a:t>two-way data-binding syntax</a:t>
+            </a:r>
+            <a:r>
+              <a:rPr lang="en-US" dirty="0"/>
+              <a:t>.</a:t>
             </a:r>
           </a:p>
           <a:p>
@@ -31594,6 +32021,13 @@
   <p:clrMapOvr>
     <a:masterClrMapping/>
   </p:clrMapOvr>
+  <p:timing>
+    <p:tnLst>
+      <p:par>
+        <p:cTn id="1" dur="indefinite" restart="never" nodeType="tmRoot"/>
+      </p:par>
+    </p:tnLst>
+  </p:timing>
 </p:sld>
 </file>
 
@@ -31705,6 +32139,13 @@
   <p:clrMapOvr>
     <a:masterClrMapping/>
   </p:clrMapOvr>
+  <p:timing>
+    <p:tnLst>
+      <p:par>
+        <p:cTn id="1" dur="indefinite" restart="never" nodeType="tmRoot"/>
+      </p:par>
+    </p:tnLst>
+  </p:timing>
 </p:sld>
 </file>
 
@@ -31858,6 +32299,13 @@
   <p:clrMapOvr>
     <a:masterClrMapping/>
   </p:clrMapOvr>
+  <p:timing>
+    <p:tnLst>
+      <p:par>
+        <p:cTn id="1" dur="indefinite" restart="never" nodeType="tmRoot"/>
+      </p:par>
+    </p:tnLst>
+  </p:timing>
 </p:sld>
 </file>
 
@@ -32230,6 +32678,13 @@
   <p:clrMapOvr>
     <a:masterClrMapping/>
   </p:clrMapOvr>
+  <p:timing>
+    <p:tnLst>
+      <p:par>
+        <p:cTn id="1" dur="indefinite" restart="never" nodeType="tmRoot"/>
+      </p:par>
+    </p:tnLst>
+  </p:timing>
 </p:sld>
 </file>
 
@@ -32831,6 +33286,13 @@
   <p:clrMapOvr>
     <a:masterClrMapping/>
   </p:clrMapOvr>
+  <p:timing>
+    <p:tnLst>
+      <p:par>
+        <p:cTn id="1" dur="indefinite" restart="never" nodeType="tmRoot"/>
+      </p:par>
+    </p:tnLst>
+  </p:timing>
 </p:sld>
 </file>
 
@@ -33614,7 +34076,7 @@
           <p:cNvPr id="5" name="Picture 4">
             <a:extLst>
               <a:ext uri="{FF2B5EF4-FFF2-40B4-BE49-F238E27FC236}">
-                <a16:creationId xmlns:a16="http://schemas.microsoft.com/office/drawing/2014/main" xmlns="" id="{A3ACDE0D-EEAC-419F-A7A2-703C54D94412}"/>
+                <a16:creationId xmlns="" xmlns:a16="http://schemas.microsoft.com/office/drawing/2014/main" id="{A3ACDE0D-EEAC-419F-A7A2-703C54D94412}"/>
               </a:ext>
             </a:extLst>
           </p:cNvPr>
@@ -33649,6 +34111,13 @@
   <p:clrMapOvr>
     <a:masterClrMapping/>
   </p:clrMapOvr>
+  <p:timing>
+    <p:tnLst>
+      <p:par>
+        <p:cTn id="1" dur="indefinite" restart="never" nodeType="tmRoot"/>
+      </p:par>
+    </p:tnLst>
+  </p:timing>
 </p:sld>
 </file>
 
@@ -33750,6 +34219,13 @@
   <p:clrMapOvr>
     <a:masterClrMapping/>
   </p:clrMapOvr>
+  <p:timing>
+    <p:tnLst>
+      <p:par>
+        <p:cTn id="1" dur="indefinite" restart="never" nodeType="tmRoot"/>
+      </p:par>
+    </p:tnLst>
+  </p:timing>
 </p:sld>
 </file>
 
@@ -33873,6 +34349,13 @@
   <p:clrMapOvr>
     <a:masterClrMapping/>
   </p:clrMapOvr>
+  <p:timing>
+    <p:tnLst>
+      <p:par>
+        <p:cTn id="1" dur="indefinite" restart="never" nodeType="tmRoot"/>
+      </p:par>
+    </p:tnLst>
+  </p:timing>
 </p:sld>
 </file>
 
@@ -33966,6 +34449,15 @@
               <a:rPr lang="en-US" dirty="0"/>
               <a:t> in your app. </a:t>
             </a:r>
+            <a:r>
+              <a:rPr lang="en-US" dirty="0"/>
+              <a:t>- </a:t>
+            </a:r>
+            <a:r>
+              <a:rPr lang="en-US" b="1" dirty="0" err="1"/>
+              <a:t>ReactiveFormsModule</a:t>
+            </a:r>
+            <a:endParaRPr lang="en-US" b="1" dirty="0"/>
           </a:p>
           <a:p>
             <a:pPr lvl="1"/>
@@ -34045,7 +34537,7 @@
           <p:cNvPr id="4" name="Picture 3">
             <a:extLst>
               <a:ext uri="{FF2B5EF4-FFF2-40B4-BE49-F238E27FC236}">
-                <a16:creationId xmlns:a16="http://schemas.microsoft.com/office/drawing/2014/main" xmlns="" id="{A9E5F16C-3CA5-4465-A7E4-25B87F19801D}"/>
+                <a16:creationId xmlns="" xmlns:a16="http://schemas.microsoft.com/office/drawing/2014/main" id="{A9E5F16C-3CA5-4465-A7E4-25B87F19801D}"/>
               </a:ext>
             </a:extLst>
           </p:cNvPr>
@@ -34080,6 +34572,13 @@
   <p:clrMapOvr>
     <a:masterClrMapping/>
   </p:clrMapOvr>
+  <p:timing>
+    <p:tnLst>
+      <p:par>
+        <p:cTn id="1" dur="indefinite" restart="never" nodeType="tmRoot"/>
+      </p:par>
+    </p:tnLst>
+  </p:timing>
 </p:sld>
 </file>
 
@@ -34236,6 +34735,13 @@
   <p:clrMapOvr>
     <a:masterClrMapping/>
   </p:clrMapOvr>
+  <p:timing>
+    <p:tnLst>
+      <p:par>
+        <p:cTn id="1" dur="indefinite" restart="never" nodeType="tmRoot"/>
+      </p:par>
+    </p:tnLst>
+  </p:timing>
 </p:sld>
 </file>
 
@@ -34498,7 +35004,7 @@
           <p:cNvPr id="4" name="Picture 3">
             <a:extLst>
               <a:ext uri="{FF2B5EF4-FFF2-40B4-BE49-F238E27FC236}">
-                <a16:creationId xmlns:a16="http://schemas.microsoft.com/office/drawing/2014/main" xmlns="" id="{26C8670E-3A34-4870-8B31-F13A8696B071}"/>
+                <a16:creationId xmlns="" xmlns:a16="http://schemas.microsoft.com/office/drawing/2014/main" id="{26C8670E-3A34-4870-8B31-F13A8696B071}"/>
               </a:ext>
             </a:extLst>
           </p:cNvPr>
@@ -34533,6 +35039,13 @@
   <p:clrMapOvr>
     <a:masterClrMapping/>
   </p:clrMapOvr>
+  <p:timing>
+    <p:tnLst>
+      <p:par>
+        <p:cTn id="1" dur="indefinite" restart="never" nodeType="tmRoot"/>
+      </p:par>
+    </p:tnLst>
+  </p:timing>
 </p:sld>
 </file>
 
@@ -34723,7 +35236,7 @@
               <a:tabLst/>
             </a:pPr>
             <a:r>
-              <a:rPr kumimoji="0" lang="en-US" altLang="en-US" sz="900" b="0" i="0" u="none" strike="noStrike" cap="none" normalizeH="0" baseline="0" dirty="0" err="1">
+              <a:rPr kumimoji="0" lang="en-US" altLang="en-US" sz="900" b="0" i="0" u="none" strike="noStrike" cap="none" normalizeH="0" baseline="0" dirty="0" err="1" smtClean="0">
                 <a:ln>
                   <a:noFill/>
                 </a:ln>
@@ -34736,7 +35249,7 @@
               <a:t>isUserNameDuplicated</a:t>
             </a:r>
             <a:r>
-              <a:rPr kumimoji="0" lang="en-US" altLang="en-US" sz="900" b="0" i="0" u="none" strike="noStrike" cap="none" normalizeH="0" baseline="0" dirty="0">
+              <a:rPr kumimoji="0" lang="en-US" altLang="en-US" sz="900" b="0" i="0" u="none" strike="noStrike" cap="none" normalizeH="0" baseline="0" dirty="0" smtClean="0">
                 <a:ln>
                   <a:noFill/>
                 </a:ln>
@@ -35350,6 +35863,13 @@
   <p:clrMapOvr>
     <a:masterClrMapping/>
   </p:clrMapOvr>
+  <p:timing>
+    <p:tnLst>
+      <p:par>
+        <p:cTn id="1" dur="indefinite" restart="never" nodeType="tmRoot"/>
+      </p:par>
+    </p:tnLst>
+  </p:timing>
 </p:sld>
 </file>
 
@@ -35717,7 +36237,7 @@
           <p:cNvPr id="4" name="Picture 3">
             <a:extLst>
               <a:ext uri="{FF2B5EF4-FFF2-40B4-BE49-F238E27FC236}">
-                <a16:creationId xmlns:a16="http://schemas.microsoft.com/office/drawing/2014/main" xmlns="" id="{43FAF1CF-0BAA-44AA-9B8B-1A7E3A4A5BA6}"/>
+                <a16:creationId xmlns="" xmlns:a16="http://schemas.microsoft.com/office/drawing/2014/main" id="{43FAF1CF-0BAA-44AA-9B8B-1A7E3A4A5BA6}"/>
               </a:ext>
             </a:extLst>
           </p:cNvPr>
@@ -36195,6 +36715,13 @@
   <p:clrMapOvr>
     <a:masterClrMapping/>
   </p:clrMapOvr>
+  <p:timing>
+    <p:tnLst>
+      <p:par>
+        <p:cTn id="1" dur="indefinite" restart="never" nodeType="tmRoot"/>
+      </p:par>
+    </p:tnLst>
+  </p:timing>
 </p:sld>
 </file>
 
@@ -36299,6 +36826,13 @@
   <p:clrMapOvr>
     <a:masterClrMapping/>
   </p:clrMapOvr>
+  <p:timing>
+    <p:tnLst>
+      <p:par>
+        <p:cTn id="1" dur="indefinite" restart="never" nodeType="tmRoot"/>
+      </p:par>
+    </p:tnLst>
+  </p:timing>
 </p:sld>
 </file>
 
@@ -36397,6 +36931,13 @@
   <p:clrMapOvr>
     <a:masterClrMapping/>
   </p:clrMapOvr>
+  <p:timing>
+    <p:tnLst>
+      <p:par>
+        <p:cTn id="1" dur="indefinite" restart="never" nodeType="tmRoot"/>
+      </p:par>
+    </p:tnLst>
+  </p:timing>
 </p:sld>
 </file>
 
@@ -36558,6 +37099,13 @@
   <p:clrMapOvr>
     <a:masterClrMapping/>
   </p:clrMapOvr>
+  <p:timing>
+    <p:tnLst>
+      <p:par>
+        <p:cTn id="1" dur="indefinite" restart="never" nodeType="tmRoot"/>
+      </p:par>
+    </p:tnLst>
+  </p:timing>
 </p:sld>
 </file>
 
@@ -36748,6 +37296,13 @@
   <p:clrMapOvr>
     <a:masterClrMapping/>
   </p:clrMapOvr>
+  <p:timing>
+    <p:tnLst>
+      <p:par>
+        <p:cTn id="1" dur="indefinite" restart="never" nodeType="tmRoot"/>
+      </p:par>
+    </p:tnLst>
+  </p:timing>
 </p:sld>
 </file>
 
@@ -36898,6 +37453,13 @@
   <p:clrMapOvr>
     <a:masterClrMapping/>
   </p:clrMapOvr>
+  <p:timing>
+    <p:tnLst>
+      <p:par>
+        <p:cTn id="1" dur="indefinite" restart="never" nodeType="tmRoot"/>
+      </p:par>
+    </p:tnLst>
+  </p:timing>
 </p:sld>
 </file>
 
@@ -37065,6 +37627,13 @@
   <p:clrMapOvr>
     <a:overrideClrMapping bg1="lt1" tx1="dk1" bg2="dk2" tx2="lt2" accent1="accent1" accent2="accent2" accent3="accent3" accent4="accent4" accent5="accent5" accent6="accent6" hlink="hlink" folHlink="folHlink"/>
   </p:clrMapOvr>
+  <p:timing>
+    <p:tnLst>
+      <p:par>
+        <p:cTn id="1" dur="indefinite" restart="never" nodeType="tmRoot"/>
+      </p:par>
+    </p:tnLst>
+  </p:timing>
 </p:sld>
 </file>
 
@@ -37877,6 +38446,13 @@
   <p:clrMapOvr>
     <a:masterClrMapping/>
   </p:clrMapOvr>
+  <p:timing>
+    <p:tnLst>
+      <p:par>
+        <p:cTn id="1" dur="indefinite" restart="never" nodeType="tmRoot"/>
+      </p:par>
+    </p:tnLst>
+  </p:timing>
 </p:sld>
 </file>
 
@@ -37982,6 +38558,13 @@
   <p:clrMapOvr>
     <a:masterClrMapping/>
   </p:clrMapOvr>
+  <p:timing>
+    <p:tnLst>
+      <p:par>
+        <p:cTn id="1" dur="indefinite" restart="never" nodeType="tmRoot"/>
+      </p:par>
+    </p:tnLst>
+  </p:timing>
 </p:sld>
 </file>
 
@@ -38130,6 +38713,13 @@
   <p:clrMapOvr>
     <a:masterClrMapping/>
   </p:clrMapOvr>
+  <p:timing>
+    <p:tnLst>
+      <p:par>
+        <p:cTn id="1" dur="indefinite" restart="never" nodeType="tmRoot"/>
+      </p:par>
+    </p:tnLst>
+  </p:timing>
 </p:sld>
 </file>
 
@@ -38302,6 +38892,13 @@
   <p:clrMapOvr>
     <a:masterClrMapping/>
   </p:clrMapOvr>
+  <p:timing>
+    <p:tnLst>
+      <p:par>
+        <p:cTn id="1" dur="indefinite" restart="never" nodeType="tmRoot"/>
+      </p:par>
+    </p:tnLst>
+  </p:timing>
 </p:sld>
 </file>
 
@@ -38466,6 +39063,13 @@
   <p:clrMapOvr>
     <a:masterClrMapping/>
   </p:clrMapOvr>
+  <p:timing>
+    <p:tnLst>
+      <p:par>
+        <p:cTn id="1" dur="indefinite" restart="never" nodeType="tmRoot"/>
+      </p:par>
+    </p:tnLst>
+  </p:timing>
 </p:sld>
 </file>
 
@@ -38668,6 +39272,13 @@
   <p:clrMapOvr>
     <a:masterClrMapping/>
   </p:clrMapOvr>
+  <p:timing>
+    <p:tnLst>
+      <p:par>
+        <p:cTn id="1" dur="indefinite" restart="never" nodeType="tmRoot"/>
+      </p:par>
+    </p:tnLst>
+  </p:timing>
 </p:sld>
 </file>
 
@@ -38792,6 +39403,13 @@
   <p:clrMapOvr>
     <a:masterClrMapping/>
   </p:clrMapOvr>
+  <p:timing>
+    <p:tnLst>
+      <p:par>
+        <p:cTn id="1" dur="indefinite" restart="never" nodeType="tmRoot"/>
+      </p:par>
+    </p:tnLst>
+  </p:timing>
 </p:sld>
 </file>
 
@@ -38965,6 +39583,13 @@
   <p:clrMapOvr>
     <a:masterClrMapping/>
   </p:clrMapOvr>
+  <p:timing>
+    <p:tnLst>
+      <p:par>
+        <p:cTn id="1" dur="indefinite" restart="never" nodeType="tmRoot"/>
+      </p:par>
+    </p:tnLst>
+  </p:timing>
 </p:sld>
 </file>
 
